--- a/IntentionLearning_v2/slide/discussion2016.pptx
+++ b/IntentionLearning_v2/slide/discussion2016.pptx
@@ -5,7 +5,7 @@
     <p:sldMasterId id="2147483658" r:id="rId2"/>
   </p:sldMasterIdLst>
   <p:notesMasterIdLst>
-    <p:notesMasterId r:id="rId25"/>
+    <p:notesMasterId r:id="rId28"/>
   </p:notesMasterIdLst>
   <p:sldIdLst>
     <p:sldId id="256" r:id="rId3"/>
@@ -30,6 +30,9 @@
     <p:sldId id="281" r:id="rId22"/>
     <p:sldId id="282" r:id="rId23"/>
     <p:sldId id="284" r:id="rId24"/>
+    <p:sldId id="285" r:id="rId25"/>
+    <p:sldId id="286" r:id="rId26"/>
+    <p:sldId id="287" r:id="rId27"/>
   </p:sldIdLst>
   <p:sldSz cx="9144000" cy="6858000" type="screen4x3"/>
   <p:notesSz cx="6858000" cy="9144000"/>
@@ -130,7 +133,7 @@
   </p:defaultTextStyle>
   <p:extLst>
     <p:ext uri="{EFAFB233-063F-42B5-8137-9DF3F51BA10A}">
-      <p15:sldGuideLst xmlns:p15="http://schemas.microsoft.com/office/powerpoint/2012/main">
+      <p15:sldGuideLst xmlns:p15="http://schemas.microsoft.com/office/powerpoint/2012/main" xmlns="">
         <p15:guide id="1" orient="horz" pos="2160">
           <p15:clr>
             <a:srgbClr val="A4A3A4"/>
@@ -162,6 +165,7 @@
   </mc:AlternateContent>
   <c:chart>
     <c:title>
+      <c:layout/>
       <c:overlay val="0"/>
       <c:spPr>
         <a:noFill/>
@@ -299,12 +303,13 @@
           <c:showPercent val="0"/>
           <c:showBubbleSize val="0"/>
         </c:dLbls>
+        <c:marker val="1"/>
         <c:smooth val="0"/>
-        <c:axId val="268188136"/>
-        <c:axId val="268183040"/>
+        <c:axId val="204829824"/>
+        <c:axId val="204831744"/>
       </c:lineChart>
       <c:catAx>
-        <c:axId val="268188136"/>
+        <c:axId val="204829824"/>
         <c:scaling>
           <c:orientation val="minMax"/>
         </c:scaling>
@@ -353,6 +358,7 @@
               </a:p>
             </c:rich>
           </c:tx>
+          <c:layout/>
           <c:overlay val="0"/>
           <c:spPr>
             <a:noFill/>
@@ -361,26 +367,6 @@
             </a:ln>
             <a:effectLst/>
           </c:spPr>
-          <c:txPr>
-            <a:bodyPr rot="0" spcFirstLastPara="1" vertOverflow="ellipsis" vert="horz" wrap="square" anchor="ctr" anchorCtr="1"/>
-            <a:lstStyle/>
-            <a:p>
-              <a:pPr>
-                <a:defRPr sz="1000" b="0" i="0" u="none" strike="noStrike" kern="1200" baseline="0">
-                  <a:solidFill>
-                    <a:schemeClr val="tx1">
-                      <a:lumMod val="65000"/>
-                      <a:lumOff val="35000"/>
-                    </a:schemeClr>
-                  </a:solidFill>
-                  <a:latin typeface="+mn-lt"/>
-                  <a:ea typeface="+mn-ea"/>
-                  <a:cs typeface="+mn-cs"/>
-                </a:defRPr>
-              </a:pPr>
-              <a:endParaRPr lang="ja-JP"/>
-            </a:p>
-          </c:txPr>
         </c:title>
         <c:numFmt formatCode="General" sourceLinked="1"/>
         <c:majorTickMark val="none"/>
@@ -419,7 +405,7 @@
             <a:endParaRPr lang="ja-JP"/>
           </a:p>
         </c:txPr>
-        <c:crossAx val="268183040"/>
+        <c:crossAx val="204831744"/>
         <c:crosses val="autoZero"/>
         <c:auto val="1"/>
         <c:lblAlgn val="ctr"/>
@@ -427,7 +413,7 @@
         <c:noMultiLvlLbl val="0"/>
       </c:catAx>
       <c:valAx>
-        <c:axId val="268183040"/>
+        <c:axId val="204831744"/>
         <c:scaling>
           <c:orientation val="minMax"/>
         </c:scaling>
@@ -474,6 +460,7 @@
               </a:p>
             </c:rich>
           </c:tx>
+          <c:layout/>
           <c:overlay val="0"/>
           <c:spPr>
             <a:noFill/>
@@ -482,26 +469,6 @@
             </a:ln>
             <a:effectLst/>
           </c:spPr>
-          <c:txPr>
-            <a:bodyPr rot="-5400000" spcFirstLastPara="1" vertOverflow="ellipsis" vert="horz" wrap="square" anchor="ctr" anchorCtr="1"/>
-            <a:lstStyle/>
-            <a:p>
-              <a:pPr>
-                <a:defRPr sz="1000" b="0" i="0" u="none" strike="noStrike" kern="1200" baseline="0">
-                  <a:solidFill>
-                    <a:schemeClr val="tx1">
-                      <a:lumMod val="65000"/>
-                      <a:lumOff val="35000"/>
-                    </a:schemeClr>
-                  </a:solidFill>
-                  <a:latin typeface="+mn-lt"/>
-                  <a:ea typeface="+mn-ea"/>
-                  <a:cs typeface="+mn-cs"/>
-                </a:defRPr>
-              </a:pPr>
-              <a:endParaRPr lang="ja-JP"/>
-            </a:p>
-          </c:txPr>
         </c:title>
         <c:numFmt formatCode="General" sourceLinked="1"/>
         <c:majorTickMark val="none"/>
@@ -534,7 +501,7 @@
             <a:endParaRPr lang="ja-JP"/>
           </a:p>
         </c:txPr>
-        <c:crossAx val="268188136"/>
+        <c:crossAx val="204829824"/>
         <c:crosses val="autoZero"/>
         <c:crossBetween val="between"/>
       </c:valAx>
@@ -567,7 +534,7 @@
       <a:endParaRPr lang="ja-JP"/>
     </a:p>
   </c:txPr>
-  <c:externalData r:id="rId3">
+  <c:externalData r:id="rId1">
     <c:autoUpdate val="0"/>
   </c:externalData>
 </c:chartSpace>
@@ -1212,7 +1179,7 @@
             <a:fld id="{3842907C-D0AA-4C58-9F94-58B40AD65B29}" type="datetimeFigureOut">
               <a:rPr lang="ja-JP" altLang="en-US"/>
               <a:pPr/>
-              <a:t>2016/3/23</a:t>
+              <a:t>2016/4/23</a:t>
             </a:fld>
             <a:endParaRPr kumimoji="1" lang="ja-JP"/>
           </a:p>
@@ -2284,7 +2251,7 @@
             <a:fld id="{E6E13C79-1C97-4B32-B2AE-1A69C169643E}" type="datetime2">
               <a:rPr lang="ja-JP" altLang="en-US"/>
               <a:pPr/>
-              <a:t>2016年3月23日(水)</a:t>
+              <a:t>2016年4月23日(土)</a:t>
             </a:fld>
             <a:endParaRPr kumimoji="1" lang="ja-JP">
               <a:solidFill>
@@ -2528,7 +2495,7 @@
             <a:fld id="{D10E14BF-C004-4398-9186-5EE680724D95}" type="datetime2">
               <a:rPr lang="ja-JP" altLang="en-US"/>
               <a:pPr/>
-              <a:t>2016年3月23日(水)</a:t>
+              <a:t>2016年4月23日(土)</a:t>
             </a:fld>
             <a:endParaRPr kumimoji="1" lang="ja-JP"/>
           </a:p>
@@ -2753,7 +2720,7 @@
             <a:fld id="{D10E14BF-C004-4398-9186-5EE680724D95}" type="datetime2">
               <a:rPr lang="ja-JP" altLang="en-US"/>
               <a:pPr/>
-              <a:t>2016年3月23日(水)</a:t>
+              <a:t>2016年4月23日(土)</a:t>
             </a:fld>
             <a:endParaRPr kumimoji="1" lang="ja-JP"/>
           </a:p>
@@ -2953,7 +2920,7 @@
             <a:fld id="{227FEF5B-F2CC-4EC5-8F1F-29A8BF9EFFA9}" type="datetime2">
               <a:rPr lang="ja-JP" altLang="en-US"/>
               <a:pPr/>
-              <a:t>2016年3月23日(水)</a:t>
+              <a:t>2016年4月23日(土)</a:t>
             </a:fld>
             <a:endParaRPr kumimoji="1" lang="ja-JP"/>
           </a:p>
@@ -3223,7 +3190,7 @@
             <a:fld id="{5F4709C1-563D-4D9C-B702-B64C84A5A174}" type="datetime2">
               <a:rPr lang="ja-JP" altLang="en-US"/>
               <a:pPr/>
-              <a:t>2016年3月23日(水)</a:t>
+              <a:t>2016年4月23日(土)</a:t>
             </a:fld>
             <a:endParaRPr kumimoji="1" lang="ja-JP"/>
           </a:p>
@@ -3693,7 +3660,7 @@
             <a:fld id="{2E8303D9-A6EB-41FB-BF22-3F49E470997E}" type="datetime2">
               <a:rPr lang="ja-JP" altLang="en-US"/>
               <a:pPr/>
-              <a:t>2016年3月23日(水)</a:t>
+              <a:t>2016年4月23日(土)</a:t>
             </a:fld>
             <a:endParaRPr kumimoji="1" lang="ja-JP"/>
           </a:p>
@@ -4200,7 +4167,7 @@
             <a:fld id="{89BB0534-5698-4F62-9CFE-5DE61A073E78}" type="datetime2">
               <a:rPr lang="ja-JP" altLang="en-US"/>
               <a:pPr/>
-              <a:t>2016年3月23日(水)</a:t>
+              <a:t>2016年4月23日(土)</a:t>
             </a:fld>
             <a:endParaRPr kumimoji="1" lang="ja-JP"/>
           </a:p>
@@ -4298,7 +4265,7 @@
             <a:fld id="{084827A3-B249-4F87-AB1A-1E06AC1AA2A4}" type="datetime2">
               <a:rPr lang="ja-JP" altLang="en-US"/>
               <a:pPr/>
-              <a:t>2016年3月23日(水)</a:t>
+              <a:t>2016年4月23日(土)</a:t>
             </a:fld>
             <a:endParaRPr kumimoji="1" lang="ja-JP"/>
           </a:p>
@@ -4421,7 +4388,7 @@
             <a:fld id="{B1546142-29B2-49CC-BCC6-A3AD70B4960E}" type="datetime2">
               <a:rPr lang="ja-JP" altLang="en-US"/>
               <a:pPr/>
-              <a:t>2016年3月23日(水)</a:t>
+              <a:t>2016年4月23日(土)</a:t>
             </a:fld>
             <a:endParaRPr kumimoji="1" lang="ja-JP"/>
           </a:p>
@@ -4724,7 +4691,7 @@
             <a:fld id="{E86C4691-4882-40A8-AF62-8CF6A18D40B2}" type="datetime2">
               <a:rPr lang="ja-JP" altLang="en-US"/>
               <a:pPr/>
-              <a:t>2016年3月23日(水)</a:t>
+              <a:t>2016年4月23日(土)</a:t>
             </a:fld>
             <a:endParaRPr kumimoji="1" lang="ja-JP"/>
           </a:p>
@@ -4926,7 +4893,7 @@
             <a:fld id="{61C6776A-4DEC-47EE-8A49-2C150ECB5465}" type="datetime2">
               <a:rPr lang="ja-JP" altLang="en-US"/>
               <a:pPr/>
-              <a:t>2016年3月23日(水)</a:t>
+              <a:t>2016年4月23日(土)</a:t>
             </a:fld>
             <a:endParaRPr kumimoji="1" lang="ja-JP">
               <a:solidFill>
@@ -6075,7 +6042,7 @@
             <a:fld id="{D10E14BF-C004-4398-9186-5EE680724D95}" type="datetime2">
               <a:rPr lang="ja-JP" altLang="en-US"/>
               <a:pPr/>
-              <a:t>2016年3月23日(水)</a:t>
+              <a:t>2016年4月23日(土)</a:t>
             </a:fld>
             <a:endParaRPr kumimoji="1" lang="ja-JP" sz="1000">
               <a:solidFill>
@@ -6690,7 +6657,7 @@
                         <m:sSubSupPr>
                           <m:ctrlPr>
                             <a:rPr kumimoji="1" lang="en-US" altLang="ja-JP" sz="4000" i="1" smtClean="0">
-                              <a:latin typeface="Cambria Math" panose="02040503050406030204" pitchFamily="18" charset="0"/>
+                              <a:latin typeface="Cambria Math"/>
                             </a:rPr>
                           </m:ctrlPr>
                         </m:sSubSupPr>
@@ -6735,7 +6702,7 @@
                         <m:sSubSupPr>
                           <m:ctrlPr>
                             <a:rPr kumimoji="1" lang="en-US" altLang="ja-JP" sz="4000" i="1" smtClean="0">
-                              <a:latin typeface="Cambria Math" panose="02040503050406030204" pitchFamily="18" charset="0"/>
+                              <a:latin typeface="Cambria Math"/>
                             </a:rPr>
                           </m:ctrlPr>
                         </m:sSubSupPr>
@@ -6768,7 +6735,7 @@
                         <m:sSubSupPr>
                           <m:ctrlPr>
                             <a:rPr kumimoji="1" lang="en-US" altLang="ja-JP" sz="4000" i="1" smtClean="0">
-                              <a:latin typeface="Cambria Math" panose="02040503050406030204" pitchFamily="18" charset="0"/>
+                              <a:latin typeface="Cambria Math"/>
                             </a:rPr>
                           </m:ctrlPr>
                         </m:sSubSupPr>
@@ -6911,7 +6878,7 @@
                         <m:sSubSupPr>
                           <m:ctrlPr>
                             <a:rPr lang="en-US" altLang="ja-JP" sz="2800" i="1" smtClean="0">
-                              <a:latin typeface="Cambria Math" panose="02040503050406030204" pitchFamily="18" charset="0"/>
+                              <a:latin typeface="Cambria Math"/>
                             </a:rPr>
                           </m:ctrlPr>
                         </m:sSubSupPr>
@@ -6956,7 +6923,7 @@
                         <m:sSubSupPr>
                           <m:ctrlPr>
                             <a:rPr lang="en-US" altLang="ja-JP" sz="2800" i="1">
-                              <a:latin typeface="Cambria Math" panose="02040503050406030204" pitchFamily="18" charset="0"/>
+                              <a:latin typeface="Cambria Math"/>
                             </a:rPr>
                           </m:ctrlPr>
                         </m:sSubSupPr>
@@ -6989,7 +6956,7 @@
                         <m:sSubSupPr>
                           <m:ctrlPr>
                             <a:rPr lang="en-US" altLang="ja-JP" sz="2800" i="1">
-                              <a:latin typeface="Cambria Math" panose="02040503050406030204" pitchFamily="18" charset="0"/>
+                              <a:latin typeface="Cambria Math"/>
                             </a:rPr>
                           </m:ctrlPr>
                         </m:sSubSupPr>
@@ -7037,7 +7004,7 @@
                         <m:sSubSupPr>
                           <m:ctrlPr>
                             <a:rPr lang="en-US" altLang="ja-JP" sz="2800" i="1">
-                              <a:latin typeface="Cambria Math" panose="02040503050406030204" pitchFamily="18" charset="0"/>
+                              <a:latin typeface="Cambria Math"/>
                             </a:rPr>
                           </m:ctrlPr>
                         </m:sSubSupPr>
@@ -7076,7 +7043,7 @@
                         <m:sSubSupPr>
                           <m:ctrlPr>
                             <a:rPr lang="en-US" altLang="ja-JP" sz="2800" i="1">
-                              <a:latin typeface="Cambria Math" panose="02040503050406030204" pitchFamily="18" charset="0"/>
+                              <a:latin typeface="Cambria Math"/>
                             </a:rPr>
                           </m:ctrlPr>
                         </m:sSubSupPr>
@@ -7115,7 +7082,7 @@
                         <m:sSubSupPr>
                           <m:ctrlPr>
                             <a:rPr lang="en-US" altLang="ja-JP" sz="2800" i="1">
-                              <a:latin typeface="Cambria Math" panose="02040503050406030204" pitchFamily="18" charset="0"/>
+                              <a:latin typeface="Cambria Math"/>
                             </a:rPr>
                           </m:ctrlPr>
                         </m:sSubSupPr>
@@ -7124,7 +7091,7 @@
                             <m:sSupPr>
                               <m:ctrlPr>
                                 <a:rPr lang="en-US" altLang="ja-JP" sz="2800" i="1" smtClean="0">
-                                  <a:latin typeface="Cambria Math" panose="02040503050406030204" pitchFamily="18" charset="0"/>
+                                  <a:latin typeface="Cambria Math"/>
                                 </a:rPr>
                               </m:ctrlPr>
                             </m:sSupPr>
@@ -7333,7 +7300,7 @@
                       <m:sSubSupPr>
                         <m:ctrlPr>
                           <a:rPr lang="en-US" altLang="ja-JP" i="1" smtClean="0">
-                            <a:latin typeface="Cambria Math" panose="02040503050406030204" pitchFamily="18" charset="0"/>
+                            <a:latin typeface="Cambria Math"/>
                           </a:rPr>
                         </m:ctrlPr>
                       </m:sSubSupPr>
@@ -7381,7 +7348,7 @@
                       <m:sSubSupPr>
                         <m:ctrlPr>
                           <a:rPr kumimoji="1" lang="en-US" altLang="ja-JP" i="1" smtClean="0">
-                            <a:latin typeface="Cambria Math" panose="02040503050406030204" pitchFamily="18" charset="0"/>
+                            <a:latin typeface="Cambria Math"/>
                           </a:rPr>
                         </m:ctrlPr>
                       </m:sSubSupPr>
@@ -7435,7 +7402,7 @@
                         <m:sSubSupPr>
                           <m:ctrlPr>
                             <a:rPr lang="en-US" altLang="ja-JP" b="0" i="1" smtClean="0">
-                              <a:latin typeface="Cambria Math" panose="02040503050406030204" pitchFamily="18" charset="0"/>
+                              <a:latin typeface="Cambria Math"/>
                             </a:rPr>
                           </m:ctrlPr>
                         </m:sSubSupPr>
@@ -7468,7 +7435,7 @@
                         <m:sSubSupPr>
                           <m:ctrlPr>
                             <a:rPr lang="en-US" altLang="ja-JP" b="0" i="1" smtClean="0">
-                              <a:latin typeface="Cambria Math" panose="02040503050406030204" pitchFamily="18" charset="0"/>
+                              <a:latin typeface="Cambria Math"/>
                             </a:rPr>
                           </m:ctrlPr>
                         </m:sSubSupPr>
@@ -7507,7 +7474,7 @@
                         <m:sSubSupPr>
                           <m:ctrlPr>
                             <a:rPr lang="en-US" altLang="ja-JP" b="0" i="1" smtClean="0">
-                              <a:latin typeface="Cambria Math" panose="02040503050406030204" pitchFamily="18" charset="0"/>
+                              <a:latin typeface="Cambria Math"/>
                             </a:rPr>
                           </m:ctrlPr>
                         </m:sSubSupPr>
@@ -7549,7 +7516,7 @@
                         <m:sSubSupPr>
                           <m:ctrlPr>
                             <a:rPr lang="en-US" altLang="ja-JP" b="0" i="1" smtClean="0">
-                              <a:latin typeface="Cambria Math" panose="02040503050406030204" pitchFamily="18" charset="0"/>
+                              <a:latin typeface="Cambria Math"/>
                             </a:rPr>
                           </m:ctrlPr>
                         </m:sSubSupPr>
@@ -7582,7 +7549,7 @@
                         <m:dPr>
                           <m:ctrlPr>
                             <a:rPr lang="en-US" altLang="ja-JP" b="0" i="1" smtClean="0">
-                              <a:latin typeface="Cambria Math" panose="02040503050406030204" pitchFamily="18" charset="0"/>
+                              <a:latin typeface="Cambria Math"/>
                             </a:rPr>
                           </m:ctrlPr>
                         </m:dPr>
@@ -7591,7 +7558,7 @@
                             <m:sSubSupPr>
                               <m:ctrlPr>
                                 <a:rPr lang="en-US" altLang="ja-JP" b="0" i="1" smtClean="0">
-                                  <a:latin typeface="Cambria Math" panose="02040503050406030204" pitchFamily="18" charset="0"/>
+                                  <a:latin typeface="Cambria Math"/>
                                 </a:rPr>
                               </m:ctrlPr>
                             </m:sSubSupPr>
@@ -7630,7 +7597,7 @@
                             <m:sSubSupPr>
                               <m:ctrlPr>
                                 <a:rPr lang="en-US" altLang="ja-JP" b="0" i="1" smtClean="0">
-                                  <a:latin typeface="Cambria Math" panose="02040503050406030204" pitchFamily="18" charset="0"/>
+                                  <a:latin typeface="Cambria Math"/>
                                 </a:rPr>
                               </m:ctrlPr>
                             </m:sSubSupPr>
@@ -7683,7 +7650,7 @@
                         <m:sSubSupPr>
                           <m:ctrlPr>
                             <a:rPr lang="en-US" altLang="ja-JP" i="1" smtClean="0">
-                              <a:latin typeface="Cambria Math" panose="02040503050406030204" pitchFamily="18" charset="0"/>
+                              <a:latin typeface="Cambria Math"/>
                             </a:rPr>
                           </m:ctrlPr>
                         </m:sSubSupPr>
@@ -7725,7 +7692,7 @@
                         <m:sSubSupPr>
                           <m:ctrlPr>
                             <a:rPr lang="en-US" altLang="ja-JP" b="0" i="1" smtClean="0">
-                              <a:latin typeface="Cambria Math" panose="02040503050406030204" pitchFamily="18" charset="0"/>
+                              <a:latin typeface="Cambria Math"/>
                             </a:rPr>
                           </m:ctrlPr>
                         </m:sSubSupPr>
@@ -7758,7 +7725,7 @@
                         <m:sSubSupPr>
                           <m:ctrlPr>
                             <a:rPr lang="en-US" altLang="ja-JP" b="0" i="1" smtClean="0">
-                              <a:latin typeface="Cambria Math" panose="02040503050406030204" pitchFamily="18" charset="0"/>
+                              <a:latin typeface="Cambria Math"/>
                             </a:rPr>
                           </m:ctrlPr>
                         </m:sSubSupPr>
@@ -7823,7 +7790,7 @@
                         <m:sSubSupPr>
                           <m:ctrlPr>
                             <a:rPr lang="en-US" altLang="ja-JP" i="1" smtClean="0">
-                              <a:latin typeface="Cambria Math" panose="02040503050406030204" pitchFamily="18" charset="0"/>
+                              <a:latin typeface="Cambria Math"/>
                             </a:rPr>
                           </m:ctrlPr>
                         </m:sSubSupPr>
@@ -7865,7 +7832,7 @@
                         <m:sSubSupPr>
                           <m:ctrlPr>
                             <a:rPr lang="en-US" altLang="ja-JP" b="0" i="1" smtClean="0">
-                              <a:latin typeface="Cambria Math" panose="02040503050406030204" pitchFamily="18" charset="0"/>
+                              <a:latin typeface="Cambria Math"/>
                             </a:rPr>
                           </m:ctrlPr>
                         </m:sSubSupPr>
@@ -7874,7 +7841,7 @@
                             <m:sSupPr>
                               <m:ctrlPr>
                                 <a:rPr lang="en-US" altLang="ja-JP" b="0" i="1" smtClean="0">
-                                  <a:latin typeface="Cambria Math" panose="02040503050406030204" pitchFamily="18" charset="0"/>
+                                  <a:latin typeface="Cambria Math"/>
                                 </a:rPr>
                               </m:ctrlPr>
                             </m:sSupPr>
@@ -7917,7 +7884,7 @@
                         <m:sSubSupPr>
                           <m:ctrlPr>
                             <a:rPr lang="en-US" altLang="ja-JP" b="0" i="1" smtClean="0">
-                              <a:latin typeface="Cambria Math" panose="02040503050406030204" pitchFamily="18" charset="0"/>
+                              <a:latin typeface="Cambria Math"/>
                             </a:rPr>
                           </m:ctrlPr>
                         </m:sSubSupPr>
@@ -8400,7 +8367,7 @@
                         <m:sSubSupPr>
                           <m:ctrlPr>
                             <a:rPr lang="en-US" altLang="ja-JP" i="1">
-                              <a:latin typeface="Cambria Math" panose="02040503050406030204" pitchFamily="18" charset="0"/>
+                              <a:latin typeface="Cambria Math"/>
                             </a:rPr>
                           </m:ctrlPr>
                         </m:sSubSupPr>
@@ -8442,7 +8409,7 @@
                         <m:sSubSupPr>
                           <m:ctrlPr>
                             <a:rPr lang="en-US" altLang="ja-JP" i="1">
-                              <a:latin typeface="Cambria Math" panose="02040503050406030204" pitchFamily="18" charset="0"/>
+                              <a:latin typeface="Cambria Math"/>
                             </a:rPr>
                           </m:ctrlPr>
                         </m:sSubSupPr>
@@ -8451,7 +8418,7 @@
                             <m:sSupPr>
                               <m:ctrlPr>
                                 <a:rPr lang="en-US" altLang="ja-JP" i="1">
-                                  <a:latin typeface="Cambria Math" panose="02040503050406030204" pitchFamily="18" charset="0"/>
+                                  <a:latin typeface="Cambria Math"/>
                                 </a:rPr>
                               </m:ctrlPr>
                             </m:sSupPr>
@@ -8494,7 +8461,7 @@
                         <m:sSubSupPr>
                           <m:ctrlPr>
                             <a:rPr lang="en-US" altLang="ja-JP" i="1">
-                              <a:latin typeface="Cambria Math" panose="02040503050406030204" pitchFamily="18" charset="0"/>
+                              <a:latin typeface="Cambria Math"/>
                             </a:rPr>
                           </m:ctrlPr>
                         </m:sSubSupPr>
@@ -8554,7 +8521,7 @@
                           <m:supHide m:val="on"/>
                           <m:ctrlPr>
                             <a:rPr lang="en-US" altLang="ja-JP" i="1">
-                              <a:latin typeface="Cambria Math" panose="02040503050406030204" pitchFamily="18" charset="0"/>
+                              <a:latin typeface="Cambria Math"/>
                             </a:rPr>
                           </m:ctrlPr>
                         </m:naryPr>
@@ -8575,7 +8542,7 @@
                             <m:sSubSupPr>
                               <m:ctrlPr>
                                 <a:rPr lang="en-US" altLang="ja-JP" i="1">
-                                  <a:latin typeface="Cambria Math" panose="02040503050406030204" pitchFamily="18" charset="0"/>
+                                  <a:latin typeface="Cambria Math"/>
                                 </a:rPr>
                               </m:ctrlPr>
                             </m:sSubSupPr>
@@ -8646,7 +8613,7 @@
                           <m:supHide m:val="on"/>
                           <m:ctrlPr>
                             <a:rPr lang="en-US" altLang="ja-JP" i="1">
-                              <a:latin typeface="Cambria Math" panose="02040503050406030204" pitchFamily="18" charset="0"/>
+                              <a:latin typeface="Cambria Math"/>
                             </a:rPr>
                           </m:ctrlPr>
                         </m:naryPr>
@@ -8667,7 +8634,7 @@
                             <m:sSubSupPr>
                               <m:ctrlPr>
                                 <a:rPr lang="en-US" altLang="ja-JP" i="1">
-                                  <a:latin typeface="Cambria Math" panose="02040503050406030204" pitchFamily="18" charset="0"/>
+                                  <a:latin typeface="Cambria Math"/>
                                 </a:rPr>
                               </m:ctrlPr>
                             </m:sSubSupPr>
@@ -8723,7 +8690,7 @@
                           <m:supHide m:val="on"/>
                           <m:ctrlPr>
                             <a:rPr lang="en-US" altLang="ja-JP" i="1">
-                              <a:latin typeface="Cambria Math" panose="02040503050406030204" pitchFamily="18" charset="0"/>
+                              <a:latin typeface="Cambria Math"/>
                             </a:rPr>
                           </m:ctrlPr>
                         </m:naryPr>
@@ -8744,7 +8711,7 @@
                             <m:sSubSupPr>
                               <m:ctrlPr>
                                 <a:rPr lang="en-US" altLang="ja-JP" i="1">
-                                  <a:latin typeface="Cambria Math" panose="02040503050406030204" pitchFamily="18" charset="0"/>
+                                  <a:latin typeface="Cambria Math"/>
                                 </a:rPr>
                               </m:ctrlPr>
                             </m:sSubSupPr>
@@ -8945,7 +8912,7 @@
                       <m:sSubSupPr>
                         <m:ctrlPr>
                           <a:rPr kumimoji="1" lang="en-US" altLang="ja-JP" b="0" i="1" smtClean="0">
-                            <a:latin typeface="Cambria Math" panose="02040503050406030204" pitchFamily="18" charset="0"/>
+                            <a:latin typeface="Cambria Math"/>
                           </a:rPr>
                         </m:ctrlPr>
                       </m:sSubSupPr>
@@ -9021,7 +8988,7 @@
                       <m:sSubSupPr>
                         <m:ctrlPr>
                           <a:rPr kumimoji="1" lang="en-US" altLang="ja-JP" i="1" smtClean="0">
-                            <a:latin typeface="Cambria Math" panose="02040503050406030204" pitchFamily="18" charset="0"/>
+                            <a:latin typeface="Cambria Math"/>
                           </a:rPr>
                         </m:ctrlPr>
                       </m:sSubSupPr>
@@ -9417,7 +9384,7 @@
                       <m:sSubSupPr>
                         <m:ctrlPr>
                           <a:rPr kumimoji="1" lang="en-US" altLang="ja-JP" sz="1600" i="1" smtClean="0">
-                            <a:latin typeface="Cambria Math" panose="02040503050406030204" pitchFamily="18" charset="0"/>
+                            <a:latin typeface="Cambria Math"/>
                           </a:rPr>
                         </m:ctrlPr>
                       </m:sSubSupPr>
@@ -9462,7 +9429,7 @@
                       <m:sSubSupPr>
                         <m:ctrlPr>
                           <a:rPr kumimoji="1" lang="en-US" altLang="ja-JP" sz="1600" i="1" smtClean="0">
-                            <a:latin typeface="Cambria Math" panose="02040503050406030204" pitchFamily="18" charset="0"/>
+                            <a:latin typeface="Cambria Math"/>
                           </a:rPr>
                         </m:ctrlPr>
                       </m:sSubSupPr>
@@ -9595,7 +9562,7 @@
                         <m:sSubSupPr>
                           <m:ctrlPr>
                             <a:rPr kumimoji="1" lang="en-US" altLang="ja-JP" sz="1600" i="1" smtClean="0">
-                              <a:latin typeface="Cambria Math" panose="02040503050406030204" pitchFamily="18" charset="0"/>
+                              <a:latin typeface="Cambria Math"/>
                             </a:rPr>
                           </m:ctrlPr>
                         </m:sSubSupPr>
@@ -9640,7 +9607,7 @@
                         <m:sSubSupPr>
                           <m:ctrlPr>
                             <a:rPr kumimoji="1" lang="en-US" altLang="ja-JP" sz="1600" i="1">
-                              <a:latin typeface="Cambria Math" panose="02040503050406030204" pitchFamily="18" charset="0"/>
+                              <a:latin typeface="Cambria Math"/>
                             </a:rPr>
                           </m:ctrlPr>
                         </m:sSubSupPr>
@@ -9679,7 +9646,7 @@
                         <m:sSubSupPr>
                           <m:ctrlPr>
                             <a:rPr kumimoji="1" lang="en-US" altLang="ja-JP" sz="1600" i="1">
-                              <a:latin typeface="Cambria Math" panose="02040503050406030204" pitchFamily="18" charset="0"/>
+                              <a:latin typeface="Cambria Math"/>
                             </a:rPr>
                           </m:ctrlPr>
                         </m:sSubSupPr>
@@ -9688,7 +9655,7 @@
                             <m:sSupPr>
                               <m:ctrlPr>
                                 <a:rPr kumimoji="1" lang="en-US" altLang="ja-JP" sz="1600" i="1" smtClean="0">
-                                  <a:latin typeface="Cambria Math" panose="02040503050406030204" pitchFamily="18" charset="0"/>
+                                  <a:latin typeface="Cambria Math"/>
                                 </a:rPr>
                               </m:ctrlPr>
                             </m:sSupPr>
@@ -9818,7 +9785,7 @@
                       <m:sSubSupPr>
                         <m:ctrlPr>
                           <a:rPr kumimoji="1" lang="en-US" altLang="ja-JP" sz="1600" i="1">
-                            <a:latin typeface="Cambria Math" panose="02040503050406030204" pitchFamily="18" charset="0"/>
+                            <a:latin typeface="Cambria Math"/>
                           </a:rPr>
                         </m:ctrlPr>
                       </m:sSubSupPr>
@@ -9945,7 +9912,7 @@
                         <m:sSubSupPr>
                           <m:ctrlPr>
                             <a:rPr kumimoji="1" lang="en-US" altLang="ja-JP" sz="1600" i="1" smtClean="0">
-                              <a:latin typeface="Cambria Math" panose="02040503050406030204" pitchFamily="18" charset="0"/>
+                              <a:latin typeface="Cambria Math"/>
                             </a:rPr>
                           </m:ctrlPr>
                         </m:sSubSupPr>
@@ -9984,7 +9951,7 @@
                         <m:sSubSupPr>
                           <m:ctrlPr>
                             <a:rPr kumimoji="1" lang="en-US" altLang="ja-JP" sz="1600" i="1">
-                              <a:latin typeface="Cambria Math" panose="02040503050406030204" pitchFamily="18" charset="0"/>
+                              <a:latin typeface="Cambria Math"/>
                             </a:rPr>
                           </m:ctrlPr>
                         </m:sSubSupPr>
@@ -10044,7 +10011,7 @@
                         <m:sSubSupPr>
                           <m:ctrlPr>
                             <a:rPr kumimoji="1" lang="en-US" altLang="ja-JP" sz="1600" i="1">
-                              <a:latin typeface="Cambria Math" panose="02040503050406030204" pitchFamily="18" charset="0"/>
+                              <a:latin typeface="Cambria Math"/>
                             </a:rPr>
                           </m:ctrlPr>
                         </m:sSubSupPr>
@@ -10083,7 +10050,7 @@
                         <m:sSubSupPr>
                           <m:ctrlPr>
                             <a:rPr kumimoji="1" lang="en-US" altLang="ja-JP" sz="1600" i="1">
-                              <a:latin typeface="Cambria Math" panose="02040503050406030204" pitchFamily="18" charset="0"/>
+                              <a:latin typeface="Cambria Math"/>
                             </a:rPr>
                           </m:ctrlPr>
                         </m:sSubSupPr>
@@ -10122,7 +10089,7 @@
                         <m:sSubSupPr>
                           <m:ctrlPr>
                             <a:rPr kumimoji="1" lang="en-US" altLang="ja-JP" sz="1600" i="1" smtClean="0">
-                              <a:latin typeface="Cambria Math" panose="02040503050406030204" pitchFamily="18" charset="0"/>
+                              <a:latin typeface="Cambria Math"/>
                             </a:rPr>
                           </m:ctrlPr>
                         </m:sSubSupPr>
@@ -10168,7 +10135,7 @@
                         <m:sSubSupPr>
                           <m:ctrlPr>
                             <a:rPr kumimoji="1" lang="en-US" altLang="ja-JP" sz="1600" i="1">
-                              <a:latin typeface="Cambria Math" panose="02040503050406030204" pitchFamily="18" charset="0"/>
+                              <a:latin typeface="Cambria Math"/>
                             </a:rPr>
                           </m:ctrlPr>
                         </m:sSubSupPr>
@@ -10207,7 +10174,7 @@
                         <m:sSubSupPr>
                           <m:ctrlPr>
                             <a:rPr kumimoji="1" lang="en-US" altLang="ja-JP" sz="1600" i="1">
-                              <a:latin typeface="Cambria Math" panose="02040503050406030204" pitchFamily="18" charset="0"/>
+                              <a:latin typeface="Cambria Math"/>
                             </a:rPr>
                           </m:ctrlPr>
                         </m:sSubSupPr>
@@ -10469,7 +10436,7 @@
                         <m:sSubSupPr>
                           <m:ctrlPr>
                             <a:rPr kumimoji="1" lang="en-US" altLang="ja-JP" i="1">
-                              <a:latin typeface="Cambria Math" panose="02040503050406030204" pitchFamily="18" charset="0"/>
+                              <a:latin typeface="Cambria Math"/>
                             </a:rPr>
                           </m:ctrlPr>
                         </m:sSubSupPr>
@@ -11135,7 +11102,7 @@
                       <m:sSubSupPr>
                         <m:ctrlPr>
                           <a:rPr kumimoji="1" lang="en-US" altLang="ja-JP" sz="1600" i="1" smtClean="0">
-                            <a:latin typeface="Cambria Math" panose="02040503050406030204" pitchFamily="18" charset="0"/>
+                            <a:latin typeface="Cambria Math"/>
                           </a:rPr>
                         </m:ctrlPr>
                       </m:sSubSupPr>
@@ -11180,7 +11147,7 @@
                       <m:sSubSupPr>
                         <m:ctrlPr>
                           <a:rPr kumimoji="1" lang="en-US" altLang="ja-JP" sz="1600" i="1" smtClean="0">
-                            <a:latin typeface="Cambria Math" panose="02040503050406030204" pitchFamily="18" charset="0"/>
+                            <a:latin typeface="Cambria Math"/>
                           </a:rPr>
                         </m:ctrlPr>
                       </m:sSubSupPr>
@@ -11313,7 +11280,7 @@
                         <m:sSubSupPr>
                           <m:ctrlPr>
                             <a:rPr kumimoji="1" lang="en-US" altLang="ja-JP" sz="1600" i="1" smtClean="0">
-                              <a:latin typeface="Cambria Math" panose="02040503050406030204" pitchFamily="18" charset="0"/>
+                              <a:latin typeface="Cambria Math"/>
                             </a:rPr>
                           </m:ctrlPr>
                         </m:sSubSupPr>
@@ -11358,7 +11325,7 @@
                         <m:sSubSupPr>
                           <m:ctrlPr>
                             <a:rPr kumimoji="1" lang="en-US" altLang="ja-JP" sz="1600" i="1">
-                              <a:latin typeface="Cambria Math" panose="02040503050406030204" pitchFamily="18" charset="0"/>
+                              <a:latin typeface="Cambria Math"/>
                             </a:rPr>
                           </m:ctrlPr>
                         </m:sSubSupPr>
@@ -11397,7 +11364,7 @@
                         <m:sSubSupPr>
                           <m:ctrlPr>
                             <a:rPr kumimoji="1" lang="en-US" altLang="ja-JP" sz="1600" i="1">
-                              <a:latin typeface="Cambria Math" panose="02040503050406030204" pitchFamily="18" charset="0"/>
+                              <a:latin typeface="Cambria Math"/>
                             </a:rPr>
                           </m:ctrlPr>
                         </m:sSubSupPr>
@@ -11406,7 +11373,7 @@
                             <m:sSupPr>
                               <m:ctrlPr>
                                 <a:rPr kumimoji="1" lang="en-US" altLang="ja-JP" sz="1600" i="1" smtClean="0">
-                                  <a:latin typeface="Cambria Math" panose="02040503050406030204" pitchFamily="18" charset="0"/>
+                                  <a:latin typeface="Cambria Math"/>
                                 </a:rPr>
                               </m:ctrlPr>
                             </m:sSupPr>
@@ -11536,7 +11503,7 @@
                       <m:sSubSupPr>
                         <m:ctrlPr>
                           <a:rPr kumimoji="1" lang="en-US" altLang="ja-JP" sz="1600" i="1">
-                            <a:latin typeface="Cambria Math" panose="02040503050406030204" pitchFamily="18" charset="0"/>
+                            <a:latin typeface="Cambria Math"/>
                           </a:rPr>
                         </m:ctrlPr>
                       </m:sSubSupPr>
@@ -11678,7 +11645,7 @@
                       <m:sSubSupPr>
                         <m:ctrlPr>
                           <a:rPr kumimoji="1" lang="en-US" altLang="ja-JP" sz="1600" i="1">
-                            <a:latin typeface="Cambria Math" panose="02040503050406030204" pitchFamily="18" charset="0"/>
+                            <a:latin typeface="Cambria Math"/>
                           </a:rPr>
                         </m:ctrlPr>
                       </m:sSubSupPr>
@@ -12379,11 +12346,7 @@
           <a:p>
             <a:r>
               <a:rPr kumimoji="1" lang="ja-JP" altLang="en-US" dirty="0" smtClean="0"/>
-              <a:t>学習データが少ない時の近似法について</a:t>
-            </a:r>
-            <a:r>
-              <a:rPr kumimoji="1" lang="ja-JP" altLang="en-US" dirty="0" smtClean="0"/>
-              <a:t>考察</a:t>
+              <a:t>学習データが少ない時の近似法について考察</a:t>
             </a:r>
             <a:endParaRPr kumimoji="1" lang="en-US" altLang="ja-JP" dirty="0" smtClean="0"/>
           </a:p>
@@ -12462,6 +12425,561 @@
     <p:extLst>
       <p:ext uri="{BB962C8B-B14F-4D97-AF65-F5344CB8AC3E}">
         <p14:creationId xmlns:p14="http://schemas.microsoft.com/office/powerpoint/2010/main" val="848482496"/>
+      </p:ext>
+    </p:extLst>
+  </p:cSld>
+  <p:clrMapOvr>
+    <a:masterClrMapping/>
+  </p:clrMapOvr>
+</p:sld>
+</file>
+
+<file path=ppt/slides/slide23.xml><?xml version="1.0" encoding="utf-8"?>
+<p:sld xmlns:a="http://schemas.openxmlformats.org/drawingml/2006/main" xmlns:r="http://schemas.openxmlformats.org/officeDocument/2006/relationships" xmlns:p="http://schemas.openxmlformats.org/presentationml/2006/main">
+  <p:cSld>
+    <p:spTree>
+      <p:nvGrpSpPr>
+        <p:cNvPr id="1" name=""/>
+        <p:cNvGrpSpPr/>
+        <p:nvPr/>
+      </p:nvGrpSpPr>
+      <p:grpSpPr>
+        <a:xfrm>
+          <a:off x="0" y="0"/>
+          <a:ext cx="0" cy="0"/>
+          <a:chOff x="0" y="0"/>
+          <a:chExt cx="0" cy="0"/>
+        </a:xfrm>
+      </p:grpSpPr>
+      <p:sp>
+        <p:nvSpPr>
+          <p:cNvPr id="2" name="コンテンツ プレースホルダー 1"/>
+          <p:cNvSpPr>
+            <a:spLocks noGrp="1"/>
+          </p:cNvSpPr>
+          <p:nvPr>
+            <p:ph idx="1"/>
+          </p:nvPr>
+        </p:nvSpPr>
+        <p:spPr/>
+        <p:txBody>
+          <a:bodyPr/>
+          <a:lstStyle/>
+          <a:p>
+            <a:r>
+              <a:rPr kumimoji="1" lang="ja-JP" altLang="en-US" dirty="0" smtClean="0"/>
+              <a:t>近況報告</a:t>
+            </a:r>
+            <a:endParaRPr kumimoji="1" lang="en-US" altLang="ja-JP" dirty="0" smtClean="0"/>
+          </a:p>
+          <a:p>
+            <a:pPr lvl="1"/>
+            <a:r>
+              <a:rPr lang="ja-JP" altLang="en-US" dirty="0"/>
+              <a:t>遺伝的</a:t>
+            </a:r>
+            <a:r>
+              <a:rPr lang="ja-JP" altLang="en-US" dirty="0" smtClean="0"/>
+              <a:t>アルゴリズムの試用</a:t>
+            </a:r>
+            <a:endParaRPr lang="en-US" altLang="ja-JP" dirty="0" smtClean="0"/>
+          </a:p>
+          <a:p>
+            <a:pPr lvl="1"/>
+            <a:r>
+              <a:rPr lang="ja-JP" altLang="en-US" dirty="0"/>
+              <a:t>最</a:t>
+            </a:r>
+            <a:r>
+              <a:rPr lang="ja-JP" altLang="en-US" dirty="0" smtClean="0"/>
+              <a:t>急降下法を試用</a:t>
+            </a:r>
+            <a:endParaRPr lang="en-US" altLang="ja-JP" dirty="0" smtClean="0"/>
+          </a:p>
+        </p:txBody>
+      </p:sp>
+      <p:sp>
+        <p:nvSpPr>
+          <p:cNvPr id="3" name="タイトル 2"/>
+          <p:cNvSpPr>
+            <a:spLocks noGrp="1"/>
+          </p:cNvSpPr>
+          <p:nvPr>
+            <p:ph type="title"/>
+          </p:nvPr>
+        </p:nvSpPr>
+        <p:spPr/>
+        <p:txBody>
+          <a:bodyPr/>
+          <a:lstStyle/>
+          <a:p>
+            <a:r>
+              <a:rPr lang="ja-JP" altLang="en-US" dirty="0" smtClean="0"/>
+              <a:t>～</a:t>
+            </a:r>
+            <a:r>
+              <a:rPr lang="en-US" altLang="ja-JP" dirty="0" smtClean="0"/>
+              <a:t>2016/ 4/25</a:t>
+            </a:r>
+            <a:endParaRPr kumimoji="1" lang="ja-JP" altLang="en-US" dirty="0"/>
+          </a:p>
+        </p:txBody>
+      </p:sp>
+    </p:spTree>
+    <p:extLst>
+      <p:ext uri="{BB962C8B-B14F-4D97-AF65-F5344CB8AC3E}">
+        <p14:creationId xmlns:p14="http://schemas.microsoft.com/office/powerpoint/2010/main" val="3093101231"/>
+      </p:ext>
+    </p:extLst>
+  </p:cSld>
+  <p:clrMapOvr>
+    <a:masterClrMapping/>
+  </p:clrMapOvr>
+</p:sld>
+</file>
+
+<file path=ppt/slides/slide24.xml><?xml version="1.0" encoding="utf-8"?>
+<p:sld xmlns:a="http://schemas.openxmlformats.org/drawingml/2006/main" xmlns:r="http://schemas.openxmlformats.org/officeDocument/2006/relationships" xmlns:p="http://schemas.openxmlformats.org/presentationml/2006/main">
+  <p:cSld>
+    <p:spTree>
+      <p:nvGrpSpPr>
+        <p:cNvPr id="1" name=""/>
+        <p:cNvGrpSpPr/>
+        <p:nvPr/>
+      </p:nvGrpSpPr>
+      <p:grpSpPr>
+        <a:xfrm>
+          <a:off x="0" y="0"/>
+          <a:ext cx="0" cy="0"/>
+          <a:chOff x="0" y="0"/>
+          <a:chExt cx="0" cy="0"/>
+        </a:xfrm>
+      </p:grpSpPr>
+      <p:sp>
+        <p:nvSpPr>
+          <p:cNvPr id="2" name="コンテンツ プレースホルダー 1"/>
+          <p:cNvSpPr>
+            <a:spLocks noGrp="1"/>
+          </p:cNvSpPr>
+          <p:nvPr>
+            <p:ph idx="1"/>
+          </p:nvPr>
+        </p:nvSpPr>
+        <p:spPr/>
+        <p:txBody>
+          <a:bodyPr/>
+          <a:lstStyle/>
+          <a:p>
+            <a:r>
+              <a:rPr kumimoji="1" lang="ja-JP" altLang="en-US" dirty="0" smtClean="0"/>
+              <a:t>充分なデータが存在する場合，</a:t>
+            </a:r>
+            <a:r>
+              <a:rPr kumimoji="1" lang="en-US" altLang="ja-JP" dirty="0" smtClean="0"/>
+              <a:t>SOINN+</a:t>
+            </a:r>
+            <a:r>
+              <a:rPr kumimoji="1" lang="ja-JP" altLang="en-US" dirty="0" smtClean="0"/>
+              <a:t>連立方程式の手法が成功</a:t>
+            </a:r>
+            <a:endParaRPr kumimoji="1" lang="en-US" altLang="ja-JP" dirty="0" smtClean="0"/>
+          </a:p>
+          <a:p>
+            <a:r>
+              <a:rPr lang="ja-JP" altLang="en-US" dirty="0"/>
+              <a:t>データが少ない</a:t>
+            </a:r>
+            <a:r>
+              <a:rPr lang="ja-JP" altLang="en-US" dirty="0" smtClean="0"/>
+              <a:t>場合（連立方程式が解けない場合）の推定手法として，最急降下法を試用</a:t>
+            </a:r>
+            <a:endParaRPr lang="en-US" altLang="ja-JP" dirty="0" smtClean="0"/>
+          </a:p>
+        </p:txBody>
+      </p:sp>
+      <p:sp>
+        <p:nvSpPr>
+          <p:cNvPr id="3" name="タイトル 2"/>
+          <p:cNvSpPr>
+            <a:spLocks noGrp="1"/>
+          </p:cNvSpPr>
+          <p:nvPr>
+            <p:ph type="title"/>
+          </p:nvPr>
+        </p:nvSpPr>
+        <p:spPr/>
+        <p:txBody>
+          <a:bodyPr/>
+          <a:lstStyle/>
+          <a:p>
+            <a:r>
+              <a:rPr lang="ja-JP" altLang="en-US" dirty="0"/>
+              <a:t>最</a:t>
+            </a:r>
+            <a:r>
+              <a:rPr kumimoji="1" lang="ja-JP" altLang="en-US" dirty="0" smtClean="0"/>
+              <a:t>急降下法</a:t>
+            </a:r>
+            <a:endParaRPr kumimoji="1" lang="ja-JP" altLang="en-US" dirty="0"/>
+          </a:p>
+        </p:txBody>
+      </p:sp>
+    </p:spTree>
+    <p:extLst>
+      <p:ext uri="{BB962C8B-B14F-4D97-AF65-F5344CB8AC3E}">
+        <p14:creationId xmlns:p14="http://schemas.microsoft.com/office/powerpoint/2010/main" val="1732313970"/>
+      </p:ext>
+    </p:extLst>
+  </p:cSld>
+  <p:clrMapOvr>
+    <a:masterClrMapping/>
+  </p:clrMapOvr>
+</p:sld>
+</file>
+
+<file path=ppt/slides/slide25.xml><?xml version="1.0" encoding="utf-8"?>
+<p:sld xmlns:a="http://schemas.openxmlformats.org/drawingml/2006/main" xmlns:r="http://schemas.openxmlformats.org/officeDocument/2006/relationships" xmlns:p="http://schemas.openxmlformats.org/presentationml/2006/main">
+  <p:cSld>
+    <p:spTree>
+      <p:nvGrpSpPr>
+        <p:cNvPr id="1" name=""/>
+        <p:cNvGrpSpPr/>
+        <p:nvPr/>
+      </p:nvGrpSpPr>
+      <p:grpSpPr>
+        <a:xfrm>
+          <a:off x="0" y="0"/>
+          <a:ext cx="0" cy="0"/>
+          <a:chOff x="0" y="0"/>
+          <a:chExt cx="0" cy="0"/>
+        </a:xfrm>
+      </p:grpSpPr>
+      <p:sp>
+        <p:nvSpPr>
+          <p:cNvPr id="2" name="コンテンツ プレースホルダー 1"/>
+          <p:cNvSpPr>
+            <a:spLocks noGrp="1"/>
+          </p:cNvSpPr>
+          <p:nvPr>
+            <p:ph idx="1"/>
+          </p:nvPr>
+        </p:nvSpPr>
+        <p:spPr/>
+        <p:txBody>
+          <a:bodyPr/>
+          <a:lstStyle/>
+          <a:p>
+            <a:r>
+              <a:rPr kumimoji="1" lang="ja-JP" altLang="en-US" dirty="0" smtClean="0"/>
+              <a:t>充分なデータの場合</a:t>
+            </a:r>
+            <a:endParaRPr kumimoji="1" lang="en-US" altLang="ja-JP" dirty="0" smtClean="0"/>
+          </a:p>
+          <a:p>
+            <a:pPr lvl="1"/>
+            <a:endParaRPr kumimoji="1" lang="ja-JP" altLang="en-US" dirty="0"/>
+          </a:p>
+        </p:txBody>
+      </p:sp>
+      <p:sp>
+        <p:nvSpPr>
+          <p:cNvPr id="3" name="タイトル 2"/>
+          <p:cNvSpPr>
+            <a:spLocks noGrp="1"/>
+          </p:cNvSpPr>
+          <p:nvPr>
+            <p:ph type="title"/>
+          </p:nvPr>
+        </p:nvSpPr>
+        <p:spPr/>
+        <p:txBody>
+          <a:bodyPr/>
+          <a:lstStyle/>
+          <a:p>
+            <a:r>
+              <a:rPr kumimoji="1" lang="ja-JP" altLang="en-US" dirty="0" smtClean="0"/>
+              <a:t>実験</a:t>
+            </a:r>
+            <a:endParaRPr kumimoji="1" lang="ja-JP" altLang="en-US" dirty="0"/>
+          </a:p>
+        </p:txBody>
+      </p:sp>
+      <p:graphicFrame>
+        <p:nvGraphicFramePr>
+          <p:cNvPr id="4" name="表 3"/>
+          <p:cNvGraphicFramePr>
+            <a:graphicFrameLocks noGrp="1"/>
+          </p:cNvGraphicFramePr>
+          <p:nvPr>
+            <p:extLst>
+              <p:ext uri="{D42A27DB-BD31-4B8C-83A1-F6EECF244321}">
+                <p14:modId xmlns:p14="http://schemas.microsoft.com/office/powerpoint/2010/main" val="3285335183"/>
+              </p:ext>
+            </p:extLst>
+          </p:nvPr>
+        </p:nvGraphicFramePr>
+        <p:xfrm>
+          <a:off x="1115616" y="1916830"/>
+          <a:ext cx="6840760" cy="3802025"/>
+        </p:xfrm>
+        <a:graphic>
+          <a:graphicData uri="http://schemas.openxmlformats.org/drawingml/2006/table">
+            <a:tbl>
+              <a:tblPr>
+                <a:tableStyleId>{5C22544A-7EE6-4342-B048-85BDC9FD1C3A}</a:tableStyleId>
+              </a:tblPr>
+              <a:tblGrid>
+                <a:gridCol w="3420380"/>
+                <a:gridCol w="3420380"/>
+              </a:tblGrid>
+              <a:tr h="763285">
+                <a:tc>
+                  <a:txBody>
+                    <a:bodyPr/>
+                    <a:lstStyle/>
+                    <a:p>
+                      <a:pPr algn="ctr" fontAlgn="ctr"/>
+                      <a:r>
+                        <a:rPr lang="ja-JP" altLang="en-US" sz="2800" u="none" strike="noStrike" dirty="0">
+                          <a:effectLst/>
+                        </a:rPr>
+                        <a:t>閾値</a:t>
+                      </a:r>
+                      <a:endParaRPr lang="ja-JP" altLang="en-US" sz="2800" b="0" i="0" u="none" strike="noStrike" dirty="0">
+                        <a:solidFill>
+                          <a:srgbClr val="000000"/>
+                        </a:solidFill>
+                        <a:effectLst/>
+                        <a:latin typeface="ＭＳ Ｐゴシック"/>
+                      </a:endParaRPr>
+                    </a:p>
+                  </a:txBody>
+                  <a:tcPr marL="9525" marR="9525" marT="9525" marB="0" anchor="ctr"/>
+                </a:tc>
+                <a:tc>
+                  <a:txBody>
+                    <a:bodyPr/>
+                    <a:lstStyle/>
+                    <a:p>
+                      <a:pPr algn="ctr" fontAlgn="ctr"/>
+                      <a:r>
+                        <a:rPr lang="ja-JP" altLang="en-US" sz="2800" u="none" strike="noStrike" dirty="0">
+                          <a:effectLst/>
+                        </a:rPr>
+                        <a:t>学習時間</a:t>
+                      </a:r>
+                      <a:endParaRPr lang="ja-JP" altLang="en-US" sz="2800" b="0" i="0" u="none" strike="noStrike" dirty="0">
+                        <a:solidFill>
+                          <a:srgbClr val="000000"/>
+                        </a:solidFill>
+                        <a:effectLst/>
+                        <a:latin typeface="ＭＳ Ｐゴシック"/>
+                      </a:endParaRPr>
+                    </a:p>
+                  </a:txBody>
+                  <a:tcPr marL="9525" marR="9525" marT="9525" marB="0" anchor="ctr"/>
+                </a:tc>
+              </a:tr>
+              <a:tr h="748885">
+                <a:tc>
+                  <a:txBody>
+                    <a:bodyPr/>
+                    <a:lstStyle/>
+                    <a:p>
+                      <a:pPr algn="ctr" fontAlgn="ctr"/>
+                      <a:r>
+                        <a:rPr lang="en-US" altLang="ja-JP" sz="2800" u="none" strike="noStrike">
+                          <a:effectLst/>
+                        </a:rPr>
+                        <a:t>100</a:t>
+                      </a:r>
+                      <a:endParaRPr lang="en-US" altLang="ja-JP" sz="2800" b="0" i="0" u="none" strike="noStrike">
+                        <a:solidFill>
+                          <a:srgbClr val="000000"/>
+                        </a:solidFill>
+                        <a:effectLst/>
+                        <a:latin typeface="ＭＳ Ｐゴシック"/>
+                      </a:endParaRPr>
+                    </a:p>
+                  </a:txBody>
+                  <a:tcPr marL="9525" marR="9525" marT="9525" marB="0" anchor="ctr"/>
+                </a:tc>
+                <a:tc>
+                  <a:txBody>
+                    <a:bodyPr/>
+                    <a:lstStyle/>
+                    <a:p>
+                      <a:pPr algn="ctr" fontAlgn="ctr"/>
+                      <a:r>
+                        <a:rPr lang="en-US" altLang="ja-JP" sz="2800" u="none" strike="noStrike" dirty="0">
+                          <a:effectLst/>
+                        </a:rPr>
+                        <a:t>7514.861</a:t>
+                      </a:r>
+                      <a:endParaRPr lang="en-US" altLang="ja-JP" sz="2800" b="0" i="0" u="none" strike="noStrike" dirty="0">
+                        <a:solidFill>
+                          <a:srgbClr val="000000"/>
+                        </a:solidFill>
+                        <a:effectLst/>
+                        <a:latin typeface="ＭＳ Ｐゴシック"/>
+                      </a:endParaRPr>
+                    </a:p>
+                  </a:txBody>
+                  <a:tcPr marL="9525" marR="9525" marT="9525" marB="0" anchor="ctr"/>
+                </a:tc>
+              </a:tr>
+              <a:tr h="763285">
+                <a:tc>
+                  <a:txBody>
+                    <a:bodyPr/>
+                    <a:lstStyle/>
+                    <a:p>
+                      <a:pPr algn="ctr" fontAlgn="ctr"/>
+                      <a:r>
+                        <a:rPr lang="en-US" altLang="ja-JP" sz="2800" u="none" strike="noStrike">
+                          <a:effectLst/>
+                        </a:rPr>
+                        <a:t>10</a:t>
+                      </a:r>
+                      <a:endParaRPr lang="en-US" altLang="ja-JP" sz="2800" b="0" i="0" u="none" strike="noStrike">
+                        <a:solidFill>
+                          <a:srgbClr val="000000"/>
+                        </a:solidFill>
+                        <a:effectLst/>
+                        <a:latin typeface="ＭＳ Ｐゴシック"/>
+                      </a:endParaRPr>
+                    </a:p>
+                  </a:txBody>
+                  <a:tcPr marL="9525" marR="9525" marT="9525" marB="0" anchor="ctr"/>
+                </a:tc>
+                <a:tc>
+                  <a:txBody>
+                    <a:bodyPr/>
+                    <a:lstStyle/>
+                    <a:p>
+                      <a:pPr algn="ctr" fontAlgn="ctr"/>
+                      <a:r>
+                        <a:rPr lang="en-US" altLang="ja-JP" sz="2800" u="none" strike="noStrike" dirty="0">
+                          <a:effectLst/>
+                        </a:rPr>
+                        <a:t>12181.88</a:t>
+                      </a:r>
+                      <a:endParaRPr lang="en-US" altLang="ja-JP" sz="2800" b="0" i="0" u="none" strike="noStrike" dirty="0">
+                        <a:solidFill>
+                          <a:srgbClr val="000000"/>
+                        </a:solidFill>
+                        <a:effectLst/>
+                        <a:latin typeface="ＭＳ Ｐゴシック"/>
+                      </a:endParaRPr>
+                    </a:p>
+                  </a:txBody>
+                  <a:tcPr marL="9525" marR="9525" marT="9525" marB="0" anchor="ctr"/>
+                </a:tc>
+              </a:tr>
+              <a:tr h="763285">
+                <a:tc>
+                  <a:txBody>
+                    <a:bodyPr/>
+                    <a:lstStyle/>
+                    <a:p>
+                      <a:pPr algn="ctr" fontAlgn="ctr"/>
+                      <a:r>
+                        <a:rPr lang="en-US" altLang="ja-JP" sz="2800" u="none" strike="noStrike">
+                          <a:effectLst/>
+                        </a:rPr>
+                        <a:t>1</a:t>
+                      </a:r>
+                      <a:endParaRPr lang="en-US" altLang="ja-JP" sz="2800" b="0" i="0" u="none" strike="noStrike">
+                        <a:solidFill>
+                          <a:srgbClr val="000000"/>
+                        </a:solidFill>
+                        <a:effectLst/>
+                        <a:latin typeface="ＭＳ Ｐゴシック"/>
+                      </a:endParaRPr>
+                    </a:p>
+                  </a:txBody>
+                  <a:tcPr marL="9525" marR="9525" marT="9525" marB="0" anchor="ctr"/>
+                </a:tc>
+                <a:tc>
+                  <a:txBody>
+                    <a:bodyPr/>
+                    <a:lstStyle/>
+                    <a:p>
+                      <a:pPr algn="ctr" fontAlgn="ctr"/>
+                      <a:r>
+                        <a:rPr lang="en-US" altLang="ja-JP" sz="2800" u="none" strike="noStrike" dirty="0">
+                          <a:effectLst/>
+                        </a:rPr>
+                        <a:t>17934.34</a:t>
+                      </a:r>
+                      <a:endParaRPr lang="en-US" altLang="ja-JP" sz="2800" b="0" i="0" u="none" strike="noStrike" dirty="0">
+                        <a:solidFill>
+                          <a:srgbClr val="000000"/>
+                        </a:solidFill>
+                        <a:effectLst/>
+                        <a:latin typeface="ＭＳ Ｐゴシック"/>
+                      </a:endParaRPr>
+                    </a:p>
+                  </a:txBody>
+                  <a:tcPr marL="9525" marR="9525" marT="9525" marB="0" anchor="ctr"/>
+                </a:tc>
+              </a:tr>
+              <a:tr h="763285">
+                <a:tc>
+                  <a:txBody>
+                    <a:bodyPr/>
+                    <a:lstStyle/>
+                    <a:p>
+                      <a:pPr algn="ctr" fontAlgn="ctr"/>
+                      <a:r>
+                        <a:rPr lang="en-US" altLang="ja-JP" sz="2800" u="none" strike="noStrike">
+                          <a:effectLst/>
+                        </a:rPr>
+                        <a:t>0.1</a:t>
+                      </a:r>
+                      <a:endParaRPr lang="en-US" altLang="ja-JP" sz="2800" b="0" i="0" u="none" strike="noStrike">
+                        <a:solidFill>
+                          <a:srgbClr val="000000"/>
+                        </a:solidFill>
+                        <a:effectLst/>
+                        <a:latin typeface="ＭＳ Ｐゴシック"/>
+                      </a:endParaRPr>
+                    </a:p>
+                  </a:txBody>
+                  <a:tcPr marL="9525" marR="9525" marT="9525" marB="0" anchor="ctr"/>
+                </a:tc>
+                <a:tc>
+                  <a:txBody>
+                    <a:bodyPr/>
+                    <a:lstStyle/>
+                    <a:p>
+                      <a:pPr algn="ctr" fontAlgn="ctr"/>
+                      <a:r>
+                        <a:rPr lang="ja-JP" altLang="en-US" sz="2800" u="none" strike="noStrike" dirty="0">
+                          <a:effectLst/>
+                        </a:rPr>
+                        <a:t>∞</a:t>
+                      </a:r>
+                      <a:endParaRPr lang="ja-JP" altLang="en-US" sz="2800" b="0" i="0" u="none" strike="noStrike" dirty="0">
+                        <a:solidFill>
+                          <a:srgbClr val="000000"/>
+                        </a:solidFill>
+                        <a:effectLst/>
+                        <a:latin typeface="ＭＳ Ｐゴシック"/>
+                      </a:endParaRPr>
+                    </a:p>
+                  </a:txBody>
+                  <a:tcPr marL="9525" marR="9525" marT="9525" marB="0" anchor="ctr"/>
+                </a:tc>
+              </a:tr>
+            </a:tbl>
+          </a:graphicData>
+        </a:graphic>
+      </p:graphicFrame>
+    </p:spTree>
+    <p:extLst>
+      <p:ext uri="{BB962C8B-B14F-4D97-AF65-F5344CB8AC3E}">
+        <p14:creationId xmlns:p14="http://schemas.microsoft.com/office/powerpoint/2010/main" val="2211979179"/>
       </p:ext>
     </p:extLst>
   </p:cSld>
@@ -14527,7 +15045,7 @@
                       <m:dPr>
                         <m:ctrlPr>
                           <a:rPr kumimoji="1" lang="en-US" altLang="ja-JP" b="0" i="1" smtClean="0">
-                            <a:latin typeface="Cambria Math" panose="02040503050406030204" pitchFamily="18" charset="0"/>
+                            <a:latin typeface="Cambria Math"/>
                           </a:rPr>
                         </m:ctrlPr>
                       </m:dPr>
@@ -14568,7 +15086,7 @@
                       <m:dPr>
                         <m:ctrlPr>
                           <a:rPr lang="en-US" altLang="ja-JP" i="1">
-                            <a:latin typeface="Cambria Math" panose="02040503050406030204" pitchFamily="18" charset="0"/>
+                            <a:latin typeface="Cambria Math"/>
                           </a:rPr>
                         </m:ctrlPr>
                       </m:dPr>
@@ -14577,7 +15095,7 @@
                           <m:sSubPr>
                             <m:ctrlPr>
                               <a:rPr lang="en-US" altLang="ja-JP" i="1" smtClean="0">
-                                <a:latin typeface="Cambria Math" panose="02040503050406030204" pitchFamily="18" charset="0"/>
+                                <a:latin typeface="Cambria Math"/>
                               </a:rPr>
                             </m:ctrlPr>
                           </m:sSubPr>
@@ -14608,7 +15126,7 @@
                           <m:sSubPr>
                             <m:ctrlPr>
                               <a:rPr lang="en-US" altLang="ja-JP" i="1" smtClean="0">
-                                <a:latin typeface="Cambria Math" panose="02040503050406030204" pitchFamily="18" charset="0"/>
+                                <a:latin typeface="Cambria Math"/>
                               </a:rPr>
                             </m:ctrlPr>
                           </m:sSubPr>
@@ -14663,7 +15181,7 @@
                       <m:dPr>
                         <m:ctrlPr>
                           <a:rPr lang="en-US" altLang="ja-JP" i="1">
-                            <a:latin typeface="Cambria Math" panose="02040503050406030204" pitchFamily="18" charset="0"/>
+                            <a:latin typeface="Cambria Math"/>
                           </a:rPr>
                         </m:ctrlPr>
                       </m:dPr>
@@ -14672,7 +15190,7 @@
                           <m:fPr>
                             <m:ctrlPr>
                               <a:rPr lang="en-US" altLang="ja-JP" i="1" smtClean="0">
-                                <a:latin typeface="Cambria Math" panose="02040503050406030204" pitchFamily="18" charset="0"/>
+                                <a:latin typeface="Cambria Math"/>
                               </a:rPr>
                             </m:ctrlPr>
                           </m:fPr>
@@ -14681,7 +15199,7 @@
                               <m:sSubPr>
                                 <m:ctrlPr>
                                   <a:rPr lang="en-US" altLang="ja-JP" i="1" smtClean="0">
-                                    <a:latin typeface="Cambria Math" panose="02040503050406030204" pitchFamily="18" charset="0"/>
+                                    <a:latin typeface="Cambria Math"/>
                                   </a:rPr>
                                 </m:ctrlPr>
                               </m:sSubPr>
@@ -14712,7 +15230,7 @@
                               <m:sSubPr>
                                 <m:ctrlPr>
                                   <a:rPr lang="en-US" altLang="ja-JP" i="1" smtClean="0">
-                                    <a:latin typeface="Cambria Math" panose="02040503050406030204" pitchFamily="18" charset="0"/>
+                                    <a:latin typeface="Cambria Math"/>
                                   </a:rPr>
                                 </m:ctrlPr>
                               </m:sSubPr>
@@ -14753,7 +15271,7 @@
                           <m:fPr>
                             <m:ctrlPr>
                               <a:rPr lang="en-US" altLang="ja-JP" i="1" smtClean="0">
-                                <a:latin typeface="Cambria Math" panose="02040503050406030204" pitchFamily="18" charset="0"/>
+                                <a:latin typeface="Cambria Math"/>
                               </a:rPr>
                             </m:ctrlPr>
                           </m:fPr>
@@ -14762,7 +15280,7 @@
                               <m:sSubPr>
                                 <m:ctrlPr>
                                   <a:rPr lang="en-US" altLang="ja-JP" i="1" smtClean="0">
-                                    <a:latin typeface="Cambria Math" panose="02040503050406030204" pitchFamily="18" charset="0"/>
+                                    <a:latin typeface="Cambria Math"/>
                                   </a:rPr>
                                 </m:ctrlPr>
                               </m:sSubPr>
@@ -14793,7 +15311,7 @@
                               <m:sSubPr>
                                 <m:ctrlPr>
                                   <a:rPr lang="en-US" altLang="ja-JP" i="1" smtClean="0">
-                                    <a:latin typeface="Cambria Math" panose="02040503050406030204" pitchFamily="18" charset="0"/>
+                                    <a:latin typeface="Cambria Math"/>
                                   </a:rPr>
                                 </m:ctrlPr>
                               </m:sSubPr>
@@ -14858,7 +15376,7 @@
                       <m:dPr>
                         <m:ctrlPr>
                           <a:rPr lang="en-US" altLang="ja-JP" i="1">
-                            <a:latin typeface="Cambria Math" panose="02040503050406030204" pitchFamily="18" charset="0"/>
+                            <a:latin typeface="Cambria Math"/>
                           </a:rPr>
                         </m:ctrlPr>
                       </m:dPr>
@@ -14873,7 +15391,7 @@
                           <m:sSubPr>
                             <m:ctrlPr>
                               <a:rPr lang="en-US" altLang="ja-JP" b="0" i="1" smtClean="0">
-                                <a:latin typeface="Cambria Math" panose="02040503050406030204" pitchFamily="18" charset="0"/>
+                                <a:latin typeface="Cambria Math"/>
                               </a:rPr>
                             </m:ctrlPr>
                           </m:sSubPr>
@@ -14904,7 +15422,7 @@
                           <m:sSubPr>
                             <m:ctrlPr>
                               <a:rPr lang="en-US" altLang="ja-JP" b="0" i="1" smtClean="0">
-                                <a:latin typeface="Cambria Math" panose="02040503050406030204" pitchFamily="18" charset="0"/>
+                                <a:latin typeface="Cambria Math"/>
                               </a:rPr>
                             </m:ctrlPr>
                           </m:sSubPr>
@@ -14935,7 +15453,7 @@
                           <m:sSubPr>
                             <m:ctrlPr>
                               <a:rPr lang="en-US" altLang="ja-JP" i="1">
-                                <a:latin typeface="Cambria Math" panose="02040503050406030204" pitchFamily="18" charset="0"/>
+                                <a:latin typeface="Cambria Math"/>
                               </a:rPr>
                             </m:ctrlPr>
                           </m:sSubPr>
@@ -14966,7 +15484,7 @@
                           <m:sSubPr>
                             <m:ctrlPr>
                               <a:rPr lang="en-US" altLang="ja-JP" i="1">
-                                <a:latin typeface="Cambria Math" panose="02040503050406030204" pitchFamily="18" charset="0"/>
+                                <a:latin typeface="Cambria Math"/>
                               </a:rPr>
                             </m:ctrlPr>
                           </m:sSubPr>
@@ -15021,7 +15539,7 @@
                       <m:dPr>
                         <m:ctrlPr>
                           <a:rPr lang="en-US" altLang="ja-JP" i="1">
-                            <a:latin typeface="Cambria Math" panose="02040503050406030204" pitchFamily="18" charset="0"/>
+                            <a:latin typeface="Cambria Math"/>
                           </a:rPr>
                         </m:ctrlPr>
                       </m:dPr>
@@ -15036,7 +15554,7 @@
                           <m:sSubPr>
                             <m:ctrlPr>
                               <a:rPr lang="en-US" altLang="ja-JP" i="1">
-                                <a:latin typeface="Cambria Math" panose="02040503050406030204" pitchFamily="18" charset="0"/>
+                                <a:latin typeface="Cambria Math"/>
                               </a:rPr>
                             </m:ctrlPr>
                           </m:sSubPr>
@@ -15067,7 +15585,7 @@
                           <m:sSubPr>
                             <m:ctrlPr>
                               <a:rPr lang="en-US" altLang="ja-JP" i="1">
-                                <a:latin typeface="Cambria Math" panose="02040503050406030204" pitchFamily="18" charset="0"/>
+                                <a:latin typeface="Cambria Math"/>
                               </a:rPr>
                             </m:ctrlPr>
                           </m:sSubPr>
@@ -15098,7 +15616,7 @@
                           <m:sSubPr>
                             <m:ctrlPr>
                               <a:rPr lang="en-US" altLang="ja-JP" i="1">
-                                <a:latin typeface="Cambria Math" panose="02040503050406030204" pitchFamily="18" charset="0"/>
+                                <a:latin typeface="Cambria Math"/>
                               </a:rPr>
                             </m:ctrlPr>
                           </m:sSubPr>
@@ -15129,7 +15647,7 @@
                           <m:sSubPr>
                             <m:ctrlPr>
                               <a:rPr lang="en-US" altLang="ja-JP" i="1">
-                                <a:latin typeface="Cambria Math" panose="02040503050406030204" pitchFamily="18" charset="0"/>
+                                <a:latin typeface="Cambria Math"/>
                               </a:rPr>
                             </m:ctrlPr>
                           </m:sSubPr>
@@ -15184,7 +15702,7 @@
                       <m:dPr>
                         <m:ctrlPr>
                           <a:rPr lang="en-US" altLang="ja-JP" sz="1400" i="1">
-                            <a:latin typeface="Cambria Math" panose="02040503050406030204" pitchFamily="18" charset="0"/>
+                            <a:latin typeface="Cambria Math"/>
                           </a:rPr>
                         </m:ctrlPr>
                       </m:dPr>
@@ -15193,7 +15711,7 @@
                           <m:fPr>
                             <m:ctrlPr>
                               <a:rPr lang="en-US" altLang="ja-JP" sz="1400" i="1">
-                                <a:latin typeface="Cambria Math" panose="02040503050406030204" pitchFamily="18" charset="0"/>
+                                <a:latin typeface="Cambria Math"/>
                               </a:rPr>
                             </m:ctrlPr>
                           </m:fPr>
@@ -15218,7 +15736,7 @@
                           <m:dPr>
                             <m:ctrlPr>
                               <a:rPr lang="en-US" altLang="ja-JP" sz="1400" i="1">
-                                <a:latin typeface="Cambria Math" panose="02040503050406030204" pitchFamily="18" charset="0"/>
+                                <a:latin typeface="Cambria Math"/>
                               </a:rPr>
                             </m:ctrlPr>
                           </m:dPr>
@@ -15227,7 +15745,7 @@
                               <m:sSubPr>
                                 <m:ctrlPr>
                                   <a:rPr lang="en-US" altLang="ja-JP" sz="1400" i="1">
-                                    <a:latin typeface="Cambria Math" panose="02040503050406030204" pitchFamily="18" charset="0"/>
+                                    <a:latin typeface="Cambria Math"/>
                                   </a:rPr>
                                 </m:ctrlPr>
                               </m:sSubPr>
@@ -15258,7 +15776,7 @@
                               <m:sSubPr>
                                 <m:ctrlPr>
                                   <a:rPr lang="en-US" altLang="ja-JP" sz="1400" i="1">
-                                    <a:latin typeface="Cambria Math" panose="02040503050406030204" pitchFamily="18" charset="0"/>
+                                    <a:latin typeface="Cambria Math"/>
                                   </a:rPr>
                                 </m:ctrlPr>
                               </m:sSubPr>
@@ -15291,7 +15809,7 @@
                           <m:fPr>
                             <m:ctrlPr>
                               <a:rPr lang="en-US" altLang="ja-JP" sz="1400" i="1">
-                                <a:latin typeface="Cambria Math" panose="02040503050406030204" pitchFamily="18" charset="0"/>
+                                <a:latin typeface="Cambria Math"/>
                               </a:rPr>
                             </m:ctrlPr>
                           </m:fPr>
@@ -15301,7 +15819,7 @@
                                 <m:degHide m:val="on"/>
                                 <m:ctrlPr>
                                   <a:rPr lang="en-US" altLang="ja-JP" sz="1400" i="1">
-                                    <a:latin typeface="Cambria Math" panose="02040503050406030204" pitchFamily="18" charset="0"/>
+                                    <a:latin typeface="Cambria Math"/>
                                   </a:rPr>
                                 </m:ctrlPr>
                               </m:radPr>
@@ -15329,7 +15847,7 @@
                           <m:dPr>
                             <m:ctrlPr>
                               <a:rPr lang="en-US" altLang="ja-JP" sz="1400" i="1">
-                                <a:latin typeface="Cambria Math" panose="02040503050406030204" pitchFamily="18" charset="0"/>
+                                <a:latin typeface="Cambria Math"/>
                               </a:rPr>
                             </m:ctrlPr>
                           </m:dPr>
@@ -15344,7 +15862,7 @@
                               <m:sSubPr>
                                 <m:ctrlPr>
                                   <a:rPr lang="en-US" altLang="ja-JP" sz="1400" i="1">
-                                    <a:latin typeface="Cambria Math" panose="02040503050406030204" pitchFamily="18" charset="0"/>
+                                    <a:latin typeface="Cambria Math"/>
                                   </a:rPr>
                                 </m:ctrlPr>
                               </m:sSubPr>
@@ -15375,7 +15893,7 @@
                               <m:sSubPr>
                                 <m:ctrlPr>
                                   <a:rPr lang="en-US" altLang="ja-JP" sz="1400" i="1">
-                                    <a:latin typeface="Cambria Math" panose="02040503050406030204" pitchFamily="18" charset="0"/>
+                                    <a:latin typeface="Cambria Math"/>
                                   </a:rPr>
                                 </m:ctrlPr>
                               </m:sSubPr>
@@ -15408,7 +15926,7 @@
                           <m:fPr>
                             <m:ctrlPr>
                               <a:rPr lang="en-US" altLang="ja-JP" sz="1400" i="1">
-                                <a:latin typeface="Cambria Math" panose="02040503050406030204" pitchFamily="18" charset="0"/>
+                                <a:latin typeface="Cambria Math"/>
                               </a:rPr>
                             </m:ctrlPr>
                           </m:fPr>
@@ -15418,7 +15936,7 @@
                                 <m:degHide m:val="on"/>
                                 <m:ctrlPr>
                                   <a:rPr lang="en-US" altLang="ja-JP" sz="1400" i="1" smtClean="0">
-                                    <a:latin typeface="Cambria Math" panose="02040503050406030204" pitchFamily="18" charset="0"/>
+                                    <a:latin typeface="Cambria Math"/>
                                   </a:rPr>
                                 </m:ctrlPr>
                               </m:radPr>
@@ -15446,7 +15964,7 @@
                           <m:dPr>
                             <m:ctrlPr>
                               <a:rPr lang="en-US" altLang="ja-JP" sz="1400" i="1">
-                                <a:latin typeface="Cambria Math" panose="02040503050406030204" pitchFamily="18" charset="0"/>
+                                <a:latin typeface="Cambria Math"/>
                               </a:rPr>
                             </m:ctrlPr>
                           </m:dPr>
@@ -15455,7 +15973,7 @@
                               <m:sSubPr>
                                 <m:ctrlPr>
                                   <a:rPr lang="en-US" altLang="ja-JP" sz="1400" i="1">
-                                    <a:latin typeface="Cambria Math" panose="02040503050406030204" pitchFamily="18" charset="0"/>
+                                    <a:latin typeface="Cambria Math"/>
                                   </a:rPr>
                                 </m:ctrlPr>
                               </m:sSubPr>
@@ -15492,7 +16010,7 @@
                               <m:sSubPr>
                                 <m:ctrlPr>
                                   <a:rPr lang="en-US" altLang="ja-JP" sz="1400" i="1">
-                                    <a:latin typeface="Cambria Math" panose="02040503050406030204" pitchFamily="18" charset="0"/>
+                                    <a:latin typeface="Cambria Math"/>
                                   </a:rPr>
                                 </m:ctrlPr>
                               </m:sSubPr>
@@ -15531,7 +16049,7 @@
                           <m:fPr>
                             <m:ctrlPr>
                               <a:rPr lang="en-US" altLang="ja-JP" sz="1400" i="1">
-                                <a:latin typeface="Cambria Math" panose="02040503050406030204" pitchFamily="18" charset="0"/>
+                                <a:latin typeface="Cambria Math"/>
                               </a:rPr>
                             </m:ctrlPr>
                           </m:fPr>
@@ -15562,7 +16080,7 @@
                           <m:sSubPr>
                             <m:ctrlPr>
                               <a:rPr lang="en-US" altLang="ja-JP" sz="1400" i="1">
-                                <a:latin typeface="Cambria Math" panose="02040503050406030204" pitchFamily="18" charset="0"/>
+                                <a:latin typeface="Cambria Math"/>
                               </a:rPr>
                             </m:ctrlPr>
                           </m:sSubPr>
@@ -15593,7 +16111,7 @@
                           <m:sSubPr>
                             <m:ctrlPr>
                               <a:rPr lang="en-US" altLang="ja-JP" sz="1400" i="1">
-                                <a:latin typeface="Cambria Math" panose="02040503050406030204" pitchFamily="18" charset="0"/>
+                                <a:latin typeface="Cambria Math"/>
                               </a:rPr>
                             </m:ctrlPr>
                           </m:sSubPr>
@@ -15875,7 +16393,7 @@
                         <m:dPr>
                           <m:ctrlPr>
                             <a:rPr kumimoji="1" lang="en-US" altLang="ja-JP" sz="2400" i="1" smtClean="0">
-                              <a:latin typeface="Cambria Math" panose="02040503050406030204" pitchFamily="18" charset="0"/>
+                              <a:latin typeface="Cambria Math"/>
                             </a:rPr>
                           </m:ctrlPr>
                         </m:dPr>
@@ -15892,7 +16410,7 @@
                               </m:mcs>
                               <m:ctrlPr>
                                 <a:rPr kumimoji="1" lang="en-US" altLang="ja-JP" sz="2400" i="1" smtClean="0">
-                                  <a:latin typeface="Cambria Math" panose="02040503050406030204" pitchFamily="18" charset="0"/>
+                                  <a:latin typeface="Cambria Math"/>
                                 </a:rPr>
                               </m:ctrlPr>
                             </m:mPr>
@@ -15902,7 +16420,7 @@
                                   <m:sSubPr>
                                     <m:ctrlPr>
                                       <a:rPr kumimoji="1" lang="en-US" altLang="ja-JP" sz="2400" i="1" smtClean="0">
-                                        <a:latin typeface="Cambria Math" panose="02040503050406030204" pitchFamily="18" charset="0"/>
+                                        <a:latin typeface="Cambria Math"/>
                                       </a:rPr>
                                     </m:ctrlPr>
                                   </m:sSubPr>
@@ -15937,7 +16455,7 @@
                                   <m:sSubPr>
                                     <m:ctrlPr>
                                       <a:rPr kumimoji="1" lang="en-US" altLang="ja-JP" sz="2400" i="1" smtClean="0">
-                                        <a:latin typeface="Cambria Math" panose="02040503050406030204" pitchFamily="18" charset="0"/>
+                                        <a:latin typeface="Cambria Math"/>
                                       </a:rPr>
                                     </m:ctrlPr>
                                   </m:sSubPr>
@@ -15979,7 +16497,7 @@
                         <m:dPr>
                           <m:ctrlPr>
                             <a:rPr kumimoji="1" lang="en-US" altLang="ja-JP" sz="2400" i="1" smtClean="0">
-                              <a:latin typeface="Cambria Math" panose="02040503050406030204" pitchFamily="18" charset="0"/>
+                              <a:latin typeface="Cambria Math"/>
                             </a:rPr>
                           </m:ctrlPr>
                         </m:dPr>
@@ -15996,7 +16514,7 @@
                               </m:mcs>
                               <m:ctrlPr>
                                 <a:rPr kumimoji="1" lang="en-US" altLang="ja-JP" sz="2400" i="1" smtClean="0">
-                                  <a:latin typeface="Cambria Math" panose="02040503050406030204" pitchFamily="18" charset="0"/>
+                                  <a:latin typeface="Cambria Math"/>
                                 </a:rPr>
                               </m:ctrlPr>
                             </m:mPr>
@@ -16006,7 +16524,7 @@
                                   <m:funcPr>
                                     <m:ctrlPr>
                                       <a:rPr kumimoji="1" lang="en-US" altLang="ja-JP" sz="2400" i="1" smtClean="0">
-                                        <a:latin typeface="Cambria Math" panose="02040503050406030204" pitchFamily="18" charset="0"/>
+                                        <a:latin typeface="Cambria Math"/>
                                       </a:rPr>
                                     </m:ctrlPr>
                                   </m:funcPr>
@@ -16036,7 +16554,7 @@
                                       <m:fPr>
                                         <m:ctrlPr>
                                           <a:rPr lang="en-US" altLang="ja-JP" sz="2400" i="1">
-                                            <a:latin typeface="Cambria Math" panose="02040503050406030204" pitchFamily="18" charset="0"/>
+                                            <a:latin typeface="Cambria Math"/>
                                           </a:rPr>
                                         </m:ctrlPr>
                                       </m:fPr>
@@ -16072,7 +16590,7 @@
                                   <m:funcPr>
                                     <m:ctrlPr>
                                       <a:rPr kumimoji="1" lang="en-US" altLang="ja-JP" sz="2400" b="0" i="1" smtClean="0">
-                                        <a:latin typeface="Cambria Math" panose="02040503050406030204" pitchFamily="18" charset="0"/>
+                                        <a:latin typeface="Cambria Math"/>
                                       </a:rPr>
                                     </m:ctrlPr>
                                   </m:funcPr>
@@ -16092,7 +16610,7 @@
                                       <m:fPr>
                                         <m:ctrlPr>
                                           <a:rPr lang="en-US" altLang="ja-JP" sz="2400" i="1">
-                                            <a:latin typeface="Cambria Math" panose="02040503050406030204" pitchFamily="18" charset="0"/>
+                                            <a:latin typeface="Cambria Math"/>
                                           </a:rPr>
                                         </m:ctrlPr>
                                       </m:fPr>
@@ -16124,7 +16642,7 @@
                                   <m:funcPr>
                                     <m:ctrlPr>
                                       <a:rPr kumimoji="1" lang="en-US" altLang="ja-JP" sz="2400" i="1" smtClean="0">
-                                        <a:latin typeface="Cambria Math" panose="02040503050406030204" pitchFamily="18" charset="0"/>
+                                        <a:latin typeface="Cambria Math"/>
                                       </a:rPr>
                                     </m:ctrlPr>
                                   </m:funcPr>
@@ -16144,7 +16662,7 @@
                                       <m:fPr>
                                         <m:ctrlPr>
                                           <a:rPr kumimoji="1" lang="en-US" altLang="ja-JP" sz="2400" i="1" smtClean="0">
-                                            <a:latin typeface="Cambria Math" panose="02040503050406030204" pitchFamily="18" charset="0"/>
+                                            <a:latin typeface="Cambria Math"/>
                                           </a:rPr>
                                         </m:ctrlPr>
                                       </m:fPr>
@@ -16174,7 +16692,7 @@
                                   <m:funcPr>
                                     <m:ctrlPr>
                                       <a:rPr kumimoji="1" lang="en-US" altLang="ja-JP" sz="2400" i="1" smtClean="0">
-                                        <a:latin typeface="Cambria Math" panose="02040503050406030204" pitchFamily="18" charset="0"/>
+                                        <a:latin typeface="Cambria Math"/>
                                       </a:rPr>
                                     </m:ctrlPr>
                                   </m:funcPr>
@@ -16194,7 +16712,7 @@
                                       <m:fPr>
                                         <m:ctrlPr>
                                           <a:rPr lang="en-US" altLang="ja-JP" sz="2400" i="1">
-                                            <a:latin typeface="Cambria Math" panose="02040503050406030204" pitchFamily="18" charset="0"/>
+                                            <a:latin typeface="Cambria Math"/>
                                           </a:rPr>
                                         </m:ctrlPr>
                                       </m:fPr>
@@ -16227,7 +16745,7 @@
                         <m:dPr>
                           <m:ctrlPr>
                             <a:rPr lang="en-US" altLang="ja-JP" sz="2400" i="1">
-                              <a:latin typeface="Cambria Math" panose="02040503050406030204" pitchFamily="18" charset="0"/>
+                              <a:latin typeface="Cambria Math"/>
                             </a:rPr>
                           </m:ctrlPr>
                         </m:dPr>
@@ -16244,7 +16762,7 @@
                               </m:mcs>
                               <m:ctrlPr>
                                 <a:rPr lang="en-US" altLang="ja-JP" sz="2400" i="1">
-                                  <a:latin typeface="Cambria Math" panose="02040503050406030204" pitchFamily="18" charset="0"/>
+                                  <a:latin typeface="Cambria Math"/>
                                 </a:rPr>
                               </m:ctrlPr>
                             </m:mPr>
@@ -16254,7 +16772,7 @@
                                   <m:sSubPr>
                                     <m:ctrlPr>
                                       <a:rPr lang="en-US" altLang="ja-JP" sz="2400" i="1" smtClean="0">
-                                        <a:latin typeface="Cambria Math" panose="02040503050406030204" pitchFamily="18" charset="0"/>
+                                        <a:latin typeface="Cambria Math"/>
                                       </a:rPr>
                                     </m:ctrlPr>
                                   </m:sSubPr>
@@ -16288,7 +16806,7 @@
                                   <m:sSubPr>
                                     <m:ctrlPr>
                                       <a:rPr lang="en-US" altLang="ja-JP" sz="2400" i="1" smtClean="0">
-                                        <a:latin typeface="Cambria Math" panose="02040503050406030204" pitchFamily="18" charset="0"/>
+                                        <a:latin typeface="Cambria Math"/>
                                       </a:rPr>
                                     </m:ctrlPr>
                                   </m:sSubPr>
@@ -16317,7 +16835,7 @@
                                   <m:sSubPr>
                                     <m:ctrlPr>
                                       <a:rPr lang="en-US" altLang="ja-JP" sz="2400" i="1" smtClean="0">
-                                        <a:latin typeface="Cambria Math" panose="02040503050406030204" pitchFamily="18" charset="0"/>
+                                        <a:latin typeface="Cambria Math"/>
                                       </a:rPr>
                                     </m:ctrlPr>
                                   </m:sSubPr>
@@ -16348,7 +16866,7 @@
                                   <m:sSubPr>
                                     <m:ctrlPr>
                                       <a:rPr lang="en-US" altLang="ja-JP" sz="2400" i="1" smtClean="0">
-                                        <a:latin typeface="Cambria Math" panose="02040503050406030204" pitchFamily="18" charset="0"/>
+                                        <a:latin typeface="Cambria Math"/>
                                       </a:rPr>
                                     </m:ctrlPr>
                                   </m:sSubPr>
@@ -16384,7 +16902,7 @@
                         <m:dPr>
                           <m:ctrlPr>
                             <a:rPr lang="en-US" altLang="ja-JP" sz="2400" i="1">
-                              <a:latin typeface="Cambria Math" panose="02040503050406030204" pitchFamily="18" charset="0"/>
+                              <a:latin typeface="Cambria Math"/>
                             </a:rPr>
                           </m:ctrlPr>
                         </m:dPr>
@@ -16401,7 +16919,7 @@
                               </m:mcs>
                               <m:ctrlPr>
                                 <a:rPr lang="en-US" altLang="ja-JP" sz="2400" i="1">
-                                  <a:latin typeface="Cambria Math" panose="02040503050406030204" pitchFamily="18" charset="0"/>
+                                  <a:latin typeface="Cambria Math"/>
                                 </a:rPr>
                               </m:ctrlPr>
                             </m:mPr>
@@ -16411,7 +16929,7 @@
                                   <m:sSubPr>
                                     <m:ctrlPr>
                                       <a:rPr lang="en-US" altLang="ja-JP" sz="2400" i="1">
-                                        <a:latin typeface="Cambria Math" panose="02040503050406030204" pitchFamily="18" charset="0"/>
+                                        <a:latin typeface="Cambria Math"/>
                                       </a:rPr>
                                     </m:ctrlPr>
                                   </m:sSubPr>
@@ -16440,7 +16958,7 @@
                                   <m:sSubPr>
                                     <m:ctrlPr>
                                       <a:rPr lang="en-US" altLang="ja-JP" sz="2400" i="1">
-                                        <a:latin typeface="Cambria Math" panose="02040503050406030204" pitchFamily="18" charset="0"/>
+                                        <a:latin typeface="Cambria Math"/>
                                       </a:rPr>
                                     </m:ctrlPr>
                                   </m:sSubPr>
@@ -16491,7 +17009,7 @@
                         <m:dPr>
                           <m:ctrlPr>
                             <a:rPr kumimoji="1" lang="en-US" altLang="ja-JP" sz="1700" b="0" i="1" smtClean="0">
-                              <a:latin typeface="Cambria Math" panose="02040503050406030204" pitchFamily="18" charset="0"/>
+                              <a:latin typeface="Cambria Math"/>
                             </a:rPr>
                           </m:ctrlPr>
                         </m:dPr>
@@ -16508,7 +17026,7 @@
                               </m:mcs>
                               <m:ctrlPr>
                                 <a:rPr kumimoji="1" lang="en-US" altLang="ja-JP" sz="1700" b="0" i="1" smtClean="0">
-                                  <a:latin typeface="Cambria Math" panose="02040503050406030204" pitchFamily="18" charset="0"/>
+                                  <a:latin typeface="Cambria Math"/>
                                 </a:rPr>
                               </m:ctrlPr>
                             </m:mPr>
@@ -16518,7 +17036,7 @@
                                   <m:fPr>
                                     <m:ctrlPr>
                                       <a:rPr lang="en-US" altLang="ja-JP" sz="1700" i="1">
-                                        <a:latin typeface="Cambria Math" panose="02040503050406030204" pitchFamily="18" charset="0"/>
+                                        <a:latin typeface="Cambria Math"/>
                                       </a:rPr>
                                     </m:ctrlPr>
                                   </m:fPr>
@@ -16543,7 +17061,7 @@
                                   <m:sSubPr>
                                     <m:ctrlPr>
                                       <a:rPr lang="en-US" altLang="ja-JP" sz="1700" i="1">
-                                        <a:latin typeface="Cambria Math" panose="02040503050406030204" pitchFamily="18" charset="0"/>
+                                        <a:latin typeface="Cambria Math"/>
                                       </a:rPr>
                                     </m:ctrlPr>
                                   </m:sSubPr>
@@ -16574,7 +17092,7 @@
                                   <m:fPr>
                                     <m:ctrlPr>
                                       <a:rPr lang="en-US" altLang="ja-JP" sz="1700" i="1">
-                                        <a:latin typeface="Cambria Math" panose="02040503050406030204" pitchFamily="18" charset="0"/>
+                                        <a:latin typeface="Cambria Math"/>
                                       </a:rPr>
                                     </m:ctrlPr>
                                   </m:fPr>
@@ -16584,7 +17102,7 @@
                                         <m:degHide m:val="on"/>
                                         <m:ctrlPr>
                                           <a:rPr lang="en-US" altLang="ja-JP" sz="1700" i="1">
-                                            <a:latin typeface="Cambria Math" panose="02040503050406030204" pitchFamily="18" charset="0"/>
+                                            <a:latin typeface="Cambria Math"/>
                                           </a:rPr>
                                         </m:ctrlPr>
                                       </m:radPr>
@@ -16612,7 +17130,7 @@
                                   <m:sSubPr>
                                     <m:ctrlPr>
                                       <a:rPr lang="en-US" altLang="ja-JP" sz="1700" i="1">
-                                        <a:latin typeface="Cambria Math" panose="02040503050406030204" pitchFamily="18" charset="0"/>
+                                        <a:latin typeface="Cambria Math"/>
                                       </a:rPr>
                                     </m:ctrlPr>
                                   </m:sSubPr>
@@ -16643,7 +17161,7 @@
                                   <m:fPr>
                                     <m:ctrlPr>
                                       <a:rPr lang="en-US" altLang="ja-JP" sz="1700" i="1">
-                                        <a:latin typeface="Cambria Math" panose="02040503050406030204" pitchFamily="18" charset="0"/>
+                                        <a:latin typeface="Cambria Math"/>
                                       </a:rPr>
                                     </m:ctrlPr>
                                   </m:fPr>
@@ -16668,7 +17186,7 @@
                                   <m:sSubPr>
                                     <m:ctrlPr>
                                       <a:rPr lang="en-US" altLang="ja-JP" sz="1700" i="1">
-                                        <a:latin typeface="Cambria Math" panose="02040503050406030204" pitchFamily="18" charset="0"/>
+                                        <a:latin typeface="Cambria Math"/>
                                       </a:rPr>
                                     </m:ctrlPr>
                                   </m:sSubPr>
@@ -16699,7 +17217,7 @@
                                   <m:fPr>
                                     <m:ctrlPr>
                                       <a:rPr lang="en-US" altLang="ja-JP" sz="1700" i="1">
-                                        <a:latin typeface="Cambria Math" panose="02040503050406030204" pitchFamily="18" charset="0"/>
+                                        <a:latin typeface="Cambria Math"/>
                                       </a:rPr>
                                     </m:ctrlPr>
                                   </m:fPr>
@@ -16709,7 +17227,7 @@
                                         <m:degHide m:val="on"/>
                                         <m:ctrlPr>
                                           <a:rPr lang="en-US" altLang="ja-JP" sz="1700" i="1">
-                                            <a:latin typeface="Cambria Math" panose="02040503050406030204" pitchFamily="18" charset="0"/>
+                                            <a:latin typeface="Cambria Math"/>
                                           </a:rPr>
                                         </m:ctrlPr>
                                       </m:radPr>
@@ -16737,7 +17255,7 @@
                                   <m:sSubPr>
                                     <m:ctrlPr>
                                       <a:rPr lang="en-US" altLang="ja-JP" sz="1700" i="1">
-                                        <a:latin typeface="Cambria Math" panose="02040503050406030204" pitchFamily="18" charset="0"/>
+                                        <a:latin typeface="Cambria Math"/>
                                       </a:rPr>
                                     </m:ctrlPr>
                                   </m:sSubPr>
@@ -16772,7 +17290,7 @@
                                   <m:fPr>
                                     <m:ctrlPr>
                                       <a:rPr lang="en-US" altLang="ja-JP" sz="1700" i="1">
-                                        <a:latin typeface="Cambria Math" panose="02040503050406030204" pitchFamily="18" charset="0"/>
+                                        <a:latin typeface="Cambria Math"/>
                                       </a:rPr>
                                     </m:ctrlPr>
                                   </m:fPr>
@@ -16782,7 +17300,7 @@
                                         <m:degHide m:val="on"/>
                                         <m:ctrlPr>
                                           <a:rPr lang="en-US" altLang="ja-JP" sz="1700" i="1">
-                                            <a:latin typeface="Cambria Math" panose="02040503050406030204" pitchFamily="18" charset="0"/>
+                                            <a:latin typeface="Cambria Math"/>
                                           </a:rPr>
                                         </m:ctrlPr>
                                       </m:radPr>
@@ -16810,7 +17328,7 @@
                                   <m:sSubPr>
                                     <m:ctrlPr>
                                       <a:rPr lang="en-US" altLang="ja-JP" sz="1700" i="1">
-                                        <a:latin typeface="Cambria Math" panose="02040503050406030204" pitchFamily="18" charset="0"/>
+                                        <a:latin typeface="Cambria Math"/>
                                       </a:rPr>
                                     </m:ctrlPr>
                                   </m:sSubPr>
@@ -16841,7 +17359,7 @@
                                   <m:fPr>
                                     <m:ctrlPr>
                                       <a:rPr lang="en-US" altLang="ja-JP" sz="1700" i="1">
-                                        <a:latin typeface="Cambria Math" panose="02040503050406030204" pitchFamily="18" charset="0"/>
+                                        <a:latin typeface="Cambria Math"/>
                                       </a:rPr>
                                     </m:ctrlPr>
                                   </m:fPr>
@@ -16866,7 +17384,7 @@
                                   <m:sSubPr>
                                     <m:ctrlPr>
                                       <a:rPr lang="en-US" altLang="ja-JP" sz="1700" i="1">
-                                        <a:latin typeface="Cambria Math" panose="02040503050406030204" pitchFamily="18" charset="0"/>
+                                        <a:latin typeface="Cambria Math"/>
                                       </a:rPr>
                                     </m:ctrlPr>
                                   </m:sSubPr>
@@ -16897,7 +17415,7 @@
                                   <m:fPr>
                                     <m:ctrlPr>
                                       <a:rPr lang="en-US" altLang="ja-JP" sz="1700" i="1">
-                                        <a:latin typeface="Cambria Math" panose="02040503050406030204" pitchFamily="18" charset="0"/>
+                                        <a:latin typeface="Cambria Math"/>
                                       </a:rPr>
                                     </m:ctrlPr>
                                   </m:fPr>
@@ -16907,7 +17425,7 @@
                                         <m:degHide m:val="on"/>
                                         <m:ctrlPr>
                                           <a:rPr lang="en-US" altLang="ja-JP" sz="1700" i="1">
-                                            <a:latin typeface="Cambria Math" panose="02040503050406030204" pitchFamily="18" charset="0"/>
+                                            <a:latin typeface="Cambria Math"/>
                                           </a:rPr>
                                         </m:ctrlPr>
                                       </m:radPr>
@@ -16935,7 +17453,7 @@
                                   <m:sSubPr>
                                     <m:ctrlPr>
                                       <a:rPr lang="en-US" altLang="ja-JP" sz="1700" i="1">
-                                        <a:latin typeface="Cambria Math" panose="02040503050406030204" pitchFamily="18" charset="0"/>
+                                        <a:latin typeface="Cambria Math"/>
                                       </a:rPr>
                                     </m:ctrlPr>
                                   </m:sSubPr>
@@ -16966,7 +17484,7 @@
                                   <m:fPr>
                                     <m:ctrlPr>
                                       <a:rPr lang="en-US" altLang="ja-JP" sz="1700" i="1">
-                                        <a:latin typeface="Cambria Math" panose="02040503050406030204" pitchFamily="18" charset="0"/>
+                                        <a:latin typeface="Cambria Math"/>
                                       </a:rPr>
                                     </m:ctrlPr>
                                   </m:fPr>
@@ -16991,7 +17509,7 @@
                                   <m:sSubPr>
                                     <m:ctrlPr>
                                       <a:rPr lang="en-US" altLang="ja-JP" sz="1700" i="1">
-                                        <a:latin typeface="Cambria Math" panose="02040503050406030204" pitchFamily="18" charset="0"/>
+                                        <a:latin typeface="Cambria Math"/>
                                       </a:rPr>
                                     </m:ctrlPr>
                                   </m:sSubPr>
@@ -17042,7 +17560,7 @@
                         <m:dPr>
                           <m:ctrlPr>
                             <a:rPr kumimoji="1" lang="en-US" altLang="ja-JP" sz="1700" b="0" i="1" smtClean="0">
-                              <a:latin typeface="Cambria Math" panose="02040503050406030204" pitchFamily="18" charset="0"/>
+                              <a:latin typeface="Cambria Math"/>
                             </a:rPr>
                           </m:ctrlPr>
                         </m:dPr>
@@ -17059,7 +17577,7 @@
                               </m:mcs>
                               <m:ctrlPr>
                                 <a:rPr kumimoji="1" lang="en-US" altLang="ja-JP" sz="1700" b="0" i="1" smtClean="0">
-                                  <a:latin typeface="Cambria Math" panose="02040503050406030204" pitchFamily="18" charset="0"/>
+                                  <a:latin typeface="Cambria Math"/>
                                 </a:rPr>
                               </m:ctrlPr>
                             </m:mPr>
@@ -17077,7 +17595,7 @@
                                     </m:mcs>
                                     <m:ctrlPr>
                                       <a:rPr kumimoji="1" lang="en-US" altLang="ja-JP" sz="1700" b="0" i="1" smtClean="0">
-                                        <a:latin typeface="Cambria Math" panose="02040503050406030204" pitchFamily="18" charset="0"/>
+                                        <a:latin typeface="Cambria Math"/>
                                       </a:rPr>
                                     </m:ctrlPr>
                                   </m:mPr>
@@ -17087,7 +17605,7 @@
                                         <m:fPr>
                                           <m:ctrlPr>
                                             <a:rPr kumimoji="1" lang="en-US" altLang="ja-JP" sz="1700" b="0" i="1" smtClean="0">
-                                              <a:latin typeface="Cambria Math" panose="02040503050406030204" pitchFamily="18" charset="0"/>
+                                              <a:latin typeface="Cambria Math"/>
                                             </a:rPr>
                                           </m:ctrlPr>
                                         </m:fPr>
@@ -17114,7 +17632,7 @@
                                         <m:fPr>
                                           <m:ctrlPr>
                                             <a:rPr kumimoji="1" lang="en-US" altLang="ja-JP" sz="1700" b="0" i="1" smtClean="0">
-                                              <a:latin typeface="Cambria Math" panose="02040503050406030204" pitchFamily="18" charset="0"/>
+                                              <a:latin typeface="Cambria Math"/>
                                             </a:rPr>
                                           </m:ctrlPr>
                                         </m:fPr>
@@ -17124,7 +17642,7 @@
                                               <m:degHide m:val="on"/>
                                               <m:ctrlPr>
                                                 <a:rPr kumimoji="1" lang="en-US" altLang="ja-JP" sz="1700" b="0" i="1" smtClean="0">
-                                                  <a:latin typeface="Cambria Math" panose="02040503050406030204" pitchFamily="18" charset="0"/>
+                                                  <a:latin typeface="Cambria Math"/>
                                                 </a:rPr>
                                               </m:ctrlPr>
                                             </m:radPr>
@@ -17165,7 +17683,7 @@
                                     </m:mcs>
                                     <m:ctrlPr>
                                       <a:rPr kumimoji="1" lang="en-US" altLang="ja-JP" sz="1700" b="0" i="1" smtClean="0">
-                                        <a:latin typeface="Cambria Math" panose="02040503050406030204" pitchFamily="18" charset="0"/>
+                                        <a:latin typeface="Cambria Math"/>
                                       </a:rPr>
                                     </m:ctrlPr>
                                   </m:mPr>
@@ -17175,7 +17693,7 @@
                                         <m:fPr>
                                           <m:ctrlPr>
                                             <a:rPr kumimoji="1" lang="en-US" altLang="ja-JP" sz="1700" b="0" i="1" smtClean="0">
-                                              <a:latin typeface="Cambria Math" panose="02040503050406030204" pitchFamily="18" charset="0"/>
+                                              <a:latin typeface="Cambria Math"/>
                                             </a:rPr>
                                           </m:ctrlPr>
                                         </m:fPr>
@@ -17208,7 +17726,7 @@
                                         <m:fPr>
                                           <m:ctrlPr>
                                             <a:rPr kumimoji="1" lang="en-US" altLang="ja-JP" sz="1700" b="0" i="1" smtClean="0">
-                                              <a:latin typeface="Cambria Math" panose="02040503050406030204" pitchFamily="18" charset="0"/>
+                                              <a:latin typeface="Cambria Math"/>
                                             </a:rPr>
                                           </m:ctrlPr>
                                         </m:fPr>
@@ -17218,7 +17736,7 @@
                                               <m:degHide m:val="on"/>
                                               <m:ctrlPr>
                                                 <a:rPr kumimoji="1" lang="en-US" altLang="ja-JP" sz="1700" b="0" i="1" smtClean="0">
-                                                  <a:latin typeface="Cambria Math" panose="02040503050406030204" pitchFamily="18" charset="0"/>
+                                                  <a:latin typeface="Cambria Math"/>
                                                 </a:rPr>
                                               </m:ctrlPr>
                                             </m:radPr>
@@ -17261,7 +17779,7 @@
                                     </m:mcs>
                                     <m:ctrlPr>
                                       <a:rPr kumimoji="1" lang="en-US" altLang="ja-JP" sz="1700" b="0" i="1" smtClean="0">
-                                        <a:latin typeface="Cambria Math" panose="02040503050406030204" pitchFamily="18" charset="0"/>
+                                        <a:latin typeface="Cambria Math"/>
                                       </a:rPr>
                                     </m:ctrlPr>
                                   </m:mPr>
@@ -17280,7 +17798,7 @@
                                         <m:fPr>
                                           <m:ctrlPr>
                                             <a:rPr kumimoji="1" lang="en-US" altLang="ja-JP" sz="1700" b="0" i="1" smtClean="0">
-                                              <a:latin typeface="Cambria Math" panose="02040503050406030204" pitchFamily="18" charset="0"/>
+                                              <a:latin typeface="Cambria Math"/>
                                             </a:rPr>
                                           </m:ctrlPr>
                                         </m:fPr>
@@ -17290,7 +17808,7 @@
                                               <m:degHide m:val="on"/>
                                               <m:ctrlPr>
                                                 <a:rPr kumimoji="1" lang="en-US" altLang="ja-JP" sz="1700" b="0" i="1" smtClean="0">
-                                                  <a:latin typeface="Cambria Math" panose="02040503050406030204" pitchFamily="18" charset="0"/>
+                                                  <a:latin typeface="Cambria Math"/>
                                                 </a:rPr>
                                               </m:ctrlPr>
                                             </m:radPr>
@@ -17320,7 +17838,7 @@
                                         <m:fPr>
                                           <m:ctrlPr>
                                             <a:rPr kumimoji="1" lang="en-US" altLang="ja-JP" sz="1700" b="0" i="1" smtClean="0">
-                                              <a:latin typeface="Cambria Math" panose="02040503050406030204" pitchFamily="18" charset="0"/>
+                                              <a:latin typeface="Cambria Math"/>
                                             </a:rPr>
                                           </m:ctrlPr>
                                         </m:fPr>
@@ -17358,7 +17876,7 @@
                                     </m:mcs>
                                     <m:ctrlPr>
                                       <a:rPr kumimoji="1" lang="en-US" altLang="ja-JP" sz="1700" b="0" i="1" smtClean="0">
-                                        <a:latin typeface="Cambria Math" panose="02040503050406030204" pitchFamily="18" charset="0"/>
+                                        <a:latin typeface="Cambria Math"/>
                                       </a:rPr>
                                     </m:ctrlPr>
                                   </m:mPr>
@@ -17368,7 +17886,7 @@
                                         <m:fPr>
                                           <m:ctrlPr>
                                             <a:rPr kumimoji="1" lang="en-US" altLang="ja-JP" sz="1700" b="0" i="1" smtClean="0">
-                                              <a:latin typeface="Cambria Math" panose="02040503050406030204" pitchFamily="18" charset="0"/>
+                                              <a:latin typeface="Cambria Math"/>
                                             </a:rPr>
                                           </m:ctrlPr>
                                         </m:fPr>
@@ -17378,7 +17896,7 @@
                                               <m:degHide m:val="on"/>
                                               <m:ctrlPr>
                                                 <a:rPr kumimoji="1" lang="en-US" altLang="ja-JP" sz="1700" b="0" i="1" smtClean="0">
-                                                  <a:latin typeface="Cambria Math" panose="02040503050406030204" pitchFamily="18" charset="0"/>
+                                                  <a:latin typeface="Cambria Math"/>
                                                 </a:rPr>
                                               </m:ctrlPr>
                                             </m:radPr>
@@ -17408,7 +17926,7 @@
                                         <m:fPr>
                                           <m:ctrlPr>
                                             <a:rPr kumimoji="1" lang="en-US" altLang="ja-JP" sz="1700" b="0" i="1" smtClean="0">
-                                              <a:latin typeface="Cambria Math" panose="02040503050406030204" pitchFamily="18" charset="0"/>
+                                              <a:latin typeface="Cambria Math"/>
                                             </a:rPr>
                                           </m:ctrlPr>
                                         </m:fPr>
@@ -17441,7 +17959,7 @@
                         <m:dPr>
                           <m:ctrlPr>
                             <a:rPr kumimoji="1" lang="en-US" altLang="ja-JP" sz="1700" b="0" i="1" smtClean="0">
-                              <a:latin typeface="Cambria Math" panose="02040503050406030204" pitchFamily="18" charset="0"/>
+                              <a:latin typeface="Cambria Math"/>
                             </a:rPr>
                           </m:ctrlPr>
                         </m:dPr>
@@ -17458,7 +17976,7 @@
                               </m:mcs>
                               <m:ctrlPr>
                                 <a:rPr kumimoji="1" lang="en-US" altLang="ja-JP" sz="1700" b="0" i="1" smtClean="0">
-                                  <a:latin typeface="Cambria Math" panose="02040503050406030204" pitchFamily="18" charset="0"/>
+                                  <a:latin typeface="Cambria Math"/>
                                 </a:rPr>
                               </m:ctrlPr>
                             </m:mPr>
@@ -17476,7 +17994,7 @@
                                     </m:mcs>
                                     <m:ctrlPr>
                                       <a:rPr kumimoji="1" lang="en-US" altLang="ja-JP" sz="1700" b="0" i="1" smtClean="0">
-                                        <a:latin typeface="Cambria Math" panose="02040503050406030204" pitchFamily="18" charset="0"/>
+                                        <a:latin typeface="Cambria Math"/>
                                       </a:rPr>
                                     </m:ctrlPr>
                                   </m:mPr>
@@ -17486,7 +18004,7 @@
                                         <m:sSubPr>
                                           <m:ctrlPr>
                                             <a:rPr kumimoji="1" lang="en-US" altLang="ja-JP" sz="1700" b="0" i="1" smtClean="0">
-                                              <a:latin typeface="Cambria Math" panose="02040503050406030204" pitchFamily="18" charset="0"/>
+                                              <a:latin typeface="Cambria Math"/>
                                             </a:rPr>
                                           </m:ctrlPr>
                                         </m:sSubPr>
@@ -17515,7 +18033,7 @@
                                         <m:sSubPr>
                                           <m:ctrlPr>
                                             <a:rPr kumimoji="1" lang="en-US" altLang="ja-JP" sz="1700" b="0" i="1" smtClean="0">
-                                              <a:latin typeface="Cambria Math" panose="02040503050406030204" pitchFamily="18" charset="0"/>
+                                              <a:latin typeface="Cambria Math"/>
                                             </a:rPr>
                                           </m:ctrlPr>
                                         </m:sSubPr>
@@ -17555,7 +18073,7 @@
                                     </m:mcs>
                                     <m:ctrlPr>
                                       <a:rPr kumimoji="1" lang="en-US" altLang="ja-JP" sz="1700" b="0" i="1" smtClean="0">
-                                        <a:latin typeface="Cambria Math" panose="02040503050406030204" pitchFamily="18" charset="0"/>
+                                        <a:latin typeface="Cambria Math"/>
                                       </a:rPr>
                                     </m:ctrlPr>
                                   </m:mPr>
@@ -17565,7 +18083,7 @@
                                         <m:sSubPr>
                                           <m:ctrlPr>
                                             <a:rPr kumimoji="1" lang="en-US" altLang="ja-JP" sz="1700" b="0" i="1" smtClean="0">
-                                              <a:latin typeface="Cambria Math" panose="02040503050406030204" pitchFamily="18" charset="0"/>
+                                              <a:latin typeface="Cambria Math"/>
                                             </a:rPr>
                                           </m:ctrlPr>
                                         </m:sSubPr>
@@ -17594,7 +18112,7 @@
                                         <m:sSubPr>
                                           <m:ctrlPr>
                                             <a:rPr kumimoji="1" lang="en-US" altLang="ja-JP" sz="1700" b="0" i="1" smtClean="0">
-                                              <a:latin typeface="Cambria Math" panose="02040503050406030204" pitchFamily="18" charset="0"/>
+                                              <a:latin typeface="Cambria Math"/>
                                             </a:rPr>
                                           </m:ctrlPr>
                                         </m:sSubPr>
@@ -18069,7 +18587,7 @@
   <a:extraClrSchemeLst/>
   <a:extLst>
     <a:ext uri="{05A4C25C-085E-4340-85A3-A5531E510DB2}">
-      <thm15:themeFamily xmlns:thm15="http://schemas.microsoft.com/office/thememl/2012/main" name="ディスカッション用テンプレート.potx" id="{12A35EAA-6BC9-4F93-95E1-8BE386309242}" vid="{5CEE4BE6-EBAF-479F-A495-657B108E5408}"/>
+      <thm15:themeFamily xmlns:thm15="http://schemas.microsoft.com/office/thememl/2012/main" xmlns="" name="ディスカッション用テンプレート.potx" id="{12A35EAA-6BC9-4F93-95E1-8BE386309242}" vid="{5CEE4BE6-EBAF-479F-A495-657B108E5408}"/>
     </a:ext>
   </a:extLst>
 </a:theme>

--- a/IntentionLearning_v2/slide/discussion2016.pptx
+++ b/IntentionLearning_v2/slide/discussion2016.pptx
@@ -5,7 +5,7 @@
     <p:sldMasterId id="2147483658" r:id="rId2"/>
   </p:sldMasterIdLst>
   <p:notesMasterIdLst>
-    <p:notesMasterId r:id="rId28"/>
+    <p:notesMasterId r:id="rId30"/>
   </p:notesMasterIdLst>
   <p:sldIdLst>
     <p:sldId id="256" r:id="rId3"/>
@@ -33,6 +33,8 @@
     <p:sldId id="285" r:id="rId25"/>
     <p:sldId id="286" r:id="rId26"/>
     <p:sldId id="287" r:id="rId27"/>
+    <p:sldId id="288" r:id="rId28"/>
+    <p:sldId id="289" r:id="rId29"/>
   </p:sldIdLst>
   <p:sldSz cx="9144000" cy="6858000" type="screen4x3"/>
   <p:notesSz cx="6858000" cy="9144000"/>
@@ -133,7 +135,7 @@
   </p:defaultTextStyle>
   <p:extLst>
     <p:ext uri="{EFAFB233-063F-42B5-8137-9DF3F51BA10A}">
-      <p15:sldGuideLst xmlns:p15="http://schemas.microsoft.com/office/powerpoint/2012/main" xmlns="">
+      <p15:sldGuideLst xmlns="" xmlns:p15="http://schemas.microsoft.com/office/powerpoint/2012/main">
         <p15:guide id="1" orient="horz" pos="2160">
           <p15:clr>
             <a:srgbClr val="A4A3A4"/>
@@ -305,11 +307,11 @@
         </c:dLbls>
         <c:marker val="1"/>
         <c:smooth val="0"/>
-        <c:axId val="204829824"/>
-        <c:axId val="204831744"/>
+        <c:axId val="204768384"/>
+        <c:axId val="204770304"/>
       </c:lineChart>
       <c:catAx>
-        <c:axId val="204829824"/>
+        <c:axId val="204768384"/>
         <c:scaling>
           <c:orientation val="minMax"/>
         </c:scaling>
@@ -405,7 +407,7 @@
             <a:endParaRPr lang="ja-JP"/>
           </a:p>
         </c:txPr>
-        <c:crossAx val="204831744"/>
+        <c:crossAx val="204770304"/>
         <c:crosses val="autoZero"/>
         <c:auto val="1"/>
         <c:lblAlgn val="ctr"/>
@@ -413,7 +415,7 @@
         <c:noMultiLvlLbl val="0"/>
       </c:catAx>
       <c:valAx>
-        <c:axId val="204831744"/>
+        <c:axId val="204770304"/>
         <c:scaling>
           <c:orientation val="minMax"/>
         </c:scaling>
@@ -501,7 +503,7 @@
             <a:endParaRPr lang="ja-JP"/>
           </a:p>
         </c:txPr>
-        <c:crossAx val="204829824"/>
+        <c:crossAx val="204768384"/>
         <c:crosses val="autoZero"/>
         <c:crossBetween val="between"/>
       </c:valAx>
@@ -1179,7 +1181,7 @@
             <a:fld id="{3842907C-D0AA-4C58-9F94-58B40AD65B29}" type="datetimeFigureOut">
               <a:rPr lang="ja-JP" altLang="en-US"/>
               <a:pPr/>
-              <a:t>2016/4/23</a:t>
+              <a:t>2016/4/24</a:t>
             </a:fld>
             <a:endParaRPr kumimoji="1" lang="ja-JP"/>
           </a:p>
@@ -2251,7 +2253,7 @@
             <a:fld id="{E6E13C79-1C97-4B32-B2AE-1A69C169643E}" type="datetime2">
               <a:rPr lang="ja-JP" altLang="en-US"/>
               <a:pPr/>
-              <a:t>2016年4月23日(土)</a:t>
+              <a:t>2016年4月24日(日)</a:t>
             </a:fld>
             <a:endParaRPr kumimoji="1" lang="ja-JP">
               <a:solidFill>
@@ -2495,7 +2497,7 @@
             <a:fld id="{D10E14BF-C004-4398-9186-5EE680724D95}" type="datetime2">
               <a:rPr lang="ja-JP" altLang="en-US"/>
               <a:pPr/>
-              <a:t>2016年4月23日(土)</a:t>
+              <a:t>2016年4月24日(日)</a:t>
             </a:fld>
             <a:endParaRPr kumimoji="1" lang="ja-JP"/>
           </a:p>
@@ -2720,7 +2722,7 @@
             <a:fld id="{D10E14BF-C004-4398-9186-5EE680724D95}" type="datetime2">
               <a:rPr lang="ja-JP" altLang="en-US"/>
               <a:pPr/>
-              <a:t>2016年4月23日(土)</a:t>
+              <a:t>2016年4月24日(日)</a:t>
             </a:fld>
             <a:endParaRPr kumimoji="1" lang="ja-JP"/>
           </a:p>
@@ -2920,7 +2922,7 @@
             <a:fld id="{227FEF5B-F2CC-4EC5-8F1F-29A8BF9EFFA9}" type="datetime2">
               <a:rPr lang="ja-JP" altLang="en-US"/>
               <a:pPr/>
-              <a:t>2016年4月23日(土)</a:t>
+              <a:t>2016年4月24日(日)</a:t>
             </a:fld>
             <a:endParaRPr kumimoji="1" lang="ja-JP"/>
           </a:p>
@@ -3190,7 +3192,7 @@
             <a:fld id="{5F4709C1-563D-4D9C-B702-B64C84A5A174}" type="datetime2">
               <a:rPr lang="ja-JP" altLang="en-US"/>
               <a:pPr/>
-              <a:t>2016年4月23日(土)</a:t>
+              <a:t>2016年4月24日(日)</a:t>
             </a:fld>
             <a:endParaRPr kumimoji="1" lang="ja-JP"/>
           </a:p>
@@ -3660,7 +3662,7 @@
             <a:fld id="{2E8303D9-A6EB-41FB-BF22-3F49E470997E}" type="datetime2">
               <a:rPr lang="ja-JP" altLang="en-US"/>
               <a:pPr/>
-              <a:t>2016年4月23日(土)</a:t>
+              <a:t>2016年4月24日(日)</a:t>
             </a:fld>
             <a:endParaRPr kumimoji="1" lang="ja-JP"/>
           </a:p>
@@ -4167,7 +4169,7 @@
             <a:fld id="{89BB0534-5698-4F62-9CFE-5DE61A073E78}" type="datetime2">
               <a:rPr lang="ja-JP" altLang="en-US"/>
               <a:pPr/>
-              <a:t>2016年4月23日(土)</a:t>
+              <a:t>2016年4月24日(日)</a:t>
             </a:fld>
             <a:endParaRPr kumimoji="1" lang="ja-JP"/>
           </a:p>
@@ -4265,7 +4267,7 @@
             <a:fld id="{084827A3-B249-4F87-AB1A-1E06AC1AA2A4}" type="datetime2">
               <a:rPr lang="ja-JP" altLang="en-US"/>
               <a:pPr/>
-              <a:t>2016年4月23日(土)</a:t>
+              <a:t>2016年4月24日(日)</a:t>
             </a:fld>
             <a:endParaRPr kumimoji="1" lang="ja-JP"/>
           </a:p>
@@ -4388,7 +4390,7 @@
             <a:fld id="{B1546142-29B2-49CC-BCC6-A3AD70B4960E}" type="datetime2">
               <a:rPr lang="ja-JP" altLang="en-US"/>
               <a:pPr/>
-              <a:t>2016年4月23日(土)</a:t>
+              <a:t>2016年4月24日(日)</a:t>
             </a:fld>
             <a:endParaRPr kumimoji="1" lang="ja-JP"/>
           </a:p>
@@ -4691,7 +4693,7 @@
             <a:fld id="{E86C4691-4882-40A8-AF62-8CF6A18D40B2}" type="datetime2">
               <a:rPr lang="ja-JP" altLang="en-US"/>
               <a:pPr/>
-              <a:t>2016年4月23日(土)</a:t>
+              <a:t>2016年4月24日(日)</a:t>
             </a:fld>
             <a:endParaRPr kumimoji="1" lang="ja-JP"/>
           </a:p>
@@ -4893,7 +4895,7 @@
             <a:fld id="{61C6776A-4DEC-47EE-8A49-2C150ECB5465}" type="datetime2">
               <a:rPr lang="ja-JP" altLang="en-US"/>
               <a:pPr/>
-              <a:t>2016年4月23日(土)</a:t>
+              <a:t>2016年4月24日(日)</a:t>
             </a:fld>
             <a:endParaRPr kumimoji="1" lang="ja-JP">
               <a:solidFill>
@@ -6042,7 +6044,7 @@
             <a:fld id="{D10E14BF-C004-4398-9186-5EE680724D95}" type="datetime2">
               <a:rPr lang="ja-JP" altLang="en-US"/>
               <a:pPr/>
-              <a:t>2016年4月23日(土)</a:t>
+              <a:t>2016年4月24日(日)</a:t>
             </a:fld>
             <a:endParaRPr kumimoji="1" lang="ja-JP" sz="1000">
               <a:solidFill>
@@ -12980,6 +12982,275 @@
     <p:extLst>
       <p:ext uri="{BB962C8B-B14F-4D97-AF65-F5344CB8AC3E}">
         <p14:creationId xmlns:p14="http://schemas.microsoft.com/office/powerpoint/2010/main" val="2211979179"/>
+      </p:ext>
+    </p:extLst>
+  </p:cSld>
+  <p:clrMapOvr>
+    <a:masterClrMapping/>
+  </p:clrMapOvr>
+</p:sld>
+</file>
+
+<file path=ppt/slides/slide26.xml><?xml version="1.0" encoding="utf-8"?>
+<p:sld xmlns:a="http://schemas.openxmlformats.org/drawingml/2006/main" xmlns:r="http://schemas.openxmlformats.org/officeDocument/2006/relationships" xmlns:p="http://schemas.openxmlformats.org/presentationml/2006/main">
+  <p:cSld>
+    <p:spTree>
+      <p:nvGrpSpPr>
+        <p:cNvPr id="1" name=""/>
+        <p:cNvGrpSpPr/>
+        <p:nvPr/>
+      </p:nvGrpSpPr>
+      <p:grpSpPr>
+        <a:xfrm>
+          <a:off x="0" y="0"/>
+          <a:ext cx="0" cy="0"/>
+          <a:chOff x="0" y="0"/>
+          <a:chExt cx="0" cy="0"/>
+        </a:xfrm>
+      </p:grpSpPr>
+      <p:sp>
+        <p:nvSpPr>
+          <p:cNvPr id="2" name="コンテンツ プレースホルダー 1"/>
+          <p:cNvSpPr>
+            <a:spLocks noGrp="1"/>
+          </p:cNvSpPr>
+          <p:nvPr>
+            <p:ph idx="1"/>
+          </p:nvPr>
+        </p:nvSpPr>
+        <p:spPr/>
+        <p:txBody>
+          <a:bodyPr/>
+          <a:lstStyle/>
+          <a:p>
+            <a:r>
+              <a:rPr kumimoji="1" lang="ja-JP" altLang="en-US" dirty="0" smtClean="0"/>
+              <a:t>充分なデータがある場合，最急降下法は連立方程式より正確な学習</a:t>
+            </a:r>
+            <a:endParaRPr kumimoji="1" lang="en-US" altLang="ja-JP" dirty="0" smtClean="0"/>
+          </a:p>
+          <a:p>
+            <a:pPr lvl="1"/>
+            <a:r>
+              <a:rPr lang="ja-JP" altLang="en-US" dirty="0"/>
+              <a:t>データ</a:t>
+            </a:r>
+            <a:r>
+              <a:rPr lang="ja-JP" altLang="en-US" dirty="0" smtClean="0"/>
+              <a:t>を網羅的に使えているからと考えられる</a:t>
+            </a:r>
+            <a:endParaRPr lang="en-US" altLang="ja-JP" dirty="0" smtClean="0"/>
+          </a:p>
+          <a:p>
+            <a:pPr lvl="1"/>
+            <a:endParaRPr lang="en-US" altLang="ja-JP" dirty="0" smtClean="0"/>
+          </a:p>
+          <a:p>
+            <a:r>
+              <a:rPr kumimoji="1" lang="ja-JP" altLang="en-US" dirty="0"/>
+              <a:t>経過時間は</a:t>
+            </a:r>
+            <a:r>
+              <a:rPr kumimoji="1" lang="ja-JP" altLang="en-US" dirty="0" smtClean="0"/>
+              <a:t>圧倒</a:t>
+            </a:r>
+            <a:r>
+              <a:rPr lang="ja-JP" altLang="en-US" dirty="0"/>
+              <a:t>的</a:t>
+            </a:r>
+            <a:r>
+              <a:rPr lang="ja-JP" altLang="en-US" dirty="0" smtClean="0"/>
+              <a:t>に連立方程式のほうが良い</a:t>
+            </a:r>
+            <a:endParaRPr kumimoji="1" lang="ja-JP" altLang="en-US" dirty="0"/>
+          </a:p>
+        </p:txBody>
+      </p:sp>
+      <p:sp>
+        <p:nvSpPr>
+          <p:cNvPr id="3" name="タイトル 2"/>
+          <p:cNvSpPr>
+            <a:spLocks noGrp="1"/>
+          </p:cNvSpPr>
+          <p:nvPr>
+            <p:ph type="title"/>
+          </p:nvPr>
+        </p:nvSpPr>
+        <p:spPr/>
+        <p:txBody>
+          <a:bodyPr/>
+          <a:lstStyle/>
+          <a:p>
+            <a:r>
+              <a:rPr kumimoji="1" lang="ja-JP" altLang="en-US" dirty="0" smtClean="0"/>
+              <a:t>結果</a:t>
+            </a:r>
+            <a:endParaRPr kumimoji="1" lang="ja-JP" altLang="en-US" dirty="0"/>
+          </a:p>
+        </p:txBody>
+      </p:sp>
+    </p:spTree>
+    <p:extLst>
+      <p:ext uri="{BB962C8B-B14F-4D97-AF65-F5344CB8AC3E}">
+        <p14:creationId xmlns:p14="http://schemas.microsoft.com/office/powerpoint/2010/main" val="2074811035"/>
+      </p:ext>
+    </p:extLst>
+  </p:cSld>
+  <p:clrMapOvr>
+    <a:masterClrMapping/>
+  </p:clrMapOvr>
+</p:sld>
+</file>
+
+<file path=ppt/slides/slide27.xml><?xml version="1.0" encoding="utf-8"?>
+<p:sld xmlns:a="http://schemas.openxmlformats.org/drawingml/2006/main" xmlns:r="http://schemas.openxmlformats.org/officeDocument/2006/relationships" xmlns:p="http://schemas.openxmlformats.org/presentationml/2006/main">
+  <p:cSld>
+    <p:spTree>
+      <p:nvGrpSpPr>
+        <p:cNvPr id="1" name=""/>
+        <p:cNvGrpSpPr/>
+        <p:nvPr/>
+      </p:nvGrpSpPr>
+      <p:grpSpPr>
+        <a:xfrm>
+          <a:off x="0" y="0"/>
+          <a:ext cx="0" cy="0"/>
+          <a:chOff x="0" y="0"/>
+          <a:chExt cx="0" cy="0"/>
+        </a:xfrm>
+      </p:grpSpPr>
+      <p:sp>
+        <p:nvSpPr>
+          <p:cNvPr id="2" name="コンテンツ プレースホルダー 1"/>
+          <p:cNvSpPr>
+            <a:spLocks noGrp="1"/>
+          </p:cNvSpPr>
+          <p:nvPr>
+            <p:ph idx="1"/>
+          </p:nvPr>
+        </p:nvSpPr>
+        <p:spPr/>
+        <p:txBody>
+          <a:bodyPr/>
+          <a:lstStyle/>
+          <a:p>
+            <a:r>
+              <a:rPr kumimoji="1" lang="ja-JP" altLang="en-US" dirty="0" smtClean="0"/>
+              <a:t>充分なデータがない場合</a:t>
+            </a:r>
+            <a:endParaRPr kumimoji="1" lang="en-US" altLang="ja-JP" dirty="0" smtClean="0"/>
+          </a:p>
+          <a:p>
+            <a:pPr marL="109728" indent="0">
+              <a:buNone/>
+            </a:pPr>
+            <a:r>
+              <a:rPr lang="en-US" altLang="ja-JP" dirty="0" smtClean="0"/>
+              <a:t>	</a:t>
+            </a:r>
+            <a:r>
+              <a:rPr lang="ja-JP" altLang="en-US" dirty="0" smtClean="0"/>
+              <a:t>↓</a:t>
+            </a:r>
+            <a:endParaRPr lang="en-US" altLang="ja-JP" dirty="0"/>
+          </a:p>
+          <a:p>
+            <a:r>
+              <a:rPr kumimoji="1" lang="ja-JP" altLang="en-US" dirty="0" smtClean="0"/>
+              <a:t>上手くいかない</a:t>
+            </a:r>
+            <a:endParaRPr kumimoji="1" lang="en-US" altLang="ja-JP" dirty="0" smtClean="0"/>
+          </a:p>
+          <a:p>
+            <a:pPr lvl="1"/>
+            <a:r>
+              <a:rPr lang="ja-JP" altLang="en-US" dirty="0" smtClean="0"/>
+              <a:t>局所解に収束？</a:t>
+            </a:r>
+            <a:endParaRPr lang="en-US" altLang="ja-JP" dirty="0" smtClean="0"/>
+          </a:p>
+          <a:p>
+            <a:pPr lvl="1"/>
+            <a:r>
+              <a:rPr kumimoji="1" lang="ja-JP" altLang="en-US" dirty="0"/>
+              <a:t>計算に時間がかかって</a:t>
+            </a:r>
+            <a:r>
+              <a:rPr kumimoji="1" lang="ja-JP" altLang="en-US" dirty="0" smtClean="0"/>
+              <a:t>いる？</a:t>
+            </a:r>
+            <a:endParaRPr kumimoji="1" lang="en-US" altLang="ja-JP" dirty="0" smtClean="0"/>
+          </a:p>
+          <a:p>
+            <a:pPr marL="109728" indent="0">
+              <a:buNone/>
+            </a:pPr>
+            <a:r>
+              <a:rPr lang="en-US" altLang="ja-JP" dirty="0" smtClean="0"/>
+              <a:t>	</a:t>
+            </a:r>
+            <a:r>
+              <a:rPr lang="ja-JP" altLang="en-US" dirty="0" smtClean="0"/>
+              <a:t>↓</a:t>
+            </a:r>
+            <a:endParaRPr lang="en-US" altLang="ja-JP" dirty="0"/>
+          </a:p>
+          <a:p>
+            <a:r>
+              <a:rPr kumimoji="1" lang="ja-JP" altLang="en-US" smtClean="0"/>
+              <a:t>検証実験</a:t>
+            </a:r>
+            <a:endParaRPr kumimoji="1" lang="en-US" altLang="ja-JP" dirty="0" smtClean="0"/>
+          </a:p>
+          <a:p>
+            <a:pPr lvl="1"/>
+            <a:r>
+              <a:rPr kumimoji="1" lang="ja-JP" altLang="en-US" dirty="0" smtClean="0"/>
+              <a:t>閾値以下になるまで初期値を変更して繰り返し実験</a:t>
+            </a:r>
+            <a:endParaRPr kumimoji="1" lang="en-US" altLang="ja-JP" dirty="0" smtClean="0"/>
+          </a:p>
+          <a:p>
+            <a:pPr lvl="1"/>
+            <a:r>
+              <a:rPr lang="ja-JP" altLang="en-US" dirty="0"/>
+              <a:t>データ量を</a:t>
+            </a:r>
+            <a:r>
+              <a:rPr lang="ja-JP" altLang="en-US" dirty="0" smtClean="0"/>
+              <a:t>変えて実験</a:t>
+            </a:r>
+            <a:endParaRPr kumimoji="1" lang="ja-JP" altLang="en-US" dirty="0"/>
+          </a:p>
+        </p:txBody>
+      </p:sp>
+      <p:sp>
+        <p:nvSpPr>
+          <p:cNvPr id="3" name="タイトル 2"/>
+          <p:cNvSpPr>
+            <a:spLocks noGrp="1"/>
+          </p:cNvSpPr>
+          <p:nvPr>
+            <p:ph type="title"/>
+          </p:nvPr>
+        </p:nvSpPr>
+        <p:spPr/>
+        <p:txBody>
+          <a:bodyPr/>
+          <a:lstStyle/>
+          <a:p>
+            <a:r>
+              <a:rPr kumimoji="1" lang="ja-JP" altLang="en-US" dirty="0" smtClean="0"/>
+              <a:t>実験</a:t>
+            </a:r>
+            <a:endParaRPr kumimoji="1" lang="ja-JP" altLang="en-US" dirty="0"/>
+          </a:p>
+        </p:txBody>
+      </p:sp>
+    </p:spTree>
+    <p:extLst>
+      <p:ext uri="{BB962C8B-B14F-4D97-AF65-F5344CB8AC3E}">
+        <p14:creationId xmlns:p14="http://schemas.microsoft.com/office/powerpoint/2010/main" val="1390099270"/>
       </p:ext>
     </p:extLst>
   </p:cSld>
@@ -18587,7 +18858,7 @@
   <a:extraClrSchemeLst/>
   <a:extLst>
     <a:ext uri="{05A4C25C-085E-4340-85A3-A5531E510DB2}">
-      <thm15:themeFamily xmlns:thm15="http://schemas.microsoft.com/office/thememl/2012/main" xmlns="" name="ディスカッション用テンプレート.potx" id="{12A35EAA-6BC9-4F93-95E1-8BE386309242}" vid="{5CEE4BE6-EBAF-479F-A495-657B108E5408}"/>
+      <thm15:themeFamily xmlns="" xmlns:thm15="http://schemas.microsoft.com/office/thememl/2012/main" name="ディスカッション用テンプレート.potx" id="{12A35EAA-6BC9-4F93-95E1-8BE386309242}" vid="{5CEE4BE6-EBAF-479F-A495-657B108E5408}"/>
     </a:ext>
   </a:extLst>
 </a:theme>

--- a/IntentionLearning_v2/slide/discussion2016.pptx
+++ b/IntentionLearning_v2/slide/discussion2016.pptx
@@ -5,7 +5,7 @@
     <p:sldMasterId id="2147483658" r:id="rId2"/>
   </p:sldMasterIdLst>
   <p:notesMasterIdLst>
-    <p:notesMasterId r:id="rId30"/>
+    <p:notesMasterId r:id="rId32"/>
   </p:notesMasterIdLst>
   <p:sldIdLst>
     <p:sldId id="256" r:id="rId3"/>
@@ -35,6 +35,8 @@
     <p:sldId id="287" r:id="rId27"/>
     <p:sldId id="288" r:id="rId28"/>
     <p:sldId id="289" r:id="rId29"/>
+    <p:sldId id="290" r:id="rId30"/>
+    <p:sldId id="291" r:id="rId31"/>
   </p:sldIdLst>
   <p:sldSz cx="9144000" cy="6858000" type="screen4x3"/>
   <p:notesSz cx="6858000" cy="9144000"/>
@@ -135,7 +137,7 @@
   </p:defaultTextStyle>
   <p:extLst>
     <p:ext uri="{EFAFB233-063F-42B5-8137-9DF3F51BA10A}">
-      <p15:sldGuideLst xmlns="" xmlns:p15="http://schemas.microsoft.com/office/powerpoint/2012/main">
+      <p15:sldGuideLst xmlns:p15="http://schemas.microsoft.com/office/powerpoint/2012/main">
         <p15:guide id="1" orient="horz" pos="2160">
           <p15:clr>
             <a:srgbClr val="A4A3A4"/>
@@ -167,7 +169,6 @@
   </mc:AlternateContent>
   <c:chart>
     <c:title>
-      <c:layout/>
       <c:overlay val="0"/>
       <c:spPr>
         <a:noFill/>
@@ -305,13 +306,12 @@
           <c:showPercent val="0"/>
           <c:showBubbleSize val="0"/>
         </c:dLbls>
-        <c:marker val="1"/>
         <c:smooth val="0"/>
-        <c:axId val="204768384"/>
-        <c:axId val="204770304"/>
+        <c:axId val="260517632"/>
+        <c:axId val="260518024"/>
       </c:lineChart>
       <c:catAx>
-        <c:axId val="204768384"/>
+        <c:axId val="260517632"/>
         <c:scaling>
           <c:orientation val="minMax"/>
         </c:scaling>
@@ -360,7 +360,6 @@
               </a:p>
             </c:rich>
           </c:tx>
-          <c:layout/>
           <c:overlay val="0"/>
           <c:spPr>
             <a:noFill/>
@@ -369,6 +368,26 @@
             </a:ln>
             <a:effectLst/>
           </c:spPr>
+          <c:txPr>
+            <a:bodyPr rot="0" spcFirstLastPara="1" vertOverflow="ellipsis" vert="horz" wrap="square" anchor="ctr" anchorCtr="1"/>
+            <a:lstStyle/>
+            <a:p>
+              <a:pPr>
+                <a:defRPr sz="1000" b="0" i="0" u="none" strike="noStrike" kern="1200" baseline="0">
+                  <a:solidFill>
+                    <a:schemeClr val="tx1">
+                      <a:lumMod val="65000"/>
+                      <a:lumOff val="35000"/>
+                    </a:schemeClr>
+                  </a:solidFill>
+                  <a:latin typeface="+mn-lt"/>
+                  <a:ea typeface="+mn-ea"/>
+                  <a:cs typeface="+mn-cs"/>
+                </a:defRPr>
+              </a:pPr>
+              <a:endParaRPr lang="ja-JP"/>
+            </a:p>
+          </c:txPr>
         </c:title>
         <c:numFmt formatCode="General" sourceLinked="1"/>
         <c:majorTickMark val="none"/>
@@ -407,7 +426,7 @@
             <a:endParaRPr lang="ja-JP"/>
           </a:p>
         </c:txPr>
-        <c:crossAx val="204770304"/>
+        <c:crossAx val="260518024"/>
         <c:crosses val="autoZero"/>
         <c:auto val="1"/>
         <c:lblAlgn val="ctr"/>
@@ -415,7 +434,7 @@
         <c:noMultiLvlLbl val="0"/>
       </c:catAx>
       <c:valAx>
-        <c:axId val="204770304"/>
+        <c:axId val="260518024"/>
         <c:scaling>
           <c:orientation val="minMax"/>
         </c:scaling>
@@ -462,7 +481,6 @@
               </a:p>
             </c:rich>
           </c:tx>
-          <c:layout/>
           <c:overlay val="0"/>
           <c:spPr>
             <a:noFill/>
@@ -471,6 +489,26 @@
             </a:ln>
             <a:effectLst/>
           </c:spPr>
+          <c:txPr>
+            <a:bodyPr rot="-5400000" spcFirstLastPara="1" vertOverflow="ellipsis" vert="horz" wrap="square" anchor="ctr" anchorCtr="1"/>
+            <a:lstStyle/>
+            <a:p>
+              <a:pPr>
+                <a:defRPr sz="1000" b="0" i="0" u="none" strike="noStrike" kern="1200" baseline="0">
+                  <a:solidFill>
+                    <a:schemeClr val="tx1">
+                      <a:lumMod val="65000"/>
+                      <a:lumOff val="35000"/>
+                    </a:schemeClr>
+                  </a:solidFill>
+                  <a:latin typeface="+mn-lt"/>
+                  <a:ea typeface="+mn-ea"/>
+                  <a:cs typeface="+mn-cs"/>
+                </a:defRPr>
+              </a:pPr>
+              <a:endParaRPr lang="ja-JP"/>
+            </a:p>
+          </c:txPr>
         </c:title>
         <c:numFmt formatCode="General" sourceLinked="1"/>
         <c:majorTickMark val="none"/>
@@ -503,7 +541,7 @@
             <a:endParaRPr lang="ja-JP"/>
           </a:p>
         </c:txPr>
-        <c:crossAx val="204768384"/>
+        <c:crossAx val="260517632"/>
         <c:crosses val="autoZero"/>
         <c:crossBetween val="between"/>
       </c:valAx>
@@ -536,7 +574,878 @@
       <a:endParaRPr lang="ja-JP"/>
     </a:p>
   </c:txPr>
-  <c:externalData r:id="rId1">
+  <c:externalData r:id="rId3">
+    <c:autoUpdate val="0"/>
+  </c:externalData>
+</c:chartSpace>
+</file>
+
+<file path=ppt/charts/chart2.xml><?xml version="1.0" encoding="utf-8"?>
+<c:chartSpace xmlns:c="http://schemas.openxmlformats.org/drawingml/2006/chart" xmlns:a="http://schemas.openxmlformats.org/drawingml/2006/main" xmlns:r="http://schemas.openxmlformats.org/officeDocument/2006/relationships">
+  <c:date1904 val="0"/>
+  <c:lang val="ja-JP"/>
+  <c:roundedCorners val="0"/>
+  <mc:AlternateContent xmlns:mc="http://schemas.openxmlformats.org/markup-compatibility/2006">
+    <mc:Choice xmlns:c14="http://schemas.microsoft.com/office/drawing/2007/8/2/chart" Requires="c14">
+      <c14:style val="102"/>
+    </mc:Choice>
+    <mc:Fallback>
+      <c:style val="2"/>
+    </mc:Fallback>
+  </mc:AlternateContent>
+  <c:chart>
+    <c:autoTitleDeleted val="1"/>
+    <c:plotArea>
+      <c:layout>
+        <c:manualLayout>
+          <c:layoutTarget val="inner"/>
+          <c:xMode val="edge"/>
+          <c:yMode val="edge"/>
+          <c:x val="4.4878534513082768E-2"/>
+          <c:y val="1.2539999280911804E-2"/>
+          <c:w val="0.95419102273232792"/>
+          <c:h val="0.93439182244501251"/>
+        </c:manualLayout>
+      </c:layout>
+      <c:lineChart>
+        <c:grouping val="standard"/>
+        <c:varyColors val="0"/>
+        <c:ser>
+          <c:idx val="0"/>
+          <c:order val="0"/>
+          <c:spPr>
+            <a:ln w="28575" cap="rnd">
+              <a:solidFill>
+                <a:schemeClr val="accent1"/>
+              </a:solidFill>
+              <a:round/>
+            </a:ln>
+            <a:effectLst/>
+          </c:spPr>
+          <c:marker>
+            <c:symbol val="none"/>
+          </c:marker>
+          <c:val>
+            <c:numRef>
+              <c:f>un!$E$2:$E$31</c:f>
+              <c:numCache>
+                <c:formatCode>General</c:formatCode>
+                <c:ptCount val="30"/>
+                <c:pt idx="0">
+                  <c:v>8907.441272</c:v>
+                </c:pt>
+                <c:pt idx="1">
+                  <c:v>1340.4845680000001</c:v>
+                </c:pt>
+                <c:pt idx="2">
+                  <c:v>635.77784340000005</c:v>
+                </c:pt>
+                <c:pt idx="3">
+                  <c:v>69.078327360000003</c:v>
+                </c:pt>
+                <c:pt idx="4">
+                  <c:v>358.07092970000002</c:v>
+                </c:pt>
+                <c:pt idx="5">
+                  <c:v>21.850893639999999</c:v>
+                </c:pt>
+                <c:pt idx="6">
+                  <c:v>22.262435379999999</c:v>
+                </c:pt>
+                <c:pt idx="7">
+                  <c:v>23.260011930000001</c:v>
+                </c:pt>
+                <c:pt idx="8">
+                  <c:v>23.388065770000001</c:v>
+                </c:pt>
+                <c:pt idx="9">
+                  <c:v>23.573731080000002</c:v>
+                </c:pt>
+                <c:pt idx="10">
+                  <c:v>24.2215445</c:v>
+                </c:pt>
+                <c:pt idx="11">
+                  <c:v>24.941289189999999</c:v>
+                </c:pt>
+                <c:pt idx="12">
+                  <c:v>24.457788010000002</c:v>
+                </c:pt>
+                <c:pt idx="13">
+                  <c:v>24.92032275</c:v>
+                </c:pt>
+                <c:pt idx="14">
+                  <c:v>24.663851399999999</c:v>
+                </c:pt>
+                <c:pt idx="15">
+                  <c:v>24.326968770000001</c:v>
+                </c:pt>
+                <c:pt idx="16">
+                  <c:v>24.50441842</c:v>
+                </c:pt>
+                <c:pt idx="17">
+                  <c:v>24.885922099999998</c:v>
+                </c:pt>
+                <c:pt idx="18">
+                  <c:v>24.550787939999999</c:v>
+                </c:pt>
+                <c:pt idx="19">
+                  <c:v>24.76088163</c:v>
+                </c:pt>
+                <c:pt idx="20">
+                  <c:v>24.475824100000001</c:v>
+                </c:pt>
+                <c:pt idx="21">
+                  <c:v>24.946352050000002</c:v>
+                </c:pt>
+                <c:pt idx="22">
+                  <c:v>24.849844239999999</c:v>
+                </c:pt>
+                <c:pt idx="23">
+                  <c:v>24.919553579999999</c:v>
+                </c:pt>
+                <c:pt idx="24">
+                  <c:v>25.359728090000001</c:v>
+                </c:pt>
+                <c:pt idx="25">
+                  <c:v>25.56167537</c:v>
+                </c:pt>
+                <c:pt idx="26">
+                  <c:v>25.725430630000002</c:v>
+                </c:pt>
+                <c:pt idx="27">
+                  <c:v>25.586020009999999</c:v>
+                </c:pt>
+                <c:pt idx="28">
+                  <c:v>25.363630430000001</c:v>
+                </c:pt>
+                <c:pt idx="29">
+                  <c:v>25.452859480000001</c:v>
+                </c:pt>
+              </c:numCache>
+            </c:numRef>
+          </c:val>
+          <c:smooth val="0"/>
+        </c:ser>
+        <c:dLbls>
+          <c:showLegendKey val="0"/>
+          <c:showVal val="0"/>
+          <c:showCatName val="0"/>
+          <c:showSerName val="0"/>
+          <c:showPercent val="0"/>
+          <c:showBubbleSize val="0"/>
+        </c:dLbls>
+        <c:smooth val="0"/>
+        <c:axId val="261207952"/>
+        <c:axId val="261196584"/>
+      </c:lineChart>
+      <c:catAx>
+        <c:axId val="261207952"/>
+        <c:scaling>
+          <c:orientation val="minMax"/>
+        </c:scaling>
+        <c:delete val="0"/>
+        <c:axPos val="b"/>
+        <c:majorTickMark val="none"/>
+        <c:minorTickMark val="none"/>
+        <c:tickLblPos val="nextTo"/>
+        <c:spPr>
+          <a:noFill/>
+          <a:ln w="9525" cap="flat" cmpd="sng" algn="ctr">
+            <a:solidFill>
+              <a:schemeClr val="tx1">
+                <a:lumMod val="15000"/>
+                <a:lumOff val="85000"/>
+              </a:schemeClr>
+            </a:solidFill>
+            <a:round/>
+          </a:ln>
+          <a:effectLst/>
+        </c:spPr>
+        <c:txPr>
+          <a:bodyPr rot="-60000000" spcFirstLastPara="1" vertOverflow="ellipsis" vert="horz" wrap="square" anchor="ctr" anchorCtr="1"/>
+          <a:lstStyle/>
+          <a:p>
+            <a:pPr>
+              <a:defRPr sz="900" b="0" i="0" u="none" strike="noStrike" kern="1200" baseline="0">
+                <a:solidFill>
+                  <a:schemeClr val="tx1">
+                    <a:lumMod val="65000"/>
+                    <a:lumOff val="35000"/>
+                  </a:schemeClr>
+                </a:solidFill>
+                <a:latin typeface="+mn-lt"/>
+                <a:ea typeface="+mn-ea"/>
+                <a:cs typeface="+mn-cs"/>
+              </a:defRPr>
+            </a:pPr>
+            <a:endParaRPr lang="ja-JP"/>
+          </a:p>
+        </c:txPr>
+        <c:crossAx val="261196584"/>
+        <c:crosses val="autoZero"/>
+        <c:auto val="1"/>
+        <c:lblAlgn val="ctr"/>
+        <c:lblOffset val="100"/>
+        <c:noMultiLvlLbl val="0"/>
+      </c:catAx>
+      <c:valAx>
+        <c:axId val="261196584"/>
+        <c:scaling>
+          <c:orientation val="minMax"/>
+        </c:scaling>
+        <c:delete val="0"/>
+        <c:axPos val="l"/>
+        <c:majorGridlines>
+          <c:spPr>
+            <a:ln w="9525" cap="flat" cmpd="sng" algn="ctr">
+              <a:solidFill>
+                <a:schemeClr val="tx1">
+                  <a:lumMod val="15000"/>
+                  <a:lumOff val="85000"/>
+                </a:schemeClr>
+              </a:solidFill>
+              <a:round/>
+            </a:ln>
+            <a:effectLst/>
+          </c:spPr>
+        </c:majorGridlines>
+        <c:numFmt formatCode="General" sourceLinked="1"/>
+        <c:majorTickMark val="none"/>
+        <c:minorTickMark val="none"/>
+        <c:tickLblPos val="nextTo"/>
+        <c:spPr>
+          <a:noFill/>
+          <a:ln>
+            <a:noFill/>
+          </a:ln>
+          <a:effectLst/>
+        </c:spPr>
+        <c:txPr>
+          <a:bodyPr rot="-60000000" spcFirstLastPara="1" vertOverflow="ellipsis" vert="horz" wrap="square" anchor="ctr" anchorCtr="1"/>
+          <a:lstStyle/>
+          <a:p>
+            <a:pPr>
+              <a:defRPr sz="900" b="0" i="0" u="none" strike="noStrike" kern="1200" baseline="0">
+                <a:solidFill>
+                  <a:schemeClr val="tx1">
+                    <a:lumMod val="65000"/>
+                    <a:lumOff val="35000"/>
+                  </a:schemeClr>
+                </a:solidFill>
+                <a:latin typeface="+mn-lt"/>
+                <a:ea typeface="+mn-ea"/>
+                <a:cs typeface="+mn-cs"/>
+              </a:defRPr>
+            </a:pPr>
+            <a:endParaRPr lang="ja-JP"/>
+          </a:p>
+        </c:txPr>
+        <c:crossAx val="261207952"/>
+        <c:crosses val="autoZero"/>
+        <c:crossBetween val="between"/>
+      </c:valAx>
+      <c:spPr>
+        <a:noFill/>
+        <a:ln>
+          <a:noFill/>
+        </a:ln>
+        <a:effectLst/>
+      </c:spPr>
+    </c:plotArea>
+    <c:plotVisOnly val="1"/>
+    <c:dispBlanksAs val="gap"/>
+    <c:showDLblsOverMax val="0"/>
+  </c:chart>
+  <c:spPr>
+    <a:noFill/>
+    <a:ln>
+      <a:noFill/>
+    </a:ln>
+    <a:effectLst/>
+  </c:spPr>
+  <c:txPr>
+    <a:bodyPr/>
+    <a:lstStyle/>
+    <a:p>
+      <a:pPr>
+        <a:defRPr/>
+      </a:pPr>
+      <a:endParaRPr lang="ja-JP"/>
+    </a:p>
+  </c:txPr>
+  <c:externalData r:id="rId3">
+    <c:autoUpdate val="0"/>
+  </c:externalData>
+</c:chartSpace>
+</file>
+
+<file path=ppt/charts/chart3.xml><?xml version="1.0" encoding="utf-8"?>
+<c:chartSpace xmlns:c="http://schemas.openxmlformats.org/drawingml/2006/chart" xmlns:a="http://schemas.openxmlformats.org/drawingml/2006/main" xmlns:r="http://schemas.openxmlformats.org/officeDocument/2006/relationships">
+  <c:date1904 val="0"/>
+  <c:lang val="ja-JP"/>
+  <c:roundedCorners val="0"/>
+  <mc:AlternateContent xmlns:mc="http://schemas.openxmlformats.org/markup-compatibility/2006">
+    <mc:Choice xmlns:c14="http://schemas.microsoft.com/office/drawing/2007/8/2/chart" Requires="c14">
+      <c14:style val="102"/>
+    </mc:Choice>
+    <mc:Fallback>
+      <c:style val="2"/>
+    </mc:Fallback>
+  </mc:AlternateContent>
+  <c:chart>
+    <c:autoTitleDeleted val="1"/>
+    <c:plotArea>
+      <c:layout/>
+      <c:lineChart>
+        <c:grouping val="standard"/>
+        <c:varyColors val="0"/>
+        <c:ser>
+          <c:idx val="0"/>
+          <c:order val="0"/>
+          <c:spPr>
+            <a:ln w="28575" cap="rnd">
+              <a:solidFill>
+                <a:schemeClr val="accent1"/>
+              </a:solidFill>
+              <a:round/>
+            </a:ln>
+            <a:effectLst/>
+          </c:spPr>
+          <c:marker>
+            <c:symbol val="none"/>
+          </c:marker>
+          <c:val>
+            <c:numRef>
+              <c:f>un!$E$4:$E$31</c:f>
+              <c:numCache>
+                <c:formatCode>General</c:formatCode>
+                <c:ptCount val="28"/>
+                <c:pt idx="0">
+                  <c:v>635.77784340000005</c:v>
+                </c:pt>
+                <c:pt idx="1">
+                  <c:v>69.078327360000003</c:v>
+                </c:pt>
+                <c:pt idx="2">
+                  <c:v>358.07092970000002</c:v>
+                </c:pt>
+                <c:pt idx="3">
+                  <c:v>21.850893639999999</c:v>
+                </c:pt>
+                <c:pt idx="4">
+                  <c:v>22.262435379999999</c:v>
+                </c:pt>
+                <c:pt idx="5">
+                  <c:v>23.260011930000001</c:v>
+                </c:pt>
+                <c:pt idx="6">
+                  <c:v>23.388065770000001</c:v>
+                </c:pt>
+                <c:pt idx="7">
+                  <c:v>23.573731080000002</c:v>
+                </c:pt>
+                <c:pt idx="8">
+                  <c:v>24.2215445</c:v>
+                </c:pt>
+                <c:pt idx="9">
+                  <c:v>24.941289189999999</c:v>
+                </c:pt>
+                <c:pt idx="10">
+                  <c:v>24.457788010000002</c:v>
+                </c:pt>
+                <c:pt idx="11">
+                  <c:v>24.92032275</c:v>
+                </c:pt>
+                <c:pt idx="12">
+                  <c:v>24.663851399999999</c:v>
+                </c:pt>
+                <c:pt idx="13">
+                  <c:v>24.326968770000001</c:v>
+                </c:pt>
+                <c:pt idx="14">
+                  <c:v>24.50441842</c:v>
+                </c:pt>
+                <c:pt idx="15">
+                  <c:v>24.885922099999998</c:v>
+                </c:pt>
+                <c:pt idx="16">
+                  <c:v>24.550787939999999</c:v>
+                </c:pt>
+                <c:pt idx="17">
+                  <c:v>24.76088163</c:v>
+                </c:pt>
+                <c:pt idx="18">
+                  <c:v>24.475824100000001</c:v>
+                </c:pt>
+                <c:pt idx="19">
+                  <c:v>24.946352050000002</c:v>
+                </c:pt>
+                <c:pt idx="20">
+                  <c:v>24.849844239999999</c:v>
+                </c:pt>
+                <c:pt idx="21">
+                  <c:v>24.919553579999999</c:v>
+                </c:pt>
+                <c:pt idx="22">
+                  <c:v>25.359728090000001</c:v>
+                </c:pt>
+                <c:pt idx="23">
+                  <c:v>25.56167537</c:v>
+                </c:pt>
+                <c:pt idx="24">
+                  <c:v>25.725430630000002</c:v>
+                </c:pt>
+                <c:pt idx="25">
+                  <c:v>25.586020009999999</c:v>
+                </c:pt>
+                <c:pt idx="26">
+                  <c:v>25.363630430000001</c:v>
+                </c:pt>
+                <c:pt idx="27">
+                  <c:v>25.452859480000001</c:v>
+                </c:pt>
+              </c:numCache>
+            </c:numRef>
+          </c:val>
+          <c:smooth val="0"/>
+        </c:ser>
+        <c:dLbls>
+          <c:showLegendKey val="0"/>
+          <c:showVal val="0"/>
+          <c:showCatName val="0"/>
+          <c:showSerName val="0"/>
+          <c:showPercent val="0"/>
+          <c:showBubbleSize val="0"/>
+        </c:dLbls>
+        <c:smooth val="0"/>
+        <c:axId val="489501672"/>
+        <c:axId val="489499712"/>
+      </c:lineChart>
+      <c:catAx>
+        <c:axId val="489501672"/>
+        <c:scaling>
+          <c:orientation val="minMax"/>
+        </c:scaling>
+        <c:delete val="0"/>
+        <c:axPos val="b"/>
+        <c:majorTickMark val="none"/>
+        <c:minorTickMark val="none"/>
+        <c:tickLblPos val="nextTo"/>
+        <c:spPr>
+          <a:noFill/>
+          <a:ln w="9525" cap="flat" cmpd="sng" algn="ctr">
+            <a:solidFill>
+              <a:schemeClr val="tx1">
+                <a:lumMod val="15000"/>
+                <a:lumOff val="85000"/>
+              </a:schemeClr>
+            </a:solidFill>
+            <a:round/>
+          </a:ln>
+          <a:effectLst/>
+        </c:spPr>
+        <c:txPr>
+          <a:bodyPr rot="-60000000" spcFirstLastPara="1" vertOverflow="ellipsis" vert="horz" wrap="square" anchor="ctr" anchorCtr="1"/>
+          <a:lstStyle/>
+          <a:p>
+            <a:pPr>
+              <a:defRPr sz="900" b="0" i="0" u="none" strike="noStrike" kern="1200" baseline="0">
+                <a:solidFill>
+                  <a:schemeClr val="tx1">
+                    <a:lumMod val="65000"/>
+                    <a:lumOff val="35000"/>
+                  </a:schemeClr>
+                </a:solidFill>
+                <a:latin typeface="+mn-lt"/>
+                <a:ea typeface="+mn-ea"/>
+                <a:cs typeface="+mn-cs"/>
+              </a:defRPr>
+            </a:pPr>
+            <a:endParaRPr lang="ja-JP"/>
+          </a:p>
+        </c:txPr>
+        <c:crossAx val="489499712"/>
+        <c:crosses val="autoZero"/>
+        <c:auto val="1"/>
+        <c:lblAlgn val="ctr"/>
+        <c:lblOffset val="100"/>
+        <c:noMultiLvlLbl val="0"/>
+      </c:catAx>
+      <c:valAx>
+        <c:axId val="489499712"/>
+        <c:scaling>
+          <c:orientation val="minMax"/>
+        </c:scaling>
+        <c:delete val="0"/>
+        <c:axPos val="l"/>
+        <c:majorGridlines>
+          <c:spPr>
+            <a:ln w="9525" cap="flat" cmpd="sng" algn="ctr">
+              <a:solidFill>
+                <a:schemeClr val="tx1">
+                  <a:lumMod val="15000"/>
+                  <a:lumOff val="85000"/>
+                </a:schemeClr>
+              </a:solidFill>
+              <a:round/>
+            </a:ln>
+            <a:effectLst/>
+          </c:spPr>
+        </c:majorGridlines>
+        <c:numFmt formatCode="General" sourceLinked="1"/>
+        <c:majorTickMark val="none"/>
+        <c:minorTickMark val="none"/>
+        <c:tickLblPos val="nextTo"/>
+        <c:spPr>
+          <a:noFill/>
+          <a:ln>
+            <a:noFill/>
+          </a:ln>
+          <a:effectLst/>
+        </c:spPr>
+        <c:txPr>
+          <a:bodyPr rot="-60000000" spcFirstLastPara="1" vertOverflow="ellipsis" vert="horz" wrap="square" anchor="ctr" anchorCtr="1"/>
+          <a:lstStyle/>
+          <a:p>
+            <a:pPr>
+              <a:defRPr sz="900" b="0" i="0" u="none" strike="noStrike" kern="1200" baseline="0">
+                <a:solidFill>
+                  <a:schemeClr val="tx1">
+                    <a:lumMod val="65000"/>
+                    <a:lumOff val="35000"/>
+                  </a:schemeClr>
+                </a:solidFill>
+                <a:latin typeface="+mn-lt"/>
+                <a:ea typeface="+mn-ea"/>
+                <a:cs typeface="+mn-cs"/>
+              </a:defRPr>
+            </a:pPr>
+            <a:endParaRPr lang="ja-JP"/>
+          </a:p>
+        </c:txPr>
+        <c:crossAx val="489501672"/>
+        <c:crosses val="autoZero"/>
+        <c:crossBetween val="between"/>
+      </c:valAx>
+      <c:spPr>
+        <a:noFill/>
+        <a:ln>
+          <a:noFill/>
+        </a:ln>
+        <a:effectLst/>
+      </c:spPr>
+    </c:plotArea>
+    <c:plotVisOnly val="1"/>
+    <c:dispBlanksAs val="gap"/>
+    <c:showDLblsOverMax val="0"/>
+  </c:chart>
+  <c:spPr>
+    <a:noFill/>
+    <a:ln>
+      <a:noFill/>
+    </a:ln>
+    <a:effectLst/>
+  </c:spPr>
+  <c:txPr>
+    <a:bodyPr/>
+    <a:lstStyle/>
+    <a:p>
+      <a:pPr>
+        <a:defRPr/>
+      </a:pPr>
+      <a:endParaRPr lang="ja-JP"/>
+    </a:p>
+  </c:txPr>
+  <c:externalData r:id="rId3">
+    <c:autoUpdate val="0"/>
+  </c:externalData>
+</c:chartSpace>
+</file>
+
+<file path=ppt/charts/chart4.xml><?xml version="1.0" encoding="utf-8"?>
+<c:chartSpace xmlns:c="http://schemas.openxmlformats.org/drawingml/2006/chart" xmlns:a="http://schemas.openxmlformats.org/drawingml/2006/main" xmlns:r="http://schemas.openxmlformats.org/officeDocument/2006/relationships">
+  <c:date1904 val="0"/>
+  <c:lang val="ja-JP"/>
+  <c:roundedCorners val="0"/>
+  <mc:AlternateContent xmlns:mc="http://schemas.openxmlformats.org/markup-compatibility/2006">
+    <mc:Choice xmlns:c14="http://schemas.microsoft.com/office/drawing/2007/8/2/chart" Requires="c14">
+      <c14:style val="102"/>
+    </mc:Choice>
+    <mc:Fallback>
+      <c:style val="2"/>
+    </mc:Fallback>
+  </mc:AlternateContent>
+  <c:chart>
+    <c:autoTitleDeleted val="1"/>
+    <c:plotArea>
+      <c:layout/>
+      <c:lineChart>
+        <c:grouping val="standard"/>
+        <c:varyColors val="0"/>
+        <c:ser>
+          <c:idx val="0"/>
+          <c:order val="0"/>
+          <c:spPr>
+            <a:ln w="28575" cap="rnd">
+              <a:solidFill>
+                <a:schemeClr val="accent1"/>
+              </a:solidFill>
+              <a:round/>
+            </a:ln>
+            <a:effectLst/>
+          </c:spPr>
+          <c:marker>
+            <c:symbol val="none"/>
+          </c:marker>
+          <c:val>
+            <c:numRef>
+              <c:f>un!$Q$46:$Q$75</c:f>
+              <c:numCache>
+                <c:formatCode>General</c:formatCode>
+                <c:ptCount val="30"/>
+                <c:pt idx="0">
+                  <c:v>9.9808468179999998</c:v>
+                </c:pt>
+                <c:pt idx="1">
+                  <c:v>9.9999366760000008</c:v>
+                </c:pt>
+                <c:pt idx="2">
+                  <c:v>14.094815240000001</c:v>
+                </c:pt>
+                <c:pt idx="3">
+                  <c:v>18.01806766</c:v>
+                </c:pt>
+                <c:pt idx="4">
+                  <c:v>21.052579529999999</c:v>
+                </c:pt>
+                <c:pt idx="5">
+                  <c:v>21.892537050000001</c:v>
+                </c:pt>
+                <c:pt idx="6">
+                  <c:v>22.455551660000001</c:v>
+                </c:pt>
+                <c:pt idx="7">
+                  <c:v>21.811050399999999</c:v>
+                </c:pt>
+                <c:pt idx="8">
+                  <c:v>22.103694390000001</c:v>
+                </c:pt>
+                <c:pt idx="9">
+                  <c:v>23.546118329999999</c:v>
+                </c:pt>
+                <c:pt idx="10">
+                  <c:v>23.549818720000001</c:v>
+                </c:pt>
+                <c:pt idx="11">
+                  <c:v>23.19288237</c:v>
+                </c:pt>
+                <c:pt idx="12">
+                  <c:v>23.092586010000002</c:v>
+                </c:pt>
+                <c:pt idx="13">
+                  <c:v>23.143302890000001</c:v>
+                </c:pt>
+                <c:pt idx="14">
+                  <c:v>23.801752369999999</c:v>
+                </c:pt>
+                <c:pt idx="15">
+                  <c:v>23.594549669999999</c:v>
+                </c:pt>
+                <c:pt idx="16">
+                  <c:v>24.487661429999999</c:v>
+                </c:pt>
+                <c:pt idx="17">
+                  <c:v>24.300613389999999</c:v>
+                </c:pt>
+                <c:pt idx="18">
+                  <c:v>24.571090590000001</c:v>
+                </c:pt>
+                <c:pt idx="19">
+                  <c:v>24.623350680000001</c:v>
+                </c:pt>
+                <c:pt idx="20">
+                  <c:v>24.474082460000002</c:v>
+                </c:pt>
+                <c:pt idx="21">
+                  <c:v>24.434201739999999</c:v>
+                </c:pt>
+                <c:pt idx="22">
+                  <c:v>24.399923699999999</c:v>
+                </c:pt>
+                <c:pt idx="23">
+                  <c:v>24.289909789999999</c:v>
+                </c:pt>
+                <c:pt idx="24">
+                  <c:v>24.397721310000001</c:v>
+                </c:pt>
+                <c:pt idx="25">
+                  <c:v>24.4674236</c:v>
+                </c:pt>
+                <c:pt idx="26">
+                  <c:v>24.2584099</c:v>
+                </c:pt>
+                <c:pt idx="27">
+                  <c:v>24.445541720000001</c:v>
+                </c:pt>
+                <c:pt idx="28">
+                  <c:v>24.701883250000002</c:v>
+                </c:pt>
+                <c:pt idx="29">
+                  <c:v>24.866121700000001</c:v>
+                </c:pt>
+              </c:numCache>
+            </c:numRef>
+          </c:val>
+          <c:smooth val="0"/>
+        </c:ser>
+        <c:dLbls>
+          <c:showLegendKey val="0"/>
+          <c:showVal val="0"/>
+          <c:showCatName val="0"/>
+          <c:showSerName val="0"/>
+          <c:showPercent val="0"/>
+          <c:showBubbleSize val="0"/>
+        </c:dLbls>
+        <c:smooth val="0"/>
+        <c:axId val="357140888"/>
+        <c:axId val="357141280"/>
+      </c:lineChart>
+      <c:catAx>
+        <c:axId val="357140888"/>
+        <c:scaling>
+          <c:orientation val="minMax"/>
+        </c:scaling>
+        <c:delete val="0"/>
+        <c:axPos val="b"/>
+        <c:majorTickMark val="none"/>
+        <c:minorTickMark val="none"/>
+        <c:tickLblPos val="nextTo"/>
+        <c:spPr>
+          <a:noFill/>
+          <a:ln w="9525" cap="flat" cmpd="sng" algn="ctr">
+            <a:solidFill>
+              <a:schemeClr val="tx1">
+                <a:lumMod val="15000"/>
+                <a:lumOff val="85000"/>
+              </a:schemeClr>
+            </a:solidFill>
+            <a:round/>
+          </a:ln>
+          <a:effectLst/>
+        </c:spPr>
+        <c:txPr>
+          <a:bodyPr rot="-60000000" spcFirstLastPara="1" vertOverflow="ellipsis" vert="horz" wrap="square" anchor="ctr" anchorCtr="1"/>
+          <a:lstStyle/>
+          <a:p>
+            <a:pPr>
+              <a:defRPr sz="900" b="0" i="0" u="none" strike="noStrike" kern="1200" baseline="0">
+                <a:solidFill>
+                  <a:schemeClr val="tx1">
+                    <a:lumMod val="65000"/>
+                    <a:lumOff val="35000"/>
+                  </a:schemeClr>
+                </a:solidFill>
+                <a:latin typeface="+mn-lt"/>
+                <a:ea typeface="+mn-ea"/>
+                <a:cs typeface="+mn-cs"/>
+              </a:defRPr>
+            </a:pPr>
+            <a:endParaRPr lang="ja-JP"/>
+          </a:p>
+        </c:txPr>
+        <c:crossAx val="357141280"/>
+        <c:crosses val="autoZero"/>
+        <c:auto val="1"/>
+        <c:lblAlgn val="ctr"/>
+        <c:lblOffset val="100"/>
+        <c:noMultiLvlLbl val="0"/>
+      </c:catAx>
+      <c:valAx>
+        <c:axId val="357141280"/>
+        <c:scaling>
+          <c:orientation val="minMax"/>
+        </c:scaling>
+        <c:delete val="0"/>
+        <c:axPos val="l"/>
+        <c:majorGridlines>
+          <c:spPr>
+            <a:ln w="9525" cap="flat" cmpd="sng" algn="ctr">
+              <a:solidFill>
+                <a:schemeClr val="tx1">
+                  <a:lumMod val="15000"/>
+                  <a:lumOff val="85000"/>
+                </a:schemeClr>
+              </a:solidFill>
+              <a:round/>
+            </a:ln>
+            <a:effectLst/>
+          </c:spPr>
+        </c:majorGridlines>
+        <c:numFmt formatCode="General" sourceLinked="1"/>
+        <c:majorTickMark val="none"/>
+        <c:minorTickMark val="none"/>
+        <c:tickLblPos val="nextTo"/>
+        <c:spPr>
+          <a:noFill/>
+          <a:ln>
+            <a:noFill/>
+          </a:ln>
+          <a:effectLst/>
+        </c:spPr>
+        <c:txPr>
+          <a:bodyPr rot="-60000000" spcFirstLastPara="1" vertOverflow="ellipsis" vert="horz" wrap="square" anchor="ctr" anchorCtr="1"/>
+          <a:lstStyle/>
+          <a:p>
+            <a:pPr>
+              <a:defRPr sz="900" b="0" i="0" u="none" strike="noStrike" kern="1200" baseline="0">
+                <a:solidFill>
+                  <a:schemeClr val="tx1">
+                    <a:lumMod val="65000"/>
+                    <a:lumOff val="35000"/>
+                  </a:schemeClr>
+                </a:solidFill>
+                <a:latin typeface="+mn-lt"/>
+                <a:ea typeface="+mn-ea"/>
+                <a:cs typeface="+mn-cs"/>
+              </a:defRPr>
+            </a:pPr>
+            <a:endParaRPr lang="ja-JP"/>
+          </a:p>
+        </c:txPr>
+        <c:crossAx val="357140888"/>
+        <c:crosses val="autoZero"/>
+        <c:crossBetween val="between"/>
+      </c:valAx>
+      <c:spPr>
+        <a:noFill/>
+        <a:ln>
+          <a:noFill/>
+        </a:ln>
+        <a:effectLst/>
+      </c:spPr>
+    </c:plotArea>
+    <c:plotVisOnly val="1"/>
+    <c:dispBlanksAs val="gap"/>
+    <c:showDLblsOverMax val="0"/>
+  </c:chart>
+  <c:spPr>
+    <a:noFill/>
+    <a:ln>
+      <a:noFill/>
+    </a:ln>
+    <a:effectLst/>
+  </c:spPr>
+  <c:txPr>
+    <a:bodyPr/>
+    <a:lstStyle/>
+    <a:p>
+      <a:pPr>
+        <a:defRPr/>
+      </a:pPr>
+      <a:endParaRPr lang="ja-JP"/>
+    </a:p>
+  </c:txPr>
+  <c:externalData r:id="rId3">
     <c:autoUpdate val="0"/>
   </c:externalData>
 </c:chartSpace>
@@ -582,7 +1491,1675 @@
 </cs:colorStyle>
 </file>
 
+<file path=ppt/charts/colors2.xml><?xml version="1.0" encoding="utf-8"?>
+<cs:colorStyle xmlns:cs="http://schemas.microsoft.com/office/drawing/2012/chartStyle" xmlns:a="http://schemas.openxmlformats.org/drawingml/2006/main" meth="cycle" id="10">
+  <a:schemeClr val="accent1"/>
+  <a:schemeClr val="accent2"/>
+  <a:schemeClr val="accent3"/>
+  <a:schemeClr val="accent4"/>
+  <a:schemeClr val="accent5"/>
+  <a:schemeClr val="accent6"/>
+  <cs:variation/>
+  <cs:variation>
+    <a:lumMod val="60000"/>
+  </cs:variation>
+  <cs:variation>
+    <a:lumMod val="80000"/>
+    <a:lumOff val="20000"/>
+  </cs:variation>
+  <cs:variation>
+    <a:lumMod val="80000"/>
+  </cs:variation>
+  <cs:variation>
+    <a:lumMod val="60000"/>
+    <a:lumOff val="40000"/>
+  </cs:variation>
+  <cs:variation>
+    <a:lumMod val="50000"/>
+  </cs:variation>
+  <cs:variation>
+    <a:lumMod val="70000"/>
+    <a:lumOff val="30000"/>
+  </cs:variation>
+  <cs:variation>
+    <a:lumMod val="70000"/>
+  </cs:variation>
+  <cs:variation>
+    <a:lumMod val="50000"/>
+    <a:lumOff val="50000"/>
+  </cs:variation>
+</cs:colorStyle>
+</file>
+
+<file path=ppt/charts/colors3.xml><?xml version="1.0" encoding="utf-8"?>
+<cs:colorStyle xmlns:cs="http://schemas.microsoft.com/office/drawing/2012/chartStyle" xmlns:a="http://schemas.openxmlformats.org/drawingml/2006/main" meth="cycle" id="10">
+  <a:schemeClr val="accent1"/>
+  <a:schemeClr val="accent2"/>
+  <a:schemeClr val="accent3"/>
+  <a:schemeClr val="accent4"/>
+  <a:schemeClr val="accent5"/>
+  <a:schemeClr val="accent6"/>
+  <cs:variation/>
+  <cs:variation>
+    <a:lumMod val="60000"/>
+  </cs:variation>
+  <cs:variation>
+    <a:lumMod val="80000"/>
+    <a:lumOff val="20000"/>
+  </cs:variation>
+  <cs:variation>
+    <a:lumMod val="80000"/>
+  </cs:variation>
+  <cs:variation>
+    <a:lumMod val="60000"/>
+    <a:lumOff val="40000"/>
+  </cs:variation>
+  <cs:variation>
+    <a:lumMod val="50000"/>
+  </cs:variation>
+  <cs:variation>
+    <a:lumMod val="70000"/>
+    <a:lumOff val="30000"/>
+  </cs:variation>
+  <cs:variation>
+    <a:lumMod val="70000"/>
+  </cs:variation>
+  <cs:variation>
+    <a:lumMod val="50000"/>
+    <a:lumOff val="50000"/>
+  </cs:variation>
+</cs:colorStyle>
+</file>
+
+<file path=ppt/charts/colors4.xml><?xml version="1.0" encoding="utf-8"?>
+<cs:colorStyle xmlns:cs="http://schemas.microsoft.com/office/drawing/2012/chartStyle" xmlns:a="http://schemas.openxmlformats.org/drawingml/2006/main" meth="cycle" id="10">
+  <a:schemeClr val="accent1"/>
+  <a:schemeClr val="accent2"/>
+  <a:schemeClr val="accent3"/>
+  <a:schemeClr val="accent4"/>
+  <a:schemeClr val="accent5"/>
+  <a:schemeClr val="accent6"/>
+  <cs:variation/>
+  <cs:variation>
+    <a:lumMod val="60000"/>
+  </cs:variation>
+  <cs:variation>
+    <a:lumMod val="80000"/>
+    <a:lumOff val="20000"/>
+  </cs:variation>
+  <cs:variation>
+    <a:lumMod val="80000"/>
+  </cs:variation>
+  <cs:variation>
+    <a:lumMod val="60000"/>
+    <a:lumOff val="40000"/>
+  </cs:variation>
+  <cs:variation>
+    <a:lumMod val="50000"/>
+  </cs:variation>
+  <cs:variation>
+    <a:lumMod val="70000"/>
+    <a:lumOff val="30000"/>
+  </cs:variation>
+  <cs:variation>
+    <a:lumMod val="70000"/>
+  </cs:variation>
+  <cs:variation>
+    <a:lumMod val="50000"/>
+    <a:lumOff val="50000"/>
+  </cs:variation>
+</cs:colorStyle>
+</file>
+
 <file path=ppt/charts/style1.xml><?xml version="1.0" encoding="utf-8"?>
+<cs:chartStyle xmlns:cs="http://schemas.microsoft.com/office/drawing/2012/chartStyle" xmlns:a="http://schemas.openxmlformats.org/drawingml/2006/main" id="227">
+  <cs:axisTitle>
+    <cs:lnRef idx="0"/>
+    <cs:fillRef idx="0"/>
+    <cs:effectRef idx="0"/>
+    <cs:fontRef idx="minor">
+      <a:schemeClr val="tx1">
+        <a:lumMod val="65000"/>
+        <a:lumOff val="35000"/>
+      </a:schemeClr>
+    </cs:fontRef>
+    <cs:defRPr sz="1000" kern="1200"/>
+  </cs:axisTitle>
+  <cs:categoryAxis>
+    <cs:lnRef idx="0"/>
+    <cs:fillRef idx="0"/>
+    <cs:effectRef idx="0"/>
+    <cs:fontRef idx="minor">
+      <a:schemeClr val="tx1">
+        <a:lumMod val="65000"/>
+        <a:lumOff val="35000"/>
+      </a:schemeClr>
+    </cs:fontRef>
+    <cs:spPr>
+      <a:ln w="9525" cap="flat" cmpd="sng" algn="ctr">
+        <a:solidFill>
+          <a:schemeClr val="tx1">
+            <a:lumMod val="15000"/>
+            <a:lumOff val="85000"/>
+          </a:schemeClr>
+        </a:solidFill>
+        <a:round/>
+      </a:ln>
+    </cs:spPr>
+    <cs:defRPr sz="900" kern="1200"/>
+  </cs:categoryAxis>
+  <cs:chartArea mods="allowNoFillOverride allowNoLineOverride">
+    <cs:lnRef idx="0"/>
+    <cs:fillRef idx="0"/>
+    <cs:effectRef idx="0"/>
+    <cs:fontRef idx="minor">
+      <a:schemeClr val="tx1"/>
+    </cs:fontRef>
+    <cs:spPr>
+      <a:solidFill>
+        <a:schemeClr val="bg1"/>
+      </a:solidFill>
+      <a:ln w="9525" cap="flat" cmpd="sng" algn="ctr">
+        <a:solidFill>
+          <a:schemeClr val="tx1">
+            <a:lumMod val="15000"/>
+            <a:lumOff val="85000"/>
+          </a:schemeClr>
+        </a:solidFill>
+        <a:round/>
+      </a:ln>
+    </cs:spPr>
+    <cs:defRPr sz="1000" kern="1200"/>
+  </cs:chartArea>
+  <cs:dataLabel>
+    <cs:lnRef idx="0"/>
+    <cs:fillRef idx="0"/>
+    <cs:effectRef idx="0"/>
+    <cs:fontRef idx="minor">
+      <a:schemeClr val="tx1">
+        <a:lumMod val="75000"/>
+        <a:lumOff val="25000"/>
+      </a:schemeClr>
+    </cs:fontRef>
+    <cs:defRPr sz="900" kern="1200"/>
+  </cs:dataLabel>
+  <cs:dataLabelCallout>
+    <cs:lnRef idx="0"/>
+    <cs:fillRef idx="0"/>
+    <cs:effectRef idx="0"/>
+    <cs:fontRef idx="minor">
+      <a:schemeClr val="dk1">
+        <a:lumMod val="65000"/>
+        <a:lumOff val="35000"/>
+      </a:schemeClr>
+    </cs:fontRef>
+    <cs:spPr>
+      <a:solidFill>
+        <a:schemeClr val="lt1"/>
+      </a:solidFill>
+      <a:ln>
+        <a:solidFill>
+          <a:schemeClr val="dk1">
+            <a:lumMod val="25000"/>
+            <a:lumOff val="75000"/>
+          </a:schemeClr>
+        </a:solidFill>
+      </a:ln>
+    </cs:spPr>
+    <cs:defRPr sz="900" kern="1200"/>
+    <cs:bodyPr rot="0" spcFirstLastPara="1" vertOverflow="clip" horzOverflow="clip" vert="horz" wrap="square" lIns="36576" tIns="18288" rIns="36576" bIns="18288" anchor="ctr" anchorCtr="1">
+      <a:spAutoFit/>
+    </cs:bodyPr>
+  </cs:dataLabelCallout>
+  <cs:dataPoint>
+    <cs:lnRef idx="0"/>
+    <cs:fillRef idx="1">
+      <cs:styleClr val="auto"/>
+    </cs:fillRef>
+    <cs:effectRef idx="0"/>
+    <cs:fontRef idx="minor">
+      <a:schemeClr val="tx1"/>
+    </cs:fontRef>
+    <cs:spPr>
+      <a:solidFill>
+        <a:schemeClr val="phClr"/>
+      </a:solidFill>
+    </cs:spPr>
+  </cs:dataPoint>
+  <cs:dataPoint3D>
+    <cs:lnRef idx="0"/>
+    <cs:fillRef idx="1">
+      <cs:styleClr val="auto"/>
+    </cs:fillRef>
+    <cs:effectRef idx="0"/>
+    <cs:fontRef idx="minor">
+      <a:schemeClr val="tx1"/>
+    </cs:fontRef>
+    <cs:spPr>
+      <a:solidFill>
+        <a:schemeClr val="phClr"/>
+      </a:solidFill>
+    </cs:spPr>
+  </cs:dataPoint3D>
+  <cs:dataPointLine>
+    <cs:lnRef idx="0">
+      <cs:styleClr val="auto"/>
+    </cs:lnRef>
+    <cs:fillRef idx="1"/>
+    <cs:effectRef idx="0"/>
+    <cs:fontRef idx="minor">
+      <a:schemeClr val="tx1"/>
+    </cs:fontRef>
+    <cs:spPr>
+      <a:ln w="28575" cap="rnd">
+        <a:solidFill>
+          <a:schemeClr val="phClr"/>
+        </a:solidFill>
+        <a:round/>
+      </a:ln>
+    </cs:spPr>
+  </cs:dataPointLine>
+  <cs:dataPointMarker>
+    <cs:lnRef idx="0">
+      <cs:styleClr val="auto"/>
+    </cs:lnRef>
+    <cs:fillRef idx="1">
+      <cs:styleClr val="auto"/>
+    </cs:fillRef>
+    <cs:effectRef idx="0"/>
+    <cs:fontRef idx="minor">
+      <a:schemeClr val="tx1"/>
+    </cs:fontRef>
+    <cs:spPr>
+      <a:solidFill>
+        <a:schemeClr val="phClr"/>
+      </a:solidFill>
+      <a:ln w="9525">
+        <a:solidFill>
+          <a:schemeClr val="phClr"/>
+        </a:solidFill>
+      </a:ln>
+    </cs:spPr>
+  </cs:dataPointMarker>
+  <cs:dataPointMarkerLayout symbol="circle" size="5"/>
+  <cs:dataPointWireframe>
+    <cs:lnRef idx="0">
+      <cs:styleClr val="auto"/>
+    </cs:lnRef>
+    <cs:fillRef idx="1"/>
+    <cs:effectRef idx="0"/>
+    <cs:fontRef idx="minor">
+      <a:schemeClr val="tx1"/>
+    </cs:fontRef>
+    <cs:spPr>
+      <a:ln w="9525" cap="rnd">
+        <a:solidFill>
+          <a:schemeClr val="phClr"/>
+        </a:solidFill>
+        <a:round/>
+      </a:ln>
+    </cs:spPr>
+  </cs:dataPointWireframe>
+  <cs:dataTable>
+    <cs:lnRef idx="0"/>
+    <cs:fillRef idx="0"/>
+    <cs:effectRef idx="0"/>
+    <cs:fontRef idx="minor">
+      <a:schemeClr val="tx1">
+        <a:lumMod val="65000"/>
+        <a:lumOff val="35000"/>
+      </a:schemeClr>
+    </cs:fontRef>
+    <cs:spPr>
+      <a:noFill/>
+      <a:ln w="9525" cap="flat" cmpd="sng" algn="ctr">
+        <a:solidFill>
+          <a:schemeClr val="tx1">
+            <a:lumMod val="15000"/>
+            <a:lumOff val="85000"/>
+          </a:schemeClr>
+        </a:solidFill>
+        <a:round/>
+      </a:ln>
+    </cs:spPr>
+    <cs:defRPr sz="900" kern="1200"/>
+  </cs:dataTable>
+  <cs:downBar>
+    <cs:lnRef idx="0"/>
+    <cs:fillRef idx="0"/>
+    <cs:effectRef idx="0"/>
+    <cs:fontRef idx="minor">
+      <a:schemeClr val="dk1"/>
+    </cs:fontRef>
+    <cs:spPr>
+      <a:solidFill>
+        <a:schemeClr val="dk1">
+          <a:lumMod val="65000"/>
+          <a:lumOff val="35000"/>
+        </a:schemeClr>
+      </a:solidFill>
+      <a:ln w="9525">
+        <a:solidFill>
+          <a:schemeClr val="tx1">
+            <a:lumMod val="65000"/>
+            <a:lumOff val="35000"/>
+          </a:schemeClr>
+        </a:solidFill>
+      </a:ln>
+    </cs:spPr>
+  </cs:downBar>
+  <cs:dropLine>
+    <cs:lnRef idx="0"/>
+    <cs:fillRef idx="0"/>
+    <cs:effectRef idx="0"/>
+    <cs:fontRef idx="minor">
+      <a:schemeClr val="tx1"/>
+    </cs:fontRef>
+    <cs:spPr>
+      <a:ln w="9525" cap="flat" cmpd="sng" algn="ctr">
+        <a:solidFill>
+          <a:schemeClr val="tx1">
+            <a:lumMod val="35000"/>
+            <a:lumOff val="65000"/>
+          </a:schemeClr>
+        </a:solidFill>
+        <a:round/>
+      </a:ln>
+    </cs:spPr>
+  </cs:dropLine>
+  <cs:errorBar>
+    <cs:lnRef idx="0"/>
+    <cs:fillRef idx="0"/>
+    <cs:effectRef idx="0"/>
+    <cs:fontRef idx="minor">
+      <a:schemeClr val="tx1"/>
+    </cs:fontRef>
+    <cs:spPr>
+      <a:ln w="9525" cap="flat" cmpd="sng" algn="ctr">
+        <a:solidFill>
+          <a:schemeClr val="tx1">
+            <a:lumMod val="65000"/>
+            <a:lumOff val="35000"/>
+          </a:schemeClr>
+        </a:solidFill>
+        <a:round/>
+      </a:ln>
+    </cs:spPr>
+  </cs:errorBar>
+  <cs:floor>
+    <cs:lnRef idx="0"/>
+    <cs:fillRef idx="0"/>
+    <cs:effectRef idx="0"/>
+    <cs:fontRef idx="minor">
+      <a:schemeClr val="tx1"/>
+    </cs:fontRef>
+    <cs:spPr>
+      <a:noFill/>
+      <a:ln>
+        <a:noFill/>
+      </a:ln>
+    </cs:spPr>
+  </cs:floor>
+  <cs:gridlineMajor>
+    <cs:lnRef idx="0"/>
+    <cs:fillRef idx="0"/>
+    <cs:effectRef idx="0"/>
+    <cs:fontRef idx="minor">
+      <a:schemeClr val="tx1"/>
+    </cs:fontRef>
+    <cs:spPr>
+      <a:ln w="9525" cap="flat" cmpd="sng" algn="ctr">
+        <a:solidFill>
+          <a:schemeClr val="tx1">
+            <a:lumMod val="15000"/>
+            <a:lumOff val="85000"/>
+          </a:schemeClr>
+        </a:solidFill>
+        <a:round/>
+      </a:ln>
+    </cs:spPr>
+  </cs:gridlineMajor>
+  <cs:gridlineMinor>
+    <cs:lnRef idx="0"/>
+    <cs:fillRef idx="0"/>
+    <cs:effectRef idx="0"/>
+    <cs:fontRef idx="minor">
+      <a:schemeClr val="tx1"/>
+    </cs:fontRef>
+    <cs:spPr>
+      <a:ln w="9525" cap="flat" cmpd="sng" algn="ctr">
+        <a:solidFill>
+          <a:schemeClr val="tx1">
+            <a:lumMod val="5000"/>
+            <a:lumOff val="95000"/>
+          </a:schemeClr>
+        </a:solidFill>
+        <a:round/>
+      </a:ln>
+    </cs:spPr>
+  </cs:gridlineMinor>
+  <cs:hiLoLine>
+    <cs:lnRef idx="0"/>
+    <cs:fillRef idx="0"/>
+    <cs:effectRef idx="0"/>
+    <cs:fontRef idx="minor">
+      <a:schemeClr val="tx1"/>
+    </cs:fontRef>
+    <cs:spPr>
+      <a:ln w="9525" cap="flat" cmpd="sng" algn="ctr">
+        <a:solidFill>
+          <a:schemeClr val="tx1">
+            <a:lumMod val="75000"/>
+            <a:lumOff val="25000"/>
+          </a:schemeClr>
+        </a:solidFill>
+        <a:round/>
+      </a:ln>
+    </cs:spPr>
+  </cs:hiLoLine>
+  <cs:leaderLine>
+    <cs:lnRef idx="0"/>
+    <cs:fillRef idx="0"/>
+    <cs:effectRef idx="0"/>
+    <cs:fontRef idx="minor">
+      <a:schemeClr val="tx1"/>
+    </cs:fontRef>
+    <cs:spPr>
+      <a:ln w="9525" cap="flat" cmpd="sng" algn="ctr">
+        <a:solidFill>
+          <a:schemeClr val="tx1">
+            <a:lumMod val="35000"/>
+            <a:lumOff val="65000"/>
+          </a:schemeClr>
+        </a:solidFill>
+        <a:round/>
+      </a:ln>
+    </cs:spPr>
+  </cs:leaderLine>
+  <cs:legend>
+    <cs:lnRef idx="0"/>
+    <cs:fillRef idx="0"/>
+    <cs:effectRef idx="0"/>
+    <cs:fontRef idx="minor">
+      <a:schemeClr val="tx1">
+        <a:lumMod val="65000"/>
+        <a:lumOff val="35000"/>
+      </a:schemeClr>
+    </cs:fontRef>
+    <cs:defRPr sz="900" kern="1200"/>
+  </cs:legend>
+  <cs:plotArea mods="allowNoFillOverride allowNoLineOverride">
+    <cs:lnRef idx="0"/>
+    <cs:fillRef idx="0"/>
+    <cs:effectRef idx="0"/>
+    <cs:fontRef idx="minor">
+      <a:schemeClr val="tx1"/>
+    </cs:fontRef>
+  </cs:plotArea>
+  <cs:plotArea3D mods="allowNoFillOverride allowNoLineOverride">
+    <cs:lnRef idx="0"/>
+    <cs:fillRef idx="0"/>
+    <cs:effectRef idx="0"/>
+    <cs:fontRef idx="minor">
+      <a:schemeClr val="tx1"/>
+    </cs:fontRef>
+  </cs:plotArea3D>
+  <cs:seriesAxis>
+    <cs:lnRef idx="0"/>
+    <cs:fillRef idx="0"/>
+    <cs:effectRef idx="0"/>
+    <cs:fontRef idx="minor">
+      <a:schemeClr val="tx1">
+        <a:lumMod val="65000"/>
+        <a:lumOff val="35000"/>
+      </a:schemeClr>
+    </cs:fontRef>
+    <cs:defRPr sz="900" kern="1200"/>
+  </cs:seriesAxis>
+  <cs:seriesLine>
+    <cs:lnRef idx="0"/>
+    <cs:fillRef idx="0"/>
+    <cs:effectRef idx="0"/>
+    <cs:fontRef idx="minor">
+      <a:schemeClr val="tx1"/>
+    </cs:fontRef>
+    <cs:spPr>
+      <a:ln w="9525" cap="flat" cmpd="sng" algn="ctr">
+        <a:solidFill>
+          <a:schemeClr val="tx1">
+            <a:lumMod val="35000"/>
+            <a:lumOff val="65000"/>
+          </a:schemeClr>
+        </a:solidFill>
+        <a:round/>
+      </a:ln>
+    </cs:spPr>
+  </cs:seriesLine>
+  <cs:title>
+    <cs:lnRef idx="0"/>
+    <cs:fillRef idx="0"/>
+    <cs:effectRef idx="0"/>
+    <cs:fontRef idx="minor">
+      <a:schemeClr val="tx1">
+        <a:lumMod val="65000"/>
+        <a:lumOff val="35000"/>
+      </a:schemeClr>
+    </cs:fontRef>
+    <cs:defRPr sz="1400" b="0" kern="1200" spc="0" baseline="0"/>
+  </cs:title>
+  <cs:trendline>
+    <cs:lnRef idx="0">
+      <cs:styleClr val="auto"/>
+    </cs:lnRef>
+    <cs:fillRef idx="0"/>
+    <cs:effectRef idx="0"/>
+    <cs:fontRef idx="minor">
+      <a:schemeClr val="tx1"/>
+    </cs:fontRef>
+    <cs:spPr>
+      <a:ln w="19050" cap="rnd">
+        <a:solidFill>
+          <a:schemeClr val="phClr"/>
+        </a:solidFill>
+        <a:prstDash val="sysDot"/>
+      </a:ln>
+    </cs:spPr>
+  </cs:trendline>
+  <cs:trendlineLabel>
+    <cs:lnRef idx="0"/>
+    <cs:fillRef idx="0"/>
+    <cs:effectRef idx="0"/>
+    <cs:fontRef idx="minor">
+      <a:schemeClr val="tx1">
+        <a:lumMod val="65000"/>
+        <a:lumOff val="35000"/>
+      </a:schemeClr>
+    </cs:fontRef>
+    <cs:defRPr sz="900" kern="1200"/>
+  </cs:trendlineLabel>
+  <cs:upBar>
+    <cs:lnRef idx="0"/>
+    <cs:fillRef idx="0"/>
+    <cs:effectRef idx="0"/>
+    <cs:fontRef idx="minor">
+      <a:schemeClr val="dk1"/>
+    </cs:fontRef>
+    <cs:spPr>
+      <a:solidFill>
+        <a:schemeClr val="lt1"/>
+      </a:solidFill>
+      <a:ln w="9525">
+        <a:solidFill>
+          <a:schemeClr val="tx1">
+            <a:lumMod val="15000"/>
+            <a:lumOff val="85000"/>
+          </a:schemeClr>
+        </a:solidFill>
+      </a:ln>
+    </cs:spPr>
+  </cs:upBar>
+  <cs:valueAxis>
+    <cs:lnRef idx="0"/>
+    <cs:fillRef idx="0"/>
+    <cs:effectRef idx="0"/>
+    <cs:fontRef idx="minor">
+      <a:schemeClr val="tx1">
+        <a:lumMod val="65000"/>
+        <a:lumOff val="35000"/>
+      </a:schemeClr>
+    </cs:fontRef>
+    <cs:defRPr sz="900" kern="1200"/>
+  </cs:valueAxis>
+  <cs:wall>
+    <cs:lnRef idx="0"/>
+    <cs:fillRef idx="0"/>
+    <cs:effectRef idx="0"/>
+    <cs:fontRef idx="minor">
+      <a:schemeClr val="tx1"/>
+    </cs:fontRef>
+    <cs:spPr>
+      <a:noFill/>
+      <a:ln>
+        <a:noFill/>
+      </a:ln>
+    </cs:spPr>
+  </cs:wall>
+</cs:chartStyle>
+</file>
+
+<file path=ppt/charts/style2.xml><?xml version="1.0" encoding="utf-8"?>
+<cs:chartStyle xmlns:cs="http://schemas.microsoft.com/office/drawing/2012/chartStyle" xmlns:a="http://schemas.openxmlformats.org/drawingml/2006/main" id="227">
+  <cs:axisTitle>
+    <cs:lnRef idx="0"/>
+    <cs:fillRef idx="0"/>
+    <cs:effectRef idx="0"/>
+    <cs:fontRef idx="minor">
+      <a:schemeClr val="tx1">
+        <a:lumMod val="65000"/>
+        <a:lumOff val="35000"/>
+      </a:schemeClr>
+    </cs:fontRef>
+    <cs:defRPr sz="1000" kern="1200"/>
+  </cs:axisTitle>
+  <cs:categoryAxis>
+    <cs:lnRef idx="0"/>
+    <cs:fillRef idx="0"/>
+    <cs:effectRef idx="0"/>
+    <cs:fontRef idx="minor">
+      <a:schemeClr val="tx1">
+        <a:lumMod val="65000"/>
+        <a:lumOff val="35000"/>
+      </a:schemeClr>
+    </cs:fontRef>
+    <cs:spPr>
+      <a:ln w="9525" cap="flat" cmpd="sng" algn="ctr">
+        <a:solidFill>
+          <a:schemeClr val="tx1">
+            <a:lumMod val="15000"/>
+            <a:lumOff val="85000"/>
+          </a:schemeClr>
+        </a:solidFill>
+        <a:round/>
+      </a:ln>
+    </cs:spPr>
+    <cs:defRPr sz="900" kern="1200"/>
+  </cs:categoryAxis>
+  <cs:chartArea mods="allowNoFillOverride allowNoLineOverride">
+    <cs:lnRef idx="0"/>
+    <cs:fillRef idx="0"/>
+    <cs:effectRef idx="0"/>
+    <cs:fontRef idx="minor">
+      <a:schemeClr val="tx1"/>
+    </cs:fontRef>
+    <cs:spPr>
+      <a:solidFill>
+        <a:schemeClr val="bg1"/>
+      </a:solidFill>
+      <a:ln w="9525" cap="flat" cmpd="sng" algn="ctr">
+        <a:solidFill>
+          <a:schemeClr val="tx1">
+            <a:lumMod val="15000"/>
+            <a:lumOff val="85000"/>
+          </a:schemeClr>
+        </a:solidFill>
+        <a:round/>
+      </a:ln>
+    </cs:spPr>
+    <cs:defRPr sz="1000" kern="1200"/>
+  </cs:chartArea>
+  <cs:dataLabel>
+    <cs:lnRef idx="0"/>
+    <cs:fillRef idx="0"/>
+    <cs:effectRef idx="0"/>
+    <cs:fontRef idx="minor">
+      <a:schemeClr val="tx1">
+        <a:lumMod val="75000"/>
+        <a:lumOff val="25000"/>
+      </a:schemeClr>
+    </cs:fontRef>
+    <cs:defRPr sz="900" kern="1200"/>
+  </cs:dataLabel>
+  <cs:dataLabelCallout>
+    <cs:lnRef idx="0"/>
+    <cs:fillRef idx="0"/>
+    <cs:effectRef idx="0"/>
+    <cs:fontRef idx="minor">
+      <a:schemeClr val="dk1">
+        <a:lumMod val="65000"/>
+        <a:lumOff val="35000"/>
+      </a:schemeClr>
+    </cs:fontRef>
+    <cs:spPr>
+      <a:solidFill>
+        <a:schemeClr val="lt1"/>
+      </a:solidFill>
+      <a:ln>
+        <a:solidFill>
+          <a:schemeClr val="dk1">
+            <a:lumMod val="25000"/>
+            <a:lumOff val="75000"/>
+          </a:schemeClr>
+        </a:solidFill>
+      </a:ln>
+    </cs:spPr>
+    <cs:defRPr sz="900" kern="1200"/>
+    <cs:bodyPr rot="0" spcFirstLastPara="1" vertOverflow="clip" horzOverflow="clip" vert="horz" wrap="square" lIns="36576" tIns="18288" rIns="36576" bIns="18288" anchor="ctr" anchorCtr="1">
+      <a:spAutoFit/>
+    </cs:bodyPr>
+  </cs:dataLabelCallout>
+  <cs:dataPoint>
+    <cs:lnRef idx="0"/>
+    <cs:fillRef idx="1">
+      <cs:styleClr val="auto"/>
+    </cs:fillRef>
+    <cs:effectRef idx="0"/>
+    <cs:fontRef idx="minor">
+      <a:schemeClr val="tx1"/>
+    </cs:fontRef>
+    <cs:spPr>
+      <a:solidFill>
+        <a:schemeClr val="phClr"/>
+      </a:solidFill>
+    </cs:spPr>
+  </cs:dataPoint>
+  <cs:dataPoint3D>
+    <cs:lnRef idx="0"/>
+    <cs:fillRef idx="1">
+      <cs:styleClr val="auto"/>
+    </cs:fillRef>
+    <cs:effectRef idx="0"/>
+    <cs:fontRef idx="minor">
+      <a:schemeClr val="tx1"/>
+    </cs:fontRef>
+    <cs:spPr>
+      <a:solidFill>
+        <a:schemeClr val="phClr"/>
+      </a:solidFill>
+    </cs:spPr>
+  </cs:dataPoint3D>
+  <cs:dataPointLine>
+    <cs:lnRef idx="0">
+      <cs:styleClr val="auto"/>
+    </cs:lnRef>
+    <cs:fillRef idx="1"/>
+    <cs:effectRef idx="0"/>
+    <cs:fontRef idx="minor">
+      <a:schemeClr val="tx1"/>
+    </cs:fontRef>
+    <cs:spPr>
+      <a:ln w="28575" cap="rnd">
+        <a:solidFill>
+          <a:schemeClr val="phClr"/>
+        </a:solidFill>
+        <a:round/>
+      </a:ln>
+    </cs:spPr>
+  </cs:dataPointLine>
+  <cs:dataPointMarker>
+    <cs:lnRef idx="0">
+      <cs:styleClr val="auto"/>
+    </cs:lnRef>
+    <cs:fillRef idx="1">
+      <cs:styleClr val="auto"/>
+    </cs:fillRef>
+    <cs:effectRef idx="0"/>
+    <cs:fontRef idx="minor">
+      <a:schemeClr val="tx1"/>
+    </cs:fontRef>
+    <cs:spPr>
+      <a:solidFill>
+        <a:schemeClr val="phClr"/>
+      </a:solidFill>
+      <a:ln w="9525">
+        <a:solidFill>
+          <a:schemeClr val="phClr"/>
+        </a:solidFill>
+      </a:ln>
+    </cs:spPr>
+  </cs:dataPointMarker>
+  <cs:dataPointMarkerLayout symbol="circle" size="5"/>
+  <cs:dataPointWireframe>
+    <cs:lnRef idx="0">
+      <cs:styleClr val="auto"/>
+    </cs:lnRef>
+    <cs:fillRef idx="1"/>
+    <cs:effectRef idx="0"/>
+    <cs:fontRef idx="minor">
+      <a:schemeClr val="tx1"/>
+    </cs:fontRef>
+    <cs:spPr>
+      <a:ln w="9525" cap="rnd">
+        <a:solidFill>
+          <a:schemeClr val="phClr"/>
+        </a:solidFill>
+        <a:round/>
+      </a:ln>
+    </cs:spPr>
+  </cs:dataPointWireframe>
+  <cs:dataTable>
+    <cs:lnRef idx="0"/>
+    <cs:fillRef idx="0"/>
+    <cs:effectRef idx="0"/>
+    <cs:fontRef idx="minor">
+      <a:schemeClr val="tx1">
+        <a:lumMod val="65000"/>
+        <a:lumOff val="35000"/>
+      </a:schemeClr>
+    </cs:fontRef>
+    <cs:spPr>
+      <a:noFill/>
+      <a:ln w="9525" cap="flat" cmpd="sng" algn="ctr">
+        <a:solidFill>
+          <a:schemeClr val="tx1">
+            <a:lumMod val="15000"/>
+            <a:lumOff val="85000"/>
+          </a:schemeClr>
+        </a:solidFill>
+        <a:round/>
+      </a:ln>
+    </cs:spPr>
+    <cs:defRPr sz="900" kern="1200"/>
+  </cs:dataTable>
+  <cs:downBar>
+    <cs:lnRef idx="0"/>
+    <cs:fillRef idx="0"/>
+    <cs:effectRef idx="0"/>
+    <cs:fontRef idx="minor">
+      <a:schemeClr val="dk1"/>
+    </cs:fontRef>
+    <cs:spPr>
+      <a:solidFill>
+        <a:schemeClr val="dk1">
+          <a:lumMod val="65000"/>
+          <a:lumOff val="35000"/>
+        </a:schemeClr>
+      </a:solidFill>
+      <a:ln w="9525">
+        <a:solidFill>
+          <a:schemeClr val="tx1">
+            <a:lumMod val="65000"/>
+            <a:lumOff val="35000"/>
+          </a:schemeClr>
+        </a:solidFill>
+      </a:ln>
+    </cs:spPr>
+  </cs:downBar>
+  <cs:dropLine>
+    <cs:lnRef idx="0"/>
+    <cs:fillRef idx="0"/>
+    <cs:effectRef idx="0"/>
+    <cs:fontRef idx="minor">
+      <a:schemeClr val="tx1"/>
+    </cs:fontRef>
+    <cs:spPr>
+      <a:ln w="9525" cap="flat" cmpd="sng" algn="ctr">
+        <a:solidFill>
+          <a:schemeClr val="tx1">
+            <a:lumMod val="35000"/>
+            <a:lumOff val="65000"/>
+          </a:schemeClr>
+        </a:solidFill>
+        <a:round/>
+      </a:ln>
+    </cs:spPr>
+  </cs:dropLine>
+  <cs:errorBar>
+    <cs:lnRef idx="0"/>
+    <cs:fillRef idx="0"/>
+    <cs:effectRef idx="0"/>
+    <cs:fontRef idx="minor">
+      <a:schemeClr val="tx1"/>
+    </cs:fontRef>
+    <cs:spPr>
+      <a:ln w="9525" cap="flat" cmpd="sng" algn="ctr">
+        <a:solidFill>
+          <a:schemeClr val="tx1">
+            <a:lumMod val="65000"/>
+            <a:lumOff val="35000"/>
+          </a:schemeClr>
+        </a:solidFill>
+        <a:round/>
+      </a:ln>
+    </cs:spPr>
+  </cs:errorBar>
+  <cs:floor>
+    <cs:lnRef idx="0"/>
+    <cs:fillRef idx="0"/>
+    <cs:effectRef idx="0"/>
+    <cs:fontRef idx="minor">
+      <a:schemeClr val="tx1"/>
+    </cs:fontRef>
+    <cs:spPr>
+      <a:noFill/>
+      <a:ln>
+        <a:noFill/>
+      </a:ln>
+    </cs:spPr>
+  </cs:floor>
+  <cs:gridlineMajor>
+    <cs:lnRef idx="0"/>
+    <cs:fillRef idx="0"/>
+    <cs:effectRef idx="0"/>
+    <cs:fontRef idx="minor">
+      <a:schemeClr val="tx1"/>
+    </cs:fontRef>
+    <cs:spPr>
+      <a:ln w="9525" cap="flat" cmpd="sng" algn="ctr">
+        <a:solidFill>
+          <a:schemeClr val="tx1">
+            <a:lumMod val="15000"/>
+            <a:lumOff val="85000"/>
+          </a:schemeClr>
+        </a:solidFill>
+        <a:round/>
+      </a:ln>
+    </cs:spPr>
+  </cs:gridlineMajor>
+  <cs:gridlineMinor>
+    <cs:lnRef idx="0"/>
+    <cs:fillRef idx="0"/>
+    <cs:effectRef idx="0"/>
+    <cs:fontRef idx="minor">
+      <a:schemeClr val="tx1"/>
+    </cs:fontRef>
+    <cs:spPr>
+      <a:ln w="9525" cap="flat" cmpd="sng" algn="ctr">
+        <a:solidFill>
+          <a:schemeClr val="tx1">
+            <a:lumMod val="5000"/>
+            <a:lumOff val="95000"/>
+          </a:schemeClr>
+        </a:solidFill>
+        <a:round/>
+      </a:ln>
+    </cs:spPr>
+  </cs:gridlineMinor>
+  <cs:hiLoLine>
+    <cs:lnRef idx="0"/>
+    <cs:fillRef idx="0"/>
+    <cs:effectRef idx="0"/>
+    <cs:fontRef idx="minor">
+      <a:schemeClr val="tx1"/>
+    </cs:fontRef>
+    <cs:spPr>
+      <a:ln w="9525" cap="flat" cmpd="sng" algn="ctr">
+        <a:solidFill>
+          <a:schemeClr val="tx1">
+            <a:lumMod val="75000"/>
+            <a:lumOff val="25000"/>
+          </a:schemeClr>
+        </a:solidFill>
+        <a:round/>
+      </a:ln>
+    </cs:spPr>
+  </cs:hiLoLine>
+  <cs:leaderLine>
+    <cs:lnRef idx="0"/>
+    <cs:fillRef idx="0"/>
+    <cs:effectRef idx="0"/>
+    <cs:fontRef idx="minor">
+      <a:schemeClr val="tx1"/>
+    </cs:fontRef>
+    <cs:spPr>
+      <a:ln w="9525" cap="flat" cmpd="sng" algn="ctr">
+        <a:solidFill>
+          <a:schemeClr val="tx1">
+            <a:lumMod val="35000"/>
+            <a:lumOff val="65000"/>
+          </a:schemeClr>
+        </a:solidFill>
+        <a:round/>
+      </a:ln>
+    </cs:spPr>
+  </cs:leaderLine>
+  <cs:legend>
+    <cs:lnRef idx="0"/>
+    <cs:fillRef idx="0"/>
+    <cs:effectRef idx="0"/>
+    <cs:fontRef idx="minor">
+      <a:schemeClr val="tx1">
+        <a:lumMod val="65000"/>
+        <a:lumOff val="35000"/>
+      </a:schemeClr>
+    </cs:fontRef>
+    <cs:defRPr sz="900" kern="1200"/>
+  </cs:legend>
+  <cs:plotArea mods="allowNoFillOverride allowNoLineOverride">
+    <cs:lnRef idx="0"/>
+    <cs:fillRef idx="0"/>
+    <cs:effectRef idx="0"/>
+    <cs:fontRef idx="minor">
+      <a:schemeClr val="tx1"/>
+    </cs:fontRef>
+  </cs:plotArea>
+  <cs:plotArea3D mods="allowNoFillOverride allowNoLineOverride">
+    <cs:lnRef idx="0"/>
+    <cs:fillRef idx="0"/>
+    <cs:effectRef idx="0"/>
+    <cs:fontRef idx="minor">
+      <a:schemeClr val="tx1"/>
+    </cs:fontRef>
+  </cs:plotArea3D>
+  <cs:seriesAxis>
+    <cs:lnRef idx="0"/>
+    <cs:fillRef idx="0"/>
+    <cs:effectRef idx="0"/>
+    <cs:fontRef idx="minor">
+      <a:schemeClr val="tx1">
+        <a:lumMod val="65000"/>
+        <a:lumOff val="35000"/>
+      </a:schemeClr>
+    </cs:fontRef>
+    <cs:defRPr sz="900" kern="1200"/>
+  </cs:seriesAxis>
+  <cs:seriesLine>
+    <cs:lnRef idx="0"/>
+    <cs:fillRef idx="0"/>
+    <cs:effectRef idx="0"/>
+    <cs:fontRef idx="minor">
+      <a:schemeClr val="tx1"/>
+    </cs:fontRef>
+    <cs:spPr>
+      <a:ln w="9525" cap="flat" cmpd="sng" algn="ctr">
+        <a:solidFill>
+          <a:schemeClr val="tx1">
+            <a:lumMod val="35000"/>
+            <a:lumOff val="65000"/>
+          </a:schemeClr>
+        </a:solidFill>
+        <a:round/>
+      </a:ln>
+    </cs:spPr>
+  </cs:seriesLine>
+  <cs:title>
+    <cs:lnRef idx="0"/>
+    <cs:fillRef idx="0"/>
+    <cs:effectRef idx="0"/>
+    <cs:fontRef idx="minor">
+      <a:schemeClr val="tx1">
+        <a:lumMod val="65000"/>
+        <a:lumOff val="35000"/>
+      </a:schemeClr>
+    </cs:fontRef>
+    <cs:defRPr sz="1400" b="0" kern="1200" spc="0" baseline="0"/>
+  </cs:title>
+  <cs:trendline>
+    <cs:lnRef idx="0">
+      <cs:styleClr val="auto"/>
+    </cs:lnRef>
+    <cs:fillRef idx="0"/>
+    <cs:effectRef idx="0"/>
+    <cs:fontRef idx="minor">
+      <a:schemeClr val="tx1"/>
+    </cs:fontRef>
+    <cs:spPr>
+      <a:ln w="19050" cap="rnd">
+        <a:solidFill>
+          <a:schemeClr val="phClr"/>
+        </a:solidFill>
+        <a:prstDash val="sysDot"/>
+      </a:ln>
+    </cs:spPr>
+  </cs:trendline>
+  <cs:trendlineLabel>
+    <cs:lnRef idx="0"/>
+    <cs:fillRef idx="0"/>
+    <cs:effectRef idx="0"/>
+    <cs:fontRef idx="minor">
+      <a:schemeClr val="tx1">
+        <a:lumMod val="65000"/>
+        <a:lumOff val="35000"/>
+      </a:schemeClr>
+    </cs:fontRef>
+    <cs:defRPr sz="900" kern="1200"/>
+  </cs:trendlineLabel>
+  <cs:upBar>
+    <cs:lnRef idx="0"/>
+    <cs:fillRef idx="0"/>
+    <cs:effectRef idx="0"/>
+    <cs:fontRef idx="minor">
+      <a:schemeClr val="dk1"/>
+    </cs:fontRef>
+    <cs:spPr>
+      <a:solidFill>
+        <a:schemeClr val="lt1"/>
+      </a:solidFill>
+      <a:ln w="9525">
+        <a:solidFill>
+          <a:schemeClr val="tx1">
+            <a:lumMod val="15000"/>
+            <a:lumOff val="85000"/>
+          </a:schemeClr>
+        </a:solidFill>
+      </a:ln>
+    </cs:spPr>
+  </cs:upBar>
+  <cs:valueAxis>
+    <cs:lnRef idx="0"/>
+    <cs:fillRef idx="0"/>
+    <cs:effectRef idx="0"/>
+    <cs:fontRef idx="minor">
+      <a:schemeClr val="tx1">
+        <a:lumMod val="65000"/>
+        <a:lumOff val="35000"/>
+      </a:schemeClr>
+    </cs:fontRef>
+    <cs:defRPr sz="900" kern="1200"/>
+  </cs:valueAxis>
+  <cs:wall>
+    <cs:lnRef idx="0"/>
+    <cs:fillRef idx="0"/>
+    <cs:effectRef idx="0"/>
+    <cs:fontRef idx="minor">
+      <a:schemeClr val="tx1"/>
+    </cs:fontRef>
+    <cs:spPr>
+      <a:noFill/>
+      <a:ln>
+        <a:noFill/>
+      </a:ln>
+    </cs:spPr>
+  </cs:wall>
+</cs:chartStyle>
+</file>
+
+<file path=ppt/charts/style3.xml><?xml version="1.0" encoding="utf-8"?>
+<cs:chartStyle xmlns:cs="http://schemas.microsoft.com/office/drawing/2012/chartStyle" xmlns:a="http://schemas.openxmlformats.org/drawingml/2006/main" id="227">
+  <cs:axisTitle>
+    <cs:lnRef idx="0"/>
+    <cs:fillRef idx="0"/>
+    <cs:effectRef idx="0"/>
+    <cs:fontRef idx="minor">
+      <a:schemeClr val="tx1">
+        <a:lumMod val="65000"/>
+        <a:lumOff val="35000"/>
+      </a:schemeClr>
+    </cs:fontRef>
+    <cs:defRPr sz="1000" kern="1200"/>
+  </cs:axisTitle>
+  <cs:categoryAxis>
+    <cs:lnRef idx="0"/>
+    <cs:fillRef idx="0"/>
+    <cs:effectRef idx="0"/>
+    <cs:fontRef idx="minor">
+      <a:schemeClr val="tx1">
+        <a:lumMod val="65000"/>
+        <a:lumOff val="35000"/>
+      </a:schemeClr>
+    </cs:fontRef>
+    <cs:spPr>
+      <a:ln w="9525" cap="flat" cmpd="sng" algn="ctr">
+        <a:solidFill>
+          <a:schemeClr val="tx1">
+            <a:lumMod val="15000"/>
+            <a:lumOff val="85000"/>
+          </a:schemeClr>
+        </a:solidFill>
+        <a:round/>
+      </a:ln>
+    </cs:spPr>
+    <cs:defRPr sz="900" kern="1200"/>
+  </cs:categoryAxis>
+  <cs:chartArea mods="allowNoFillOverride allowNoLineOverride">
+    <cs:lnRef idx="0"/>
+    <cs:fillRef idx="0"/>
+    <cs:effectRef idx="0"/>
+    <cs:fontRef idx="minor">
+      <a:schemeClr val="tx1"/>
+    </cs:fontRef>
+    <cs:spPr>
+      <a:solidFill>
+        <a:schemeClr val="bg1"/>
+      </a:solidFill>
+      <a:ln w="9525" cap="flat" cmpd="sng" algn="ctr">
+        <a:solidFill>
+          <a:schemeClr val="tx1">
+            <a:lumMod val="15000"/>
+            <a:lumOff val="85000"/>
+          </a:schemeClr>
+        </a:solidFill>
+        <a:round/>
+      </a:ln>
+    </cs:spPr>
+    <cs:defRPr sz="1000" kern="1200"/>
+  </cs:chartArea>
+  <cs:dataLabel>
+    <cs:lnRef idx="0"/>
+    <cs:fillRef idx="0"/>
+    <cs:effectRef idx="0"/>
+    <cs:fontRef idx="minor">
+      <a:schemeClr val="tx1">
+        <a:lumMod val="75000"/>
+        <a:lumOff val="25000"/>
+      </a:schemeClr>
+    </cs:fontRef>
+    <cs:defRPr sz="900" kern="1200"/>
+  </cs:dataLabel>
+  <cs:dataLabelCallout>
+    <cs:lnRef idx="0"/>
+    <cs:fillRef idx="0"/>
+    <cs:effectRef idx="0"/>
+    <cs:fontRef idx="minor">
+      <a:schemeClr val="dk1">
+        <a:lumMod val="65000"/>
+        <a:lumOff val="35000"/>
+      </a:schemeClr>
+    </cs:fontRef>
+    <cs:spPr>
+      <a:solidFill>
+        <a:schemeClr val="lt1"/>
+      </a:solidFill>
+      <a:ln>
+        <a:solidFill>
+          <a:schemeClr val="dk1">
+            <a:lumMod val="25000"/>
+            <a:lumOff val="75000"/>
+          </a:schemeClr>
+        </a:solidFill>
+      </a:ln>
+    </cs:spPr>
+    <cs:defRPr sz="900" kern="1200"/>
+    <cs:bodyPr rot="0" spcFirstLastPara="1" vertOverflow="clip" horzOverflow="clip" vert="horz" wrap="square" lIns="36576" tIns="18288" rIns="36576" bIns="18288" anchor="ctr" anchorCtr="1">
+      <a:spAutoFit/>
+    </cs:bodyPr>
+  </cs:dataLabelCallout>
+  <cs:dataPoint>
+    <cs:lnRef idx="0"/>
+    <cs:fillRef idx="1">
+      <cs:styleClr val="auto"/>
+    </cs:fillRef>
+    <cs:effectRef idx="0"/>
+    <cs:fontRef idx="minor">
+      <a:schemeClr val="tx1"/>
+    </cs:fontRef>
+    <cs:spPr>
+      <a:solidFill>
+        <a:schemeClr val="phClr"/>
+      </a:solidFill>
+    </cs:spPr>
+  </cs:dataPoint>
+  <cs:dataPoint3D>
+    <cs:lnRef idx="0"/>
+    <cs:fillRef idx="1">
+      <cs:styleClr val="auto"/>
+    </cs:fillRef>
+    <cs:effectRef idx="0"/>
+    <cs:fontRef idx="minor">
+      <a:schemeClr val="tx1"/>
+    </cs:fontRef>
+    <cs:spPr>
+      <a:solidFill>
+        <a:schemeClr val="phClr"/>
+      </a:solidFill>
+    </cs:spPr>
+  </cs:dataPoint3D>
+  <cs:dataPointLine>
+    <cs:lnRef idx="0">
+      <cs:styleClr val="auto"/>
+    </cs:lnRef>
+    <cs:fillRef idx="1"/>
+    <cs:effectRef idx="0"/>
+    <cs:fontRef idx="minor">
+      <a:schemeClr val="tx1"/>
+    </cs:fontRef>
+    <cs:spPr>
+      <a:ln w="28575" cap="rnd">
+        <a:solidFill>
+          <a:schemeClr val="phClr"/>
+        </a:solidFill>
+        <a:round/>
+      </a:ln>
+    </cs:spPr>
+  </cs:dataPointLine>
+  <cs:dataPointMarker>
+    <cs:lnRef idx="0">
+      <cs:styleClr val="auto"/>
+    </cs:lnRef>
+    <cs:fillRef idx="1">
+      <cs:styleClr val="auto"/>
+    </cs:fillRef>
+    <cs:effectRef idx="0"/>
+    <cs:fontRef idx="minor">
+      <a:schemeClr val="tx1"/>
+    </cs:fontRef>
+    <cs:spPr>
+      <a:solidFill>
+        <a:schemeClr val="phClr"/>
+      </a:solidFill>
+      <a:ln w="9525">
+        <a:solidFill>
+          <a:schemeClr val="phClr"/>
+        </a:solidFill>
+      </a:ln>
+    </cs:spPr>
+  </cs:dataPointMarker>
+  <cs:dataPointMarkerLayout symbol="circle" size="5"/>
+  <cs:dataPointWireframe>
+    <cs:lnRef idx="0">
+      <cs:styleClr val="auto"/>
+    </cs:lnRef>
+    <cs:fillRef idx="1"/>
+    <cs:effectRef idx="0"/>
+    <cs:fontRef idx="minor">
+      <a:schemeClr val="tx1"/>
+    </cs:fontRef>
+    <cs:spPr>
+      <a:ln w="9525" cap="rnd">
+        <a:solidFill>
+          <a:schemeClr val="phClr"/>
+        </a:solidFill>
+        <a:round/>
+      </a:ln>
+    </cs:spPr>
+  </cs:dataPointWireframe>
+  <cs:dataTable>
+    <cs:lnRef idx="0"/>
+    <cs:fillRef idx="0"/>
+    <cs:effectRef idx="0"/>
+    <cs:fontRef idx="minor">
+      <a:schemeClr val="tx1">
+        <a:lumMod val="65000"/>
+        <a:lumOff val="35000"/>
+      </a:schemeClr>
+    </cs:fontRef>
+    <cs:spPr>
+      <a:noFill/>
+      <a:ln w="9525" cap="flat" cmpd="sng" algn="ctr">
+        <a:solidFill>
+          <a:schemeClr val="tx1">
+            <a:lumMod val="15000"/>
+            <a:lumOff val="85000"/>
+          </a:schemeClr>
+        </a:solidFill>
+        <a:round/>
+      </a:ln>
+    </cs:spPr>
+    <cs:defRPr sz="900" kern="1200"/>
+  </cs:dataTable>
+  <cs:downBar>
+    <cs:lnRef idx="0"/>
+    <cs:fillRef idx="0"/>
+    <cs:effectRef idx="0"/>
+    <cs:fontRef idx="minor">
+      <a:schemeClr val="dk1"/>
+    </cs:fontRef>
+    <cs:spPr>
+      <a:solidFill>
+        <a:schemeClr val="dk1">
+          <a:lumMod val="65000"/>
+          <a:lumOff val="35000"/>
+        </a:schemeClr>
+      </a:solidFill>
+      <a:ln w="9525">
+        <a:solidFill>
+          <a:schemeClr val="tx1">
+            <a:lumMod val="65000"/>
+            <a:lumOff val="35000"/>
+          </a:schemeClr>
+        </a:solidFill>
+      </a:ln>
+    </cs:spPr>
+  </cs:downBar>
+  <cs:dropLine>
+    <cs:lnRef idx="0"/>
+    <cs:fillRef idx="0"/>
+    <cs:effectRef idx="0"/>
+    <cs:fontRef idx="minor">
+      <a:schemeClr val="tx1"/>
+    </cs:fontRef>
+    <cs:spPr>
+      <a:ln w="9525" cap="flat" cmpd="sng" algn="ctr">
+        <a:solidFill>
+          <a:schemeClr val="tx1">
+            <a:lumMod val="35000"/>
+            <a:lumOff val="65000"/>
+          </a:schemeClr>
+        </a:solidFill>
+        <a:round/>
+      </a:ln>
+    </cs:spPr>
+  </cs:dropLine>
+  <cs:errorBar>
+    <cs:lnRef idx="0"/>
+    <cs:fillRef idx="0"/>
+    <cs:effectRef idx="0"/>
+    <cs:fontRef idx="minor">
+      <a:schemeClr val="tx1"/>
+    </cs:fontRef>
+    <cs:spPr>
+      <a:ln w="9525" cap="flat" cmpd="sng" algn="ctr">
+        <a:solidFill>
+          <a:schemeClr val="tx1">
+            <a:lumMod val="65000"/>
+            <a:lumOff val="35000"/>
+          </a:schemeClr>
+        </a:solidFill>
+        <a:round/>
+      </a:ln>
+    </cs:spPr>
+  </cs:errorBar>
+  <cs:floor>
+    <cs:lnRef idx="0"/>
+    <cs:fillRef idx="0"/>
+    <cs:effectRef idx="0"/>
+    <cs:fontRef idx="minor">
+      <a:schemeClr val="tx1"/>
+    </cs:fontRef>
+    <cs:spPr>
+      <a:noFill/>
+      <a:ln>
+        <a:noFill/>
+      </a:ln>
+    </cs:spPr>
+  </cs:floor>
+  <cs:gridlineMajor>
+    <cs:lnRef idx="0"/>
+    <cs:fillRef idx="0"/>
+    <cs:effectRef idx="0"/>
+    <cs:fontRef idx="minor">
+      <a:schemeClr val="tx1"/>
+    </cs:fontRef>
+    <cs:spPr>
+      <a:ln w="9525" cap="flat" cmpd="sng" algn="ctr">
+        <a:solidFill>
+          <a:schemeClr val="tx1">
+            <a:lumMod val="15000"/>
+            <a:lumOff val="85000"/>
+          </a:schemeClr>
+        </a:solidFill>
+        <a:round/>
+      </a:ln>
+    </cs:spPr>
+  </cs:gridlineMajor>
+  <cs:gridlineMinor>
+    <cs:lnRef idx="0"/>
+    <cs:fillRef idx="0"/>
+    <cs:effectRef idx="0"/>
+    <cs:fontRef idx="minor">
+      <a:schemeClr val="tx1"/>
+    </cs:fontRef>
+    <cs:spPr>
+      <a:ln w="9525" cap="flat" cmpd="sng" algn="ctr">
+        <a:solidFill>
+          <a:schemeClr val="tx1">
+            <a:lumMod val="5000"/>
+            <a:lumOff val="95000"/>
+          </a:schemeClr>
+        </a:solidFill>
+        <a:round/>
+      </a:ln>
+    </cs:spPr>
+  </cs:gridlineMinor>
+  <cs:hiLoLine>
+    <cs:lnRef idx="0"/>
+    <cs:fillRef idx="0"/>
+    <cs:effectRef idx="0"/>
+    <cs:fontRef idx="minor">
+      <a:schemeClr val="tx1"/>
+    </cs:fontRef>
+    <cs:spPr>
+      <a:ln w="9525" cap="flat" cmpd="sng" algn="ctr">
+        <a:solidFill>
+          <a:schemeClr val="tx1">
+            <a:lumMod val="75000"/>
+            <a:lumOff val="25000"/>
+          </a:schemeClr>
+        </a:solidFill>
+        <a:round/>
+      </a:ln>
+    </cs:spPr>
+  </cs:hiLoLine>
+  <cs:leaderLine>
+    <cs:lnRef idx="0"/>
+    <cs:fillRef idx="0"/>
+    <cs:effectRef idx="0"/>
+    <cs:fontRef idx="minor">
+      <a:schemeClr val="tx1"/>
+    </cs:fontRef>
+    <cs:spPr>
+      <a:ln w="9525" cap="flat" cmpd="sng" algn="ctr">
+        <a:solidFill>
+          <a:schemeClr val="tx1">
+            <a:lumMod val="35000"/>
+            <a:lumOff val="65000"/>
+          </a:schemeClr>
+        </a:solidFill>
+        <a:round/>
+      </a:ln>
+    </cs:spPr>
+  </cs:leaderLine>
+  <cs:legend>
+    <cs:lnRef idx="0"/>
+    <cs:fillRef idx="0"/>
+    <cs:effectRef idx="0"/>
+    <cs:fontRef idx="minor">
+      <a:schemeClr val="tx1">
+        <a:lumMod val="65000"/>
+        <a:lumOff val="35000"/>
+      </a:schemeClr>
+    </cs:fontRef>
+    <cs:defRPr sz="900" kern="1200"/>
+  </cs:legend>
+  <cs:plotArea mods="allowNoFillOverride allowNoLineOverride">
+    <cs:lnRef idx="0"/>
+    <cs:fillRef idx="0"/>
+    <cs:effectRef idx="0"/>
+    <cs:fontRef idx="minor">
+      <a:schemeClr val="tx1"/>
+    </cs:fontRef>
+  </cs:plotArea>
+  <cs:plotArea3D mods="allowNoFillOverride allowNoLineOverride">
+    <cs:lnRef idx="0"/>
+    <cs:fillRef idx="0"/>
+    <cs:effectRef idx="0"/>
+    <cs:fontRef idx="minor">
+      <a:schemeClr val="tx1"/>
+    </cs:fontRef>
+  </cs:plotArea3D>
+  <cs:seriesAxis>
+    <cs:lnRef idx="0"/>
+    <cs:fillRef idx="0"/>
+    <cs:effectRef idx="0"/>
+    <cs:fontRef idx="minor">
+      <a:schemeClr val="tx1">
+        <a:lumMod val="65000"/>
+        <a:lumOff val="35000"/>
+      </a:schemeClr>
+    </cs:fontRef>
+    <cs:defRPr sz="900" kern="1200"/>
+  </cs:seriesAxis>
+  <cs:seriesLine>
+    <cs:lnRef idx="0"/>
+    <cs:fillRef idx="0"/>
+    <cs:effectRef idx="0"/>
+    <cs:fontRef idx="minor">
+      <a:schemeClr val="tx1"/>
+    </cs:fontRef>
+    <cs:spPr>
+      <a:ln w="9525" cap="flat" cmpd="sng" algn="ctr">
+        <a:solidFill>
+          <a:schemeClr val="tx1">
+            <a:lumMod val="35000"/>
+            <a:lumOff val="65000"/>
+          </a:schemeClr>
+        </a:solidFill>
+        <a:round/>
+      </a:ln>
+    </cs:spPr>
+  </cs:seriesLine>
+  <cs:title>
+    <cs:lnRef idx="0"/>
+    <cs:fillRef idx="0"/>
+    <cs:effectRef idx="0"/>
+    <cs:fontRef idx="minor">
+      <a:schemeClr val="tx1">
+        <a:lumMod val="65000"/>
+        <a:lumOff val="35000"/>
+      </a:schemeClr>
+    </cs:fontRef>
+    <cs:defRPr sz="1400" b="0" kern="1200" spc="0" baseline="0"/>
+  </cs:title>
+  <cs:trendline>
+    <cs:lnRef idx="0">
+      <cs:styleClr val="auto"/>
+    </cs:lnRef>
+    <cs:fillRef idx="0"/>
+    <cs:effectRef idx="0"/>
+    <cs:fontRef idx="minor">
+      <a:schemeClr val="tx1"/>
+    </cs:fontRef>
+    <cs:spPr>
+      <a:ln w="19050" cap="rnd">
+        <a:solidFill>
+          <a:schemeClr val="phClr"/>
+        </a:solidFill>
+        <a:prstDash val="sysDot"/>
+      </a:ln>
+    </cs:spPr>
+  </cs:trendline>
+  <cs:trendlineLabel>
+    <cs:lnRef idx="0"/>
+    <cs:fillRef idx="0"/>
+    <cs:effectRef idx="0"/>
+    <cs:fontRef idx="minor">
+      <a:schemeClr val="tx1">
+        <a:lumMod val="65000"/>
+        <a:lumOff val="35000"/>
+      </a:schemeClr>
+    </cs:fontRef>
+    <cs:defRPr sz="900" kern="1200"/>
+  </cs:trendlineLabel>
+  <cs:upBar>
+    <cs:lnRef idx="0"/>
+    <cs:fillRef idx="0"/>
+    <cs:effectRef idx="0"/>
+    <cs:fontRef idx="minor">
+      <a:schemeClr val="dk1"/>
+    </cs:fontRef>
+    <cs:spPr>
+      <a:solidFill>
+        <a:schemeClr val="lt1"/>
+      </a:solidFill>
+      <a:ln w="9525">
+        <a:solidFill>
+          <a:schemeClr val="tx1">
+            <a:lumMod val="15000"/>
+            <a:lumOff val="85000"/>
+          </a:schemeClr>
+        </a:solidFill>
+      </a:ln>
+    </cs:spPr>
+  </cs:upBar>
+  <cs:valueAxis>
+    <cs:lnRef idx="0"/>
+    <cs:fillRef idx="0"/>
+    <cs:effectRef idx="0"/>
+    <cs:fontRef idx="minor">
+      <a:schemeClr val="tx1">
+        <a:lumMod val="65000"/>
+        <a:lumOff val="35000"/>
+      </a:schemeClr>
+    </cs:fontRef>
+    <cs:defRPr sz="900" kern="1200"/>
+  </cs:valueAxis>
+  <cs:wall>
+    <cs:lnRef idx="0"/>
+    <cs:fillRef idx="0"/>
+    <cs:effectRef idx="0"/>
+    <cs:fontRef idx="minor">
+      <a:schemeClr val="tx1"/>
+    </cs:fontRef>
+    <cs:spPr>
+      <a:noFill/>
+      <a:ln>
+        <a:noFill/>
+      </a:ln>
+    </cs:spPr>
+  </cs:wall>
+</cs:chartStyle>
+</file>
+
+<file path=ppt/charts/style4.xml><?xml version="1.0" encoding="utf-8"?>
 <cs:chartStyle xmlns:cs="http://schemas.microsoft.com/office/drawing/2012/chartStyle" xmlns:a="http://schemas.openxmlformats.org/drawingml/2006/main" id="227">
   <cs:axisTitle>
     <cs:lnRef idx="0"/>
@@ -1181,7 +3758,7 @@
             <a:fld id="{3842907C-D0AA-4C58-9F94-58B40AD65B29}" type="datetimeFigureOut">
               <a:rPr lang="ja-JP" altLang="en-US"/>
               <a:pPr/>
-              <a:t>2016/4/24</a:t>
+              <a:t>2016/5/11</a:t>
             </a:fld>
             <a:endParaRPr kumimoji="1" lang="ja-JP"/>
           </a:p>
@@ -2253,7 +4830,7 @@
             <a:fld id="{E6E13C79-1C97-4B32-B2AE-1A69C169643E}" type="datetime2">
               <a:rPr lang="ja-JP" altLang="en-US"/>
               <a:pPr/>
-              <a:t>2016年4月24日(日)</a:t>
+              <a:t>2016年5月11日(水)</a:t>
             </a:fld>
             <a:endParaRPr kumimoji="1" lang="ja-JP">
               <a:solidFill>
@@ -2497,7 +5074,7 @@
             <a:fld id="{D10E14BF-C004-4398-9186-5EE680724D95}" type="datetime2">
               <a:rPr lang="ja-JP" altLang="en-US"/>
               <a:pPr/>
-              <a:t>2016年4月24日(日)</a:t>
+              <a:t>2016年5月11日(水)</a:t>
             </a:fld>
             <a:endParaRPr kumimoji="1" lang="ja-JP"/>
           </a:p>
@@ -2722,7 +5299,7 @@
             <a:fld id="{D10E14BF-C004-4398-9186-5EE680724D95}" type="datetime2">
               <a:rPr lang="ja-JP" altLang="en-US"/>
               <a:pPr/>
-              <a:t>2016年4月24日(日)</a:t>
+              <a:t>2016年5月11日(水)</a:t>
             </a:fld>
             <a:endParaRPr kumimoji="1" lang="ja-JP"/>
           </a:p>
@@ -2922,7 +5499,7 @@
             <a:fld id="{227FEF5B-F2CC-4EC5-8F1F-29A8BF9EFFA9}" type="datetime2">
               <a:rPr lang="ja-JP" altLang="en-US"/>
               <a:pPr/>
-              <a:t>2016年4月24日(日)</a:t>
+              <a:t>2016年5月11日(水)</a:t>
             </a:fld>
             <a:endParaRPr kumimoji="1" lang="ja-JP"/>
           </a:p>
@@ -3192,7 +5769,7 @@
             <a:fld id="{5F4709C1-563D-4D9C-B702-B64C84A5A174}" type="datetime2">
               <a:rPr lang="ja-JP" altLang="en-US"/>
               <a:pPr/>
-              <a:t>2016年4月24日(日)</a:t>
+              <a:t>2016年5月11日(水)</a:t>
             </a:fld>
             <a:endParaRPr kumimoji="1" lang="ja-JP"/>
           </a:p>
@@ -3662,7 +6239,7 @@
             <a:fld id="{2E8303D9-A6EB-41FB-BF22-3F49E470997E}" type="datetime2">
               <a:rPr lang="ja-JP" altLang="en-US"/>
               <a:pPr/>
-              <a:t>2016年4月24日(日)</a:t>
+              <a:t>2016年5月11日(水)</a:t>
             </a:fld>
             <a:endParaRPr kumimoji="1" lang="ja-JP"/>
           </a:p>
@@ -4169,7 +6746,7 @@
             <a:fld id="{89BB0534-5698-4F62-9CFE-5DE61A073E78}" type="datetime2">
               <a:rPr lang="ja-JP" altLang="en-US"/>
               <a:pPr/>
-              <a:t>2016年4月24日(日)</a:t>
+              <a:t>2016年5月11日(水)</a:t>
             </a:fld>
             <a:endParaRPr kumimoji="1" lang="ja-JP"/>
           </a:p>
@@ -4267,7 +6844,7 @@
             <a:fld id="{084827A3-B249-4F87-AB1A-1E06AC1AA2A4}" type="datetime2">
               <a:rPr lang="ja-JP" altLang="en-US"/>
               <a:pPr/>
-              <a:t>2016年4月24日(日)</a:t>
+              <a:t>2016年5月11日(水)</a:t>
             </a:fld>
             <a:endParaRPr kumimoji="1" lang="ja-JP"/>
           </a:p>
@@ -4390,7 +6967,7 @@
             <a:fld id="{B1546142-29B2-49CC-BCC6-A3AD70B4960E}" type="datetime2">
               <a:rPr lang="ja-JP" altLang="en-US"/>
               <a:pPr/>
-              <a:t>2016年4月24日(日)</a:t>
+              <a:t>2016年5月11日(水)</a:t>
             </a:fld>
             <a:endParaRPr kumimoji="1" lang="ja-JP"/>
           </a:p>
@@ -4693,7 +7270,7 @@
             <a:fld id="{E86C4691-4882-40A8-AF62-8CF6A18D40B2}" type="datetime2">
               <a:rPr lang="ja-JP" altLang="en-US"/>
               <a:pPr/>
-              <a:t>2016年4月24日(日)</a:t>
+              <a:t>2016年5月11日(水)</a:t>
             </a:fld>
             <a:endParaRPr kumimoji="1" lang="ja-JP"/>
           </a:p>
@@ -4895,7 +7472,7 @@
             <a:fld id="{61C6776A-4DEC-47EE-8A49-2C150ECB5465}" type="datetime2">
               <a:rPr lang="ja-JP" altLang="en-US"/>
               <a:pPr/>
-              <a:t>2016年4月24日(日)</a:t>
+              <a:t>2016年5月11日(水)</a:t>
             </a:fld>
             <a:endParaRPr kumimoji="1" lang="ja-JP">
               <a:solidFill>
@@ -6044,7 +8621,7 @@
             <a:fld id="{D10E14BF-C004-4398-9186-5EE680724D95}" type="datetime2">
               <a:rPr lang="ja-JP" altLang="en-US"/>
               <a:pPr/>
-              <a:t>2016年4月24日(日)</a:t>
+              <a:t>2016年5月11日(水)</a:t>
             </a:fld>
             <a:endParaRPr kumimoji="1" lang="ja-JP" sz="1000">
               <a:solidFill>
@@ -6659,7 +9236,7 @@
                         <m:sSubSupPr>
                           <m:ctrlPr>
                             <a:rPr kumimoji="1" lang="en-US" altLang="ja-JP" sz="4000" i="1" smtClean="0">
-                              <a:latin typeface="Cambria Math"/>
+                              <a:latin typeface="Cambria Math" panose="02040503050406030204" pitchFamily="18" charset="0"/>
                             </a:rPr>
                           </m:ctrlPr>
                         </m:sSubSupPr>
@@ -6704,7 +9281,7 @@
                         <m:sSubSupPr>
                           <m:ctrlPr>
                             <a:rPr kumimoji="1" lang="en-US" altLang="ja-JP" sz="4000" i="1" smtClean="0">
-                              <a:latin typeface="Cambria Math"/>
+                              <a:latin typeface="Cambria Math" panose="02040503050406030204" pitchFamily="18" charset="0"/>
                             </a:rPr>
                           </m:ctrlPr>
                         </m:sSubSupPr>
@@ -6737,7 +9314,7 @@
                         <m:sSubSupPr>
                           <m:ctrlPr>
                             <a:rPr kumimoji="1" lang="en-US" altLang="ja-JP" sz="4000" i="1" smtClean="0">
-                              <a:latin typeface="Cambria Math"/>
+                              <a:latin typeface="Cambria Math" panose="02040503050406030204" pitchFamily="18" charset="0"/>
                             </a:rPr>
                           </m:ctrlPr>
                         </m:sSubSupPr>
@@ -6880,7 +9457,7 @@
                         <m:sSubSupPr>
                           <m:ctrlPr>
                             <a:rPr lang="en-US" altLang="ja-JP" sz="2800" i="1" smtClean="0">
-                              <a:latin typeface="Cambria Math"/>
+                              <a:latin typeface="Cambria Math" panose="02040503050406030204" pitchFamily="18" charset="0"/>
                             </a:rPr>
                           </m:ctrlPr>
                         </m:sSubSupPr>
@@ -6925,7 +9502,7 @@
                         <m:sSubSupPr>
                           <m:ctrlPr>
                             <a:rPr lang="en-US" altLang="ja-JP" sz="2800" i="1">
-                              <a:latin typeface="Cambria Math"/>
+                              <a:latin typeface="Cambria Math" panose="02040503050406030204" pitchFamily="18" charset="0"/>
                             </a:rPr>
                           </m:ctrlPr>
                         </m:sSubSupPr>
@@ -6958,7 +9535,7 @@
                         <m:sSubSupPr>
                           <m:ctrlPr>
                             <a:rPr lang="en-US" altLang="ja-JP" sz="2800" i="1">
-                              <a:latin typeface="Cambria Math"/>
+                              <a:latin typeface="Cambria Math" panose="02040503050406030204" pitchFamily="18" charset="0"/>
                             </a:rPr>
                           </m:ctrlPr>
                         </m:sSubSupPr>
@@ -7006,7 +9583,7 @@
                         <m:sSubSupPr>
                           <m:ctrlPr>
                             <a:rPr lang="en-US" altLang="ja-JP" sz="2800" i="1">
-                              <a:latin typeface="Cambria Math"/>
+                              <a:latin typeface="Cambria Math" panose="02040503050406030204" pitchFamily="18" charset="0"/>
                             </a:rPr>
                           </m:ctrlPr>
                         </m:sSubSupPr>
@@ -7045,7 +9622,7 @@
                         <m:sSubSupPr>
                           <m:ctrlPr>
                             <a:rPr lang="en-US" altLang="ja-JP" sz="2800" i="1">
-                              <a:latin typeface="Cambria Math"/>
+                              <a:latin typeface="Cambria Math" panose="02040503050406030204" pitchFamily="18" charset="0"/>
                             </a:rPr>
                           </m:ctrlPr>
                         </m:sSubSupPr>
@@ -7084,7 +9661,7 @@
                         <m:sSubSupPr>
                           <m:ctrlPr>
                             <a:rPr lang="en-US" altLang="ja-JP" sz="2800" i="1">
-                              <a:latin typeface="Cambria Math"/>
+                              <a:latin typeface="Cambria Math" panose="02040503050406030204" pitchFamily="18" charset="0"/>
                             </a:rPr>
                           </m:ctrlPr>
                         </m:sSubSupPr>
@@ -7093,7 +9670,7 @@
                             <m:sSupPr>
                               <m:ctrlPr>
                                 <a:rPr lang="en-US" altLang="ja-JP" sz="2800" i="1" smtClean="0">
-                                  <a:latin typeface="Cambria Math"/>
+                                  <a:latin typeface="Cambria Math" panose="02040503050406030204" pitchFamily="18" charset="0"/>
                                 </a:rPr>
                               </m:ctrlPr>
                             </m:sSupPr>
@@ -7302,7 +9879,7 @@
                       <m:sSubSupPr>
                         <m:ctrlPr>
                           <a:rPr lang="en-US" altLang="ja-JP" i="1" smtClean="0">
-                            <a:latin typeface="Cambria Math"/>
+                            <a:latin typeface="Cambria Math" panose="02040503050406030204" pitchFamily="18" charset="0"/>
                           </a:rPr>
                         </m:ctrlPr>
                       </m:sSubSupPr>
@@ -7350,7 +9927,7 @@
                       <m:sSubSupPr>
                         <m:ctrlPr>
                           <a:rPr kumimoji="1" lang="en-US" altLang="ja-JP" i="1" smtClean="0">
-                            <a:latin typeface="Cambria Math"/>
+                            <a:latin typeface="Cambria Math" panose="02040503050406030204" pitchFamily="18" charset="0"/>
                           </a:rPr>
                         </m:ctrlPr>
                       </m:sSubSupPr>
@@ -7404,7 +9981,7 @@
                         <m:sSubSupPr>
                           <m:ctrlPr>
                             <a:rPr lang="en-US" altLang="ja-JP" b="0" i="1" smtClean="0">
-                              <a:latin typeface="Cambria Math"/>
+                              <a:latin typeface="Cambria Math" panose="02040503050406030204" pitchFamily="18" charset="0"/>
                             </a:rPr>
                           </m:ctrlPr>
                         </m:sSubSupPr>
@@ -7437,7 +10014,7 @@
                         <m:sSubSupPr>
                           <m:ctrlPr>
                             <a:rPr lang="en-US" altLang="ja-JP" b="0" i="1" smtClean="0">
-                              <a:latin typeface="Cambria Math"/>
+                              <a:latin typeface="Cambria Math" panose="02040503050406030204" pitchFamily="18" charset="0"/>
                             </a:rPr>
                           </m:ctrlPr>
                         </m:sSubSupPr>
@@ -7476,7 +10053,7 @@
                         <m:sSubSupPr>
                           <m:ctrlPr>
                             <a:rPr lang="en-US" altLang="ja-JP" b="0" i="1" smtClean="0">
-                              <a:latin typeface="Cambria Math"/>
+                              <a:latin typeface="Cambria Math" panose="02040503050406030204" pitchFamily="18" charset="0"/>
                             </a:rPr>
                           </m:ctrlPr>
                         </m:sSubSupPr>
@@ -7518,7 +10095,7 @@
                         <m:sSubSupPr>
                           <m:ctrlPr>
                             <a:rPr lang="en-US" altLang="ja-JP" b="0" i="1" smtClean="0">
-                              <a:latin typeface="Cambria Math"/>
+                              <a:latin typeface="Cambria Math" panose="02040503050406030204" pitchFamily="18" charset="0"/>
                             </a:rPr>
                           </m:ctrlPr>
                         </m:sSubSupPr>
@@ -7551,7 +10128,7 @@
                         <m:dPr>
                           <m:ctrlPr>
                             <a:rPr lang="en-US" altLang="ja-JP" b="0" i="1" smtClean="0">
-                              <a:latin typeface="Cambria Math"/>
+                              <a:latin typeface="Cambria Math" panose="02040503050406030204" pitchFamily="18" charset="0"/>
                             </a:rPr>
                           </m:ctrlPr>
                         </m:dPr>
@@ -7560,7 +10137,7 @@
                             <m:sSubSupPr>
                               <m:ctrlPr>
                                 <a:rPr lang="en-US" altLang="ja-JP" b="0" i="1" smtClean="0">
-                                  <a:latin typeface="Cambria Math"/>
+                                  <a:latin typeface="Cambria Math" panose="02040503050406030204" pitchFamily="18" charset="0"/>
                                 </a:rPr>
                               </m:ctrlPr>
                             </m:sSubSupPr>
@@ -7599,7 +10176,7 @@
                             <m:sSubSupPr>
                               <m:ctrlPr>
                                 <a:rPr lang="en-US" altLang="ja-JP" b="0" i="1" smtClean="0">
-                                  <a:latin typeface="Cambria Math"/>
+                                  <a:latin typeface="Cambria Math" panose="02040503050406030204" pitchFamily="18" charset="0"/>
                                 </a:rPr>
                               </m:ctrlPr>
                             </m:sSubSupPr>
@@ -7652,7 +10229,7 @@
                         <m:sSubSupPr>
                           <m:ctrlPr>
                             <a:rPr lang="en-US" altLang="ja-JP" i="1" smtClean="0">
-                              <a:latin typeface="Cambria Math"/>
+                              <a:latin typeface="Cambria Math" panose="02040503050406030204" pitchFamily="18" charset="0"/>
                             </a:rPr>
                           </m:ctrlPr>
                         </m:sSubSupPr>
@@ -7694,7 +10271,7 @@
                         <m:sSubSupPr>
                           <m:ctrlPr>
                             <a:rPr lang="en-US" altLang="ja-JP" b="0" i="1" smtClean="0">
-                              <a:latin typeface="Cambria Math"/>
+                              <a:latin typeface="Cambria Math" panose="02040503050406030204" pitchFamily="18" charset="0"/>
                             </a:rPr>
                           </m:ctrlPr>
                         </m:sSubSupPr>
@@ -7727,7 +10304,7 @@
                         <m:sSubSupPr>
                           <m:ctrlPr>
                             <a:rPr lang="en-US" altLang="ja-JP" b="0" i="1" smtClean="0">
-                              <a:latin typeface="Cambria Math"/>
+                              <a:latin typeface="Cambria Math" panose="02040503050406030204" pitchFamily="18" charset="0"/>
                             </a:rPr>
                           </m:ctrlPr>
                         </m:sSubSupPr>
@@ -7792,7 +10369,7 @@
                         <m:sSubSupPr>
                           <m:ctrlPr>
                             <a:rPr lang="en-US" altLang="ja-JP" i="1" smtClean="0">
-                              <a:latin typeface="Cambria Math"/>
+                              <a:latin typeface="Cambria Math" panose="02040503050406030204" pitchFamily="18" charset="0"/>
                             </a:rPr>
                           </m:ctrlPr>
                         </m:sSubSupPr>
@@ -7834,7 +10411,7 @@
                         <m:sSubSupPr>
                           <m:ctrlPr>
                             <a:rPr lang="en-US" altLang="ja-JP" b="0" i="1" smtClean="0">
-                              <a:latin typeface="Cambria Math"/>
+                              <a:latin typeface="Cambria Math" panose="02040503050406030204" pitchFamily="18" charset="0"/>
                             </a:rPr>
                           </m:ctrlPr>
                         </m:sSubSupPr>
@@ -7843,7 +10420,7 @@
                             <m:sSupPr>
                               <m:ctrlPr>
                                 <a:rPr lang="en-US" altLang="ja-JP" b="0" i="1" smtClean="0">
-                                  <a:latin typeface="Cambria Math"/>
+                                  <a:latin typeface="Cambria Math" panose="02040503050406030204" pitchFamily="18" charset="0"/>
                                 </a:rPr>
                               </m:ctrlPr>
                             </m:sSupPr>
@@ -7886,7 +10463,7 @@
                         <m:sSubSupPr>
                           <m:ctrlPr>
                             <a:rPr lang="en-US" altLang="ja-JP" b="0" i="1" smtClean="0">
-                              <a:latin typeface="Cambria Math"/>
+                              <a:latin typeface="Cambria Math" panose="02040503050406030204" pitchFamily="18" charset="0"/>
                             </a:rPr>
                           </m:ctrlPr>
                         </m:sSubSupPr>
@@ -8369,7 +10946,7 @@
                         <m:sSubSupPr>
                           <m:ctrlPr>
                             <a:rPr lang="en-US" altLang="ja-JP" i="1">
-                              <a:latin typeface="Cambria Math"/>
+                              <a:latin typeface="Cambria Math" panose="02040503050406030204" pitchFamily="18" charset="0"/>
                             </a:rPr>
                           </m:ctrlPr>
                         </m:sSubSupPr>
@@ -8411,7 +10988,7 @@
                         <m:sSubSupPr>
                           <m:ctrlPr>
                             <a:rPr lang="en-US" altLang="ja-JP" i="1">
-                              <a:latin typeface="Cambria Math"/>
+                              <a:latin typeface="Cambria Math" panose="02040503050406030204" pitchFamily="18" charset="0"/>
                             </a:rPr>
                           </m:ctrlPr>
                         </m:sSubSupPr>
@@ -8420,7 +10997,7 @@
                             <m:sSupPr>
                               <m:ctrlPr>
                                 <a:rPr lang="en-US" altLang="ja-JP" i="1">
-                                  <a:latin typeface="Cambria Math"/>
+                                  <a:latin typeface="Cambria Math" panose="02040503050406030204" pitchFamily="18" charset="0"/>
                                 </a:rPr>
                               </m:ctrlPr>
                             </m:sSupPr>
@@ -8463,7 +11040,7 @@
                         <m:sSubSupPr>
                           <m:ctrlPr>
                             <a:rPr lang="en-US" altLang="ja-JP" i="1">
-                              <a:latin typeface="Cambria Math"/>
+                              <a:latin typeface="Cambria Math" panose="02040503050406030204" pitchFamily="18" charset="0"/>
                             </a:rPr>
                           </m:ctrlPr>
                         </m:sSubSupPr>
@@ -8523,7 +11100,7 @@
                           <m:supHide m:val="on"/>
                           <m:ctrlPr>
                             <a:rPr lang="en-US" altLang="ja-JP" i="1">
-                              <a:latin typeface="Cambria Math"/>
+                              <a:latin typeface="Cambria Math" panose="02040503050406030204" pitchFamily="18" charset="0"/>
                             </a:rPr>
                           </m:ctrlPr>
                         </m:naryPr>
@@ -8544,7 +11121,7 @@
                             <m:sSubSupPr>
                               <m:ctrlPr>
                                 <a:rPr lang="en-US" altLang="ja-JP" i="1">
-                                  <a:latin typeface="Cambria Math"/>
+                                  <a:latin typeface="Cambria Math" panose="02040503050406030204" pitchFamily="18" charset="0"/>
                                 </a:rPr>
                               </m:ctrlPr>
                             </m:sSubSupPr>
@@ -8615,7 +11192,7 @@
                           <m:supHide m:val="on"/>
                           <m:ctrlPr>
                             <a:rPr lang="en-US" altLang="ja-JP" i="1">
-                              <a:latin typeface="Cambria Math"/>
+                              <a:latin typeface="Cambria Math" panose="02040503050406030204" pitchFamily="18" charset="0"/>
                             </a:rPr>
                           </m:ctrlPr>
                         </m:naryPr>
@@ -8636,7 +11213,7 @@
                             <m:sSubSupPr>
                               <m:ctrlPr>
                                 <a:rPr lang="en-US" altLang="ja-JP" i="1">
-                                  <a:latin typeface="Cambria Math"/>
+                                  <a:latin typeface="Cambria Math" panose="02040503050406030204" pitchFamily="18" charset="0"/>
                                 </a:rPr>
                               </m:ctrlPr>
                             </m:sSubSupPr>
@@ -8692,7 +11269,7 @@
                           <m:supHide m:val="on"/>
                           <m:ctrlPr>
                             <a:rPr lang="en-US" altLang="ja-JP" i="1">
-                              <a:latin typeface="Cambria Math"/>
+                              <a:latin typeface="Cambria Math" panose="02040503050406030204" pitchFamily="18" charset="0"/>
                             </a:rPr>
                           </m:ctrlPr>
                         </m:naryPr>
@@ -8713,7 +11290,7 @@
                             <m:sSubSupPr>
                               <m:ctrlPr>
                                 <a:rPr lang="en-US" altLang="ja-JP" i="1">
-                                  <a:latin typeface="Cambria Math"/>
+                                  <a:latin typeface="Cambria Math" panose="02040503050406030204" pitchFamily="18" charset="0"/>
                                 </a:rPr>
                               </m:ctrlPr>
                             </m:sSubSupPr>
@@ -8914,7 +11491,7 @@
                       <m:sSubSupPr>
                         <m:ctrlPr>
                           <a:rPr kumimoji="1" lang="en-US" altLang="ja-JP" b="0" i="1" smtClean="0">
-                            <a:latin typeface="Cambria Math"/>
+                            <a:latin typeface="Cambria Math" panose="02040503050406030204" pitchFamily="18" charset="0"/>
                           </a:rPr>
                         </m:ctrlPr>
                       </m:sSubSupPr>
@@ -8990,7 +11567,7 @@
                       <m:sSubSupPr>
                         <m:ctrlPr>
                           <a:rPr kumimoji="1" lang="en-US" altLang="ja-JP" i="1" smtClean="0">
-                            <a:latin typeface="Cambria Math"/>
+                            <a:latin typeface="Cambria Math" panose="02040503050406030204" pitchFamily="18" charset="0"/>
                           </a:rPr>
                         </m:ctrlPr>
                       </m:sSubSupPr>
@@ -9386,7 +11963,7 @@
                       <m:sSubSupPr>
                         <m:ctrlPr>
                           <a:rPr kumimoji="1" lang="en-US" altLang="ja-JP" sz="1600" i="1" smtClean="0">
-                            <a:latin typeface="Cambria Math"/>
+                            <a:latin typeface="Cambria Math" panose="02040503050406030204" pitchFamily="18" charset="0"/>
                           </a:rPr>
                         </m:ctrlPr>
                       </m:sSubSupPr>
@@ -9431,7 +12008,7 @@
                       <m:sSubSupPr>
                         <m:ctrlPr>
                           <a:rPr kumimoji="1" lang="en-US" altLang="ja-JP" sz="1600" i="1" smtClean="0">
-                            <a:latin typeface="Cambria Math"/>
+                            <a:latin typeface="Cambria Math" panose="02040503050406030204" pitchFamily="18" charset="0"/>
                           </a:rPr>
                         </m:ctrlPr>
                       </m:sSubSupPr>
@@ -9564,7 +12141,7 @@
                         <m:sSubSupPr>
                           <m:ctrlPr>
                             <a:rPr kumimoji="1" lang="en-US" altLang="ja-JP" sz="1600" i="1" smtClean="0">
-                              <a:latin typeface="Cambria Math"/>
+                              <a:latin typeface="Cambria Math" panose="02040503050406030204" pitchFamily="18" charset="0"/>
                             </a:rPr>
                           </m:ctrlPr>
                         </m:sSubSupPr>
@@ -9609,7 +12186,7 @@
                         <m:sSubSupPr>
                           <m:ctrlPr>
                             <a:rPr kumimoji="1" lang="en-US" altLang="ja-JP" sz="1600" i="1">
-                              <a:latin typeface="Cambria Math"/>
+                              <a:latin typeface="Cambria Math" panose="02040503050406030204" pitchFamily="18" charset="0"/>
                             </a:rPr>
                           </m:ctrlPr>
                         </m:sSubSupPr>
@@ -9648,7 +12225,7 @@
                         <m:sSubSupPr>
                           <m:ctrlPr>
                             <a:rPr kumimoji="1" lang="en-US" altLang="ja-JP" sz="1600" i="1">
-                              <a:latin typeface="Cambria Math"/>
+                              <a:latin typeface="Cambria Math" panose="02040503050406030204" pitchFamily="18" charset="0"/>
                             </a:rPr>
                           </m:ctrlPr>
                         </m:sSubSupPr>
@@ -9657,7 +12234,7 @@
                             <m:sSupPr>
                               <m:ctrlPr>
                                 <a:rPr kumimoji="1" lang="en-US" altLang="ja-JP" sz="1600" i="1" smtClean="0">
-                                  <a:latin typeface="Cambria Math"/>
+                                  <a:latin typeface="Cambria Math" panose="02040503050406030204" pitchFamily="18" charset="0"/>
                                 </a:rPr>
                               </m:ctrlPr>
                             </m:sSupPr>
@@ -9787,7 +12364,7 @@
                       <m:sSubSupPr>
                         <m:ctrlPr>
                           <a:rPr kumimoji="1" lang="en-US" altLang="ja-JP" sz="1600" i="1">
-                            <a:latin typeface="Cambria Math"/>
+                            <a:latin typeface="Cambria Math" panose="02040503050406030204" pitchFamily="18" charset="0"/>
                           </a:rPr>
                         </m:ctrlPr>
                       </m:sSubSupPr>
@@ -9914,7 +12491,7 @@
                         <m:sSubSupPr>
                           <m:ctrlPr>
                             <a:rPr kumimoji="1" lang="en-US" altLang="ja-JP" sz="1600" i="1" smtClean="0">
-                              <a:latin typeface="Cambria Math"/>
+                              <a:latin typeface="Cambria Math" panose="02040503050406030204" pitchFamily="18" charset="0"/>
                             </a:rPr>
                           </m:ctrlPr>
                         </m:sSubSupPr>
@@ -9953,7 +12530,7 @@
                         <m:sSubSupPr>
                           <m:ctrlPr>
                             <a:rPr kumimoji="1" lang="en-US" altLang="ja-JP" sz="1600" i="1">
-                              <a:latin typeface="Cambria Math"/>
+                              <a:latin typeface="Cambria Math" panose="02040503050406030204" pitchFamily="18" charset="0"/>
                             </a:rPr>
                           </m:ctrlPr>
                         </m:sSubSupPr>
@@ -10013,7 +12590,7 @@
                         <m:sSubSupPr>
                           <m:ctrlPr>
                             <a:rPr kumimoji="1" lang="en-US" altLang="ja-JP" sz="1600" i="1">
-                              <a:latin typeface="Cambria Math"/>
+                              <a:latin typeface="Cambria Math" panose="02040503050406030204" pitchFamily="18" charset="0"/>
                             </a:rPr>
                           </m:ctrlPr>
                         </m:sSubSupPr>
@@ -10052,7 +12629,7 @@
                         <m:sSubSupPr>
                           <m:ctrlPr>
                             <a:rPr kumimoji="1" lang="en-US" altLang="ja-JP" sz="1600" i="1">
-                              <a:latin typeface="Cambria Math"/>
+                              <a:latin typeface="Cambria Math" panose="02040503050406030204" pitchFamily="18" charset="0"/>
                             </a:rPr>
                           </m:ctrlPr>
                         </m:sSubSupPr>
@@ -10091,7 +12668,7 @@
                         <m:sSubSupPr>
                           <m:ctrlPr>
                             <a:rPr kumimoji="1" lang="en-US" altLang="ja-JP" sz="1600" i="1" smtClean="0">
-                              <a:latin typeface="Cambria Math"/>
+                              <a:latin typeface="Cambria Math" panose="02040503050406030204" pitchFamily="18" charset="0"/>
                             </a:rPr>
                           </m:ctrlPr>
                         </m:sSubSupPr>
@@ -10137,7 +12714,7 @@
                         <m:sSubSupPr>
                           <m:ctrlPr>
                             <a:rPr kumimoji="1" lang="en-US" altLang="ja-JP" sz="1600" i="1">
-                              <a:latin typeface="Cambria Math"/>
+                              <a:latin typeface="Cambria Math" panose="02040503050406030204" pitchFamily="18" charset="0"/>
                             </a:rPr>
                           </m:ctrlPr>
                         </m:sSubSupPr>
@@ -10176,7 +12753,7 @@
                         <m:sSubSupPr>
                           <m:ctrlPr>
                             <a:rPr kumimoji="1" lang="en-US" altLang="ja-JP" sz="1600" i="1">
-                              <a:latin typeface="Cambria Math"/>
+                              <a:latin typeface="Cambria Math" panose="02040503050406030204" pitchFamily="18" charset="0"/>
                             </a:rPr>
                           </m:ctrlPr>
                         </m:sSubSupPr>
@@ -10438,7 +13015,7 @@
                         <m:sSubSupPr>
                           <m:ctrlPr>
                             <a:rPr kumimoji="1" lang="en-US" altLang="ja-JP" i="1">
-                              <a:latin typeface="Cambria Math"/>
+                              <a:latin typeface="Cambria Math" panose="02040503050406030204" pitchFamily="18" charset="0"/>
                             </a:rPr>
                           </m:ctrlPr>
                         </m:sSubSupPr>
@@ -11104,7 +13681,7 @@
                       <m:sSubSupPr>
                         <m:ctrlPr>
                           <a:rPr kumimoji="1" lang="en-US" altLang="ja-JP" sz="1600" i="1" smtClean="0">
-                            <a:latin typeface="Cambria Math"/>
+                            <a:latin typeface="Cambria Math" panose="02040503050406030204" pitchFamily="18" charset="0"/>
                           </a:rPr>
                         </m:ctrlPr>
                       </m:sSubSupPr>
@@ -11149,7 +13726,7 @@
                       <m:sSubSupPr>
                         <m:ctrlPr>
                           <a:rPr kumimoji="1" lang="en-US" altLang="ja-JP" sz="1600" i="1" smtClean="0">
-                            <a:latin typeface="Cambria Math"/>
+                            <a:latin typeface="Cambria Math" panose="02040503050406030204" pitchFamily="18" charset="0"/>
                           </a:rPr>
                         </m:ctrlPr>
                       </m:sSubSupPr>
@@ -11282,7 +13859,7 @@
                         <m:sSubSupPr>
                           <m:ctrlPr>
                             <a:rPr kumimoji="1" lang="en-US" altLang="ja-JP" sz="1600" i="1" smtClean="0">
-                              <a:latin typeface="Cambria Math"/>
+                              <a:latin typeface="Cambria Math" panose="02040503050406030204" pitchFamily="18" charset="0"/>
                             </a:rPr>
                           </m:ctrlPr>
                         </m:sSubSupPr>
@@ -11327,7 +13904,7 @@
                         <m:sSubSupPr>
                           <m:ctrlPr>
                             <a:rPr kumimoji="1" lang="en-US" altLang="ja-JP" sz="1600" i="1">
-                              <a:latin typeface="Cambria Math"/>
+                              <a:latin typeface="Cambria Math" panose="02040503050406030204" pitchFamily="18" charset="0"/>
                             </a:rPr>
                           </m:ctrlPr>
                         </m:sSubSupPr>
@@ -11366,7 +13943,7 @@
                         <m:sSubSupPr>
                           <m:ctrlPr>
                             <a:rPr kumimoji="1" lang="en-US" altLang="ja-JP" sz="1600" i="1">
-                              <a:latin typeface="Cambria Math"/>
+                              <a:latin typeface="Cambria Math" panose="02040503050406030204" pitchFamily="18" charset="0"/>
                             </a:rPr>
                           </m:ctrlPr>
                         </m:sSubSupPr>
@@ -11375,7 +13952,7 @@
                             <m:sSupPr>
                               <m:ctrlPr>
                                 <a:rPr kumimoji="1" lang="en-US" altLang="ja-JP" sz="1600" i="1" smtClean="0">
-                                  <a:latin typeface="Cambria Math"/>
+                                  <a:latin typeface="Cambria Math" panose="02040503050406030204" pitchFamily="18" charset="0"/>
                                 </a:rPr>
                               </m:ctrlPr>
                             </m:sSupPr>
@@ -11505,7 +14082,7 @@
                       <m:sSubSupPr>
                         <m:ctrlPr>
                           <a:rPr kumimoji="1" lang="en-US" altLang="ja-JP" sz="1600" i="1">
-                            <a:latin typeface="Cambria Math"/>
+                            <a:latin typeface="Cambria Math" panose="02040503050406030204" pitchFamily="18" charset="0"/>
                           </a:rPr>
                         </m:ctrlPr>
                       </m:sSubSupPr>
@@ -11647,7 +14224,7 @@
                       <m:sSubSupPr>
                         <m:ctrlPr>
                           <a:rPr kumimoji="1" lang="en-US" altLang="ja-JP" sz="1600" i="1">
-                            <a:latin typeface="Cambria Math"/>
+                            <a:latin typeface="Cambria Math" panose="02040503050406030204" pitchFamily="18" charset="0"/>
                           </a:rPr>
                         </m:ctrlPr>
                       </m:sSubSupPr>
@@ -13260,6 +15837,158 @@
 </p:sld>
 </file>
 
+<file path=ppt/slides/slide28.xml><?xml version="1.0" encoding="utf-8"?>
+<p:sld xmlns:a="http://schemas.openxmlformats.org/drawingml/2006/main" xmlns:r="http://schemas.openxmlformats.org/officeDocument/2006/relationships" xmlns:p="http://schemas.openxmlformats.org/presentationml/2006/main">
+  <p:cSld>
+    <p:spTree>
+      <p:nvGrpSpPr>
+        <p:cNvPr id="1" name=""/>
+        <p:cNvGrpSpPr/>
+        <p:nvPr/>
+      </p:nvGrpSpPr>
+      <p:grpSpPr>
+        <a:xfrm>
+          <a:off x="0" y="0"/>
+          <a:ext cx="0" cy="0"/>
+          <a:chOff x="0" y="0"/>
+          <a:chExt cx="0" cy="0"/>
+        </a:xfrm>
+      </p:grpSpPr>
+      <p:graphicFrame>
+        <p:nvGraphicFramePr>
+          <p:cNvPr id="6" name="グラフ 5"/>
+          <p:cNvGraphicFramePr>
+            <a:graphicFrameLocks/>
+          </p:cNvGraphicFramePr>
+          <p:nvPr>
+            <p:extLst>
+              <p:ext uri="{D42A27DB-BD31-4B8C-83A1-F6EECF244321}">
+                <p14:modId xmlns:p14="http://schemas.microsoft.com/office/powerpoint/2010/main" val="3328499173"/>
+              </p:ext>
+            </p:extLst>
+          </p:nvPr>
+        </p:nvGraphicFramePr>
+        <p:xfrm>
+          <a:off x="755576" y="332656"/>
+          <a:ext cx="7211913" cy="2997324"/>
+        </p:xfrm>
+        <a:graphic>
+          <a:graphicData uri="http://schemas.openxmlformats.org/drawingml/2006/chart">
+            <c:chart xmlns:c="http://schemas.openxmlformats.org/drawingml/2006/chart" xmlns:r="http://schemas.openxmlformats.org/officeDocument/2006/relationships" r:id="rId2"/>
+          </a:graphicData>
+        </a:graphic>
+      </p:graphicFrame>
+      <p:graphicFrame>
+        <p:nvGraphicFramePr>
+          <p:cNvPr id="7" name="グラフ 6"/>
+          <p:cNvGraphicFramePr>
+            <a:graphicFrameLocks/>
+          </p:cNvGraphicFramePr>
+          <p:nvPr>
+            <p:extLst>
+              <p:ext uri="{D42A27DB-BD31-4B8C-83A1-F6EECF244321}">
+                <p14:modId xmlns:p14="http://schemas.microsoft.com/office/powerpoint/2010/main" val="2622547072"/>
+              </p:ext>
+            </p:extLst>
+          </p:nvPr>
+        </p:nvGraphicFramePr>
+        <p:xfrm>
+          <a:off x="755576" y="3329980"/>
+          <a:ext cx="7211913" cy="3442518"/>
+        </p:xfrm>
+        <a:graphic>
+          <a:graphicData uri="http://schemas.openxmlformats.org/drawingml/2006/chart">
+            <c:chart xmlns:c="http://schemas.openxmlformats.org/drawingml/2006/chart" xmlns:r="http://schemas.openxmlformats.org/officeDocument/2006/relationships" r:id="rId3"/>
+          </a:graphicData>
+        </a:graphic>
+      </p:graphicFrame>
+    </p:spTree>
+    <p:extLst>
+      <p:ext uri="{BB962C8B-B14F-4D97-AF65-F5344CB8AC3E}">
+        <p14:creationId xmlns:p14="http://schemas.microsoft.com/office/powerpoint/2010/main" val="1135958926"/>
+      </p:ext>
+    </p:extLst>
+  </p:cSld>
+  <p:clrMapOvr>
+    <a:masterClrMapping/>
+  </p:clrMapOvr>
+</p:sld>
+</file>
+
+<file path=ppt/slides/slide29.xml><?xml version="1.0" encoding="utf-8"?>
+<p:sld xmlns:a="http://schemas.openxmlformats.org/drawingml/2006/main" xmlns:r="http://schemas.openxmlformats.org/officeDocument/2006/relationships" xmlns:p="http://schemas.openxmlformats.org/presentationml/2006/main">
+  <p:cSld>
+    <p:spTree>
+      <p:nvGrpSpPr>
+        <p:cNvPr id="1" name=""/>
+        <p:cNvGrpSpPr/>
+        <p:nvPr/>
+      </p:nvGrpSpPr>
+      <p:grpSpPr>
+        <a:xfrm>
+          <a:off x="0" y="0"/>
+          <a:ext cx="0" cy="0"/>
+          <a:chOff x="0" y="0"/>
+          <a:chExt cx="0" cy="0"/>
+        </a:xfrm>
+      </p:grpSpPr>
+      <p:sp>
+        <p:nvSpPr>
+          <p:cNvPr id="3" name="タイトル 2"/>
+          <p:cNvSpPr>
+            <a:spLocks noGrp="1"/>
+          </p:cNvSpPr>
+          <p:nvPr>
+            <p:ph type="title"/>
+          </p:nvPr>
+        </p:nvSpPr>
+        <p:spPr/>
+        <p:txBody>
+          <a:bodyPr/>
+          <a:lstStyle/>
+          <a:p>
+            <a:endParaRPr kumimoji="1" lang="ja-JP" altLang="en-US"/>
+          </a:p>
+        </p:txBody>
+      </p:sp>
+      <p:graphicFrame>
+        <p:nvGraphicFramePr>
+          <p:cNvPr id="4" name="コンテンツ プレースホルダー 3"/>
+          <p:cNvGraphicFramePr>
+            <a:graphicFrameLocks noGrp="1"/>
+          </p:cNvGraphicFramePr>
+          <p:nvPr>
+            <p:ph idx="1"/>
+            <p:extLst>
+              <p:ext uri="{D42A27DB-BD31-4B8C-83A1-F6EECF244321}">
+                <p14:modId xmlns:p14="http://schemas.microsoft.com/office/powerpoint/2010/main" val="2607760971"/>
+              </p:ext>
+            </p:extLst>
+          </p:nvPr>
+        </p:nvGraphicFramePr>
+        <p:xfrm>
+          <a:off x="457200" y="1279525"/>
+          <a:ext cx="8229600" cy="5029200"/>
+        </p:xfrm>
+        <a:graphic>
+          <a:graphicData uri="http://schemas.openxmlformats.org/drawingml/2006/chart">
+            <c:chart xmlns:c="http://schemas.openxmlformats.org/drawingml/2006/chart" xmlns:r="http://schemas.openxmlformats.org/officeDocument/2006/relationships" r:id="rId2"/>
+          </a:graphicData>
+        </a:graphic>
+      </p:graphicFrame>
+    </p:spTree>
+    <p:extLst>
+      <p:ext uri="{BB962C8B-B14F-4D97-AF65-F5344CB8AC3E}">
+        <p14:creationId xmlns:p14="http://schemas.microsoft.com/office/powerpoint/2010/main" val="378903013"/>
+      </p:ext>
+    </p:extLst>
+  </p:cSld>
+  <p:clrMapOvr>
+    <a:masterClrMapping/>
+  </p:clrMapOvr>
+</p:sld>
+</file>
+
 <file path=ppt/slides/slide3.xml><?xml version="1.0" encoding="utf-8"?>
 <p:sld xmlns:a="http://schemas.openxmlformats.org/drawingml/2006/main" xmlns:r="http://schemas.openxmlformats.org/officeDocument/2006/relationships" xmlns:p="http://schemas.openxmlformats.org/presentationml/2006/main" showMasterSp="0">
   <p:cSld>
@@ -15316,7 +18045,7 @@
                       <m:dPr>
                         <m:ctrlPr>
                           <a:rPr kumimoji="1" lang="en-US" altLang="ja-JP" b="0" i="1" smtClean="0">
-                            <a:latin typeface="Cambria Math"/>
+                            <a:latin typeface="Cambria Math" panose="02040503050406030204" pitchFamily="18" charset="0"/>
                           </a:rPr>
                         </m:ctrlPr>
                       </m:dPr>
@@ -15357,7 +18086,7 @@
                       <m:dPr>
                         <m:ctrlPr>
                           <a:rPr lang="en-US" altLang="ja-JP" i="1">
-                            <a:latin typeface="Cambria Math"/>
+                            <a:latin typeface="Cambria Math" panose="02040503050406030204" pitchFamily="18" charset="0"/>
                           </a:rPr>
                         </m:ctrlPr>
                       </m:dPr>
@@ -15366,7 +18095,7 @@
                           <m:sSubPr>
                             <m:ctrlPr>
                               <a:rPr lang="en-US" altLang="ja-JP" i="1" smtClean="0">
-                                <a:latin typeface="Cambria Math"/>
+                                <a:latin typeface="Cambria Math" panose="02040503050406030204" pitchFamily="18" charset="0"/>
                               </a:rPr>
                             </m:ctrlPr>
                           </m:sSubPr>
@@ -15397,7 +18126,7 @@
                           <m:sSubPr>
                             <m:ctrlPr>
                               <a:rPr lang="en-US" altLang="ja-JP" i="1" smtClean="0">
-                                <a:latin typeface="Cambria Math"/>
+                                <a:latin typeface="Cambria Math" panose="02040503050406030204" pitchFamily="18" charset="0"/>
                               </a:rPr>
                             </m:ctrlPr>
                           </m:sSubPr>
@@ -15452,7 +18181,7 @@
                       <m:dPr>
                         <m:ctrlPr>
                           <a:rPr lang="en-US" altLang="ja-JP" i="1">
-                            <a:latin typeface="Cambria Math"/>
+                            <a:latin typeface="Cambria Math" panose="02040503050406030204" pitchFamily="18" charset="0"/>
                           </a:rPr>
                         </m:ctrlPr>
                       </m:dPr>
@@ -15461,7 +18190,7 @@
                           <m:fPr>
                             <m:ctrlPr>
                               <a:rPr lang="en-US" altLang="ja-JP" i="1" smtClean="0">
-                                <a:latin typeface="Cambria Math"/>
+                                <a:latin typeface="Cambria Math" panose="02040503050406030204" pitchFamily="18" charset="0"/>
                               </a:rPr>
                             </m:ctrlPr>
                           </m:fPr>
@@ -15470,7 +18199,7 @@
                               <m:sSubPr>
                                 <m:ctrlPr>
                                   <a:rPr lang="en-US" altLang="ja-JP" i="1" smtClean="0">
-                                    <a:latin typeface="Cambria Math"/>
+                                    <a:latin typeface="Cambria Math" panose="02040503050406030204" pitchFamily="18" charset="0"/>
                                   </a:rPr>
                                 </m:ctrlPr>
                               </m:sSubPr>
@@ -15501,7 +18230,7 @@
                               <m:sSubPr>
                                 <m:ctrlPr>
                                   <a:rPr lang="en-US" altLang="ja-JP" i="1" smtClean="0">
-                                    <a:latin typeface="Cambria Math"/>
+                                    <a:latin typeface="Cambria Math" panose="02040503050406030204" pitchFamily="18" charset="0"/>
                                   </a:rPr>
                                 </m:ctrlPr>
                               </m:sSubPr>
@@ -15542,7 +18271,7 @@
                           <m:fPr>
                             <m:ctrlPr>
                               <a:rPr lang="en-US" altLang="ja-JP" i="1" smtClean="0">
-                                <a:latin typeface="Cambria Math"/>
+                                <a:latin typeface="Cambria Math" panose="02040503050406030204" pitchFamily="18" charset="0"/>
                               </a:rPr>
                             </m:ctrlPr>
                           </m:fPr>
@@ -15551,7 +18280,7 @@
                               <m:sSubPr>
                                 <m:ctrlPr>
                                   <a:rPr lang="en-US" altLang="ja-JP" i="1" smtClean="0">
-                                    <a:latin typeface="Cambria Math"/>
+                                    <a:latin typeface="Cambria Math" panose="02040503050406030204" pitchFamily="18" charset="0"/>
                                   </a:rPr>
                                 </m:ctrlPr>
                               </m:sSubPr>
@@ -15582,7 +18311,7 @@
                               <m:sSubPr>
                                 <m:ctrlPr>
                                   <a:rPr lang="en-US" altLang="ja-JP" i="1" smtClean="0">
-                                    <a:latin typeface="Cambria Math"/>
+                                    <a:latin typeface="Cambria Math" panose="02040503050406030204" pitchFamily="18" charset="0"/>
                                   </a:rPr>
                                 </m:ctrlPr>
                               </m:sSubPr>
@@ -15647,7 +18376,7 @@
                       <m:dPr>
                         <m:ctrlPr>
                           <a:rPr lang="en-US" altLang="ja-JP" i="1">
-                            <a:latin typeface="Cambria Math"/>
+                            <a:latin typeface="Cambria Math" panose="02040503050406030204" pitchFamily="18" charset="0"/>
                           </a:rPr>
                         </m:ctrlPr>
                       </m:dPr>
@@ -15662,7 +18391,7 @@
                           <m:sSubPr>
                             <m:ctrlPr>
                               <a:rPr lang="en-US" altLang="ja-JP" b="0" i="1" smtClean="0">
-                                <a:latin typeface="Cambria Math"/>
+                                <a:latin typeface="Cambria Math" panose="02040503050406030204" pitchFamily="18" charset="0"/>
                               </a:rPr>
                             </m:ctrlPr>
                           </m:sSubPr>
@@ -15693,7 +18422,7 @@
                           <m:sSubPr>
                             <m:ctrlPr>
                               <a:rPr lang="en-US" altLang="ja-JP" b="0" i="1" smtClean="0">
-                                <a:latin typeface="Cambria Math"/>
+                                <a:latin typeface="Cambria Math" panose="02040503050406030204" pitchFamily="18" charset="0"/>
                               </a:rPr>
                             </m:ctrlPr>
                           </m:sSubPr>
@@ -15724,7 +18453,7 @@
                           <m:sSubPr>
                             <m:ctrlPr>
                               <a:rPr lang="en-US" altLang="ja-JP" i="1">
-                                <a:latin typeface="Cambria Math"/>
+                                <a:latin typeface="Cambria Math" panose="02040503050406030204" pitchFamily="18" charset="0"/>
                               </a:rPr>
                             </m:ctrlPr>
                           </m:sSubPr>
@@ -15755,7 +18484,7 @@
                           <m:sSubPr>
                             <m:ctrlPr>
                               <a:rPr lang="en-US" altLang="ja-JP" i="1">
-                                <a:latin typeface="Cambria Math"/>
+                                <a:latin typeface="Cambria Math" panose="02040503050406030204" pitchFamily="18" charset="0"/>
                               </a:rPr>
                             </m:ctrlPr>
                           </m:sSubPr>
@@ -15810,7 +18539,7 @@
                       <m:dPr>
                         <m:ctrlPr>
                           <a:rPr lang="en-US" altLang="ja-JP" i="1">
-                            <a:latin typeface="Cambria Math"/>
+                            <a:latin typeface="Cambria Math" panose="02040503050406030204" pitchFamily="18" charset="0"/>
                           </a:rPr>
                         </m:ctrlPr>
                       </m:dPr>
@@ -15825,7 +18554,7 @@
                           <m:sSubPr>
                             <m:ctrlPr>
                               <a:rPr lang="en-US" altLang="ja-JP" i="1">
-                                <a:latin typeface="Cambria Math"/>
+                                <a:latin typeface="Cambria Math" panose="02040503050406030204" pitchFamily="18" charset="0"/>
                               </a:rPr>
                             </m:ctrlPr>
                           </m:sSubPr>
@@ -15856,7 +18585,7 @@
                           <m:sSubPr>
                             <m:ctrlPr>
                               <a:rPr lang="en-US" altLang="ja-JP" i="1">
-                                <a:latin typeface="Cambria Math"/>
+                                <a:latin typeface="Cambria Math" panose="02040503050406030204" pitchFamily="18" charset="0"/>
                               </a:rPr>
                             </m:ctrlPr>
                           </m:sSubPr>
@@ -15887,7 +18616,7 @@
                           <m:sSubPr>
                             <m:ctrlPr>
                               <a:rPr lang="en-US" altLang="ja-JP" i="1">
-                                <a:latin typeface="Cambria Math"/>
+                                <a:latin typeface="Cambria Math" panose="02040503050406030204" pitchFamily="18" charset="0"/>
                               </a:rPr>
                             </m:ctrlPr>
                           </m:sSubPr>
@@ -15918,7 +18647,7 @@
                           <m:sSubPr>
                             <m:ctrlPr>
                               <a:rPr lang="en-US" altLang="ja-JP" i="1">
-                                <a:latin typeface="Cambria Math"/>
+                                <a:latin typeface="Cambria Math" panose="02040503050406030204" pitchFamily="18" charset="0"/>
                               </a:rPr>
                             </m:ctrlPr>
                           </m:sSubPr>
@@ -15973,7 +18702,7 @@
                       <m:dPr>
                         <m:ctrlPr>
                           <a:rPr lang="en-US" altLang="ja-JP" sz="1400" i="1">
-                            <a:latin typeface="Cambria Math"/>
+                            <a:latin typeface="Cambria Math" panose="02040503050406030204" pitchFamily="18" charset="0"/>
                           </a:rPr>
                         </m:ctrlPr>
                       </m:dPr>
@@ -15982,7 +18711,7 @@
                           <m:fPr>
                             <m:ctrlPr>
                               <a:rPr lang="en-US" altLang="ja-JP" sz="1400" i="1">
-                                <a:latin typeface="Cambria Math"/>
+                                <a:latin typeface="Cambria Math" panose="02040503050406030204" pitchFamily="18" charset="0"/>
                               </a:rPr>
                             </m:ctrlPr>
                           </m:fPr>
@@ -16007,7 +18736,7 @@
                           <m:dPr>
                             <m:ctrlPr>
                               <a:rPr lang="en-US" altLang="ja-JP" sz="1400" i="1">
-                                <a:latin typeface="Cambria Math"/>
+                                <a:latin typeface="Cambria Math" panose="02040503050406030204" pitchFamily="18" charset="0"/>
                               </a:rPr>
                             </m:ctrlPr>
                           </m:dPr>
@@ -16016,7 +18745,7 @@
                               <m:sSubPr>
                                 <m:ctrlPr>
                                   <a:rPr lang="en-US" altLang="ja-JP" sz="1400" i="1">
-                                    <a:latin typeface="Cambria Math"/>
+                                    <a:latin typeface="Cambria Math" panose="02040503050406030204" pitchFamily="18" charset="0"/>
                                   </a:rPr>
                                 </m:ctrlPr>
                               </m:sSubPr>
@@ -16047,7 +18776,7 @@
                               <m:sSubPr>
                                 <m:ctrlPr>
                                   <a:rPr lang="en-US" altLang="ja-JP" sz="1400" i="1">
-                                    <a:latin typeface="Cambria Math"/>
+                                    <a:latin typeface="Cambria Math" panose="02040503050406030204" pitchFamily="18" charset="0"/>
                                   </a:rPr>
                                 </m:ctrlPr>
                               </m:sSubPr>
@@ -16080,7 +18809,7 @@
                           <m:fPr>
                             <m:ctrlPr>
                               <a:rPr lang="en-US" altLang="ja-JP" sz="1400" i="1">
-                                <a:latin typeface="Cambria Math"/>
+                                <a:latin typeface="Cambria Math" panose="02040503050406030204" pitchFamily="18" charset="0"/>
                               </a:rPr>
                             </m:ctrlPr>
                           </m:fPr>
@@ -16090,7 +18819,7 @@
                                 <m:degHide m:val="on"/>
                                 <m:ctrlPr>
                                   <a:rPr lang="en-US" altLang="ja-JP" sz="1400" i="1">
-                                    <a:latin typeface="Cambria Math"/>
+                                    <a:latin typeface="Cambria Math" panose="02040503050406030204" pitchFamily="18" charset="0"/>
                                   </a:rPr>
                                 </m:ctrlPr>
                               </m:radPr>
@@ -16118,7 +18847,7 @@
                           <m:dPr>
                             <m:ctrlPr>
                               <a:rPr lang="en-US" altLang="ja-JP" sz="1400" i="1">
-                                <a:latin typeface="Cambria Math"/>
+                                <a:latin typeface="Cambria Math" panose="02040503050406030204" pitchFamily="18" charset="0"/>
                               </a:rPr>
                             </m:ctrlPr>
                           </m:dPr>
@@ -16133,7 +18862,7 @@
                               <m:sSubPr>
                                 <m:ctrlPr>
                                   <a:rPr lang="en-US" altLang="ja-JP" sz="1400" i="1">
-                                    <a:latin typeface="Cambria Math"/>
+                                    <a:latin typeface="Cambria Math" panose="02040503050406030204" pitchFamily="18" charset="0"/>
                                   </a:rPr>
                                 </m:ctrlPr>
                               </m:sSubPr>
@@ -16164,7 +18893,7 @@
                               <m:sSubPr>
                                 <m:ctrlPr>
                                   <a:rPr lang="en-US" altLang="ja-JP" sz="1400" i="1">
-                                    <a:latin typeface="Cambria Math"/>
+                                    <a:latin typeface="Cambria Math" panose="02040503050406030204" pitchFamily="18" charset="0"/>
                                   </a:rPr>
                                 </m:ctrlPr>
                               </m:sSubPr>
@@ -16197,7 +18926,7 @@
                           <m:fPr>
                             <m:ctrlPr>
                               <a:rPr lang="en-US" altLang="ja-JP" sz="1400" i="1">
-                                <a:latin typeface="Cambria Math"/>
+                                <a:latin typeface="Cambria Math" panose="02040503050406030204" pitchFamily="18" charset="0"/>
                               </a:rPr>
                             </m:ctrlPr>
                           </m:fPr>
@@ -16207,7 +18936,7 @@
                                 <m:degHide m:val="on"/>
                                 <m:ctrlPr>
                                   <a:rPr lang="en-US" altLang="ja-JP" sz="1400" i="1" smtClean="0">
-                                    <a:latin typeface="Cambria Math"/>
+                                    <a:latin typeface="Cambria Math" panose="02040503050406030204" pitchFamily="18" charset="0"/>
                                   </a:rPr>
                                 </m:ctrlPr>
                               </m:radPr>
@@ -16235,7 +18964,7 @@
                           <m:dPr>
                             <m:ctrlPr>
                               <a:rPr lang="en-US" altLang="ja-JP" sz="1400" i="1">
-                                <a:latin typeface="Cambria Math"/>
+                                <a:latin typeface="Cambria Math" panose="02040503050406030204" pitchFamily="18" charset="0"/>
                               </a:rPr>
                             </m:ctrlPr>
                           </m:dPr>
@@ -16244,7 +18973,7 @@
                               <m:sSubPr>
                                 <m:ctrlPr>
                                   <a:rPr lang="en-US" altLang="ja-JP" sz="1400" i="1">
-                                    <a:latin typeface="Cambria Math"/>
+                                    <a:latin typeface="Cambria Math" panose="02040503050406030204" pitchFamily="18" charset="0"/>
                                   </a:rPr>
                                 </m:ctrlPr>
                               </m:sSubPr>
@@ -16281,7 +19010,7 @@
                               <m:sSubPr>
                                 <m:ctrlPr>
                                   <a:rPr lang="en-US" altLang="ja-JP" sz="1400" i="1">
-                                    <a:latin typeface="Cambria Math"/>
+                                    <a:latin typeface="Cambria Math" panose="02040503050406030204" pitchFamily="18" charset="0"/>
                                   </a:rPr>
                                 </m:ctrlPr>
                               </m:sSubPr>
@@ -16320,7 +19049,7 @@
                           <m:fPr>
                             <m:ctrlPr>
                               <a:rPr lang="en-US" altLang="ja-JP" sz="1400" i="1">
-                                <a:latin typeface="Cambria Math"/>
+                                <a:latin typeface="Cambria Math" panose="02040503050406030204" pitchFamily="18" charset="0"/>
                               </a:rPr>
                             </m:ctrlPr>
                           </m:fPr>
@@ -16351,7 +19080,7 @@
                           <m:sSubPr>
                             <m:ctrlPr>
                               <a:rPr lang="en-US" altLang="ja-JP" sz="1400" i="1">
-                                <a:latin typeface="Cambria Math"/>
+                                <a:latin typeface="Cambria Math" panose="02040503050406030204" pitchFamily="18" charset="0"/>
                               </a:rPr>
                             </m:ctrlPr>
                           </m:sSubPr>
@@ -16382,7 +19111,7 @@
                           <m:sSubPr>
                             <m:ctrlPr>
                               <a:rPr lang="en-US" altLang="ja-JP" sz="1400" i="1">
-                                <a:latin typeface="Cambria Math"/>
+                                <a:latin typeface="Cambria Math" panose="02040503050406030204" pitchFamily="18" charset="0"/>
                               </a:rPr>
                             </m:ctrlPr>
                           </m:sSubPr>
@@ -16664,7 +19393,7 @@
                         <m:dPr>
                           <m:ctrlPr>
                             <a:rPr kumimoji="1" lang="en-US" altLang="ja-JP" sz="2400" i="1" smtClean="0">
-                              <a:latin typeface="Cambria Math"/>
+                              <a:latin typeface="Cambria Math" panose="02040503050406030204" pitchFamily="18" charset="0"/>
                             </a:rPr>
                           </m:ctrlPr>
                         </m:dPr>
@@ -16681,7 +19410,7 @@
                               </m:mcs>
                               <m:ctrlPr>
                                 <a:rPr kumimoji="1" lang="en-US" altLang="ja-JP" sz="2400" i="1" smtClean="0">
-                                  <a:latin typeface="Cambria Math"/>
+                                  <a:latin typeface="Cambria Math" panose="02040503050406030204" pitchFamily="18" charset="0"/>
                                 </a:rPr>
                               </m:ctrlPr>
                             </m:mPr>
@@ -16691,7 +19420,7 @@
                                   <m:sSubPr>
                                     <m:ctrlPr>
                                       <a:rPr kumimoji="1" lang="en-US" altLang="ja-JP" sz="2400" i="1" smtClean="0">
-                                        <a:latin typeface="Cambria Math"/>
+                                        <a:latin typeface="Cambria Math" panose="02040503050406030204" pitchFamily="18" charset="0"/>
                                       </a:rPr>
                                     </m:ctrlPr>
                                   </m:sSubPr>
@@ -16726,7 +19455,7 @@
                                   <m:sSubPr>
                                     <m:ctrlPr>
                                       <a:rPr kumimoji="1" lang="en-US" altLang="ja-JP" sz="2400" i="1" smtClean="0">
-                                        <a:latin typeface="Cambria Math"/>
+                                        <a:latin typeface="Cambria Math" panose="02040503050406030204" pitchFamily="18" charset="0"/>
                                       </a:rPr>
                                     </m:ctrlPr>
                                   </m:sSubPr>
@@ -16768,7 +19497,7 @@
                         <m:dPr>
                           <m:ctrlPr>
                             <a:rPr kumimoji="1" lang="en-US" altLang="ja-JP" sz="2400" i="1" smtClean="0">
-                              <a:latin typeface="Cambria Math"/>
+                              <a:latin typeface="Cambria Math" panose="02040503050406030204" pitchFamily="18" charset="0"/>
                             </a:rPr>
                           </m:ctrlPr>
                         </m:dPr>
@@ -16785,7 +19514,7 @@
                               </m:mcs>
                               <m:ctrlPr>
                                 <a:rPr kumimoji="1" lang="en-US" altLang="ja-JP" sz="2400" i="1" smtClean="0">
-                                  <a:latin typeface="Cambria Math"/>
+                                  <a:latin typeface="Cambria Math" panose="02040503050406030204" pitchFamily="18" charset="0"/>
                                 </a:rPr>
                               </m:ctrlPr>
                             </m:mPr>
@@ -16795,7 +19524,7 @@
                                   <m:funcPr>
                                     <m:ctrlPr>
                                       <a:rPr kumimoji="1" lang="en-US" altLang="ja-JP" sz="2400" i="1" smtClean="0">
-                                        <a:latin typeface="Cambria Math"/>
+                                        <a:latin typeface="Cambria Math" panose="02040503050406030204" pitchFamily="18" charset="0"/>
                                       </a:rPr>
                                     </m:ctrlPr>
                                   </m:funcPr>
@@ -16825,7 +19554,7 @@
                                       <m:fPr>
                                         <m:ctrlPr>
                                           <a:rPr lang="en-US" altLang="ja-JP" sz="2400" i="1">
-                                            <a:latin typeface="Cambria Math"/>
+                                            <a:latin typeface="Cambria Math" panose="02040503050406030204" pitchFamily="18" charset="0"/>
                                           </a:rPr>
                                         </m:ctrlPr>
                                       </m:fPr>
@@ -16861,7 +19590,7 @@
                                   <m:funcPr>
                                     <m:ctrlPr>
                                       <a:rPr kumimoji="1" lang="en-US" altLang="ja-JP" sz="2400" b="0" i="1" smtClean="0">
-                                        <a:latin typeface="Cambria Math"/>
+                                        <a:latin typeface="Cambria Math" panose="02040503050406030204" pitchFamily="18" charset="0"/>
                                       </a:rPr>
                                     </m:ctrlPr>
                                   </m:funcPr>
@@ -16881,7 +19610,7 @@
                                       <m:fPr>
                                         <m:ctrlPr>
                                           <a:rPr lang="en-US" altLang="ja-JP" sz="2400" i="1">
-                                            <a:latin typeface="Cambria Math"/>
+                                            <a:latin typeface="Cambria Math" panose="02040503050406030204" pitchFamily="18" charset="0"/>
                                           </a:rPr>
                                         </m:ctrlPr>
                                       </m:fPr>
@@ -16913,7 +19642,7 @@
                                   <m:funcPr>
                                     <m:ctrlPr>
                                       <a:rPr kumimoji="1" lang="en-US" altLang="ja-JP" sz="2400" i="1" smtClean="0">
-                                        <a:latin typeface="Cambria Math"/>
+                                        <a:latin typeface="Cambria Math" panose="02040503050406030204" pitchFamily="18" charset="0"/>
                                       </a:rPr>
                                     </m:ctrlPr>
                                   </m:funcPr>
@@ -16933,7 +19662,7 @@
                                       <m:fPr>
                                         <m:ctrlPr>
                                           <a:rPr kumimoji="1" lang="en-US" altLang="ja-JP" sz="2400" i="1" smtClean="0">
-                                            <a:latin typeface="Cambria Math"/>
+                                            <a:latin typeface="Cambria Math" panose="02040503050406030204" pitchFamily="18" charset="0"/>
                                           </a:rPr>
                                         </m:ctrlPr>
                                       </m:fPr>
@@ -16963,7 +19692,7 @@
                                   <m:funcPr>
                                     <m:ctrlPr>
                                       <a:rPr kumimoji="1" lang="en-US" altLang="ja-JP" sz="2400" i="1" smtClean="0">
-                                        <a:latin typeface="Cambria Math"/>
+                                        <a:latin typeface="Cambria Math" panose="02040503050406030204" pitchFamily="18" charset="0"/>
                                       </a:rPr>
                                     </m:ctrlPr>
                                   </m:funcPr>
@@ -16983,7 +19712,7 @@
                                       <m:fPr>
                                         <m:ctrlPr>
                                           <a:rPr lang="en-US" altLang="ja-JP" sz="2400" i="1">
-                                            <a:latin typeface="Cambria Math"/>
+                                            <a:latin typeface="Cambria Math" panose="02040503050406030204" pitchFamily="18" charset="0"/>
                                           </a:rPr>
                                         </m:ctrlPr>
                                       </m:fPr>
@@ -17016,7 +19745,7 @@
                         <m:dPr>
                           <m:ctrlPr>
                             <a:rPr lang="en-US" altLang="ja-JP" sz="2400" i="1">
-                              <a:latin typeface="Cambria Math"/>
+                              <a:latin typeface="Cambria Math" panose="02040503050406030204" pitchFamily="18" charset="0"/>
                             </a:rPr>
                           </m:ctrlPr>
                         </m:dPr>
@@ -17033,7 +19762,7 @@
                               </m:mcs>
                               <m:ctrlPr>
                                 <a:rPr lang="en-US" altLang="ja-JP" sz="2400" i="1">
-                                  <a:latin typeface="Cambria Math"/>
+                                  <a:latin typeface="Cambria Math" panose="02040503050406030204" pitchFamily="18" charset="0"/>
                                 </a:rPr>
                               </m:ctrlPr>
                             </m:mPr>
@@ -17043,7 +19772,7 @@
                                   <m:sSubPr>
                                     <m:ctrlPr>
                                       <a:rPr lang="en-US" altLang="ja-JP" sz="2400" i="1" smtClean="0">
-                                        <a:latin typeface="Cambria Math"/>
+                                        <a:latin typeface="Cambria Math" panose="02040503050406030204" pitchFamily="18" charset="0"/>
                                       </a:rPr>
                                     </m:ctrlPr>
                                   </m:sSubPr>
@@ -17077,7 +19806,7 @@
                                   <m:sSubPr>
                                     <m:ctrlPr>
                                       <a:rPr lang="en-US" altLang="ja-JP" sz="2400" i="1" smtClean="0">
-                                        <a:latin typeface="Cambria Math"/>
+                                        <a:latin typeface="Cambria Math" panose="02040503050406030204" pitchFamily="18" charset="0"/>
                                       </a:rPr>
                                     </m:ctrlPr>
                                   </m:sSubPr>
@@ -17106,7 +19835,7 @@
                                   <m:sSubPr>
                                     <m:ctrlPr>
                                       <a:rPr lang="en-US" altLang="ja-JP" sz="2400" i="1" smtClean="0">
-                                        <a:latin typeface="Cambria Math"/>
+                                        <a:latin typeface="Cambria Math" panose="02040503050406030204" pitchFamily="18" charset="0"/>
                                       </a:rPr>
                                     </m:ctrlPr>
                                   </m:sSubPr>
@@ -17137,7 +19866,7 @@
                                   <m:sSubPr>
                                     <m:ctrlPr>
                                       <a:rPr lang="en-US" altLang="ja-JP" sz="2400" i="1" smtClean="0">
-                                        <a:latin typeface="Cambria Math"/>
+                                        <a:latin typeface="Cambria Math" panose="02040503050406030204" pitchFamily="18" charset="0"/>
                                       </a:rPr>
                                     </m:ctrlPr>
                                   </m:sSubPr>
@@ -17173,7 +19902,7 @@
                         <m:dPr>
                           <m:ctrlPr>
                             <a:rPr lang="en-US" altLang="ja-JP" sz="2400" i="1">
-                              <a:latin typeface="Cambria Math"/>
+                              <a:latin typeface="Cambria Math" panose="02040503050406030204" pitchFamily="18" charset="0"/>
                             </a:rPr>
                           </m:ctrlPr>
                         </m:dPr>
@@ -17190,7 +19919,7 @@
                               </m:mcs>
                               <m:ctrlPr>
                                 <a:rPr lang="en-US" altLang="ja-JP" sz="2400" i="1">
-                                  <a:latin typeface="Cambria Math"/>
+                                  <a:latin typeface="Cambria Math" panose="02040503050406030204" pitchFamily="18" charset="0"/>
                                 </a:rPr>
                               </m:ctrlPr>
                             </m:mPr>
@@ -17200,7 +19929,7 @@
                                   <m:sSubPr>
                                     <m:ctrlPr>
                                       <a:rPr lang="en-US" altLang="ja-JP" sz="2400" i="1">
-                                        <a:latin typeface="Cambria Math"/>
+                                        <a:latin typeface="Cambria Math" panose="02040503050406030204" pitchFamily="18" charset="0"/>
                                       </a:rPr>
                                     </m:ctrlPr>
                                   </m:sSubPr>
@@ -17229,7 +19958,7 @@
                                   <m:sSubPr>
                                     <m:ctrlPr>
                                       <a:rPr lang="en-US" altLang="ja-JP" sz="2400" i="1">
-                                        <a:latin typeface="Cambria Math"/>
+                                        <a:latin typeface="Cambria Math" panose="02040503050406030204" pitchFamily="18" charset="0"/>
                                       </a:rPr>
                                     </m:ctrlPr>
                                   </m:sSubPr>
@@ -17280,7 +20009,7 @@
                         <m:dPr>
                           <m:ctrlPr>
                             <a:rPr kumimoji="1" lang="en-US" altLang="ja-JP" sz="1700" b="0" i="1" smtClean="0">
-                              <a:latin typeface="Cambria Math"/>
+                              <a:latin typeface="Cambria Math" panose="02040503050406030204" pitchFamily="18" charset="0"/>
                             </a:rPr>
                           </m:ctrlPr>
                         </m:dPr>
@@ -17297,7 +20026,7 @@
                               </m:mcs>
                               <m:ctrlPr>
                                 <a:rPr kumimoji="1" lang="en-US" altLang="ja-JP" sz="1700" b="0" i="1" smtClean="0">
-                                  <a:latin typeface="Cambria Math"/>
+                                  <a:latin typeface="Cambria Math" panose="02040503050406030204" pitchFamily="18" charset="0"/>
                                 </a:rPr>
                               </m:ctrlPr>
                             </m:mPr>
@@ -17307,7 +20036,7 @@
                                   <m:fPr>
                                     <m:ctrlPr>
                                       <a:rPr lang="en-US" altLang="ja-JP" sz="1700" i="1">
-                                        <a:latin typeface="Cambria Math"/>
+                                        <a:latin typeface="Cambria Math" panose="02040503050406030204" pitchFamily="18" charset="0"/>
                                       </a:rPr>
                                     </m:ctrlPr>
                                   </m:fPr>
@@ -17332,7 +20061,7 @@
                                   <m:sSubPr>
                                     <m:ctrlPr>
                                       <a:rPr lang="en-US" altLang="ja-JP" sz="1700" i="1">
-                                        <a:latin typeface="Cambria Math"/>
+                                        <a:latin typeface="Cambria Math" panose="02040503050406030204" pitchFamily="18" charset="0"/>
                                       </a:rPr>
                                     </m:ctrlPr>
                                   </m:sSubPr>
@@ -17363,7 +20092,7 @@
                                   <m:fPr>
                                     <m:ctrlPr>
                                       <a:rPr lang="en-US" altLang="ja-JP" sz="1700" i="1">
-                                        <a:latin typeface="Cambria Math"/>
+                                        <a:latin typeface="Cambria Math" panose="02040503050406030204" pitchFamily="18" charset="0"/>
                                       </a:rPr>
                                     </m:ctrlPr>
                                   </m:fPr>
@@ -17373,7 +20102,7 @@
                                         <m:degHide m:val="on"/>
                                         <m:ctrlPr>
                                           <a:rPr lang="en-US" altLang="ja-JP" sz="1700" i="1">
-                                            <a:latin typeface="Cambria Math"/>
+                                            <a:latin typeface="Cambria Math" panose="02040503050406030204" pitchFamily="18" charset="0"/>
                                           </a:rPr>
                                         </m:ctrlPr>
                                       </m:radPr>
@@ -17401,7 +20130,7 @@
                                   <m:sSubPr>
                                     <m:ctrlPr>
                                       <a:rPr lang="en-US" altLang="ja-JP" sz="1700" i="1">
-                                        <a:latin typeface="Cambria Math"/>
+                                        <a:latin typeface="Cambria Math" panose="02040503050406030204" pitchFamily="18" charset="0"/>
                                       </a:rPr>
                                     </m:ctrlPr>
                                   </m:sSubPr>
@@ -17432,7 +20161,7 @@
                                   <m:fPr>
                                     <m:ctrlPr>
                                       <a:rPr lang="en-US" altLang="ja-JP" sz="1700" i="1">
-                                        <a:latin typeface="Cambria Math"/>
+                                        <a:latin typeface="Cambria Math" panose="02040503050406030204" pitchFamily="18" charset="0"/>
                                       </a:rPr>
                                     </m:ctrlPr>
                                   </m:fPr>
@@ -17457,7 +20186,7 @@
                                   <m:sSubPr>
                                     <m:ctrlPr>
                                       <a:rPr lang="en-US" altLang="ja-JP" sz="1700" i="1">
-                                        <a:latin typeface="Cambria Math"/>
+                                        <a:latin typeface="Cambria Math" panose="02040503050406030204" pitchFamily="18" charset="0"/>
                                       </a:rPr>
                                     </m:ctrlPr>
                                   </m:sSubPr>
@@ -17488,7 +20217,7 @@
                                   <m:fPr>
                                     <m:ctrlPr>
                                       <a:rPr lang="en-US" altLang="ja-JP" sz="1700" i="1">
-                                        <a:latin typeface="Cambria Math"/>
+                                        <a:latin typeface="Cambria Math" panose="02040503050406030204" pitchFamily="18" charset="0"/>
                                       </a:rPr>
                                     </m:ctrlPr>
                                   </m:fPr>
@@ -17498,7 +20227,7 @@
                                         <m:degHide m:val="on"/>
                                         <m:ctrlPr>
                                           <a:rPr lang="en-US" altLang="ja-JP" sz="1700" i="1">
-                                            <a:latin typeface="Cambria Math"/>
+                                            <a:latin typeface="Cambria Math" panose="02040503050406030204" pitchFamily="18" charset="0"/>
                                           </a:rPr>
                                         </m:ctrlPr>
                                       </m:radPr>
@@ -17526,7 +20255,7 @@
                                   <m:sSubPr>
                                     <m:ctrlPr>
                                       <a:rPr lang="en-US" altLang="ja-JP" sz="1700" i="1">
-                                        <a:latin typeface="Cambria Math"/>
+                                        <a:latin typeface="Cambria Math" panose="02040503050406030204" pitchFamily="18" charset="0"/>
                                       </a:rPr>
                                     </m:ctrlPr>
                                   </m:sSubPr>
@@ -17561,7 +20290,7 @@
                                   <m:fPr>
                                     <m:ctrlPr>
                                       <a:rPr lang="en-US" altLang="ja-JP" sz="1700" i="1">
-                                        <a:latin typeface="Cambria Math"/>
+                                        <a:latin typeface="Cambria Math" panose="02040503050406030204" pitchFamily="18" charset="0"/>
                                       </a:rPr>
                                     </m:ctrlPr>
                                   </m:fPr>
@@ -17571,7 +20300,7 @@
                                         <m:degHide m:val="on"/>
                                         <m:ctrlPr>
                                           <a:rPr lang="en-US" altLang="ja-JP" sz="1700" i="1">
-                                            <a:latin typeface="Cambria Math"/>
+                                            <a:latin typeface="Cambria Math" panose="02040503050406030204" pitchFamily="18" charset="0"/>
                                           </a:rPr>
                                         </m:ctrlPr>
                                       </m:radPr>
@@ -17599,7 +20328,7 @@
                                   <m:sSubPr>
                                     <m:ctrlPr>
                                       <a:rPr lang="en-US" altLang="ja-JP" sz="1700" i="1">
-                                        <a:latin typeface="Cambria Math"/>
+                                        <a:latin typeface="Cambria Math" panose="02040503050406030204" pitchFamily="18" charset="0"/>
                                       </a:rPr>
                                     </m:ctrlPr>
                                   </m:sSubPr>
@@ -17630,7 +20359,7 @@
                                   <m:fPr>
                                     <m:ctrlPr>
                                       <a:rPr lang="en-US" altLang="ja-JP" sz="1700" i="1">
-                                        <a:latin typeface="Cambria Math"/>
+                                        <a:latin typeface="Cambria Math" panose="02040503050406030204" pitchFamily="18" charset="0"/>
                                       </a:rPr>
                                     </m:ctrlPr>
                                   </m:fPr>
@@ -17655,7 +20384,7 @@
                                   <m:sSubPr>
                                     <m:ctrlPr>
                                       <a:rPr lang="en-US" altLang="ja-JP" sz="1700" i="1">
-                                        <a:latin typeface="Cambria Math"/>
+                                        <a:latin typeface="Cambria Math" panose="02040503050406030204" pitchFamily="18" charset="0"/>
                                       </a:rPr>
                                     </m:ctrlPr>
                                   </m:sSubPr>
@@ -17686,7 +20415,7 @@
                                   <m:fPr>
                                     <m:ctrlPr>
                                       <a:rPr lang="en-US" altLang="ja-JP" sz="1700" i="1">
-                                        <a:latin typeface="Cambria Math"/>
+                                        <a:latin typeface="Cambria Math" panose="02040503050406030204" pitchFamily="18" charset="0"/>
                                       </a:rPr>
                                     </m:ctrlPr>
                                   </m:fPr>
@@ -17696,7 +20425,7 @@
                                         <m:degHide m:val="on"/>
                                         <m:ctrlPr>
                                           <a:rPr lang="en-US" altLang="ja-JP" sz="1700" i="1">
-                                            <a:latin typeface="Cambria Math"/>
+                                            <a:latin typeface="Cambria Math" panose="02040503050406030204" pitchFamily="18" charset="0"/>
                                           </a:rPr>
                                         </m:ctrlPr>
                                       </m:radPr>
@@ -17724,7 +20453,7 @@
                                   <m:sSubPr>
                                     <m:ctrlPr>
                                       <a:rPr lang="en-US" altLang="ja-JP" sz="1700" i="1">
-                                        <a:latin typeface="Cambria Math"/>
+                                        <a:latin typeface="Cambria Math" panose="02040503050406030204" pitchFamily="18" charset="0"/>
                                       </a:rPr>
                                     </m:ctrlPr>
                                   </m:sSubPr>
@@ -17755,7 +20484,7 @@
                                   <m:fPr>
                                     <m:ctrlPr>
                                       <a:rPr lang="en-US" altLang="ja-JP" sz="1700" i="1">
-                                        <a:latin typeface="Cambria Math"/>
+                                        <a:latin typeface="Cambria Math" panose="02040503050406030204" pitchFamily="18" charset="0"/>
                                       </a:rPr>
                                     </m:ctrlPr>
                                   </m:fPr>
@@ -17780,7 +20509,7 @@
                                   <m:sSubPr>
                                     <m:ctrlPr>
                                       <a:rPr lang="en-US" altLang="ja-JP" sz="1700" i="1">
-                                        <a:latin typeface="Cambria Math"/>
+                                        <a:latin typeface="Cambria Math" panose="02040503050406030204" pitchFamily="18" charset="0"/>
                                       </a:rPr>
                                     </m:ctrlPr>
                                   </m:sSubPr>
@@ -17831,7 +20560,7 @@
                         <m:dPr>
                           <m:ctrlPr>
                             <a:rPr kumimoji="1" lang="en-US" altLang="ja-JP" sz="1700" b="0" i="1" smtClean="0">
-                              <a:latin typeface="Cambria Math"/>
+                              <a:latin typeface="Cambria Math" panose="02040503050406030204" pitchFamily="18" charset="0"/>
                             </a:rPr>
                           </m:ctrlPr>
                         </m:dPr>
@@ -17848,7 +20577,7 @@
                               </m:mcs>
                               <m:ctrlPr>
                                 <a:rPr kumimoji="1" lang="en-US" altLang="ja-JP" sz="1700" b="0" i="1" smtClean="0">
-                                  <a:latin typeface="Cambria Math"/>
+                                  <a:latin typeface="Cambria Math" panose="02040503050406030204" pitchFamily="18" charset="0"/>
                                 </a:rPr>
                               </m:ctrlPr>
                             </m:mPr>
@@ -17866,7 +20595,7 @@
                                     </m:mcs>
                                     <m:ctrlPr>
                                       <a:rPr kumimoji="1" lang="en-US" altLang="ja-JP" sz="1700" b="0" i="1" smtClean="0">
-                                        <a:latin typeface="Cambria Math"/>
+                                        <a:latin typeface="Cambria Math" panose="02040503050406030204" pitchFamily="18" charset="0"/>
                                       </a:rPr>
                                     </m:ctrlPr>
                                   </m:mPr>
@@ -17876,7 +20605,7 @@
                                         <m:fPr>
                                           <m:ctrlPr>
                                             <a:rPr kumimoji="1" lang="en-US" altLang="ja-JP" sz="1700" b="0" i="1" smtClean="0">
-                                              <a:latin typeface="Cambria Math"/>
+                                              <a:latin typeface="Cambria Math" panose="02040503050406030204" pitchFamily="18" charset="0"/>
                                             </a:rPr>
                                           </m:ctrlPr>
                                         </m:fPr>
@@ -17903,7 +20632,7 @@
                                         <m:fPr>
                                           <m:ctrlPr>
                                             <a:rPr kumimoji="1" lang="en-US" altLang="ja-JP" sz="1700" b="0" i="1" smtClean="0">
-                                              <a:latin typeface="Cambria Math"/>
+                                              <a:latin typeface="Cambria Math" panose="02040503050406030204" pitchFamily="18" charset="0"/>
                                             </a:rPr>
                                           </m:ctrlPr>
                                         </m:fPr>
@@ -17913,7 +20642,7 @@
                                               <m:degHide m:val="on"/>
                                               <m:ctrlPr>
                                                 <a:rPr kumimoji="1" lang="en-US" altLang="ja-JP" sz="1700" b="0" i="1" smtClean="0">
-                                                  <a:latin typeface="Cambria Math"/>
+                                                  <a:latin typeface="Cambria Math" panose="02040503050406030204" pitchFamily="18" charset="0"/>
                                                 </a:rPr>
                                               </m:ctrlPr>
                                             </m:radPr>
@@ -17954,7 +20683,7 @@
                                     </m:mcs>
                                     <m:ctrlPr>
                                       <a:rPr kumimoji="1" lang="en-US" altLang="ja-JP" sz="1700" b="0" i="1" smtClean="0">
-                                        <a:latin typeface="Cambria Math"/>
+                                        <a:latin typeface="Cambria Math" panose="02040503050406030204" pitchFamily="18" charset="0"/>
                                       </a:rPr>
                                     </m:ctrlPr>
                                   </m:mPr>
@@ -17964,7 +20693,7 @@
                                         <m:fPr>
                                           <m:ctrlPr>
                                             <a:rPr kumimoji="1" lang="en-US" altLang="ja-JP" sz="1700" b="0" i="1" smtClean="0">
-                                              <a:latin typeface="Cambria Math"/>
+                                              <a:latin typeface="Cambria Math" panose="02040503050406030204" pitchFamily="18" charset="0"/>
                                             </a:rPr>
                                           </m:ctrlPr>
                                         </m:fPr>
@@ -17997,7 +20726,7 @@
                                         <m:fPr>
                                           <m:ctrlPr>
                                             <a:rPr kumimoji="1" lang="en-US" altLang="ja-JP" sz="1700" b="0" i="1" smtClean="0">
-                                              <a:latin typeface="Cambria Math"/>
+                                              <a:latin typeface="Cambria Math" panose="02040503050406030204" pitchFamily="18" charset="0"/>
                                             </a:rPr>
                                           </m:ctrlPr>
                                         </m:fPr>
@@ -18007,7 +20736,7 @@
                                               <m:degHide m:val="on"/>
                                               <m:ctrlPr>
                                                 <a:rPr kumimoji="1" lang="en-US" altLang="ja-JP" sz="1700" b="0" i="1" smtClean="0">
-                                                  <a:latin typeface="Cambria Math"/>
+                                                  <a:latin typeface="Cambria Math" panose="02040503050406030204" pitchFamily="18" charset="0"/>
                                                 </a:rPr>
                                               </m:ctrlPr>
                                             </m:radPr>
@@ -18050,7 +20779,7 @@
                                     </m:mcs>
                                     <m:ctrlPr>
                                       <a:rPr kumimoji="1" lang="en-US" altLang="ja-JP" sz="1700" b="0" i="1" smtClean="0">
-                                        <a:latin typeface="Cambria Math"/>
+                                        <a:latin typeface="Cambria Math" panose="02040503050406030204" pitchFamily="18" charset="0"/>
                                       </a:rPr>
                                     </m:ctrlPr>
                                   </m:mPr>
@@ -18069,7 +20798,7 @@
                                         <m:fPr>
                                           <m:ctrlPr>
                                             <a:rPr kumimoji="1" lang="en-US" altLang="ja-JP" sz="1700" b="0" i="1" smtClean="0">
-                                              <a:latin typeface="Cambria Math"/>
+                                              <a:latin typeface="Cambria Math" panose="02040503050406030204" pitchFamily="18" charset="0"/>
                                             </a:rPr>
                                           </m:ctrlPr>
                                         </m:fPr>
@@ -18079,7 +20808,7 @@
                                               <m:degHide m:val="on"/>
                                               <m:ctrlPr>
                                                 <a:rPr kumimoji="1" lang="en-US" altLang="ja-JP" sz="1700" b="0" i="1" smtClean="0">
-                                                  <a:latin typeface="Cambria Math"/>
+                                                  <a:latin typeface="Cambria Math" panose="02040503050406030204" pitchFamily="18" charset="0"/>
                                                 </a:rPr>
                                               </m:ctrlPr>
                                             </m:radPr>
@@ -18109,7 +20838,7 @@
                                         <m:fPr>
                                           <m:ctrlPr>
                                             <a:rPr kumimoji="1" lang="en-US" altLang="ja-JP" sz="1700" b="0" i="1" smtClean="0">
-                                              <a:latin typeface="Cambria Math"/>
+                                              <a:latin typeface="Cambria Math" panose="02040503050406030204" pitchFamily="18" charset="0"/>
                                             </a:rPr>
                                           </m:ctrlPr>
                                         </m:fPr>
@@ -18147,7 +20876,7 @@
                                     </m:mcs>
                                     <m:ctrlPr>
                                       <a:rPr kumimoji="1" lang="en-US" altLang="ja-JP" sz="1700" b="0" i="1" smtClean="0">
-                                        <a:latin typeface="Cambria Math"/>
+                                        <a:latin typeface="Cambria Math" panose="02040503050406030204" pitchFamily="18" charset="0"/>
                                       </a:rPr>
                                     </m:ctrlPr>
                                   </m:mPr>
@@ -18157,7 +20886,7 @@
                                         <m:fPr>
                                           <m:ctrlPr>
                                             <a:rPr kumimoji="1" lang="en-US" altLang="ja-JP" sz="1700" b="0" i="1" smtClean="0">
-                                              <a:latin typeface="Cambria Math"/>
+                                              <a:latin typeface="Cambria Math" panose="02040503050406030204" pitchFamily="18" charset="0"/>
                                             </a:rPr>
                                           </m:ctrlPr>
                                         </m:fPr>
@@ -18167,7 +20896,7 @@
                                               <m:degHide m:val="on"/>
                                               <m:ctrlPr>
                                                 <a:rPr kumimoji="1" lang="en-US" altLang="ja-JP" sz="1700" b="0" i="1" smtClean="0">
-                                                  <a:latin typeface="Cambria Math"/>
+                                                  <a:latin typeface="Cambria Math" panose="02040503050406030204" pitchFamily="18" charset="0"/>
                                                 </a:rPr>
                                               </m:ctrlPr>
                                             </m:radPr>
@@ -18197,7 +20926,7 @@
                                         <m:fPr>
                                           <m:ctrlPr>
                                             <a:rPr kumimoji="1" lang="en-US" altLang="ja-JP" sz="1700" b="0" i="1" smtClean="0">
-                                              <a:latin typeface="Cambria Math"/>
+                                              <a:latin typeface="Cambria Math" panose="02040503050406030204" pitchFamily="18" charset="0"/>
                                             </a:rPr>
                                           </m:ctrlPr>
                                         </m:fPr>
@@ -18230,7 +20959,7 @@
                         <m:dPr>
                           <m:ctrlPr>
                             <a:rPr kumimoji="1" lang="en-US" altLang="ja-JP" sz="1700" b="0" i="1" smtClean="0">
-                              <a:latin typeface="Cambria Math"/>
+                              <a:latin typeface="Cambria Math" panose="02040503050406030204" pitchFamily="18" charset="0"/>
                             </a:rPr>
                           </m:ctrlPr>
                         </m:dPr>
@@ -18247,7 +20976,7 @@
                               </m:mcs>
                               <m:ctrlPr>
                                 <a:rPr kumimoji="1" lang="en-US" altLang="ja-JP" sz="1700" b="0" i="1" smtClean="0">
-                                  <a:latin typeface="Cambria Math"/>
+                                  <a:latin typeface="Cambria Math" panose="02040503050406030204" pitchFamily="18" charset="0"/>
                                 </a:rPr>
                               </m:ctrlPr>
                             </m:mPr>
@@ -18265,7 +20994,7 @@
                                     </m:mcs>
                                     <m:ctrlPr>
                                       <a:rPr kumimoji="1" lang="en-US" altLang="ja-JP" sz="1700" b="0" i="1" smtClean="0">
-                                        <a:latin typeface="Cambria Math"/>
+                                        <a:latin typeface="Cambria Math" panose="02040503050406030204" pitchFamily="18" charset="0"/>
                                       </a:rPr>
                                     </m:ctrlPr>
                                   </m:mPr>
@@ -18275,7 +21004,7 @@
                                         <m:sSubPr>
                                           <m:ctrlPr>
                                             <a:rPr kumimoji="1" lang="en-US" altLang="ja-JP" sz="1700" b="0" i="1" smtClean="0">
-                                              <a:latin typeface="Cambria Math"/>
+                                              <a:latin typeface="Cambria Math" panose="02040503050406030204" pitchFamily="18" charset="0"/>
                                             </a:rPr>
                                           </m:ctrlPr>
                                         </m:sSubPr>
@@ -18304,7 +21033,7 @@
                                         <m:sSubPr>
                                           <m:ctrlPr>
                                             <a:rPr kumimoji="1" lang="en-US" altLang="ja-JP" sz="1700" b="0" i="1" smtClean="0">
-                                              <a:latin typeface="Cambria Math"/>
+                                              <a:latin typeface="Cambria Math" panose="02040503050406030204" pitchFamily="18" charset="0"/>
                                             </a:rPr>
                                           </m:ctrlPr>
                                         </m:sSubPr>
@@ -18344,7 +21073,7 @@
                                     </m:mcs>
                                     <m:ctrlPr>
                                       <a:rPr kumimoji="1" lang="en-US" altLang="ja-JP" sz="1700" b="0" i="1" smtClean="0">
-                                        <a:latin typeface="Cambria Math"/>
+                                        <a:latin typeface="Cambria Math" panose="02040503050406030204" pitchFamily="18" charset="0"/>
                                       </a:rPr>
                                     </m:ctrlPr>
                                   </m:mPr>
@@ -18354,7 +21083,7 @@
                                         <m:sSubPr>
                                           <m:ctrlPr>
                                             <a:rPr kumimoji="1" lang="en-US" altLang="ja-JP" sz="1700" b="0" i="1" smtClean="0">
-                                              <a:latin typeface="Cambria Math"/>
+                                              <a:latin typeface="Cambria Math" panose="02040503050406030204" pitchFamily="18" charset="0"/>
                                             </a:rPr>
                                           </m:ctrlPr>
                                         </m:sSubPr>
@@ -18383,7 +21112,7 @@
                                         <m:sSubPr>
                                           <m:ctrlPr>
                                             <a:rPr kumimoji="1" lang="en-US" altLang="ja-JP" sz="1700" b="0" i="1" smtClean="0">
-                                              <a:latin typeface="Cambria Math"/>
+                                              <a:latin typeface="Cambria Math" panose="02040503050406030204" pitchFamily="18" charset="0"/>
                                             </a:rPr>
                                           </m:ctrlPr>
                                         </m:sSubPr>
@@ -18858,7 +21587,7 @@
   <a:extraClrSchemeLst/>
   <a:extLst>
     <a:ext uri="{05A4C25C-085E-4340-85A3-A5531E510DB2}">
-      <thm15:themeFamily xmlns="" xmlns:thm15="http://schemas.microsoft.com/office/thememl/2012/main" name="ディスカッション用テンプレート.potx" id="{12A35EAA-6BC9-4F93-95E1-8BE386309242}" vid="{5CEE4BE6-EBAF-479F-A495-657B108E5408}"/>
+      <thm15:themeFamily xmlns:thm15="http://schemas.microsoft.com/office/thememl/2012/main" name="ディスカッション用テンプレート.potx" id="{12A35EAA-6BC9-4F93-95E1-8BE386309242}" vid="{5CEE4BE6-EBAF-479F-A495-657B108E5408}"/>
     </a:ext>
   </a:extLst>
 </a:theme>

--- a/IntentionLearning_v2/slide/discussion2016.pptx
+++ b/IntentionLearning_v2/slide/discussion2016.pptx
@@ -5,7 +5,7 @@
     <p:sldMasterId id="2147483658" r:id="rId2"/>
   </p:sldMasterIdLst>
   <p:notesMasterIdLst>
-    <p:notesMasterId r:id="rId32"/>
+    <p:notesMasterId r:id="rId35"/>
   </p:notesMasterIdLst>
   <p:sldIdLst>
     <p:sldId id="256" r:id="rId3"/>
@@ -37,6 +37,9 @@
     <p:sldId id="289" r:id="rId29"/>
     <p:sldId id="290" r:id="rId30"/>
     <p:sldId id="291" r:id="rId31"/>
+    <p:sldId id="292" r:id="rId32"/>
+    <p:sldId id="294" r:id="rId33"/>
+    <p:sldId id="293" r:id="rId34"/>
   </p:sldIdLst>
   <p:sldSz cx="9144000" cy="6858000" type="screen4x3"/>
   <p:notesSz cx="6858000" cy="9144000"/>
@@ -307,11 +310,11 @@
           <c:showBubbleSize val="0"/>
         </c:dLbls>
         <c:smooth val="0"/>
-        <c:axId val="260517632"/>
-        <c:axId val="260518024"/>
+        <c:axId val="197150696"/>
+        <c:axId val="249848432"/>
       </c:lineChart>
       <c:catAx>
-        <c:axId val="260517632"/>
+        <c:axId val="197150696"/>
         <c:scaling>
           <c:orientation val="minMax"/>
         </c:scaling>
@@ -426,7 +429,7 @@
             <a:endParaRPr lang="ja-JP"/>
           </a:p>
         </c:txPr>
-        <c:crossAx val="260518024"/>
+        <c:crossAx val="249848432"/>
         <c:crosses val="autoZero"/>
         <c:auto val="1"/>
         <c:lblAlgn val="ctr"/>
@@ -434,7 +437,7 @@
         <c:noMultiLvlLbl val="0"/>
       </c:catAx>
       <c:valAx>
-        <c:axId val="260518024"/>
+        <c:axId val="249848432"/>
         <c:scaling>
           <c:orientation val="minMax"/>
         </c:scaling>
@@ -541,7 +544,7 @@
             <a:endParaRPr lang="ja-JP"/>
           </a:p>
         </c:txPr>
-        <c:crossAx val="260517632"/>
+        <c:crossAx val="197150696"/>
         <c:crosses val="autoZero"/>
         <c:crossBetween val="between"/>
       </c:valAx>
@@ -735,11 +738,11 @@
           <c:showBubbleSize val="0"/>
         </c:dLbls>
         <c:smooth val="0"/>
-        <c:axId val="261207952"/>
-        <c:axId val="261196584"/>
+        <c:axId val="249847256"/>
+        <c:axId val="249850000"/>
       </c:lineChart>
       <c:catAx>
-        <c:axId val="261207952"/>
+        <c:axId val="249847256"/>
         <c:scaling>
           <c:orientation val="minMax"/>
         </c:scaling>
@@ -781,7 +784,7 @@
             <a:endParaRPr lang="ja-JP"/>
           </a:p>
         </c:txPr>
-        <c:crossAx val="261196584"/>
+        <c:crossAx val="249850000"/>
         <c:crosses val="autoZero"/>
         <c:auto val="1"/>
         <c:lblAlgn val="ctr"/>
@@ -789,7 +792,7 @@
         <c:noMultiLvlLbl val="0"/>
       </c:catAx>
       <c:valAx>
-        <c:axId val="261196584"/>
+        <c:axId val="249850000"/>
         <c:scaling>
           <c:orientation val="minMax"/>
         </c:scaling>
@@ -840,7 +843,7 @@
             <a:endParaRPr lang="ja-JP"/>
           </a:p>
         </c:txPr>
-        <c:crossAx val="261207952"/>
+        <c:crossAx val="249847256"/>
         <c:crosses val="autoZero"/>
         <c:crossBetween val="between"/>
       </c:valAx>
@@ -1018,11 +1021,11 @@
           <c:showBubbleSize val="0"/>
         </c:dLbls>
         <c:smooth val="0"/>
-        <c:axId val="489501672"/>
-        <c:axId val="489499712"/>
+        <c:axId val="251008880"/>
+        <c:axId val="251004176"/>
       </c:lineChart>
       <c:catAx>
-        <c:axId val="489501672"/>
+        <c:axId val="251008880"/>
         <c:scaling>
           <c:orientation val="minMax"/>
         </c:scaling>
@@ -1064,7 +1067,7 @@
             <a:endParaRPr lang="ja-JP"/>
           </a:p>
         </c:txPr>
-        <c:crossAx val="489499712"/>
+        <c:crossAx val="251004176"/>
         <c:crosses val="autoZero"/>
         <c:auto val="1"/>
         <c:lblAlgn val="ctr"/>
@@ -1072,7 +1075,7 @@
         <c:noMultiLvlLbl val="0"/>
       </c:catAx>
       <c:valAx>
-        <c:axId val="489499712"/>
+        <c:axId val="251004176"/>
         <c:scaling>
           <c:orientation val="minMax"/>
         </c:scaling>
@@ -1123,7 +1126,7 @@
             <a:endParaRPr lang="ja-JP"/>
           </a:p>
         </c:txPr>
-        <c:crossAx val="489501672"/>
+        <c:crossAx val="251008880"/>
         <c:crosses val="autoZero"/>
         <c:crossBetween val="between"/>
       </c:valAx>
@@ -1307,11 +1310,11 @@
           <c:showBubbleSize val="0"/>
         </c:dLbls>
         <c:smooth val="0"/>
-        <c:axId val="357140888"/>
-        <c:axId val="357141280"/>
+        <c:axId val="251012016"/>
+        <c:axId val="251015544"/>
       </c:lineChart>
       <c:catAx>
-        <c:axId val="357140888"/>
+        <c:axId val="251012016"/>
         <c:scaling>
           <c:orientation val="minMax"/>
         </c:scaling>
@@ -1353,7 +1356,7 @@
             <a:endParaRPr lang="ja-JP"/>
           </a:p>
         </c:txPr>
-        <c:crossAx val="357141280"/>
+        <c:crossAx val="251015544"/>
         <c:crosses val="autoZero"/>
         <c:auto val="1"/>
         <c:lblAlgn val="ctr"/>
@@ -1361,7 +1364,7 @@
         <c:noMultiLvlLbl val="0"/>
       </c:catAx>
       <c:valAx>
-        <c:axId val="357141280"/>
+        <c:axId val="251015544"/>
         <c:scaling>
           <c:orientation val="minMax"/>
         </c:scaling>
@@ -1412,7 +1415,1995 @@
             <a:endParaRPr lang="ja-JP"/>
           </a:p>
         </c:txPr>
-        <c:crossAx val="357140888"/>
+        <c:crossAx val="251012016"/>
+        <c:crosses val="autoZero"/>
+        <c:crossBetween val="between"/>
+      </c:valAx>
+      <c:spPr>
+        <a:noFill/>
+        <a:ln>
+          <a:noFill/>
+        </a:ln>
+        <a:effectLst/>
+      </c:spPr>
+    </c:plotArea>
+    <c:plotVisOnly val="1"/>
+    <c:dispBlanksAs val="gap"/>
+    <c:showDLblsOverMax val="0"/>
+  </c:chart>
+  <c:spPr>
+    <a:noFill/>
+    <a:ln>
+      <a:noFill/>
+    </a:ln>
+    <a:effectLst/>
+  </c:spPr>
+  <c:txPr>
+    <a:bodyPr/>
+    <a:lstStyle/>
+    <a:p>
+      <a:pPr>
+        <a:defRPr/>
+      </a:pPr>
+      <a:endParaRPr lang="ja-JP"/>
+    </a:p>
+  </c:txPr>
+  <c:externalData r:id="rId3">
+    <c:autoUpdate val="0"/>
+  </c:externalData>
+</c:chartSpace>
+</file>
+
+<file path=ppt/charts/chart5.xml><?xml version="1.0" encoding="utf-8"?>
+<c:chartSpace xmlns:c="http://schemas.openxmlformats.org/drawingml/2006/chart" xmlns:a="http://schemas.openxmlformats.org/drawingml/2006/main" xmlns:r="http://schemas.openxmlformats.org/officeDocument/2006/relationships">
+  <c:date1904 val="0"/>
+  <c:lang val="ja-JP"/>
+  <c:roundedCorners val="0"/>
+  <mc:AlternateContent xmlns:mc="http://schemas.openxmlformats.org/markup-compatibility/2006">
+    <mc:Choice xmlns:c14="http://schemas.microsoft.com/office/drawing/2007/8/2/chart" Requires="c14">
+      <c14:style val="102"/>
+    </mc:Choice>
+    <mc:Fallback>
+      <c:style val="2"/>
+    </mc:Fallback>
+  </mc:AlternateContent>
+  <c:chart>
+    <c:autoTitleDeleted val="1"/>
+    <c:plotArea>
+      <c:layout/>
+      <c:lineChart>
+        <c:grouping val="standard"/>
+        <c:varyColors val="0"/>
+        <c:ser>
+          <c:idx val="0"/>
+          <c:order val="0"/>
+          <c:spPr>
+            <a:ln w="28575" cap="rnd">
+              <a:solidFill>
+                <a:schemeClr val="accent1"/>
+              </a:solidFill>
+              <a:round/>
+            </a:ln>
+            <a:effectLst/>
+          </c:spPr>
+          <c:marker>
+            <c:symbol val="none"/>
+          </c:marker>
+          <c:cat>
+            <c:numRef>
+              <c:f>Sheet1!$A$1:$A$30</c:f>
+              <c:numCache>
+                <c:formatCode>General</c:formatCode>
+                <c:ptCount val="30"/>
+                <c:pt idx="0">
+                  <c:v>10</c:v>
+                </c:pt>
+                <c:pt idx="1">
+                  <c:v>20</c:v>
+                </c:pt>
+                <c:pt idx="2">
+                  <c:v>30</c:v>
+                </c:pt>
+                <c:pt idx="3">
+                  <c:v>40</c:v>
+                </c:pt>
+                <c:pt idx="4">
+                  <c:v>50</c:v>
+                </c:pt>
+                <c:pt idx="5">
+                  <c:v>60</c:v>
+                </c:pt>
+                <c:pt idx="6">
+                  <c:v>70</c:v>
+                </c:pt>
+                <c:pt idx="7">
+                  <c:v>80</c:v>
+                </c:pt>
+                <c:pt idx="8">
+                  <c:v>90</c:v>
+                </c:pt>
+                <c:pt idx="9">
+                  <c:v>100</c:v>
+                </c:pt>
+                <c:pt idx="10">
+                  <c:v>110</c:v>
+                </c:pt>
+                <c:pt idx="11">
+                  <c:v>120</c:v>
+                </c:pt>
+                <c:pt idx="12">
+                  <c:v>130</c:v>
+                </c:pt>
+                <c:pt idx="13">
+                  <c:v>140</c:v>
+                </c:pt>
+                <c:pt idx="14">
+                  <c:v>150</c:v>
+                </c:pt>
+                <c:pt idx="15">
+                  <c:v>160</c:v>
+                </c:pt>
+                <c:pt idx="16">
+                  <c:v>170</c:v>
+                </c:pt>
+                <c:pt idx="17">
+                  <c:v>180</c:v>
+                </c:pt>
+                <c:pt idx="18">
+                  <c:v>190</c:v>
+                </c:pt>
+                <c:pt idx="19">
+                  <c:v>200</c:v>
+                </c:pt>
+                <c:pt idx="20">
+                  <c:v>210</c:v>
+                </c:pt>
+                <c:pt idx="21">
+                  <c:v>220</c:v>
+                </c:pt>
+                <c:pt idx="22">
+                  <c:v>230</c:v>
+                </c:pt>
+                <c:pt idx="23">
+                  <c:v>240</c:v>
+                </c:pt>
+                <c:pt idx="24">
+                  <c:v>250</c:v>
+                </c:pt>
+                <c:pt idx="25">
+                  <c:v>260</c:v>
+                </c:pt>
+                <c:pt idx="26">
+                  <c:v>270</c:v>
+                </c:pt>
+                <c:pt idx="27">
+                  <c:v>280</c:v>
+                </c:pt>
+                <c:pt idx="28">
+                  <c:v>290</c:v>
+                </c:pt>
+                <c:pt idx="29">
+                  <c:v>300</c:v>
+                </c:pt>
+              </c:numCache>
+            </c:numRef>
+          </c:cat>
+          <c:val>
+            <c:numRef>
+              <c:f>Sheet1!$B$1:$B$14</c:f>
+              <c:numCache>
+                <c:formatCode>General</c:formatCode>
+                <c:ptCount val="14"/>
+                <c:pt idx="0">
+                  <c:v>9.9808468180852508</c:v>
+                </c:pt>
+                <c:pt idx="1">
+                  <c:v>9.9999366757525294</c:v>
+                </c:pt>
+                <c:pt idx="2">
+                  <c:v>14.0948152441304</c:v>
+                </c:pt>
+                <c:pt idx="3">
+                  <c:v>18.018067664526502</c:v>
+                </c:pt>
+                <c:pt idx="4">
+                  <c:v>21.0525795342649</c:v>
+                </c:pt>
+                <c:pt idx="5">
+                  <c:v>21.892537046280498</c:v>
+                </c:pt>
+                <c:pt idx="6">
+                  <c:v>22.455551655025801</c:v>
+                </c:pt>
+                <c:pt idx="7">
+                  <c:v>21.811050395996102</c:v>
+                </c:pt>
+                <c:pt idx="8">
+                  <c:v>22.103694394480399</c:v>
+                </c:pt>
+                <c:pt idx="9">
+                  <c:v>23.546118332736199</c:v>
+                </c:pt>
+                <c:pt idx="10">
+                  <c:v>23.549818715737199</c:v>
+                </c:pt>
+                <c:pt idx="11">
+                  <c:v>23.192882368045701</c:v>
+                </c:pt>
+                <c:pt idx="12">
+                  <c:v>23.092586011193301</c:v>
+                </c:pt>
+                <c:pt idx="13">
+                  <c:v>23.143302893255498</c:v>
+                </c:pt>
+              </c:numCache>
+            </c:numRef>
+          </c:val>
+          <c:smooth val="0"/>
+        </c:ser>
+        <c:ser>
+          <c:idx val="1"/>
+          <c:order val="1"/>
+          <c:spPr>
+            <a:ln w="28575" cap="rnd">
+              <a:solidFill>
+                <a:schemeClr val="accent2"/>
+              </a:solidFill>
+              <a:round/>
+            </a:ln>
+            <a:effectLst/>
+          </c:spPr>
+          <c:marker>
+            <c:symbol val="none"/>
+          </c:marker>
+          <c:cat>
+            <c:numRef>
+              <c:f>Sheet1!$A$1:$A$30</c:f>
+              <c:numCache>
+                <c:formatCode>General</c:formatCode>
+                <c:ptCount val="30"/>
+                <c:pt idx="0">
+                  <c:v>10</c:v>
+                </c:pt>
+                <c:pt idx="1">
+                  <c:v>20</c:v>
+                </c:pt>
+                <c:pt idx="2">
+                  <c:v>30</c:v>
+                </c:pt>
+                <c:pt idx="3">
+                  <c:v>40</c:v>
+                </c:pt>
+                <c:pt idx="4">
+                  <c:v>50</c:v>
+                </c:pt>
+                <c:pt idx="5">
+                  <c:v>60</c:v>
+                </c:pt>
+                <c:pt idx="6">
+                  <c:v>70</c:v>
+                </c:pt>
+                <c:pt idx="7">
+                  <c:v>80</c:v>
+                </c:pt>
+                <c:pt idx="8">
+                  <c:v>90</c:v>
+                </c:pt>
+                <c:pt idx="9">
+                  <c:v>100</c:v>
+                </c:pt>
+                <c:pt idx="10">
+                  <c:v>110</c:v>
+                </c:pt>
+                <c:pt idx="11">
+                  <c:v>120</c:v>
+                </c:pt>
+                <c:pt idx="12">
+                  <c:v>130</c:v>
+                </c:pt>
+                <c:pt idx="13">
+                  <c:v>140</c:v>
+                </c:pt>
+                <c:pt idx="14">
+                  <c:v>150</c:v>
+                </c:pt>
+                <c:pt idx="15">
+                  <c:v>160</c:v>
+                </c:pt>
+                <c:pt idx="16">
+                  <c:v>170</c:v>
+                </c:pt>
+                <c:pt idx="17">
+                  <c:v>180</c:v>
+                </c:pt>
+                <c:pt idx="18">
+                  <c:v>190</c:v>
+                </c:pt>
+                <c:pt idx="19">
+                  <c:v>200</c:v>
+                </c:pt>
+                <c:pt idx="20">
+                  <c:v>210</c:v>
+                </c:pt>
+                <c:pt idx="21">
+                  <c:v>220</c:v>
+                </c:pt>
+                <c:pt idx="22">
+                  <c:v>230</c:v>
+                </c:pt>
+                <c:pt idx="23">
+                  <c:v>240</c:v>
+                </c:pt>
+                <c:pt idx="24">
+                  <c:v>250</c:v>
+                </c:pt>
+                <c:pt idx="25">
+                  <c:v>260</c:v>
+                </c:pt>
+                <c:pt idx="26">
+                  <c:v>270</c:v>
+                </c:pt>
+                <c:pt idx="27">
+                  <c:v>280</c:v>
+                </c:pt>
+                <c:pt idx="28">
+                  <c:v>290</c:v>
+                </c:pt>
+                <c:pt idx="29">
+                  <c:v>300</c:v>
+                </c:pt>
+              </c:numCache>
+            </c:numRef>
+          </c:cat>
+          <c:val>
+            <c:numRef>
+              <c:f>Sheet1!$C$1:$C$14</c:f>
+              <c:numCache>
+                <c:formatCode>General</c:formatCode>
+                <c:ptCount val="14"/>
+                <c:pt idx="0">
+                  <c:v>9.9642810013399501</c:v>
+                </c:pt>
+                <c:pt idx="1">
+                  <c:v>10.809221163857099</c:v>
+                </c:pt>
+                <c:pt idx="2">
+                  <c:v>15.385375641543501</c:v>
+                </c:pt>
+                <c:pt idx="3">
+                  <c:v>18.223711625508098</c:v>
+                </c:pt>
+                <c:pt idx="4">
+                  <c:v>18.0585486881035</c:v>
+                </c:pt>
+                <c:pt idx="5">
+                  <c:v>20.627102442644201</c:v>
+                </c:pt>
+                <c:pt idx="6">
+                  <c:v>21.130594410311001</c:v>
+                </c:pt>
+                <c:pt idx="7">
+                  <c:v>21.1848592820274</c:v>
+                </c:pt>
+                <c:pt idx="8">
+                  <c:v>21.587606847261899</c:v>
+                </c:pt>
+                <c:pt idx="9">
+                  <c:v>21.627895988500399</c:v>
+                </c:pt>
+                <c:pt idx="10">
+                  <c:v>22.548196035899601</c:v>
+                </c:pt>
+                <c:pt idx="11">
+                  <c:v>23.1196785246057</c:v>
+                </c:pt>
+                <c:pt idx="12">
+                  <c:v>23.155021457826201</c:v>
+                </c:pt>
+                <c:pt idx="13">
+                  <c:v>23.1379861501429</c:v>
+                </c:pt>
+              </c:numCache>
+            </c:numRef>
+          </c:val>
+          <c:smooth val="0"/>
+        </c:ser>
+        <c:ser>
+          <c:idx val="2"/>
+          <c:order val="2"/>
+          <c:spPr>
+            <a:ln w="28575" cap="rnd">
+              <a:solidFill>
+                <a:schemeClr val="accent3"/>
+              </a:solidFill>
+              <a:round/>
+            </a:ln>
+            <a:effectLst/>
+          </c:spPr>
+          <c:marker>
+            <c:symbol val="none"/>
+          </c:marker>
+          <c:cat>
+            <c:numRef>
+              <c:f>Sheet1!$A$1:$A$30</c:f>
+              <c:numCache>
+                <c:formatCode>General</c:formatCode>
+                <c:ptCount val="30"/>
+                <c:pt idx="0">
+                  <c:v>10</c:v>
+                </c:pt>
+                <c:pt idx="1">
+                  <c:v>20</c:v>
+                </c:pt>
+                <c:pt idx="2">
+                  <c:v>30</c:v>
+                </c:pt>
+                <c:pt idx="3">
+                  <c:v>40</c:v>
+                </c:pt>
+                <c:pt idx="4">
+                  <c:v>50</c:v>
+                </c:pt>
+                <c:pt idx="5">
+                  <c:v>60</c:v>
+                </c:pt>
+                <c:pt idx="6">
+                  <c:v>70</c:v>
+                </c:pt>
+                <c:pt idx="7">
+                  <c:v>80</c:v>
+                </c:pt>
+                <c:pt idx="8">
+                  <c:v>90</c:v>
+                </c:pt>
+                <c:pt idx="9">
+                  <c:v>100</c:v>
+                </c:pt>
+                <c:pt idx="10">
+                  <c:v>110</c:v>
+                </c:pt>
+                <c:pt idx="11">
+                  <c:v>120</c:v>
+                </c:pt>
+                <c:pt idx="12">
+                  <c:v>130</c:v>
+                </c:pt>
+                <c:pt idx="13">
+                  <c:v>140</c:v>
+                </c:pt>
+                <c:pt idx="14">
+                  <c:v>150</c:v>
+                </c:pt>
+                <c:pt idx="15">
+                  <c:v>160</c:v>
+                </c:pt>
+                <c:pt idx="16">
+                  <c:v>170</c:v>
+                </c:pt>
+                <c:pt idx="17">
+                  <c:v>180</c:v>
+                </c:pt>
+                <c:pt idx="18">
+                  <c:v>190</c:v>
+                </c:pt>
+                <c:pt idx="19">
+                  <c:v>200</c:v>
+                </c:pt>
+                <c:pt idx="20">
+                  <c:v>210</c:v>
+                </c:pt>
+                <c:pt idx="21">
+                  <c:v>220</c:v>
+                </c:pt>
+                <c:pt idx="22">
+                  <c:v>230</c:v>
+                </c:pt>
+                <c:pt idx="23">
+                  <c:v>240</c:v>
+                </c:pt>
+                <c:pt idx="24">
+                  <c:v>250</c:v>
+                </c:pt>
+                <c:pt idx="25">
+                  <c:v>260</c:v>
+                </c:pt>
+                <c:pt idx="26">
+                  <c:v>270</c:v>
+                </c:pt>
+                <c:pt idx="27">
+                  <c:v>280</c:v>
+                </c:pt>
+                <c:pt idx="28">
+                  <c:v>290</c:v>
+                </c:pt>
+                <c:pt idx="29">
+                  <c:v>300</c:v>
+                </c:pt>
+              </c:numCache>
+            </c:numRef>
+          </c:cat>
+          <c:val>
+            <c:numRef>
+              <c:f>Sheet1!$D$1:$D$14</c:f>
+              <c:numCache>
+                <c:formatCode>General</c:formatCode>
+                <c:ptCount val="14"/>
+                <c:pt idx="0">
+                  <c:v>8907.4412717013201</c:v>
+                </c:pt>
+                <c:pt idx="1">
+                  <c:v>1340.4845676140801</c:v>
+                </c:pt>
+                <c:pt idx="2">
+                  <c:v>635.77784343089695</c:v>
+                </c:pt>
+                <c:pt idx="3">
+                  <c:v>69.078327358568004</c:v>
+                </c:pt>
+                <c:pt idx="4">
+                  <c:v>358.07092968542401</c:v>
+                </c:pt>
+                <c:pt idx="5">
+                  <c:v>21.850893644150599</c:v>
+                </c:pt>
+                <c:pt idx="6">
+                  <c:v>22.2624353809505</c:v>
+                </c:pt>
+                <c:pt idx="7">
+                  <c:v>23.260011934432502</c:v>
+                </c:pt>
+                <c:pt idx="8">
+                  <c:v>23.388065766633201</c:v>
+                </c:pt>
+                <c:pt idx="9">
+                  <c:v>23.573731078826398</c:v>
+                </c:pt>
+                <c:pt idx="10">
+                  <c:v>24.221544496856499</c:v>
+                </c:pt>
+                <c:pt idx="11">
+                  <c:v>24.941289186497698</c:v>
+                </c:pt>
+                <c:pt idx="12">
+                  <c:v>24.4577880119928</c:v>
+                </c:pt>
+                <c:pt idx="13">
+                  <c:v>24.9203227450793</c:v>
+                </c:pt>
+              </c:numCache>
+            </c:numRef>
+          </c:val>
+          <c:smooth val="0"/>
+        </c:ser>
+        <c:ser>
+          <c:idx val="3"/>
+          <c:order val="3"/>
+          <c:spPr>
+            <a:ln w="28575" cap="rnd">
+              <a:solidFill>
+                <a:schemeClr val="accent4"/>
+              </a:solidFill>
+              <a:round/>
+            </a:ln>
+            <a:effectLst/>
+          </c:spPr>
+          <c:marker>
+            <c:symbol val="none"/>
+          </c:marker>
+          <c:cat>
+            <c:numRef>
+              <c:f>Sheet1!$A$1:$A$30</c:f>
+              <c:numCache>
+                <c:formatCode>General</c:formatCode>
+                <c:ptCount val="30"/>
+                <c:pt idx="0">
+                  <c:v>10</c:v>
+                </c:pt>
+                <c:pt idx="1">
+                  <c:v>20</c:v>
+                </c:pt>
+                <c:pt idx="2">
+                  <c:v>30</c:v>
+                </c:pt>
+                <c:pt idx="3">
+                  <c:v>40</c:v>
+                </c:pt>
+                <c:pt idx="4">
+                  <c:v>50</c:v>
+                </c:pt>
+                <c:pt idx="5">
+                  <c:v>60</c:v>
+                </c:pt>
+                <c:pt idx="6">
+                  <c:v>70</c:v>
+                </c:pt>
+                <c:pt idx="7">
+                  <c:v>80</c:v>
+                </c:pt>
+                <c:pt idx="8">
+                  <c:v>90</c:v>
+                </c:pt>
+                <c:pt idx="9">
+                  <c:v>100</c:v>
+                </c:pt>
+                <c:pt idx="10">
+                  <c:v>110</c:v>
+                </c:pt>
+                <c:pt idx="11">
+                  <c:v>120</c:v>
+                </c:pt>
+                <c:pt idx="12">
+                  <c:v>130</c:v>
+                </c:pt>
+                <c:pt idx="13">
+                  <c:v>140</c:v>
+                </c:pt>
+                <c:pt idx="14">
+                  <c:v>150</c:v>
+                </c:pt>
+                <c:pt idx="15">
+                  <c:v>160</c:v>
+                </c:pt>
+                <c:pt idx="16">
+                  <c:v>170</c:v>
+                </c:pt>
+                <c:pt idx="17">
+                  <c:v>180</c:v>
+                </c:pt>
+                <c:pt idx="18">
+                  <c:v>190</c:v>
+                </c:pt>
+                <c:pt idx="19">
+                  <c:v>200</c:v>
+                </c:pt>
+                <c:pt idx="20">
+                  <c:v>210</c:v>
+                </c:pt>
+                <c:pt idx="21">
+                  <c:v>220</c:v>
+                </c:pt>
+                <c:pt idx="22">
+                  <c:v>230</c:v>
+                </c:pt>
+                <c:pt idx="23">
+                  <c:v>240</c:v>
+                </c:pt>
+                <c:pt idx="24">
+                  <c:v>250</c:v>
+                </c:pt>
+                <c:pt idx="25">
+                  <c:v>260</c:v>
+                </c:pt>
+                <c:pt idx="26">
+                  <c:v>270</c:v>
+                </c:pt>
+                <c:pt idx="27">
+                  <c:v>280</c:v>
+                </c:pt>
+                <c:pt idx="28">
+                  <c:v>290</c:v>
+                </c:pt>
+                <c:pt idx="29">
+                  <c:v>300</c:v>
+                </c:pt>
+              </c:numCache>
+            </c:numRef>
+          </c:cat>
+          <c:val>
+            <c:numRef>
+              <c:f>Sheet1!$E$1:$E$14</c:f>
+              <c:numCache>
+                <c:formatCode>General</c:formatCode>
+                <c:ptCount val="14"/>
+                <c:pt idx="0">
+                  <c:v>5705.1488057880997</c:v>
+                </c:pt>
+                <c:pt idx="1">
+                  <c:v>1077.62578942962</c:v>
+                </c:pt>
+                <c:pt idx="2">
+                  <c:v>75.420769308324296</c:v>
+                </c:pt>
+                <c:pt idx="3">
+                  <c:v>18.891066442678099</c:v>
+                </c:pt>
+                <c:pt idx="4">
+                  <c:v>19.6332175364109</c:v>
+                </c:pt>
+                <c:pt idx="5">
+                  <c:v>19.007316044773699</c:v>
+                </c:pt>
+                <c:pt idx="6">
+                  <c:v>20.543056344725699</c:v>
+                </c:pt>
+                <c:pt idx="7">
+                  <c:v>19.4936641078741</c:v>
+                </c:pt>
+                <c:pt idx="8">
+                  <c:v>19.739175148677901</c:v>
+                </c:pt>
+                <c:pt idx="9">
+                  <c:v>19.453302901449302</c:v>
+                </c:pt>
+                <c:pt idx="10">
+                  <c:v>20.749603764755999</c:v>
+                </c:pt>
+                <c:pt idx="11">
+                  <c:v>21.137696221047701</c:v>
+                </c:pt>
+                <c:pt idx="12">
+                  <c:v>21.034581314535298</c:v>
+                </c:pt>
+                <c:pt idx="13">
+                  <c:v>21.041929739568801</c:v>
+                </c:pt>
+              </c:numCache>
+            </c:numRef>
+          </c:val>
+          <c:smooth val="0"/>
+        </c:ser>
+        <c:ser>
+          <c:idx val="4"/>
+          <c:order val="4"/>
+          <c:spPr>
+            <a:ln w="28575" cap="rnd">
+              <a:solidFill>
+                <a:schemeClr val="accent5"/>
+              </a:solidFill>
+              <a:round/>
+            </a:ln>
+            <a:effectLst/>
+          </c:spPr>
+          <c:marker>
+            <c:symbol val="none"/>
+          </c:marker>
+          <c:cat>
+            <c:numRef>
+              <c:f>Sheet1!$A$1:$A$30</c:f>
+              <c:numCache>
+                <c:formatCode>General</c:formatCode>
+                <c:ptCount val="30"/>
+                <c:pt idx="0">
+                  <c:v>10</c:v>
+                </c:pt>
+                <c:pt idx="1">
+                  <c:v>20</c:v>
+                </c:pt>
+                <c:pt idx="2">
+                  <c:v>30</c:v>
+                </c:pt>
+                <c:pt idx="3">
+                  <c:v>40</c:v>
+                </c:pt>
+                <c:pt idx="4">
+                  <c:v>50</c:v>
+                </c:pt>
+                <c:pt idx="5">
+                  <c:v>60</c:v>
+                </c:pt>
+                <c:pt idx="6">
+                  <c:v>70</c:v>
+                </c:pt>
+                <c:pt idx="7">
+                  <c:v>80</c:v>
+                </c:pt>
+                <c:pt idx="8">
+                  <c:v>90</c:v>
+                </c:pt>
+                <c:pt idx="9">
+                  <c:v>100</c:v>
+                </c:pt>
+                <c:pt idx="10">
+                  <c:v>110</c:v>
+                </c:pt>
+                <c:pt idx="11">
+                  <c:v>120</c:v>
+                </c:pt>
+                <c:pt idx="12">
+                  <c:v>130</c:v>
+                </c:pt>
+                <c:pt idx="13">
+                  <c:v>140</c:v>
+                </c:pt>
+                <c:pt idx="14">
+                  <c:v>150</c:v>
+                </c:pt>
+                <c:pt idx="15">
+                  <c:v>160</c:v>
+                </c:pt>
+                <c:pt idx="16">
+                  <c:v>170</c:v>
+                </c:pt>
+                <c:pt idx="17">
+                  <c:v>180</c:v>
+                </c:pt>
+                <c:pt idx="18">
+                  <c:v>190</c:v>
+                </c:pt>
+                <c:pt idx="19">
+                  <c:v>200</c:v>
+                </c:pt>
+                <c:pt idx="20">
+                  <c:v>210</c:v>
+                </c:pt>
+                <c:pt idx="21">
+                  <c:v>220</c:v>
+                </c:pt>
+                <c:pt idx="22">
+                  <c:v>230</c:v>
+                </c:pt>
+                <c:pt idx="23">
+                  <c:v>240</c:v>
+                </c:pt>
+                <c:pt idx="24">
+                  <c:v>250</c:v>
+                </c:pt>
+                <c:pt idx="25">
+                  <c:v>260</c:v>
+                </c:pt>
+                <c:pt idx="26">
+                  <c:v>270</c:v>
+                </c:pt>
+                <c:pt idx="27">
+                  <c:v>280</c:v>
+                </c:pt>
+                <c:pt idx="28">
+                  <c:v>290</c:v>
+                </c:pt>
+                <c:pt idx="29">
+                  <c:v>300</c:v>
+                </c:pt>
+              </c:numCache>
+            </c:numRef>
+          </c:cat>
+          <c:val>
+            <c:numRef>
+              <c:f>Sheet1!$F$1:$F$14</c:f>
+              <c:numCache>
+                <c:formatCode>General</c:formatCode>
+                <c:ptCount val="14"/>
+                <c:pt idx="0">
+                  <c:v>5969.7989331575</c:v>
+                </c:pt>
+                <c:pt idx="1">
+                  <c:v>3728.4560284415902</c:v>
+                </c:pt>
+                <c:pt idx="2">
+                  <c:v>109.105581796672</c:v>
+                </c:pt>
+                <c:pt idx="3">
+                  <c:v>16.710466399850201</c:v>
+                </c:pt>
+                <c:pt idx="4">
+                  <c:v>16.437684944980202</c:v>
+                </c:pt>
+                <c:pt idx="5">
+                  <c:v>19.005861145226699</c:v>
+                </c:pt>
+                <c:pt idx="6">
+                  <c:v>18.955100651083701</c:v>
+                </c:pt>
+                <c:pt idx="7">
+                  <c:v>19.924555729279898</c:v>
+                </c:pt>
+                <c:pt idx="8">
+                  <c:v>19.927204008161201</c:v>
+                </c:pt>
+                <c:pt idx="9">
+                  <c:v>20.411961416194099</c:v>
+                </c:pt>
+                <c:pt idx="10">
+                  <c:v>20.892028769513502</c:v>
+                </c:pt>
+                <c:pt idx="11">
+                  <c:v>21.611219833379501</c:v>
+                </c:pt>
+                <c:pt idx="12">
+                  <c:v>21.229242067293399</c:v>
+                </c:pt>
+                <c:pt idx="13">
+                  <c:v>21.128746105360801</c:v>
+                </c:pt>
+              </c:numCache>
+            </c:numRef>
+          </c:val>
+          <c:smooth val="0"/>
+        </c:ser>
+        <c:dLbls>
+          <c:showLegendKey val="0"/>
+          <c:showVal val="0"/>
+          <c:showCatName val="0"/>
+          <c:showSerName val="0"/>
+          <c:showPercent val="0"/>
+          <c:showBubbleSize val="0"/>
+        </c:dLbls>
+        <c:smooth val="0"/>
+        <c:axId val="335533632"/>
+        <c:axId val="335537944"/>
+      </c:lineChart>
+      <c:catAx>
+        <c:axId val="335533632"/>
+        <c:scaling>
+          <c:orientation val="minMax"/>
+        </c:scaling>
+        <c:delete val="0"/>
+        <c:axPos val="b"/>
+        <c:numFmt formatCode="General" sourceLinked="1"/>
+        <c:majorTickMark val="none"/>
+        <c:minorTickMark val="none"/>
+        <c:tickLblPos val="nextTo"/>
+        <c:spPr>
+          <a:noFill/>
+          <a:ln w="9525" cap="flat" cmpd="sng" algn="ctr">
+            <a:solidFill>
+              <a:schemeClr val="tx1">
+                <a:lumMod val="15000"/>
+                <a:lumOff val="85000"/>
+              </a:schemeClr>
+            </a:solidFill>
+            <a:round/>
+          </a:ln>
+          <a:effectLst/>
+        </c:spPr>
+        <c:txPr>
+          <a:bodyPr rot="-60000000" spcFirstLastPara="1" vertOverflow="ellipsis" vert="horz" wrap="square" anchor="ctr" anchorCtr="1"/>
+          <a:lstStyle/>
+          <a:p>
+            <a:pPr>
+              <a:defRPr sz="900" b="0" i="0" u="none" strike="noStrike" kern="1200" baseline="0">
+                <a:solidFill>
+                  <a:schemeClr val="tx1">
+                    <a:lumMod val="65000"/>
+                    <a:lumOff val="35000"/>
+                  </a:schemeClr>
+                </a:solidFill>
+                <a:latin typeface="+mn-lt"/>
+                <a:ea typeface="+mn-ea"/>
+                <a:cs typeface="+mn-cs"/>
+              </a:defRPr>
+            </a:pPr>
+            <a:endParaRPr lang="ja-JP"/>
+          </a:p>
+        </c:txPr>
+        <c:crossAx val="335537944"/>
+        <c:crosses val="autoZero"/>
+        <c:auto val="1"/>
+        <c:lblAlgn val="ctr"/>
+        <c:lblOffset val="100"/>
+        <c:noMultiLvlLbl val="0"/>
+      </c:catAx>
+      <c:valAx>
+        <c:axId val="335537944"/>
+        <c:scaling>
+          <c:orientation val="minMax"/>
+        </c:scaling>
+        <c:delete val="0"/>
+        <c:axPos val="l"/>
+        <c:majorGridlines>
+          <c:spPr>
+            <a:ln w="9525" cap="flat" cmpd="sng" algn="ctr">
+              <a:solidFill>
+                <a:schemeClr val="tx1">
+                  <a:lumMod val="15000"/>
+                  <a:lumOff val="85000"/>
+                </a:schemeClr>
+              </a:solidFill>
+              <a:round/>
+            </a:ln>
+            <a:effectLst/>
+          </c:spPr>
+        </c:majorGridlines>
+        <c:numFmt formatCode="General" sourceLinked="1"/>
+        <c:majorTickMark val="none"/>
+        <c:minorTickMark val="none"/>
+        <c:tickLblPos val="nextTo"/>
+        <c:spPr>
+          <a:noFill/>
+          <a:ln>
+            <a:noFill/>
+          </a:ln>
+          <a:effectLst/>
+        </c:spPr>
+        <c:txPr>
+          <a:bodyPr rot="-60000000" spcFirstLastPara="1" vertOverflow="ellipsis" vert="horz" wrap="square" anchor="ctr" anchorCtr="1"/>
+          <a:lstStyle/>
+          <a:p>
+            <a:pPr>
+              <a:defRPr sz="900" b="0" i="0" u="none" strike="noStrike" kern="1200" baseline="0">
+                <a:solidFill>
+                  <a:schemeClr val="tx1">
+                    <a:lumMod val="65000"/>
+                    <a:lumOff val="35000"/>
+                  </a:schemeClr>
+                </a:solidFill>
+                <a:latin typeface="+mn-lt"/>
+                <a:ea typeface="+mn-ea"/>
+                <a:cs typeface="+mn-cs"/>
+              </a:defRPr>
+            </a:pPr>
+            <a:endParaRPr lang="ja-JP"/>
+          </a:p>
+        </c:txPr>
+        <c:crossAx val="335533632"/>
+        <c:crosses val="autoZero"/>
+        <c:crossBetween val="between"/>
+      </c:valAx>
+      <c:spPr>
+        <a:noFill/>
+        <a:ln>
+          <a:noFill/>
+        </a:ln>
+        <a:effectLst/>
+      </c:spPr>
+    </c:plotArea>
+    <c:plotVisOnly val="1"/>
+    <c:dispBlanksAs val="gap"/>
+    <c:showDLblsOverMax val="0"/>
+  </c:chart>
+  <c:spPr>
+    <a:noFill/>
+    <a:ln>
+      <a:noFill/>
+    </a:ln>
+    <a:effectLst/>
+  </c:spPr>
+  <c:txPr>
+    <a:bodyPr/>
+    <a:lstStyle/>
+    <a:p>
+      <a:pPr>
+        <a:defRPr/>
+      </a:pPr>
+      <a:endParaRPr lang="ja-JP"/>
+    </a:p>
+  </c:txPr>
+  <c:externalData r:id="rId3">
+    <c:autoUpdate val="0"/>
+  </c:externalData>
+</c:chartSpace>
+</file>
+
+<file path=ppt/charts/chart6.xml><?xml version="1.0" encoding="utf-8"?>
+<c:chartSpace xmlns:c="http://schemas.openxmlformats.org/drawingml/2006/chart" xmlns:a="http://schemas.openxmlformats.org/drawingml/2006/main" xmlns:r="http://schemas.openxmlformats.org/officeDocument/2006/relationships">
+  <c:date1904 val="0"/>
+  <c:lang val="ja-JP"/>
+  <c:roundedCorners val="0"/>
+  <mc:AlternateContent xmlns:mc="http://schemas.openxmlformats.org/markup-compatibility/2006">
+    <mc:Choice xmlns:c14="http://schemas.microsoft.com/office/drawing/2007/8/2/chart" Requires="c14">
+      <c14:style val="102"/>
+    </mc:Choice>
+    <mc:Fallback>
+      <c:style val="2"/>
+    </mc:Fallback>
+  </mc:AlternateContent>
+  <c:chart>
+    <c:autoTitleDeleted val="1"/>
+    <c:plotArea>
+      <c:layout/>
+      <c:lineChart>
+        <c:grouping val="standard"/>
+        <c:varyColors val="0"/>
+        <c:ser>
+          <c:idx val="0"/>
+          <c:order val="0"/>
+          <c:spPr>
+            <a:ln w="28575" cap="rnd">
+              <a:solidFill>
+                <a:schemeClr val="accent1"/>
+              </a:solidFill>
+              <a:round/>
+            </a:ln>
+            <a:effectLst/>
+          </c:spPr>
+          <c:marker>
+            <c:symbol val="none"/>
+          </c:marker>
+          <c:cat>
+            <c:numRef>
+              <c:f>Sheet1!$A$2:$A$30</c:f>
+              <c:numCache>
+                <c:formatCode>General</c:formatCode>
+                <c:ptCount val="29"/>
+                <c:pt idx="0">
+                  <c:v>20</c:v>
+                </c:pt>
+                <c:pt idx="1">
+                  <c:v>30</c:v>
+                </c:pt>
+                <c:pt idx="2">
+                  <c:v>40</c:v>
+                </c:pt>
+                <c:pt idx="3">
+                  <c:v>50</c:v>
+                </c:pt>
+                <c:pt idx="4">
+                  <c:v>60</c:v>
+                </c:pt>
+                <c:pt idx="5">
+                  <c:v>70</c:v>
+                </c:pt>
+                <c:pt idx="6">
+                  <c:v>80</c:v>
+                </c:pt>
+                <c:pt idx="7">
+                  <c:v>90</c:v>
+                </c:pt>
+                <c:pt idx="8">
+                  <c:v>100</c:v>
+                </c:pt>
+                <c:pt idx="9">
+                  <c:v>110</c:v>
+                </c:pt>
+                <c:pt idx="10">
+                  <c:v>120</c:v>
+                </c:pt>
+                <c:pt idx="11">
+                  <c:v>130</c:v>
+                </c:pt>
+                <c:pt idx="12">
+                  <c:v>140</c:v>
+                </c:pt>
+                <c:pt idx="13">
+                  <c:v>150</c:v>
+                </c:pt>
+                <c:pt idx="14">
+                  <c:v>160</c:v>
+                </c:pt>
+                <c:pt idx="15">
+                  <c:v>170</c:v>
+                </c:pt>
+                <c:pt idx="16">
+                  <c:v>180</c:v>
+                </c:pt>
+                <c:pt idx="17">
+                  <c:v>190</c:v>
+                </c:pt>
+                <c:pt idx="18">
+                  <c:v>200</c:v>
+                </c:pt>
+                <c:pt idx="19">
+                  <c:v>210</c:v>
+                </c:pt>
+                <c:pt idx="20">
+                  <c:v>220</c:v>
+                </c:pt>
+                <c:pt idx="21">
+                  <c:v>230</c:v>
+                </c:pt>
+                <c:pt idx="22">
+                  <c:v>240</c:v>
+                </c:pt>
+                <c:pt idx="23">
+                  <c:v>250</c:v>
+                </c:pt>
+                <c:pt idx="24">
+                  <c:v>260</c:v>
+                </c:pt>
+                <c:pt idx="25">
+                  <c:v>270</c:v>
+                </c:pt>
+                <c:pt idx="26">
+                  <c:v>280</c:v>
+                </c:pt>
+                <c:pt idx="27">
+                  <c:v>290</c:v>
+                </c:pt>
+                <c:pt idx="28">
+                  <c:v>300</c:v>
+                </c:pt>
+              </c:numCache>
+            </c:numRef>
+          </c:cat>
+          <c:val>
+            <c:numRef>
+              <c:f>Sheet1!$B$2:$B$14</c:f>
+              <c:numCache>
+                <c:formatCode>General</c:formatCode>
+                <c:ptCount val="13"/>
+                <c:pt idx="0">
+                  <c:v>9.9999366757525294</c:v>
+                </c:pt>
+                <c:pt idx="1">
+                  <c:v>14.0948152441304</c:v>
+                </c:pt>
+                <c:pt idx="2">
+                  <c:v>18.018067664526502</c:v>
+                </c:pt>
+                <c:pt idx="3">
+                  <c:v>21.0525795342649</c:v>
+                </c:pt>
+                <c:pt idx="4">
+                  <c:v>21.892537046280498</c:v>
+                </c:pt>
+                <c:pt idx="5">
+                  <c:v>22.455551655025801</c:v>
+                </c:pt>
+                <c:pt idx="6">
+                  <c:v>21.811050395996102</c:v>
+                </c:pt>
+                <c:pt idx="7">
+                  <c:v>22.103694394480399</c:v>
+                </c:pt>
+                <c:pt idx="8">
+                  <c:v>23.546118332736199</c:v>
+                </c:pt>
+                <c:pt idx="9">
+                  <c:v>23.549818715737199</c:v>
+                </c:pt>
+                <c:pt idx="10">
+                  <c:v>23.192882368045701</c:v>
+                </c:pt>
+                <c:pt idx="11">
+                  <c:v>23.092586011193301</c:v>
+                </c:pt>
+                <c:pt idx="12">
+                  <c:v>23.143302893255498</c:v>
+                </c:pt>
+              </c:numCache>
+            </c:numRef>
+          </c:val>
+          <c:smooth val="0"/>
+        </c:ser>
+        <c:ser>
+          <c:idx val="1"/>
+          <c:order val="1"/>
+          <c:spPr>
+            <a:ln w="28575" cap="rnd">
+              <a:solidFill>
+                <a:schemeClr val="accent2"/>
+              </a:solidFill>
+              <a:round/>
+            </a:ln>
+            <a:effectLst/>
+          </c:spPr>
+          <c:marker>
+            <c:symbol val="none"/>
+          </c:marker>
+          <c:cat>
+            <c:numRef>
+              <c:f>Sheet1!$A$2:$A$30</c:f>
+              <c:numCache>
+                <c:formatCode>General</c:formatCode>
+                <c:ptCount val="29"/>
+                <c:pt idx="0">
+                  <c:v>20</c:v>
+                </c:pt>
+                <c:pt idx="1">
+                  <c:v>30</c:v>
+                </c:pt>
+                <c:pt idx="2">
+                  <c:v>40</c:v>
+                </c:pt>
+                <c:pt idx="3">
+                  <c:v>50</c:v>
+                </c:pt>
+                <c:pt idx="4">
+                  <c:v>60</c:v>
+                </c:pt>
+                <c:pt idx="5">
+                  <c:v>70</c:v>
+                </c:pt>
+                <c:pt idx="6">
+                  <c:v>80</c:v>
+                </c:pt>
+                <c:pt idx="7">
+                  <c:v>90</c:v>
+                </c:pt>
+                <c:pt idx="8">
+                  <c:v>100</c:v>
+                </c:pt>
+                <c:pt idx="9">
+                  <c:v>110</c:v>
+                </c:pt>
+                <c:pt idx="10">
+                  <c:v>120</c:v>
+                </c:pt>
+                <c:pt idx="11">
+                  <c:v>130</c:v>
+                </c:pt>
+                <c:pt idx="12">
+                  <c:v>140</c:v>
+                </c:pt>
+                <c:pt idx="13">
+                  <c:v>150</c:v>
+                </c:pt>
+                <c:pt idx="14">
+                  <c:v>160</c:v>
+                </c:pt>
+                <c:pt idx="15">
+                  <c:v>170</c:v>
+                </c:pt>
+                <c:pt idx="16">
+                  <c:v>180</c:v>
+                </c:pt>
+                <c:pt idx="17">
+                  <c:v>190</c:v>
+                </c:pt>
+                <c:pt idx="18">
+                  <c:v>200</c:v>
+                </c:pt>
+                <c:pt idx="19">
+                  <c:v>210</c:v>
+                </c:pt>
+                <c:pt idx="20">
+                  <c:v>220</c:v>
+                </c:pt>
+                <c:pt idx="21">
+                  <c:v>230</c:v>
+                </c:pt>
+                <c:pt idx="22">
+                  <c:v>240</c:v>
+                </c:pt>
+                <c:pt idx="23">
+                  <c:v>250</c:v>
+                </c:pt>
+                <c:pt idx="24">
+                  <c:v>260</c:v>
+                </c:pt>
+                <c:pt idx="25">
+                  <c:v>270</c:v>
+                </c:pt>
+                <c:pt idx="26">
+                  <c:v>280</c:v>
+                </c:pt>
+                <c:pt idx="27">
+                  <c:v>290</c:v>
+                </c:pt>
+                <c:pt idx="28">
+                  <c:v>300</c:v>
+                </c:pt>
+              </c:numCache>
+            </c:numRef>
+          </c:cat>
+          <c:val>
+            <c:numRef>
+              <c:f>Sheet1!$C$2:$C$14</c:f>
+              <c:numCache>
+                <c:formatCode>General</c:formatCode>
+                <c:ptCount val="13"/>
+                <c:pt idx="0">
+                  <c:v>10.809221163857099</c:v>
+                </c:pt>
+                <c:pt idx="1">
+                  <c:v>15.385375641543501</c:v>
+                </c:pt>
+                <c:pt idx="2">
+                  <c:v>18.223711625508098</c:v>
+                </c:pt>
+                <c:pt idx="3">
+                  <c:v>18.0585486881035</c:v>
+                </c:pt>
+                <c:pt idx="4">
+                  <c:v>20.627102442644201</c:v>
+                </c:pt>
+                <c:pt idx="5">
+                  <c:v>21.130594410311001</c:v>
+                </c:pt>
+                <c:pt idx="6">
+                  <c:v>21.1848592820274</c:v>
+                </c:pt>
+                <c:pt idx="7">
+                  <c:v>21.587606847261899</c:v>
+                </c:pt>
+                <c:pt idx="8">
+                  <c:v>21.627895988500399</c:v>
+                </c:pt>
+                <c:pt idx="9">
+                  <c:v>22.548196035899601</c:v>
+                </c:pt>
+                <c:pt idx="10">
+                  <c:v>23.1196785246057</c:v>
+                </c:pt>
+                <c:pt idx="11">
+                  <c:v>23.155021457826201</c:v>
+                </c:pt>
+                <c:pt idx="12">
+                  <c:v>23.1379861501429</c:v>
+                </c:pt>
+              </c:numCache>
+            </c:numRef>
+          </c:val>
+          <c:smooth val="0"/>
+        </c:ser>
+        <c:ser>
+          <c:idx val="2"/>
+          <c:order val="2"/>
+          <c:spPr>
+            <a:ln w="28575" cap="rnd">
+              <a:solidFill>
+                <a:schemeClr val="accent3"/>
+              </a:solidFill>
+              <a:round/>
+            </a:ln>
+            <a:effectLst/>
+          </c:spPr>
+          <c:marker>
+            <c:symbol val="none"/>
+          </c:marker>
+          <c:cat>
+            <c:numRef>
+              <c:f>Sheet1!$A$2:$A$30</c:f>
+              <c:numCache>
+                <c:formatCode>General</c:formatCode>
+                <c:ptCount val="29"/>
+                <c:pt idx="0">
+                  <c:v>20</c:v>
+                </c:pt>
+                <c:pt idx="1">
+                  <c:v>30</c:v>
+                </c:pt>
+                <c:pt idx="2">
+                  <c:v>40</c:v>
+                </c:pt>
+                <c:pt idx="3">
+                  <c:v>50</c:v>
+                </c:pt>
+                <c:pt idx="4">
+                  <c:v>60</c:v>
+                </c:pt>
+                <c:pt idx="5">
+                  <c:v>70</c:v>
+                </c:pt>
+                <c:pt idx="6">
+                  <c:v>80</c:v>
+                </c:pt>
+                <c:pt idx="7">
+                  <c:v>90</c:v>
+                </c:pt>
+                <c:pt idx="8">
+                  <c:v>100</c:v>
+                </c:pt>
+                <c:pt idx="9">
+                  <c:v>110</c:v>
+                </c:pt>
+                <c:pt idx="10">
+                  <c:v>120</c:v>
+                </c:pt>
+                <c:pt idx="11">
+                  <c:v>130</c:v>
+                </c:pt>
+                <c:pt idx="12">
+                  <c:v>140</c:v>
+                </c:pt>
+                <c:pt idx="13">
+                  <c:v>150</c:v>
+                </c:pt>
+                <c:pt idx="14">
+                  <c:v>160</c:v>
+                </c:pt>
+                <c:pt idx="15">
+                  <c:v>170</c:v>
+                </c:pt>
+                <c:pt idx="16">
+                  <c:v>180</c:v>
+                </c:pt>
+                <c:pt idx="17">
+                  <c:v>190</c:v>
+                </c:pt>
+                <c:pt idx="18">
+                  <c:v>200</c:v>
+                </c:pt>
+                <c:pt idx="19">
+                  <c:v>210</c:v>
+                </c:pt>
+                <c:pt idx="20">
+                  <c:v>220</c:v>
+                </c:pt>
+                <c:pt idx="21">
+                  <c:v>230</c:v>
+                </c:pt>
+                <c:pt idx="22">
+                  <c:v>240</c:v>
+                </c:pt>
+                <c:pt idx="23">
+                  <c:v>250</c:v>
+                </c:pt>
+                <c:pt idx="24">
+                  <c:v>260</c:v>
+                </c:pt>
+                <c:pt idx="25">
+                  <c:v>270</c:v>
+                </c:pt>
+                <c:pt idx="26">
+                  <c:v>280</c:v>
+                </c:pt>
+                <c:pt idx="27">
+                  <c:v>290</c:v>
+                </c:pt>
+                <c:pt idx="28">
+                  <c:v>300</c:v>
+                </c:pt>
+              </c:numCache>
+            </c:numRef>
+          </c:cat>
+          <c:val>
+            <c:numRef>
+              <c:f>Sheet1!$D$2:$D$14</c:f>
+              <c:numCache>
+                <c:formatCode>General</c:formatCode>
+                <c:ptCount val="13"/>
+                <c:pt idx="0">
+                  <c:v>1340.4845676140801</c:v>
+                </c:pt>
+                <c:pt idx="1">
+                  <c:v>635.77784343089695</c:v>
+                </c:pt>
+                <c:pt idx="2">
+                  <c:v>69.078327358568004</c:v>
+                </c:pt>
+                <c:pt idx="3">
+                  <c:v>358.07092968542401</c:v>
+                </c:pt>
+                <c:pt idx="4">
+                  <c:v>21.850893644150599</c:v>
+                </c:pt>
+                <c:pt idx="5">
+                  <c:v>22.2624353809505</c:v>
+                </c:pt>
+                <c:pt idx="6">
+                  <c:v>23.260011934432502</c:v>
+                </c:pt>
+                <c:pt idx="7">
+                  <c:v>23.388065766633201</c:v>
+                </c:pt>
+                <c:pt idx="8">
+                  <c:v>23.573731078826398</c:v>
+                </c:pt>
+                <c:pt idx="9">
+                  <c:v>24.221544496856499</c:v>
+                </c:pt>
+                <c:pt idx="10">
+                  <c:v>24.941289186497698</c:v>
+                </c:pt>
+                <c:pt idx="11">
+                  <c:v>24.4577880119928</c:v>
+                </c:pt>
+                <c:pt idx="12">
+                  <c:v>24.9203227450793</c:v>
+                </c:pt>
+              </c:numCache>
+            </c:numRef>
+          </c:val>
+          <c:smooth val="0"/>
+        </c:ser>
+        <c:ser>
+          <c:idx val="3"/>
+          <c:order val="3"/>
+          <c:spPr>
+            <a:ln w="28575" cap="rnd">
+              <a:solidFill>
+                <a:schemeClr val="accent4"/>
+              </a:solidFill>
+              <a:round/>
+            </a:ln>
+            <a:effectLst/>
+          </c:spPr>
+          <c:marker>
+            <c:symbol val="none"/>
+          </c:marker>
+          <c:cat>
+            <c:numRef>
+              <c:f>Sheet1!$A$2:$A$30</c:f>
+              <c:numCache>
+                <c:formatCode>General</c:formatCode>
+                <c:ptCount val="29"/>
+                <c:pt idx="0">
+                  <c:v>20</c:v>
+                </c:pt>
+                <c:pt idx="1">
+                  <c:v>30</c:v>
+                </c:pt>
+                <c:pt idx="2">
+                  <c:v>40</c:v>
+                </c:pt>
+                <c:pt idx="3">
+                  <c:v>50</c:v>
+                </c:pt>
+                <c:pt idx="4">
+                  <c:v>60</c:v>
+                </c:pt>
+                <c:pt idx="5">
+                  <c:v>70</c:v>
+                </c:pt>
+                <c:pt idx="6">
+                  <c:v>80</c:v>
+                </c:pt>
+                <c:pt idx="7">
+                  <c:v>90</c:v>
+                </c:pt>
+                <c:pt idx="8">
+                  <c:v>100</c:v>
+                </c:pt>
+                <c:pt idx="9">
+                  <c:v>110</c:v>
+                </c:pt>
+                <c:pt idx="10">
+                  <c:v>120</c:v>
+                </c:pt>
+                <c:pt idx="11">
+                  <c:v>130</c:v>
+                </c:pt>
+                <c:pt idx="12">
+                  <c:v>140</c:v>
+                </c:pt>
+                <c:pt idx="13">
+                  <c:v>150</c:v>
+                </c:pt>
+                <c:pt idx="14">
+                  <c:v>160</c:v>
+                </c:pt>
+                <c:pt idx="15">
+                  <c:v>170</c:v>
+                </c:pt>
+                <c:pt idx="16">
+                  <c:v>180</c:v>
+                </c:pt>
+                <c:pt idx="17">
+                  <c:v>190</c:v>
+                </c:pt>
+                <c:pt idx="18">
+                  <c:v>200</c:v>
+                </c:pt>
+                <c:pt idx="19">
+                  <c:v>210</c:v>
+                </c:pt>
+                <c:pt idx="20">
+                  <c:v>220</c:v>
+                </c:pt>
+                <c:pt idx="21">
+                  <c:v>230</c:v>
+                </c:pt>
+                <c:pt idx="22">
+                  <c:v>240</c:v>
+                </c:pt>
+                <c:pt idx="23">
+                  <c:v>250</c:v>
+                </c:pt>
+                <c:pt idx="24">
+                  <c:v>260</c:v>
+                </c:pt>
+                <c:pt idx="25">
+                  <c:v>270</c:v>
+                </c:pt>
+                <c:pt idx="26">
+                  <c:v>280</c:v>
+                </c:pt>
+                <c:pt idx="27">
+                  <c:v>290</c:v>
+                </c:pt>
+                <c:pt idx="28">
+                  <c:v>300</c:v>
+                </c:pt>
+              </c:numCache>
+            </c:numRef>
+          </c:cat>
+          <c:val>
+            <c:numRef>
+              <c:f>Sheet1!$E$2:$E$14</c:f>
+              <c:numCache>
+                <c:formatCode>General</c:formatCode>
+                <c:ptCount val="13"/>
+                <c:pt idx="0">
+                  <c:v>1077.62578942962</c:v>
+                </c:pt>
+                <c:pt idx="1">
+                  <c:v>75.420769308324296</c:v>
+                </c:pt>
+                <c:pt idx="2">
+                  <c:v>18.891066442678099</c:v>
+                </c:pt>
+                <c:pt idx="3">
+                  <c:v>19.6332175364109</c:v>
+                </c:pt>
+                <c:pt idx="4">
+                  <c:v>19.007316044773699</c:v>
+                </c:pt>
+                <c:pt idx="5">
+                  <c:v>20.543056344725699</c:v>
+                </c:pt>
+                <c:pt idx="6">
+                  <c:v>19.4936641078741</c:v>
+                </c:pt>
+                <c:pt idx="7">
+                  <c:v>19.739175148677901</c:v>
+                </c:pt>
+                <c:pt idx="8">
+                  <c:v>19.453302901449302</c:v>
+                </c:pt>
+                <c:pt idx="9">
+                  <c:v>20.749603764755999</c:v>
+                </c:pt>
+                <c:pt idx="10">
+                  <c:v>21.137696221047701</c:v>
+                </c:pt>
+                <c:pt idx="11">
+                  <c:v>21.034581314535298</c:v>
+                </c:pt>
+                <c:pt idx="12">
+                  <c:v>21.041929739568801</c:v>
+                </c:pt>
+              </c:numCache>
+            </c:numRef>
+          </c:val>
+          <c:smooth val="0"/>
+        </c:ser>
+        <c:ser>
+          <c:idx val="4"/>
+          <c:order val="4"/>
+          <c:spPr>
+            <a:ln w="28575" cap="rnd">
+              <a:solidFill>
+                <a:schemeClr val="accent5"/>
+              </a:solidFill>
+              <a:round/>
+            </a:ln>
+            <a:effectLst/>
+          </c:spPr>
+          <c:marker>
+            <c:symbol val="none"/>
+          </c:marker>
+          <c:cat>
+            <c:numRef>
+              <c:f>Sheet1!$A$2:$A$30</c:f>
+              <c:numCache>
+                <c:formatCode>General</c:formatCode>
+                <c:ptCount val="29"/>
+                <c:pt idx="0">
+                  <c:v>20</c:v>
+                </c:pt>
+                <c:pt idx="1">
+                  <c:v>30</c:v>
+                </c:pt>
+                <c:pt idx="2">
+                  <c:v>40</c:v>
+                </c:pt>
+                <c:pt idx="3">
+                  <c:v>50</c:v>
+                </c:pt>
+                <c:pt idx="4">
+                  <c:v>60</c:v>
+                </c:pt>
+                <c:pt idx="5">
+                  <c:v>70</c:v>
+                </c:pt>
+                <c:pt idx="6">
+                  <c:v>80</c:v>
+                </c:pt>
+                <c:pt idx="7">
+                  <c:v>90</c:v>
+                </c:pt>
+                <c:pt idx="8">
+                  <c:v>100</c:v>
+                </c:pt>
+                <c:pt idx="9">
+                  <c:v>110</c:v>
+                </c:pt>
+                <c:pt idx="10">
+                  <c:v>120</c:v>
+                </c:pt>
+                <c:pt idx="11">
+                  <c:v>130</c:v>
+                </c:pt>
+                <c:pt idx="12">
+                  <c:v>140</c:v>
+                </c:pt>
+                <c:pt idx="13">
+                  <c:v>150</c:v>
+                </c:pt>
+                <c:pt idx="14">
+                  <c:v>160</c:v>
+                </c:pt>
+                <c:pt idx="15">
+                  <c:v>170</c:v>
+                </c:pt>
+                <c:pt idx="16">
+                  <c:v>180</c:v>
+                </c:pt>
+                <c:pt idx="17">
+                  <c:v>190</c:v>
+                </c:pt>
+                <c:pt idx="18">
+                  <c:v>200</c:v>
+                </c:pt>
+                <c:pt idx="19">
+                  <c:v>210</c:v>
+                </c:pt>
+                <c:pt idx="20">
+                  <c:v>220</c:v>
+                </c:pt>
+                <c:pt idx="21">
+                  <c:v>230</c:v>
+                </c:pt>
+                <c:pt idx="22">
+                  <c:v>240</c:v>
+                </c:pt>
+                <c:pt idx="23">
+                  <c:v>250</c:v>
+                </c:pt>
+                <c:pt idx="24">
+                  <c:v>260</c:v>
+                </c:pt>
+                <c:pt idx="25">
+                  <c:v>270</c:v>
+                </c:pt>
+                <c:pt idx="26">
+                  <c:v>280</c:v>
+                </c:pt>
+                <c:pt idx="27">
+                  <c:v>290</c:v>
+                </c:pt>
+                <c:pt idx="28">
+                  <c:v>300</c:v>
+                </c:pt>
+              </c:numCache>
+            </c:numRef>
+          </c:cat>
+          <c:val>
+            <c:numRef>
+              <c:f>Sheet1!$F$2:$F$14</c:f>
+              <c:numCache>
+                <c:formatCode>General</c:formatCode>
+                <c:ptCount val="13"/>
+                <c:pt idx="0">
+                  <c:v>3728.4560284415902</c:v>
+                </c:pt>
+                <c:pt idx="1">
+                  <c:v>109.105581796672</c:v>
+                </c:pt>
+                <c:pt idx="2">
+                  <c:v>16.710466399850201</c:v>
+                </c:pt>
+                <c:pt idx="3">
+                  <c:v>16.437684944980202</c:v>
+                </c:pt>
+                <c:pt idx="4">
+                  <c:v>19.005861145226699</c:v>
+                </c:pt>
+                <c:pt idx="5">
+                  <c:v>18.955100651083701</c:v>
+                </c:pt>
+                <c:pt idx="6">
+                  <c:v>19.924555729279898</c:v>
+                </c:pt>
+                <c:pt idx="7">
+                  <c:v>19.927204008161201</c:v>
+                </c:pt>
+                <c:pt idx="8">
+                  <c:v>20.411961416194099</c:v>
+                </c:pt>
+                <c:pt idx="9">
+                  <c:v>20.892028769513502</c:v>
+                </c:pt>
+                <c:pt idx="10">
+                  <c:v>21.611219833379501</c:v>
+                </c:pt>
+                <c:pt idx="11">
+                  <c:v>21.229242067293399</c:v>
+                </c:pt>
+                <c:pt idx="12">
+                  <c:v>21.128746105360801</c:v>
+                </c:pt>
+              </c:numCache>
+            </c:numRef>
+          </c:val>
+          <c:smooth val="0"/>
+        </c:ser>
+        <c:dLbls>
+          <c:showLegendKey val="0"/>
+          <c:showVal val="0"/>
+          <c:showCatName val="0"/>
+          <c:showSerName val="0"/>
+          <c:showPercent val="0"/>
+          <c:showBubbleSize val="0"/>
+        </c:dLbls>
+        <c:smooth val="0"/>
+        <c:axId val="439784208"/>
+        <c:axId val="439786952"/>
+      </c:lineChart>
+      <c:catAx>
+        <c:axId val="439784208"/>
+        <c:scaling>
+          <c:orientation val="minMax"/>
+        </c:scaling>
+        <c:delete val="0"/>
+        <c:axPos val="b"/>
+        <c:numFmt formatCode="General" sourceLinked="1"/>
+        <c:majorTickMark val="none"/>
+        <c:minorTickMark val="none"/>
+        <c:tickLblPos val="nextTo"/>
+        <c:spPr>
+          <a:noFill/>
+          <a:ln w="9525" cap="flat" cmpd="sng" algn="ctr">
+            <a:solidFill>
+              <a:schemeClr val="tx1">
+                <a:lumMod val="15000"/>
+                <a:lumOff val="85000"/>
+              </a:schemeClr>
+            </a:solidFill>
+            <a:round/>
+          </a:ln>
+          <a:effectLst/>
+        </c:spPr>
+        <c:txPr>
+          <a:bodyPr rot="-60000000" spcFirstLastPara="1" vertOverflow="ellipsis" vert="horz" wrap="square" anchor="ctr" anchorCtr="1"/>
+          <a:lstStyle/>
+          <a:p>
+            <a:pPr>
+              <a:defRPr sz="900" b="0" i="0" u="none" strike="noStrike" kern="1200" baseline="0">
+                <a:solidFill>
+                  <a:schemeClr val="tx1">
+                    <a:lumMod val="65000"/>
+                    <a:lumOff val="35000"/>
+                  </a:schemeClr>
+                </a:solidFill>
+                <a:latin typeface="+mn-lt"/>
+                <a:ea typeface="+mn-ea"/>
+                <a:cs typeface="+mn-cs"/>
+              </a:defRPr>
+            </a:pPr>
+            <a:endParaRPr lang="ja-JP"/>
+          </a:p>
+        </c:txPr>
+        <c:crossAx val="439786952"/>
+        <c:crosses val="autoZero"/>
+        <c:auto val="1"/>
+        <c:lblAlgn val="ctr"/>
+        <c:lblOffset val="100"/>
+        <c:noMultiLvlLbl val="0"/>
+      </c:catAx>
+      <c:valAx>
+        <c:axId val="439786952"/>
+        <c:scaling>
+          <c:orientation val="minMax"/>
+        </c:scaling>
+        <c:delete val="0"/>
+        <c:axPos val="l"/>
+        <c:majorGridlines>
+          <c:spPr>
+            <a:ln w="9525" cap="flat" cmpd="sng" algn="ctr">
+              <a:solidFill>
+                <a:schemeClr val="tx1">
+                  <a:lumMod val="15000"/>
+                  <a:lumOff val="85000"/>
+                </a:schemeClr>
+              </a:solidFill>
+              <a:round/>
+            </a:ln>
+            <a:effectLst/>
+          </c:spPr>
+        </c:majorGridlines>
+        <c:numFmt formatCode="General" sourceLinked="1"/>
+        <c:majorTickMark val="none"/>
+        <c:minorTickMark val="none"/>
+        <c:tickLblPos val="nextTo"/>
+        <c:spPr>
+          <a:noFill/>
+          <a:ln>
+            <a:noFill/>
+          </a:ln>
+          <a:effectLst/>
+        </c:spPr>
+        <c:txPr>
+          <a:bodyPr rot="-60000000" spcFirstLastPara="1" vertOverflow="ellipsis" vert="horz" wrap="square" anchor="ctr" anchorCtr="1"/>
+          <a:lstStyle/>
+          <a:p>
+            <a:pPr>
+              <a:defRPr sz="900" b="0" i="0" u="none" strike="noStrike" kern="1200" baseline="0">
+                <a:solidFill>
+                  <a:schemeClr val="tx1">
+                    <a:lumMod val="65000"/>
+                    <a:lumOff val="35000"/>
+                  </a:schemeClr>
+                </a:solidFill>
+                <a:latin typeface="+mn-lt"/>
+                <a:ea typeface="+mn-ea"/>
+                <a:cs typeface="+mn-cs"/>
+              </a:defRPr>
+            </a:pPr>
+            <a:endParaRPr lang="ja-JP"/>
+          </a:p>
+        </c:txPr>
+        <c:crossAx val="439784208"/>
         <c:crosses val="autoZero"/>
         <c:crossBetween val="between"/>
       </c:valAx>
@@ -1572,6 +3563,86 @@
 </file>
 
 <file path=ppt/charts/colors4.xml><?xml version="1.0" encoding="utf-8"?>
+<cs:colorStyle xmlns:cs="http://schemas.microsoft.com/office/drawing/2012/chartStyle" xmlns:a="http://schemas.openxmlformats.org/drawingml/2006/main" meth="cycle" id="10">
+  <a:schemeClr val="accent1"/>
+  <a:schemeClr val="accent2"/>
+  <a:schemeClr val="accent3"/>
+  <a:schemeClr val="accent4"/>
+  <a:schemeClr val="accent5"/>
+  <a:schemeClr val="accent6"/>
+  <cs:variation/>
+  <cs:variation>
+    <a:lumMod val="60000"/>
+  </cs:variation>
+  <cs:variation>
+    <a:lumMod val="80000"/>
+    <a:lumOff val="20000"/>
+  </cs:variation>
+  <cs:variation>
+    <a:lumMod val="80000"/>
+  </cs:variation>
+  <cs:variation>
+    <a:lumMod val="60000"/>
+    <a:lumOff val="40000"/>
+  </cs:variation>
+  <cs:variation>
+    <a:lumMod val="50000"/>
+  </cs:variation>
+  <cs:variation>
+    <a:lumMod val="70000"/>
+    <a:lumOff val="30000"/>
+  </cs:variation>
+  <cs:variation>
+    <a:lumMod val="70000"/>
+  </cs:variation>
+  <cs:variation>
+    <a:lumMod val="50000"/>
+    <a:lumOff val="50000"/>
+  </cs:variation>
+</cs:colorStyle>
+</file>
+
+<file path=ppt/charts/colors5.xml><?xml version="1.0" encoding="utf-8"?>
+<cs:colorStyle xmlns:cs="http://schemas.microsoft.com/office/drawing/2012/chartStyle" xmlns:a="http://schemas.openxmlformats.org/drawingml/2006/main" meth="cycle" id="10">
+  <a:schemeClr val="accent1"/>
+  <a:schemeClr val="accent2"/>
+  <a:schemeClr val="accent3"/>
+  <a:schemeClr val="accent4"/>
+  <a:schemeClr val="accent5"/>
+  <a:schemeClr val="accent6"/>
+  <cs:variation/>
+  <cs:variation>
+    <a:lumMod val="60000"/>
+  </cs:variation>
+  <cs:variation>
+    <a:lumMod val="80000"/>
+    <a:lumOff val="20000"/>
+  </cs:variation>
+  <cs:variation>
+    <a:lumMod val="80000"/>
+  </cs:variation>
+  <cs:variation>
+    <a:lumMod val="60000"/>
+    <a:lumOff val="40000"/>
+  </cs:variation>
+  <cs:variation>
+    <a:lumMod val="50000"/>
+  </cs:variation>
+  <cs:variation>
+    <a:lumMod val="70000"/>
+    <a:lumOff val="30000"/>
+  </cs:variation>
+  <cs:variation>
+    <a:lumMod val="70000"/>
+  </cs:variation>
+  <cs:variation>
+    <a:lumMod val="50000"/>
+    <a:lumOff val="50000"/>
+  </cs:variation>
+</cs:colorStyle>
+</file>
+
+<file path=ppt/charts/colors6.xml><?xml version="1.0" encoding="utf-8"?>
 <cs:colorStyle xmlns:cs="http://schemas.microsoft.com/office/drawing/2012/chartStyle" xmlns:a="http://schemas.openxmlformats.org/drawingml/2006/main" meth="cycle" id="10">
   <a:schemeClr val="accent1"/>
   <a:schemeClr val="accent2"/>
@@ -3675,6 +5746,1038 @@
 </cs:chartStyle>
 </file>
 
+<file path=ppt/charts/style5.xml><?xml version="1.0" encoding="utf-8"?>
+<cs:chartStyle xmlns:cs="http://schemas.microsoft.com/office/drawing/2012/chartStyle" xmlns:a="http://schemas.openxmlformats.org/drawingml/2006/main" id="227">
+  <cs:axisTitle>
+    <cs:lnRef idx="0"/>
+    <cs:fillRef idx="0"/>
+    <cs:effectRef idx="0"/>
+    <cs:fontRef idx="minor">
+      <a:schemeClr val="tx1">
+        <a:lumMod val="65000"/>
+        <a:lumOff val="35000"/>
+      </a:schemeClr>
+    </cs:fontRef>
+    <cs:defRPr sz="1000" kern="1200"/>
+  </cs:axisTitle>
+  <cs:categoryAxis>
+    <cs:lnRef idx="0"/>
+    <cs:fillRef idx="0"/>
+    <cs:effectRef idx="0"/>
+    <cs:fontRef idx="minor">
+      <a:schemeClr val="tx1">
+        <a:lumMod val="65000"/>
+        <a:lumOff val="35000"/>
+      </a:schemeClr>
+    </cs:fontRef>
+    <cs:spPr>
+      <a:ln w="9525" cap="flat" cmpd="sng" algn="ctr">
+        <a:solidFill>
+          <a:schemeClr val="tx1">
+            <a:lumMod val="15000"/>
+            <a:lumOff val="85000"/>
+          </a:schemeClr>
+        </a:solidFill>
+        <a:round/>
+      </a:ln>
+    </cs:spPr>
+    <cs:defRPr sz="900" kern="1200"/>
+  </cs:categoryAxis>
+  <cs:chartArea mods="allowNoFillOverride allowNoLineOverride">
+    <cs:lnRef idx="0"/>
+    <cs:fillRef idx="0"/>
+    <cs:effectRef idx="0"/>
+    <cs:fontRef idx="minor">
+      <a:schemeClr val="tx1"/>
+    </cs:fontRef>
+    <cs:spPr>
+      <a:solidFill>
+        <a:schemeClr val="bg1"/>
+      </a:solidFill>
+      <a:ln w="9525" cap="flat" cmpd="sng" algn="ctr">
+        <a:solidFill>
+          <a:schemeClr val="tx1">
+            <a:lumMod val="15000"/>
+            <a:lumOff val="85000"/>
+          </a:schemeClr>
+        </a:solidFill>
+        <a:round/>
+      </a:ln>
+    </cs:spPr>
+    <cs:defRPr sz="1000" kern="1200"/>
+  </cs:chartArea>
+  <cs:dataLabel>
+    <cs:lnRef idx="0"/>
+    <cs:fillRef idx="0"/>
+    <cs:effectRef idx="0"/>
+    <cs:fontRef idx="minor">
+      <a:schemeClr val="tx1">
+        <a:lumMod val="75000"/>
+        <a:lumOff val="25000"/>
+      </a:schemeClr>
+    </cs:fontRef>
+    <cs:defRPr sz="900" kern="1200"/>
+  </cs:dataLabel>
+  <cs:dataLabelCallout>
+    <cs:lnRef idx="0"/>
+    <cs:fillRef idx="0"/>
+    <cs:effectRef idx="0"/>
+    <cs:fontRef idx="minor">
+      <a:schemeClr val="dk1">
+        <a:lumMod val="65000"/>
+        <a:lumOff val="35000"/>
+      </a:schemeClr>
+    </cs:fontRef>
+    <cs:spPr>
+      <a:solidFill>
+        <a:schemeClr val="lt1"/>
+      </a:solidFill>
+      <a:ln>
+        <a:solidFill>
+          <a:schemeClr val="dk1">
+            <a:lumMod val="25000"/>
+            <a:lumOff val="75000"/>
+          </a:schemeClr>
+        </a:solidFill>
+      </a:ln>
+    </cs:spPr>
+    <cs:defRPr sz="900" kern="1200"/>
+    <cs:bodyPr rot="0" spcFirstLastPara="1" vertOverflow="clip" horzOverflow="clip" vert="horz" wrap="square" lIns="36576" tIns="18288" rIns="36576" bIns="18288" anchor="ctr" anchorCtr="1">
+      <a:spAutoFit/>
+    </cs:bodyPr>
+  </cs:dataLabelCallout>
+  <cs:dataPoint>
+    <cs:lnRef idx="0"/>
+    <cs:fillRef idx="1">
+      <cs:styleClr val="auto"/>
+    </cs:fillRef>
+    <cs:effectRef idx="0"/>
+    <cs:fontRef idx="minor">
+      <a:schemeClr val="tx1"/>
+    </cs:fontRef>
+    <cs:spPr>
+      <a:solidFill>
+        <a:schemeClr val="phClr"/>
+      </a:solidFill>
+    </cs:spPr>
+  </cs:dataPoint>
+  <cs:dataPoint3D>
+    <cs:lnRef idx="0"/>
+    <cs:fillRef idx="1">
+      <cs:styleClr val="auto"/>
+    </cs:fillRef>
+    <cs:effectRef idx="0"/>
+    <cs:fontRef idx="minor">
+      <a:schemeClr val="tx1"/>
+    </cs:fontRef>
+    <cs:spPr>
+      <a:solidFill>
+        <a:schemeClr val="phClr"/>
+      </a:solidFill>
+    </cs:spPr>
+  </cs:dataPoint3D>
+  <cs:dataPointLine>
+    <cs:lnRef idx="0">
+      <cs:styleClr val="auto"/>
+    </cs:lnRef>
+    <cs:fillRef idx="1"/>
+    <cs:effectRef idx="0"/>
+    <cs:fontRef idx="minor">
+      <a:schemeClr val="tx1"/>
+    </cs:fontRef>
+    <cs:spPr>
+      <a:ln w="28575" cap="rnd">
+        <a:solidFill>
+          <a:schemeClr val="phClr"/>
+        </a:solidFill>
+        <a:round/>
+      </a:ln>
+    </cs:spPr>
+  </cs:dataPointLine>
+  <cs:dataPointMarker>
+    <cs:lnRef idx="0">
+      <cs:styleClr val="auto"/>
+    </cs:lnRef>
+    <cs:fillRef idx="1">
+      <cs:styleClr val="auto"/>
+    </cs:fillRef>
+    <cs:effectRef idx="0"/>
+    <cs:fontRef idx="minor">
+      <a:schemeClr val="tx1"/>
+    </cs:fontRef>
+    <cs:spPr>
+      <a:solidFill>
+        <a:schemeClr val="phClr"/>
+      </a:solidFill>
+      <a:ln w="9525">
+        <a:solidFill>
+          <a:schemeClr val="phClr"/>
+        </a:solidFill>
+      </a:ln>
+    </cs:spPr>
+  </cs:dataPointMarker>
+  <cs:dataPointMarkerLayout symbol="circle" size="5"/>
+  <cs:dataPointWireframe>
+    <cs:lnRef idx="0">
+      <cs:styleClr val="auto"/>
+    </cs:lnRef>
+    <cs:fillRef idx="1"/>
+    <cs:effectRef idx="0"/>
+    <cs:fontRef idx="minor">
+      <a:schemeClr val="tx1"/>
+    </cs:fontRef>
+    <cs:spPr>
+      <a:ln w="9525" cap="rnd">
+        <a:solidFill>
+          <a:schemeClr val="phClr"/>
+        </a:solidFill>
+        <a:round/>
+      </a:ln>
+    </cs:spPr>
+  </cs:dataPointWireframe>
+  <cs:dataTable>
+    <cs:lnRef idx="0"/>
+    <cs:fillRef idx="0"/>
+    <cs:effectRef idx="0"/>
+    <cs:fontRef idx="minor">
+      <a:schemeClr val="tx1">
+        <a:lumMod val="65000"/>
+        <a:lumOff val="35000"/>
+      </a:schemeClr>
+    </cs:fontRef>
+    <cs:spPr>
+      <a:noFill/>
+      <a:ln w="9525" cap="flat" cmpd="sng" algn="ctr">
+        <a:solidFill>
+          <a:schemeClr val="tx1">
+            <a:lumMod val="15000"/>
+            <a:lumOff val="85000"/>
+          </a:schemeClr>
+        </a:solidFill>
+        <a:round/>
+      </a:ln>
+    </cs:spPr>
+    <cs:defRPr sz="900" kern="1200"/>
+  </cs:dataTable>
+  <cs:downBar>
+    <cs:lnRef idx="0"/>
+    <cs:fillRef idx="0"/>
+    <cs:effectRef idx="0"/>
+    <cs:fontRef idx="minor">
+      <a:schemeClr val="dk1"/>
+    </cs:fontRef>
+    <cs:spPr>
+      <a:solidFill>
+        <a:schemeClr val="dk1">
+          <a:lumMod val="65000"/>
+          <a:lumOff val="35000"/>
+        </a:schemeClr>
+      </a:solidFill>
+      <a:ln w="9525">
+        <a:solidFill>
+          <a:schemeClr val="tx1">
+            <a:lumMod val="65000"/>
+            <a:lumOff val="35000"/>
+          </a:schemeClr>
+        </a:solidFill>
+      </a:ln>
+    </cs:spPr>
+  </cs:downBar>
+  <cs:dropLine>
+    <cs:lnRef idx="0"/>
+    <cs:fillRef idx="0"/>
+    <cs:effectRef idx="0"/>
+    <cs:fontRef idx="minor">
+      <a:schemeClr val="tx1"/>
+    </cs:fontRef>
+    <cs:spPr>
+      <a:ln w="9525" cap="flat" cmpd="sng" algn="ctr">
+        <a:solidFill>
+          <a:schemeClr val="tx1">
+            <a:lumMod val="35000"/>
+            <a:lumOff val="65000"/>
+          </a:schemeClr>
+        </a:solidFill>
+        <a:round/>
+      </a:ln>
+    </cs:spPr>
+  </cs:dropLine>
+  <cs:errorBar>
+    <cs:lnRef idx="0"/>
+    <cs:fillRef idx="0"/>
+    <cs:effectRef idx="0"/>
+    <cs:fontRef idx="minor">
+      <a:schemeClr val="tx1"/>
+    </cs:fontRef>
+    <cs:spPr>
+      <a:ln w="9525" cap="flat" cmpd="sng" algn="ctr">
+        <a:solidFill>
+          <a:schemeClr val="tx1">
+            <a:lumMod val="65000"/>
+            <a:lumOff val="35000"/>
+          </a:schemeClr>
+        </a:solidFill>
+        <a:round/>
+      </a:ln>
+    </cs:spPr>
+  </cs:errorBar>
+  <cs:floor>
+    <cs:lnRef idx="0"/>
+    <cs:fillRef idx="0"/>
+    <cs:effectRef idx="0"/>
+    <cs:fontRef idx="minor">
+      <a:schemeClr val="tx1"/>
+    </cs:fontRef>
+    <cs:spPr>
+      <a:noFill/>
+      <a:ln>
+        <a:noFill/>
+      </a:ln>
+    </cs:spPr>
+  </cs:floor>
+  <cs:gridlineMajor>
+    <cs:lnRef idx="0"/>
+    <cs:fillRef idx="0"/>
+    <cs:effectRef idx="0"/>
+    <cs:fontRef idx="minor">
+      <a:schemeClr val="tx1"/>
+    </cs:fontRef>
+    <cs:spPr>
+      <a:ln w="9525" cap="flat" cmpd="sng" algn="ctr">
+        <a:solidFill>
+          <a:schemeClr val="tx1">
+            <a:lumMod val="15000"/>
+            <a:lumOff val="85000"/>
+          </a:schemeClr>
+        </a:solidFill>
+        <a:round/>
+      </a:ln>
+    </cs:spPr>
+  </cs:gridlineMajor>
+  <cs:gridlineMinor>
+    <cs:lnRef idx="0"/>
+    <cs:fillRef idx="0"/>
+    <cs:effectRef idx="0"/>
+    <cs:fontRef idx="minor">
+      <a:schemeClr val="tx1"/>
+    </cs:fontRef>
+    <cs:spPr>
+      <a:ln w="9525" cap="flat" cmpd="sng" algn="ctr">
+        <a:solidFill>
+          <a:schemeClr val="tx1">
+            <a:lumMod val="5000"/>
+            <a:lumOff val="95000"/>
+          </a:schemeClr>
+        </a:solidFill>
+        <a:round/>
+      </a:ln>
+    </cs:spPr>
+  </cs:gridlineMinor>
+  <cs:hiLoLine>
+    <cs:lnRef idx="0"/>
+    <cs:fillRef idx="0"/>
+    <cs:effectRef idx="0"/>
+    <cs:fontRef idx="minor">
+      <a:schemeClr val="tx1"/>
+    </cs:fontRef>
+    <cs:spPr>
+      <a:ln w="9525" cap="flat" cmpd="sng" algn="ctr">
+        <a:solidFill>
+          <a:schemeClr val="tx1">
+            <a:lumMod val="75000"/>
+            <a:lumOff val="25000"/>
+          </a:schemeClr>
+        </a:solidFill>
+        <a:round/>
+      </a:ln>
+    </cs:spPr>
+  </cs:hiLoLine>
+  <cs:leaderLine>
+    <cs:lnRef idx="0"/>
+    <cs:fillRef idx="0"/>
+    <cs:effectRef idx="0"/>
+    <cs:fontRef idx="minor">
+      <a:schemeClr val="tx1"/>
+    </cs:fontRef>
+    <cs:spPr>
+      <a:ln w="9525" cap="flat" cmpd="sng" algn="ctr">
+        <a:solidFill>
+          <a:schemeClr val="tx1">
+            <a:lumMod val="35000"/>
+            <a:lumOff val="65000"/>
+          </a:schemeClr>
+        </a:solidFill>
+        <a:round/>
+      </a:ln>
+    </cs:spPr>
+  </cs:leaderLine>
+  <cs:legend>
+    <cs:lnRef idx="0"/>
+    <cs:fillRef idx="0"/>
+    <cs:effectRef idx="0"/>
+    <cs:fontRef idx="minor">
+      <a:schemeClr val="tx1">
+        <a:lumMod val="65000"/>
+        <a:lumOff val="35000"/>
+      </a:schemeClr>
+    </cs:fontRef>
+    <cs:defRPr sz="900" kern="1200"/>
+  </cs:legend>
+  <cs:plotArea mods="allowNoFillOverride allowNoLineOverride">
+    <cs:lnRef idx="0"/>
+    <cs:fillRef idx="0"/>
+    <cs:effectRef idx="0"/>
+    <cs:fontRef idx="minor">
+      <a:schemeClr val="tx1"/>
+    </cs:fontRef>
+  </cs:plotArea>
+  <cs:plotArea3D mods="allowNoFillOverride allowNoLineOverride">
+    <cs:lnRef idx="0"/>
+    <cs:fillRef idx="0"/>
+    <cs:effectRef idx="0"/>
+    <cs:fontRef idx="minor">
+      <a:schemeClr val="tx1"/>
+    </cs:fontRef>
+  </cs:plotArea3D>
+  <cs:seriesAxis>
+    <cs:lnRef idx="0"/>
+    <cs:fillRef idx="0"/>
+    <cs:effectRef idx="0"/>
+    <cs:fontRef idx="minor">
+      <a:schemeClr val="tx1">
+        <a:lumMod val="65000"/>
+        <a:lumOff val="35000"/>
+      </a:schemeClr>
+    </cs:fontRef>
+    <cs:defRPr sz="900" kern="1200"/>
+  </cs:seriesAxis>
+  <cs:seriesLine>
+    <cs:lnRef idx="0"/>
+    <cs:fillRef idx="0"/>
+    <cs:effectRef idx="0"/>
+    <cs:fontRef idx="minor">
+      <a:schemeClr val="tx1"/>
+    </cs:fontRef>
+    <cs:spPr>
+      <a:ln w="9525" cap="flat" cmpd="sng" algn="ctr">
+        <a:solidFill>
+          <a:schemeClr val="tx1">
+            <a:lumMod val="35000"/>
+            <a:lumOff val="65000"/>
+          </a:schemeClr>
+        </a:solidFill>
+        <a:round/>
+      </a:ln>
+    </cs:spPr>
+  </cs:seriesLine>
+  <cs:title>
+    <cs:lnRef idx="0"/>
+    <cs:fillRef idx="0"/>
+    <cs:effectRef idx="0"/>
+    <cs:fontRef idx="minor">
+      <a:schemeClr val="tx1">
+        <a:lumMod val="65000"/>
+        <a:lumOff val="35000"/>
+      </a:schemeClr>
+    </cs:fontRef>
+    <cs:defRPr sz="1400" b="0" kern="1200" spc="0" baseline="0"/>
+  </cs:title>
+  <cs:trendline>
+    <cs:lnRef idx="0">
+      <cs:styleClr val="auto"/>
+    </cs:lnRef>
+    <cs:fillRef idx="0"/>
+    <cs:effectRef idx="0"/>
+    <cs:fontRef idx="minor">
+      <a:schemeClr val="tx1"/>
+    </cs:fontRef>
+    <cs:spPr>
+      <a:ln w="19050" cap="rnd">
+        <a:solidFill>
+          <a:schemeClr val="phClr"/>
+        </a:solidFill>
+        <a:prstDash val="sysDot"/>
+      </a:ln>
+    </cs:spPr>
+  </cs:trendline>
+  <cs:trendlineLabel>
+    <cs:lnRef idx="0"/>
+    <cs:fillRef idx="0"/>
+    <cs:effectRef idx="0"/>
+    <cs:fontRef idx="minor">
+      <a:schemeClr val="tx1">
+        <a:lumMod val="65000"/>
+        <a:lumOff val="35000"/>
+      </a:schemeClr>
+    </cs:fontRef>
+    <cs:defRPr sz="900" kern="1200"/>
+  </cs:trendlineLabel>
+  <cs:upBar>
+    <cs:lnRef idx="0"/>
+    <cs:fillRef idx="0"/>
+    <cs:effectRef idx="0"/>
+    <cs:fontRef idx="minor">
+      <a:schemeClr val="dk1"/>
+    </cs:fontRef>
+    <cs:spPr>
+      <a:solidFill>
+        <a:schemeClr val="lt1"/>
+      </a:solidFill>
+      <a:ln w="9525">
+        <a:solidFill>
+          <a:schemeClr val="tx1">
+            <a:lumMod val="15000"/>
+            <a:lumOff val="85000"/>
+          </a:schemeClr>
+        </a:solidFill>
+      </a:ln>
+    </cs:spPr>
+  </cs:upBar>
+  <cs:valueAxis>
+    <cs:lnRef idx="0"/>
+    <cs:fillRef idx="0"/>
+    <cs:effectRef idx="0"/>
+    <cs:fontRef idx="minor">
+      <a:schemeClr val="tx1">
+        <a:lumMod val="65000"/>
+        <a:lumOff val="35000"/>
+      </a:schemeClr>
+    </cs:fontRef>
+    <cs:defRPr sz="900" kern="1200"/>
+  </cs:valueAxis>
+  <cs:wall>
+    <cs:lnRef idx="0"/>
+    <cs:fillRef idx="0"/>
+    <cs:effectRef idx="0"/>
+    <cs:fontRef idx="minor">
+      <a:schemeClr val="tx1"/>
+    </cs:fontRef>
+    <cs:spPr>
+      <a:noFill/>
+      <a:ln>
+        <a:noFill/>
+      </a:ln>
+    </cs:spPr>
+  </cs:wall>
+</cs:chartStyle>
+</file>
+
+<file path=ppt/charts/style6.xml><?xml version="1.0" encoding="utf-8"?>
+<cs:chartStyle xmlns:cs="http://schemas.microsoft.com/office/drawing/2012/chartStyle" xmlns:a="http://schemas.openxmlformats.org/drawingml/2006/main" id="227">
+  <cs:axisTitle>
+    <cs:lnRef idx="0"/>
+    <cs:fillRef idx="0"/>
+    <cs:effectRef idx="0"/>
+    <cs:fontRef idx="minor">
+      <a:schemeClr val="tx1">
+        <a:lumMod val="65000"/>
+        <a:lumOff val="35000"/>
+      </a:schemeClr>
+    </cs:fontRef>
+    <cs:defRPr sz="1000" kern="1200"/>
+  </cs:axisTitle>
+  <cs:categoryAxis>
+    <cs:lnRef idx="0"/>
+    <cs:fillRef idx="0"/>
+    <cs:effectRef idx="0"/>
+    <cs:fontRef idx="minor">
+      <a:schemeClr val="tx1">
+        <a:lumMod val="65000"/>
+        <a:lumOff val="35000"/>
+      </a:schemeClr>
+    </cs:fontRef>
+    <cs:spPr>
+      <a:ln w="9525" cap="flat" cmpd="sng" algn="ctr">
+        <a:solidFill>
+          <a:schemeClr val="tx1">
+            <a:lumMod val="15000"/>
+            <a:lumOff val="85000"/>
+          </a:schemeClr>
+        </a:solidFill>
+        <a:round/>
+      </a:ln>
+    </cs:spPr>
+    <cs:defRPr sz="900" kern="1200"/>
+  </cs:categoryAxis>
+  <cs:chartArea mods="allowNoFillOverride allowNoLineOverride">
+    <cs:lnRef idx="0"/>
+    <cs:fillRef idx="0"/>
+    <cs:effectRef idx="0"/>
+    <cs:fontRef idx="minor">
+      <a:schemeClr val="tx1"/>
+    </cs:fontRef>
+    <cs:spPr>
+      <a:solidFill>
+        <a:schemeClr val="bg1"/>
+      </a:solidFill>
+      <a:ln w="9525" cap="flat" cmpd="sng" algn="ctr">
+        <a:solidFill>
+          <a:schemeClr val="tx1">
+            <a:lumMod val="15000"/>
+            <a:lumOff val="85000"/>
+          </a:schemeClr>
+        </a:solidFill>
+        <a:round/>
+      </a:ln>
+    </cs:spPr>
+    <cs:defRPr sz="1000" kern="1200"/>
+  </cs:chartArea>
+  <cs:dataLabel>
+    <cs:lnRef idx="0"/>
+    <cs:fillRef idx="0"/>
+    <cs:effectRef idx="0"/>
+    <cs:fontRef idx="minor">
+      <a:schemeClr val="tx1">
+        <a:lumMod val="75000"/>
+        <a:lumOff val="25000"/>
+      </a:schemeClr>
+    </cs:fontRef>
+    <cs:defRPr sz="900" kern="1200"/>
+  </cs:dataLabel>
+  <cs:dataLabelCallout>
+    <cs:lnRef idx="0"/>
+    <cs:fillRef idx="0"/>
+    <cs:effectRef idx="0"/>
+    <cs:fontRef idx="minor">
+      <a:schemeClr val="dk1">
+        <a:lumMod val="65000"/>
+        <a:lumOff val="35000"/>
+      </a:schemeClr>
+    </cs:fontRef>
+    <cs:spPr>
+      <a:solidFill>
+        <a:schemeClr val="lt1"/>
+      </a:solidFill>
+      <a:ln>
+        <a:solidFill>
+          <a:schemeClr val="dk1">
+            <a:lumMod val="25000"/>
+            <a:lumOff val="75000"/>
+          </a:schemeClr>
+        </a:solidFill>
+      </a:ln>
+    </cs:spPr>
+    <cs:defRPr sz="900" kern="1200"/>
+    <cs:bodyPr rot="0" spcFirstLastPara="1" vertOverflow="clip" horzOverflow="clip" vert="horz" wrap="square" lIns="36576" tIns="18288" rIns="36576" bIns="18288" anchor="ctr" anchorCtr="1">
+      <a:spAutoFit/>
+    </cs:bodyPr>
+  </cs:dataLabelCallout>
+  <cs:dataPoint>
+    <cs:lnRef idx="0"/>
+    <cs:fillRef idx="1">
+      <cs:styleClr val="auto"/>
+    </cs:fillRef>
+    <cs:effectRef idx="0"/>
+    <cs:fontRef idx="minor">
+      <a:schemeClr val="tx1"/>
+    </cs:fontRef>
+    <cs:spPr>
+      <a:solidFill>
+        <a:schemeClr val="phClr"/>
+      </a:solidFill>
+    </cs:spPr>
+  </cs:dataPoint>
+  <cs:dataPoint3D>
+    <cs:lnRef idx="0"/>
+    <cs:fillRef idx="1">
+      <cs:styleClr val="auto"/>
+    </cs:fillRef>
+    <cs:effectRef idx="0"/>
+    <cs:fontRef idx="minor">
+      <a:schemeClr val="tx1"/>
+    </cs:fontRef>
+    <cs:spPr>
+      <a:solidFill>
+        <a:schemeClr val="phClr"/>
+      </a:solidFill>
+    </cs:spPr>
+  </cs:dataPoint3D>
+  <cs:dataPointLine>
+    <cs:lnRef idx="0">
+      <cs:styleClr val="auto"/>
+    </cs:lnRef>
+    <cs:fillRef idx="1"/>
+    <cs:effectRef idx="0"/>
+    <cs:fontRef idx="minor">
+      <a:schemeClr val="tx1"/>
+    </cs:fontRef>
+    <cs:spPr>
+      <a:ln w="28575" cap="rnd">
+        <a:solidFill>
+          <a:schemeClr val="phClr"/>
+        </a:solidFill>
+        <a:round/>
+      </a:ln>
+    </cs:spPr>
+  </cs:dataPointLine>
+  <cs:dataPointMarker>
+    <cs:lnRef idx="0">
+      <cs:styleClr val="auto"/>
+    </cs:lnRef>
+    <cs:fillRef idx="1">
+      <cs:styleClr val="auto"/>
+    </cs:fillRef>
+    <cs:effectRef idx="0"/>
+    <cs:fontRef idx="minor">
+      <a:schemeClr val="tx1"/>
+    </cs:fontRef>
+    <cs:spPr>
+      <a:solidFill>
+        <a:schemeClr val="phClr"/>
+      </a:solidFill>
+      <a:ln w="9525">
+        <a:solidFill>
+          <a:schemeClr val="phClr"/>
+        </a:solidFill>
+      </a:ln>
+    </cs:spPr>
+  </cs:dataPointMarker>
+  <cs:dataPointMarkerLayout symbol="circle" size="5"/>
+  <cs:dataPointWireframe>
+    <cs:lnRef idx="0">
+      <cs:styleClr val="auto"/>
+    </cs:lnRef>
+    <cs:fillRef idx="1"/>
+    <cs:effectRef idx="0"/>
+    <cs:fontRef idx="minor">
+      <a:schemeClr val="tx1"/>
+    </cs:fontRef>
+    <cs:spPr>
+      <a:ln w="9525" cap="rnd">
+        <a:solidFill>
+          <a:schemeClr val="phClr"/>
+        </a:solidFill>
+        <a:round/>
+      </a:ln>
+    </cs:spPr>
+  </cs:dataPointWireframe>
+  <cs:dataTable>
+    <cs:lnRef idx="0"/>
+    <cs:fillRef idx="0"/>
+    <cs:effectRef idx="0"/>
+    <cs:fontRef idx="minor">
+      <a:schemeClr val="tx1">
+        <a:lumMod val="65000"/>
+        <a:lumOff val="35000"/>
+      </a:schemeClr>
+    </cs:fontRef>
+    <cs:spPr>
+      <a:noFill/>
+      <a:ln w="9525" cap="flat" cmpd="sng" algn="ctr">
+        <a:solidFill>
+          <a:schemeClr val="tx1">
+            <a:lumMod val="15000"/>
+            <a:lumOff val="85000"/>
+          </a:schemeClr>
+        </a:solidFill>
+        <a:round/>
+      </a:ln>
+    </cs:spPr>
+    <cs:defRPr sz="900" kern="1200"/>
+  </cs:dataTable>
+  <cs:downBar>
+    <cs:lnRef idx="0"/>
+    <cs:fillRef idx="0"/>
+    <cs:effectRef idx="0"/>
+    <cs:fontRef idx="minor">
+      <a:schemeClr val="dk1"/>
+    </cs:fontRef>
+    <cs:spPr>
+      <a:solidFill>
+        <a:schemeClr val="dk1">
+          <a:lumMod val="65000"/>
+          <a:lumOff val="35000"/>
+        </a:schemeClr>
+      </a:solidFill>
+      <a:ln w="9525">
+        <a:solidFill>
+          <a:schemeClr val="tx1">
+            <a:lumMod val="65000"/>
+            <a:lumOff val="35000"/>
+          </a:schemeClr>
+        </a:solidFill>
+      </a:ln>
+    </cs:spPr>
+  </cs:downBar>
+  <cs:dropLine>
+    <cs:lnRef idx="0"/>
+    <cs:fillRef idx="0"/>
+    <cs:effectRef idx="0"/>
+    <cs:fontRef idx="minor">
+      <a:schemeClr val="tx1"/>
+    </cs:fontRef>
+    <cs:spPr>
+      <a:ln w="9525" cap="flat" cmpd="sng" algn="ctr">
+        <a:solidFill>
+          <a:schemeClr val="tx1">
+            <a:lumMod val="35000"/>
+            <a:lumOff val="65000"/>
+          </a:schemeClr>
+        </a:solidFill>
+        <a:round/>
+      </a:ln>
+    </cs:spPr>
+  </cs:dropLine>
+  <cs:errorBar>
+    <cs:lnRef idx="0"/>
+    <cs:fillRef idx="0"/>
+    <cs:effectRef idx="0"/>
+    <cs:fontRef idx="minor">
+      <a:schemeClr val="tx1"/>
+    </cs:fontRef>
+    <cs:spPr>
+      <a:ln w="9525" cap="flat" cmpd="sng" algn="ctr">
+        <a:solidFill>
+          <a:schemeClr val="tx1">
+            <a:lumMod val="65000"/>
+            <a:lumOff val="35000"/>
+          </a:schemeClr>
+        </a:solidFill>
+        <a:round/>
+      </a:ln>
+    </cs:spPr>
+  </cs:errorBar>
+  <cs:floor>
+    <cs:lnRef idx="0"/>
+    <cs:fillRef idx="0"/>
+    <cs:effectRef idx="0"/>
+    <cs:fontRef idx="minor">
+      <a:schemeClr val="tx1"/>
+    </cs:fontRef>
+    <cs:spPr>
+      <a:noFill/>
+      <a:ln>
+        <a:noFill/>
+      </a:ln>
+    </cs:spPr>
+  </cs:floor>
+  <cs:gridlineMajor>
+    <cs:lnRef idx="0"/>
+    <cs:fillRef idx="0"/>
+    <cs:effectRef idx="0"/>
+    <cs:fontRef idx="minor">
+      <a:schemeClr val="tx1"/>
+    </cs:fontRef>
+    <cs:spPr>
+      <a:ln w="9525" cap="flat" cmpd="sng" algn="ctr">
+        <a:solidFill>
+          <a:schemeClr val="tx1">
+            <a:lumMod val="15000"/>
+            <a:lumOff val="85000"/>
+          </a:schemeClr>
+        </a:solidFill>
+        <a:round/>
+      </a:ln>
+    </cs:spPr>
+  </cs:gridlineMajor>
+  <cs:gridlineMinor>
+    <cs:lnRef idx="0"/>
+    <cs:fillRef idx="0"/>
+    <cs:effectRef idx="0"/>
+    <cs:fontRef idx="minor">
+      <a:schemeClr val="tx1"/>
+    </cs:fontRef>
+    <cs:spPr>
+      <a:ln w="9525" cap="flat" cmpd="sng" algn="ctr">
+        <a:solidFill>
+          <a:schemeClr val="tx1">
+            <a:lumMod val="5000"/>
+            <a:lumOff val="95000"/>
+          </a:schemeClr>
+        </a:solidFill>
+        <a:round/>
+      </a:ln>
+    </cs:spPr>
+  </cs:gridlineMinor>
+  <cs:hiLoLine>
+    <cs:lnRef idx="0"/>
+    <cs:fillRef idx="0"/>
+    <cs:effectRef idx="0"/>
+    <cs:fontRef idx="minor">
+      <a:schemeClr val="tx1"/>
+    </cs:fontRef>
+    <cs:spPr>
+      <a:ln w="9525" cap="flat" cmpd="sng" algn="ctr">
+        <a:solidFill>
+          <a:schemeClr val="tx1">
+            <a:lumMod val="75000"/>
+            <a:lumOff val="25000"/>
+          </a:schemeClr>
+        </a:solidFill>
+        <a:round/>
+      </a:ln>
+    </cs:spPr>
+  </cs:hiLoLine>
+  <cs:leaderLine>
+    <cs:lnRef idx="0"/>
+    <cs:fillRef idx="0"/>
+    <cs:effectRef idx="0"/>
+    <cs:fontRef idx="minor">
+      <a:schemeClr val="tx1"/>
+    </cs:fontRef>
+    <cs:spPr>
+      <a:ln w="9525" cap="flat" cmpd="sng" algn="ctr">
+        <a:solidFill>
+          <a:schemeClr val="tx1">
+            <a:lumMod val="35000"/>
+            <a:lumOff val="65000"/>
+          </a:schemeClr>
+        </a:solidFill>
+        <a:round/>
+      </a:ln>
+    </cs:spPr>
+  </cs:leaderLine>
+  <cs:legend>
+    <cs:lnRef idx="0"/>
+    <cs:fillRef idx="0"/>
+    <cs:effectRef idx="0"/>
+    <cs:fontRef idx="minor">
+      <a:schemeClr val="tx1">
+        <a:lumMod val="65000"/>
+        <a:lumOff val="35000"/>
+      </a:schemeClr>
+    </cs:fontRef>
+    <cs:defRPr sz="900" kern="1200"/>
+  </cs:legend>
+  <cs:plotArea mods="allowNoFillOverride allowNoLineOverride">
+    <cs:lnRef idx="0"/>
+    <cs:fillRef idx="0"/>
+    <cs:effectRef idx="0"/>
+    <cs:fontRef idx="minor">
+      <a:schemeClr val="tx1"/>
+    </cs:fontRef>
+  </cs:plotArea>
+  <cs:plotArea3D mods="allowNoFillOverride allowNoLineOverride">
+    <cs:lnRef idx="0"/>
+    <cs:fillRef idx="0"/>
+    <cs:effectRef idx="0"/>
+    <cs:fontRef idx="minor">
+      <a:schemeClr val="tx1"/>
+    </cs:fontRef>
+  </cs:plotArea3D>
+  <cs:seriesAxis>
+    <cs:lnRef idx="0"/>
+    <cs:fillRef idx="0"/>
+    <cs:effectRef idx="0"/>
+    <cs:fontRef idx="minor">
+      <a:schemeClr val="tx1">
+        <a:lumMod val="65000"/>
+        <a:lumOff val="35000"/>
+      </a:schemeClr>
+    </cs:fontRef>
+    <cs:defRPr sz="900" kern="1200"/>
+  </cs:seriesAxis>
+  <cs:seriesLine>
+    <cs:lnRef idx="0"/>
+    <cs:fillRef idx="0"/>
+    <cs:effectRef idx="0"/>
+    <cs:fontRef idx="minor">
+      <a:schemeClr val="tx1"/>
+    </cs:fontRef>
+    <cs:spPr>
+      <a:ln w="9525" cap="flat" cmpd="sng" algn="ctr">
+        <a:solidFill>
+          <a:schemeClr val="tx1">
+            <a:lumMod val="35000"/>
+            <a:lumOff val="65000"/>
+          </a:schemeClr>
+        </a:solidFill>
+        <a:round/>
+      </a:ln>
+    </cs:spPr>
+  </cs:seriesLine>
+  <cs:title>
+    <cs:lnRef idx="0"/>
+    <cs:fillRef idx="0"/>
+    <cs:effectRef idx="0"/>
+    <cs:fontRef idx="minor">
+      <a:schemeClr val="tx1">
+        <a:lumMod val="65000"/>
+        <a:lumOff val="35000"/>
+      </a:schemeClr>
+    </cs:fontRef>
+    <cs:defRPr sz="1400" b="0" kern="1200" spc="0" baseline="0"/>
+  </cs:title>
+  <cs:trendline>
+    <cs:lnRef idx="0">
+      <cs:styleClr val="auto"/>
+    </cs:lnRef>
+    <cs:fillRef idx="0"/>
+    <cs:effectRef idx="0"/>
+    <cs:fontRef idx="minor">
+      <a:schemeClr val="tx1"/>
+    </cs:fontRef>
+    <cs:spPr>
+      <a:ln w="19050" cap="rnd">
+        <a:solidFill>
+          <a:schemeClr val="phClr"/>
+        </a:solidFill>
+        <a:prstDash val="sysDot"/>
+      </a:ln>
+    </cs:spPr>
+  </cs:trendline>
+  <cs:trendlineLabel>
+    <cs:lnRef idx="0"/>
+    <cs:fillRef idx="0"/>
+    <cs:effectRef idx="0"/>
+    <cs:fontRef idx="minor">
+      <a:schemeClr val="tx1">
+        <a:lumMod val="65000"/>
+        <a:lumOff val="35000"/>
+      </a:schemeClr>
+    </cs:fontRef>
+    <cs:defRPr sz="900" kern="1200"/>
+  </cs:trendlineLabel>
+  <cs:upBar>
+    <cs:lnRef idx="0"/>
+    <cs:fillRef idx="0"/>
+    <cs:effectRef idx="0"/>
+    <cs:fontRef idx="minor">
+      <a:schemeClr val="dk1"/>
+    </cs:fontRef>
+    <cs:spPr>
+      <a:solidFill>
+        <a:schemeClr val="lt1"/>
+      </a:solidFill>
+      <a:ln w="9525">
+        <a:solidFill>
+          <a:schemeClr val="tx1">
+            <a:lumMod val="15000"/>
+            <a:lumOff val="85000"/>
+          </a:schemeClr>
+        </a:solidFill>
+      </a:ln>
+    </cs:spPr>
+  </cs:upBar>
+  <cs:valueAxis>
+    <cs:lnRef idx="0"/>
+    <cs:fillRef idx="0"/>
+    <cs:effectRef idx="0"/>
+    <cs:fontRef idx="minor">
+      <a:schemeClr val="tx1">
+        <a:lumMod val="65000"/>
+        <a:lumOff val="35000"/>
+      </a:schemeClr>
+    </cs:fontRef>
+    <cs:defRPr sz="900" kern="1200"/>
+  </cs:valueAxis>
+  <cs:wall>
+    <cs:lnRef idx="0"/>
+    <cs:fillRef idx="0"/>
+    <cs:effectRef idx="0"/>
+    <cs:fontRef idx="minor">
+      <a:schemeClr val="tx1"/>
+    </cs:fontRef>
+    <cs:spPr>
+      <a:noFill/>
+      <a:ln>
+        <a:noFill/>
+      </a:ln>
+    </cs:spPr>
+  </cs:wall>
+</cs:chartStyle>
+</file>
+
 <file path=ppt/notesMasters/notesMaster1.xml><?xml version="1.0" encoding="utf-8"?>
 <p:notesMaster xmlns:a="http://schemas.openxmlformats.org/drawingml/2006/main" xmlns:r="http://schemas.openxmlformats.org/officeDocument/2006/relationships" xmlns:p="http://schemas.openxmlformats.org/presentationml/2006/main">
   <p:cSld>
@@ -3758,7 +6861,7 @@
             <a:fld id="{3842907C-D0AA-4C58-9F94-58B40AD65B29}" type="datetimeFigureOut">
               <a:rPr lang="ja-JP" altLang="en-US"/>
               <a:pPr/>
-              <a:t>2016/5/11</a:t>
+              <a:t>2016/5/19</a:t>
             </a:fld>
             <a:endParaRPr kumimoji="1" lang="ja-JP"/>
           </a:p>
@@ -4830,7 +7933,7 @@
             <a:fld id="{E6E13C79-1C97-4B32-B2AE-1A69C169643E}" type="datetime2">
               <a:rPr lang="ja-JP" altLang="en-US"/>
               <a:pPr/>
-              <a:t>2016年5月11日(水)</a:t>
+              <a:t>2016年5月19日(木)</a:t>
             </a:fld>
             <a:endParaRPr kumimoji="1" lang="ja-JP">
               <a:solidFill>
@@ -5074,7 +8177,7 @@
             <a:fld id="{D10E14BF-C004-4398-9186-5EE680724D95}" type="datetime2">
               <a:rPr lang="ja-JP" altLang="en-US"/>
               <a:pPr/>
-              <a:t>2016年5月11日(水)</a:t>
+              <a:t>2016年5月19日(木)</a:t>
             </a:fld>
             <a:endParaRPr kumimoji="1" lang="ja-JP"/>
           </a:p>
@@ -5299,7 +8402,7 @@
             <a:fld id="{D10E14BF-C004-4398-9186-5EE680724D95}" type="datetime2">
               <a:rPr lang="ja-JP" altLang="en-US"/>
               <a:pPr/>
-              <a:t>2016年5月11日(水)</a:t>
+              <a:t>2016年5月19日(木)</a:t>
             </a:fld>
             <a:endParaRPr kumimoji="1" lang="ja-JP"/>
           </a:p>
@@ -5499,7 +8602,7 @@
             <a:fld id="{227FEF5B-F2CC-4EC5-8F1F-29A8BF9EFFA9}" type="datetime2">
               <a:rPr lang="ja-JP" altLang="en-US"/>
               <a:pPr/>
-              <a:t>2016年5月11日(水)</a:t>
+              <a:t>2016年5月19日(木)</a:t>
             </a:fld>
             <a:endParaRPr kumimoji="1" lang="ja-JP"/>
           </a:p>
@@ -5769,7 +8872,7 @@
             <a:fld id="{5F4709C1-563D-4D9C-B702-B64C84A5A174}" type="datetime2">
               <a:rPr lang="ja-JP" altLang="en-US"/>
               <a:pPr/>
-              <a:t>2016年5月11日(水)</a:t>
+              <a:t>2016年5月19日(木)</a:t>
             </a:fld>
             <a:endParaRPr kumimoji="1" lang="ja-JP"/>
           </a:p>
@@ -6239,7 +9342,7 @@
             <a:fld id="{2E8303D9-A6EB-41FB-BF22-3F49E470997E}" type="datetime2">
               <a:rPr lang="ja-JP" altLang="en-US"/>
               <a:pPr/>
-              <a:t>2016年5月11日(水)</a:t>
+              <a:t>2016年5月19日(木)</a:t>
             </a:fld>
             <a:endParaRPr kumimoji="1" lang="ja-JP"/>
           </a:p>
@@ -6746,7 +9849,7 @@
             <a:fld id="{89BB0534-5698-4F62-9CFE-5DE61A073E78}" type="datetime2">
               <a:rPr lang="ja-JP" altLang="en-US"/>
               <a:pPr/>
-              <a:t>2016年5月11日(水)</a:t>
+              <a:t>2016年5月19日(木)</a:t>
             </a:fld>
             <a:endParaRPr kumimoji="1" lang="ja-JP"/>
           </a:p>
@@ -6844,7 +9947,7 @@
             <a:fld id="{084827A3-B249-4F87-AB1A-1E06AC1AA2A4}" type="datetime2">
               <a:rPr lang="ja-JP" altLang="en-US"/>
               <a:pPr/>
-              <a:t>2016年5月11日(水)</a:t>
+              <a:t>2016年5月19日(木)</a:t>
             </a:fld>
             <a:endParaRPr kumimoji="1" lang="ja-JP"/>
           </a:p>
@@ -6967,7 +10070,7 @@
             <a:fld id="{B1546142-29B2-49CC-BCC6-A3AD70B4960E}" type="datetime2">
               <a:rPr lang="ja-JP" altLang="en-US"/>
               <a:pPr/>
-              <a:t>2016年5月11日(水)</a:t>
+              <a:t>2016年5月19日(木)</a:t>
             </a:fld>
             <a:endParaRPr kumimoji="1" lang="ja-JP"/>
           </a:p>
@@ -7270,7 +10373,7 @@
             <a:fld id="{E86C4691-4882-40A8-AF62-8CF6A18D40B2}" type="datetime2">
               <a:rPr lang="ja-JP" altLang="en-US"/>
               <a:pPr/>
-              <a:t>2016年5月11日(水)</a:t>
+              <a:t>2016年5月19日(木)</a:t>
             </a:fld>
             <a:endParaRPr kumimoji="1" lang="ja-JP"/>
           </a:p>
@@ -7472,7 +10575,7 @@
             <a:fld id="{61C6776A-4DEC-47EE-8A49-2C150ECB5465}" type="datetime2">
               <a:rPr lang="ja-JP" altLang="en-US"/>
               <a:pPr/>
-              <a:t>2016年5月11日(水)</a:t>
+              <a:t>2016年5月19日(木)</a:t>
             </a:fld>
             <a:endParaRPr kumimoji="1" lang="ja-JP">
               <a:solidFill>
@@ -8621,7 +11724,7 @@
             <a:fld id="{D10E14BF-C004-4398-9186-5EE680724D95}" type="datetime2">
               <a:rPr lang="ja-JP" altLang="en-US"/>
               <a:pPr/>
-              <a:t>2016年5月11日(水)</a:t>
+              <a:t>2016年5月19日(木)</a:t>
             </a:fld>
             <a:endParaRPr kumimoji="1" lang="ja-JP" sz="1000">
               <a:solidFill>
@@ -16142,6 +19245,505 @@
       </p:par>
     </p:tnLst>
   </p:timing>
+</p:sld>
+</file>
+
+<file path=ppt/slides/slide30.xml><?xml version="1.0" encoding="utf-8"?>
+<p:sld xmlns:a="http://schemas.openxmlformats.org/drawingml/2006/main" xmlns:r="http://schemas.openxmlformats.org/officeDocument/2006/relationships" xmlns:p="http://schemas.openxmlformats.org/presentationml/2006/main">
+  <p:cSld>
+    <p:spTree>
+      <p:nvGrpSpPr>
+        <p:cNvPr id="1" name=""/>
+        <p:cNvGrpSpPr/>
+        <p:nvPr/>
+      </p:nvGrpSpPr>
+      <p:grpSpPr>
+        <a:xfrm>
+          <a:off x="0" y="0"/>
+          <a:ext cx="0" cy="0"/>
+          <a:chOff x="0" y="0"/>
+          <a:chExt cx="0" cy="0"/>
+        </a:xfrm>
+      </p:grpSpPr>
+      <p:sp>
+        <p:nvSpPr>
+          <p:cNvPr id="2" name="コンテンツ プレースホルダー 1"/>
+          <p:cNvSpPr>
+            <a:spLocks noGrp="1"/>
+          </p:cNvSpPr>
+          <p:nvPr>
+            <p:ph idx="1"/>
+          </p:nvPr>
+        </p:nvSpPr>
+        <p:spPr/>
+        <p:txBody>
+          <a:bodyPr/>
+          <a:lstStyle/>
+          <a:p>
+            <a:r>
+              <a:rPr kumimoji="1" lang="ja-JP" altLang="en-US" dirty="0" smtClean="0"/>
+              <a:t>初期値を変え</a:t>
+            </a:r>
+            <a:r>
+              <a:rPr lang="ja-JP" altLang="en-US" dirty="0"/>
+              <a:t>て</a:t>
+            </a:r>
+            <a:r>
+              <a:rPr kumimoji="1" lang="ja-JP" altLang="en-US" dirty="0" smtClean="0"/>
+              <a:t>実験</a:t>
+            </a:r>
+            <a:endParaRPr kumimoji="1" lang="en-US" altLang="ja-JP" dirty="0" smtClean="0"/>
+          </a:p>
+          <a:p>
+            <a:r>
+              <a:rPr lang="ja-JP" altLang="en-US" dirty="0" smtClean="0"/>
+              <a:t>画像</a:t>
+            </a:r>
+            <a:r>
+              <a:rPr lang="ja-JP" altLang="en-US" dirty="0"/>
+              <a:t>処理</a:t>
+            </a:r>
+            <a:r>
+              <a:rPr lang="ja-JP" altLang="en-US" dirty="0" smtClean="0"/>
+              <a:t>としての応用</a:t>
+            </a:r>
+            <a:endParaRPr kumimoji="1" lang="en-US" altLang="ja-JP" dirty="0" smtClean="0"/>
+          </a:p>
+          <a:p>
+            <a:r>
+              <a:rPr lang="ja-JP" altLang="en-US" dirty="0" smtClean="0"/>
+              <a:t>機械学習演習</a:t>
+            </a:r>
+            <a:endParaRPr lang="en-US" altLang="ja-JP" dirty="0" smtClean="0"/>
+          </a:p>
+          <a:p>
+            <a:pPr lvl="1"/>
+            <a:r>
+              <a:rPr lang="ja-JP" altLang="en-US" dirty="0" smtClean="0"/>
+              <a:t>ＣＮＮ</a:t>
+            </a:r>
+            <a:endParaRPr lang="en-US" altLang="ja-JP" dirty="0" smtClean="0"/>
+          </a:p>
+          <a:p>
+            <a:pPr lvl="1"/>
+            <a:r>
+              <a:rPr kumimoji="1" lang="ja-JP" altLang="en-US" dirty="0" smtClean="0"/>
+              <a:t>バックプロパゲーション</a:t>
+            </a:r>
+            <a:endParaRPr kumimoji="1" lang="en-US" altLang="ja-JP" dirty="0" smtClean="0"/>
+          </a:p>
+          <a:p>
+            <a:r>
+              <a:rPr lang="en-US" altLang="ja-JP" dirty="0" smtClean="0"/>
+              <a:t>C++</a:t>
+            </a:r>
+            <a:r>
+              <a:rPr lang="ja-JP" altLang="en-US" dirty="0" smtClean="0"/>
+              <a:t>演習</a:t>
+            </a:r>
+            <a:endParaRPr lang="en-US" altLang="ja-JP" dirty="0" smtClean="0"/>
+          </a:p>
+          <a:p>
+            <a:r>
+              <a:rPr kumimoji="1" lang="en-US" altLang="ja-JP" dirty="0" err="1" smtClean="0"/>
+              <a:t>kinect</a:t>
+            </a:r>
+            <a:r>
+              <a:rPr kumimoji="1" lang="ja-JP" altLang="en-US" dirty="0" smtClean="0"/>
+              <a:t>準備</a:t>
+            </a:r>
+            <a:endParaRPr kumimoji="1" lang="en-US" altLang="ja-JP" dirty="0" smtClean="0"/>
+          </a:p>
+          <a:p>
+            <a:pPr lvl="1"/>
+            <a:r>
+              <a:rPr lang="en-US" altLang="ja-JP" dirty="0" smtClean="0"/>
+              <a:t>Java</a:t>
+            </a:r>
+            <a:r>
+              <a:rPr lang="ja-JP" altLang="en-US" dirty="0" smtClean="0"/>
+              <a:t>の</a:t>
+            </a:r>
+            <a:r>
+              <a:rPr lang="en-US" altLang="ja-JP" dirty="0" err="1" smtClean="0"/>
+              <a:t>kinect</a:t>
+            </a:r>
+            <a:r>
+              <a:rPr lang="ja-JP" altLang="en-US" dirty="0" smtClean="0"/>
+              <a:t>のライブラリを発見</a:t>
+            </a:r>
+            <a:endParaRPr lang="en-US" altLang="ja-JP" dirty="0" smtClean="0"/>
+          </a:p>
+          <a:p>
+            <a:pPr lvl="1"/>
+            <a:r>
+              <a:rPr lang="ja-JP" altLang="en-US" dirty="0"/>
+              <a:t>チュートリアル</a:t>
+            </a:r>
+            <a:r>
+              <a:rPr lang="ja-JP" altLang="en-US" dirty="0" smtClean="0"/>
+              <a:t>を読んでいる最中</a:t>
+            </a:r>
+            <a:endParaRPr kumimoji="1" lang="ja-JP" altLang="en-US" dirty="0"/>
+          </a:p>
+        </p:txBody>
+      </p:sp>
+      <p:sp>
+        <p:nvSpPr>
+          <p:cNvPr id="3" name="タイトル 2"/>
+          <p:cNvSpPr>
+            <a:spLocks noGrp="1"/>
+          </p:cNvSpPr>
+          <p:nvPr>
+            <p:ph type="title"/>
+          </p:nvPr>
+        </p:nvSpPr>
+        <p:spPr/>
+        <p:txBody>
+          <a:bodyPr/>
+          <a:lstStyle/>
+          <a:p>
+            <a:r>
+              <a:rPr kumimoji="1" lang="ja-JP" altLang="en-US" dirty="0" smtClean="0"/>
+              <a:t>～</a:t>
+            </a:r>
+            <a:r>
+              <a:rPr kumimoji="1" lang="en-US" altLang="ja-JP" dirty="0" smtClean="0"/>
+              <a:t>2016/ 5/19</a:t>
+            </a:r>
+            <a:endParaRPr kumimoji="1" lang="ja-JP" altLang="en-US" dirty="0"/>
+          </a:p>
+        </p:txBody>
+      </p:sp>
+    </p:spTree>
+    <p:extLst>
+      <p:ext uri="{BB962C8B-B14F-4D97-AF65-F5344CB8AC3E}">
+        <p14:creationId xmlns:p14="http://schemas.microsoft.com/office/powerpoint/2010/main" val="1260461437"/>
+      </p:ext>
+    </p:extLst>
+  </p:cSld>
+  <p:clrMapOvr>
+    <a:masterClrMapping/>
+  </p:clrMapOvr>
+</p:sld>
+</file>
+
+<file path=ppt/slides/slide31.xml><?xml version="1.0" encoding="utf-8"?>
+<p:sld xmlns:a="http://schemas.openxmlformats.org/drawingml/2006/main" xmlns:r="http://schemas.openxmlformats.org/officeDocument/2006/relationships" xmlns:p="http://schemas.openxmlformats.org/presentationml/2006/main">
+  <p:cSld>
+    <p:spTree>
+      <p:nvGrpSpPr>
+        <p:cNvPr id="1" name=""/>
+        <p:cNvGrpSpPr/>
+        <p:nvPr/>
+      </p:nvGrpSpPr>
+      <p:grpSpPr>
+        <a:xfrm>
+          <a:off x="0" y="0"/>
+          <a:ext cx="0" cy="0"/>
+          <a:chOff x="0" y="0"/>
+          <a:chExt cx="0" cy="0"/>
+        </a:xfrm>
+      </p:grpSpPr>
+      <p:sp>
+        <p:nvSpPr>
+          <p:cNvPr id="2" name="コンテンツ プレースホルダー 1"/>
+          <p:cNvSpPr>
+            <a:spLocks noGrp="1"/>
+          </p:cNvSpPr>
+          <p:nvPr>
+            <p:ph idx="1"/>
+          </p:nvPr>
+        </p:nvSpPr>
+        <p:spPr/>
+        <p:txBody>
+          <a:bodyPr/>
+          <a:lstStyle/>
+          <a:p>
+            <a:endParaRPr kumimoji="1" lang="ja-JP" altLang="en-US"/>
+          </a:p>
+        </p:txBody>
+      </p:sp>
+      <p:sp>
+        <p:nvSpPr>
+          <p:cNvPr id="3" name="タイトル 2"/>
+          <p:cNvSpPr>
+            <a:spLocks noGrp="1"/>
+          </p:cNvSpPr>
+          <p:nvPr>
+            <p:ph type="title"/>
+          </p:nvPr>
+        </p:nvSpPr>
+        <p:spPr/>
+        <p:txBody>
+          <a:bodyPr/>
+          <a:lstStyle/>
+          <a:p>
+            <a:r>
+              <a:rPr kumimoji="1" lang="ja-JP" altLang="en-US" dirty="0" smtClean="0"/>
+              <a:t>実験結果</a:t>
+            </a:r>
+            <a:endParaRPr kumimoji="1" lang="ja-JP" altLang="en-US" dirty="0"/>
+          </a:p>
+        </p:txBody>
+      </p:sp>
+      <p:graphicFrame>
+        <p:nvGraphicFramePr>
+          <p:cNvPr id="4" name="グラフ 3"/>
+          <p:cNvGraphicFramePr>
+            <a:graphicFrameLocks/>
+          </p:cNvGraphicFramePr>
+          <p:nvPr>
+            <p:extLst>
+              <p:ext uri="{D42A27DB-BD31-4B8C-83A1-F6EECF244321}">
+                <p14:modId xmlns:p14="http://schemas.microsoft.com/office/powerpoint/2010/main" val="2583513398"/>
+              </p:ext>
+            </p:extLst>
+          </p:nvPr>
+        </p:nvGraphicFramePr>
+        <p:xfrm>
+          <a:off x="474588" y="908721"/>
+          <a:ext cx="8229600" cy="2880320"/>
+        </p:xfrm>
+        <a:graphic>
+          <a:graphicData uri="http://schemas.openxmlformats.org/drawingml/2006/chart">
+            <c:chart xmlns:c="http://schemas.openxmlformats.org/drawingml/2006/chart" xmlns:r="http://schemas.openxmlformats.org/officeDocument/2006/relationships" r:id="rId2"/>
+          </a:graphicData>
+        </a:graphic>
+      </p:graphicFrame>
+      <p:graphicFrame>
+        <p:nvGraphicFramePr>
+          <p:cNvPr id="5" name="グラフ 4"/>
+          <p:cNvGraphicFramePr>
+            <a:graphicFrameLocks/>
+          </p:cNvGraphicFramePr>
+          <p:nvPr>
+            <p:extLst>
+              <p:ext uri="{D42A27DB-BD31-4B8C-83A1-F6EECF244321}">
+                <p14:modId xmlns:p14="http://schemas.microsoft.com/office/powerpoint/2010/main" val="4049455713"/>
+              </p:ext>
+            </p:extLst>
+          </p:nvPr>
+        </p:nvGraphicFramePr>
+        <p:xfrm>
+          <a:off x="457200" y="3880718"/>
+          <a:ext cx="8212212" cy="2743200"/>
+        </p:xfrm>
+        <a:graphic>
+          <a:graphicData uri="http://schemas.openxmlformats.org/drawingml/2006/chart">
+            <c:chart xmlns:c="http://schemas.openxmlformats.org/drawingml/2006/chart" xmlns:r="http://schemas.openxmlformats.org/officeDocument/2006/relationships" r:id="rId3"/>
+          </a:graphicData>
+        </a:graphic>
+      </p:graphicFrame>
+    </p:spTree>
+    <p:extLst>
+      <p:ext uri="{BB962C8B-B14F-4D97-AF65-F5344CB8AC3E}">
+        <p14:creationId xmlns:p14="http://schemas.microsoft.com/office/powerpoint/2010/main" val="2337755437"/>
+      </p:ext>
+    </p:extLst>
+  </p:cSld>
+  <p:clrMapOvr>
+    <a:masterClrMapping/>
+  </p:clrMapOvr>
+</p:sld>
+</file>
+
+<file path=ppt/slides/slide32.xml><?xml version="1.0" encoding="utf-8"?>
+<p:sld xmlns:a="http://schemas.openxmlformats.org/drawingml/2006/main" xmlns:r="http://schemas.openxmlformats.org/officeDocument/2006/relationships" xmlns:p="http://schemas.openxmlformats.org/presentationml/2006/main">
+  <p:cSld>
+    <p:spTree>
+      <p:nvGrpSpPr>
+        <p:cNvPr id="1" name=""/>
+        <p:cNvGrpSpPr/>
+        <p:nvPr/>
+      </p:nvGrpSpPr>
+      <p:grpSpPr>
+        <a:xfrm>
+          <a:off x="0" y="0"/>
+          <a:ext cx="0" cy="0"/>
+          <a:chOff x="0" y="0"/>
+          <a:chExt cx="0" cy="0"/>
+        </a:xfrm>
+      </p:grpSpPr>
+      <p:sp>
+        <p:nvSpPr>
+          <p:cNvPr id="2" name="コンテンツ プレースホルダー 1"/>
+          <p:cNvSpPr>
+            <a:spLocks noGrp="1"/>
+          </p:cNvSpPr>
+          <p:nvPr>
+            <p:ph idx="1"/>
+          </p:nvPr>
+        </p:nvSpPr>
+        <p:spPr/>
+        <p:txBody>
+          <a:bodyPr/>
+          <a:lstStyle/>
+          <a:p>
+            <a:r>
+              <a:rPr kumimoji="1" lang="ja-JP" altLang="en-US" dirty="0" smtClean="0"/>
+              <a:t>収束は </a:t>
+            </a:r>
+            <a:r>
+              <a:rPr kumimoji="1" lang="en-US" altLang="ja-JP" dirty="0" smtClean="0"/>
+              <a:t>50 </a:t>
+            </a:r>
+            <a:r>
+              <a:rPr kumimoji="1" lang="ja-JP" altLang="en-US" dirty="0" smtClean="0"/>
+              <a:t>前後</a:t>
+            </a:r>
+            <a:endParaRPr kumimoji="1" lang="en-US" altLang="ja-JP" dirty="0" smtClean="0"/>
+          </a:p>
+          <a:p>
+            <a:r>
+              <a:rPr lang="ja-JP" altLang="en-US" dirty="0" smtClean="0"/>
+              <a:t>特徴</a:t>
+            </a:r>
+            <a:r>
+              <a:rPr lang="ja-JP" altLang="en-US" dirty="0"/>
+              <a:t>量</a:t>
+            </a:r>
+            <a:r>
+              <a:rPr lang="ja-JP" altLang="en-US" dirty="0" smtClean="0"/>
+              <a:t>を増やして実験を始める</a:t>
+            </a:r>
+            <a:endParaRPr lang="en-US" altLang="ja-JP" dirty="0" smtClean="0"/>
+          </a:p>
+          <a:p>
+            <a:pPr lvl="1"/>
+            <a:r>
+              <a:rPr lang="en-US" altLang="ja-JP" dirty="0"/>
+              <a:t>3</a:t>
+            </a:r>
+            <a:r>
+              <a:rPr lang="ja-JP" altLang="en-US" dirty="0" smtClean="0"/>
+              <a:t>次元</a:t>
+            </a:r>
+            <a:endParaRPr lang="en-US" altLang="ja-JP" dirty="0" smtClean="0"/>
+          </a:p>
+          <a:p>
+            <a:pPr lvl="1"/>
+            <a:r>
+              <a:rPr lang="ja-JP" altLang="en-US" dirty="0" smtClean="0"/>
+              <a:t>向き</a:t>
+            </a:r>
+            <a:endParaRPr lang="en-US" altLang="ja-JP" dirty="0" smtClean="0"/>
+          </a:p>
+          <a:p>
+            <a:r>
+              <a:rPr lang="ja-JP" altLang="en-US" dirty="0" smtClean="0"/>
+              <a:t>ほかの</a:t>
+            </a:r>
+            <a:r>
+              <a:rPr lang="ja-JP" altLang="en-US" dirty="0"/>
+              <a:t>手法</a:t>
+            </a:r>
+            <a:r>
+              <a:rPr lang="ja-JP" altLang="en-US" dirty="0" smtClean="0"/>
+              <a:t>の</a:t>
+            </a:r>
+            <a:r>
+              <a:rPr lang="ja-JP" altLang="en-US" dirty="0" smtClean="0"/>
+              <a:t>実験データも取る</a:t>
+            </a:r>
+            <a:endParaRPr lang="en-US" altLang="ja-JP" dirty="0" smtClean="0"/>
+          </a:p>
+          <a:p>
+            <a:pPr lvl="1"/>
+            <a:r>
+              <a:rPr lang="ja-JP" altLang="en-US" smtClean="0"/>
+              <a:t>連立方程式，ＧＡ，卒論手法</a:t>
+            </a:r>
+            <a:endParaRPr lang="en-US" altLang="ja-JP" dirty="0" smtClean="0"/>
+          </a:p>
+          <a:p>
+            <a:pPr lvl="1"/>
+            <a:endParaRPr lang="en-US" altLang="ja-JP" dirty="0"/>
+          </a:p>
+          <a:p>
+            <a:r>
+              <a:rPr lang="en-US" altLang="ja-JP" dirty="0" smtClean="0"/>
+              <a:t>CNN</a:t>
+            </a:r>
+            <a:r>
+              <a:rPr lang="ja-JP" altLang="en-US" dirty="0" smtClean="0"/>
+              <a:t>学習の演習</a:t>
+            </a:r>
+            <a:endParaRPr lang="en-US" altLang="ja-JP" dirty="0" smtClean="0"/>
+          </a:p>
+          <a:p>
+            <a:r>
+              <a:rPr lang="en-US" altLang="ja-JP" dirty="0" smtClean="0"/>
+              <a:t>HIRO</a:t>
+            </a:r>
+            <a:r>
+              <a:rPr lang="ja-JP" altLang="en-US" dirty="0" smtClean="0"/>
+              <a:t>の試用</a:t>
+            </a:r>
+            <a:endParaRPr lang="en-US" altLang="ja-JP" dirty="0" smtClean="0"/>
+          </a:p>
+          <a:p>
+            <a:pPr lvl="1"/>
+            <a:r>
+              <a:rPr lang="en-US" altLang="ja-JP" dirty="0" smtClean="0"/>
+              <a:t>HiroControl.cpp</a:t>
+            </a:r>
+            <a:r>
+              <a:rPr lang="ja-JP" altLang="en-US" dirty="0"/>
+              <a:t> </a:t>
+            </a:r>
+            <a:r>
+              <a:rPr lang="ja-JP" altLang="en-US" dirty="0" smtClean="0"/>
+              <a:t>試用</a:t>
+            </a:r>
+            <a:endParaRPr lang="en-US" altLang="ja-JP" dirty="0" smtClean="0"/>
+          </a:p>
+          <a:p>
+            <a:r>
+              <a:rPr lang="en-US" altLang="ja-JP" dirty="0" err="1" smtClean="0"/>
+              <a:t>kinect</a:t>
+            </a:r>
+            <a:r>
+              <a:rPr lang="ja-JP" altLang="en-US" dirty="0" smtClean="0"/>
+              <a:t>のチュートリアル</a:t>
+            </a:r>
+            <a:endParaRPr lang="en-US" altLang="ja-JP" dirty="0" smtClean="0"/>
+          </a:p>
+        </p:txBody>
+      </p:sp>
+      <p:sp>
+        <p:nvSpPr>
+          <p:cNvPr id="3" name="タイトル 2"/>
+          <p:cNvSpPr>
+            <a:spLocks noGrp="1"/>
+          </p:cNvSpPr>
+          <p:nvPr>
+            <p:ph type="title"/>
+          </p:nvPr>
+        </p:nvSpPr>
+        <p:spPr/>
+        <p:txBody>
+          <a:bodyPr/>
+          <a:lstStyle/>
+          <a:p>
+            <a:r>
+              <a:rPr kumimoji="1" lang="ja-JP" altLang="en-US" dirty="0" smtClean="0"/>
+              <a:t>今後の展望</a:t>
+            </a:r>
+            <a:endParaRPr kumimoji="1" lang="ja-JP" altLang="en-US" dirty="0"/>
+          </a:p>
+        </p:txBody>
+      </p:sp>
+    </p:spTree>
+    <p:extLst>
+      <p:ext uri="{BB962C8B-B14F-4D97-AF65-F5344CB8AC3E}">
+        <p14:creationId xmlns:p14="http://schemas.microsoft.com/office/powerpoint/2010/main" val="3351392745"/>
+      </p:ext>
+    </p:extLst>
+  </p:cSld>
+  <p:clrMapOvr>
+    <a:masterClrMapping/>
+  </p:clrMapOvr>
 </p:sld>
 </file>
 

--- a/IntentionLearning_v2/slide/discussion2016.pptx
+++ b/IntentionLearning_v2/slide/discussion2016.pptx
@@ -5,7 +5,7 @@
     <p:sldMasterId id="2147483658" r:id="rId2"/>
   </p:sldMasterIdLst>
   <p:notesMasterIdLst>
-    <p:notesMasterId r:id="rId35"/>
+    <p:notesMasterId r:id="rId39"/>
   </p:notesMasterIdLst>
   <p:sldIdLst>
     <p:sldId id="256" r:id="rId3"/>
@@ -40,6 +40,10 @@
     <p:sldId id="292" r:id="rId32"/>
     <p:sldId id="294" r:id="rId33"/>
     <p:sldId id="293" r:id="rId34"/>
+    <p:sldId id="295" r:id="rId35"/>
+    <p:sldId id="296" r:id="rId36"/>
+    <p:sldId id="297" r:id="rId37"/>
+    <p:sldId id="298" r:id="rId38"/>
   </p:sldIdLst>
   <p:sldSz cx="9144000" cy="6858000" type="screen4x3"/>
   <p:notesSz cx="6858000" cy="9144000"/>
@@ -158,7 +162,7 @@
 </file>
 
 <file path=ppt/charts/chart1.xml><?xml version="1.0" encoding="utf-8"?>
-<c:chartSpace xmlns:c="http://schemas.openxmlformats.org/drawingml/2006/chart" xmlns:a="http://schemas.openxmlformats.org/drawingml/2006/main" xmlns:r="http://schemas.openxmlformats.org/officeDocument/2006/relationships">
+<c:chartSpace xmlns:c="http://schemas.openxmlformats.org/drawingml/2006/chart" xmlns:a="http://schemas.openxmlformats.org/drawingml/2006/main" xmlns:r="http://schemas.openxmlformats.org/officeDocument/2006/relationships" xmlns:c16r2="http://schemas.microsoft.com/office/drawing/2015/06/chart">
   <c:date1904 val="0"/>
   <c:lang val="ja-JP"/>
   <c:roundedCorners val="0"/>
@@ -300,6 +304,11 @@
             </c:numRef>
           </c:val>
           <c:smooth val="0"/>
+          <c:extLst>
+            <c:ext xmlns:c16="http://schemas.microsoft.com/office/drawing/2014/chart" uri="{C3380CC4-5D6E-409C-BE32-E72D297353CC}">
+              <c16:uniqueId val="{00000000-72A2-43C3-A95B-F26DF937BC7E}"/>
+            </c:ext>
+          </c:extLst>
         </c:ser>
         <c:dLbls>
           <c:showLegendKey val="0"/>
@@ -584,7 +593,7 @@
 </file>
 
 <file path=ppt/charts/chart2.xml><?xml version="1.0" encoding="utf-8"?>
-<c:chartSpace xmlns:c="http://schemas.openxmlformats.org/drawingml/2006/chart" xmlns:a="http://schemas.openxmlformats.org/drawingml/2006/main" xmlns:r="http://schemas.openxmlformats.org/officeDocument/2006/relationships">
+<c:chartSpace xmlns:c="http://schemas.openxmlformats.org/drawingml/2006/chart" xmlns:a="http://schemas.openxmlformats.org/drawingml/2006/main" xmlns:r="http://schemas.openxmlformats.org/officeDocument/2006/relationships" xmlns:c16r2="http://schemas.microsoft.com/office/drawing/2015/06/chart">
   <c:date1904 val="0"/>
   <c:lang val="ja-JP"/>
   <c:roundedCorners val="0"/>
@@ -728,6 +737,11 @@
             </c:numRef>
           </c:val>
           <c:smooth val="0"/>
+          <c:extLst>
+            <c:ext xmlns:c16="http://schemas.microsoft.com/office/drawing/2014/chart" uri="{C3380CC4-5D6E-409C-BE32-E72D297353CC}">
+              <c16:uniqueId val="{00000000-F44C-43A5-957A-5A00D95D7A26}"/>
+            </c:ext>
+          </c:extLst>
         </c:ser>
         <c:dLbls>
           <c:showLegendKey val="0"/>
@@ -883,7 +897,7 @@
 </file>
 
 <file path=ppt/charts/chart3.xml><?xml version="1.0" encoding="utf-8"?>
-<c:chartSpace xmlns:c="http://schemas.openxmlformats.org/drawingml/2006/chart" xmlns:a="http://schemas.openxmlformats.org/drawingml/2006/main" xmlns:r="http://schemas.openxmlformats.org/officeDocument/2006/relationships">
+<c:chartSpace xmlns:c="http://schemas.openxmlformats.org/drawingml/2006/chart" xmlns:a="http://schemas.openxmlformats.org/drawingml/2006/main" xmlns:r="http://schemas.openxmlformats.org/officeDocument/2006/relationships" xmlns:c16r2="http://schemas.microsoft.com/office/drawing/2015/06/chart">
   <c:date1904 val="0"/>
   <c:lang val="ja-JP"/>
   <c:roundedCorners val="0"/>
@@ -1011,6 +1025,11 @@
             </c:numRef>
           </c:val>
           <c:smooth val="0"/>
+          <c:extLst>
+            <c:ext xmlns:c16="http://schemas.microsoft.com/office/drawing/2014/chart" uri="{C3380CC4-5D6E-409C-BE32-E72D297353CC}">
+              <c16:uniqueId val="{00000000-AEF3-4759-A464-5A4D8A5629F1}"/>
+            </c:ext>
+          </c:extLst>
         </c:ser>
         <c:dLbls>
           <c:showLegendKey val="0"/>
@@ -1166,7 +1185,7 @@
 </file>
 
 <file path=ppt/charts/chart4.xml><?xml version="1.0" encoding="utf-8"?>
-<c:chartSpace xmlns:c="http://schemas.openxmlformats.org/drawingml/2006/chart" xmlns:a="http://schemas.openxmlformats.org/drawingml/2006/main" xmlns:r="http://schemas.openxmlformats.org/officeDocument/2006/relationships">
+<c:chartSpace xmlns:c="http://schemas.openxmlformats.org/drawingml/2006/chart" xmlns:a="http://schemas.openxmlformats.org/drawingml/2006/main" xmlns:r="http://schemas.openxmlformats.org/officeDocument/2006/relationships" xmlns:c16r2="http://schemas.microsoft.com/office/drawing/2015/06/chart">
   <c:date1904 val="0"/>
   <c:lang val="ja-JP"/>
   <c:roundedCorners val="0"/>
@@ -1300,6 +1319,11 @@
             </c:numRef>
           </c:val>
           <c:smooth val="0"/>
+          <c:extLst>
+            <c:ext xmlns:c16="http://schemas.microsoft.com/office/drawing/2014/chart" uri="{C3380CC4-5D6E-409C-BE32-E72D297353CC}">
+              <c16:uniqueId val="{00000000-4D1A-41E9-84E7-F8723466D0DC}"/>
+            </c:ext>
+          </c:extLst>
         </c:ser>
         <c:dLbls>
           <c:showLegendKey val="0"/>
@@ -1455,7 +1479,7 @@
 </file>
 
 <file path=ppt/charts/chart5.xml><?xml version="1.0" encoding="utf-8"?>
-<c:chartSpace xmlns:c="http://schemas.openxmlformats.org/drawingml/2006/chart" xmlns:a="http://schemas.openxmlformats.org/drawingml/2006/main" xmlns:r="http://schemas.openxmlformats.org/officeDocument/2006/relationships">
+<c:chartSpace xmlns:c="http://schemas.openxmlformats.org/drawingml/2006/chart" xmlns:a="http://schemas.openxmlformats.org/drawingml/2006/main" xmlns:r="http://schemas.openxmlformats.org/officeDocument/2006/relationships" xmlns:c16r2="http://schemas.microsoft.com/office/drawing/2015/06/chart">
   <c:date1904 val="0"/>
   <c:lang val="ja-JP"/>
   <c:roundedCorners val="0"/>
@@ -1640,6 +1664,11 @@
             </c:numRef>
           </c:val>
           <c:smooth val="0"/>
+          <c:extLst>
+            <c:ext xmlns:c16="http://schemas.microsoft.com/office/drawing/2014/chart" uri="{C3380CC4-5D6E-409C-BE32-E72D297353CC}">
+              <c16:uniqueId val="{00000000-29B9-4F4F-936D-A49A0CDF36C2}"/>
+            </c:ext>
+          </c:extLst>
         </c:ser>
         <c:ser>
           <c:idx val="1"/>
@@ -1807,6 +1836,11 @@
             </c:numRef>
           </c:val>
           <c:smooth val="0"/>
+          <c:extLst>
+            <c:ext xmlns:c16="http://schemas.microsoft.com/office/drawing/2014/chart" uri="{C3380CC4-5D6E-409C-BE32-E72D297353CC}">
+              <c16:uniqueId val="{00000001-29B9-4F4F-936D-A49A0CDF36C2}"/>
+            </c:ext>
+          </c:extLst>
         </c:ser>
         <c:ser>
           <c:idx val="2"/>
@@ -1974,6 +2008,11 @@
             </c:numRef>
           </c:val>
           <c:smooth val="0"/>
+          <c:extLst>
+            <c:ext xmlns:c16="http://schemas.microsoft.com/office/drawing/2014/chart" uri="{C3380CC4-5D6E-409C-BE32-E72D297353CC}">
+              <c16:uniqueId val="{00000002-29B9-4F4F-936D-A49A0CDF36C2}"/>
+            </c:ext>
+          </c:extLst>
         </c:ser>
         <c:ser>
           <c:idx val="3"/>
@@ -2141,6 +2180,11 @@
             </c:numRef>
           </c:val>
           <c:smooth val="0"/>
+          <c:extLst>
+            <c:ext xmlns:c16="http://schemas.microsoft.com/office/drawing/2014/chart" uri="{C3380CC4-5D6E-409C-BE32-E72D297353CC}">
+              <c16:uniqueId val="{00000003-29B9-4F4F-936D-A49A0CDF36C2}"/>
+            </c:ext>
+          </c:extLst>
         </c:ser>
         <c:ser>
           <c:idx val="4"/>
@@ -2308,6 +2352,11 @@
             </c:numRef>
           </c:val>
           <c:smooth val="0"/>
+          <c:extLst>
+            <c:ext xmlns:c16="http://schemas.microsoft.com/office/drawing/2014/chart" uri="{C3380CC4-5D6E-409C-BE32-E72D297353CC}">
+              <c16:uniqueId val="{00000004-29B9-4F4F-936D-A49A0CDF36C2}"/>
+            </c:ext>
+          </c:extLst>
         </c:ser>
         <c:dLbls>
           <c:showLegendKey val="0"/>
@@ -2464,7 +2513,7 @@
 </file>
 
 <file path=ppt/charts/chart6.xml><?xml version="1.0" encoding="utf-8"?>
-<c:chartSpace xmlns:c="http://schemas.openxmlformats.org/drawingml/2006/chart" xmlns:a="http://schemas.openxmlformats.org/drawingml/2006/main" xmlns:r="http://schemas.openxmlformats.org/officeDocument/2006/relationships">
+<c:chartSpace xmlns:c="http://schemas.openxmlformats.org/drawingml/2006/chart" xmlns:a="http://schemas.openxmlformats.org/drawingml/2006/main" xmlns:r="http://schemas.openxmlformats.org/officeDocument/2006/relationships" xmlns:c16r2="http://schemas.microsoft.com/office/drawing/2015/06/chart">
   <c:date1904 val="0"/>
   <c:lang val="ja-JP"/>
   <c:roundedCorners val="0"/>
@@ -2643,6 +2692,11 @@
             </c:numRef>
           </c:val>
           <c:smooth val="0"/>
+          <c:extLst>
+            <c:ext xmlns:c16="http://schemas.microsoft.com/office/drawing/2014/chart" uri="{C3380CC4-5D6E-409C-BE32-E72D297353CC}">
+              <c16:uniqueId val="{00000000-AF3A-4BCC-BDDF-013CB63604E6}"/>
+            </c:ext>
+          </c:extLst>
         </c:ser>
         <c:ser>
           <c:idx val="1"/>
@@ -2804,6 +2858,11 @@
             </c:numRef>
           </c:val>
           <c:smooth val="0"/>
+          <c:extLst>
+            <c:ext xmlns:c16="http://schemas.microsoft.com/office/drawing/2014/chart" uri="{C3380CC4-5D6E-409C-BE32-E72D297353CC}">
+              <c16:uniqueId val="{00000001-AF3A-4BCC-BDDF-013CB63604E6}"/>
+            </c:ext>
+          </c:extLst>
         </c:ser>
         <c:ser>
           <c:idx val="2"/>
@@ -2965,6 +3024,11 @@
             </c:numRef>
           </c:val>
           <c:smooth val="0"/>
+          <c:extLst>
+            <c:ext xmlns:c16="http://schemas.microsoft.com/office/drawing/2014/chart" uri="{C3380CC4-5D6E-409C-BE32-E72D297353CC}">
+              <c16:uniqueId val="{00000002-AF3A-4BCC-BDDF-013CB63604E6}"/>
+            </c:ext>
+          </c:extLst>
         </c:ser>
         <c:ser>
           <c:idx val="3"/>
@@ -3126,6 +3190,11 @@
             </c:numRef>
           </c:val>
           <c:smooth val="0"/>
+          <c:extLst>
+            <c:ext xmlns:c16="http://schemas.microsoft.com/office/drawing/2014/chart" uri="{C3380CC4-5D6E-409C-BE32-E72D297353CC}">
+              <c16:uniqueId val="{00000003-AF3A-4BCC-BDDF-013CB63604E6}"/>
+            </c:ext>
+          </c:extLst>
         </c:ser>
         <c:ser>
           <c:idx val="4"/>
@@ -3287,6 +3356,11 @@
             </c:numRef>
           </c:val>
           <c:smooth val="0"/>
+          <c:extLst>
+            <c:ext xmlns:c16="http://schemas.microsoft.com/office/drawing/2014/chart" uri="{C3380CC4-5D6E-409C-BE32-E72D297353CC}">
+              <c16:uniqueId val="{00000004-AF3A-4BCC-BDDF-013CB63604E6}"/>
+            </c:ext>
+          </c:extLst>
         </c:ser>
         <c:dLbls>
           <c:showLegendKey val="0"/>
@@ -3415,6 +3489,1008 @@
         <a:effectLst/>
       </c:spPr>
     </c:plotArea>
+    <c:plotVisOnly val="1"/>
+    <c:dispBlanksAs val="gap"/>
+    <c:showDLblsOverMax val="0"/>
+  </c:chart>
+  <c:spPr>
+    <a:noFill/>
+    <a:ln>
+      <a:noFill/>
+    </a:ln>
+    <a:effectLst/>
+  </c:spPr>
+  <c:txPr>
+    <a:bodyPr/>
+    <a:lstStyle/>
+    <a:p>
+      <a:pPr>
+        <a:defRPr/>
+      </a:pPr>
+      <a:endParaRPr lang="ja-JP"/>
+    </a:p>
+  </c:txPr>
+  <c:externalData r:id="rId3">
+    <c:autoUpdate val="0"/>
+  </c:externalData>
+</c:chartSpace>
+</file>
+
+<file path=ppt/charts/chart7.xml><?xml version="1.0" encoding="utf-8"?>
+<c:chartSpace xmlns:c="http://schemas.openxmlformats.org/drawingml/2006/chart" xmlns:a="http://schemas.openxmlformats.org/drawingml/2006/main" xmlns:r="http://schemas.openxmlformats.org/officeDocument/2006/relationships" xmlns:c16r2="http://schemas.microsoft.com/office/drawing/2015/06/chart">
+  <c:date1904 val="0"/>
+  <c:lang val="ja-JP"/>
+  <c:roundedCorners val="0"/>
+  <mc:AlternateContent xmlns:mc="http://schemas.openxmlformats.org/markup-compatibility/2006">
+    <mc:Choice xmlns:c14="http://schemas.microsoft.com/office/drawing/2007/8/2/chart" Requires="c14">
+      <c14:style val="102"/>
+    </mc:Choice>
+    <mc:Fallback>
+      <c:style val="2"/>
+    </mc:Fallback>
+  </mc:AlternateContent>
+  <c:chart>
+    <c:title>
+      <c:tx>
+        <c:rich>
+          <a:bodyPr rot="0" spcFirstLastPara="1" vertOverflow="ellipsis" vert="horz" wrap="square" anchor="ctr" anchorCtr="1"/>
+          <a:lstStyle/>
+          <a:p>
+            <a:pPr>
+              <a:defRPr sz="1400" b="0" i="0" u="none" strike="noStrike" kern="1200" spc="0" baseline="0">
+                <a:solidFill>
+                  <a:schemeClr val="tx1">
+                    <a:lumMod val="65000"/>
+                    <a:lumOff val="35000"/>
+                  </a:schemeClr>
+                </a:solidFill>
+                <a:latin typeface="+mn-lt"/>
+                <a:ea typeface="+mn-ea"/>
+                <a:cs typeface="+mn-cs"/>
+              </a:defRPr>
+            </a:pPr>
+            <a:r>
+              <a:rPr lang="ja-JP" altLang="en-US"/>
+              <a:t>橙に近づける</a:t>
+            </a:r>
+            <a:r>
+              <a:rPr lang="en-US" altLang="ja-JP"/>
+              <a:t>(3</a:t>
+            </a:r>
+            <a:r>
+              <a:rPr lang="ja-JP" altLang="en-US"/>
+              <a:t>次元</a:t>
+            </a:r>
+            <a:r>
+              <a:rPr lang="en-US" altLang="ja-JP"/>
+              <a:t>)</a:t>
+            </a:r>
+            <a:endParaRPr lang="ja-JP" altLang="en-US"/>
+          </a:p>
+        </c:rich>
+      </c:tx>
+      <c:layout/>
+      <c:overlay val="0"/>
+      <c:spPr>
+        <a:noFill/>
+        <a:ln>
+          <a:noFill/>
+        </a:ln>
+        <a:effectLst/>
+      </c:spPr>
+      <c:txPr>
+        <a:bodyPr rot="0" spcFirstLastPara="1" vertOverflow="ellipsis" vert="horz" wrap="square" anchor="ctr" anchorCtr="1"/>
+        <a:lstStyle/>
+        <a:p>
+          <a:pPr>
+            <a:defRPr sz="1400" b="0" i="0" u="none" strike="noStrike" kern="1200" spc="0" baseline="0">
+              <a:solidFill>
+                <a:schemeClr val="tx1">
+                  <a:lumMod val="65000"/>
+                  <a:lumOff val="35000"/>
+                </a:schemeClr>
+              </a:solidFill>
+              <a:latin typeface="+mn-lt"/>
+              <a:ea typeface="+mn-ea"/>
+              <a:cs typeface="+mn-cs"/>
+            </a:defRPr>
+          </a:pPr>
+          <a:endParaRPr lang="ja-JP"/>
+        </a:p>
+      </c:txPr>
+    </c:title>
+    <c:autoTitleDeleted val="0"/>
+    <c:plotArea>
+      <c:layout/>
+      <c:lineChart>
+        <c:grouping val="standard"/>
+        <c:varyColors val="0"/>
+        <c:ser>
+          <c:idx val="0"/>
+          <c:order val="0"/>
+          <c:spPr>
+            <a:ln w="28575" cap="rnd">
+              <a:solidFill>
+                <a:schemeClr val="accent1"/>
+              </a:solidFill>
+              <a:round/>
+            </a:ln>
+            <a:effectLst/>
+          </c:spPr>
+          <c:marker>
+            <c:symbol val="none"/>
+          </c:marker>
+          <c:cat>
+            <c:numRef>
+              <c:f>Sheet1!$A$2:$A$7</c:f>
+              <c:numCache>
+                <c:formatCode>General</c:formatCode>
+                <c:ptCount val="6"/>
+                <c:pt idx="0">
+                  <c:v>10</c:v>
+                </c:pt>
+                <c:pt idx="1">
+                  <c:v>20</c:v>
+                </c:pt>
+                <c:pt idx="2">
+                  <c:v>30</c:v>
+                </c:pt>
+                <c:pt idx="3">
+                  <c:v>40</c:v>
+                </c:pt>
+                <c:pt idx="4">
+                  <c:v>50</c:v>
+                </c:pt>
+                <c:pt idx="5">
+                  <c:v>60</c:v>
+                </c:pt>
+              </c:numCache>
+            </c:numRef>
+          </c:cat>
+          <c:val>
+            <c:numRef>
+              <c:f>Sheet1!$B$2:$B$7</c:f>
+              <c:numCache>
+                <c:formatCode>General</c:formatCode>
+                <c:ptCount val="6"/>
+                <c:pt idx="0">
+                  <c:v>10792.425908311199</c:v>
+                </c:pt>
+                <c:pt idx="1">
+                  <c:v>721.278409229918</c:v>
+                </c:pt>
+                <c:pt idx="2">
+                  <c:v>222.48786654297999</c:v>
+                </c:pt>
+                <c:pt idx="3">
+                  <c:v>159.75961419712999</c:v>
+                </c:pt>
+                <c:pt idx="4">
+                  <c:v>20.927684121379599</c:v>
+                </c:pt>
+                <c:pt idx="5">
+                  <c:v>19.977423578956198</c:v>
+                </c:pt>
+              </c:numCache>
+            </c:numRef>
+          </c:val>
+          <c:smooth val="0"/>
+          <c:extLst>
+            <c:ext xmlns:c16="http://schemas.microsoft.com/office/drawing/2014/chart" uri="{C3380CC4-5D6E-409C-BE32-E72D297353CC}">
+              <c16:uniqueId val="{00000000-B98A-40AC-A129-E79480812BD3}"/>
+            </c:ext>
+          </c:extLst>
+        </c:ser>
+        <c:ser>
+          <c:idx val="1"/>
+          <c:order val="1"/>
+          <c:spPr>
+            <a:ln w="28575" cap="rnd">
+              <a:solidFill>
+                <a:schemeClr val="accent2"/>
+              </a:solidFill>
+              <a:round/>
+            </a:ln>
+            <a:effectLst/>
+          </c:spPr>
+          <c:marker>
+            <c:symbol val="none"/>
+          </c:marker>
+          <c:cat>
+            <c:numRef>
+              <c:f>Sheet1!$A$2:$A$7</c:f>
+              <c:numCache>
+                <c:formatCode>General</c:formatCode>
+                <c:ptCount val="6"/>
+                <c:pt idx="0">
+                  <c:v>10</c:v>
+                </c:pt>
+                <c:pt idx="1">
+                  <c:v>20</c:v>
+                </c:pt>
+                <c:pt idx="2">
+                  <c:v>30</c:v>
+                </c:pt>
+                <c:pt idx="3">
+                  <c:v>40</c:v>
+                </c:pt>
+                <c:pt idx="4">
+                  <c:v>50</c:v>
+                </c:pt>
+                <c:pt idx="5">
+                  <c:v>60</c:v>
+                </c:pt>
+              </c:numCache>
+            </c:numRef>
+          </c:cat>
+          <c:val>
+            <c:numRef>
+              <c:f>Sheet1!$C$2:$C$7</c:f>
+              <c:numCache>
+                <c:formatCode>General</c:formatCode>
+                <c:ptCount val="6"/>
+                <c:pt idx="0">
+                  <c:v>5966.5589315726102</c:v>
+                </c:pt>
+                <c:pt idx="1">
+                  <c:v>2955.68652502235</c:v>
+                </c:pt>
+                <c:pt idx="2">
+                  <c:v>560.86624365822797</c:v>
+                </c:pt>
+                <c:pt idx="3">
+                  <c:v>20.1042206027013</c:v>
+                </c:pt>
+                <c:pt idx="4">
+                  <c:v>20.4010720680951</c:v>
+                </c:pt>
+                <c:pt idx="5">
+                  <c:v>21.6269089360318</c:v>
+                </c:pt>
+              </c:numCache>
+            </c:numRef>
+          </c:val>
+          <c:smooth val="0"/>
+          <c:extLst>
+            <c:ext xmlns:c16="http://schemas.microsoft.com/office/drawing/2014/chart" uri="{C3380CC4-5D6E-409C-BE32-E72D297353CC}">
+              <c16:uniqueId val="{00000001-B98A-40AC-A129-E79480812BD3}"/>
+            </c:ext>
+          </c:extLst>
+        </c:ser>
+        <c:dLbls>
+          <c:showLegendKey val="0"/>
+          <c:showVal val="0"/>
+          <c:showCatName val="0"/>
+          <c:showSerName val="0"/>
+          <c:showPercent val="0"/>
+          <c:showBubbleSize val="0"/>
+        </c:dLbls>
+        <c:smooth val="0"/>
+        <c:axId val="480948879"/>
+        <c:axId val="480945551"/>
+      </c:lineChart>
+      <c:catAx>
+        <c:axId val="480948879"/>
+        <c:scaling>
+          <c:orientation val="minMax"/>
+        </c:scaling>
+        <c:delete val="0"/>
+        <c:axPos val="b"/>
+        <c:numFmt formatCode="General" sourceLinked="1"/>
+        <c:majorTickMark val="none"/>
+        <c:minorTickMark val="none"/>
+        <c:tickLblPos val="nextTo"/>
+        <c:spPr>
+          <a:noFill/>
+          <a:ln w="9525" cap="flat" cmpd="sng" algn="ctr">
+            <a:solidFill>
+              <a:schemeClr val="tx1">
+                <a:lumMod val="15000"/>
+                <a:lumOff val="85000"/>
+              </a:schemeClr>
+            </a:solidFill>
+            <a:round/>
+          </a:ln>
+          <a:effectLst/>
+        </c:spPr>
+        <c:txPr>
+          <a:bodyPr rot="-60000000" spcFirstLastPara="1" vertOverflow="ellipsis" vert="horz" wrap="square" anchor="ctr" anchorCtr="1"/>
+          <a:lstStyle/>
+          <a:p>
+            <a:pPr>
+              <a:defRPr sz="900" b="0" i="0" u="none" strike="noStrike" kern="1200" baseline="0">
+                <a:solidFill>
+                  <a:schemeClr val="tx1">
+                    <a:lumMod val="65000"/>
+                    <a:lumOff val="35000"/>
+                  </a:schemeClr>
+                </a:solidFill>
+                <a:latin typeface="+mn-lt"/>
+                <a:ea typeface="+mn-ea"/>
+                <a:cs typeface="+mn-cs"/>
+              </a:defRPr>
+            </a:pPr>
+            <a:endParaRPr lang="ja-JP"/>
+          </a:p>
+        </c:txPr>
+        <c:crossAx val="480945551"/>
+        <c:crosses val="autoZero"/>
+        <c:auto val="1"/>
+        <c:lblAlgn val="ctr"/>
+        <c:lblOffset val="100"/>
+        <c:noMultiLvlLbl val="0"/>
+      </c:catAx>
+      <c:valAx>
+        <c:axId val="480945551"/>
+        <c:scaling>
+          <c:orientation val="minMax"/>
+        </c:scaling>
+        <c:delete val="0"/>
+        <c:axPos val="l"/>
+        <c:majorGridlines>
+          <c:spPr>
+            <a:ln w="9525" cap="flat" cmpd="sng" algn="ctr">
+              <a:solidFill>
+                <a:schemeClr val="tx1">
+                  <a:lumMod val="15000"/>
+                  <a:lumOff val="85000"/>
+                </a:schemeClr>
+              </a:solidFill>
+              <a:round/>
+            </a:ln>
+            <a:effectLst/>
+          </c:spPr>
+        </c:majorGridlines>
+        <c:numFmt formatCode="General" sourceLinked="1"/>
+        <c:majorTickMark val="none"/>
+        <c:minorTickMark val="none"/>
+        <c:tickLblPos val="nextTo"/>
+        <c:spPr>
+          <a:noFill/>
+          <a:ln>
+            <a:noFill/>
+          </a:ln>
+          <a:effectLst/>
+        </c:spPr>
+        <c:txPr>
+          <a:bodyPr rot="-60000000" spcFirstLastPara="1" vertOverflow="ellipsis" vert="horz" wrap="square" anchor="ctr" anchorCtr="1"/>
+          <a:lstStyle/>
+          <a:p>
+            <a:pPr>
+              <a:defRPr sz="900" b="0" i="0" u="none" strike="noStrike" kern="1200" baseline="0">
+                <a:solidFill>
+                  <a:schemeClr val="tx1">
+                    <a:lumMod val="65000"/>
+                    <a:lumOff val="35000"/>
+                  </a:schemeClr>
+                </a:solidFill>
+                <a:latin typeface="+mn-lt"/>
+                <a:ea typeface="+mn-ea"/>
+                <a:cs typeface="+mn-cs"/>
+              </a:defRPr>
+            </a:pPr>
+            <a:endParaRPr lang="ja-JP"/>
+          </a:p>
+        </c:txPr>
+        <c:crossAx val="480948879"/>
+        <c:crosses val="autoZero"/>
+        <c:crossBetween val="between"/>
+      </c:valAx>
+      <c:spPr>
+        <a:noFill/>
+        <a:ln>
+          <a:noFill/>
+        </a:ln>
+        <a:effectLst/>
+      </c:spPr>
+    </c:plotArea>
+    <c:legend>
+      <c:legendPos val="b"/>
+      <c:layout/>
+      <c:overlay val="0"/>
+      <c:spPr>
+        <a:noFill/>
+        <a:ln>
+          <a:noFill/>
+        </a:ln>
+        <a:effectLst/>
+      </c:spPr>
+      <c:txPr>
+        <a:bodyPr rot="0" spcFirstLastPara="1" vertOverflow="ellipsis" vert="horz" wrap="square" anchor="ctr" anchorCtr="1"/>
+        <a:lstStyle/>
+        <a:p>
+          <a:pPr>
+            <a:defRPr sz="900" b="0" i="0" u="none" strike="noStrike" kern="1200" baseline="0">
+              <a:solidFill>
+                <a:schemeClr val="tx1">
+                  <a:lumMod val="65000"/>
+                  <a:lumOff val="35000"/>
+                </a:schemeClr>
+              </a:solidFill>
+              <a:latin typeface="+mn-lt"/>
+              <a:ea typeface="+mn-ea"/>
+              <a:cs typeface="+mn-cs"/>
+            </a:defRPr>
+          </a:pPr>
+          <a:endParaRPr lang="ja-JP"/>
+        </a:p>
+      </c:txPr>
+    </c:legend>
+    <c:plotVisOnly val="1"/>
+    <c:dispBlanksAs val="gap"/>
+    <c:showDLblsOverMax val="0"/>
+  </c:chart>
+  <c:spPr>
+    <a:noFill/>
+    <a:ln>
+      <a:noFill/>
+    </a:ln>
+    <a:effectLst/>
+  </c:spPr>
+  <c:txPr>
+    <a:bodyPr/>
+    <a:lstStyle/>
+    <a:p>
+      <a:pPr>
+        <a:defRPr/>
+      </a:pPr>
+      <a:endParaRPr lang="ja-JP"/>
+    </a:p>
+  </c:txPr>
+  <c:externalData r:id="rId3">
+    <c:autoUpdate val="0"/>
+  </c:externalData>
+</c:chartSpace>
+</file>
+
+<file path=ppt/charts/chart8.xml><?xml version="1.0" encoding="utf-8"?>
+<c:chartSpace xmlns:c="http://schemas.openxmlformats.org/drawingml/2006/chart" xmlns:a="http://schemas.openxmlformats.org/drawingml/2006/main" xmlns:r="http://schemas.openxmlformats.org/officeDocument/2006/relationships" xmlns:c16r2="http://schemas.microsoft.com/office/drawing/2015/06/chart">
+  <c:date1904 val="0"/>
+  <c:lang val="ja-JP"/>
+  <c:roundedCorners val="0"/>
+  <mc:AlternateContent xmlns:mc="http://schemas.openxmlformats.org/markup-compatibility/2006">
+    <mc:Choice xmlns:c14="http://schemas.microsoft.com/office/drawing/2007/8/2/chart" Requires="c14">
+      <c14:style val="102"/>
+    </mc:Choice>
+    <mc:Fallback>
+      <c:style val="2"/>
+    </mc:Fallback>
+  </mc:AlternateContent>
+  <c:chart>
+    <c:title>
+      <c:tx>
+        <c:rich>
+          <a:bodyPr rot="0" spcFirstLastPara="1" vertOverflow="ellipsis" vert="horz" wrap="square" anchor="ctr" anchorCtr="1"/>
+          <a:lstStyle/>
+          <a:p>
+            <a:pPr>
+              <a:defRPr sz="1400" b="0" i="0" u="none" strike="noStrike" kern="1200" spc="0" baseline="0">
+                <a:solidFill>
+                  <a:schemeClr val="tx1">
+                    <a:lumMod val="65000"/>
+                    <a:lumOff val="35000"/>
+                  </a:schemeClr>
+                </a:solidFill>
+                <a:latin typeface="+mn-lt"/>
+                <a:ea typeface="+mn-ea"/>
+                <a:cs typeface="+mn-cs"/>
+              </a:defRPr>
+            </a:pPr>
+            <a:r>
+              <a:rPr lang="ja-JP" altLang="en-US"/>
+              <a:t>橙に近づける</a:t>
+            </a:r>
+            <a:r>
+              <a:rPr lang="en-US" altLang="ja-JP"/>
+              <a:t>(3</a:t>
+            </a:r>
+            <a:r>
+              <a:rPr lang="ja-JP" altLang="en-US"/>
+              <a:t>次元</a:t>
+            </a:r>
+            <a:r>
+              <a:rPr lang="en-US" altLang="ja-JP"/>
+              <a:t>)</a:t>
+            </a:r>
+            <a:endParaRPr lang="ja-JP" altLang="en-US"/>
+          </a:p>
+        </c:rich>
+      </c:tx>
+      <c:layout/>
+      <c:overlay val="0"/>
+      <c:spPr>
+        <a:noFill/>
+        <a:ln>
+          <a:noFill/>
+        </a:ln>
+        <a:effectLst/>
+      </c:spPr>
+      <c:txPr>
+        <a:bodyPr rot="0" spcFirstLastPara="1" vertOverflow="ellipsis" vert="horz" wrap="square" anchor="ctr" anchorCtr="1"/>
+        <a:lstStyle/>
+        <a:p>
+          <a:pPr>
+            <a:defRPr sz="1400" b="0" i="0" u="none" strike="noStrike" kern="1200" spc="0" baseline="0">
+              <a:solidFill>
+                <a:schemeClr val="tx1">
+                  <a:lumMod val="65000"/>
+                  <a:lumOff val="35000"/>
+                </a:schemeClr>
+              </a:solidFill>
+              <a:latin typeface="+mn-lt"/>
+              <a:ea typeface="+mn-ea"/>
+              <a:cs typeface="+mn-cs"/>
+            </a:defRPr>
+          </a:pPr>
+          <a:endParaRPr lang="ja-JP"/>
+        </a:p>
+      </c:txPr>
+    </c:title>
+    <c:autoTitleDeleted val="0"/>
+    <c:plotArea>
+      <c:layout/>
+      <c:lineChart>
+        <c:grouping val="standard"/>
+        <c:varyColors val="0"/>
+        <c:ser>
+          <c:idx val="0"/>
+          <c:order val="0"/>
+          <c:spPr>
+            <a:ln w="28575" cap="rnd">
+              <a:solidFill>
+                <a:schemeClr val="accent1"/>
+              </a:solidFill>
+              <a:round/>
+            </a:ln>
+            <a:effectLst/>
+          </c:spPr>
+          <c:marker>
+            <c:symbol val="none"/>
+          </c:marker>
+          <c:cat>
+            <c:numRef>
+              <c:f>result_Mat_SOINN!$D$4:$D$13</c:f>
+              <c:numCache>
+                <c:formatCode>General</c:formatCode>
+                <c:ptCount val="10"/>
+                <c:pt idx="0">
+                  <c:v>10</c:v>
+                </c:pt>
+                <c:pt idx="1">
+                  <c:v>20</c:v>
+                </c:pt>
+                <c:pt idx="2">
+                  <c:v>30</c:v>
+                </c:pt>
+                <c:pt idx="3">
+                  <c:v>40</c:v>
+                </c:pt>
+                <c:pt idx="4">
+                  <c:v>50</c:v>
+                </c:pt>
+                <c:pt idx="5">
+                  <c:v>60</c:v>
+                </c:pt>
+                <c:pt idx="6">
+                  <c:v>70</c:v>
+                </c:pt>
+                <c:pt idx="7">
+                  <c:v>80</c:v>
+                </c:pt>
+                <c:pt idx="8">
+                  <c:v>90</c:v>
+                </c:pt>
+                <c:pt idx="9">
+                  <c:v>100</c:v>
+                </c:pt>
+              </c:numCache>
+            </c:numRef>
+          </c:cat>
+          <c:val>
+            <c:numRef>
+              <c:f>result_Mat_SOINN!$A$5:$A$14</c:f>
+              <c:numCache>
+                <c:formatCode>General</c:formatCode>
+                <c:ptCount val="10"/>
+                <c:pt idx="0">
+                  <c:v>0.31008618961951601</c:v>
+                </c:pt>
+                <c:pt idx="1">
+                  <c:v>5.4389819157993804</c:v>
+                </c:pt>
+                <c:pt idx="2">
+                  <c:v>12.884885168558901</c:v>
+                </c:pt>
+                <c:pt idx="3">
+                  <c:v>13.6319892948493</c:v>
+                </c:pt>
+                <c:pt idx="4">
+                  <c:v>14.9803568384005</c:v>
+                </c:pt>
+                <c:pt idx="5">
+                  <c:v>17.154400900036801</c:v>
+                </c:pt>
+                <c:pt idx="6">
+                  <c:v>17.796238403821299</c:v>
+                </c:pt>
+                <c:pt idx="7">
+                  <c:v>18.0215203576529</c:v>
+                </c:pt>
+                <c:pt idx="8">
+                  <c:v>18.6620207096752</c:v>
+                </c:pt>
+                <c:pt idx="9">
+                  <c:v>19.510978250666401</c:v>
+                </c:pt>
+              </c:numCache>
+            </c:numRef>
+          </c:val>
+          <c:smooth val="0"/>
+          <c:extLst>
+            <c:ext xmlns:c16="http://schemas.microsoft.com/office/drawing/2014/chart" uri="{C3380CC4-5D6E-409C-BE32-E72D297353CC}">
+              <c16:uniqueId val="{00000000-7978-4B23-B61C-E40AE225D9CB}"/>
+            </c:ext>
+          </c:extLst>
+        </c:ser>
+        <c:ser>
+          <c:idx val="1"/>
+          <c:order val="1"/>
+          <c:spPr>
+            <a:ln w="28575" cap="rnd">
+              <a:solidFill>
+                <a:schemeClr val="accent2"/>
+              </a:solidFill>
+              <a:round/>
+            </a:ln>
+            <a:effectLst/>
+          </c:spPr>
+          <c:marker>
+            <c:symbol val="none"/>
+          </c:marker>
+          <c:cat>
+            <c:numRef>
+              <c:f>result_Mat_SOINN!$D$4:$D$13</c:f>
+              <c:numCache>
+                <c:formatCode>General</c:formatCode>
+                <c:ptCount val="10"/>
+                <c:pt idx="0">
+                  <c:v>10</c:v>
+                </c:pt>
+                <c:pt idx="1">
+                  <c:v>20</c:v>
+                </c:pt>
+                <c:pt idx="2">
+                  <c:v>30</c:v>
+                </c:pt>
+                <c:pt idx="3">
+                  <c:v>40</c:v>
+                </c:pt>
+                <c:pt idx="4">
+                  <c:v>50</c:v>
+                </c:pt>
+                <c:pt idx="5">
+                  <c:v>60</c:v>
+                </c:pt>
+                <c:pt idx="6">
+                  <c:v>70</c:v>
+                </c:pt>
+                <c:pt idx="7">
+                  <c:v>80</c:v>
+                </c:pt>
+                <c:pt idx="8">
+                  <c:v>90</c:v>
+                </c:pt>
+                <c:pt idx="9">
+                  <c:v>100</c:v>
+                </c:pt>
+              </c:numCache>
+            </c:numRef>
+          </c:cat>
+          <c:val>
+            <c:numRef>
+              <c:f>result_Mat_SOINN!$B$5:$B$14</c:f>
+              <c:numCache>
+                <c:formatCode>General</c:formatCode>
+                <c:ptCount val="10"/>
+                <c:pt idx="0">
+                  <c:v>1.19190275300517</c:v>
+                </c:pt>
+                <c:pt idx="1">
+                  <c:v>5.9589484457963096</c:v>
+                </c:pt>
+                <c:pt idx="2">
+                  <c:v>9.1067098609133108</c:v>
+                </c:pt>
+                <c:pt idx="3">
+                  <c:v>14.017482432733001</c:v>
+                </c:pt>
+                <c:pt idx="4">
+                  <c:v>15.6734845631371</c:v>
+                </c:pt>
+                <c:pt idx="5">
+                  <c:v>16.991070644393901</c:v>
+                </c:pt>
+                <c:pt idx="6">
+                  <c:v>19.1746176658061</c:v>
+                </c:pt>
+                <c:pt idx="7">
+                  <c:v>20.647999285550402</c:v>
+                </c:pt>
+                <c:pt idx="8">
+                  <c:v>21.1290288881879</c:v>
+                </c:pt>
+                <c:pt idx="9">
+                  <c:v>21.645371065811599</c:v>
+                </c:pt>
+              </c:numCache>
+            </c:numRef>
+          </c:val>
+          <c:smooth val="0"/>
+          <c:extLst>
+            <c:ext xmlns:c16="http://schemas.microsoft.com/office/drawing/2014/chart" uri="{C3380CC4-5D6E-409C-BE32-E72D297353CC}">
+              <c16:uniqueId val="{00000001-7978-4B23-B61C-E40AE225D9CB}"/>
+            </c:ext>
+          </c:extLst>
+        </c:ser>
+        <c:ser>
+          <c:idx val="2"/>
+          <c:order val="2"/>
+          <c:spPr>
+            <a:ln w="28575" cap="rnd">
+              <a:solidFill>
+                <a:schemeClr val="accent3"/>
+              </a:solidFill>
+              <a:round/>
+            </a:ln>
+            <a:effectLst/>
+          </c:spPr>
+          <c:marker>
+            <c:symbol val="none"/>
+          </c:marker>
+          <c:cat>
+            <c:numRef>
+              <c:f>result_Mat_SOINN!$D$4:$D$13</c:f>
+              <c:numCache>
+                <c:formatCode>General</c:formatCode>
+                <c:ptCount val="10"/>
+                <c:pt idx="0">
+                  <c:v>10</c:v>
+                </c:pt>
+                <c:pt idx="1">
+                  <c:v>20</c:v>
+                </c:pt>
+                <c:pt idx="2">
+                  <c:v>30</c:v>
+                </c:pt>
+                <c:pt idx="3">
+                  <c:v>40</c:v>
+                </c:pt>
+                <c:pt idx="4">
+                  <c:v>50</c:v>
+                </c:pt>
+                <c:pt idx="5">
+                  <c:v>60</c:v>
+                </c:pt>
+                <c:pt idx="6">
+                  <c:v>70</c:v>
+                </c:pt>
+                <c:pt idx="7">
+                  <c:v>80</c:v>
+                </c:pt>
+                <c:pt idx="8">
+                  <c:v>90</c:v>
+                </c:pt>
+                <c:pt idx="9">
+                  <c:v>100</c:v>
+                </c:pt>
+              </c:numCache>
+            </c:numRef>
+          </c:cat>
+          <c:val>
+            <c:numRef>
+              <c:f>result_Mat_SOINN!$C$5:$C$14</c:f>
+              <c:numCache>
+                <c:formatCode>General</c:formatCode>
+                <c:ptCount val="10"/>
+                <c:pt idx="0">
+                  <c:v>0.244690607422238</c:v>
+                </c:pt>
+                <c:pt idx="1">
+                  <c:v>8.9251898236613805</c:v>
+                </c:pt>
+                <c:pt idx="2">
+                  <c:v>11.561892118222399</c:v>
+                </c:pt>
+                <c:pt idx="3">
+                  <c:v>13.9512715539956</c:v>
+                </c:pt>
+                <c:pt idx="4">
+                  <c:v>17.242193648322399</c:v>
+                </c:pt>
+                <c:pt idx="5">
+                  <c:v>17.697052432859302</c:v>
+                </c:pt>
+                <c:pt idx="6">
+                  <c:v>19.738824838527599</c:v>
+                </c:pt>
+                <c:pt idx="7">
+                  <c:v>19.882010605228299</c:v>
+                </c:pt>
+                <c:pt idx="8">
+                  <c:v>18.836671463923601</c:v>
+                </c:pt>
+                <c:pt idx="9">
+                  <c:v>19.7791543698428</c:v>
+                </c:pt>
+              </c:numCache>
+            </c:numRef>
+          </c:val>
+          <c:smooth val="0"/>
+          <c:extLst>
+            <c:ext xmlns:c16="http://schemas.microsoft.com/office/drawing/2014/chart" uri="{C3380CC4-5D6E-409C-BE32-E72D297353CC}">
+              <c16:uniqueId val="{00000002-7978-4B23-B61C-E40AE225D9CB}"/>
+            </c:ext>
+          </c:extLst>
+        </c:ser>
+        <c:dLbls>
+          <c:showLegendKey val="0"/>
+          <c:showVal val="0"/>
+          <c:showCatName val="0"/>
+          <c:showSerName val="0"/>
+          <c:showPercent val="0"/>
+          <c:showBubbleSize val="0"/>
+        </c:dLbls>
+        <c:smooth val="0"/>
+        <c:axId val="2093700303"/>
+        <c:axId val="2093701551"/>
+      </c:lineChart>
+      <c:catAx>
+        <c:axId val="2093700303"/>
+        <c:scaling>
+          <c:orientation val="minMax"/>
+        </c:scaling>
+        <c:delete val="0"/>
+        <c:axPos val="b"/>
+        <c:numFmt formatCode="General" sourceLinked="1"/>
+        <c:majorTickMark val="none"/>
+        <c:minorTickMark val="none"/>
+        <c:tickLblPos val="nextTo"/>
+        <c:spPr>
+          <a:noFill/>
+          <a:ln w="9525" cap="flat" cmpd="sng" algn="ctr">
+            <a:solidFill>
+              <a:schemeClr val="tx1">
+                <a:lumMod val="15000"/>
+                <a:lumOff val="85000"/>
+              </a:schemeClr>
+            </a:solidFill>
+            <a:round/>
+          </a:ln>
+          <a:effectLst/>
+        </c:spPr>
+        <c:txPr>
+          <a:bodyPr rot="-60000000" spcFirstLastPara="1" vertOverflow="ellipsis" vert="horz" wrap="square" anchor="ctr" anchorCtr="1"/>
+          <a:lstStyle/>
+          <a:p>
+            <a:pPr>
+              <a:defRPr sz="900" b="0" i="0" u="none" strike="noStrike" kern="1200" baseline="0">
+                <a:solidFill>
+                  <a:schemeClr val="tx1">
+                    <a:lumMod val="65000"/>
+                    <a:lumOff val="35000"/>
+                  </a:schemeClr>
+                </a:solidFill>
+                <a:latin typeface="+mn-lt"/>
+                <a:ea typeface="+mn-ea"/>
+                <a:cs typeface="+mn-cs"/>
+              </a:defRPr>
+            </a:pPr>
+            <a:endParaRPr lang="ja-JP"/>
+          </a:p>
+        </c:txPr>
+        <c:crossAx val="2093701551"/>
+        <c:crosses val="autoZero"/>
+        <c:auto val="1"/>
+        <c:lblAlgn val="ctr"/>
+        <c:lblOffset val="100"/>
+        <c:noMultiLvlLbl val="0"/>
+      </c:catAx>
+      <c:valAx>
+        <c:axId val="2093701551"/>
+        <c:scaling>
+          <c:orientation val="minMax"/>
+        </c:scaling>
+        <c:delete val="0"/>
+        <c:axPos val="l"/>
+        <c:majorGridlines>
+          <c:spPr>
+            <a:ln w="9525" cap="flat" cmpd="sng" algn="ctr">
+              <a:solidFill>
+                <a:schemeClr val="tx1">
+                  <a:lumMod val="15000"/>
+                  <a:lumOff val="85000"/>
+                </a:schemeClr>
+              </a:solidFill>
+              <a:round/>
+            </a:ln>
+            <a:effectLst/>
+          </c:spPr>
+        </c:majorGridlines>
+        <c:numFmt formatCode="General" sourceLinked="1"/>
+        <c:majorTickMark val="none"/>
+        <c:minorTickMark val="none"/>
+        <c:tickLblPos val="nextTo"/>
+        <c:spPr>
+          <a:noFill/>
+          <a:ln>
+            <a:noFill/>
+          </a:ln>
+          <a:effectLst/>
+        </c:spPr>
+        <c:txPr>
+          <a:bodyPr rot="-60000000" spcFirstLastPara="1" vertOverflow="ellipsis" vert="horz" wrap="square" anchor="ctr" anchorCtr="1"/>
+          <a:lstStyle/>
+          <a:p>
+            <a:pPr>
+              <a:defRPr sz="900" b="0" i="0" u="none" strike="noStrike" kern="1200" baseline="0">
+                <a:solidFill>
+                  <a:schemeClr val="tx1">
+                    <a:lumMod val="65000"/>
+                    <a:lumOff val="35000"/>
+                  </a:schemeClr>
+                </a:solidFill>
+                <a:latin typeface="+mn-lt"/>
+                <a:ea typeface="+mn-ea"/>
+                <a:cs typeface="+mn-cs"/>
+              </a:defRPr>
+            </a:pPr>
+            <a:endParaRPr lang="ja-JP"/>
+          </a:p>
+        </c:txPr>
+        <c:crossAx val="2093700303"/>
+        <c:crosses val="autoZero"/>
+        <c:crossBetween val="between"/>
+      </c:valAx>
+      <c:spPr>
+        <a:noFill/>
+        <a:ln>
+          <a:noFill/>
+        </a:ln>
+        <a:effectLst/>
+      </c:spPr>
+    </c:plotArea>
+    <c:legend>
+      <c:legendPos val="b"/>
+      <c:layout/>
+      <c:overlay val="0"/>
+      <c:spPr>
+        <a:noFill/>
+        <a:ln>
+          <a:noFill/>
+        </a:ln>
+        <a:effectLst/>
+      </c:spPr>
+      <c:txPr>
+        <a:bodyPr rot="0" spcFirstLastPara="1" vertOverflow="ellipsis" vert="horz" wrap="square" anchor="ctr" anchorCtr="1"/>
+        <a:lstStyle/>
+        <a:p>
+          <a:pPr>
+            <a:defRPr sz="900" b="0" i="0" u="none" strike="noStrike" kern="1200" baseline="0">
+              <a:solidFill>
+                <a:schemeClr val="tx1">
+                  <a:lumMod val="65000"/>
+                  <a:lumOff val="35000"/>
+                </a:schemeClr>
+              </a:solidFill>
+              <a:latin typeface="+mn-lt"/>
+              <a:ea typeface="+mn-ea"/>
+              <a:cs typeface="+mn-cs"/>
+            </a:defRPr>
+          </a:pPr>
+          <a:endParaRPr lang="ja-JP"/>
+        </a:p>
+      </c:txPr>
+    </c:legend>
     <c:plotVisOnly val="1"/>
     <c:dispBlanksAs val="gap"/>
     <c:showDLblsOverMax val="0"/>
@@ -3643,6 +4719,86 @@
 </file>
 
 <file path=ppt/charts/colors6.xml><?xml version="1.0" encoding="utf-8"?>
+<cs:colorStyle xmlns:cs="http://schemas.microsoft.com/office/drawing/2012/chartStyle" xmlns:a="http://schemas.openxmlformats.org/drawingml/2006/main" meth="cycle" id="10">
+  <a:schemeClr val="accent1"/>
+  <a:schemeClr val="accent2"/>
+  <a:schemeClr val="accent3"/>
+  <a:schemeClr val="accent4"/>
+  <a:schemeClr val="accent5"/>
+  <a:schemeClr val="accent6"/>
+  <cs:variation/>
+  <cs:variation>
+    <a:lumMod val="60000"/>
+  </cs:variation>
+  <cs:variation>
+    <a:lumMod val="80000"/>
+    <a:lumOff val="20000"/>
+  </cs:variation>
+  <cs:variation>
+    <a:lumMod val="80000"/>
+  </cs:variation>
+  <cs:variation>
+    <a:lumMod val="60000"/>
+    <a:lumOff val="40000"/>
+  </cs:variation>
+  <cs:variation>
+    <a:lumMod val="50000"/>
+  </cs:variation>
+  <cs:variation>
+    <a:lumMod val="70000"/>
+    <a:lumOff val="30000"/>
+  </cs:variation>
+  <cs:variation>
+    <a:lumMod val="70000"/>
+  </cs:variation>
+  <cs:variation>
+    <a:lumMod val="50000"/>
+    <a:lumOff val="50000"/>
+  </cs:variation>
+</cs:colorStyle>
+</file>
+
+<file path=ppt/charts/colors7.xml><?xml version="1.0" encoding="utf-8"?>
+<cs:colorStyle xmlns:cs="http://schemas.microsoft.com/office/drawing/2012/chartStyle" xmlns:a="http://schemas.openxmlformats.org/drawingml/2006/main" meth="cycle" id="10">
+  <a:schemeClr val="accent1"/>
+  <a:schemeClr val="accent2"/>
+  <a:schemeClr val="accent3"/>
+  <a:schemeClr val="accent4"/>
+  <a:schemeClr val="accent5"/>
+  <a:schemeClr val="accent6"/>
+  <cs:variation/>
+  <cs:variation>
+    <a:lumMod val="60000"/>
+  </cs:variation>
+  <cs:variation>
+    <a:lumMod val="80000"/>
+    <a:lumOff val="20000"/>
+  </cs:variation>
+  <cs:variation>
+    <a:lumMod val="80000"/>
+  </cs:variation>
+  <cs:variation>
+    <a:lumMod val="60000"/>
+    <a:lumOff val="40000"/>
+  </cs:variation>
+  <cs:variation>
+    <a:lumMod val="50000"/>
+  </cs:variation>
+  <cs:variation>
+    <a:lumMod val="70000"/>
+    <a:lumOff val="30000"/>
+  </cs:variation>
+  <cs:variation>
+    <a:lumMod val="70000"/>
+  </cs:variation>
+  <cs:variation>
+    <a:lumMod val="50000"/>
+    <a:lumOff val="50000"/>
+  </cs:variation>
+</cs:colorStyle>
+</file>
+
+<file path=ppt/charts/colors8.xml><?xml version="1.0" encoding="utf-8"?>
 <cs:colorStyle xmlns:cs="http://schemas.microsoft.com/office/drawing/2012/chartStyle" xmlns:a="http://schemas.openxmlformats.org/drawingml/2006/main" meth="cycle" id="10">
   <a:schemeClr val="accent1"/>
   <a:schemeClr val="accent2"/>
@@ -6778,6 +7934,1038 @@
 </cs:chartStyle>
 </file>
 
+<file path=ppt/charts/style7.xml><?xml version="1.0" encoding="utf-8"?>
+<cs:chartStyle xmlns:cs="http://schemas.microsoft.com/office/drawing/2012/chartStyle" xmlns:a="http://schemas.openxmlformats.org/drawingml/2006/main" id="227">
+  <cs:axisTitle>
+    <cs:lnRef idx="0"/>
+    <cs:fillRef idx="0"/>
+    <cs:effectRef idx="0"/>
+    <cs:fontRef idx="minor">
+      <a:schemeClr val="tx1">
+        <a:lumMod val="65000"/>
+        <a:lumOff val="35000"/>
+      </a:schemeClr>
+    </cs:fontRef>
+    <cs:defRPr sz="1000" kern="1200"/>
+  </cs:axisTitle>
+  <cs:categoryAxis>
+    <cs:lnRef idx="0"/>
+    <cs:fillRef idx="0"/>
+    <cs:effectRef idx="0"/>
+    <cs:fontRef idx="minor">
+      <a:schemeClr val="tx1">
+        <a:lumMod val="65000"/>
+        <a:lumOff val="35000"/>
+      </a:schemeClr>
+    </cs:fontRef>
+    <cs:spPr>
+      <a:ln w="9525" cap="flat" cmpd="sng" algn="ctr">
+        <a:solidFill>
+          <a:schemeClr val="tx1">
+            <a:lumMod val="15000"/>
+            <a:lumOff val="85000"/>
+          </a:schemeClr>
+        </a:solidFill>
+        <a:round/>
+      </a:ln>
+    </cs:spPr>
+    <cs:defRPr sz="900" kern="1200"/>
+  </cs:categoryAxis>
+  <cs:chartArea mods="allowNoFillOverride allowNoLineOverride">
+    <cs:lnRef idx="0"/>
+    <cs:fillRef idx="0"/>
+    <cs:effectRef idx="0"/>
+    <cs:fontRef idx="minor">
+      <a:schemeClr val="tx1"/>
+    </cs:fontRef>
+    <cs:spPr>
+      <a:solidFill>
+        <a:schemeClr val="bg1"/>
+      </a:solidFill>
+      <a:ln w="9525" cap="flat" cmpd="sng" algn="ctr">
+        <a:solidFill>
+          <a:schemeClr val="tx1">
+            <a:lumMod val="15000"/>
+            <a:lumOff val="85000"/>
+          </a:schemeClr>
+        </a:solidFill>
+        <a:round/>
+      </a:ln>
+    </cs:spPr>
+    <cs:defRPr sz="1000" kern="1200"/>
+  </cs:chartArea>
+  <cs:dataLabel>
+    <cs:lnRef idx="0"/>
+    <cs:fillRef idx="0"/>
+    <cs:effectRef idx="0"/>
+    <cs:fontRef idx="minor">
+      <a:schemeClr val="tx1">
+        <a:lumMod val="75000"/>
+        <a:lumOff val="25000"/>
+      </a:schemeClr>
+    </cs:fontRef>
+    <cs:defRPr sz="900" kern="1200"/>
+  </cs:dataLabel>
+  <cs:dataLabelCallout>
+    <cs:lnRef idx="0"/>
+    <cs:fillRef idx="0"/>
+    <cs:effectRef idx="0"/>
+    <cs:fontRef idx="minor">
+      <a:schemeClr val="dk1">
+        <a:lumMod val="65000"/>
+        <a:lumOff val="35000"/>
+      </a:schemeClr>
+    </cs:fontRef>
+    <cs:spPr>
+      <a:solidFill>
+        <a:schemeClr val="lt1"/>
+      </a:solidFill>
+      <a:ln>
+        <a:solidFill>
+          <a:schemeClr val="dk1">
+            <a:lumMod val="25000"/>
+            <a:lumOff val="75000"/>
+          </a:schemeClr>
+        </a:solidFill>
+      </a:ln>
+    </cs:spPr>
+    <cs:defRPr sz="900" kern="1200"/>
+    <cs:bodyPr rot="0" spcFirstLastPara="1" vertOverflow="clip" horzOverflow="clip" vert="horz" wrap="square" lIns="36576" tIns="18288" rIns="36576" bIns="18288" anchor="ctr" anchorCtr="1">
+      <a:spAutoFit/>
+    </cs:bodyPr>
+  </cs:dataLabelCallout>
+  <cs:dataPoint>
+    <cs:lnRef idx="0"/>
+    <cs:fillRef idx="1">
+      <cs:styleClr val="auto"/>
+    </cs:fillRef>
+    <cs:effectRef idx="0"/>
+    <cs:fontRef idx="minor">
+      <a:schemeClr val="tx1"/>
+    </cs:fontRef>
+    <cs:spPr>
+      <a:solidFill>
+        <a:schemeClr val="phClr"/>
+      </a:solidFill>
+    </cs:spPr>
+  </cs:dataPoint>
+  <cs:dataPoint3D>
+    <cs:lnRef idx="0"/>
+    <cs:fillRef idx="1">
+      <cs:styleClr val="auto"/>
+    </cs:fillRef>
+    <cs:effectRef idx="0"/>
+    <cs:fontRef idx="minor">
+      <a:schemeClr val="tx1"/>
+    </cs:fontRef>
+    <cs:spPr>
+      <a:solidFill>
+        <a:schemeClr val="phClr"/>
+      </a:solidFill>
+    </cs:spPr>
+  </cs:dataPoint3D>
+  <cs:dataPointLine>
+    <cs:lnRef idx="0">
+      <cs:styleClr val="auto"/>
+    </cs:lnRef>
+    <cs:fillRef idx="1"/>
+    <cs:effectRef idx="0"/>
+    <cs:fontRef idx="minor">
+      <a:schemeClr val="tx1"/>
+    </cs:fontRef>
+    <cs:spPr>
+      <a:ln w="28575" cap="rnd">
+        <a:solidFill>
+          <a:schemeClr val="phClr"/>
+        </a:solidFill>
+        <a:round/>
+      </a:ln>
+    </cs:spPr>
+  </cs:dataPointLine>
+  <cs:dataPointMarker>
+    <cs:lnRef idx="0">
+      <cs:styleClr val="auto"/>
+    </cs:lnRef>
+    <cs:fillRef idx="1">
+      <cs:styleClr val="auto"/>
+    </cs:fillRef>
+    <cs:effectRef idx="0"/>
+    <cs:fontRef idx="minor">
+      <a:schemeClr val="tx1"/>
+    </cs:fontRef>
+    <cs:spPr>
+      <a:solidFill>
+        <a:schemeClr val="phClr"/>
+      </a:solidFill>
+      <a:ln w="9525">
+        <a:solidFill>
+          <a:schemeClr val="phClr"/>
+        </a:solidFill>
+      </a:ln>
+    </cs:spPr>
+  </cs:dataPointMarker>
+  <cs:dataPointMarkerLayout symbol="circle" size="5"/>
+  <cs:dataPointWireframe>
+    <cs:lnRef idx="0">
+      <cs:styleClr val="auto"/>
+    </cs:lnRef>
+    <cs:fillRef idx="1"/>
+    <cs:effectRef idx="0"/>
+    <cs:fontRef idx="minor">
+      <a:schemeClr val="tx1"/>
+    </cs:fontRef>
+    <cs:spPr>
+      <a:ln w="9525" cap="rnd">
+        <a:solidFill>
+          <a:schemeClr val="phClr"/>
+        </a:solidFill>
+        <a:round/>
+      </a:ln>
+    </cs:spPr>
+  </cs:dataPointWireframe>
+  <cs:dataTable>
+    <cs:lnRef idx="0"/>
+    <cs:fillRef idx="0"/>
+    <cs:effectRef idx="0"/>
+    <cs:fontRef idx="minor">
+      <a:schemeClr val="tx1">
+        <a:lumMod val="65000"/>
+        <a:lumOff val="35000"/>
+      </a:schemeClr>
+    </cs:fontRef>
+    <cs:spPr>
+      <a:noFill/>
+      <a:ln w="9525" cap="flat" cmpd="sng" algn="ctr">
+        <a:solidFill>
+          <a:schemeClr val="tx1">
+            <a:lumMod val="15000"/>
+            <a:lumOff val="85000"/>
+          </a:schemeClr>
+        </a:solidFill>
+        <a:round/>
+      </a:ln>
+    </cs:spPr>
+    <cs:defRPr sz="900" kern="1200"/>
+  </cs:dataTable>
+  <cs:downBar>
+    <cs:lnRef idx="0"/>
+    <cs:fillRef idx="0"/>
+    <cs:effectRef idx="0"/>
+    <cs:fontRef idx="minor">
+      <a:schemeClr val="dk1"/>
+    </cs:fontRef>
+    <cs:spPr>
+      <a:solidFill>
+        <a:schemeClr val="dk1">
+          <a:lumMod val="65000"/>
+          <a:lumOff val="35000"/>
+        </a:schemeClr>
+      </a:solidFill>
+      <a:ln w="9525">
+        <a:solidFill>
+          <a:schemeClr val="tx1">
+            <a:lumMod val="65000"/>
+            <a:lumOff val="35000"/>
+          </a:schemeClr>
+        </a:solidFill>
+      </a:ln>
+    </cs:spPr>
+  </cs:downBar>
+  <cs:dropLine>
+    <cs:lnRef idx="0"/>
+    <cs:fillRef idx="0"/>
+    <cs:effectRef idx="0"/>
+    <cs:fontRef idx="minor">
+      <a:schemeClr val="tx1"/>
+    </cs:fontRef>
+    <cs:spPr>
+      <a:ln w="9525" cap="flat" cmpd="sng" algn="ctr">
+        <a:solidFill>
+          <a:schemeClr val="tx1">
+            <a:lumMod val="35000"/>
+            <a:lumOff val="65000"/>
+          </a:schemeClr>
+        </a:solidFill>
+        <a:round/>
+      </a:ln>
+    </cs:spPr>
+  </cs:dropLine>
+  <cs:errorBar>
+    <cs:lnRef idx="0"/>
+    <cs:fillRef idx="0"/>
+    <cs:effectRef idx="0"/>
+    <cs:fontRef idx="minor">
+      <a:schemeClr val="tx1"/>
+    </cs:fontRef>
+    <cs:spPr>
+      <a:ln w="9525" cap="flat" cmpd="sng" algn="ctr">
+        <a:solidFill>
+          <a:schemeClr val="tx1">
+            <a:lumMod val="65000"/>
+            <a:lumOff val="35000"/>
+          </a:schemeClr>
+        </a:solidFill>
+        <a:round/>
+      </a:ln>
+    </cs:spPr>
+  </cs:errorBar>
+  <cs:floor>
+    <cs:lnRef idx="0"/>
+    <cs:fillRef idx="0"/>
+    <cs:effectRef idx="0"/>
+    <cs:fontRef idx="minor">
+      <a:schemeClr val="tx1"/>
+    </cs:fontRef>
+    <cs:spPr>
+      <a:noFill/>
+      <a:ln>
+        <a:noFill/>
+      </a:ln>
+    </cs:spPr>
+  </cs:floor>
+  <cs:gridlineMajor>
+    <cs:lnRef idx="0"/>
+    <cs:fillRef idx="0"/>
+    <cs:effectRef idx="0"/>
+    <cs:fontRef idx="minor">
+      <a:schemeClr val="tx1"/>
+    </cs:fontRef>
+    <cs:spPr>
+      <a:ln w="9525" cap="flat" cmpd="sng" algn="ctr">
+        <a:solidFill>
+          <a:schemeClr val="tx1">
+            <a:lumMod val="15000"/>
+            <a:lumOff val="85000"/>
+          </a:schemeClr>
+        </a:solidFill>
+        <a:round/>
+      </a:ln>
+    </cs:spPr>
+  </cs:gridlineMajor>
+  <cs:gridlineMinor>
+    <cs:lnRef idx="0"/>
+    <cs:fillRef idx="0"/>
+    <cs:effectRef idx="0"/>
+    <cs:fontRef idx="minor">
+      <a:schemeClr val="tx1"/>
+    </cs:fontRef>
+    <cs:spPr>
+      <a:ln w="9525" cap="flat" cmpd="sng" algn="ctr">
+        <a:solidFill>
+          <a:schemeClr val="tx1">
+            <a:lumMod val="5000"/>
+            <a:lumOff val="95000"/>
+          </a:schemeClr>
+        </a:solidFill>
+        <a:round/>
+      </a:ln>
+    </cs:spPr>
+  </cs:gridlineMinor>
+  <cs:hiLoLine>
+    <cs:lnRef idx="0"/>
+    <cs:fillRef idx="0"/>
+    <cs:effectRef idx="0"/>
+    <cs:fontRef idx="minor">
+      <a:schemeClr val="tx1"/>
+    </cs:fontRef>
+    <cs:spPr>
+      <a:ln w="9525" cap="flat" cmpd="sng" algn="ctr">
+        <a:solidFill>
+          <a:schemeClr val="tx1">
+            <a:lumMod val="75000"/>
+            <a:lumOff val="25000"/>
+          </a:schemeClr>
+        </a:solidFill>
+        <a:round/>
+      </a:ln>
+    </cs:spPr>
+  </cs:hiLoLine>
+  <cs:leaderLine>
+    <cs:lnRef idx="0"/>
+    <cs:fillRef idx="0"/>
+    <cs:effectRef idx="0"/>
+    <cs:fontRef idx="minor">
+      <a:schemeClr val="tx1"/>
+    </cs:fontRef>
+    <cs:spPr>
+      <a:ln w="9525" cap="flat" cmpd="sng" algn="ctr">
+        <a:solidFill>
+          <a:schemeClr val="tx1">
+            <a:lumMod val="35000"/>
+            <a:lumOff val="65000"/>
+          </a:schemeClr>
+        </a:solidFill>
+        <a:round/>
+      </a:ln>
+    </cs:spPr>
+  </cs:leaderLine>
+  <cs:legend>
+    <cs:lnRef idx="0"/>
+    <cs:fillRef idx="0"/>
+    <cs:effectRef idx="0"/>
+    <cs:fontRef idx="minor">
+      <a:schemeClr val="tx1">
+        <a:lumMod val="65000"/>
+        <a:lumOff val="35000"/>
+      </a:schemeClr>
+    </cs:fontRef>
+    <cs:defRPr sz="900" kern="1200"/>
+  </cs:legend>
+  <cs:plotArea mods="allowNoFillOverride allowNoLineOverride">
+    <cs:lnRef idx="0"/>
+    <cs:fillRef idx="0"/>
+    <cs:effectRef idx="0"/>
+    <cs:fontRef idx="minor">
+      <a:schemeClr val="tx1"/>
+    </cs:fontRef>
+  </cs:plotArea>
+  <cs:plotArea3D mods="allowNoFillOverride allowNoLineOverride">
+    <cs:lnRef idx="0"/>
+    <cs:fillRef idx="0"/>
+    <cs:effectRef idx="0"/>
+    <cs:fontRef idx="minor">
+      <a:schemeClr val="tx1"/>
+    </cs:fontRef>
+  </cs:plotArea3D>
+  <cs:seriesAxis>
+    <cs:lnRef idx="0"/>
+    <cs:fillRef idx="0"/>
+    <cs:effectRef idx="0"/>
+    <cs:fontRef idx="minor">
+      <a:schemeClr val="tx1">
+        <a:lumMod val="65000"/>
+        <a:lumOff val="35000"/>
+      </a:schemeClr>
+    </cs:fontRef>
+    <cs:defRPr sz="900" kern="1200"/>
+  </cs:seriesAxis>
+  <cs:seriesLine>
+    <cs:lnRef idx="0"/>
+    <cs:fillRef idx="0"/>
+    <cs:effectRef idx="0"/>
+    <cs:fontRef idx="minor">
+      <a:schemeClr val="tx1"/>
+    </cs:fontRef>
+    <cs:spPr>
+      <a:ln w="9525" cap="flat" cmpd="sng" algn="ctr">
+        <a:solidFill>
+          <a:schemeClr val="tx1">
+            <a:lumMod val="35000"/>
+            <a:lumOff val="65000"/>
+          </a:schemeClr>
+        </a:solidFill>
+        <a:round/>
+      </a:ln>
+    </cs:spPr>
+  </cs:seriesLine>
+  <cs:title>
+    <cs:lnRef idx="0"/>
+    <cs:fillRef idx="0"/>
+    <cs:effectRef idx="0"/>
+    <cs:fontRef idx="minor">
+      <a:schemeClr val="tx1">
+        <a:lumMod val="65000"/>
+        <a:lumOff val="35000"/>
+      </a:schemeClr>
+    </cs:fontRef>
+    <cs:defRPr sz="1400" b="0" kern="1200" spc="0" baseline="0"/>
+  </cs:title>
+  <cs:trendline>
+    <cs:lnRef idx="0">
+      <cs:styleClr val="auto"/>
+    </cs:lnRef>
+    <cs:fillRef idx="0"/>
+    <cs:effectRef idx="0"/>
+    <cs:fontRef idx="minor">
+      <a:schemeClr val="tx1"/>
+    </cs:fontRef>
+    <cs:spPr>
+      <a:ln w="19050" cap="rnd">
+        <a:solidFill>
+          <a:schemeClr val="phClr"/>
+        </a:solidFill>
+        <a:prstDash val="sysDot"/>
+      </a:ln>
+    </cs:spPr>
+  </cs:trendline>
+  <cs:trendlineLabel>
+    <cs:lnRef idx="0"/>
+    <cs:fillRef idx="0"/>
+    <cs:effectRef idx="0"/>
+    <cs:fontRef idx="minor">
+      <a:schemeClr val="tx1">
+        <a:lumMod val="65000"/>
+        <a:lumOff val="35000"/>
+      </a:schemeClr>
+    </cs:fontRef>
+    <cs:defRPr sz="900" kern="1200"/>
+  </cs:trendlineLabel>
+  <cs:upBar>
+    <cs:lnRef idx="0"/>
+    <cs:fillRef idx="0"/>
+    <cs:effectRef idx="0"/>
+    <cs:fontRef idx="minor">
+      <a:schemeClr val="dk1"/>
+    </cs:fontRef>
+    <cs:spPr>
+      <a:solidFill>
+        <a:schemeClr val="lt1"/>
+      </a:solidFill>
+      <a:ln w="9525">
+        <a:solidFill>
+          <a:schemeClr val="tx1">
+            <a:lumMod val="15000"/>
+            <a:lumOff val="85000"/>
+          </a:schemeClr>
+        </a:solidFill>
+      </a:ln>
+    </cs:spPr>
+  </cs:upBar>
+  <cs:valueAxis>
+    <cs:lnRef idx="0"/>
+    <cs:fillRef idx="0"/>
+    <cs:effectRef idx="0"/>
+    <cs:fontRef idx="minor">
+      <a:schemeClr val="tx1">
+        <a:lumMod val="65000"/>
+        <a:lumOff val="35000"/>
+      </a:schemeClr>
+    </cs:fontRef>
+    <cs:defRPr sz="900" kern="1200"/>
+  </cs:valueAxis>
+  <cs:wall>
+    <cs:lnRef idx="0"/>
+    <cs:fillRef idx="0"/>
+    <cs:effectRef idx="0"/>
+    <cs:fontRef idx="minor">
+      <a:schemeClr val="tx1"/>
+    </cs:fontRef>
+    <cs:spPr>
+      <a:noFill/>
+      <a:ln>
+        <a:noFill/>
+      </a:ln>
+    </cs:spPr>
+  </cs:wall>
+</cs:chartStyle>
+</file>
+
+<file path=ppt/charts/style8.xml><?xml version="1.0" encoding="utf-8"?>
+<cs:chartStyle xmlns:cs="http://schemas.microsoft.com/office/drawing/2012/chartStyle" xmlns:a="http://schemas.openxmlformats.org/drawingml/2006/main" id="227">
+  <cs:axisTitle>
+    <cs:lnRef idx="0"/>
+    <cs:fillRef idx="0"/>
+    <cs:effectRef idx="0"/>
+    <cs:fontRef idx="minor">
+      <a:schemeClr val="tx1">
+        <a:lumMod val="65000"/>
+        <a:lumOff val="35000"/>
+      </a:schemeClr>
+    </cs:fontRef>
+    <cs:defRPr sz="1000" kern="1200"/>
+  </cs:axisTitle>
+  <cs:categoryAxis>
+    <cs:lnRef idx="0"/>
+    <cs:fillRef idx="0"/>
+    <cs:effectRef idx="0"/>
+    <cs:fontRef idx="minor">
+      <a:schemeClr val="tx1">
+        <a:lumMod val="65000"/>
+        <a:lumOff val="35000"/>
+      </a:schemeClr>
+    </cs:fontRef>
+    <cs:spPr>
+      <a:ln w="9525" cap="flat" cmpd="sng" algn="ctr">
+        <a:solidFill>
+          <a:schemeClr val="tx1">
+            <a:lumMod val="15000"/>
+            <a:lumOff val="85000"/>
+          </a:schemeClr>
+        </a:solidFill>
+        <a:round/>
+      </a:ln>
+    </cs:spPr>
+    <cs:defRPr sz="900" kern="1200"/>
+  </cs:categoryAxis>
+  <cs:chartArea mods="allowNoFillOverride allowNoLineOverride">
+    <cs:lnRef idx="0"/>
+    <cs:fillRef idx="0"/>
+    <cs:effectRef idx="0"/>
+    <cs:fontRef idx="minor">
+      <a:schemeClr val="tx1"/>
+    </cs:fontRef>
+    <cs:spPr>
+      <a:solidFill>
+        <a:schemeClr val="bg1"/>
+      </a:solidFill>
+      <a:ln w="9525" cap="flat" cmpd="sng" algn="ctr">
+        <a:solidFill>
+          <a:schemeClr val="tx1">
+            <a:lumMod val="15000"/>
+            <a:lumOff val="85000"/>
+          </a:schemeClr>
+        </a:solidFill>
+        <a:round/>
+      </a:ln>
+    </cs:spPr>
+    <cs:defRPr sz="1000" kern="1200"/>
+  </cs:chartArea>
+  <cs:dataLabel>
+    <cs:lnRef idx="0"/>
+    <cs:fillRef idx="0"/>
+    <cs:effectRef idx="0"/>
+    <cs:fontRef idx="minor">
+      <a:schemeClr val="tx1">
+        <a:lumMod val="75000"/>
+        <a:lumOff val="25000"/>
+      </a:schemeClr>
+    </cs:fontRef>
+    <cs:defRPr sz="900" kern="1200"/>
+  </cs:dataLabel>
+  <cs:dataLabelCallout>
+    <cs:lnRef idx="0"/>
+    <cs:fillRef idx="0"/>
+    <cs:effectRef idx="0"/>
+    <cs:fontRef idx="minor">
+      <a:schemeClr val="dk1">
+        <a:lumMod val="65000"/>
+        <a:lumOff val="35000"/>
+      </a:schemeClr>
+    </cs:fontRef>
+    <cs:spPr>
+      <a:solidFill>
+        <a:schemeClr val="lt1"/>
+      </a:solidFill>
+      <a:ln>
+        <a:solidFill>
+          <a:schemeClr val="dk1">
+            <a:lumMod val="25000"/>
+            <a:lumOff val="75000"/>
+          </a:schemeClr>
+        </a:solidFill>
+      </a:ln>
+    </cs:spPr>
+    <cs:defRPr sz="900" kern="1200"/>
+    <cs:bodyPr rot="0" spcFirstLastPara="1" vertOverflow="clip" horzOverflow="clip" vert="horz" wrap="square" lIns="36576" tIns="18288" rIns="36576" bIns="18288" anchor="ctr" anchorCtr="1">
+      <a:spAutoFit/>
+    </cs:bodyPr>
+  </cs:dataLabelCallout>
+  <cs:dataPoint>
+    <cs:lnRef idx="0"/>
+    <cs:fillRef idx="1">
+      <cs:styleClr val="auto"/>
+    </cs:fillRef>
+    <cs:effectRef idx="0"/>
+    <cs:fontRef idx="minor">
+      <a:schemeClr val="tx1"/>
+    </cs:fontRef>
+    <cs:spPr>
+      <a:solidFill>
+        <a:schemeClr val="phClr"/>
+      </a:solidFill>
+    </cs:spPr>
+  </cs:dataPoint>
+  <cs:dataPoint3D>
+    <cs:lnRef idx="0"/>
+    <cs:fillRef idx="1">
+      <cs:styleClr val="auto"/>
+    </cs:fillRef>
+    <cs:effectRef idx="0"/>
+    <cs:fontRef idx="minor">
+      <a:schemeClr val="tx1"/>
+    </cs:fontRef>
+    <cs:spPr>
+      <a:solidFill>
+        <a:schemeClr val="phClr"/>
+      </a:solidFill>
+    </cs:spPr>
+  </cs:dataPoint3D>
+  <cs:dataPointLine>
+    <cs:lnRef idx="0">
+      <cs:styleClr val="auto"/>
+    </cs:lnRef>
+    <cs:fillRef idx="1"/>
+    <cs:effectRef idx="0"/>
+    <cs:fontRef idx="minor">
+      <a:schemeClr val="tx1"/>
+    </cs:fontRef>
+    <cs:spPr>
+      <a:ln w="28575" cap="rnd">
+        <a:solidFill>
+          <a:schemeClr val="phClr"/>
+        </a:solidFill>
+        <a:round/>
+      </a:ln>
+    </cs:spPr>
+  </cs:dataPointLine>
+  <cs:dataPointMarker>
+    <cs:lnRef idx="0">
+      <cs:styleClr val="auto"/>
+    </cs:lnRef>
+    <cs:fillRef idx="1">
+      <cs:styleClr val="auto"/>
+    </cs:fillRef>
+    <cs:effectRef idx="0"/>
+    <cs:fontRef idx="minor">
+      <a:schemeClr val="tx1"/>
+    </cs:fontRef>
+    <cs:spPr>
+      <a:solidFill>
+        <a:schemeClr val="phClr"/>
+      </a:solidFill>
+      <a:ln w="9525">
+        <a:solidFill>
+          <a:schemeClr val="phClr"/>
+        </a:solidFill>
+      </a:ln>
+    </cs:spPr>
+  </cs:dataPointMarker>
+  <cs:dataPointMarkerLayout symbol="circle" size="5"/>
+  <cs:dataPointWireframe>
+    <cs:lnRef idx="0">
+      <cs:styleClr val="auto"/>
+    </cs:lnRef>
+    <cs:fillRef idx="1"/>
+    <cs:effectRef idx="0"/>
+    <cs:fontRef idx="minor">
+      <a:schemeClr val="tx1"/>
+    </cs:fontRef>
+    <cs:spPr>
+      <a:ln w="9525" cap="rnd">
+        <a:solidFill>
+          <a:schemeClr val="phClr"/>
+        </a:solidFill>
+        <a:round/>
+      </a:ln>
+    </cs:spPr>
+  </cs:dataPointWireframe>
+  <cs:dataTable>
+    <cs:lnRef idx="0"/>
+    <cs:fillRef idx="0"/>
+    <cs:effectRef idx="0"/>
+    <cs:fontRef idx="minor">
+      <a:schemeClr val="tx1">
+        <a:lumMod val="65000"/>
+        <a:lumOff val="35000"/>
+      </a:schemeClr>
+    </cs:fontRef>
+    <cs:spPr>
+      <a:noFill/>
+      <a:ln w="9525" cap="flat" cmpd="sng" algn="ctr">
+        <a:solidFill>
+          <a:schemeClr val="tx1">
+            <a:lumMod val="15000"/>
+            <a:lumOff val="85000"/>
+          </a:schemeClr>
+        </a:solidFill>
+        <a:round/>
+      </a:ln>
+    </cs:spPr>
+    <cs:defRPr sz="900" kern="1200"/>
+  </cs:dataTable>
+  <cs:downBar>
+    <cs:lnRef idx="0"/>
+    <cs:fillRef idx="0"/>
+    <cs:effectRef idx="0"/>
+    <cs:fontRef idx="minor">
+      <a:schemeClr val="dk1"/>
+    </cs:fontRef>
+    <cs:spPr>
+      <a:solidFill>
+        <a:schemeClr val="dk1">
+          <a:lumMod val="65000"/>
+          <a:lumOff val="35000"/>
+        </a:schemeClr>
+      </a:solidFill>
+      <a:ln w="9525">
+        <a:solidFill>
+          <a:schemeClr val="tx1">
+            <a:lumMod val="65000"/>
+            <a:lumOff val="35000"/>
+          </a:schemeClr>
+        </a:solidFill>
+      </a:ln>
+    </cs:spPr>
+  </cs:downBar>
+  <cs:dropLine>
+    <cs:lnRef idx="0"/>
+    <cs:fillRef idx="0"/>
+    <cs:effectRef idx="0"/>
+    <cs:fontRef idx="minor">
+      <a:schemeClr val="tx1"/>
+    </cs:fontRef>
+    <cs:spPr>
+      <a:ln w="9525" cap="flat" cmpd="sng" algn="ctr">
+        <a:solidFill>
+          <a:schemeClr val="tx1">
+            <a:lumMod val="35000"/>
+            <a:lumOff val="65000"/>
+          </a:schemeClr>
+        </a:solidFill>
+        <a:round/>
+      </a:ln>
+    </cs:spPr>
+  </cs:dropLine>
+  <cs:errorBar>
+    <cs:lnRef idx="0"/>
+    <cs:fillRef idx="0"/>
+    <cs:effectRef idx="0"/>
+    <cs:fontRef idx="minor">
+      <a:schemeClr val="tx1"/>
+    </cs:fontRef>
+    <cs:spPr>
+      <a:ln w="9525" cap="flat" cmpd="sng" algn="ctr">
+        <a:solidFill>
+          <a:schemeClr val="tx1">
+            <a:lumMod val="65000"/>
+            <a:lumOff val="35000"/>
+          </a:schemeClr>
+        </a:solidFill>
+        <a:round/>
+      </a:ln>
+    </cs:spPr>
+  </cs:errorBar>
+  <cs:floor>
+    <cs:lnRef idx="0"/>
+    <cs:fillRef idx="0"/>
+    <cs:effectRef idx="0"/>
+    <cs:fontRef idx="minor">
+      <a:schemeClr val="tx1"/>
+    </cs:fontRef>
+    <cs:spPr>
+      <a:noFill/>
+      <a:ln>
+        <a:noFill/>
+      </a:ln>
+    </cs:spPr>
+  </cs:floor>
+  <cs:gridlineMajor>
+    <cs:lnRef idx="0"/>
+    <cs:fillRef idx="0"/>
+    <cs:effectRef idx="0"/>
+    <cs:fontRef idx="minor">
+      <a:schemeClr val="tx1"/>
+    </cs:fontRef>
+    <cs:spPr>
+      <a:ln w="9525" cap="flat" cmpd="sng" algn="ctr">
+        <a:solidFill>
+          <a:schemeClr val="tx1">
+            <a:lumMod val="15000"/>
+            <a:lumOff val="85000"/>
+          </a:schemeClr>
+        </a:solidFill>
+        <a:round/>
+      </a:ln>
+    </cs:spPr>
+  </cs:gridlineMajor>
+  <cs:gridlineMinor>
+    <cs:lnRef idx="0"/>
+    <cs:fillRef idx="0"/>
+    <cs:effectRef idx="0"/>
+    <cs:fontRef idx="minor">
+      <a:schemeClr val="tx1"/>
+    </cs:fontRef>
+    <cs:spPr>
+      <a:ln w="9525" cap="flat" cmpd="sng" algn="ctr">
+        <a:solidFill>
+          <a:schemeClr val="tx1">
+            <a:lumMod val="5000"/>
+            <a:lumOff val="95000"/>
+          </a:schemeClr>
+        </a:solidFill>
+        <a:round/>
+      </a:ln>
+    </cs:spPr>
+  </cs:gridlineMinor>
+  <cs:hiLoLine>
+    <cs:lnRef idx="0"/>
+    <cs:fillRef idx="0"/>
+    <cs:effectRef idx="0"/>
+    <cs:fontRef idx="minor">
+      <a:schemeClr val="tx1"/>
+    </cs:fontRef>
+    <cs:spPr>
+      <a:ln w="9525" cap="flat" cmpd="sng" algn="ctr">
+        <a:solidFill>
+          <a:schemeClr val="tx1">
+            <a:lumMod val="75000"/>
+            <a:lumOff val="25000"/>
+          </a:schemeClr>
+        </a:solidFill>
+        <a:round/>
+      </a:ln>
+    </cs:spPr>
+  </cs:hiLoLine>
+  <cs:leaderLine>
+    <cs:lnRef idx="0"/>
+    <cs:fillRef idx="0"/>
+    <cs:effectRef idx="0"/>
+    <cs:fontRef idx="minor">
+      <a:schemeClr val="tx1"/>
+    </cs:fontRef>
+    <cs:spPr>
+      <a:ln w="9525" cap="flat" cmpd="sng" algn="ctr">
+        <a:solidFill>
+          <a:schemeClr val="tx1">
+            <a:lumMod val="35000"/>
+            <a:lumOff val="65000"/>
+          </a:schemeClr>
+        </a:solidFill>
+        <a:round/>
+      </a:ln>
+    </cs:spPr>
+  </cs:leaderLine>
+  <cs:legend>
+    <cs:lnRef idx="0"/>
+    <cs:fillRef idx="0"/>
+    <cs:effectRef idx="0"/>
+    <cs:fontRef idx="minor">
+      <a:schemeClr val="tx1">
+        <a:lumMod val="65000"/>
+        <a:lumOff val="35000"/>
+      </a:schemeClr>
+    </cs:fontRef>
+    <cs:defRPr sz="900" kern="1200"/>
+  </cs:legend>
+  <cs:plotArea mods="allowNoFillOverride allowNoLineOverride">
+    <cs:lnRef idx="0"/>
+    <cs:fillRef idx="0"/>
+    <cs:effectRef idx="0"/>
+    <cs:fontRef idx="minor">
+      <a:schemeClr val="tx1"/>
+    </cs:fontRef>
+  </cs:plotArea>
+  <cs:plotArea3D mods="allowNoFillOverride allowNoLineOverride">
+    <cs:lnRef idx="0"/>
+    <cs:fillRef idx="0"/>
+    <cs:effectRef idx="0"/>
+    <cs:fontRef idx="minor">
+      <a:schemeClr val="tx1"/>
+    </cs:fontRef>
+  </cs:plotArea3D>
+  <cs:seriesAxis>
+    <cs:lnRef idx="0"/>
+    <cs:fillRef idx="0"/>
+    <cs:effectRef idx="0"/>
+    <cs:fontRef idx="minor">
+      <a:schemeClr val="tx1">
+        <a:lumMod val="65000"/>
+        <a:lumOff val="35000"/>
+      </a:schemeClr>
+    </cs:fontRef>
+    <cs:defRPr sz="900" kern="1200"/>
+  </cs:seriesAxis>
+  <cs:seriesLine>
+    <cs:lnRef idx="0"/>
+    <cs:fillRef idx="0"/>
+    <cs:effectRef idx="0"/>
+    <cs:fontRef idx="minor">
+      <a:schemeClr val="tx1"/>
+    </cs:fontRef>
+    <cs:spPr>
+      <a:ln w="9525" cap="flat" cmpd="sng" algn="ctr">
+        <a:solidFill>
+          <a:schemeClr val="tx1">
+            <a:lumMod val="35000"/>
+            <a:lumOff val="65000"/>
+          </a:schemeClr>
+        </a:solidFill>
+        <a:round/>
+      </a:ln>
+    </cs:spPr>
+  </cs:seriesLine>
+  <cs:title>
+    <cs:lnRef idx="0"/>
+    <cs:fillRef idx="0"/>
+    <cs:effectRef idx="0"/>
+    <cs:fontRef idx="minor">
+      <a:schemeClr val="tx1">
+        <a:lumMod val="65000"/>
+        <a:lumOff val="35000"/>
+      </a:schemeClr>
+    </cs:fontRef>
+    <cs:defRPr sz="1400" b="0" kern="1200" spc="0" baseline="0"/>
+  </cs:title>
+  <cs:trendline>
+    <cs:lnRef idx="0">
+      <cs:styleClr val="auto"/>
+    </cs:lnRef>
+    <cs:fillRef idx="0"/>
+    <cs:effectRef idx="0"/>
+    <cs:fontRef idx="minor">
+      <a:schemeClr val="tx1"/>
+    </cs:fontRef>
+    <cs:spPr>
+      <a:ln w="19050" cap="rnd">
+        <a:solidFill>
+          <a:schemeClr val="phClr"/>
+        </a:solidFill>
+        <a:prstDash val="sysDot"/>
+      </a:ln>
+    </cs:spPr>
+  </cs:trendline>
+  <cs:trendlineLabel>
+    <cs:lnRef idx="0"/>
+    <cs:fillRef idx="0"/>
+    <cs:effectRef idx="0"/>
+    <cs:fontRef idx="minor">
+      <a:schemeClr val="tx1">
+        <a:lumMod val="65000"/>
+        <a:lumOff val="35000"/>
+      </a:schemeClr>
+    </cs:fontRef>
+    <cs:defRPr sz="900" kern="1200"/>
+  </cs:trendlineLabel>
+  <cs:upBar>
+    <cs:lnRef idx="0"/>
+    <cs:fillRef idx="0"/>
+    <cs:effectRef idx="0"/>
+    <cs:fontRef idx="minor">
+      <a:schemeClr val="dk1"/>
+    </cs:fontRef>
+    <cs:spPr>
+      <a:solidFill>
+        <a:schemeClr val="lt1"/>
+      </a:solidFill>
+      <a:ln w="9525">
+        <a:solidFill>
+          <a:schemeClr val="tx1">
+            <a:lumMod val="15000"/>
+            <a:lumOff val="85000"/>
+          </a:schemeClr>
+        </a:solidFill>
+      </a:ln>
+    </cs:spPr>
+  </cs:upBar>
+  <cs:valueAxis>
+    <cs:lnRef idx="0"/>
+    <cs:fillRef idx="0"/>
+    <cs:effectRef idx="0"/>
+    <cs:fontRef idx="minor">
+      <a:schemeClr val="tx1">
+        <a:lumMod val="65000"/>
+        <a:lumOff val="35000"/>
+      </a:schemeClr>
+    </cs:fontRef>
+    <cs:defRPr sz="900" kern="1200"/>
+  </cs:valueAxis>
+  <cs:wall>
+    <cs:lnRef idx="0"/>
+    <cs:fillRef idx="0"/>
+    <cs:effectRef idx="0"/>
+    <cs:fontRef idx="minor">
+      <a:schemeClr val="tx1"/>
+    </cs:fontRef>
+    <cs:spPr>
+      <a:noFill/>
+      <a:ln>
+        <a:noFill/>
+      </a:ln>
+    </cs:spPr>
+  </cs:wall>
+</cs:chartStyle>
+</file>
+
 <file path=ppt/notesMasters/notesMaster1.xml><?xml version="1.0" encoding="utf-8"?>
 <p:notesMaster xmlns:a="http://schemas.openxmlformats.org/drawingml/2006/main" xmlns:r="http://schemas.openxmlformats.org/officeDocument/2006/relationships" xmlns:p="http://schemas.openxmlformats.org/presentationml/2006/main">
   <p:cSld>
@@ -6861,7 +9049,7 @@
             <a:fld id="{3842907C-D0AA-4C58-9F94-58B40AD65B29}" type="datetimeFigureOut">
               <a:rPr lang="ja-JP" altLang="en-US"/>
               <a:pPr/>
-              <a:t>2016/5/19</a:t>
+              <a:t>2016/6/9</a:t>
             </a:fld>
             <a:endParaRPr kumimoji="1" lang="ja-JP"/>
           </a:p>
@@ -7387,9 +9575,7 @@
         </p:style>
         <p:txBody>
           <a:bodyPr anchor="ctr"/>
-          <a:lstStyle>
-            <a:extLst/>
-          </a:lstStyle>
+          <a:lstStyle/>
           <a:p>
             <a:pPr algn="ctr"/>
             <a:endParaRPr kumimoji="1" lang="ja-JP"/>
@@ -7602,9 +9788,7 @@
           </p:spPr>
           <p:txBody>
             <a:bodyPr vert="horz" wrap="square" lIns="91440" tIns="45720" rIns="91440" bIns="45720" anchor="t" compatLnSpc="1"/>
-            <a:lstStyle>
-              <a:extLst/>
-            </a:lstStyle>
+            <a:lstStyle/>
             <a:p>
               <a:endParaRPr kumimoji="1" lang="ja-JP"/>
             </a:p>
@@ -7684,9 +9868,7 @@
           </p:spPr>
           <p:txBody>
             <a:bodyPr vert="horz" wrap="square" lIns="91440" tIns="45720" rIns="91440" bIns="45720" anchor="t" compatLnSpc="1"/>
-            <a:lstStyle>
-              <a:extLst/>
-            </a:lstStyle>
+            <a:lstStyle/>
             <a:p>
               <a:endParaRPr kumimoji="1" lang="ja-JP"/>
             </a:p>
@@ -7843,9 +10025,7 @@
           </p:style>
           <p:txBody>
             <a:bodyPr vert="horz" wrap="square" lIns="91440" tIns="45720" rIns="91440" bIns="45720" anchor="ctr" compatLnSpc="1"/>
-            <a:lstStyle>
-              <a:extLst/>
-            </a:lstStyle>
+            <a:lstStyle/>
             <a:p>
               <a:pPr algn="ctr"/>
               <a:endParaRPr kumimoji="1" lang="ja-JP"/>
@@ -7933,7 +10113,7 @@
             <a:fld id="{E6E13C79-1C97-4B32-B2AE-1A69C169643E}" type="datetime2">
               <a:rPr lang="ja-JP" altLang="en-US"/>
               <a:pPr/>
-              <a:t>2016年5月19日(木)</a:t>
+              <a:t>2016年6月9日(木)</a:t>
             </a:fld>
             <a:endParaRPr kumimoji="1" lang="ja-JP">
               <a:solidFill>
@@ -8054,9 +10234,7 @@
         <p:spPr/>
         <p:txBody>
           <a:bodyPr/>
-          <a:lstStyle>
-            <a:extLst/>
-          </a:lstStyle>
+          <a:lstStyle/>
           <a:p>
             <a:r>
               <a:rPr kumimoji="1" lang="ja-JP" altLang="en-US" smtClean="0"/>
@@ -8084,9 +10262,7 @@
         </p:spPr>
         <p:txBody>
           <a:bodyPr vert="eaVert"/>
-          <a:lstStyle>
-            <a:extLst/>
-          </a:lstStyle>
+          <a:lstStyle/>
           <a:p>
             <a:pPr lvl="0"/>
             <a:r>
@@ -8170,14 +10346,12 @@
         <p:spPr/>
         <p:txBody>
           <a:bodyPr/>
-          <a:lstStyle>
-            <a:extLst/>
-          </a:lstStyle>
+          <a:lstStyle/>
           <a:p>
             <a:fld id="{D10E14BF-C004-4398-9186-5EE680724D95}" type="datetime2">
               <a:rPr lang="ja-JP" altLang="en-US"/>
               <a:pPr/>
-              <a:t>2016年5月19日(木)</a:t>
+              <a:t>2016年6月9日(木)</a:t>
             </a:fld>
             <a:endParaRPr kumimoji="1" lang="ja-JP"/>
           </a:p>
@@ -8196,9 +10370,7 @@
         <p:spPr/>
         <p:txBody>
           <a:bodyPr/>
-          <a:lstStyle>
-            <a:extLst/>
-          </a:lstStyle>
+          <a:lstStyle/>
           <a:p>
             <a:endParaRPr kumimoji="1" lang="ja-JP"/>
           </a:p>
@@ -8217,9 +10389,7 @@
         <p:spPr/>
         <p:txBody>
           <a:bodyPr/>
-          <a:lstStyle>
-            <a:extLst/>
-          </a:lstStyle>
+          <a:lstStyle/>
           <a:p>
             <a:fld id="{45292C34-3E5E-4BA5-AF54-F1601B144FB0}" type="slidenum">
               <a:rPr kumimoji="1" lang="en-US" altLang="ja-JP" sz="1400">
@@ -8279,9 +10449,7 @@
         </p:spPr>
         <p:txBody>
           <a:bodyPr vert="eaVert"/>
-          <a:lstStyle>
-            <a:extLst/>
-          </a:lstStyle>
+          <a:lstStyle/>
           <a:p>
             <a:r>
               <a:rPr kumimoji="1" lang="ja-JP" altLang="en-US" smtClean="0"/>
@@ -8309,9 +10477,7 @@
         </p:spPr>
         <p:txBody>
           <a:bodyPr vert="eaVert"/>
-          <a:lstStyle>
-            <a:extLst/>
-          </a:lstStyle>
+          <a:lstStyle/>
           <a:p>
             <a:pPr lvl="0"/>
             <a:r>
@@ -8395,14 +10561,12 @@
         <p:spPr/>
         <p:txBody>
           <a:bodyPr/>
-          <a:lstStyle>
-            <a:extLst/>
-          </a:lstStyle>
+          <a:lstStyle/>
           <a:p>
             <a:fld id="{D10E14BF-C004-4398-9186-5EE680724D95}" type="datetime2">
               <a:rPr lang="ja-JP" altLang="en-US"/>
               <a:pPr/>
-              <a:t>2016年5月19日(木)</a:t>
+              <a:t>2016年6月9日(木)</a:t>
             </a:fld>
             <a:endParaRPr kumimoji="1" lang="ja-JP"/>
           </a:p>
@@ -8421,9 +10585,7 @@
         <p:spPr/>
         <p:txBody>
           <a:bodyPr/>
-          <a:lstStyle>
-            <a:extLst/>
-          </a:lstStyle>
+          <a:lstStyle/>
           <a:p>
             <a:endParaRPr kumimoji="1" lang="ja-JP"/>
           </a:p>
@@ -8442,9 +10604,7 @@
         <p:spPr/>
         <p:txBody>
           <a:bodyPr/>
-          <a:lstStyle>
-            <a:extLst/>
-          </a:lstStyle>
+          <a:lstStyle/>
           <a:p>
             <a:fld id="{45292C34-3E5E-4BA5-AF54-F1601B144FB0}" type="slidenum">
               <a:rPr kumimoji="1" lang="en-US" altLang="ja-JP" sz="1400">
@@ -8504,9 +10664,7 @@
         </p:spPr>
         <p:txBody>
           <a:bodyPr/>
-          <a:lstStyle>
-            <a:extLst/>
-          </a:lstStyle>
+          <a:lstStyle/>
           <a:p>
             <a:pPr lvl="0"/>
             <a:r>
@@ -8595,14 +10753,12 @@
         </p:spPr>
         <p:txBody>
           <a:bodyPr/>
-          <a:lstStyle>
-            <a:extLst/>
-          </a:lstStyle>
+          <a:lstStyle/>
           <a:p>
             <a:fld id="{227FEF5B-F2CC-4EC5-8F1F-29A8BF9EFFA9}" type="datetime2">
               <a:rPr lang="ja-JP" altLang="en-US"/>
               <a:pPr/>
-              <a:t>2016年5月19日(木)</a:t>
+              <a:t>2016年6月9日(木)</a:t>
             </a:fld>
             <a:endParaRPr kumimoji="1" lang="ja-JP"/>
           </a:p>
@@ -8626,9 +10782,7 @@
         </p:spPr>
         <p:txBody>
           <a:bodyPr/>
-          <a:lstStyle>
-            <a:extLst/>
-          </a:lstStyle>
+          <a:lstStyle/>
           <a:p>
             <a:endParaRPr kumimoji="1" lang="ja-JP" dirty="0"/>
           </a:p>
@@ -8686,9 +10840,7 @@
         </p:spPr>
         <p:txBody>
           <a:bodyPr rtlCol="0"/>
-          <a:lstStyle>
-            <a:extLst/>
-          </a:lstStyle>
+          <a:lstStyle/>
           <a:p>
             <a:r>
               <a:rPr kumimoji="1" lang="ja-JP" altLang="en-US" smtClean="0"/>
@@ -8865,14 +11017,12 @@
         <p:spPr/>
         <p:txBody>
           <a:bodyPr/>
-          <a:lstStyle>
-            <a:extLst/>
-          </a:lstStyle>
+          <a:lstStyle/>
           <a:p>
             <a:fld id="{5F4709C1-563D-4D9C-B702-B64C84A5A174}" type="datetime2">
               <a:rPr lang="ja-JP" altLang="en-US"/>
               <a:pPr/>
-              <a:t>2016年5月19日(木)</a:t>
+              <a:t>2016年6月9日(木)</a:t>
             </a:fld>
             <a:endParaRPr kumimoji="1" lang="ja-JP"/>
           </a:p>
@@ -8891,9 +11041,7 @@
         <p:spPr/>
         <p:txBody>
           <a:bodyPr/>
-          <a:lstStyle>
-            <a:extLst/>
-          </a:lstStyle>
+          <a:lstStyle/>
           <a:p>
             <a:endParaRPr kumimoji="1" lang="ja-JP"/>
           </a:p>
@@ -8912,9 +11060,7 @@
         <p:spPr/>
         <p:txBody>
           <a:bodyPr/>
-          <a:lstStyle>
-            <a:extLst/>
-          </a:lstStyle>
+          <a:lstStyle/>
           <a:p>
             <a:fld id="{BC410EEA-824F-4D46-AFE7-60426C8C06B0}" type="slidenum">
               <a:rPr/>
@@ -8996,9 +11142,7 @@
         </p:style>
         <p:txBody>
           <a:bodyPr anchor="ctr"/>
-          <a:lstStyle>
-            <a:extLst/>
-          </a:lstStyle>
+          <a:lstStyle/>
           <a:p>
             <a:pPr algn="l"/>
             <a:endParaRPr kumimoji="1" lang="ja-JP"/>
@@ -9076,9 +11220,7 @@
         </p:style>
         <p:txBody>
           <a:bodyPr anchor="ctr"/>
-          <a:lstStyle>
-            <a:extLst/>
-          </a:lstStyle>
+          <a:lstStyle/>
           <a:p>
             <a:pPr algn="l"/>
             <a:endParaRPr kumimoji="1" lang="ja-JP"/>
@@ -9335,14 +11477,12 @@
         <p:spPr/>
         <p:txBody>
           <a:bodyPr/>
-          <a:lstStyle>
-            <a:extLst/>
-          </a:lstStyle>
+          <a:lstStyle/>
           <a:p>
             <a:fld id="{2E8303D9-A6EB-41FB-BF22-3F49E470997E}" type="datetime2">
               <a:rPr lang="ja-JP" altLang="en-US"/>
               <a:pPr/>
-              <a:t>2016年5月19日(木)</a:t>
+              <a:t>2016年6月9日(木)</a:t>
             </a:fld>
             <a:endParaRPr kumimoji="1" lang="ja-JP"/>
           </a:p>
@@ -9361,9 +11501,7 @@
         <p:spPr/>
         <p:txBody>
           <a:bodyPr/>
-          <a:lstStyle>
-            <a:extLst/>
-          </a:lstStyle>
+          <a:lstStyle/>
           <a:p>
             <a:endParaRPr kumimoji="1" lang="ja-JP"/>
           </a:p>
@@ -9382,9 +11520,7 @@
         <p:spPr/>
         <p:txBody>
           <a:bodyPr/>
-          <a:lstStyle>
-            <a:extLst/>
-          </a:lstStyle>
+          <a:lstStyle/>
           <a:p>
             <a:fld id="{BC410EEA-824F-4D46-AFE7-60426C8C06B0}" type="slidenum">
               <a:rPr/>
@@ -9408,9 +11544,7 @@
         <p:spPr/>
         <p:txBody>
           <a:bodyPr rtlCol="0"/>
-          <a:lstStyle>
-            <a:extLst/>
-          </a:lstStyle>
+          <a:lstStyle/>
           <a:p>
             <a:r>
               <a:rPr kumimoji="1" lang="ja-JP" altLang="en-US" smtClean="0"/>
@@ -9842,14 +11976,12 @@
         <p:spPr/>
         <p:txBody>
           <a:bodyPr/>
-          <a:lstStyle>
-            <a:extLst/>
-          </a:lstStyle>
+          <a:lstStyle/>
           <a:p>
             <a:fld id="{89BB0534-5698-4F62-9CFE-5DE61A073E78}" type="datetime2">
               <a:rPr lang="ja-JP" altLang="en-US"/>
               <a:pPr/>
-              <a:t>2016年5月19日(木)</a:t>
+              <a:t>2016年6月9日(木)</a:t>
             </a:fld>
             <a:endParaRPr kumimoji="1" lang="ja-JP"/>
           </a:p>
@@ -9868,9 +12000,7 @@
         <p:spPr/>
         <p:txBody>
           <a:bodyPr/>
-          <a:lstStyle>
-            <a:extLst/>
-          </a:lstStyle>
+          <a:lstStyle/>
           <a:p>
             <a:endParaRPr kumimoji="1" lang="ja-JP"/>
           </a:p>
@@ -9889,9 +12019,7 @@
         <p:spPr/>
         <p:txBody>
           <a:bodyPr/>
-          <a:lstStyle>
-            <a:extLst/>
-          </a:lstStyle>
+          <a:lstStyle/>
           <a:p>
             <a:fld id="{BC410EEA-824F-4D46-AFE7-60426C8C06B0}" type="slidenum">
               <a:rPr/>
@@ -9940,14 +12068,12 @@
         <p:spPr/>
         <p:txBody>
           <a:bodyPr/>
-          <a:lstStyle>
-            <a:extLst/>
-          </a:lstStyle>
+          <a:lstStyle/>
           <a:p>
             <a:fld id="{084827A3-B249-4F87-AB1A-1E06AC1AA2A4}" type="datetime2">
               <a:rPr lang="ja-JP" altLang="en-US"/>
               <a:pPr/>
-              <a:t>2016年5月19日(木)</a:t>
+              <a:t>2016年6月9日(木)</a:t>
             </a:fld>
             <a:endParaRPr kumimoji="1" lang="ja-JP"/>
           </a:p>
@@ -9966,9 +12092,7 @@
         <p:spPr/>
         <p:txBody>
           <a:bodyPr/>
-          <a:lstStyle>
-            <a:extLst/>
-          </a:lstStyle>
+          <a:lstStyle/>
           <a:p>
             <a:endParaRPr kumimoji="1" lang="ja-JP"/>
           </a:p>
@@ -9987,9 +12111,7 @@
         <p:spPr/>
         <p:txBody>
           <a:bodyPr/>
-          <a:lstStyle>
-            <a:extLst/>
-          </a:lstStyle>
+          <a:lstStyle/>
           <a:p>
             <a:fld id="{BC410EEA-824F-4D46-AFE7-60426C8C06B0}" type="slidenum">
               <a:rPr/>
@@ -10013,9 +12135,7 @@
         <p:spPr/>
         <p:txBody>
           <a:bodyPr rtlCol="0"/>
-          <a:lstStyle>
-            <a:extLst/>
-          </a:lstStyle>
+          <a:lstStyle/>
           <a:p>
             <a:r>
               <a:rPr kumimoji="1" lang="ja-JP" altLang="en-US" smtClean="0"/>
@@ -10063,14 +12183,12 @@
         <p:spPr/>
         <p:txBody>
           <a:bodyPr/>
-          <a:lstStyle>
-            <a:extLst/>
-          </a:lstStyle>
+          <a:lstStyle/>
           <a:p>
             <a:fld id="{B1546142-29B2-49CC-BCC6-A3AD70B4960E}" type="datetime2">
               <a:rPr lang="ja-JP" altLang="en-US"/>
               <a:pPr/>
-              <a:t>2016年5月19日(木)</a:t>
+              <a:t>2016年6月9日(木)</a:t>
             </a:fld>
             <a:endParaRPr kumimoji="1" lang="ja-JP"/>
           </a:p>
@@ -10089,9 +12207,7 @@
         <p:spPr/>
         <p:txBody>
           <a:bodyPr/>
-          <a:lstStyle>
-            <a:extLst/>
-          </a:lstStyle>
+          <a:lstStyle/>
           <a:p>
             <a:endParaRPr kumimoji="1" lang="ja-JP"/>
           </a:p>
@@ -10110,9 +12226,7 @@
         <p:spPr/>
         <p:txBody>
           <a:bodyPr/>
-          <a:lstStyle>
-            <a:extLst/>
-          </a:lstStyle>
+          <a:lstStyle/>
           <a:p>
             <a:fld id="{BC410EEA-824F-4D46-AFE7-60426C8C06B0}" type="slidenum">
               <a:rPr/>
@@ -10366,14 +12480,12 @@
         </p:spPr>
         <p:txBody>
           <a:bodyPr/>
-          <a:lstStyle>
-            <a:extLst/>
-          </a:lstStyle>
+          <a:lstStyle/>
           <a:p>
             <a:fld id="{E86C4691-4882-40A8-AF62-8CF6A18D40B2}" type="datetime2">
               <a:rPr lang="ja-JP" altLang="en-US"/>
               <a:pPr/>
-              <a:t>2016年5月19日(木)</a:t>
+              <a:t>2016年6月9日(木)</a:t>
             </a:fld>
             <a:endParaRPr kumimoji="1" lang="ja-JP"/>
           </a:p>
@@ -10392,9 +12504,7 @@
         <p:spPr/>
         <p:txBody>
           <a:bodyPr/>
-          <a:lstStyle>
-            <a:extLst/>
-          </a:lstStyle>
+          <a:lstStyle/>
           <a:p>
             <a:endParaRPr kumimoji="1" lang="ja-JP"/>
           </a:p>
@@ -10413,9 +12523,7 @@
         <p:spPr/>
         <p:txBody>
           <a:bodyPr/>
-          <a:lstStyle>
-            <a:extLst/>
-          </a:lstStyle>
+          <a:lstStyle/>
           <a:p>
             <a:fld id="{BC410EEA-824F-4D46-AFE7-60426C8C06B0}" type="slidenum">
               <a:rPr/>
@@ -10575,7 +12683,7 @@
             <a:fld id="{61C6776A-4DEC-47EE-8A49-2C150ECB5465}" type="datetime2">
               <a:rPr lang="ja-JP" altLang="en-US"/>
               <a:pPr/>
-              <a:t>2016年5月19日(木)</a:t>
+              <a:t>2016年6月9日(木)</a:t>
             </a:fld>
             <a:endParaRPr kumimoji="1" lang="ja-JP">
               <a:solidFill>
@@ -10783,9 +12891,7 @@
         </p:spPr>
         <p:txBody>
           <a:bodyPr vert="horz" wrap="square" lIns="91440" tIns="45720" rIns="91440" bIns="45720" anchor="t" compatLnSpc="1"/>
-          <a:lstStyle>
-            <a:extLst/>
-          </a:lstStyle>
+          <a:lstStyle/>
           <a:p>
             <a:endParaRPr kumimoji="1" lang="ja-JP"/>
           </a:p>
@@ -10865,9 +12971,7 @@
         </p:spPr>
         <p:txBody>
           <a:bodyPr vert="horz" wrap="square" lIns="91440" tIns="45720" rIns="91440" bIns="45720" anchor="t" compatLnSpc="1"/>
-          <a:lstStyle>
-            <a:extLst/>
-          </a:lstStyle>
+          <a:lstStyle/>
           <a:p>
             <a:endParaRPr kumimoji="1" lang="ja-JP"/>
           </a:p>
@@ -10975,9 +13079,7 @@
         </p:style>
         <p:txBody>
           <a:bodyPr vert="horz" wrap="square" lIns="91440" tIns="45720" rIns="91440" bIns="45720" anchor="ctr" compatLnSpc="1"/>
-          <a:lstStyle>
-            <a:extLst/>
-          </a:lstStyle>
+          <a:lstStyle/>
           <a:p>
             <a:pPr algn="ctr"/>
             <a:endParaRPr kumimoji="1" lang="ja-JP"/>
@@ -11108,9 +13210,7 @@
         </p:style>
         <p:txBody>
           <a:bodyPr anchor="ctr"/>
-          <a:lstStyle>
-            <a:extLst/>
-          </a:lstStyle>
+          <a:lstStyle/>
           <a:p>
             <a:pPr algn="l"/>
             <a:endParaRPr kumimoji="1" lang="ja-JP"/>
@@ -11188,9 +13288,7 @@
         </p:style>
         <p:txBody>
           <a:bodyPr anchor="ctr"/>
-          <a:lstStyle>
-            <a:extLst/>
-          </a:lstStyle>
+          <a:lstStyle/>
           <a:p>
             <a:pPr algn="l"/>
             <a:endParaRPr kumimoji="1" lang="ja-JP"/>
@@ -11303,9 +13401,7 @@
         </p:spPr>
         <p:txBody>
           <a:bodyPr vert="horz" wrap="square" lIns="91440" tIns="45720" rIns="91440" bIns="45720" anchor="t" compatLnSpc="1"/>
-          <a:lstStyle>
-            <a:extLst/>
-          </a:lstStyle>
+          <a:lstStyle/>
           <a:p>
             <a:endParaRPr kumimoji="1" lang="ja-JP"/>
           </a:p>
@@ -11385,9 +13481,7 @@
         </p:spPr>
         <p:txBody>
           <a:bodyPr vert="horz" wrap="square" lIns="91440" tIns="45720" rIns="91440" bIns="45720" anchor="t" compatLnSpc="1"/>
-          <a:lstStyle>
-            <a:extLst/>
-          </a:lstStyle>
+          <a:lstStyle/>
           <a:p>
             <a:endParaRPr kumimoji="1" lang="ja-JP"/>
           </a:p>
@@ -11495,9 +13589,7 @@
         </p:style>
         <p:txBody>
           <a:bodyPr vert="horz" wrap="square" lIns="91440" tIns="45720" rIns="91440" bIns="45720" anchor="ctr" compatLnSpc="1"/>
-          <a:lstStyle>
-            <a:extLst/>
-          </a:lstStyle>
+          <a:lstStyle/>
           <a:p>
             <a:pPr algn="ctr"/>
             <a:endParaRPr kumimoji="1" lang="ja-JP"/>
@@ -11587,9 +13679,7 @@
               <a:bevelT w="25400" h="25400"/>
             </a:sp3d>
           </a:bodyPr>
-          <a:lstStyle>
-            <a:extLst/>
-          </a:lstStyle>
+          <a:lstStyle/>
           <a:p>
             <a:r>
               <a:rPr kumimoji="1" lang="ja-JP"/>
@@ -11621,9 +13711,7 @@
           <a:bodyPr vert="horz">
             <a:normAutofit/>
           </a:bodyPr>
-          <a:lstStyle>
-            <a:extLst/>
-          </a:lstStyle>
+          <a:lstStyle/>
           <a:p>
             <a:pPr lvl="0"/>
             <a:r>
@@ -11724,7 +13812,7 @@
             <a:fld id="{D10E14BF-C004-4398-9186-5EE680724D95}" type="datetime2">
               <a:rPr lang="ja-JP" altLang="en-US"/>
               <a:pPr/>
-              <a:t>2016年5月19日(木)</a:t>
+              <a:t>2016年6月9日(木)</a:t>
             </a:fld>
             <a:endParaRPr kumimoji="1" lang="ja-JP" sz="1000">
               <a:solidFill>
@@ -18411,8 +20499,20 @@
                 <a:tableStyleId>{5C22544A-7EE6-4342-B048-85BDC9FD1C3A}</a:tableStyleId>
               </a:tblPr>
               <a:tblGrid>
-                <a:gridCol w="3420380"/>
-                <a:gridCol w="3420380"/>
+                <a:gridCol w="3420380">
+                  <a:extLst>
+                    <a:ext uri="{9D8B030D-6E8A-4147-A177-3AD203B41FA5}">
+                      <a16:colId xmlns:a16="http://schemas.microsoft.com/office/drawing/2014/main" val="20000"/>
+                    </a:ext>
+                  </a:extLst>
+                </a:gridCol>
+                <a:gridCol w="3420380">
+                  <a:extLst>
+                    <a:ext uri="{9D8B030D-6E8A-4147-A177-3AD203B41FA5}">
+                      <a16:colId xmlns:a16="http://schemas.microsoft.com/office/drawing/2014/main" val="20001"/>
+                    </a:ext>
+                  </a:extLst>
+                </a:gridCol>
               </a:tblGrid>
               <a:tr h="763285">
                 <a:tc>
@@ -18461,6 +20561,11 @@
                   </a:txBody>
                   <a:tcPr marL="9525" marR="9525" marT="9525" marB="0" anchor="ctr"/>
                 </a:tc>
+                <a:extLst>
+                  <a:ext uri="{0D108BD9-81ED-4DB2-BD59-A6C34878D82A}">
+                    <a16:rowId xmlns:a16="http://schemas.microsoft.com/office/drawing/2014/main" val="10000"/>
+                  </a:ext>
+                </a:extLst>
               </a:tr>
               <a:tr h="748885">
                 <a:tc>
@@ -18509,6 +20614,11 @@
                   </a:txBody>
                   <a:tcPr marL="9525" marR="9525" marT="9525" marB="0" anchor="ctr"/>
                 </a:tc>
+                <a:extLst>
+                  <a:ext uri="{0D108BD9-81ED-4DB2-BD59-A6C34878D82A}">
+                    <a16:rowId xmlns:a16="http://schemas.microsoft.com/office/drawing/2014/main" val="10001"/>
+                  </a:ext>
+                </a:extLst>
               </a:tr>
               <a:tr h="763285">
                 <a:tc>
@@ -18557,6 +20667,11 @@
                   </a:txBody>
                   <a:tcPr marL="9525" marR="9525" marT="9525" marB="0" anchor="ctr"/>
                 </a:tc>
+                <a:extLst>
+                  <a:ext uri="{0D108BD9-81ED-4DB2-BD59-A6C34878D82A}">
+                    <a16:rowId xmlns:a16="http://schemas.microsoft.com/office/drawing/2014/main" val="10002"/>
+                  </a:ext>
+                </a:extLst>
               </a:tr>
               <a:tr h="763285">
                 <a:tc>
@@ -18605,6 +20720,11 @@
                   </a:txBody>
                   <a:tcPr marL="9525" marR="9525" marT="9525" marB="0" anchor="ctr"/>
                 </a:tc>
+                <a:extLst>
+                  <a:ext uri="{0D108BD9-81ED-4DB2-BD59-A6C34878D82A}">
+                    <a16:rowId xmlns:a16="http://schemas.microsoft.com/office/drawing/2014/main" val="10003"/>
+                  </a:ext>
+                </a:extLst>
               </a:tr>
               <a:tr h="763285">
                 <a:tc>
@@ -18653,6 +20773,11 @@
                   </a:txBody>
                   <a:tcPr marL="9525" marR="9525" marT="9525" marB="0" anchor="ctr"/>
                 </a:tc>
+                <a:extLst>
+                  <a:ext uri="{0D108BD9-81ED-4DB2-BD59-A6C34878D82A}">
+                    <a16:rowId xmlns:a16="http://schemas.microsoft.com/office/drawing/2014/main" val="10004"/>
+                  </a:ext>
+                </a:extLst>
               </a:tr>
             </a:tbl>
           </a:graphicData>
@@ -19640,11 +21765,7 @@
             </a:r>
             <a:r>
               <a:rPr lang="ja-JP" altLang="en-US" dirty="0" smtClean="0"/>
-              <a:t>の</a:t>
-            </a:r>
-            <a:r>
-              <a:rPr lang="ja-JP" altLang="en-US" dirty="0" smtClean="0"/>
-              <a:t>実験データも取る</a:t>
+              <a:t>の実験データも取る</a:t>
             </a:r>
             <a:endParaRPr lang="en-US" altLang="ja-JP" dirty="0" smtClean="0"/>
           </a:p>
@@ -19738,6 +21859,450 @@
     <p:extLst>
       <p:ext uri="{BB962C8B-B14F-4D97-AF65-F5344CB8AC3E}">
         <p14:creationId xmlns:p14="http://schemas.microsoft.com/office/powerpoint/2010/main" val="3351392745"/>
+      </p:ext>
+    </p:extLst>
+  </p:cSld>
+  <p:clrMapOvr>
+    <a:masterClrMapping/>
+  </p:clrMapOvr>
+</p:sld>
+</file>
+
+<file path=ppt/slides/slide33.xml><?xml version="1.0" encoding="utf-8"?>
+<p:sld xmlns:a="http://schemas.openxmlformats.org/drawingml/2006/main" xmlns:r="http://schemas.openxmlformats.org/officeDocument/2006/relationships" xmlns:p="http://schemas.openxmlformats.org/presentationml/2006/main">
+  <p:cSld>
+    <p:spTree>
+      <p:nvGrpSpPr>
+        <p:cNvPr id="1" name=""/>
+        <p:cNvGrpSpPr/>
+        <p:nvPr/>
+      </p:nvGrpSpPr>
+      <p:grpSpPr>
+        <a:xfrm>
+          <a:off x="0" y="0"/>
+          <a:ext cx="0" cy="0"/>
+          <a:chOff x="0" y="0"/>
+          <a:chExt cx="0" cy="0"/>
+        </a:xfrm>
+      </p:grpSpPr>
+      <p:sp>
+        <p:nvSpPr>
+          <p:cNvPr id="2" name="コンテンツ プレースホルダー 1"/>
+          <p:cNvSpPr>
+            <a:spLocks noGrp="1"/>
+          </p:cNvSpPr>
+          <p:nvPr>
+            <p:ph idx="1"/>
+          </p:nvPr>
+        </p:nvSpPr>
+        <p:spPr/>
+        <p:txBody>
+          <a:bodyPr/>
+          <a:lstStyle/>
+          <a:p>
+            <a:r>
+              <a:rPr lang="en-US" altLang="ja-JP" dirty="0" smtClean="0"/>
+              <a:t>1Q</a:t>
+            </a:r>
+            <a:r>
+              <a:rPr lang="ja-JP" altLang="en-US" dirty="0" smtClean="0"/>
+              <a:t>課題終了</a:t>
+            </a:r>
+            <a:endParaRPr lang="en-US" altLang="ja-JP" dirty="0" smtClean="0"/>
+          </a:p>
+          <a:p>
+            <a:r>
+              <a:rPr lang="ja-JP" altLang="en-US" dirty="0" smtClean="0"/>
+              <a:t>疑似</a:t>
+            </a:r>
+            <a:r>
+              <a:rPr lang="en-US" altLang="ja-JP" dirty="0" smtClean="0"/>
+              <a:t>3</a:t>
+            </a:r>
+            <a:r>
+              <a:rPr lang="ja-JP" altLang="en-US" dirty="0" smtClean="0"/>
+              <a:t>次元で実験</a:t>
+            </a:r>
+            <a:endParaRPr lang="en-US" altLang="ja-JP" dirty="0" smtClean="0"/>
+          </a:p>
+          <a:p>
+            <a:r>
+              <a:rPr kumimoji="1" lang="ja-JP" altLang="en-US" dirty="0" smtClean="0"/>
+              <a:t>連立方程式型と比較</a:t>
+            </a:r>
+            <a:endParaRPr kumimoji="1" lang="en-US" altLang="ja-JP" dirty="0" smtClean="0"/>
+          </a:p>
+          <a:p>
+            <a:pPr marL="109728" indent="0">
+              <a:buNone/>
+            </a:pPr>
+            <a:endParaRPr kumimoji="1" lang="ja-JP" altLang="en-US" dirty="0"/>
+          </a:p>
+        </p:txBody>
+      </p:sp>
+      <p:sp>
+        <p:nvSpPr>
+          <p:cNvPr id="3" name="タイトル 2"/>
+          <p:cNvSpPr>
+            <a:spLocks noGrp="1"/>
+          </p:cNvSpPr>
+          <p:nvPr>
+            <p:ph type="title"/>
+          </p:nvPr>
+        </p:nvSpPr>
+        <p:spPr/>
+        <p:txBody>
+          <a:bodyPr/>
+          <a:lstStyle/>
+          <a:p>
+            <a:r>
+              <a:rPr kumimoji="1" lang="ja-JP" altLang="en-US" dirty="0" smtClean="0"/>
+              <a:t>近況報告</a:t>
+            </a:r>
+            <a:endParaRPr kumimoji="1" lang="ja-JP" altLang="en-US" dirty="0"/>
+          </a:p>
+        </p:txBody>
+      </p:sp>
+    </p:spTree>
+    <p:extLst>
+      <p:ext uri="{BB962C8B-B14F-4D97-AF65-F5344CB8AC3E}">
+        <p14:creationId xmlns:p14="http://schemas.microsoft.com/office/powerpoint/2010/main" val="2248876027"/>
+      </p:ext>
+    </p:extLst>
+  </p:cSld>
+  <p:clrMapOvr>
+    <a:masterClrMapping/>
+  </p:clrMapOvr>
+</p:sld>
+</file>
+
+<file path=ppt/slides/slide34.xml><?xml version="1.0" encoding="utf-8"?>
+<p:sld xmlns:a="http://schemas.openxmlformats.org/drawingml/2006/main" xmlns:r="http://schemas.openxmlformats.org/officeDocument/2006/relationships" xmlns:p="http://schemas.openxmlformats.org/presentationml/2006/main">
+  <p:cSld>
+    <p:spTree>
+      <p:nvGrpSpPr>
+        <p:cNvPr id="1" name=""/>
+        <p:cNvGrpSpPr/>
+        <p:nvPr/>
+      </p:nvGrpSpPr>
+      <p:grpSpPr>
+        <a:xfrm>
+          <a:off x="0" y="0"/>
+          <a:ext cx="0" cy="0"/>
+          <a:chOff x="0" y="0"/>
+          <a:chExt cx="0" cy="0"/>
+        </a:xfrm>
+      </p:grpSpPr>
+      <p:sp>
+        <p:nvSpPr>
+          <p:cNvPr id="3" name="タイトル 2"/>
+          <p:cNvSpPr>
+            <a:spLocks noGrp="1"/>
+          </p:cNvSpPr>
+          <p:nvPr>
+            <p:ph type="title"/>
+          </p:nvPr>
+        </p:nvSpPr>
+        <p:spPr/>
+        <p:txBody>
+          <a:bodyPr/>
+          <a:lstStyle/>
+          <a:p>
+            <a:r>
+              <a:rPr kumimoji="1" lang="ja-JP" altLang="en-US" dirty="0" smtClean="0"/>
+              <a:t>疑似</a:t>
+            </a:r>
+            <a:r>
+              <a:rPr kumimoji="1" lang="en-US" altLang="ja-JP" dirty="0" smtClean="0"/>
+              <a:t>3</a:t>
+            </a:r>
+            <a:r>
+              <a:rPr kumimoji="1" lang="ja-JP" altLang="en-US" dirty="0" smtClean="0"/>
+              <a:t>次元</a:t>
+            </a:r>
+            <a:endParaRPr kumimoji="1" lang="ja-JP" altLang="en-US" dirty="0"/>
+          </a:p>
+        </p:txBody>
+      </p:sp>
+      <p:graphicFrame>
+        <p:nvGraphicFramePr>
+          <p:cNvPr id="4" name="コンテンツ プレースホルダー 3"/>
+          <p:cNvGraphicFramePr>
+            <a:graphicFrameLocks noGrp="1"/>
+          </p:cNvGraphicFramePr>
+          <p:nvPr>
+            <p:ph idx="1"/>
+            <p:extLst>
+              <p:ext uri="{D42A27DB-BD31-4B8C-83A1-F6EECF244321}">
+                <p14:modId xmlns:p14="http://schemas.microsoft.com/office/powerpoint/2010/main" val="2858038781"/>
+              </p:ext>
+            </p:extLst>
+          </p:nvPr>
+        </p:nvGraphicFramePr>
+        <p:xfrm>
+          <a:off x="457200" y="1279525"/>
+          <a:ext cx="8229600" cy="5029200"/>
+        </p:xfrm>
+        <a:graphic>
+          <a:graphicData uri="http://schemas.openxmlformats.org/drawingml/2006/chart">
+            <c:chart xmlns:c="http://schemas.openxmlformats.org/drawingml/2006/chart" xmlns:r="http://schemas.openxmlformats.org/officeDocument/2006/relationships" r:id="rId2"/>
+          </a:graphicData>
+        </a:graphic>
+      </p:graphicFrame>
+    </p:spTree>
+    <p:extLst>
+      <p:ext uri="{BB962C8B-B14F-4D97-AF65-F5344CB8AC3E}">
+        <p14:creationId xmlns:p14="http://schemas.microsoft.com/office/powerpoint/2010/main" val="3064882967"/>
+      </p:ext>
+    </p:extLst>
+  </p:cSld>
+  <p:clrMapOvr>
+    <a:masterClrMapping/>
+  </p:clrMapOvr>
+</p:sld>
+</file>
+
+<file path=ppt/slides/slide35.xml><?xml version="1.0" encoding="utf-8"?>
+<p:sld xmlns:a="http://schemas.openxmlformats.org/drawingml/2006/main" xmlns:r="http://schemas.openxmlformats.org/officeDocument/2006/relationships" xmlns:p="http://schemas.openxmlformats.org/presentationml/2006/main">
+  <p:cSld>
+    <p:spTree>
+      <p:nvGrpSpPr>
+        <p:cNvPr id="1" name=""/>
+        <p:cNvGrpSpPr/>
+        <p:nvPr/>
+      </p:nvGrpSpPr>
+      <p:grpSpPr>
+        <a:xfrm>
+          <a:off x="0" y="0"/>
+          <a:ext cx="0" cy="0"/>
+          <a:chOff x="0" y="0"/>
+          <a:chExt cx="0" cy="0"/>
+        </a:xfrm>
+      </p:grpSpPr>
+      <p:sp>
+        <p:nvSpPr>
+          <p:cNvPr id="3" name="タイトル 2"/>
+          <p:cNvSpPr>
+            <a:spLocks noGrp="1"/>
+          </p:cNvSpPr>
+          <p:nvPr>
+            <p:ph type="title"/>
+          </p:nvPr>
+        </p:nvSpPr>
+        <p:spPr/>
+        <p:txBody>
+          <a:bodyPr/>
+          <a:lstStyle/>
+          <a:p>
+            <a:r>
+              <a:rPr lang="ja-JP" altLang="en-US" dirty="0" smtClean="0"/>
+              <a:t>連立</a:t>
+            </a:r>
+            <a:r>
+              <a:rPr lang="ja-JP" altLang="en-US" dirty="0"/>
+              <a:t>方程式</a:t>
+            </a:r>
+            <a:endParaRPr kumimoji="1" lang="ja-JP" altLang="en-US" dirty="0"/>
+          </a:p>
+        </p:txBody>
+      </p:sp>
+      <p:graphicFrame>
+        <p:nvGraphicFramePr>
+          <p:cNvPr id="4" name="コンテンツ プレースホルダー 3"/>
+          <p:cNvGraphicFramePr>
+            <a:graphicFrameLocks noGrp="1"/>
+          </p:cNvGraphicFramePr>
+          <p:nvPr>
+            <p:ph idx="1"/>
+            <p:extLst>
+              <p:ext uri="{D42A27DB-BD31-4B8C-83A1-F6EECF244321}">
+                <p14:modId xmlns:p14="http://schemas.microsoft.com/office/powerpoint/2010/main" val="2582967767"/>
+              </p:ext>
+            </p:extLst>
+          </p:nvPr>
+        </p:nvGraphicFramePr>
+        <p:xfrm>
+          <a:off x="457200" y="1279525"/>
+          <a:ext cx="8229600" cy="5029200"/>
+        </p:xfrm>
+        <a:graphic>
+          <a:graphicData uri="http://schemas.openxmlformats.org/drawingml/2006/chart">
+            <c:chart xmlns:c="http://schemas.openxmlformats.org/drawingml/2006/chart" xmlns:r="http://schemas.openxmlformats.org/officeDocument/2006/relationships" r:id="rId2"/>
+          </a:graphicData>
+        </a:graphic>
+      </p:graphicFrame>
+    </p:spTree>
+    <p:extLst>
+      <p:ext uri="{BB962C8B-B14F-4D97-AF65-F5344CB8AC3E}">
+        <p14:creationId xmlns:p14="http://schemas.microsoft.com/office/powerpoint/2010/main" val="160641701"/>
+      </p:ext>
+    </p:extLst>
+  </p:cSld>
+  <p:clrMapOvr>
+    <a:masterClrMapping/>
+  </p:clrMapOvr>
+</p:sld>
+</file>
+
+<file path=ppt/slides/slide36.xml><?xml version="1.0" encoding="utf-8"?>
+<p:sld xmlns:a="http://schemas.openxmlformats.org/drawingml/2006/main" xmlns:r="http://schemas.openxmlformats.org/officeDocument/2006/relationships" xmlns:p="http://schemas.openxmlformats.org/presentationml/2006/main">
+  <p:cSld>
+    <p:spTree>
+      <p:nvGrpSpPr>
+        <p:cNvPr id="1" name=""/>
+        <p:cNvGrpSpPr/>
+        <p:nvPr/>
+      </p:nvGrpSpPr>
+      <p:grpSpPr>
+        <a:xfrm>
+          <a:off x="0" y="0"/>
+          <a:ext cx="0" cy="0"/>
+          <a:chOff x="0" y="0"/>
+          <a:chExt cx="0" cy="0"/>
+        </a:xfrm>
+      </p:grpSpPr>
+      <p:sp>
+        <p:nvSpPr>
+          <p:cNvPr id="2" name="コンテンツ プレースホルダー 1"/>
+          <p:cNvSpPr>
+            <a:spLocks noGrp="1"/>
+          </p:cNvSpPr>
+          <p:nvPr>
+            <p:ph idx="1"/>
+          </p:nvPr>
+        </p:nvSpPr>
+        <p:spPr/>
+        <p:txBody>
+          <a:bodyPr/>
+          <a:lstStyle/>
+          <a:p>
+            <a:r>
+              <a:rPr lang="ja-JP" altLang="en-US" dirty="0" smtClean="0"/>
+              <a:t>特徴量</a:t>
+            </a:r>
+            <a:r>
+              <a:rPr lang="ja-JP" altLang="en-US" dirty="0" smtClean="0"/>
+              <a:t>を増やして実験を始める</a:t>
+            </a:r>
+            <a:endParaRPr lang="en-US" altLang="ja-JP" dirty="0" smtClean="0"/>
+          </a:p>
+          <a:p>
+            <a:pPr lvl="1"/>
+            <a:r>
+              <a:rPr lang="ja-JP" altLang="en-US" dirty="0" smtClean="0"/>
+              <a:t>向き</a:t>
+            </a:r>
+            <a:endParaRPr lang="en-US" altLang="ja-JP" dirty="0" smtClean="0"/>
+          </a:p>
+          <a:p>
+            <a:r>
+              <a:rPr lang="ja-JP" altLang="en-US" dirty="0" smtClean="0"/>
+              <a:t>ほかの</a:t>
+            </a:r>
+            <a:r>
+              <a:rPr lang="ja-JP" altLang="en-US" dirty="0"/>
+              <a:t>手法</a:t>
+            </a:r>
+            <a:r>
+              <a:rPr lang="ja-JP" altLang="en-US" dirty="0" smtClean="0"/>
+              <a:t>の実験データも取る</a:t>
+            </a:r>
+            <a:endParaRPr lang="en-US" altLang="ja-JP" dirty="0" smtClean="0"/>
+          </a:p>
+          <a:p>
+            <a:pPr lvl="1"/>
+            <a:r>
+              <a:rPr lang="ja-JP" altLang="en-US" dirty="0" smtClean="0"/>
+              <a:t>ＧＡ</a:t>
+            </a:r>
+            <a:r>
+              <a:rPr lang="ja-JP" altLang="en-US" dirty="0" smtClean="0"/>
+              <a:t>，卒論手法</a:t>
+            </a:r>
+            <a:endParaRPr lang="en-US" altLang="ja-JP" dirty="0" smtClean="0"/>
+          </a:p>
+          <a:p>
+            <a:pPr lvl="1"/>
+            <a:endParaRPr lang="en-US" altLang="ja-JP" dirty="0"/>
+          </a:p>
+          <a:p>
+            <a:r>
+              <a:rPr lang="en-US" altLang="ja-JP" dirty="0" smtClean="0"/>
+              <a:t>CNN</a:t>
+            </a:r>
+            <a:r>
+              <a:rPr lang="ja-JP" altLang="en-US" dirty="0" smtClean="0"/>
+              <a:t>学習の演習</a:t>
+            </a:r>
+            <a:endParaRPr lang="en-US" altLang="ja-JP" dirty="0" smtClean="0"/>
+          </a:p>
+          <a:p>
+            <a:r>
+              <a:rPr lang="en-US" altLang="ja-JP" dirty="0" smtClean="0"/>
+              <a:t>HIRO</a:t>
+            </a:r>
+            <a:r>
+              <a:rPr lang="ja-JP" altLang="en-US" dirty="0" smtClean="0"/>
+              <a:t>の試用</a:t>
+            </a:r>
+            <a:endParaRPr lang="en-US" altLang="ja-JP" dirty="0" smtClean="0"/>
+          </a:p>
+          <a:p>
+            <a:pPr lvl="1"/>
+            <a:r>
+              <a:rPr lang="en-US" altLang="ja-JP" dirty="0" smtClean="0"/>
+              <a:t>HiroControl.cpp</a:t>
+            </a:r>
+            <a:r>
+              <a:rPr lang="ja-JP" altLang="en-US" dirty="0"/>
+              <a:t> </a:t>
+            </a:r>
+            <a:r>
+              <a:rPr lang="ja-JP" altLang="en-US" dirty="0" smtClean="0"/>
+              <a:t>試用</a:t>
+            </a:r>
+            <a:endParaRPr lang="en-US" altLang="ja-JP" dirty="0" smtClean="0"/>
+          </a:p>
+          <a:p>
+            <a:r>
+              <a:rPr lang="en-US" altLang="ja-JP" dirty="0" err="1" smtClean="0"/>
+              <a:t>kinect</a:t>
+            </a:r>
+            <a:r>
+              <a:rPr lang="ja-JP" altLang="en-US" dirty="0" smtClean="0"/>
+              <a:t>のチュートリアル</a:t>
+            </a:r>
+            <a:endParaRPr lang="en-US" altLang="ja-JP" dirty="0" smtClean="0"/>
+          </a:p>
+        </p:txBody>
+      </p:sp>
+      <p:sp>
+        <p:nvSpPr>
+          <p:cNvPr id="3" name="タイトル 2"/>
+          <p:cNvSpPr>
+            <a:spLocks noGrp="1"/>
+          </p:cNvSpPr>
+          <p:nvPr>
+            <p:ph type="title"/>
+          </p:nvPr>
+        </p:nvSpPr>
+        <p:spPr/>
+        <p:txBody>
+          <a:bodyPr/>
+          <a:lstStyle/>
+          <a:p>
+            <a:r>
+              <a:rPr kumimoji="1" lang="ja-JP" altLang="en-US" dirty="0" smtClean="0"/>
+              <a:t>今後の展望</a:t>
+            </a:r>
+            <a:endParaRPr kumimoji="1" lang="ja-JP" altLang="en-US" dirty="0"/>
+          </a:p>
+        </p:txBody>
+      </p:sp>
+    </p:spTree>
+    <p:extLst>
+      <p:ext uri="{BB962C8B-B14F-4D97-AF65-F5344CB8AC3E}">
+        <p14:creationId xmlns:p14="http://schemas.microsoft.com/office/powerpoint/2010/main" val="751603932"/>
       </p:ext>
     </p:extLst>
   </p:cSld>

--- a/IntentionLearning_v2/slide/discussion2016.pptx
+++ b/IntentionLearning_v2/slide/discussion2016.pptx
@@ -5,7 +5,7 @@
     <p:sldMasterId id="2147483658" r:id="rId2"/>
   </p:sldMasterIdLst>
   <p:notesMasterIdLst>
-    <p:notesMasterId r:id="rId39"/>
+    <p:notesMasterId r:id="rId47"/>
   </p:notesMasterIdLst>
   <p:sldIdLst>
     <p:sldId id="256" r:id="rId3"/>
@@ -44,6 +44,14 @@
     <p:sldId id="296" r:id="rId36"/>
     <p:sldId id="297" r:id="rId37"/>
     <p:sldId id="298" r:id="rId38"/>
+    <p:sldId id="299" r:id="rId39"/>
+    <p:sldId id="300" r:id="rId40"/>
+    <p:sldId id="301" r:id="rId41"/>
+    <p:sldId id="302" r:id="rId42"/>
+    <p:sldId id="303" r:id="rId43"/>
+    <p:sldId id="304" r:id="rId44"/>
+    <p:sldId id="305" r:id="rId45"/>
+    <p:sldId id="306" r:id="rId46"/>
   </p:sldIdLst>
   <p:sldSz cx="9144000" cy="6858000" type="screen4x3"/>
   <p:notesSz cx="6858000" cy="9144000"/>
@@ -3569,7 +3577,6 @@
           </a:p>
         </c:rich>
       </c:tx>
-      <c:layout/>
       <c:overlay val="0"/>
       <c:spPr>
         <a:noFill/>
@@ -3886,7 +3893,6 @@
     </c:plotArea>
     <c:legend>
       <c:legendPos val="b"/>
-      <c:layout/>
       <c:overlay val="0"/>
       <c:spPr>
         <a:noFill/>
@@ -3996,7 +4002,6 @@
           </a:p>
         </c:rich>
       </c:tx>
-      <c:layout/>
       <c:overlay val="0"/>
       <c:spPr>
         <a:noFill/>
@@ -4461,7 +4466,6 @@
     </c:plotArea>
     <c:legend>
       <c:legendPos val="b"/>
-      <c:layout/>
       <c:overlay val="0"/>
       <c:spPr>
         <a:noFill/>
@@ -4491,6 +4495,464 @@
         </a:p>
       </c:txPr>
     </c:legend>
+    <c:plotVisOnly val="1"/>
+    <c:dispBlanksAs val="gap"/>
+    <c:showDLblsOverMax val="0"/>
+  </c:chart>
+  <c:spPr>
+    <a:noFill/>
+    <a:ln>
+      <a:noFill/>
+    </a:ln>
+    <a:effectLst/>
+  </c:spPr>
+  <c:txPr>
+    <a:bodyPr/>
+    <a:lstStyle/>
+    <a:p>
+      <a:pPr>
+        <a:defRPr/>
+      </a:pPr>
+      <a:endParaRPr lang="ja-JP"/>
+    </a:p>
+  </c:txPr>
+  <c:externalData r:id="rId3">
+    <c:autoUpdate val="0"/>
+  </c:externalData>
+</c:chartSpace>
+</file>
+
+<file path=ppt/charts/chart9.xml><?xml version="1.0" encoding="utf-8"?>
+<c:chartSpace xmlns:c="http://schemas.openxmlformats.org/drawingml/2006/chart" xmlns:a="http://schemas.openxmlformats.org/drawingml/2006/main" xmlns:r="http://schemas.openxmlformats.org/officeDocument/2006/relationships" xmlns:c16r2="http://schemas.microsoft.com/office/drawing/2015/06/chart">
+  <c:date1904 val="0"/>
+  <c:lang val="ja-JP"/>
+  <c:roundedCorners val="0"/>
+  <mc:AlternateContent xmlns:mc="http://schemas.openxmlformats.org/markup-compatibility/2006">
+    <mc:Choice xmlns:c14="http://schemas.microsoft.com/office/drawing/2007/8/2/chart" Requires="c14">
+      <c14:style val="102"/>
+    </mc:Choice>
+    <mc:Fallback>
+      <c:style val="2"/>
+    </mc:Fallback>
+  </mc:AlternateContent>
+  <c:chart>
+    <c:title>
+      <c:tx>
+        <c:rich>
+          <a:bodyPr rot="0" spcFirstLastPara="1" vertOverflow="ellipsis" vert="horz" wrap="square" anchor="ctr" anchorCtr="1"/>
+          <a:lstStyle/>
+          <a:p>
+            <a:pPr>
+              <a:defRPr sz="1800" b="0" i="0" u="none" strike="noStrike" kern="1200" spc="0" baseline="0">
+                <a:solidFill>
+                  <a:schemeClr val="tx1">
+                    <a:lumMod val="65000"/>
+                    <a:lumOff val="35000"/>
+                  </a:schemeClr>
+                </a:solidFill>
+                <a:latin typeface="+mn-lt"/>
+                <a:ea typeface="+mn-ea"/>
+                <a:cs typeface="+mn-cs"/>
+              </a:defRPr>
+            </a:pPr>
+            <a:r>
+              <a:rPr lang="en-US" altLang="ja-JP" sz="1800"/>
+              <a:t>NbO</a:t>
+            </a:r>
+            <a:r>
+              <a:rPr lang="en-US" altLang="ja-JP" sz="1800" baseline="0"/>
+              <a:t> 2D</a:t>
+            </a:r>
+            <a:endParaRPr lang="ja-JP" altLang="en-US" sz="1800"/>
+          </a:p>
+        </c:rich>
+      </c:tx>
+      <c:layout/>
+      <c:overlay val="0"/>
+      <c:spPr>
+        <a:noFill/>
+        <a:ln>
+          <a:noFill/>
+        </a:ln>
+        <a:effectLst/>
+      </c:spPr>
+      <c:txPr>
+        <a:bodyPr rot="0" spcFirstLastPara="1" vertOverflow="ellipsis" vert="horz" wrap="square" anchor="ctr" anchorCtr="1"/>
+        <a:lstStyle/>
+        <a:p>
+          <a:pPr>
+            <a:defRPr sz="1800" b="0" i="0" u="none" strike="noStrike" kern="1200" spc="0" baseline="0">
+              <a:solidFill>
+                <a:schemeClr val="tx1">
+                  <a:lumMod val="65000"/>
+                  <a:lumOff val="35000"/>
+                </a:schemeClr>
+              </a:solidFill>
+              <a:latin typeface="+mn-lt"/>
+              <a:ea typeface="+mn-ea"/>
+              <a:cs typeface="+mn-cs"/>
+            </a:defRPr>
+          </a:pPr>
+          <a:endParaRPr lang="ja-JP"/>
+        </a:p>
+      </c:txPr>
+    </c:title>
+    <c:autoTitleDeleted val="0"/>
+    <c:plotArea>
+      <c:layout/>
+      <c:lineChart>
+        <c:grouping val="standard"/>
+        <c:varyColors val="0"/>
+        <c:ser>
+          <c:idx val="0"/>
+          <c:order val="0"/>
+          <c:spPr>
+            <a:ln w="28575" cap="rnd">
+              <a:solidFill>
+                <a:schemeClr val="accent1"/>
+              </a:solidFill>
+              <a:round/>
+            </a:ln>
+            <a:effectLst/>
+          </c:spPr>
+          <c:marker>
+            <c:symbol val="none"/>
+          </c:marker>
+          <c:cat>
+            <c:numRef>
+              <c:f>result_EM_3D_NbO!$A$2:$A$11</c:f>
+              <c:numCache>
+                <c:formatCode>General</c:formatCode>
+                <c:ptCount val="10"/>
+                <c:pt idx="0">
+                  <c:v>10</c:v>
+                </c:pt>
+                <c:pt idx="1">
+                  <c:v>20</c:v>
+                </c:pt>
+                <c:pt idx="2">
+                  <c:v>30</c:v>
+                </c:pt>
+                <c:pt idx="3">
+                  <c:v>40</c:v>
+                </c:pt>
+                <c:pt idx="4">
+                  <c:v>50</c:v>
+                </c:pt>
+                <c:pt idx="5">
+                  <c:v>60</c:v>
+                </c:pt>
+                <c:pt idx="6">
+                  <c:v>70</c:v>
+                </c:pt>
+                <c:pt idx="7">
+                  <c:v>80</c:v>
+                </c:pt>
+                <c:pt idx="8">
+                  <c:v>90</c:v>
+                </c:pt>
+                <c:pt idx="9">
+                  <c:v>100</c:v>
+                </c:pt>
+              </c:numCache>
+            </c:numRef>
+          </c:cat>
+          <c:val>
+            <c:numRef>
+              <c:f>result_EM_3D_NbO!$B$2:$B$11</c:f>
+              <c:numCache>
+                <c:formatCode>General</c:formatCode>
+                <c:ptCount val="10"/>
+                <c:pt idx="0">
+                  <c:v>0</c:v>
+                </c:pt>
+                <c:pt idx="1">
+                  <c:v>0</c:v>
+                </c:pt>
+                <c:pt idx="2">
+                  <c:v>8.3333333333333329E-2</c:v>
+                </c:pt>
+                <c:pt idx="3">
+                  <c:v>0.16666666666666666</c:v>
+                </c:pt>
+                <c:pt idx="4">
+                  <c:v>0.41666666666666669</c:v>
+                </c:pt>
+                <c:pt idx="5">
+                  <c:v>0.41666666666666669</c:v>
+                </c:pt>
+                <c:pt idx="6">
+                  <c:v>0.66666666666666663</c:v>
+                </c:pt>
+                <c:pt idx="7">
+                  <c:v>0.83333333333333337</c:v>
+                </c:pt>
+                <c:pt idx="8">
+                  <c:v>1</c:v>
+                </c:pt>
+                <c:pt idx="9">
+                  <c:v>1</c:v>
+                </c:pt>
+              </c:numCache>
+            </c:numRef>
+          </c:val>
+          <c:smooth val="0"/>
+          <c:extLst>
+            <c:ext xmlns:c16="http://schemas.microsoft.com/office/drawing/2014/chart" uri="{C3380CC4-5D6E-409C-BE32-E72D297353CC}">
+              <c16:uniqueId val="{00000000-F877-47EC-B3D4-69294639505C}"/>
+            </c:ext>
+          </c:extLst>
+        </c:ser>
+        <c:dLbls>
+          <c:showLegendKey val="0"/>
+          <c:showVal val="0"/>
+          <c:showCatName val="0"/>
+          <c:showSerName val="0"/>
+          <c:showPercent val="0"/>
+          <c:showBubbleSize val="0"/>
+        </c:dLbls>
+        <c:smooth val="0"/>
+        <c:axId val="2077167136"/>
+        <c:axId val="2077165472"/>
+      </c:lineChart>
+      <c:catAx>
+        <c:axId val="2077167136"/>
+        <c:scaling>
+          <c:orientation val="minMax"/>
+        </c:scaling>
+        <c:delete val="0"/>
+        <c:axPos val="b"/>
+        <c:title>
+          <c:tx>
+            <c:rich>
+              <a:bodyPr rot="0" spcFirstLastPara="1" vertOverflow="ellipsis" vert="horz" wrap="square" anchor="ctr" anchorCtr="1"/>
+              <a:lstStyle/>
+              <a:p>
+                <a:pPr>
+                  <a:defRPr sz="2000" b="0" i="0" u="none" strike="noStrike" kern="1200" baseline="0">
+                    <a:solidFill>
+                      <a:schemeClr val="tx1">
+                        <a:lumMod val="65000"/>
+                        <a:lumOff val="35000"/>
+                      </a:schemeClr>
+                    </a:solidFill>
+                    <a:latin typeface="+mn-lt"/>
+                    <a:ea typeface="+mn-ea"/>
+                    <a:cs typeface="+mn-cs"/>
+                  </a:defRPr>
+                </a:pPr>
+                <a:r>
+                  <a:rPr lang="en-US" altLang="ja-JP" sz="2000"/>
+                  <a:t>number</a:t>
+                </a:r>
+                <a:r>
+                  <a:rPr lang="en-US" altLang="ja-JP" sz="2000" baseline="0"/>
+                  <a:t> of data</a:t>
+                </a:r>
+                <a:endParaRPr lang="ja-JP" altLang="en-US" sz="2000"/>
+              </a:p>
+            </c:rich>
+          </c:tx>
+          <c:layout/>
+          <c:overlay val="0"/>
+          <c:spPr>
+            <a:noFill/>
+            <a:ln>
+              <a:noFill/>
+            </a:ln>
+            <a:effectLst/>
+          </c:spPr>
+          <c:txPr>
+            <a:bodyPr rot="0" spcFirstLastPara="1" vertOverflow="ellipsis" vert="horz" wrap="square" anchor="ctr" anchorCtr="1"/>
+            <a:lstStyle/>
+            <a:p>
+              <a:pPr>
+                <a:defRPr sz="2000" b="0" i="0" u="none" strike="noStrike" kern="1200" baseline="0">
+                  <a:solidFill>
+                    <a:schemeClr val="tx1">
+                      <a:lumMod val="65000"/>
+                      <a:lumOff val="35000"/>
+                    </a:schemeClr>
+                  </a:solidFill>
+                  <a:latin typeface="+mn-lt"/>
+                  <a:ea typeface="+mn-ea"/>
+                  <a:cs typeface="+mn-cs"/>
+                </a:defRPr>
+              </a:pPr>
+              <a:endParaRPr lang="ja-JP"/>
+            </a:p>
+          </c:txPr>
+        </c:title>
+        <c:numFmt formatCode="General" sourceLinked="1"/>
+        <c:majorTickMark val="none"/>
+        <c:minorTickMark val="none"/>
+        <c:tickLblPos val="nextTo"/>
+        <c:spPr>
+          <a:noFill/>
+          <a:ln w="9525" cap="flat" cmpd="sng" algn="ctr">
+            <a:solidFill>
+              <a:schemeClr val="tx1">
+                <a:lumMod val="15000"/>
+                <a:lumOff val="85000"/>
+              </a:schemeClr>
+            </a:solidFill>
+            <a:round/>
+          </a:ln>
+          <a:effectLst/>
+        </c:spPr>
+        <c:txPr>
+          <a:bodyPr rot="-60000000" spcFirstLastPara="1" vertOverflow="ellipsis" vert="horz" wrap="square" anchor="ctr" anchorCtr="1"/>
+          <a:lstStyle/>
+          <a:p>
+            <a:pPr>
+              <a:defRPr sz="1600" b="0" i="0" u="none" strike="noStrike" kern="1200" baseline="0">
+                <a:solidFill>
+                  <a:schemeClr val="tx1">
+                    <a:lumMod val="65000"/>
+                    <a:lumOff val="35000"/>
+                  </a:schemeClr>
+                </a:solidFill>
+                <a:latin typeface="+mn-lt"/>
+                <a:ea typeface="+mn-ea"/>
+                <a:cs typeface="+mn-cs"/>
+              </a:defRPr>
+            </a:pPr>
+            <a:endParaRPr lang="ja-JP"/>
+          </a:p>
+        </c:txPr>
+        <c:crossAx val="2077165472"/>
+        <c:crosses val="autoZero"/>
+        <c:auto val="1"/>
+        <c:lblAlgn val="ctr"/>
+        <c:lblOffset val="100"/>
+        <c:noMultiLvlLbl val="0"/>
+      </c:catAx>
+      <c:valAx>
+        <c:axId val="2077165472"/>
+        <c:scaling>
+          <c:orientation val="minMax"/>
+          <c:max val="1"/>
+        </c:scaling>
+        <c:delete val="0"/>
+        <c:axPos val="l"/>
+        <c:majorGridlines>
+          <c:spPr>
+            <a:ln w="9525" cap="flat" cmpd="sng" algn="ctr">
+              <a:solidFill>
+                <a:schemeClr val="tx1">
+                  <a:lumMod val="15000"/>
+                  <a:lumOff val="85000"/>
+                </a:schemeClr>
+              </a:solidFill>
+              <a:round/>
+            </a:ln>
+            <a:effectLst/>
+          </c:spPr>
+        </c:majorGridlines>
+        <c:title>
+          <c:tx>
+            <c:rich>
+              <a:bodyPr rot="-5400000" spcFirstLastPara="1" vertOverflow="ellipsis" vert="horz" wrap="square" anchor="ctr" anchorCtr="1"/>
+              <a:lstStyle/>
+              <a:p>
+                <a:pPr>
+                  <a:defRPr sz="2000" b="0" i="0" u="none" strike="noStrike" kern="1200" baseline="0">
+                    <a:solidFill>
+                      <a:schemeClr val="tx1">
+                        <a:lumMod val="65000"/>
+                        <a:lumOff val="35000"/>
+                      </a:schemeClr>
+                    </a:solidFill>
+                    <a:latin typeface="+mn-lt"/>
+                    <a:ea typeface="+mn-ea"/>
+                    <a:cs typeface="+mn-cs"/>
+                  </a:defRPr>
+                </a:pPr>
+                <a:r>
+                  <a:rPr lang="en-US" altLang="ja-JP" sz="2000"/>
+                  <a:t>success</a:t>
+                </a:r>
+                <a:r>
+                  <a:rPr lang="en-US" altLang="ja-JP" sz="2000" baseline="0"/>
+                  <a:t> rate</a:t>
+                </a:r>
+                <a:endParaRPr lang="ja-JP" altLang="en-US" sz="2000"/>
+              </a:p>
+            </c:rich>
+          </c:tx>
+          <c:layout/>
+          <c:overlay val="0"/>
+          <c:spPr>
+            <a:noFill/>
+            <a:ln>
+              <a:noFill/>
+            </a:ln>
+            <a:effectLst/>
+          </c:spPr>
+          <c:txPr>
+            <a:bodyPr rot="-5400000" spcFirstLastPara="1" vertOverflow="ellipsis" vert="horz" wrap="square" anchor="ctr" anchorCtr="1"/>
+            <a:lstStyle/>
+            <a:p>
+              <a:pPr>
+                <a:defRPr sz="2000" b="0" i="0" u="none" strike="noStrike" kern="1200" baseline="0">
+                  <a:solidFill>
+                    <a:schemeClr val="tx1">
+                      <a:lumMod val="65000"/>
+                      <a:lumOff val="35000"/>
+                    </a:schemeClr>
+                  </a:solidFill>
+                  <a:latin typeface="+mn-lt"/>
+                  <a:ea typeface="+mn-ea"/>
+                  <a:cs typeface="+mn-cs"/>
+                </a:defRPr>
+              </a:pPr>
+              <a:endParaRPr lang="ja-JP"/>
+            </a:p>
+          </c:txPr>
+        </c:title>
+        <c:numFmt formatCode="General" sourceLinked="1"/>
+        <c:majorTickMark val="none"/>
+        <c:minorTickMark val="none"/>
+        <c:tickLblPos val="nextTo"/>
+        <c:spPr>
+          <a:noFill/>
+          <a:ln>
+            <a:noFill/>
+          </a:ln>
+          <a:effectLst/>
+        </c:spPr>
+        <c:txPr>
+          <a:bodyPr rot="-60000000" spcFirstLastPara="1" vertOverflow="ellipsis" vert="horz" wrap="square" anchor="ctr" anchorCtr="1"/>
+          <a:lstStyle/>
+          <a:p>
+            <a:pPr>
+              <a:defRPr sz="1200" b="0" i="0" u="none" strike="noStrike" kern="1200" baseline="0">
+                <a:solidFill>
+                  <a:schemeClr val="tx1">
+                    <a:lumMod val="65000"/>
+                    <a:lumOff val="35000"/>
+                  </a:schemeClr>
+                </a:solidFill>
+                <a:latin typeface="+mn-lt"/>
+                <a:ea typeface="+mn-ea"/>
+                <a:cs typeface="+mn-cs"/>
+              </a:defRPr>
+            </a:pPr>
+            <a:endParaRPr lang="ja-JP"/>
+          </a:p>
+        </c:txPr>
+        <c:crossAx val="2077167136"/>
+        <c:crosses val="autoZero"/>
+        <c:crossBetween val="between"/>
+      </c:valAx>
+      <c:spPr>
+        <a:noFill/>
+        <a:ln>
+          <a:noFill/>
+        </a:ln>
+        <a:effectLst/>
+      </c:spPr>
+    </c:plotArea>
     <c:plotVisOnly val="1"/>
     <c:dispBlanksAs val="gap"/>
     <c:showDLblsOverMax val="0"/>
@@ -4799,6 +5261,46 @@
 </file>
 
 <file path=ppt/charts/colors8.xml><?xml version="1.0" encoding="utf-8"?>
+<cs:colorStyle xmlns:cs="http://schemas.microsoft.com/office/drawing/2012/chartStyle" xmlns:a="http://schemas.openxmlformats.org/drawingml/2006/main" meth="cycle" id="10">
+  <a:schemeClr val="accent1"/>
+  <a:schemeClr val="accent2"/>
+  <a:schemeClr val="accent3"/>
+  <a:schemeClr val="accent4"/>
+  <a:schemeClr val="accent5"/>
+  <a:schemeClr val="accent6"/>
+  <cs:variation/>
+  <cs:variation>
+    <a:lumMod val="60000"/>
+  </cs:variation>
+  <cs:variation>
+    <a:lumMod val="80000"/>
+    <a:lumOff val="20000"/>
+  </cs:variation>
+  <cs:variation>
+    <a:lumMod val="80000"/>
+  </cs:variation>
+  <cs:variation>
+    <a:lumMod val="60000"/>
+    <a:lumOff val="40000"/>
+  </cs:variation>
+  <cs:variation>
+    <a:lumMod val="50000"/>
+  </cs:variation>
+  <cs:variation>
+    <a:lumMod val="70000"/>
+    <a:lumOff val="30000"/>
+  </cs:variation>
+  <cs:variation>
+    <a:lumMod val="70000"/>
+  </cs:variation>
+  <cs:variation>
+    <a:lumMod val="50000"/>
+    <a:lumOff val="50000"/>
+  </cs:variation>
+</cs:colorStyle>
+</file>
+
+<file path=ppt/charts/colors9.xml><?xml version="1.0" encoding="utf-8"?>
 <cs:colorStyle xmlns:cs="http://schemas.microsoft.com/office/drawing/2012/chartStyle" xmlns:a="http://schemas.openxmlformats.org/drawingml/2006/main" meth="cycle" id="10">
   <a:schemeClr val="accent1"/>
   <a:schemeClr val="accent2"/>
@@ -8966,6 +9468,522 @@
 </cs:chartStyle>
 </file>
 
+<file path=ppt/charts/style9.xml><?xml version="1.0" encoding="utf-8"?>
+<cs:chartStyle xmlns:cs="http://schemas.microsoft.com/office/drawing/2012/chartStyle" xmlns:a="http://schemas.openxmlformats.org/drawingml/2006/main" id="227">
+  <cs:axisTitle>
+    <cs:lnRef idx="0"/>
+    <cs:fillRef idx="0"/>
+    <cs:effectRef idx="0"/>
+    <cs:fontRef idx="minor">
+      <a:schemeClr val="tx1">
+        <a:lumMod val="65000"/>
+        <a:lumOff val="35000"/>
+      </a:schemeClr>
+    </cs:fontRef>
+    <cs:defRPr sz="1000" kern="1200"/>
+  </cs:axisTitle>
+  <cs:categoryAxis>
+    <cs:lnRef idx="0"/>
+    <cs:fillRef idx="0"/>
+    <cs:effectRef idx="0"/>
+    <cs:fontRef idx="minor">
+      <a:schemeClr val="tx1">
+        <a:lumMod val="65000"/>
+        <a:lumOff val="35000"/>
+      </a:schemeClr>
+    </cs:fontRef>
+    <cs:spPr>
+      <a:ln w="9525" cap="flat" cmpd="sng" algn="ctr">
+        <a:solidFill>
+          <a:schemeClr val="tx1">
+            <a:lumMod val="15000"/>
+            <a:lumOff val="85000"/>
+          </a:schemeClr>
+        </a:solidFill>
+        <a:round/>
+      </a:ln>
+    </cs:spPr>
+    <cs:defRPr sz="900" kern="1200"/>
+  </cs:categoryAxis>
+  <cs:chartArea mods="allowNoFillOverride allowNoLineOverride">
+    <cs:lnRef idx="0"/>
+    <cs:fillRef idx="0"/>
+    <cs:effectRef idx="0"/>
+    <cs:fontRef idx="minor">
+      <a:schemeClr val="tx1"/>
+    </cs:fontRef>
+    <cs:spPr>
+      <a:solidFill>
+        <a:schemeClr val="bg1"/>
+      </a:solidFill>
+      <a:ln w="9525" cap="flat" cmpd="sng" algn="ctr">
+        <a:solidFill>
+          <a:schemeClr val="tx1">
+            <a:lumMod val="15000"/>
+            <a:lumOff val="85000"/>
+          </a:schemeClr>
+        </a:solidFill>
+        <a:round/>
+      </a:ln>
+    </cs:spPr>
+    <cs:defRPr sz="1000" kern="1200"/>
+  </cs:chartArea>
+  <cs:dataLabel>
+    <cs:lnRef idx="0"/>
+    <cs:fillRef idx="0"/>
+    <cs:effectRef idx="0"/>
+    <cs:fontRef idx="minor">
+      <a:schemeClr val="tx1">
+        <a:lumMod val="75000"/>
+        <a:lumOff val="25000"/>
+      </a:schemeClr>
+    </cs:fontRef>
+    <cs:defRPr sz="900" kern="1200"/>
+  </cs:dataLabel>
+  <cs:dataLabelCallout>
+    <cs:lnRef idx="0"/>
+    <cs:fillRef idx="0"/>
+    <cs:effectRef idx="0"/>
+    <cs:fontRef idx="minor">
+      <a:schemeClr val="dk1">
+        <a:lumMod val="65000"/>
+        <a:lumOff val="35000"/>
+      </a:schemeClr>
+    </cs:fontRef>
+    <cs:spPr>
+      <a:solidFill>
+        <a:schemeClr val="lt1"/>
+      </a:solidFill>
+      <a:ln>
+        <a:solidFill>
+          <a:schemeClr val="dk1">
+            <a:lumMod val="25000"/>
+            <a:lumOff val="75000"/>
+          </a:schemeClr>
+        </a:solidFill>
+      </a:ln>
+    </cs:spPr>
+    <cs:defRPr sz="900" kern="1200"/>
+    <cs:bodyPr rot="0" spcFirstLastPara="1" vertOverflow="clip" horzOverflow="clip" vert="horz" wrap="square" lIns="36576" tIns="18288" rIns="36576" bIns="18288" anchor="ctr" anchorCtr="1">
+      <a:spAutoFit/>
+    </cs:bodyPr>
+  </cs:dataLabelCallout>
+  <cs:dataPoint>
+    <cs:lnRef idx="0"/>
+    <cs:fillRef idx="1">
+      <cs:styleClr val="auto"/>
+    </cs:fillRef>
+    <cs:effectRef idx="0"/>
+    <cs:fontRef idx="minor">
+      <a:schemeClr val="tx1"/>
+    </cs:fontRef>
+    <cs:spPr>
+      <a:solidFill>
+        <a:schemeClr val="phClr"/>
+      </a:solidFill>
+    </cs:spPr>
+  </cs:dataPoint>
+  <cs:dataPoint3D>
+    <cs:lnRef idx="0"/>
+    <cs:fillRef idx="1">
+      <cs:styleClr val="auto"/>
+    </cs:fillRef>
+    <cs:effectRef idx="0"/>
+    <cs:fontRef idx="minor">
+      <a:schemeClr val="tx1"/>
+    </cs:fontRef>
+    <cs:spPr>
+      <a:solidFill>
+        <a:schemeClr val="phClr"/>
+      </a:solidFill>
+    </cs:spPr>
+  </cs:dataPoint3D>
+  <cs:dataPointLine>
+    <cs:lnRef idx="0">
+      <cs:styleClr val="auto"/>
+    </cs:lnRef>
+    <cs:fillRef idx="1"/>
+    <cs:effectRef idx="0"/>
+    <cs:fontRef idx="minor">
+      <a:schemeClr val="tx1"/>
+    </cs:fontRef>
+    <cs:spPr>
+      <a:ln w="28575" cap="rnd">
+        <a:solidFill>
+          <a:schemeClr val="phClr"/>
+        </a:solidFill>
+        <a:round/>
+      </a:ln>
+    </cs:spPr>
+  </cs:dataPointLine>
+  <cs:dataPointMarker>
+    <cs:lnRef idx="0">
+      <cs:styleClr val="auto"/>
+    </cs:lnRef>
+    <cs:fillRef idx="1">
+      <cs:styleClr val="auto"/>
+    </cs:fillRef>
+    <cs:effectRef idx="0"/>
+    <cs:fontRef idx="minor">
+      <a:schemeClr val="tx1"/>
+    </cs:fontRef>
+    <cs:spPr>
+      <a:solidFill>
+        <a:schemeClr val="phClr"/>
+      </a:solidFill>
+      <a:ln w="9525">
+        <a:solidFill>
+          <a:schemeClr val="phClr"/>
+        </a:solidFill>
+      </a:ln>
+    </cs:spPr>
+  </cs:dataPointMarker>
+  <cs:dataPointMarkerLayout symbol="circle" size="5"/>
+  <cs:dataPointWireframe>
+    <cs:lnRef idx="0">
+      <cs:styleClr val="auto"/>
+    </cs:lnRef>
+    <cs:fillRef idx="1"/>
+    <cs:effectRef idx="0"/>
+    <cs:fontRef idx="minor">
+      <a:schemeClr val="tx1"/>
+    </cs:fontRef>
+    <cs:spPr>
+      <a:ln w="9525" cap="rnd">
+        <a:solidFill>
+          <a:schemeClr val="phClr"/>
+        </a:solidFill>
+        <a:round/>
+      </a:ln>
+    </cs:spPr>
+  </cs:dataPointWireframe>
+  <cs:dataTable>
+    <cs:lnRef idx="0"/>
+    <cs:fillRef idx="0"/>
+    <cs:effectRef idx="0"/>
+    <cs:fontRef idx="minor">
+      <a:schemeClr val="tx1">
+        <a:lumMod val="65000"/>
+        <a:lumOff val="35000"/>
+      </a:schemeClr>
+    </cs:fontRef>
+    <cs:spPr>
+      <a:noFill/>
+      <a:ln w="9525" cap="flat" cmpd="sng" algn="ctr">
+        <a:solidFill>
+          <a:schemeClr val="tx1">
+            <a:lumMod val="15000"/>
+            <a:lumOff val="85000"/>
+          </a:schemeClr>
+        </a:solidFill>
+        <a:round/>
+      </a:ln>
+    </cs:spPr>
+    <cs:defRPr sz="900" kern="1200"/>
+  </cs:dataTable>
+  <cs:downBar>
+    <cs:lnRef idx="0"/>
+    <cs:fillRef idx="0"/>
+    <cs:effectRef idx="0"/>
+    <cs:fontRef idx="minor">
+      <a:schemeClr val="dk1"/>
+    </cs:fontRef>
+    <cs:spPr>
+      <a:solidFill>
+        <a:schemeClr val="dk1">
+          <a:lumMod val="65000"/>
+          <a:lumOff val="35000"/>
+        </a:schemeClr>
+      </a:solidFill>
+      <a:ln w="9525">
+        <a:solidFill>
+          <a:schemeClr val="tx1">
+            <a:lumMod val="65000"/>
+            <a:lumOff val="35000"/>
+          </a:schemeClr>
+        </a:solidFill>
+      </a:ln>
+    </cs:spPr>
+  </cs:downBar>
+  <cs:dropLine>
+    <cs:lnRef idx="0"/>
+    <cs:fillRef idx="0"/>
+    <cs:effectRef idx="0"/>
+    <cs:fontRef idx="minor">
+      <a:schemeClr val="tx1"/>
+    </cs:fontRef>
+    <cs:spPr>
+      <a:ln w="9525" cap="flat" cmpd="sng" algn="ctr">
+        <a:solidFill>
+          <a:schemeClr val="tx1">
+            <a:lumMod val="35000"/>
+            <a:lumOff val="65000"/>
+          </a:schemeClr>
+        </a:solidFill>
+        <a:round/>
+      </a:ln>
+    </cs:spPr>
+  </cs:dropLine>
+  <cs:errorBar>
+    <cs:lnRef idx="0"/>
+    <cs:fillRef idx="0"/>
+    <cs:effectRef idx="0"/>
+    <cs:fontRef idx="minor">
+      <a:schemeClr val="tx1"/>
+    </cs:fontRef>
+    <cs:spPr>
+      <a:ln w="9525" cap="flat" cmpd="sng" algn="ctr">
+        <a:solidFill>
+          <a:schemeClr val="tx1">
+            <a:lumMod val="65000"/>
+            <a:lumOff val="35000"/>
+          </a:schemeClr>
+        </a:solidFill>
+        <a:round/>
+      </a:ln>
+    </cs:spPr>
+  </cs:errorBar>
+  <cs:floor>
+    <cs:lnRef idx="0"/>
+    <cs:fillRef idx="0"/>
+    <cs:effectRef idx="0"/>
+    <cs:fontRef idx="minor">
+      <a:schemeClr val="tx1"/>
+    </cs:fontRef>
+    <cs:spPr>
+      <a:noFill/>
+      <a:ln>
+        <a:noFill/>
+      </a:ln>
+    </cs:spPr>
+  </cs:floor>
+  <cs:gridlineMajor>
+    <cs:lnRef idx="0"/>
+    <cs:fillRef idx="0"/>
+    <cs:effectRef idx="0"/>
+    <cs:fontRef idx="minor">
+      <a:schemeClr val="tx1"/>
+    </cs:fontRef>
+    <cs:spPr>
+      <a:ln w="9525" cap="flat" cmpd="sng" algn="ctr">
+        <a:solidFill>
+          <a:schemeClr val="tx1">
+            <a:lumMod val="15000"/>
+            <a:lumOff val="85000"/>
+          </a:schemeClr>
+        </a:solidFill>
+        <a:round/>
+      </a:ln>
+    </cs:spPr>
+  </cs:gridlineMajor>
+  <cs:gridlineMinor>
+    <cs:lnRef idx="0"/>
+    <cs:fillRef idx="0"/>
+    <cs:effectRef idx="0"/>
+    <cs:fontRef idx="minor">
+      <a:schemeClr val="tx1"/>
+    </cs:fontRef>
+    <cs:spPr>
+      <a:ln w="9525" cap="flat" cmpd="sng" algn="ctr">
+        <a:solidFill>
+          <a:schemeClr val="tx1">
+            <a:lumMod val="5000"/>
+            <a:lumOff val="95000"/>
+          </a:schemeClr>
+        </a:solidFill>
+        <a:round/>
+      </a:ln>
+    </cs:spPr>
+  </cs:gridlineMinor>
+  <cs:hiLoLine>
+    <cs:lnRef idx="0"/>
+    <cs:fillRef idx="0"/>
+    <cs:effectRef idx="0"/>
+    <cs:fontRef idx="minor">
+      <a:schemeClr val="tx1"/>
+    </cs:fontRef>
+    <cs:spPr>
+      <a:ln w="9525" cap="flat" cmpd="sng" algn="ctr">
+        <a:solidFill>
+          <a:schemeClr val="tx1">
+            <a:lumMod val="75000"/>
+            <a:lumOff val="25000"/>
+          </a:schemeClr>
+        </a:solidFill>
+        <a:round/>
+      </a:ln>
+    </cs:spPr>
+  </cs:hiLoLine>
+  <cs:leaderLine>
+    <cs:lnRef idx="0"/>
+    <cs:fillRef idx="0"/>
+    <cs:effectRef idx="0"/>
+    <cs:fontRef idx="minor">
+      <a:schemeClr val="tx1"/>
+    </cs:fontRef>
+    <cs:spPr>
+      <a:ln w="9525" cap="flat" cmpd="sng" algn="ctr">
+        <a:solidFill>
+          <a:schemeClr val="tx1">
+            <a:lumMod val="35000"/>
+            <a:lumOff val="65000"/>
+          </a:schemeClr>
+        </a:solidFill>
+        <a:round/>
+      </a:ln>
+    </cs:spPr>
+  </cs:leaderLine>
+  <cs:legend>
+    <cs:lnRef idx="0"/>
+    <cs:fillRef idx="0"/>
+    <cs:effectRef idx="0"/>
+    <cs:fontRef idx="minor">
+      <a:schemeClr val="tx1">
+        <a:lumMod val="65000"/>
+        <a:lumOff val="35000"/>
+      </a:schemeClr>
+    </cs:fontRef>
+    <cs:defRPr sz="900" kern="1200"/>
+  </cs:legend>
+  <cs:plotArea mods="allowNoFillOverride allowNoLineOverride">
+    <cs:lnRef idx="0"/>
+    <cs:fillRef idx="0"/>
+    <cs:effectRef idx="0"/>
+    <cs:fontRef idx="minor">
+      <a:schemeClr val="tx1"/>
+    </cs:fontRef>
+  </cs:plotArea>
+  <cs:plotArea3D mods="allowNoFillOverride allowNoLineOverride">
+    <cs:lnRef idx="0"/>
+    <cs:fillRef idx="0"/>
+    <cs:effectRef idx="0"/>
+    <cs:fontRef idx="minor">
+      <a:schemeClr val="tx1"/>
+    </cs:fontRef>
+  </cs:plotArea3D>
+  <cs:seriesAxis>
+    <cs:lnRef idx="0"/>
+    <cs:fillRef idx="0"/>
+    <cs:effectRef idx="0"/>
+    <cs:fontRef idx="minor">
+      <a:schemeClr val="tx1">
+        <a:lumMod val="65000"/>
+        <a:lumOff val="35000"/>
+      </a:schemeClr>
+    </cs:fontRef>
+    <cs:defRPr sz="900" kern="1200"/>
+  </cs:seriesAxis>
+  <cs:seriesLine>
+    <cs:lnRef idx="0"/>
+    <cs:fillRef idx="0"/>
+    <cs:effectRef idx="0"/>
+    <cs:fontRef idx="minor">
+      <a:schemeClr val="tx1"/>
+    </cs:fontRef>
+    <cs:spPr>
+      <a:ln w="9525" cap="flat" cmpd="sng" algn="ctr">
+        <a:solidFill>
+          <a:schemeClr val="tx1">
+            <a:lumMod val="35000"/>
+            <a:lumOff val="65000"/>
+          </a:schemeClr>
+        </a:solidFill>
+        <a:round/>
+      </a:ln>
+    </cs:spPr>
+  </cs:seriesLine>
+  <cs:title>
+    <cs:lnRef idx="0"/>
+    <cs:fillRef idx="0"/>
+    <cs:effectRef idx="0"/>
+    <cs:fontRef idx="minor">
+      <a:schemeClr val="tx1">
+        <a:lumMod val="65000"/>
+        <a:lumOff val="35000"/>
+      </a:schemeClr>
+    </cs:fontRef>
+    <cs:defRPr sz="1400" b="0" kern="1200" spc="0" baseline="0"/>
+  </cs:title>
+  <cs:trendline>
+    <cs:lnRef idx="0">
+      <cs:styleClr val="auto"/>
+    </cs:lnRef>
+    <cs:fillRef idx="0"/>
+    <cs:effectRef idx="0"/>
+    <cs:fontRef idx="minor">
+      <a:schemeClr val="tx1"/>
+    </cs:fontRef>
+    <cs:spPr>
+      <a:ln w="19050" cap="rnd">
+        <a:solidFill>
+          <a:schemeClr val="phClr"/>
+        </a:solidFill>
+        <a:prstDash val="sysDot"/>
+      </a:ln>
+    </cs:spPr>
+  </cs:trendline>
+  <cs:trendlineLabel>
+    <cs:lnRef idx="0"/>
+    <cs:fillRef idx="0"/>
+    <cs:effectRef idx="0"/>
+    <cs:fontRef idx="minor">
+      <a:schemeClr val="tx1">
+        <a:lumMod val="65000"/>
+        <a:lumOff val="35000"/>
+      </a:schemeClr>
+    </cs:fontRef>
+    <cs:defRPr sz="900" kern="1200"/>
+  </cs:trendlineLabel>
+  <cs:upBar>
+    <cs:lnRef idx="0"/>
+    <cs:fillRef idx="0"/>
+    <cs:effectRef idx="0"/>
+    <cs:fontRef idx="minor">
+      <a:schemeClr val="dk1"/>
+    </cs:fontRef>
+    <cs:spPr>
+      <a:solidFill>
+        <a:schemeClr val="lt1"/>
+      </a:solidFill>
+      <a:ln w="9525">
+        <a:solidFill>
+          <a:schemeClr val="tx1">
+            <a:lumMod val="15000"/>
+            <a:lumOff val="85000"/>
+          </a:schemeClr>
+        </a:solidFill>
+      </a:ln>
+    </cs:spPr>
+  </cs:upBar>
+  <cs:valueAxis>
+    <cs:lnRef idx="0"/>
+    <cs:fillRef idx="0"/>
+    <cs:effectRef idx="0"/>
+    <cs:fontRef idx="minor">
+      <a:schemeClr val="tx1">
+        <a:lumMod val="65000"/>
+        <a:lumOff val="35000"/>
+      </a:schemeClr>
+    </cs:fontRef>
+    <cs:defRPr sz="900" kern="1200"/>
+  </cs:valueAxis>
+  <cs:wall>
+    <cs:lnRef idx="0"/>
+    <cs:fillRef idx="0"/>
+    <cs:effectRef idx="0"/>
+    <cs:fontRef idx="minor">
+      <a:schemeClr val="tx1"/>
+    </cs:fontRef>
+    <cs:spPr>
+      <a:noFill/>
+      <a:ln>
+        <a:noFill/>
+      </a:ln>
+    </cs:spPr>
+  </cs:wall>
+</cs:chartStyle>
+</file>
+
 <file path=ppt/notesMasters/notesMaster1.xml><?xml version="1.0" encoding="utf-8"?>
 <p:notesMaster xmlns:a="http://schemas.openxmlformats.org/drawingml/2006/main" xmlns:r="http://schemas.openxmlformats.org/officeDocument/2006/relationships" xmlns:p="http://schemas.openxmlformats.org/presentationml/2006/main">
   <p:cSld>
@@ -9049,7 +10067,7 @@
             <a:fld id="{3842907C-D0AA-4C58-9F94-58B40AD65B29}" type="datetimeFigureOut">
               <a:rPr lang="ja-JP" altLang="en-US"/>
               <a:pPr/>
-              <a:t>2016/6/9</a:t>
+              <a:t>2016/6/23</a:t>
             </a:fld>
             <a:endParaRPr kumimoji="1" lang="ja-JP"/>
           </a:p>
@@ -10113,7 +11131,7 @@
             <a:fld id="{E6E13C79-1C97-4B32-B2AE-1A69C169643E}" type="datetime2">
               <a:rPr lang="ja-JP" altLang="en-US"/>
               <a:pPr/>
-              <a:t>2016年6月9日(木)</a:t>
+              <a:t>2016年6月23日(木)</a:t>
             </a:fld>
             <a:endParaRPr kumimoji="1" lang="ja-JP">
               <a:solidFill>
@@ -10351,7 +11369,7 @@
             <a:fld id="{D10E14BF-C004-4398-9186-5EE680724D95}" type="datetime2">
               <a:rPr lang="ja-JP" altLang="en-US"/>
               <a:pPr/>
-              <a:t>2016年6月9日(木)</a:t>
+              <a:t>2016年6月23日(木)</a:t>
             </a:fld>
             <a:endParaRPr kumimoji="1" lang="ja-JP"/>
           </a:p>
@@ -10566,7 +11584,7 @@
             <a:fld id="{D10E14BF-C004-4398-9186-5EE680724D95}" type="datetime2">
               <a:rPr lang="ja-JP" altLang="en-US"/>
               <a:pPr/>
-              <a:t>2016年6月9日(木)</a:t>
+              <a:t>2016年6月23日(木)</a:t>
             </a:fld>
             <a:endParaRPr kumimoji="1" lang="ja-JP"/>
           </a:p>
@@ -10758,7 +11776,7 @@
             <a:fld id="{227FEF5B-F2CC-4EC5-8F1F-29A8BF9EFFA9}" type="datetime2">
               <a:rPr lang="ja-JP" altLang="en-US"/>
               <a:pPr/>
-              <a:t>2016年6月9日(木)</a:t>
+              <a:t>2016年6月23日(木)</a:t>
             </a:fld>
             <a:endParaRPr kumimoji="1" lang="ja-JP"/>
           </a:p>
@@ -11022,7 +12040,7 @@
             <a:fld id="{5F4709C1-563D-4D9C-B702-B64C84A5A174}" type="datetime2">
               <a:rPr lang="ja-JP" altLang="en-US"/>
               <a:pPr/>
-              <a:t>2016年6月9日(木)</a:t>
+              <a:t>2016年6月23日(木)</a:t>
             </a:fld>
             <a:endParaRPr kumimoji="1" lang="ja-JP"/>
           </a:p>
@@ -11482,7 +12500,7 @@
             <a:fld id="{2E8303D9-A6EB-41FB-BF22-3F49E470997E}" type="datetime2">
               <a:rPr lang="ja-JP" altLang="en-US"/>
               <a:pPr/>
-              <a:t>2016年6月9日(木)</a:t>
+              <a:t>2016年6月23日(木)</a:t>
             </a:fld>
             <a:endParaRPr kumimoji="1" lang="ja-JP"/>
           </a:p>
@@ -11981,7 +12999,7 @@
             <a:fld id="{89BB0534-5698-4F62-9CFE-5DE61A073E78}" type="datetime2">
               <a:rPr lang="ja-JP" altLang="en-US"/>
               <a:pPr/>
-              <a:t>2016年6月9日(木)</a:t>
+              <a:t>2016年6月23日(木)</a:t>
             </a:fld>
             <a:endParaRPr kumimoji="1" lang="ja-JP"/>
           </a:p>
@@ -12073,7 +13091,7 @@
             <a:fld id="{084827A3-B249-4F87-AB1A-1E06AC1AA2A4}" type="datetime2">
               <a:rPr lang="ja-JP" altLang="en-US"/>
               <a:pPr/>
-              <a:t>2016年6月9日(木)</a:t>
+              <a:t>2016年6月23日(木)</a:t>
             </a:fld>
             <a:endParaRPr kumimoji="1" lang="ja-JP"/>
           </a:p>
@@ -12188,7 +13206,7 @@
             <a:fld id="{B1546142-29B2-49CC-BCC6-A3AD70B4960E}" type="datetime2">
               <a:rPr lang="ja-JP" altLang="en-US"/>
               <a:pPr/>
-              <a:t>2016年6月9日(木)</a:t>
+              <a:t>2016年6月23日(木)</a:t>
             </a:fld>
             <a:endParaRPr kumimoji="1" lang="ja-JP"/>
           </a:p>
@@ -12485,7 +13503,7 @@
             <a:fld id="{E86C4691-4882-40A8-AF62-8CF6A18D40B2}" type="datetime2">
               <a:rPr lang="ja-JP" altLang="en-US"/>
               <a:pPr/>
-              <a:t>2016年6月9日(木)</a:t>
+              <a:t>2016年6月23日(木)</a:t>
             </a:fld>
             <a:endParaRPr kumimoji="1" lang="ja-JP"/>
           </a:p>
@@ -12683,7 +13701,7 @@
             <a:fld id="{61C6776A-4DEC-47EE-8A49-2C150ECB5465}" type="datetime2">
               <a:rPr lang="ja-JP" altLang="en-US"/>
               <a:pPr/>
-              <a:t>2016年6月9日(木)</a:t>
+              <a:t>2016年6月23日(木)</a:t>
             </a:fld>
             <a:endParaRPr kumimoji="1" lang="ja-JP">
               <a:solidFill>
@@ -13812,7 +14830,7 @@
             <a:fld id="{D10E14BF-C004-4398-9186-5EE680724D95}" type="datetime2">
               <a:rPr lang="ja-JP" altLang="en-US"/>
               <a:pPr/>
-              <a:t>2016年6月9日(木)</a:t>
+              <a:t>2016年6月23日(木)</a:t>
             </a:fld>
             <a:endParaRPr kumimoji="1" lang="ja-JP" sz="1000">
               <a:solidFill>
@@ -22178,11 +23196,7 @@
           <a:p>
             <a:r>
               <a:rPr lang="ja-JP" altLang="en-US" dirty="0" smtClean="0"/>
-              <a:t>特徴量</a:t>
-            </a:r>
-            <a:r>
-              <a:rPr lang="ja-JP" altLang="en-US" dirty="0" smtClean="0"/>
-              <a:t>を増やして実験を始める</a:t>
+              <a:t>特徴量を増やして実験を始める</a:t>
             </a:r>
             <a:endParaRPr lang="en-US" altLang="ja-JP" dirty="0" smtClean="0"/>
           </a:p>
@@ -22213,11 +23227,7 @@
             <a:pPr lvl="1"/>
             <a:r>
               <a:rPr lang="ja-JP" altLang="en-US" dirty="0" smtClean="0"/>
-              <a:t>ＧＡ</a:t>
-            </a:r>
-            <a:r>
-              <a:rPr lang="ja-JP" altLang="en-US" dirty="0" smtClean="0"/>
-              <a:t>，卒論手法</a:t>
+              <a:t>ＧＡ，卒論手法</a:t>
             </a:r>
             <a:endParaRPr lang="en-US" altLang="ja-JP" dirty="0" smtClean="0"/>
           </a:p>
@@ -22303,6 +23313,487 @@
     <p:extLst>
       <p:ext uri="{BB962C8B-B14F-4D97-AF65-F5344CB8AC3E}">
         <p14:creationId xmlns:p14="http://schemas.microsoft.com/office/powerpoint/2010/main" val="751603932"/>
+      </p:ext>
+    </p:extLst>
+  </p:cSld>
+  <p:clrMapOvr>
+    <a:masterClrMapping/>
+  </p:clrMapOvr>
+</p:sld>
+</file>
+
+<file path=ppt/slides/slide37.xml><?xml version="1.0" encoding="utf-8"?>
+<p:sld xmlns:a="http://schemas.openxmlformats.org/drawingml/2006/main" xmlns:r="http://schemas.openxmlformats.org/officeDocument/2006/relationships" xmlns:p="http://schemas.openxmlformats.org/presentationml/2006/main">
+  <p:cSld>
+    <p:spTree>
+      <p:nvGrpSpPr>
+        <p:cNvPr id="1" name=""/>
+        <p:cNvGrpSpPr/>
+        <p:nvPr/>
+      </p:nvGrpSpPr>
+      <p:grpSpPr>
+        <a:xfrm>
+          <a:off x="0" y="0"/>
+          <a:ext cx="0" cy="0"/>
+          <a:chOff x="0" y="0"/>
+          <a:chExt cx="0" cy="0"/>
+        </a:xfrm>
+      </p:grpSpPr>
+      <p:sp>
+        <p:nvSpPr>
+          <p:cNvPr id="2" name="コンテンツ プレースホルダー 1"/>
+          <p:cNvSpPr>
+            <a:spLocks noGrp="1"/>
+          </p:cNvSpPr>
+          <p:nvPr>
+            <p:ph idx="1"/>
+          </p:nvPr>
+        </p:nvSpPr>
+        <p:spPr/>
+        <p:txBody>
+          <a:bodyPr/>
+          <a:lstStyle/>
+          <a:p>
+            <a:r>
+              <a:rPr kumimoji="1" lang="ja-JP" altLang="en-US" dirty="0" smtClean="0"/>
+              <a:t>近況報告</a:t>
+            </a:r>
+            <a:endParaRPr kumimoji="1" lang="en-US" altLang="ja-JP" dirty="0" smtClean="0"/>
+          </a:p>
+          <a:p>
+            <a:pPr lvl="1"/>
+            <a:r>
+              <a:rPr lang="ja-JP" altLang="en-US" dirty="0" smtClean="0"/>
+              <a:t>ゼミ用の実験準備</a:t>
+            </a:r>
+            <a:endParaRPr lang="en-US" altLang="ja-JP" dirty="0" smtClean="0"/>
+          </a:p>
+          <a:p>
+            <a:pPr lvl="2"/>
+            <a:r>
+              <a:rPr lang="ja-JP" altLang="en-US" dirty="0" smtClean="0"/>
+              <a:t>汎化</a:t>
+            </a:r>
+            <a:r>
+              <a:rPr lang="ja-JP" altLang="en-US" dirty="0"/>
+              <a:t>誤差</a:t>
+            </a:r>
+            <a:r>
+              <a:rPr lang="ja-JP" altLang="en-US" dirty="0" smtClean="0"/>
+              <a:t>の実験</a:t>
+            </a:r>
+            <a:endParaRPr lang="en-US" altLang="ja-JP" dirty="0" smtClean="0"/>
+          </a:p>
+          <a:p>
+            <a:pPr lvl="1"/>
+            <a:r>
+              <a:rPr kumimoji="1" lang="ja-JP" altLang="en-US" dirty="0" smtClean="0"/>
+              <a:t>手法の問題点の考察</a:t>
+            </a:r>
+            <a:r>
+              <a:rPr kumimoji="1" lang="en-US" altLang="ja-JP" dirty="0" smtClean="0"/>
+              <a:t>	</a:t>
+            </a:r>
+          </a:p>
+          <a:p>
+            <a:pPr lvl="2"/>
+            <a:r>
+              <a:rPr lang="ja-JP" altLang="en-US" dirty="0" smtClean="0"/>
+              <a:t>連立型</a:t>
+            </a:r>
+            <a:r>
+              <a:rPr lang="ja-JP" altLang="en-US" smtClean="0"/>
+              <a:t>の</a:t>
+            </a:r>
+            <a:r>
+              <a:rPr lang="ja-JP" altLang="en-US" smtClean="0"/>
+              <a:t>不具合</a:t>
+            </a:r>
+            <a:r>
+              <a:rPr lang="ja-JP" altLang="en-US" smtClean="0"/>
+              <a:t>と問題点</a:t>
+            </a:r>
+            <a:endParaRPr kumimoji="1" lang="en-US" altLang="ja-JP" dirty="0" smtClean="0"/>
+          </a:p>
+          <a:p>
+            <a:pPr lvl="1"/>
+            <a:endParaRPr kumimoji="1" lang="ja-JP" altLang="en-US" dirty="0"/>
+          </a:p>
+        </p:txBody>
+      </p:sp>
+      <p:sp>
+        <p:nvSpPr>
+          <p:cNvPr id="3" name="タイトル 2"/>
+          <p:cNvSpPr>
+            <a:spLocks noGrp="1"/>
+          </p:cNvSpPr>
+          <p:nvPr>
+            <p:ph type="title"/>
+          </p:nvPr>
+        </p:nvSpPr>
+        <p:spPr/>
+        <p:txBody>
+          <a:bodyPr/>
+          <a:lstStyle/>
+          <a:p>
+            <a:r>
+              <a:rPr kumimoji="1" lang="en-US" altLang="ja-JP" dirty="0" smtClean="0"/>
+              <a:t>2016/ 6/23</a:t>
+            </a:r>
+            <a:endParaRPr kumimoji="1" lang="ja-JP" altLang="en-US" dirty="0"/>
+          </a:p>
+        </p:txBody>
+      </p:sp>
+    </p:spTree>
+    <p:extLst>
+      <p:ext uri="{BB962C8B-B14F-4D97-AF65-F5344CB8AC3E}">
+        <p14:creationId xmlns:p14="http://schemas.microsoft.com/office/powerpoint/2010/main" val="2132078898"/>
+      </p:ext>
+    </p:extLst>
+  </p:cSld>
+  <p:clrMapOvr>
+    <a:masterClrMapping/>
+  </p:clrMapOvr>
+</p:sld>
+</file>
+
+<file path=ppt/slides/slide38.xml><?xml version="1.0" encoding="utf-8"?>
+<p:sld xmlns:a="http://schemas.openxmlformats.org/drawingml/2006/main" xmlns:r="http://schemas.openxmlformats.org/officeDocument/2006/relationships" xmlns:p="http://schemas.openxmlformats.org/presentationml/2006/main">
+  <p:cSld>
+    <p:spTree>
+      <p:nvGrpSpPr>
+        <p:cNvPr id="1" name=""/>
+        <p:cNvGrpSpPr/>
+        <p:nvPr/>
+      </p:nvGrpSpPr>
+      <p:grpSpPr>
+        <a:xfrm>
+          <a:off x="0" y="0"/>
+          <a:ext cx="0" cy="0"/>
+          <a:chOff x="0" y="0"/>
+          <a:chExt cx="0" cy="0"/>
+        </a:xfrm>
+      </p:grpSpPr>
+      <p:sp>
+        <p:nvSpPr>
+          <p:cNvPr id="2" name="コンテンツ プレースホルダー 1"/>
+          <p:cNvSpPr>
+            <a:spLocks noGrp="1"/>
+          </p:cNvSpPr>
+          <p:nvPr>
+            <p:ph idx="1"/>
+          </p:nvPr>
+        </p:nvSpPr>
+        <p:spPr/>
+        <p:txBody>
+          <a:bodyPr/>
+          <a:lstStyle/>
+          <a:p>
+            <a:r>
+              <a:rPr kumimoji="1" lang="ja-JP" altLang="en-US" dirty="0" smtClean="0"/>
+              <a:t>卒論手法との比較実験</a:t>
+            </a:r>
+            <a:endParaRPr kumimoji="1" lang="en-US" altLang="ja-JP" dirty="0" smtClean="0"/>
+          </a:p>
+          <a:p>
+            <a:pPr lvl="1"/>
+            <a:r>
+              <a:rPr lang="ja-JP" altLang="en-US" dirty="0"/>
+              <a:t>時間</a:t>
+            </a:r>
+            <a:r>
+              <a:rPr lang="ja-JP" altLang="en-US" dirty="0" smtClean="0"/>
+              <a:t>がなくて（＋面倒くさがって）完全な比較実験ではない</a:t>
+            </a:r>
+            <a:endParaRPr lang="en-US" altLang="ja-JP" dirty="0" smtClean="0"/>
+          </a:p>
+          <a:p>
+            <a:pPr lvl="1"/>
+            <a:r>
+              <a:rPr kumimoji="1" lang="ja-JP" altLang="en-US" dirty="0" smtClean="0"/>
+              <a:t>卒論手法が</a:t>
+            </a:r>
+            <a:r>
+              <a:rPr kumimoji="1" lang="en-US" altLang="ja-JP" dirty="0" smtClean="0"/>
+              <a:t>10</a:t>
+            </a:r>
+            <a:r>
+              <a:rPr kumimoji="1" lang="ja-JP" altLang="en-US" dirty="0" smtClean="0"/>
+              <a:t>データで動作した</a:t>
+            </a:r>
+            <a:endParaRPr kumimoji="1" lang="en-US" altLang="ja-JP" dirty="0" smtClean="0"/>
+          </a:p>
+          <a:p>
+            <a:pPr marL="393192" lvl="1" indent="0">
+              <a:buNone/>
+            </a:pPr>
+            <a:r>
+              <a:rPr lang="en-US" altLang="ja-JP" dirty="0"/>
+              <a:t>	</a:t>
+            </a:r>
+            <a:r>
+              <a:rPr lang="ja-JP" altLang="en-US" dirty="0" smtClean="0"/>
+              <a:t>→</a:t>
+            </a:r>
+            <a:r>
+              <a:rPr kumimoji="1" lang="ja-JP" altLang="en-US" dirty="0" smtClean="0"/>
+              <a:t>新手法ではどのくらいのデータ量が必要であるか</a:t>
+            </a:r>
+            <a:endParaRPr kumimoji="1" lang="en-US" altLang="ja-JP" dirty="0" smtClean="0"/>
+          </a:p>
+          <a:p>
+            <a:pPr lvl="1"/>
+            <a:r>
+              <a:rPr lang="ja-JP" altLang="en-US" dirty="0" smtClean="0"/>
+              <a:t>卒論手法はデータ量に殆ど依存しない</a:t>
+            </a:r>
+            <a:endParaRPr lang="en-US" altLang="ja-JP" dirty="0"/>
+          </a:p>
+          <a:p>
+            <a:pPr marL="393192" lvl="1" indent="0">
+              <a:buNone/>
+            </a:pPr>
+            <a:r>
+              <a:rPr kumimoji="1" lang="en-US" altLang="ja-JP" dirty="0" smtClean="0"/>
+              <a:t>	</a:t>
+            </a:r>
+            <a:r>
+              <a:rPr kumimoji="1" lang="ja-JP" altLang="en-US" dirty="0" smtClean="0"/>
+              <a:t>→新手法の精度とデータ量の関係は？</a:t>
+            </a:r>
+            <a:endParaRPr kumimoji="1" lang="en-US" altLang="ja-JP" dirty="0" smtClean="0"/>
+          </a:p>
+          <a:p>
+            <a:pPr lvl="1"/>
+            <a:r>
+              <a:rPr kumimoji="1" lang="ja-JP" altLang="en-US" dirty="0" smtClean="0"/>
+              <a:t>実験回数</a:t>
+            </a:r>
+            <a:r>
+              <a:rPr kumimoji="1" lang="en-US" altLang="ja-JP" dirty="0" smtClean="0"/>
+              <a:t>13</a:t>
+            </a:r>
+            <a:r>
+              <a:rPr kumimoji="1" lang="ja-JP" altLang="en-US" dirty="0" smtClean="0"/>
+              <a:t>回のうちの成功率でグラフ化</a:t>
+            </a:r>
+            <a:endParaRPr kumimoji="1" lang="en-US" altLang="ja-JP" dirty="0" smtClean="0"/>
+          </a:p>
+          <a:p>
+            <a:pPr marL="393192" lvl="1" indent="0">
+              <a:buNone/>
+            </a:pPr>
+            <a:r>
+              <a:rPr kumimoji="1" lang="en-US" altLang="ja-JP" dirty="0" smtClean="0"/>
+              <a:t>	</a:t>
+            </a:r>
+            <a:r>
+              <a:rPr kumimoji="1" lang="ja-JP" altLang="en-US" dirty="0" smtClean="0"/>
+              <a:t>→“再現成功”の基準は？</a:t>
+            </a:r>
+            <a:endParaRPr kumimoji="1" lang="en-US" altLang="ja-JP" dirty="0" smtClean="0"/>
+          </a:p>
+          <a:p>
+            <a:pPr lvl="1"/>
+            <a:r>
+              <a:rPr lang="ja-JP" altLang="en-US" dirty="0"/>
+              <a:t>最</a:t>
+            </a:r>
+            <a:r>
+              <a:rPr lang="ja-JP" altLang="en-US" dirty="0" smtClean="0"/>
+              <a:t>急降下法を用いて実験</a:t>
+            </a:r>
+            <a:endParaRPr lang="en-US" altLang="ja-JP" dirty="0" smtClean="0"/>
+          </a:p>
+          <a:p>
+            <a:pPr marL="393192" lvl="1" indent="0">
+              <a:buNone/>
+            </a:pPr>
+            <a:r>
+              <a:rPr kumimoji="1" lang="en-US" altLang="ja-JP" dirty="0"/>
+              <a:t>	</a:t>
+            </a:r>
+            <a:r>
+              <a:rPr kumimoji="1" lang="ja-JP" altLang="en-US" dirty="0" smtClean="0"/>
+              <a:t>→連立型を使わない理由は後述</a:t>
+            </a:r>
+            <a:endParaRPr kumimoji="1" lang="en-US" altLang="ja-JP" dirty="0" smtClean="0"/>
+          </a:p>
+          <a:p>
+            <a:endParaRPr kumimoji="1" lang="ja-JP" altLang="en-US" dirty="0"/>
+          </a:p>
+        </p:txBody>
+      </p:sp>
+      <p:sp>
+        <p:nvSpPr>
+          <p:cNvPr id="3" name="タイトル 2"/>
+          <p:cNvSpPr>
+            <a:spLocks noGrp="1"/>
+          </p:cNvSpPr>
+          <p:nvPr>
+            <p:ph type="title"/>
+          </p:nvPr>
+        </p:nvSpPr>
+        <p:spPr/>
+        <p:txBody>
+          <a:bodyPr/>
+          <a:lstStyle/>
+          <a:p>
+            <a:r>
+              <a:rPr kumimoji="1" lang="ja-JP" altLang="en-US" dirty="0" smtClean="0"/>
+              <a:t>ゼミ用の実験</a:t>
+            </a:r>
+            <a:endParaRPr kumimoji="1" lang="ja-JP" altLang="en-US" dirty="0"/>
+          </a:p>
+        </p:txBody>
+      </p:sp>
+    </p:spTree>
+    <p:extLst>
+      <p:ext uri="{BB962C8B-B14F-4D97-AF65-F5344CB8AC3E}">
+        <p14:creationId xmlns:p14="http://schemas.microsoft.com/office/powerpoint/2010/main" val="642759161"/>
+      </p:ext>
+    </p:extLst>
+  </p:cSld>
+  <p:clrMapOvr>
+    <a:masterClrMapping/>
+  </p:clrMapOvr>
+</p:sld>
+</file>
+
+<file path=ppt/slides/slide39.xml><?xml version="1.0" encoding="utf-8"?>
+<p:sld xmlns:a="http://schemas.openxmlformats.org/drawingml/2006/main" xmlns:r="http://schemas.openxmlformats.org/officeDocument/2006/relationships" xmlns:p="http://schemas.openxmlformats.org/presentationml/2006/main">
+  <p:cSld>
+    <p:spTree>
+      <p:nvGrpSpPr>
+        <p:cNvPr id="1" name=""/>
+        <p:cNvGrpSpPr/>
+        <p:nvPr/>
+      </p:nvGrpSpPr>
+      <p:grpSpPr>
+        <a:xfrm>
+          <a:off x="0" y="0"/>
+          <a:ext cx="0" cy="0"/>
+          <a:chOff x="0" y="0"/>
+          <a:chExt cx="0" cy="0"/>
+        </a:xfrm>
+      </p:grpSpPr>
+      <p:sp>
+        <p:nvSpPr>
+          <p:cNvPr id="2" name="コンテンツ プレースホルダー 1"/>
+          <p:cNvSpPr>
+            <a:spLocks noGrp="1"/>
+          </p:cNvSpPr>
+          <p:nvPr>
+            <p:ph idx="1"/>
+          </p:nvPr>
+        </p:nvSpPr>
+        <p:spPr/>
+        <p:txBody>
+          <a:bodyPr/>
+          <a:lstStyle/>
+          <a:p>
+            <a:r>
+              <a:rPr lang="en-US" altLang="ja-JP" dirty="0" smtClean="0"/>
+              <a:t>80</a:t>
+            </a:r>
+            <a:r>
+              <a:rPr lang="ja-JP" altLang="en-US" dirty="0" smtClean="0"/>
+              <a:t>データ程度でようやく高い再現率</a:t>
+            </a:r>
+            <a:endParaRPr lang="en-US" altLang="ja-JP" dirty="0" smtClean="0"/>
+          </a:p>
+          <a:p>
+            <a:pPr lvl="1"/>
+            <a:r>
+              <a:rPr lang="ja-JP" altLang="en-US" dirty="0" smtClean="0"/>
+              <a:t>卒論</a:t>
+            </a:r>
+            <a:r>
+              <a:rPr lang="ja-JP" altLang="en-US" dirty="0"/>
+              <a:t>手法</a:t>
+            </a:r>
+            <a:r>
+              <a:rPr lang="ja-JP" altLang="en-US" dirty="0" smtClean="0"/>
+              <a:t>と同程度の精度になるには</a:t>
+            </a:r>
+            <a:r>
+              <a:rPr lang="en-US" altLang="ja-JP" dirty="0" smtClean="0"/>
+              <a:t>90</a:t>
+            </a:r>
+            <a:r>
+              <a:rPr lang="ja-JP" altLang="en-US" dirty="0" smtClean="0"/>
+              <a:t>データ以上必要</a:t>
+            </a:r>
+            <a:endParaRPr kumimoji="1" lang="en-US" altLang="ja-JP" dirty="0" smtClean="0"/>
+          </a:p>
+          <a:p>
+            <a:endParaRPr kumimoji="1" lang="ja-JP" altLang="en-US" dirty="0"/>
+          </a:p>
+        </p:txBody>
+      </p:sp>
+      <p:sp>
+        <p:nvSpPr>
+          <p:cNvPr id="3" name="タイトル 2"/>
+          <p:cNvSpPr>
+            <a:spLocks noGrp="1"/>
+          </p:cNvSpPr>
+          <p:nvPr>
+            <p:ph type="title"/>
+          </p:nvPr>
+        </p:nvSpPr>
+        <p:spPr/>
+        <p:txBody>
+          <a:bodyPr/>
+          <a:lstStyle/>
+          <a:p>
+            <a:r>
+              <a:rPr lang="ja-JP" altLang="en-US" dirty="0" smtClean="0"/>
+              <a:t>ゼミ</a:t>
+            </a:r>
+            <a:r>
+              <a:rPr lang="ja-JP" altLang="en-US" dirty="0"/>
+              <a:t>用</a:t>
+            </a:r>
+            <a:r>
+              <a:rPr lang="ja-JP" altLang="en-US" dirty="0" smtClean="0"/>
+              <a:t>の</a:t>
+            </a:r>
+            <a:r>
+              <a:rPr lang="ja-JP" altLang="en-US" dirty="0"/>
+              <a:t>実験</a:t>
+            </a:r>
+            <a:endParaRPr kumimoji="1" lang="ja-JP" altLang="en-US" dirty="0"/>
+          </a:p>
+        </p:txBody>
+      </p:sp>
+      <p:graphicFrame>
+        <p:nvGraphicFramePr>
+          <p:cNvPr id="5" name="コンテンツ プレースホルダー 4"/>
+          <p:cNvGraphicFramePr>
+            <a:graphicFrameLocks/>
+          </p:cNvGraphicFramePr>
+          <p:nvPr>
+            <p:extLst>
+              <p:ext uri="{D42A27DB-BD31-4B8C-83A1-F6EECF244321}">
+                <p14:modId xmlns:p14="http://schemas.microsoft.com/office/powerpoint/2010/main" val="126858357"/>
+              </p:ext>
+            </p:extLst>
+          </p:nvPr>
+        </p:nvGraphicFramePr>
+        <p:xfrm>
+          <a:off x="1043607" y="2564904"/>
+          <a:ext cx="7056785" cy="4175869"/>
+        </p:xfrm>
+        <a:graphic>
+          <a:graphicData uri="http://schemas.openxmlformats.org/drawingml/2006/chart">
+            <c:chart xmlns:c="http://schemas.openxmlformats.org/drawingml/2006/chart" xmlns:r="http://schemas.openxmlformats.org/officeDocument/2006/relationships" r:id="rId2"/>
+          </a:graphicData>
+        </a:graphic>
+      </p:graphicFrame>
+    </p:spTree>
+    <p:extLst>
+      <p:ext uri="{BB962C8B-B14F-4D97-AF65-F5344CB8AC3E}">
+        <p14:creationId xmlns:p14="http://schemas.microsoft.com/office/powerpoint/2010/main" val="274087693"/>
       </p:ext>
     </p:extLst>
   </p:cSld>
@@ -23923,6 +25414,1336 @@
       </p:par>
     </p:tnLst>
   </p:timing>
+</p:sld>
+</file>
+
+<file path=ppt/slides/slide40.xml><?xml version="1.0" encoding="utf-8"?>
+<p:sld xmlns:a="http://schemas.openxmlformats.org/drawingml/2006/main" xmlns:r="http://schemas.openxmlformats.org/officeDocument/2006/relationships" xmlns:p="http://schemas.openxmlformats.org/presentationml/2006/main">
+  <p:cSld>
+    <p:spTree>
+      <p:nvGrpSpPr>
+        <p:cNvPr id="1" name=""/>
+        <p:cNvGrpSpPr/>
+        <p:nvPr/>
+      </p:nvGrpSpPr>
+      <p:grpSpPr>
+        <a:xfrm>
+          <a:off x="0" y="0"/>
+          <a:ext cx="0" cy="0"/>
+          <a:chOff x="0" y="0"/>
+          <a:chExt cx="0" cy="0"/>
+        </a:xfrm>
+      </p:grpSpPr>
+      <p:sp>
+        <p:nvSpPr>
+          <p:cNvPr id="2" name="コンテンツ プレースホルダー 1"/>
+          <p:cNvSpPr>
+            <a:spLocks noGrp="1"/>
+          </p:cNvSpPr>
+          <p:nvPr>
+            <p:ph idx="1"/>
+          </p:nvPr>
+        </p:nvSpPr>
+        <p:spPr/>
+        <p:txBody>
+          <a:bodyPr/>
+          <a:lstStyle/>
+          <a:p>
+            <a:r>
+              <a:rPr kumimoji="1" lang="ja-JP" altLang="en-US" dirty="0" smtClean="0"/>
+              <a:t>“卒論手法が優れていて，新手法が劣っている”？</a:t>
+            </a:r>
+            <a:endParaRPr kumimoji="1" lang="en-US" altLang="ja-JP" dirty="0" smtClean="0"/>
+          </a:p>
+          <a:p>
+            <a:pPr lvl="1"/>
+            <a:r>
+              <a:rPr lang="ja-JP" altLang="en-US" dirty="0" smtClean="0"/>
+              <a:t>そもそも，扱おうとしているタスクが違う</a:t>
+            </a:r>
+            <a:endParaRPr lang="en-US" altLang="ja-JP" dirty="0" smtClean="0"/>
+          </a:p>
+          <a:p>
+            <a:pPr lvl="2"/>
+            <a:r>
+              <a:rPr lang="en-US" altLang="ja-JP" dirty="0" smtClean="0"/>
+              <a:t>2</a:t>
+            </a:r>
+            <a:r>
+              <a:rPr lang="ja-JP" altLang="en-US" dirty="0" smtClean="0"/>
+              <a:t>次元回転なし</a:t>
+            </a:r>
+            <a:r>
+              <a:rPr lang="ja-JP" altLang="en-US" dirty="0"/>
+              <a:t>　</a:t>
+            </a:r>
+            <a:r>
+              <a:rPr lang="ja-JP" altLang="en-US" dirty="0" smtClean="0"/>
+              <a:t>→　</a:t>
+            </a:r>
+            <a:r>
+              <a:rPr lang="en-US" altLang="ja-JP" dirty="0" smtClean="0"/>
+              <a:t>3</a:t>
+            </a:r>
+            <a:r>
+              <a:rPr lang="ja-JP" altLang="en-US" dirty="0" smtClean="0"/>
+              <a:t>次元回転あり など多様な特徴量</a:t>
+            </a:r>
+            <a:endParaRPr lang="en-US" altLang="ja-JP" dirty="0" smtClean="0"/>
+          </a:p>
+          <a:p>
+            <a:pPr lvl="1"/>
+            <a:r>
+              <a:rPr lang="ja-JP" altLang="en-US" dirty="0" smtClean="0"/>
+              <a:t>現状の新手法はただの計算基盤</a:t>
+            </a:r>
+            <a:endParaRPr lang="en-US" altLang="ja-JP" dirty="0" smtClean="0"/>
+          </a:p>
+          <a:p>
+            <a:pPr lvl="2"/>
+            <a:r>
+              <a:rPr lang="ja-JP" altLang="en-US" dirty="0" smtClean="0"/>
+              <a:t>“気が利く”処理は一切行っていない</a:t>
+            </a:r>
+            <a:endParaRPr lang="en-US" altLang="ja-JP" dirty="0" smtClean="0"/>
+          </a:p>
+          <a:p>
+            <a:pPr lvl="2"/>
+            <a:endParaRPr lang="en-US" altLang="ja-JP" dirty="0" smtClean="0"/>
+          </a:p>
+          <a:p>
+            <a:endParaRPr kumimoji="1" lang="ja-JP" altLang="en-US" dirty="0"/>
+          </a:p>
+        </p:txBody>
+      </p:sp>
+      <p:sp>
+        <p:nvSpPr>
+          <p:cNvPr id="3" name="タイトル 2"/>
+          <p:cNvSpPr>
+            <a:spLocks noGrp="1"/>
+          </p:cNvSpPr>
+          <p:nvPr>
+            <p:ph type="title"/>
+          </p:nvPr>
+        </p:nvSpPr>
+        <p:spPr/>
+        <p:txBody>
+          <a:bodyPr/>
+          <a:lstStyle/>
+          <a:p>
+            <a:r>
+              <a:rPr lang="ja-JP" altLang="en-US" dirty="0"/>
+              <a:t>実験</a:t>
+            </a:r>
+            <a:r>
+              <a:rPr lang="ja-JP" altLang="en-US" dirty="0" smtClean="0"/>
+              <a:t>からの</a:t>
+            </a:r>
+            <a:r>
+              <a:rPr lang="ja-JP" altLang="en-US" dirty="0"/>
+              <a:t>考察</a:t>
+            </a:r>
+            <a:endParaRPr kumimoji="1" lang="ja-JP" altLang="en-US" dirty="0"/>
+          </a:p>
+        </p:txBody>
+      </p:sp>
+      <p:pic>
+        <p:nvPicPr>
+          <p:cNvPr id="4" name="図 3"/>
+          <p:cNvPicPr>
+            <a:picLocks noChangeAspect="1"/>
+          </p:cNvPicPr>
+          <p:nvPr/>
+        </p:nvPicPr>
+        <p:blipFill>
+          <a:blip r:embed="rId2"/>
+          <a:stretch>
+            <a:fillRect/>
+          </a:stretch>
+        </p:blipFill>
+        <p:spPr>
+          <a:xfrm>
+            <a:off x="1929241" y="3429000"/>
+            <a:ext cx="5285517" cy="2613319"/>
+          </a:xfrm>
+          <a:prstGeom prst="rect">
+            <a:avLst/>
+          </a:prstGeom>
+        </p:spPr>
+      </p:pic>
+      <p:sp>
+        <p:nvSpPr>
+          <p:cNvPr id="5" name="正方形/長方形 4"/>
+          <p:cNvSpPr/>
+          <p:nvPr/>
+        </p:nvSpPr>
+        <p:spPr>
+          <a:xfrm>
+            <a:off x="1691680" y="5517232"/>
+            <a:ext cx="5688632" cy="648072"/>
+          </a:xfrm>
+          <a:prstGeom prst="rect">
+            <a:avLst/>
+          </a:prstGeom>
+          <a:noFill/>
+          <a:ln w="31750" cmpd="sng">
+            <a:solidFill>
+              <a:srgbClr val="FF0000"/>
+            </a:solidFill>
+          </a:ln>
+          <a:effectLst>
+            <a:outerShdw blurRad="50800" dist="25400" dir="5400000" algn="ctr" rotWithShape="0">
+              <a:schemeClr val="tx1"/>
+            </a:outerShdw>
+          </a:effectLst>
+        </p:spPr>
+        <p:style>
+          <a:lnRef idx="2">
+            <a:schemeClr val="accent2">
+              <a:shade val="50000"/>
+            </a:schemeClr>
+          </a:lnRef>
+          <a:fillRef idx="1">
+            <a:schemeClr val="accent2"/>
+          </a:fillRef>
+          <a:effectRef idx="0">
+            <a:schemeClr val="accent2"/>
+          </a:effectRef>
+          <a:fontRef idx="minor">
+            <a:schemeClr val="lt1"/>
+          </a:fontRef>
+        </p:style>
+        <p:txBody>
+          <a:bodyPr rtlCol="0" anchor="ctr"/>
+          <a:lstStyle/>
+          <a:p>
+            <a:pPr algn="ctr"/>
+            <a:endParaRPr kumimoji="1" lang="ja-JP" altLang="en-US"/>
+          </a:p>
+        </p:txBody>
+      </p:sp>
+      <p:sp>
+        <p:nvSpPr>
+          <p:cNvPr id="6" name="正方形/長方形 5"/>
+          <p:cNvSpPr/>
+          <p:nvPr/>
+        </p:nvSpPr>
+        <p:spPr>
+          <a:xfrm>
+            <a:off x="1727683" y="4176000"/>
+            <a:ext cx="5688632" cy="648072"/>
+          </a:xfrm>
+          <a:prstGeom prst="rect">
+            <a:avLst/>
+          </a:prstGeom>
+          <a:noFill/>
+          <a:ln w="31750" cmpd="sng">
+            <a:solidFill>
+              <a:srgbClr val="00B0F0"/>
+            </a:solidFill>
+          </a:ln>
+          <a:effectLst>
+            <a:outerShdw blurRad="50800" dist="25400" dir="5400000" algn="ctr" rotWithShape="0">
+              <a:schemeClr val="tx1"/>
+            </a:outerShdw>
+          </a:effectLst>
+        </p:spPr>
+        <p:style>
+          <a:lnRef idx="2">
+            <a:schemeClr val="accent2">
+              <a:shade val="50000"/>
+            </a:schemeClr>
+          </a:lnRef>
+          <a:fillRef idx="1">
+            <a:schemeClr val="accent2"/>
+          </a:fillRef>
+          <a:effectRef idx="0">
+            <a:schemeClr val="accent2"/>
+          </a:effectRef>
+          <a:fontRef idx="minor">
+            <a:schemeClr val="lt1"/>
+          </a:fontRef>
+        </p:style>
+        <p:txBody>
+          <a:bodyPr rtlCol="0" anchor="ctr"/>
+          <a:lstStyle/>
+          <a:p>
+            <a:pPr algn="ctr"/>
+            <a:endParaRPr kumimoji="1" lang="ja-JP" altLang="en-US"/>
+          </a:p>
+        </p:txBody>
+      </p:sp>
+      <p:sp>
+        <p:nvSpPr>
+          <p:cNvPr id="7" name="テキスト ボックス 6"/>
+          <p:cNvSpPr txBox="1"/>
+          <p:nvPr/>
+        </p:nvSpPr>
+        <p:spPr>
+          <a:xfrm>
+            <a:off x="7740352" y="5661248"/>
+            <a:ext cx="1080120" cy="369332"/>
+          </a:xfrm>
+          <a:prstGeom prst="rect">
+            <a:avLst/>
+          </a:prstGeom>
+          <a:noFill/>
+        </p:spPr>
+        <p:txBody>
+          <a:bodyPr wrap="square" rtlCol="0">
+            <a:spAutoFit/>
+          </a:bodyPr>
+          <a:lstStyle/>
+          <a:p>
+            <a:r>
+              <a:rPr kumimoji="1" lang="ja-JP" altLang="en-US" dirty="0" smtClean="0"/>
+              <a:t>達成</a:t>
+            </a:r>
+            <a:endParaRPr kumimoji="1" lang="ja-JP" altLang="en-US" dirty="0"/>
+          </a:p>
+        </p:txBody>
+      </p:sp>
+      <p:sp>
+        <p:nvSpPr>
+          <p:cNvPr id="8" name="テキスト ボックス 7"/>
+          <p:cNvSpPr txBox="1"/>
+          <p:nvPr/>
+        </p:nvSpPr>
+        <p:spPr>
+          <a:xfrm>
+            <a:off x="7740352" y="4315370"/>
+            <a:ext cx="1440160" cy="369332"/>
+          </a:xfrm>
+          <a:prstGeom prst="rect">
+            <a:avLst/>
+          </a:prstGeom>
+          <a:noFill/>
+        </p:spPr>
+        <p:txBody>
+          <a:bodyPr wrap="square" rtlCol="0">
+            <a:spAutoFit/>
+          </a:bodyPr>
+          <a:lstStyle/>
+          <a:p>
+            <a:r>
+              <a:rPr kumimoji="1" lang="ja-JP" altLang="en-US" dirty="0" smtClean="0"/>
+              <a:t>課題</a:t>
+            </a:r>
+            <a:endParaRPr kumimoji="1" lang="ja-JP" altLang="en-US" dirty="0"/>
+          </a:p>
+        </p:txBody>
+      </p:sp>
+    </p:spTree>
+    <p:extLst>
+      <p:ext uri="{BB962C8B-B14F-4D97-AF65-F5344CB8AC3E}">
+        <p14:creationId xmlns:p14="http://schemas.microsoft.com/office/powerpoint/2010/main" val="1980205803"/>
+      </p:ext>
+    </p:extLst>
+  </p:cSld>
+  <p:clrMapOvr>
+    <a:masterClrMapping/>
+  </p:clrMapOvr>
+</p:sld>
+</file>
+
+<file path=ppt/slides/slide41.xml><?xml version="1.0" encoding="utf-8"?>
+<p:sld xmlns:a="http://schemas.openxmlformats.org/drawingml/2006/main" xmlns:r="http://schemas.openxmlformats.org/officeDocument/2006/relationships" xmlns:p="http://schemas.openxmlformats.org/presentationml/2006/main">
+  <p:cSld>
+    <p:spTree>
+      <p:nvGrpSpPr>
+        <p:cNvPr id="1" name=""/>
+        <p:cNvGrpSpPr/>
+        <p:nvPr/>
+      </p:nvGrpSpPr>
+      <p:grpSpPr>
+        <a:xfrm>
+          <a:off x="0" y="0"/>
+          <a:ext cx="0" cy="0"/>
+          <a:chOff x="0" y="0"/>
+          <a:chExt cx="0" cy="0"/>
+        </a:xfrm>
+      </p:grpSpPr>
+      <p:sp>
+        <p:nvSpPr>
+          <p:cNvPr id="2" name="コンテンツ プレースホルダー 1"/>
+          <p:cNvSpPr>
+            <a:spLocks noGrp="1"/>
+          </p:cNvSpPr>
+          <p:nvPr>
+            <p:ph idx="1"/>
+          </p:nvPr>
+        </p:nvSpPr>
+        <p:spPr/>
+        <p:txBody>
+          <a:bodyPr/>
+          <a:lstStyle/>
+          <a:p>
+            <a:r>
+              <a:rPr lang="ja-JP" altLang="en-US" dirty="0" smtClean="0"/>
+              <a:t>前回まで：</a:t>
+            </a:r>
+            <a:endParaRPr lang="en-US" altLang="ja-JP" dirty="0" smtClean="0"/>
+          </a:p>
+          <a:p>
+            <a:pPr lvl="1"/>
+            <a:r>
+              <a:rPr lang="ja-JP" altLang="en-US" dirty="0" smtClean="0"/>
+              <a:t>連立型のほうが早いしデータ量少なくて済むし精度は同程度</a:t>
+            </a:r>
+            <a:endParaRPr lang="en-US" altLang="ja-JP" dirty="0" smtClean="0"/>
+          </a:p>
+          <a:p>
+            <a:pPr marL="393192" lvl="1" indent="0">
+              <a:buNone/>
+            </a:pPr>
+            <a:r>
+              <a:rPr kumimoji="1" lang="en-US" altLang="ja-JP" dirty="0" smtClean="0"/>
+              <a:t>	</a:t>
+            </a:r>
+            <a:r>
+              <a:rPr kumimoji="1" lang="ja-JP" altLang="en-US" dirty="0" smtClean="0"/>
+              <a:t>→以降は連立型を</a:t>
+            </a:r>
+            <a:r>
+              <a:rPr kumimoji="1" lang="ja-JP" altLang="en-US" dirty="0" smtClean="0"/>
+              <a:t>使用</a:t>
+            </a:r>
+            <a:endParaRPr kumimoji="1" lang="en-US" altLang="ja-JP" dirty="0" smtClean="0"/>
+          </a:p>
+          <a:p>
+            <a:endParaRPr kumimoji="1" lang="en-US" altLang="ja-JP" dirty="0" smtClean="0"/>
+          </a:p>
+          <a:p>
+            <a:r>
+              <a:rPr lang="ja-JP" altLang="en-US" dirty="0" smtClean="0"/>
+              <a:t>ゼミ</a:t>
+            </a:r>
+            <a:r>
+              <a:rPr lang="ja-JP" altLang="en-US" dirty="0"/>
+              <a:t>準備中</a:t>
+            </a:r>
+            <a:r>
+              <a:rPr lang="ja-JP" altLang="en-US" dirty="0" smtClean="0"/>
+              <a:t>に連立型の不具合と問題点が発覚</a:t>
+            </a:r>
+            <a:endParaRPr lang="en-US" altLang="ja-JP" dirty="0"/>
+          </a:p>
+          <a:p>
+            <a:pPr marL="393192" lvl="1" indent="0">
+              <a:buNone/>
+            </a:pPr>
+            <a:r>
+              <a:rPr kumimoji="1" lang="ja-JP" altLang="en-US" dirty="0" smtClean="0"/>
+              <a:t>→急遽 最急降下法で実験</a:t>
+            </a:r>
+            <a:endParaRPr kumimoji="1" lang="en-US" altLang="ja-JP" dirty="0"/>
+          </a:p>
+          <a:p>
+            <a:pPr lvl="1"/>
+            <a:r>
+              <a:rPr lang="ja-JP" altLang="en-US" dirty="0" smtClean="0"/>
+              <a:t>不具合</a:t>
+            </a:r>
+            <a:r>
+              <a:rPr lang="en-US" altLang="ja-JP" dirty="0" smtClean="0"/>
+              <a:t>	</a:t>
+            </a:r>
+            <a:r>
+              <a:rPr lang="ja-JP" altLang="en-US" dirty="0" smtClean="0"/>
+              <a:t>：初期データ量は </a:t>
+            </a:r>
+            <a:r>
+              <a:rPr lang="en-US" altLang="ja-JP" dirty="0" smtClean="0"/>
+              <a:t>10</a:t>
+            </a:r>
+            <a:r>
+              <a:rPr lang="ja-JP" altLang="en-US" dirty="0" smtClean="0"/>
+              <a:t>以上 必要</a:t>
+            </a:r>
+            <a:endParaRPr kumimoji="1" lang="en-US" altLang="ja-JP" dirty="0" smtClean="0"/>
+          </a:p>
+          <a:p>
+            <a:pPr marL="393192" lvl="1" indent="0">
+              <a:buNone/>
+            </a:pPr>
+            <a:r>
+              <a:rPr kumimoji="1" lang="en-US" altLang="ja-JP" dirty="0" smtClean="0"/>
+              <a:t>			</a:t>
+            </a:r>
+            <a:r>
+              <a:rPr kumimoji="1" lang="ja-JP" altLang="en-US" dirty="0" smtClean="0"/>
+              <a:t>→</a:t>
+            </a:r>
+            <a:r>
+              <a:rPr kumimoji="1" lang="en-US" altLang="ja-JP" dirty="0" smtClean="0"/>
+              <a:t>20</a:t>
+            </a:r>
+            <a:r>
+              <a:rPr kumimoji="1" lang="ja-JP" altLang="en-US" dirty="0" smtClean="0"/>
+              <a:t>にするとうまくいかなかった</a:t>
+            </a:r>
+            <a:endParaRPr kumimoji="1" lang="en-US" altLang="ja-JP" dirty="0" smtClean="0"/>
+          </a:p>
+          <a:p>
+            <a:pPr marL="393192" lvl="1" indent="0">
+              <a:buNone/>
+            </a:pPr>
+            <a:r>
+              <a:rPr lang="en-US" altLang="ja-JP" dirty="0"/>
+              <a:t>	</a:t>
+            </a:r>
+            <a:r>
+              <a:rPr lang="en-US" altLang="ja-JP" dirty="0" smtClean="0"/>
+              <a:t>		</a:t>
+            </a:r>
+            <a:r>
+              <a:rPr lang="ja-JP" altLang="en-US" dirty="0" smtClean="0"/>
+              <a:t>→“ぴったり</a:t>
+            </a:r>
+            <a:r>
+              <a:rPr lang="en-US" altLang="ja-JP" dirty="0" smtClean="0"/>
+              <a:t>10</a:t>
+            </a:r>
+            <a:r>
+              <a:rPr lang="ja-JP" altLang="en-US" dirty="0" smtClean="0"/>
+              <a:t>”でないとうまくいかない</a:t>
+            </a:r>
+            <a:endParaRPr kumimoji="1" lang="en-US" altLang="ja-JP" dirty="0" smtClean="0"/>
+          </a:p>
+          <a:p>
+            <a:pPr lvl="1"/>
+            <a:r>
+              <a:rPr kumimoji="1" lang="ja-JP" altLang="en-US" dirty="0" smtClean="0"/>
+              <a:t>問題点</a:t>
+            </a:r>
+            <a:r>
+              <a:rPr kumimoji="1" lang="en-US" altLang="ja-JP" dirty="0" smtClean="0"/>
+              <a:t>	</a:t>
+            </a:r>
+            <a:r>
+              <a:rPr kumimoji="1" lang="ja-JP" altLang="en-US" dirty="0" smtClean="0"/>
+              <a:t>：</a:t>
+            </a:r>
+            <a:r>
+              <a:rPr lang="ja-JP" altLang="en-US" dirty="0" smtClean="0"/>
+              <a:t>一</a:t>
+            </a:r>
+            <a:r>
+              <a:rPr lang="ja-JP" altLang="en-US" dirty="0"/>
+              <a:t>次</a:t>
+            </a:r>
+            <a:r>
+              <a:rPr lang="ja-JP" altLang="en-US" dirty="0" smtClean="0"/>
+              <a:t>独立な</a:t>
+            </a:r>
+            <a:r>
+              <a:rPr lang="en-US" altLang="ja-JP" dirty="0" smtClean="0"/>
+              <a:t>10</a:t>
+            </a:r>
+            <a:r>
+              <a:rPr lang="ja-JP" altLang="en-US" dirty="0" smtClean="0"/>
+              <a:t>データが必要</a:t>
+            </a:r>
+            <a:endParaRPr lang="en-US" altLang="ja-JP" dirty="0" smtClean="0"/>
+          </a:p>
+          <a:p>
+            <a:pPr marL="393192" lvl="1" indent="0">
+              <a:buNone/>
+            </a:pPr>
+            <a:r>
+              <a:rPr kumimoji="1" lang="en-US" altLang="ja-JP" dirty="0" smtClean="0"/>
+              <a:t>			</a:t>
+            </a:r>
+            <a:r>
+              <a:rPr kumimoji="1" lang="ja-JP" altLang="en-US" dirty="0" smtClean="0"/>
+              <a:t>→常に依存関係にある特徴量は？</a:t>
+            </a:r>
+            <a:endParaRPr kumimoji="1" lang="en-US" altLang="ja-JP" dirty="0" smtClean="0"/>
+          </a:p>
+          <a:p>
+            <a:pPr marL="393192" lvl="1" indent="0">
+              <a:buNone/>
+            </a:pPr>
+            <a:r>
+              <a:rPr lang="en-US" altLang="ja-JP" dirty="0"/>
+              <a:t>	</a:t>
+            </a:r>
+            <a:r>
+              <a:rPr lang="en-US" altLang="ja-JP" dirty="0" smtClean="0"/>
+              <a:t>		</a:t>
+            </a:r>
+            <a:r>
+              <a:rPr lang="ja-JP" altLang="en-US" dirty="0" smtClean="0"/>
+              <a:t>→卒論手法では問題なかった</a:t>
+            </a:r>
+            <a:endParaRPr kumimoji="1" lang="en-US" altLang="ja-JP" dirty="0"/>
+          </a:p>
+          <a:p>
+            <a:pPr lvl="1"/>
+            <a:endParaRPr kumimoji="1" lang="ja-JP" altLang="en-US" dirty="0"/>
+          </a:p>
+        </p:txBody>
+      </p:sp>
+      <p:sp>
+        <p:nvSpPr>
+          <p:cNvPr id="3" name="タイトル 2"/>
+          <p:cNvSpPr>
+            <a:spLocks noGrp="1"/>
+          </p:cNvSpPr>
+          <p:nvPr>
+            <p:ph type="title"/>
+          </p:nvPr>
+        </p:nvSpPr>
+        <p:spPr/>
+        <p:txBody>
+          <a:bodyPr/>
+          <a:lstStyle/>
+          <a:p>
+            <a:r>
+              <a:rPr lang="ja-JP" altLang="en-US" dirty="0"/>
+              <a:t>手法</a:t>
+            </a:r>
+            <a:r>
+              <a:rPr lang="ja-JP" altLang="en-US" dirty="0" smtClean="0"/>
+              <a:t>の</a:t>
+            </a:r>
+            <a:r>
+              <a:rPr lang="ja-JP" altLang="en-US" dirty="0"/>
+              <a:t>問題点</a:t>
+            </a:r>
+            <a:r>
+              <a:rPr lang="ja-JP" altLang="en-US" dirty="0" smtClean="0"/>
+              <a:t>の</a:t>
+            </a:r>
+            <a:r>
+              <a:rPr lang="ja-JP" altLang="en-US" dirty="0"/>
+              <a:t>考察</a:t>
+            </a:r>
+            <a:endParaRPr kumimoji="1" lang="ja-JP" altLang="en-US" dirty="0"/>
+          </a:p>
+        </p:txBody>
+      </p:sp>
+    </p:spTree>
+    <p:extLst>
+      <p:ext uri="{BB962C8B-B14F-4D97-AF65-F5344CB8AC3E}">
+        <p14:creationId xmlns:p14="http://schemas.microsoft.com/office/powerpoint/2010/main" val="212809458"/>
+      </p:ext>
+    </p:extLst>
+  </p:cSld>
+  <p:clrMapOvr>
+    <a:masterClrMapping/>
+  </p:clrMapOvr>
+</p:sld>
+</file>
+
+<file path=ppt/slides/slide42.xml><?xml version="1.0" encoding="utf-8"?>
+<p:sld xmlns:a="http://schemas.openxmlformats.org/drawingml/2006/main" xmlns:r="http://schemas.openxmlformats.org/officeDocument/2006/relationships" xmlns:p="http://schemas.openxmlformats.org/presentationml/2006/main">
+  <p:cSld>
+    <p:spTree>
+      <p:nvGrpSpPr>
+        <p:cNvPr id="1" name=""/>
+        <p:cNvGrpSpPr/>
+        <p:nvPr/>
+      </p:nvGrpSpPr>
+      <p:grpSpPr>
+        <a:xfrm>
+          <a:off x="0" y="0"/>
+          <a:ext cx="0" cy="0"/>
+          <a:chOff x="0" y="0"/>
+          <a:chExt cx="0" cy="0"/>
+        </a:xfrm>
+      </p:grpSpPr>
+      <p:sp>
+        <p:nvSpPr>
+          <p:cNvPr id="3" name="タイトル 2"/>
+          <p:cNvSpPr>
+            <a:spLocks noGrp="1"/>
+          </p:cNvSpPr>
+          <p:nvPr>
+            <p:ph type="title"/>
+          </p:nvPr>
+        </p:nvSpPr>
+        <p:spPr/>
+        <p:txBody>
+          <a:bodyPr/>
+          <a:lstStyle/>
+          <a:p>
+            <a:r>
+              <a:rPr lang="ja-JP" altLang="en-US" dirty="0"/>
+              <a:t>手法</a:t>
+            </a:r>
+            <a:r>
+              <a:rPr lang="ja-JP" altLang="en-US" dirty="0" smtClean="0"/>
+              <a:t>の</a:t>
+            </a:r>
+            <a:r>
+              <a:rPr lang="ja-JP" altLang="en-US" dirty="0"/>
+              <a:t>問題点</a:t>
+            </a:r>
+            <a:r>
+              <a:rPr lang="ja-JP" altLang="en-US" dirty="0" smtClean="0"/>
+              <a:t>の</a:t>
+            </a:r>
+            <a:r>
+              <a:rPr lang="ja-JP" altLang="en-US" dirty="0"/>
+              <a:t>考察</a:t>
+            </a:r>
+            <a:endParaRPr kumimoji="1" lang="ja-JP" altLang="en-US" dirty="0"/>
+          </a:p>
+        </p:txBody>
+      </p:sp>
+      <p:pic>
+        <p:nvPicPr>
+          <p:cNvPr id="6" name="コンテンツ プレースホルダー 5"/>
+          <p:cNvPicPr>
+            <a:picLocks noGrp="1" noChangeAspect="1"/>
+          </p:cNvPicPr>
+          <p:nvPr>
+            <p:ph idx="1"/>
+          </p:nvPr>
+        </p:nvPicPr>
+        <p:blipFill>
+          <a:blip r:embed="rId2">
+            <a:extLst>
+              <a:ext uri="{28A0092B-C50C-407E-A947-70E740481C1C}">
+                <a14:useLocalDpi xmlns:a14="http://schemas.microsoft.com/office/drawing/2010/main" val="0"/>
+              </a:ext>
+            </a:extLst>
+          </a:blip>
+          <a:stretch>
+            <a:fillRect/>
+          </a:stretch>
+        </p:blipFill>
+        <p:spPr>
+          <a:xfrm>
+            <a:off x="179512" y="2060848"/>
+            <a:ext cx="2028558" cy="1728192"/>
+          </a:xfrm>
+        </p:spPr>
+      </p:pic>
+      <p:pic>
+        <p:nvPicPr>
+          <p:cNvPr id="7" name="図 6"/>
+          <p:cNvPicPr>
+            <a:picLocks noChangeAspect="1"/>
+          </p:cNvPicPr>
+          <p:nvPr/>
+        </p:nvPicPr>
+        <p:blipFill>
+          <a:blip r:embed="rId3">
+            <a:extLst>
+              <a:ext uri="{28A0092B-C50C-407E-A947-70E740481C1C}">
+                <a14:useLocalDpi xmlns:a14="http://schemas.microsoft.com/office/drawing/2010/main" val="0"/>
+              </a:ext>
+            </a:extLst>
+          </a:blip>
+          <a:stretch>
+            <a:fillRect/>
+          </a:stretch>
+        </p:blipFill>
+        <p:spPr>
+          <a:xfrm>
+            <a:off x="2771800" y="2276872"/>
+            <a:ext cx="1944216" cy="1343527"/>
+          </a:xfrm>
+          <a:prstGeom prst="rect">
+            <a:avLst/>
+          </a:prstGeom>
+        </p:spPr>
+      </p:pic>
+      <p:pic>
+        <p:nvPicPr>
+          <p:cNvPr id="8" name="図 7"/>
+          <p:cNvPicPr>
+            <a:picLocks noChangeAspect="1"/>
+          </p:cNvPicPr>
+          <p:nvPr/>
+        </p:nvPicPr>
+        <p:blipFill>
+          <a:blip r:embed="rId4">
+            <a:extLst>
+              <a:ext uri="{28A0092B-C50C-407E-A947-70E740481C1C}">
+                <a14:useLocalDpi xmlns:a14="http://schemas.microsoft.com/office/drawing/2010/main" val="0"/>
+              </a:ext>
+            </a:extLst>
+          </a:blip>
+          <a:stretch>
+            <a:fillRect/>
+          </a:stretch>
+        </p:blipFill>
+        <p:spPr>
+          <a:xfrm>
+            <a:off x="39474" y="4221088"/>
+            <a:ext cx="2308634" cy="1914477"/>
+          </a:xfrm>
+          <a:prstGeom prst="rect">
+            <a:avLst/>
+          </a:prstGeom>
+        </p:spPr>
+      </p:pic>
+      <p:pic>
+        <p:nvPicPr>
+          <p:cNvPr id="9" name="図 8"/>
+          <p:cNvPicPr>
+            <a:picLocks noChangeAspect="1"/>
+          </p:cNvPicPr>
+          <p:nvPr/>
+        </p:nvPicPr>
+        <p:blipFill>
+          <a:blip r:embed="rId5">
+            <a:extLst>
+              <a:ext uri="{28A0092B-C50C-407E-A947-70E740481C1C}">
+                <a14:useLocalDpi xmlns:a14="http://schemas.microsoft.com/office/drawing/2010/main" val="0"/>
+              </a:ext>
+            </a:extLst>
+          </a:blip>
+          <a:stretch>
+            <a:fillRect/>
+          </a:stretch>
+        </p:blipFill>
+        <p:spPr>
+          <a:xfrm>
+            <a:off x="2771800" y="4524573"/>
+            <a:ext cx="2200155" cy="1610992"/>
+          </a:xfrm>
+          <a:prstGeom prst="rect">
+            <a:avLst/>
+          </a:prstGeom>
+        </p:spPr>
+      </p:pic>
+      <p:sp>
+        <p:nvSpPr>
+          <p:cNvPr id="10" name="右矢印 9"/>
+          <p:cNvSpPr/>
+          <p:nvPr/>
+        </p:nvSpPr>
+        <p:spPr>
+          <a:xfrm>
+            <a:off x="2348108" y="2780928"/>
+            <a:ext cx="351684" cy="432048"/>
+          </a:xfrm>
+          <a:prstGeom prst="rightArrow">
+            <a:avLst/>
+          </a:prstGeom>
+        </p:spPr>
+        <p:style>
+          <a:lnRef idx="2">
+            <a:schemeClr val="accent1">
+              <a:shade val="50000"/>
+            </a:schemeClr>
+          </a:lnRef>
+          <a:fillRef idx="1">
+            <a:schemeClr val="accent1"/>
+          </a:fillRef>
+          <a:effectRef idx="0">
+            <a:schemeClr val="accent1"/>
+          </a:effectRef>
+          <a:fontRef idx="minor">
+            <a:schemeClr val="lt1"/>
+          </a:fontRef>
+        </p:style>
+        <p:txBody>
+          <a:bodyPr rtlCol="0" anchor="ctr"/>
+          <a:lstStyle/>
+          <a:p>
+            <a:pPr algn="ctr"/>
+            <a:endParaRPr kumimoji="1" lang="ja-JP" altLang="en-US"/>
+          </a:p>
+        </p:txBody>
+      </p:sp>
+      <p:sp>
+        <p:nvSpPr>
+          <p:cNvPr id="12" name="右矢印 11"/>
+          <p:cNvSpPr/>
+          <p:nvPr/>
+        </p:nvSpPr>
+        <p:spPr>
+          <a:xfrm>
+            <a:off x="2384112" y="4962302"/>
+            <a:ext cx="351684" cy="432048"/>
+          </a:xfrm>
+          <a:prstGeom prst="rightArrow">
+            <a:avLst/>
+          </a:prstGeom>
+        </p:spPr>
+        <p:style>
+          <a:lnRef idx="2">
+            <a:schemeClr val="accent1">
+              <a:shade val="50000"/>
+            </a:schemeClr>
+          </a:lnRef>
+          <a:fillRef idx="1">
+            <a:schemeClr val="accent1"/>
+          </a:fillRef>
+          <a:effectRef idx="0">
+            <a:schemeClr val="accent1"/>
+          </a:effectRef>
+          <a:fontRef idx="minor">
+            <a:schemeClr val="lt1"/>
+          </a:fontRef>
+        </p:style>
+        <p:txBody>
+          <a:bodyPr rtlCol="0" anchor="ctr"/>
+          <a:lstStyle/>
+          <a:p>
+            <a:pPr algn="ctr"/>
+            <a:endParaRPr kumimoji="1" lang="ja-JP" altLang="en-US"/>
+          </a:p>
+        </p:txBody>
+      </p:sp>
+      <p:sp>
+        <p:nvSpPr>
+          <p:cNvPr id="13" name="右矢印 12"/>
+          <p:cNvSpPr/>
+          <p:nvPr/>
+        </p:nvSpPr>
+        <p:spPr>
+          <a:xfrm>
+            <a:off x="4979902" y="3789040"/>
+            <a:ext cx="351684" cy="432048"/>
+          </a:xfrm>
+          <a:prstGeom prst="rightArrow">
+            <a:avLst/>
+          </a:prstGeom>
+        </p:spPr>
+        <p:style>
+          <a:lnRef idx="2">
+            <a:schemeClr val="accent1">
+              <a:shade val="50000"/>
+            </a:schemeClr>
+          </a:lnRef>
+          <a:fillRef idx="1">
+            <a:schemeClr val="accent1"/>
+          </a:fillRef>
+          <a:effectRef idx="0">
+            <a:schemeClr val="accent1"/>
+          </a:effectRef>
+          <a:fontRef idx="minor">
+            <a:schemeClr val="lt1"/>
+          </a:fontRef>
+        </p:style>
+        <p:txBody>
+          <a:bodyPr rtlCol="0" anchor="ctr"/>
+          <a:lstStyle/>
+          <a:p>
+            <a:pPr algn="ctr"/>
+            <a:endParaRPr kumimoji="1" lang="ja-JP" altLang="en-US"/>
+          </a:p>
+        </p:txBody>
+      </p:sp>
+      <p:sp>
+        <p:nvSpPr>
+          <p:cNvPr id="14" name="テキスト ボックス 13"/>
+          <p:cNvSpPr txBox="1"/>
+          <p:nvPr/>
+        </p:nvSpPr>
+        <p:spPr>
+          <a:xfrm>
+            <a:off x="5508104" y="2492896"/>
+            <a:ext cx="3456384" cy="2862322"/>
+          </a:xfrm>
+          <a:prstGeom prst="rect">
+            <a:avLst/>
+          </a:prstGeom>
+          <a:noFill/>
+        </p:spPr>
+        <p:txBody>
+          <a:bodyPr wrap="square" rtlCol="0">
+            <a:spAutoFit/>
+          </a:bodyPr>
+          <a:lstStyle/>
+          <a:p>
+            <a:r>
+              <a:rPr kumimoji="1" lang="ja-JP" altLang="en-US" dirty="0" smtClean="0"/>
+              <a:t>・緑の位置は関係ない</a:t>
+            </a:r>
+            <a:endParaRPr kumimoji="1" lang="en-US" altLang="ja-JP" dirty="0" smtClean="0"/>
+          </a:p>
+          <a:p>
+            <a:endParaRPr kumimoji="1" lang="en-US" altLang="ja-JP" dirty="0"/>
+          </a:p>
+          <a:p>
+            <a:r>
+              <a:rPr kumimoji="1" lang="ja-JP" altLang="en-US" dirty="0" smtClean="0"/>
+              <a:t>・青の左？　黄色の左？</a:t>
+            </a:r>
+            <a:endParaRPr kumimoji="1" lang="en-US" altLang="ja-JP" dirty="0" smtClean="0"/>
+          </a:p>
+          <a:p>
+            <a:r>
+              <a:rPr kumimoji="1" lang="ja-JP" altLang="en-US" dirty="0" smtClean="0"/>
+              <a:t>→青と黄色が常にこの並びだと</a:t>
+            </a:r>
+            <a:endParaRPr kumimoji="1" lang="en-US" altLang="ja-JP" dirty="0" smtClean="0"/>
+          </a:p>
+          <a:p>
+            <a:r>
+              <a:rPr kumimoji="1" lang="ja-JP" altLang="en-US" dirty="0"/>
+              <a:t>　</a:t>
+            </a:r>
+            <a:r>
+              <a:rPr kumimoji="1" lang="ja-JP" altLang="en-US" dirty="0" smtClean="0"/>
+              <a:t>　単純な連立型では解けない</a:t>
+            </a:r>
+            <a:endParaRPr kumimoji="1" lang="en-US" altLang="ja-JP" dirty="0" smtClean="0"/>
+          </a:p>
+          <a:p>
+            <a:endParaRPr kumimoji="1" lang="en-US" altLang="ja-JP" dirty="0"/>
+          </a:p>
+          <a:p>
+            <a:r>
+              <a:rPr kumimoji="1" lang="ja-JP" altLang="en-US" dirty="0" smtClean="0"/>
+              <a:t>卒論手法は最尤推定なので</a:t>
+            </a:r>
+            <a:endParaRPr kumimoji="1" lang="en-US" altLang="ja-JP" dirty="0" smtClean="0"/>
+          </a:p>
+          <a:p>
+            <a:r>
+              <a:rPr kumimoji="1" lang="ja-JP" altLang="en-US" dirty="0" smtClean="0"/>
+              <a:t>“青の左”か“黄色の左”の</a:t>
+            </a:r>
+            <a:endParaRPr kumimoji="1" lang="en-US" altLang="ja-JP" dirty="0" smtClean="0"/>
+          </a:p>
+          <a:p>
+            <a:r>
+              <a:rPr kumimoji="1" lang="ja-JP" altLang="en-US" dirty="0" smtClean="0"/>
+              <a:t>どちらかになる</a:t>
+            </a:r>
+            <a:endParaRPr kumimoji="1" lang="en-US" altLang="ja-JP" dirty="0" smtClean="0"/>
+          </a:p>
+          <a:p>
+            <a:r>
+              <a:rPr kumimoji="1" lang="ja-JP" altLang="en-US" dirty="0" smtClean="0"/>
+              <a:t>→どっちでも正解なので問題ない</a:t>
+            </a:r>
+            <a:endParaRPr kumimoji="1" lang="en-US" altLang="ja-JP" dirty="0"/>
+          </a:p>
+        </p:txBody>
+      </p:sp>
+      <p:sp>
+        <p:nvSpPr>
+          <p:cNvPr id="15" name="テキスト ボックス 14"/>
+          <p:cNvSpPr txBox="1"/>
+          <p:nvPr/>
+        </p:nvSpPr>
+        <p:spPr>
+          <a:xfrm>
+            <a:off x="179512" y="1367190"/>
+            <a:ext cx="2952328" cy="523220"/>
+          </a:xfrm>
+          <a:prstGeom prst="rect">
+            <a:avLst/>
+          </a:prstGeom>
+          <a:noFill/>
+        </p:spPr>
+        <p:txBody>
+          <a:bodyPr wrap="square" rtlCol="0">
+            <a:spAutoFit/>
+          </a:bodyPr>
+          <a:lstStyle/>
+          <a:p>
+            <a:r>
+              <a:rPr kumimoji="1" lang="ja-JP" altLang="en-US" sz="2800" dirty="0" smtClean="0"/>
+              <a:t>問題点</a:t>
+            </a:r>
+            <a:endParaRPr kumimoji="1" lang="ja-JP" altLang="en-US" sz="2800" dirty="0"/>
+          </a:p>
+        </p:txBody>
+      </p:sp>
+    </p:spTree>
+    <p:extLst>
+      <p:ext uri="{BB962C8B-B14F-4D97-AF65-F5344CB8AC3E}">
+        <p14:creationId xmlns:p14="http://schemas.microsoft.com/office/powerpoint/2010/main" val="1198308981"/>
+      </p:ext>
+    </p:extLst>
+  </p:cSld>
+  <p:clrMapOvr>
+    <a:masterClrMapping/>
+  </p:clrMapOvr>
+</p:sld>
+</file>
+
+<file path=ppt/slides/slide43.xml><?xml version="1.0" encoding="utf-8"?>
+<p:sld xmlns:a="http://schemas.openxmlformats.org/drawingml/2006/main" xmlns:r="http://schemas.openxmlformats.org/officeDocument/2006/relationships" xmlns:p="http://schemas.openxmlformats.org/presentationml/2006/main">
+  <p:cSld>
+    <p:spTree>
+      <p:nvGrpSpPr>
+        <p:cNvPr id="1" name=""/>
+        <p:cNvGrpSpPr/>
+        <p:nvPr/>
+      </p:nvGrpSpPr>
+      <p:grpSpPr>
+        <a:xfrm>
+          <a:off x="0" y="0"/>
+          <a:ext cx="0" cy="0"/>
+          <a:chOff x="0" y="0"/>
+          <a:chExt cx="0" cy="0"/>
+        </a:xfrm>
+      </p:grpSpPr>
+      <p:sp>
+        <p:nvSpPr>
+          <p:cNvPr id="2" name="コンテンツ プレースホルダー 1"/>
+          <p:cNvSpPr>
+            <a:spLocks noGrp="1"/>
+          </p:cNvSpPr>
+          <p:nvPr>
+            <p:ph idx="1"/>
+          </p:nvPr>
+        </p:nvSpPr>
+        <p:spPr/>
+        <p:txBody>
+          <a:bodyPr/>
+          <a:lstStyle/>
+          <a:p>
+            <a:r>
+              <a:rPr kumimoji="1" lang="ja-JP" altLang="en-US" dirty="0" smtClean="0"/>
+              <a:t>“どっちでも問題ない”という前提</a:t>
+            </a:r>
+            <a:endParaRPr kumimoji="1" lang="en-US" altLang="ja-JP" dirty="0" smtClean="0"/>
+          </a:p>
+          <a:p>
+            <a:pPr lvl="1"/>
+            <a:r>
+              <a:rPr lang="ja-JP" altLang="en-US" dirty="0" smtClean="0"/>
+              <a:t>常に他方に依存する（情報量を持たない）特徴量を無視した連立型にする必要がある</a:t>
+            </a:r>
+            <a:endParaRPr lang="en-US" altLang="ja-JP" dirty="0" smtClean="0"/>
+          </a:p>
+          <a:p>
+            <a:pPr marL="393192" lvl="1" indent="0">
+              <a:buNone/>
+            </a:pPr>
+            <a:r>
+              <a:rPr lang="en-US" altLang="ja-JP" dirty="0" smtClean="0"/>
+              <a:t>	</a:t>
+            </a:r>
+            <a:r>
+              <a:rPr lang="ja-JP" altLang="en-US" dirty="0" smtClean="0"/>
+              <a:t>→主成分分析でうまくいくかも？</a:t>
+            </a:r>
+            <a:endParaRPr lang="en-US" altLang="ja-JP" dirty="0" smtClean="0"/>
+          </a:p>
+          <a:p>
+            <a:pPr marL="393192" lvl="1" indent="0">
+              <a:buNone/>
+            </a:pPr>
+            <a:r>
+              <a:rPr lang="en-US" altLang="ja-JP" dirty="0"/>
+              <a:t>	</a:t>
+            </a:r>
+            <a:r>
+              <a:rPr lang="ja-JP" altLang="en-US" dirty="0" smtClean="0"/>
+              <a:t>→主成分分析は処理時間の短縮にはなっても</a:t>
+            </a:r>
+            <a:endParaRPr lang="en-US" altLang="ja-JP" dirty="0" smtClean="0"/>
+          </a:p>
+          <a:p>
+            <a:pPr marL="393192" lvl="1" indent="0">
+              <a:buNone/>
+            </a:pPr>
+            <a:r>
+              <a:rPr lang="en-US" altLang="ja-JP" dirty="0"/>
+              <a:t>	</a:t>
+            </a:r>
+            <a:r>
+              <a:rPr lang="ja-JP" altLang="en-US" dirty="0" smtClean="0"/>
+              <a:t>　必要データ量の削減にはならない？</a:t>
+            </a:r>
+            <a:endParaRPr lang="en-US" altLang="ja-JP" dirty="0"/>
+          </a:p>
+          <a:p>
+            <a:pPr lvl="1"/>
+            <a:r>
+              <a:rPr lang="ja-JP" altLang="en-US" dirty="0" smtClean="0"/>
+              <a:t>これは教示者の“意図”を把握できている？</a:t>
+            </a:r>
+            <a:endParaRPr lang="en-US" altLang="ja-JP" dirty="0" smtClean="0"/>
+          </a:p>
+          <a:p>
+            <a:pPr lvl="2"/>
+            <a:r>
+              <a:rPr lang="ja-JP" altLang="en-US" dirty="0" smtClean="0"/>
+              <a:t>“等間隔で赤，青，黄色”は青と黄色が動かないなら</a:t>
+            </a:r>
+            <a:endParaRPr lang="en-US" altLang="ja-JP" dirty="0" smtClean="0"/>
+          </a:p>
+          <a:p>
+            <a:pPr marL="630936" lvl="2" indent="0">
+              <a:buNone/>
+            </a:pPr>
+            <a:r>
+              <a:rPr lang="en-US" altLang="ja-JP" dirty="0" smtClean="0"/>
+              <a:t>	</a:t>
+            </a:r>
+            <a:r>
+              <a:rPr lang="ja-JP" altLang="en-US" dirty="0" smtClean="0"/>
+              <a:t>“赤を青の左”や“黄色の左”でも同じこと</a:t>
+            </a:r>
+            <a:endParaRPr lang="en-US" altLang="ja-JP" dirty="0"/>
+          </a:p>
+          <a:p>
+            <a:pPr lvl="2"/>
+            <a:r>
+              <a:rPr lang="ja-JP" altLang="en-US" dirty="0" smtClean="0"/>
+              <a:t>人でも区別不可能</a:t>
+            </a:r>
+            <a:endParaRPr lang="en-US" altLang="ja-JP" dirty="0" smtClean="0"/>
+          </a:p>
+          <a:p>
+            <a:pPr marL="630936" lvl="2" indent="0">
+              <a:buNone/>
+            </a:pPr>
+            <a:r>
+              <a:rPr lang="en-US" altLang="ja-JP" dirty="0"/>
+              <a:t>	</a:t>
+            </a:r>
+            <a:r>
+              <a:rPr lang="ja-JP" altLang="en-US" dirty="0" smtClean="0"/>
+              <a:t>→自然な前提とする</a:t>
+            </a:r>
+            <a:endParaRPr lang="en-US" altLang="ja-JP" dirty="0" smtClean="0"/>
+          </a:p>
+        </p:txBody>
+      </p:sp>
+      <p:sp>
+        <p:nvSpPr>
+          <p:cNvPr id="3" name="タイトル 2"/>
+          <p:cNvSpPr>
+            <a:spLocks noGrp="1"/>
+          </p:cNvSpPr>
+          <p:nvPr>
+            <p:ph type="title"/>
+          </p:nvPr>
+        </p:nvSpPr>
+        <p:spPr/>
+        <p:txBody>
+          <a:bodyPr/>
+          <a:lstStyle/>
+          <a:p>
+            <a:r>
+              <a:rPr kumimoji="1" lang="ja-JP" altLang="en-US" dirty="0" smtClean="0"/>
+              <a:t>手法の問題点の考察</a:t>
+            </a:r>
+            <a:endParaRPr kumimoji="1" lang="ja-JP" altLang="en-US" dirty="0"/>
+          </a:p>
+        </p:txBody>
+      </p:sp>
+    </p:spTree>
+    <p:extLst>
+      <p:ext uri="{BB962C8B-B14F-4D97-AF65-F5344CB8AC3E}">
+        <p14:creationId xmlns:p14="http://schemas.microsoft.com/office/powerpoint/2010/main" val="2943883203"/>
+      </p:ext>
+    </p:extLst>
+  </p:cSld>
+  <p:clrMapOvr>
+    <a:masterClrMapping/>
+  </p:clrMapOvr>
+</p:sld>
+</file>
+
+<file path=ppt/slides/slide44.xml><?xml version="1.0" encoding="utf-8"?>
+<p:sld xmlns:a="http://schemas.openxmlformats.org/drawingml/2006/main" xmlns:r="http://schemas.openxmlformats.org/officeDocument/2006/relationships" xmlns:p="http://schemas.openxmlformats.org/presentationml/2006/main">
+  <p:cSld>
+    <p:spTree>
+      <p:nvGrpSpPr>
+        <p:cNvPr id="1" name=""/>
+        <p:cNvGrpSpPr/>
+        <p:nvPr/>
+      </p:nvGrpSpPr>
+      <p:grpSpPr>
+        <a:xfrm>
+          <a:off x="0" y="0"/>
+          <a:ext cx="0" cy="0"/>
+          <a:chOff x="0" y="0"/>
+          <a:chExt cx="0" cy="0"/>
+        </a:xfrm>
+      </p:grpSpPr>
+      <p:sp>
+        <p:nvSpPr>
+          <p:cNvPr id="2" name="コンテンツ プレースホルダー 1"/>
+          <p:cNvSpPr>
+            <a:spLocks noGrp="1"/>
+          </p:cNvSpPr>
+          <p:nvPr>
+            <p:ph idx="1"/>
+          </p:nvPr>
+        </p:nvSpPr>
+        <p:spPr/>
+        <p:txBody>
+          <a:bodyPr/>
+          <a:lstStyle/>
+          <a:p>
+            <a:r>
+              <a:rPr kumimoji="1" lang="ja-JP" altLang="en-US" dirty="0" smtClean="0"/>
+              <a:t>主成分分析による特徴量の削減を試す</a:t>
+            </a:r>
+            <a:endParaRPr kumimoji="1" lang="en-US" altLang="ja-JP" dirty="0" smtClean="0"/>
+          </a:p>
+          <a:p>
+            <a:r>
+              <a:rPr lang="ja-JP" altLang="en-US" dirty="0" smtClean="0"/>
+              <a:t>特徴量を増減させて実験してみる</a:t>
+            </a:r>
+            <a:endParaRPr lang="en-US" altLang="ja-JP" dirty="0" smtClean="0"/>
+          </a:p>
+          <a:p>
+            <a:pPr lvl="1"/>
+            <a:r>
+              <a:rPr kumimoji="1" lang="ja-JP" altLang="en-US" dirty="0" smtClean="0"/>
+              <a:t>“そもそも特徴量が少ないならデータ量は少なくて済むのか？”を考察</a:t>
+            </a:r>
+            <a:endParaRPr kumimoji="1" lang="en-US" altLang="ja-JP" dirty="0" smtClean="0"/>
+          </a:p>
+          <a:p>
+            <a:r>
+              <a:rPr lang="ja-JP" altLang="en-US" dirty="0" smtClean="0"/>
+              <a:t>連立型の不具合（初期データ量依存）を考察，修正</a:t>
+            </a:r>
+            <a:endParaRPr kumimoji="1" lang="ja-JP" altLang="en-US" dirty="0"/>
+          </a:p>
+        </p:txBody>
+      </p:sp>
+      <p:sp>
+        <p:nvSpPr>
+          <p:cNvPr id="3" name="タイトル 2"/>
+          <p:cNvSpPr>
+            <a:spLocks noGrp="1"/>
+          </p:cNvSpPr>
+          <p:nvPr>
+            <p:ph type="title"/>
+          </p:nvPr>
+        </p:nvSpPr>
+        <p:spPr/>
+        <p:txBody>
+          <a:bodyPr/>
+          <a:lstStyle/>
+          <a:p>
+            <a:r>
+              <a:rPr lang="ja-JP" altLang="en-US" dirty="0"/>
+              <a:t>今後</a:t>
+            </a:r>
+            <a:r>
+              <a:rPr lang="ja-JP" altLang="en-US" dirty="0" smtClean="0"/>
+              <a:t>の</a:t>
+            </a:r>
+            <a:r>
+              <a:rPr lang="ja-JP" altLang="en-US" dirty="0"/>
+              <a:t>課題</a:t>
+            </a:r>
+            <a:endParaRPr kumimoji="1" lang="ja-JP" altLang="en-US" dirty="0"/>
+          </a:p>
+        </p:txBody>
+      </p:sp>
+    </p:spTree>
+    <p:extLst>
+      <p:ext uri="{BB962C8B-B14F-4D97-AF65-F5344CB8AC3E}">
+        <p14:creationId xmlns:p14="http://schemas.microsoft.com/office/powerpoint/2010/main" val="1873459520"/>
+      </p:ext>
+    </p:extLst>
+  </p:cSld>
+  <p:clrMapOvr>
+    <a:masterClrMapping/>
+  </p:clrMapOvr>
 </p:sld>
 </file>
 

--- a/IntentionLearning_v2/slide/discussion2016.pptx
+++ b/IntentionLearning_v2/slide/discussion2016.pptx
@@ -5,7 +5,7 @@
     <p:sldMasterId id="2147483658" r:id="rId2"/>
   </p:sldMasterIdLst>
   <p:notesMasterIdLst>
-    <p:notesMasterId r:id="rId47"/>
+    <p:notesMasterId r:id="rId60"/>
   </p:notesMasterIdLst>
   <p:sldIdLst>
     <p:sldId id="256" r:id="rId3"/>
@@ -52,6 +52,19 @@
     <p:sldId id="304" r:id="rId44"/>
     <p:sldId id="305" r:id="rId45"/>
     <p:sldId id="306" r:id="rId46"/>
+    <p:sldId id="307" r:id="rId47"/>
+    <p:sldId id="308" r:id="rId48"/>
+    <p:sldId id="309" r:id="rId49"/>
+    <p:sldId id="310" r:id="rId50"/>
+    <p:sldId id="311" r:id="rId51"/>
+    <p:sldId id="313" r:id="rId52"/>
+    <p:sldId id="314" r:id="rId53"/>
+    <p:sldId id="312" r:id="rId54"/>
+    <p:sldId id="315" r:id="rId55"/>
+    <p:sldId id="316" r:id="rId56"/>
+    <p:sldId id="317" r:id="rId57"/>
+    <p:sldId id="318" r:id="rId58"/>
+    <p:sldId id="319" r:id="rId59"/>
   </p:sldIdLst>
   <p:sldSz cx="9144000" cy="6858000" type="screen4x3"/>
   <p:notesSz cx="6858000" cy="9144000"/>
@@ -184,6 +197,7 @@
   </mc:AlternateContent>
   <c:chart>
     <c:title>
+      <c:layout/>
       <c:overlay val="0"/>
       <c:spPr>
         <a:noFill/>
@@ -380,6 +394,7 @@
               </a:p>
             </c:rich>
           </c:tx>
+          <c:layout/>
           <c:overlay val="0"/>
           <c:spPr>
             <a:noFill/>
@@ -501,6 +516,7 @@
               </a:p>
             </c:rich>
           </c:tx>
+          <c:layout/>
           <c:overlay val="0"/>
           <c:spPr>
             <a:noFill/>
@@ -3577,6 +3593,7 @@
           </a:p>
         </c:rich>
       </c:tx>
+      <c:layout/>
       <c:overlay val="0"/>
       <c:spPr>
         <a:noFill/>
@@ -3893,6 +3910,7 @@
     </c:plotArea>
     <c:legend>
       <c:legendPos val="b"/>
+      <c:layout/>
       <c:overlay val="0"/>
       <c:spPr>
         <a:noFill/>
@@ -4002,6 +4020,7 @@
           </a:p>
         </c:rich>
       </c:tx>
+      <c:layout/>
       <c:overlay val="0"/>
       <c:spPr>
         <a:noFill/>
@@ -4466,6 +4485,7 @@
     </c:plotArea>
     <c:legend>
       <c:legendPos val="b"/>
+      <c:layout/>
       <c:overlay val="0"/>
       <c:spPr>
         <a:noFill/>
@@ -10067,7 +10087,7 @@
             <a:fld id="{3842907C-D0AA-4C58-9F94-58B40AD65B29}" type="datetimeFigureOut">
               <a:rPr lang="ja-JP" altLang="en-US"/>
               <a:pPr/>
-              <a:t>2016/6/23</a:t>
+              <a:t>2016/6/29</a:t>
             </a:fld>
             <a:endParaRPr kumimoji="1" lang="ja-JP"/>
           </a:p>
@@ -11131,7 +11151,7 @@
             <a:fld id="{E6E13C79-1C97-4B32-B2AE-1A69C169643E}" type="datetime2">
               <a:rPr lang="ja-JP" altLang="en-US"/>
               <a:pPr/>
-              <a:t>2016年6月23日(木)</a:t>
+              <a:t>2016年6月29日(水)</a:t>
             </a:fld>
             <a:endParaRPr kumimoji="1" lang="ja-JP">
               <a:solidFill>
@@ -11369,7 +11389,7 @@
             <a:fld id="{D10E14BF-C004-4398-9186-5EE680724D95}" type="datetime2">
               <a:rPr lang="ja-JP" altLang="en-US"/>
               <a:pPr/>
-              <a:t>2016年6月23日(木)</a:t>
+              <a:t>2016年6月29日(水)</a:t>
             </a:fld>
             <a:endParaRPr kumimoji="1" lang="ja-JP"/>
           </a:p>
@@ -11584,7 +11604,7 @@
             <a:fld id="{D10E14BF-C004-4398-9186-5EE680724D95}" type="datetime2">
               <a:rPr lang="ja-JP" altLang="en-US"/>
               <a:pPr/>
-              <a:t>2016年6月23日(木)</a:t>
+              <a:t>2016年6月29日(水)</a:t>
             </a:fld>
             <a:endParaRPr kumimoji="1" lang="ja-JP"/>
           </a:p>
@@ -11776,7 +11796,7 @@
             <a:fld id="{227FEF5B-F2CC-4EC5-8F1F-29A8BF9EFFA9}" type="datetime2">
               <a:rPr lang="ja-JP" altLang="en-US"/>
               <a:pPr/>
-              <a:t>2016年6月23日(木)</a:t>
+              <a:t>2016年6月29日(水)</a:t>
             </a:fld>
             <a:endParaRPr kumimoji="1" lang="ja-JP"/>
           </a:p>
@@ -12040,7 +12060,7 @@
             <a:fld id="{5F4709C1-563D-4D9C-B702-B64C84A5A174}" type="datetime2">
               <a:rPr lang="ja-JP" altLang="en-US"/>
               <a:pPr/>
-              <a:t>2016年6月23日(木)</a:t>
+              <a:t>2016年6月29日(水)</a:t>
             </a:fld>
             <a:endParaRPr kumimoji="1" lang="ja-JP"/>
           </a:p>
@@ -12500,7 +12520,7 @@
             <a:fld id="{2E8303D9-A6EB-41FB-BF22-3F49E470997E}" type="datetime2">
               <a:rPr lang="ja-JP" altLang="en-US"/>
               <a:pPr/>
-              <a:t>2016年6月23日(木)</a:t>
+              <a:t>2016年6月29日(水)</a:t>
             </a:fld>
             <a:endParaRPr kumimoji="1" lang="ja-JP"/>
           </a:p>
@@ -12999,7 +13019,7 @@
             <a:fld id="{89BB0534-5698-4F62-9CFE-5DE61A073E78}" type="datetime2">
               <a:rPr lang="ja-JP" altLang="en-US"/>
               <a:pPr/>
-              <a:t>2016年6月23日(木)</a:t>
+              <a:t>2016年6月29日(水)</a:t>
             </a:fld>
             <a:endParaRPr kumimoji="1" lang="ja-JP"/>
           </a:p>
@@ -13091,7 +13111,7 @@
             <a:fld id="{084827A3-B249-4F87-AB1A-1E06AC1AA2A4}" type="datetime2">
               <a:rPr lang="ja-JP" altLang="en-US"/>
               <a:pPr/>
-              <a:t>2016年6月23日(木)</a:t>
+              <a:t>2016年6月29日(水)</a:t>
             </a:fld>
             <a:endParaRPr kumimoji="1" lang="ja-JP"/>
           </a:p>
@@ -13206,7 +13226,7 @@
             <a:fld id="{B1546142-29B2-49CC-BCC6-A3AD70B4960E}" type="datetime2">
               <a:rPr lang="ja-JP" altLang="en-US"/>
               <a:pPr/>
-              <a:t>2016年6月23日(木)</a:t>
+              <a:t>2016年6月29日(水)</a:t>
             </a:fld>
             <a:endParaRPr kumimoji="1" lang="ja-JP"/>
           </a:p>
@@ -13503,7 +13523,7 @@
             <a:fld id="{E86C4691-4882-40A8-AF62-8CF6A18D40B2}" type="datetime2">
               <a:rPr lang="ja-JP" altLang="en-US"/>
               <a:pPr/>
-              <a:t>2016年6月23日(木)</a:t>
+              <a:t>2016年6月29日(水)</a:t>
             </a:fld>
             <a:endParaRPr kumimoji="1" lang="ja-JP"/>
           </a:p>
@@ -13701,7 +13721,7 @@
             <a:fld id="{61C6776A-4DEC-47EE-8A49-2C150ECB5465}" type="datetime2">
               <a:rPr lang="ja-JP" altLang="en-US"/>
               <a:pPr/>
-              <a:t>2016年6月23日(木)</a:t>
+              <a:t>2016年6月29日(水)</a:t>
             </a:fld>
             <a:endParaRPr kumimoji="1" lang="ja-JP">
               <a:solidFill>
@@ -14830,7 +14850,7 @@
             <a:fld id="{D10E14BF-C004-4398-9186-5EE680724D95}" type="datetime2">
               <a:rPr lang="ja-JP" altLang="en-US"/>
               <a:pPr/>
-              <a:t>2016年6月23日(木)</a:t>
+              <a:t>2016年6月29日(水)</a:t>
             </a:fld>
             <a:endParaRPr kumimoji="1" lang="ja-JP" sz="1000">
               <a:solidFill>
@@ -23403,15 +23423,7 @@
             </a:r>
             <a:r>
               <a:rPr lang="ja-JP" altLang="en-US" smtClean="0"/>
-              <a:t>の</a:t>
-            </a:r>
-            <a:r>
-              <a:rPr lang="ja-JP" altLang="en-US" smtClean="0"/>
-              <a:t>不具合</a:t>
-            </a:r>
-            <a:r>
-              <a:rPr lang="ja-JP" altLang="en-US" smtClean="0"/>
-              <a:t>と問題点</a:t>
+              <a:t>の不具合と問題点</a:t>
             </a:r>
             <a:endParaRPr kumimoji="1" lang="en-US" altLang="ja-JP" dirty="0" smtClean="0"/>
           </a:p>
@@ -25802,11 +25814,7 @@
             </a:r>
             <a:r>
               <a:rPr kumimoji="1" lang="ja-JP" altLang="en-US" dirty="0" smtClean="0"/>
-              <a:t>→以降は連立型を</a:t>
-            </a:r>
-            <a:r>
-              <a:rPr kumimoji="1" lang="ja-JP" altLang="en-US" dirty="0" smtClean="0"/>
-              <a:t>使用</a:t>
+              <a:t>→以降は連立型を使用</a:t>
             </a:r>
             <a:endParaRPr kumimoji="1" lang="en-US" altLang="ja-JP" dirty="0" smtClean="0"/>
           </a:p>
@@ -26747,6 +26755,937 @@
 </p:sld>
 </file>
 
+<file path=ppt/slides/slide45.xml><?xml version="1.0" encoding="utf-8"?>
+<p:sld xmlns:a="http://schemas.openxmlformats.org/drawingml/2006/main" xmlns:r="http://schemas.openxmlformats.org/officeDocument/2006/relationships" xmlns:p="http://schemas.openxmlformats.org/presentationml/2006/main">
+  <p:cSld>
+    <p:spTree>
+      <p:nvGrpSpPr>
+        <p:cNvPr id="1" name=""/>
+        <p:cNvGrpSpPr/>
+        <p:nvPr/>
+      </p:nvGrpSpPr>
+      <p:grpSpPr>
+        <a:xfrm>
+          <a:off x="0" y="0"/>
+          <a:ext cx="0" cy="0"/>
+          <a:chOff x="0" y="0"/>
+          <a:chExt cx="0" cy="0"/>
+        </a:xfrm>
+      </p:grpSpPr>
+      <p:sp>
+        <p:nvSpPr>
+          <p:cNvPr id="2" name="コンテンツ プレースホルダー 1"/>
+          <p:cNvSpPr>
+            <a:spLocks noGrp="1"/>
+          </p:cNvSpPr>
+          <p:nvPr>
+            <p:ph idx="1"/>
+          </p:nvPr>
+        </p:nvSpPr>
+        <p:spPr/>
+        <p:txBody>
+          <a:bodyPr/>
+          <a:lstStyle/>
+          <a:p>
+            <a:r>
+              <a:rPr kumimoji="1" lang="ja-JP" altLang="en-US" dirty="0" smtClean="0"/>
+              <a:t>近況報告</a:t>
+            </a:r>
+            <a:endParaRPr kumimoji="1" lang="en-US" altLang="ja-JP" dirty="0" smtClean="0"/>
+          </a:p>
+          <a:p>
+            <a:pPr lvl="1"/>
+            <a:r>
+              <a:rPr lang="ja-JP" altLang="en-US" dirty="0" smtClean="0"/>
+              <a:t>連立</a:t>
+            </a:r>
+            <a:r>
+              <a:rPr lang="ja-JP" altLang="en-US" dirty="0"/>
+              <a:t>型</a:t>
+            </a:r>
+            <a:r>
+              <a:rPr lang="ja-JP" altLang="en-US" dirty="0" smtClean="0"/>
+              <a:t>の不具合，問題点の考察</a:t>
+            </a:r>
+            <a:endParaRPr lang="en-US" altLang="ja-JP" dirty="0" smtClean="0"/>
+          </a:p>
+          <a:p>
+            <a:pPr lvl="2"/>
+            <a:r>
+              <a:rPr kumimoji="1" lang="ja-JP" altLang="en-US" dirty="0"/>
+              <a:t>手法</a:t>
+            </a:r>
+            <a:r>
+              <a:rPr kumimoji="1" lang="ja-JP" altLang="en-US" dirty="0" smtClean="0"/>
+              <a:t>の変更</a:t>
+            </a:r>
+            <a:endParaRPr kumimoji="1" lang="en-US" altLang="ja-JP" dirty="0" smtClean="0"/>
+          </a:p>
+          <a:p>
+            <a:pPr lvl="1"/>
+            <a:r>
+              <a:rPr lang="ja-JP" altLang="en-US" dirty="0" smtClean="0"/>
+              <a:t>特徴量</a:t>
+            </a:r>
+            <a:r>
+              <a:rPr lang="ja-JP" altLang="en-US" dirty="0"/>
+              <a:t>削減</a:t>
+            </a:r>
+            <a:r>
+              <a:rPr lang="ja-JP" altLang="en-US" dirty="0" smtClean="0"/>
+              <a:t>に関する考察</a:t>
+            </a:r>
+            <a:endParaRPr kumimoji="1" lang="ja-JP" altLang="en-US" dirty="0"/>
+          </a:p>
+        </p:txBody>
+      </p:sp>
+      <p:sp>
+        <p:nvSpPr>
+          <p:cNvPr id="3" name="タイトル 2"/>
+          <p:cNvSpPr>
+            <a:spLocks noGrp="1"/>
+          </p:cNvSpPr>
+          <p:nvPr>
+            <p:ph type="title"/>
+          </p:nvPr>
+        </p:nvSpPr>
+        <p:spPr/>
+        <p:txBody>
+          <a:bodyPr/>
+          <a:lstStyle/>
+          <a:p>
+            <a:r>
+              <a:rPr kumimoji="1" lang="ja-JP" altLang="en-US" dirty="0" smtClean="0"/>
+              <a:t>～</a:t>
+            </a:r>
+            <a:r>
+              <a:rPr kumimoji="1" lang="en-US" altLang="ja-JP" dirty="0" smtClean="0"/>
+              <a:t>2016/ 6/30</a:t>
+            </a:r>
+            <a:endParaRPr kumimoji="1" lang="ja-JP" altLang="en-US" dirty="0"/>
+          </a:p>
+        </p:txBody>
+      </p:sp>
+    </p:spTree>
+    <p:extLst>
+      <p:ext uri="{BB962C8B-B14F-4D97-AF65-F5344CB8AC3E}">
+        <p14:creationId xmlns:p14="http://schemas.microsoft.com/office/powerpoint/2010/main" val="4288501271"/>
+      </p:ext>
+    </p:extLst>
+  </p:cSld>
+  <p:clrMapOvr>
+    <a:masterClrMapping/>
+  </p:clrMapOvr>
+</p:sld>
+</file>
+
+<file path=ppt/slides/slide46.xml><?xml version="1.0" encoding="utf-8"?>
+<p:sld xmlns:a="http://schemas.openxmlformats.org/drawingml/2006/main" xmlns:r="http://schemas.openxmlformats.org/officeDocument/2006/relationships" xmlns:p="http://schemas.openxmlformats.org/presentationml/2006/main">
+  <p:cSld>
+    <p:spTree>
+      <p:nvGrpSpPr>
+        <p:cNvPr id="1" name=""/>
+        <p:cNvGrpSpPr/>
+        <p:nvPr/>
+      </p:nvGrpSpPr>
+      <p:grpSpPr>
+        <a:xfrm>
+          <a:off x="0" y="0"/>
+          <a:ext cx="0" cy="0"/>
+          <a:chOff x="0" y="0"/>
+          <a:chExt cx="0" cy="0"/>
+        </a:xfrm>
+      </p:grpSpPr>
+      <p:sp>
+        <p:nvSpPr>
+          <p:cNvPr id="2" name="コンテンツ プレースホルダー 1"/>
+          <p:cNvSpPr>
+            <a:spLocks noGrp="1"/>
+          </p:cNvSpPr>
+          <p:nvPr>
+            <p:ph idx="1"/>
+          </p:nvPr>
+        </p:nvSpPr>
+        <p:spPr/>
+        <p:txBody>
+          <a:bodyPr/>
+          <a:lstStyle/>
+          <a:p>
+            <a:r>
+              <a:rPr kumimoji="1" lang="ja-JP" altLang="en-US" dirty="0" smtClean="0"/>
+              <a:t>前回まで</a:t>
+            </a:r>
+            <a:endParaRPr kumimoji="1" lang="en-US" altLang="ja-JP" dirty="0" smtClean="0"/>
+          </a:p>
+          <a:p>
+            <a:pPr lvl="1"/>
+            <a:r>
+              <a:rPr lang="ja-JP" altLang="en-US" dirty="0"/>
+              <a:t>不具合</a:t>
+            </a:r>
+            <a:r>
+              <a:rPr lang="en-US" altLang="ja-JP" dirty="0"/>
+              <a:t>	</a:t>
+            </a:r>
+            <a:r>
+              <a:rPr lang="ja-JP" altLang="en-US" dirty="0"/>
+              <a:t>：初期データ量は </a:t>
+            </a:r>
+            <a:r>
+              <a:rPr lang="en-US" altLang="ja-JP" dirty="0"/>
+              <a:t>10</a:t>
+            </a:r>
+            <a:r>
+              <a:rPr lang="ja-JP" altLang="en-US" dirty="0"/>
+              <a:t>以上 必要</a:t>
+            </a:r>
+            <a:endParaRPr lang="en-US" altLang="ja-JP" dirty="0"/>
+          </a:p>
+          <a:p>
+            <a:pPr marL="393192" lvl="1" indent="0">
+              <a:buNone/>
+            </a:pPr>
+            <a:r>
+              <a:rPr lang="en-US" altLang="ja-JP" dirty="0"/>
+              <a:t>			</a:t>
+            </a:r>
+            <a:r>
+              <a:rPr lang="ja-JP" altLang="en-US" dirty="0"/>
+              <a:t>→</a:t>
+            </a:r>
+            <a:r>
+              <a:rPr lang="en-US" altLang="ja-JP" dirty="0"/>
+              <a:t>20</a:t>
+            </a:r>
+            <a:r>
+              <a:rPr lang="ja-JP" altLang="en-US" dirty="0"/>
+              <a:t>にするとうまくいかなかった</a:t>
+            </a:r>
+            <a:endParaRPr lang="en-US" altLang="ja-JP" dirty="0"/>
+          </a:p>
+          <a:p>
+            <a:pPr marL="393192" lvl="1" indent="0">
+              <a:buNone/>
+            </a:pPr>
+            <a:r>
+              <a:rPr lang="en-US" altLang="ja-JP" dirty="0"/>
+              <a:t>			</a:t>
+            </a:r>
+            <a:r>
+              <a:rPr lang="ja-JP" altLang="en-US" dirty="0"/>
+              <a:t>→“ぴったり</a:t>
+            </a:r>
+            <a:r>
+              <a:rPr lang="en-US" altLang="ja-JP" dirty="0"/>
+              <a:t>10</a:t>
+            </a:r>
+            <a:r>
+              <a:rPr lang="ja-JP" altLang="en-US" dirty="0"/>
+              <a:t>”でないとうまくいかない</a:t>
+            </a:r>
+            <a:endParaRPr lang="en-US" altLang="ja-JP" dirty="0"/>
+          </a:p>
+          <a:p>
+            <a:pPr lvl="1"/>
+            <a:r>
+              <a:rPr lang="ja-JP" altLang="en-US" dirty="0"/>
+              <a:t>問題点</a:t>
+            </a:r>
+            <a:r>
+              <a:rPr lang="en-US" altLang="ja-JP" dirty="0"/>
+              <a:t>	</a:t>
+            </a:r>
+            <a:r>
+              <a:rPr lang="ja-JP" altLang="en-US" dirty="0"/>
+              <a:t>：一次独立な</a:t>
+            </a:r>
+            <a:r>
+              <a:rPr lang="en-US" altLang="ja-JP" dirty="0"/>
+              <a:t>10</a:t>
+            </a:r>
+            <a:r>
+              <a:rPr lang="ja-JP" altLang="en-US" dirty="0"/>
+              <a:t>データが必要</a:t>
+            </a:r>
+            <a:endParaRPr lang="en-US" altLang="ja-JP" dirty="0"/>
+          </a:p>
+          <a:p>
+            <a:pPr marL="393192" lvl="1" indent="0">
+              <a:buNone/>
+            </a:pPr>
+            <a:r>
+              <a:rPr lang="en-US" altLang="ja-JP" dirty="0"/>
+              <a:t>			</a:t>
+            </a:r>
+            <a:r>
+              <a:rPr lang="ja-JP" altLang="en-US" dirty="0"/>
+              <a:t>→常に依存関係にある特徴量は？</a:t>
+            </a:r>
+            <a:endParaRPr lang="en-US" altLang="ja-JP" dirty="0"/>
+          </a:p>
+          <a:p>
+            <a:pPr marL="393192" lvl="1" indent="0">
+              <a:buNone/>
+            </a:pPr>
+            <a:r>
+              <a:rPr lang="en-US" altLang="ja-JP" dirty="0"/>
+              <a:t>			</a:t>
+            </a:r>
+            <a:r>
+              <a:rPr lang="ja-JP" altLang="en-US" dirty="0"/>
+              <a:t>→卒論手法では問題なかった</a:t>
+            </a:r>
+            <a:endParaRPr lang="en-US" altLang="ja-JP" dirty="0"/>
+          </a:p>
+          <a:p>
+            <a:r>
+              <a:rPr kumimoji="1" lang="ja-JP" altLang="en-US" dirty="0" smtClean="0"/>
+              <a:t>主な原因</a:t>
+            </a:r>
+            <a:endParaRPr kumimoji="1" lang="en-US" altLang="ja-JP" dirty="0" smtClean="0"/>
+          </a:p>
+          <a:p>
+            <a:pPr lvl="1"/>
+            <a:r>
+              <a:rPr lang="en-US" altLang="ja-JP" dirty="0" smtClean="0"/>
+              <a:t>SOINN</a:t>
+            </a:r>
+            <a:r>
+              <a:rPr lang="ja-JP" altLang="en-US" dirty="0" err="1" smtClean="0"/>
+              <a:t>を適</a:t>
+            </a:r>
+            <a:r>
+              <a:rPr lang="ja-JP" altLang="en-US" dirty="0" smtClean="0"/>
+              <a:t>切に使用できていなかった</a:t>
+            </a:r>
+            <a:endParaRPr lang="en-US" altLang="ja-JP" dirty="0" smtClean="0"/>
+          </a:p>
+          <a:p>
+            <a:pPr lvl="1"/>
+            <a:r>
+              <a:rPr kumimoji="1" lang="ja-JP" altLang="en-US" dirty="0"/>
+              <a:t>思</a:t>
+            </a:r>
+            <a:r>
+              <a:rPr kumimoji="1" lang="ja-JP" altLang="en-US" dirty="0" smtClean="0"/>
+              <a:t>うようにグラフ</a:t>
+            </a:r>
+            <a:r>
+              <a:rPr kumimoji="1" lang="ja-JP" altLang="en-US" dirty="0"/>
+              <a:t>形成</a:t>
+            </a:r>
+            <a:r>
+              <a:rPr kumimoji="1" lang="ja-JP" altLang="en-US" dirty="0" smtClean="0"/>
+              <a:t>できていなか</a:t>
+            </a:r>
+            <a:r>
+              <a:rPr kumimoji="1" lang="ja-JP" altLang="en-US" dirty="0"/>
+              <a:t>った</a:t>
+            </a:r>
+          </a:p>
+        </p:txBody>
+      </p:sp>
+      <p:sp>
+        <p:nvSpPr>
+          <p:cNvPr id="3" name="タイトル 2"/>
+          <p:cNvSpPr>
+            <a:spLocks noGrp="1"/>
+          </p:cNvSpPr>
+          <p:nvPr>
+            <p:ph type="title"/>
+          </p:nvPr>
+        </p:nvSpPr>
+        <p:spPr/>
+        <p:txBody>
+          <a:bodyPr/>
+          <a:lstStyle/>
+          <a:p>
+            <a:r>
+              <a:rPr kumimoji="1" lang="ja-JP" altLang="en-US" dirty="0" smtClean="0"/>
+              <a:t>連立型学習の不具合について</a:t>
+            </a:r>
+            <a:endParaRPr kumimoji="1" lang="ja-JP" altLang="en-US" dirty="0"/>
+          </a:p>
+        </p:txBody>
+      </p:sp>
+    </p:spTree>
+    <p:extLst>
+      <p:ext uri="{BB962C8B-B14F-4D97-AF65-F5344CB8AC3E}">
+        <p14:creationId xmlns:p14="http://schemas.microsoft.com/office/powerpoint/2010/main" val="3331697805"/>
+      </p:ext>
+    </p:extLst>
+  </p:cSld>
+  <p:clrMapOvr>
+    <a:masterClrMapping/>
+  </p:clrMapOvr>
+</p:sld>
+</file>
+
+<file path=ppt/slides/slide47.xml><?xml version="1.0" encoding="utf-8"?>
+<p:sld xmlns:a="http://schemas.openxmlformats.org/drawingml/2006/main" xmlns:r="http://schemas.openxmlformats.org/officeDocument/2006/relationships" xmlns:p="http://schemas.openxmlformats.org/presentationml/2006/main">
+  <p:cSld>
+    <p:spTree>
+      <p:nvGrpSpPr>
+        <p:cNvPr id="1" name=""/>
+        <p:cNvGrpSpPr/>
+        <p:nvPr/>
+      </p:nvGrpSpPr>
+      <p:grpSpPr>
+        <a:xfrm>
+          <a:off x="0" y="0"/>
+          <a:ext cx="0" cy="0"/>
+          <a:chOff x="0" y="0"/>
+          <a:chExt cx="0" cy="0"/>
+        </a:xfrm>
+      </p:grpSpPr>
+      <p:sp>
+        <p:nvSpPr>
+          <p:cNvPr id="2" name="コンテンツ プレースホルダー 1"/>
+          <p:cNvSpPr>
+            <a:spLocks noGrp="1"/>
+          </p:cNvSpPr>
+          <p:nvPr>
+            <p:ph idx="1"/>
+          </p:nvPr>
+        </p:nvSpPr>
+        <p:spPr/>
+        <p:txBody>
+          <a:bodyPr/>
+          <a:lstStyle/>
+          <a:p>
+            <a:r>
+              <a:rPr kumimoji="1" lang="en-US" altLang="ja-JP" dirty="0" smtClean="0"/>
+              <a:t>N </a:t>
+            </a:r>
+            <a:r>
+              <a:rPr kumimoji="1" lang="ja-JP" altLang="en-US" dirty="0" smtClean="0"/>
+              <a:t>個の特徴量に対して，初期状態と目標状態の対が</a:t>
+            </a:r>
+            <a:r>
+              <a:rPr kumimoji="1" lang="en-US" altLang="ja-JP" dirty="0" smtClean="0"/>
+              <a:t>N </a:t>
+            </a:r>
+            <a:r>
+              <a:rPr kumimoji="1" lang="ja-JP" altLang="en-US" dirty="0" smtClean="0"/>
+              <a:t>個あれば連立方程式が解ける</a:t>
+            </a:r>
+            <a:endParaRPr kumimoji="1" lang="en-US" altLang="ja-JP" dirty="0" smtClean="0"/>
+          </a:p>
+          <a:p>
+            <a:pPr marL="109728" indent="0">
+              <a:buNone/>
+            </a:pPr>
+            <a:r>
+              <a:rPr lang="en-US" altLang="ja-JP" dirty="0" smtClean="0"/>
+              <a:t>	</a:t>
+            </a:r>
+            <a:r>
+              <a:rPr lang="ja-JP" altLang="en-US" dirty="0" smtClean="0"/>
+              <a:t>↓</a:t>
+            </a:r>
+            <a:endParaRPr lang="en-US" altLang="ja-JP" dirty="0"/>
+          </a:p>
+          <a:p>
+            <a:r>
+              <a:rPr kumimoji="1" lang="ja-JP" altLang="en-US" dirty="0" smtClean="0"/>
+              <a:t>状態対（ログデータ）には誤差が付与している</a:t>
+            </a:r>
+            <a:endParaRPr kumimoji="1" lang="en-US" altLang="ja-JP" dirty="0" smtClean="0"/>
+          </a:p>
+          <a:p>
+            <a:pPr marL="109728" indent="0">
+              <a:buNone/>
+            </a:pPr>
+            <a:r>
+              <a:rPr lang="en-US" altLang="ja-JP" dirty="0" smtClean="0"/>
+              <a:t>	</a:t>
+            </a:r>
+            <a:r>
+              <a:rPr lang="ja-JP" altLang="en-US" dirty="0" smtClean="0"/>
+              <a:t>→連立式の解も微妙に異なる</a:t>
+            </a:r>
+            <a:endParaRPr lang="en-US" altLang="ja-JP" dirty="0"/>
+          </a:p>
+          <a:p>
+            <a:pPr marL="109728" indent="0">
+              <a:buNone/>
+            </a:pPr>
+            <a:r>
+              <a:rPr kumimoji="1" lang="en-US" altLang="ja-JP" dirty="0" smtClean="0"/>
+              <a:t>	</a:t>
+            </a:r>
+            <a:r>
+              <a:rPr kumimoji="1" lang="ja-JP" altLang="en-US" dirty="0" smtClean="0"/>
+              <a:t>↓</a:t>
+            </a:r>
+            <a:endParaRPr kumimoji="1" lang="en-US" altLang="ja-JP" dirty="0" smtClean="0"/>
+          </a:p>
+          <a:p>
+            <a:r>
+              <a:rPr kumimoji="1" lang="ja-JP" altLang="en-US" dirty="0" smtClean="0"/>
+              <a:t>平均をとることで何とかできる</a:t>
+            </a:r>
+            <a:endParaRPr kumimoji="1" lang="en-US" altLang="ja-JP" dirty="0" smtClean="0"/>
+          </a:p>
+          <a:p>
+            <a:pPr marL="109728" indent="0">
+              <a:buNone/>
+            </a:pPr>
+            <a:r>
+              <a:rPr lang="en-US" altLang="ja-JP" dirty="0" smtClean="0"/>
+              <a:t>	</a:t>
+            </a:r>
+            <a:r>
+              <a:rPr lang="ja-JP" altLang="en-US" dirty="0" smtClean="0"/>
+              <a:t>→まれに生じる大きな誤差（外れ値）が悪影響</a:t>
+            </a:r>
+            <a:endParaRPr lang="en-US" altLang="ja-JP" dirty="0"/>
+          </a:p>
+          <a:p>
+            <a:pPr marL="109728" indent="0">
+              <a:buNone/>
+            </a:pPr>
+            <a:r>
+              <a:rPr kumimoji="1" lang="en-US" altLang="ja-JP" dirty="0" smtClean="0"/>
+              <a:t>	</a:t>
+            </a:r>
+            <a:r>
+              <a:rPr kumimoji="1" lang="ja-JP" altLang="en-US" dirty="0" smtClean="0"/>
+              <a:t>↓</a:t>
+            </a:r>
+            <a:endParaRPr kumimoji="1" lang="en-US" altLang="ja-JP" dirty="0" smtClean="0"/>
+          </a:p>
+          <a:p>
+            <a:r>
+              <a:rPr kumimoji="1" lang="en-US" altLang="ja-JP" dirty="0" smtClean="0"/>
+              <a:t>SOINN</a:t>
+            </a:r>
+            <a:r>
+              <a:rPr kumimoji="1" lang="ja-JP" altLang="en-US" dirty="0" smtClean="0"/>
+              <a:t>の孤立ノード除去が役に立つかも</a:t>
+            </a:r>
+            <a:endParaRPr kumimoji="1" lang="ja-JP" altLang="en-US" dirty="0"/>
+          </a:p>
+        </p:txBody>
+      </p:sp>
+      <p:sp>
+        <p:nvSpPr>
+          <p:cNvPr id="3" name="タイトル 2"/>
+          <p:cNvSpPr>
+            <a:spLocks noGrp="1"/>
+          </p:cNvSpPr>
+          <p:nvPr>
+            <p:ph type="title"/>
+          </p:nvPr>
+        </p:nvSpPr>
+        <p:spPr/>
+        <p:txBody>
+          <a:bodyPr/>
+          <a:lstStyle/>
+          <a:p>
+            <a:r>
+              <a:rPr kumimoji="1" lang="ja-JP" altLang="en-US" dirty="0" smtClean="0"/>
+              <a:t>連立型学習の不具合について</a:t>
+            </a:r>
+            <a:endParaRPr kumimoji="1" lang="ja-JP" altLang="en-US" dirty="0"/>
+          </a:p>
+        </p:txBody>
+      </p:sp>
+    </p:spTree>
+    <p:extLst>
+      <p:ext uri="{BB962C8B-B14F-4D97-AF65-F5344CB8AC3E}">
+        <p14:creationId xmlns:p14="http://schemas.microsoft.com/office/powerpoint/2010/main" val="3369886337"/>
+      </p:ext>
+    </p:extLst>
+  </p:cSld>
+  <p:clrMapOvr>
+    <a:masterClrMapping/>
+  </p:clrMapOvr>
+</p:sld>
+</file>
+
+<file path=ppt/slides/slide48.xml><?xml version="1.0" encoding="utf-8"?>
+<p:sld xmlns:a="http://schemas.openxmlformats.org/drawingml/2006/main" xmlns:r="http://schemas.openxmlformats.org/officeDocument/2006/relationships" xmlns:p="http://schemas.openxmlformats.org/presentationml/2006/main">
+  <p:cSld>
+    <p:spTree>
+      <p:nvGrpSpPr>
+        <p:cNvPr id="1" name=""/>
+        <p:cNvGrpSpPr/>
+        <p:nvPr/>
+      </p:nvGrpSpPr>
+      <p:grpSpPr>
+        <a:xfrm>
+          <a:off x="0" y="0"/>
+          <a:ext cx="0" cy="0"/>
+          <a:chOff x="0" y="0"/>
+          <a:chExt cx="0" cy="0"/>
+        </a:xfrm>
+      </p:grpSpPr>
+      <p:sp>
+        <p:nvSpPr>
+          <p:cNvPr id="2" name="コンテンツ プレースホルダー 1"/>
+          <p:cNvSpPr>
+            <a:spLocks noGrp="1"/>
+          </p:cNvSpPr>
+          <p:nvPr>
+            <p:ph idx="1"/>
+          </p:nvPr>
+        </p:nvSpPr>
+        <p:spPr/>
+        <p:txBody>
+          <a:bodyPr/>
+          <a:lstStyle/>
+          <a:p>
+            <a:r>
+              <a:rPr lang="ja-JP" altLang="en-US" dirty="0"/>
+              <a:t>学習中</a:t>
+            </a:r>
+            <a:r>
+              <a:rPr lang="ja-JP" altLang="en-US" dirty="0" smtClean="0"/>
+              <a:t>の</a:t>
+            </a:r>
+            <a:r>
+              <a:rPr lang="en-US" altLang="ja-JP" dirty="0" smtClean="0"/>
+              <a:t>SOINN</a:t>
+            </a:r>
+            <a:r>
+              <a:rPr lang="ja-JP" altLang="en-US" dirty="0" smtClean="0"/>
+              <a:t>の中身を表示した</a:t>
+            </a:r>
+            <a:endParaRPr lang="en-US" altLang="ja-JP" dirty="0" smtClean="0"/>
+          </a:p>
+          <a:p>
+            <a:pPr marL="109728" indent="0">
+              <a:buNone/>
+            </a:pPr>
+            <a:r>
+              <a:rPr kumimoji="1" lang="en-US" altLang="ja-JP" dirty="0" smtClean="0"/>
+              <a:t>	</a:t>
+            </a:r>
+            <a:r>
+              <a:rPr kumimoji="1" lang="ja-JP" altLang="en-US" dirty="0" smtClean="0"/>
+              <a:t>→想定した動作をしていない</a:t>
+            </a:r>
+            <a:endParaRPr kumimoji="1" lang="en-US" altLang="ja-JP" dirty="0" smtClean="0"/>
+          </a:p>
+          <a:p>
+            <a:pPr marL="109728" indent="0">
+              <a:buNone/>
+            </a:pPr>
+            <a:r>
+              <a:rPr lang="en-US" altLang="ja-JP" dirty="0"/>
+              <a:t>	</a:t>
+            </a:r>
+            <a:r>
+              <a:rPr lang="en-US" altLang="ja-JP" dirty="0" smtClean="0"/>
+              <a:t>	</a:t>
+            </a:r>
+            <a:r>
+              <a:rPr lang="ja-JP" altLang="en-US" dirty="0" smtClean="0"/>
+              <a:t>・孤立ノードが残っている</a:t>
+            </a:r>
+            <a:endParaRPr lang="en-US" altLang="ja-JP" dirty="0" smtClean="0"/>
+          </a:p>
+          <a:p>
+            <a:pPr marL="109728" indent="0">
+              <a:buNone/>
+            </a:pPr>
+            <a:r>
+              <a:rPr kumimoji="1" lang="en-US" altLang="ja-JP" dirty="0"/>
+              <a:t>	</a:t>
+            </a:r>
+            <a:r>
+              <a:rPr kumimoji="1" lang="en-US" altLang="ja-JP" dirty="0" smtClean="0"/>
+              <a:t>	</a:t>
+            </a:r>
+            <a:r>
+              <a:rPr kumimoji="1" lang="ja-JP" altLang="en-US" dirty="0" smtClean="0"/>
+              <a:t>・クラスが一つになっていない</a:t>
+            </a:r>
+            <a:endParaRPr kumimoji="1" lang="en-US" altLang="ja-JP" dirty="0" smtClean="0"/>
+          </a:p>
+          <a:p>
+            <a:pPr marL="109728" indent="0">
+              <a:buNone/>
+            </a:pPr>
+            <a:r>
+              <a:rPr lang="en-US" altLang="ja-JP" dirty="0"/>
+              <a:t>	</a:t>
+            </a:r>
+            <a:r>
+              <a:rPr lang="en-US" altLang="ja-JP" dirty="0" smtClean="0"/>
+              <a:t>	</a:t>
+            </a:r>
+            <a:r>
+              <a:rPr lang="ja-JP" altLang="en-US" dirty="0" smtClean="0"/>
+              <a:t>・外れ値の影響を除去しきれていない</a:t>
+            </a:r>
+            <a:endParaRPr kumimoji="1" lang="en-US" altLang="ja-JP" dirty="0"/>
+          </a:p>
+          <a:p>
+            <a:endParaRPr kumimoji="1" lang="ja-JP" altLang="en-US" dirty="0"/>
+          </a:p>
+        </p:txBody>
+      </p:sp>
+      <p:sp>
+        <p:nvSpPr>
+          <p:cNvPr id="3" name="タイトル 2"/>
+          <p:cNvSpPr>
+            <a:spLocks noGrp="1"/>
+          </p:cNvSpPr>
+          <p:nvPr>
+            <p:ph type="title"/>
+          </p:nvPr>
+        </p:nvSpPr>
+        <p:spPr/>
+        <p:txBody>
+          <a:bodyPr/>
+          <a:lstStyle/>
+          <a:p>
+            <a:r>
+              <a:rPr lang="ja-JP" altLang="en-US" dirty="0" smtClean="0"/>
+              <a:t>連立型学習の不具合について</a:t>
+            </a:r>
+            <a:endParaRPr kumimoji="1" lang="ja-JP" altLang="en-US" dirty="0"/>
+          </a:p>
+        </p:txBody>
+      </p:sp>
+    </p:spTree>
+    <p:extLst>
+      <p:ext uri="{BB962C8B-B14F-4D97-AF65-F5344CB8AC3E}">
+        <p14:creationId xmlns:p14="http://schemas.microsoft.com/office/powerpoint/2010/main" val="1465135914"/>
+      </p:ext>
+    </p:extLst>
+  </p:cSld>
+  <p:clrMapOvr>
+    <a:masterClrMapping/>
+  </p:clrMapOvr>
+</p:sld>
+</file>
+
+<file path=ppt/slides/slide49.xml><?xml version="1.0" encoding="utf-8"?>
+<p:sld xmlns:a="http://schemas.openxmlformats.org/drawingml/2006/main" xmlns:r="http://schemas.openxmlformats.org/officeDocument/2006/relationships" xmlns:p="http://schemas.openxmlformats.org/presentationml/2006/main">
+  <p:cSld>
+    <p:spTree>
+      <p:nvGrpSpPr>
+        <p:cNvPr id="1" name=""/>
+        <p:cNvGrpSpPr/>
+        <p:nvPr/>
+      </p:nvGrpSpPr>
+      <p:grpSpPr>
+        <a:xfrm>
+          <a:off x="0" y="0"/>
+          <a:ext cx="0" cy="0"/>
+          <a:chOff x="0" y="0"/>
+          <a:chExt cx="0" cy="0"/>
+        </a:xfrm>
+      </p:grpSpPr>
+      <p:sp>
+        <p:nvSpPr>
+          <p:cNvPr id="2" name="コンテンツ プレースホルダー 1"/>
+          <p:cNvSpPr>
+            <a:spLocks noGrp="1"/>
+          </p:cNvSpPr>
+          <p:nvPr>
+            <p:ph idx="1"/>
+          </p:nvPr>
+        </p:nvSpPr>
+        <p:spPr/>
+        <p:txBody>
+          <a:bodyPr/>
+          <a:lstStyle/>
+          <a:p>
+            <a:r>
+              <a:rPr kumimoji="1" lang="ja-JP" altLang="en-US" dirty="0" smtClean="0"/>
+              <a:t>孤立ノードが残っている</a:t>
+            </a:r>
+            <a:endParaRPr kumimoji="1" lang="en-US" altLang="ja-JP" dirty="0" smtClean="0"/>
+          </a:p>
+          <a:p>
+            <a:pPr marL="109728" indent="0">
+              <a:buNone/>
+            </a:pPr>
+            <a:r>
+              <a:rPr lang="en-US" altLang="ja-JP" dirty="0" smtClean="0"/>
+              <a:t>	</a:t>
+            </a:r>
+            <a:r>
+              <a:rPr lang="ja-JP" altLang="en-US" dirty="0" smtClean="0"/>
+              <a:t>→</a:t>
+            </a:r>
+            <a:r>
+              <a:rPr lang="en-US" altLang="ja-JP" dirty="0" smtClean="0"/>
+              <a:t>remove </a:t>
+            </a:r>
+            <a:r>
+              <a:rPr lang="ja-JP" altLang="en-US" dirty="0" smtClean="0"/>
+              <a:t>し忘れ．</a:t>
+            </a:r>
+            <a:endParaRPr lang="en-US" altLang="ja-JP" dirty="0"/>
+          </a:p>
+          <a:p>
+            <a:r>
+              <a:rPr kumimoji="1" lang="ja-JP" altLang="en-US" dirty="0" smtClean="0"/>
+              <a:t>クラスが一つになっていない</a:t>
+            </a:r>
+            <a:endParaRPr kumimoji="1" lang="en-US" altLang="ja-JP" dirty="0" smtClean="0"/>
+          </a:p>
+          <a:p>
+            <a:pPr marL="109728" indent="0">
+              <a:buNone/>
+            </a:pPr>
+            <a:r>
+              <a:rPr kumimoji="1" lang="en-US" altLang="ja-JP" dirty="0" smtClean="0"/>
+              <a:t>	</a:t>
+            </a:r>
+            <a:r>
+              <a:rPr kumimoji="1" lang="ja-JP" altLang="en-US" dirty="0" smtClean="0"/>
+              <a:t>→にもかかわらず，</a:t>
+            </a:r>
+            <a:r>
+              <a:rPr kumimoji="1" lang="en-US" altLang="ja-JP" dirty="0" smtClean="0"/>
+              <a:t>0</a:t>
+            </a:r>
+            <a:r>
+              <a:rPr kumimoji="1" lang="ja-JP" altLang="en-US" dirty="0" smtClean="0"/>
+              <a:t>番クラスのノード平均を出力</a:t>
+            </a:r>
+            <a:endParaRPr kumimoji="1" lang="en-US" altLang="ja-JP" dirty="0" smtClean="0"/>
+          </a:p>
+          <a:p>
+            <a:pPr marL="109728" indent="0">
+              <a:buNone/>
+            </a:pPr>
+            <a:r>
+              <a:rPr lang="en-US" altLang="ja-JP" dirty="0"/>
+              <a:t>	</a:t>
+            </a:r>
+            <a:r>
+              <a:rPr lang="ja-JP" altLang="en-US" dirty="0" smtClean="0"/>
+              <a:t>→クラスタリングが目的ではないため，</a:t>
+            </a:r>
+            <a:r>
+              <a:rPr lang="en-US" altLang="ja-JP" dirty="0" smtClean="0"/>
+              <a:t>remove</a:t>
+            </a:r>
+            <a:r>
+              <a:rPr lang="ja-JP" altLang="en-US" dirty="0" smtClean="0"/>
+              <a:t>後</a:t>
+            </a:r>
+            <a:r>
+              <a:rPr lang="en-US" altLang="ja-JP" dirty="0" smtClean="0"/>
+              <a:t>	</a:t>
+            </a:r>
+            <a:r>
+              <a:rPr lang="ja-JP" altLang="en-US" dirty="0" smtClean="0"/>
+              <a:t>残った全ノードの平均でいいのでは？</a:t>
+            </a:r>
+            <a:endParaRPr kumimoji="1" lang="en-US" altLang="ja-JP" dirty="0" smtClean="0"/>
+          </a:p>
+          <a:p>
+            <a:r>
+              <a:rPr kumimoji="1" lang="ja-JP" altLang="en-US" dirty="0" smtClean="0"/>
+              <a:t>外れ値の影響を除去しきれていない</a:t>
+            </a:r>
+            <a:endParaRPr lang="en-US" altLang="ja-JP" dirty="0"/>
+          </a:p>
+          <a:p>
+            <a:pPr marL="109728" indent="0">
+              <a:buNone/>
+            </a:pPr>
+            <a:r>
+              <a:rPr kumimoji="1" lang="en-US" altLang="ja-JP" dirty="0" smtClean="0"/>
+              <a:t>	</a:t>
+            </a:r>
+            <a:r>
+              <a:rPr kumimoji="1" lang="ja-JP" altLang="en-US" dirty="0" smtClean="0"/>
+              <a:t>→外れ値がクラスを形成してしまっている？</a:t>
+            </a:r>
+            <a:endParaRPr kumimoji="1" lang="en-US" altLang="ja-JP" dirty="0" smtClean="0"/>
+          </a:p>
+          <a:p>
+            <a:pPr marL="109728" indent="0">
+              <a:buNone/>
+            </a:pPr>
+            <a:r>
+              <a:rPr lang="en-US" altLang="ja-JP" dirty="0"/>
+              <a:t>	</a:t>
+            </a:r>
+            <a:r>
+              <a:rPr lang="ja-JP" altLang="en-US" dirty="0" smtClean="0"/>
+              <a:t>→</a:t>
+            </a:r>
+            <a:r>
+              <a:rPr lang="en-US" altLang="ja-JP" dirty="0" smtClean="0"/>
+              <a:t>remove </a:t>
+            </a:r>
+            <a:r>
+              <a:rPr lang="ja-JP" altLang="en-US" dirty="0" err="1" smtClean="0"/>
+              <a:t>を無</a:t>
+            </a:r>
+            <a:r>
+              <a:rPr lang="ja-JP" altLang="en-US" dirty="0" smtClean="0"/>
+              <a:t>限回してみたりしたが，</a:t>
+            </a:r>
+            <a:endParaRPr lang="en-US" altLang="ja-JP" dirty="0" smtClean="0"/>
+          </a:p>
+          <a:p>
+            <a:pPr marL="109728" indent="0">
+              <a:buNone/>
+            </a:pPr>
+            <a:r>
+              <a:rPr kumimoji="1" lang="en-US" altLang="ja-JP" dirty="0"/>
+              <a:t>	</a:t>
+            </a:r>
+            <a:r>
+              <a:rPr kumimoji="1" lang="ja-JP" altLang="en-US" dirty="0" smtClean="0"/>
+              <a:t>うまくいかない</a:t>
+            </a:r>
+            <a:endParaRPr kumimoji="1" lang="en-US" altLang="ja-JP" dirty="0" smtClean="0"/>
+          </a:p>
+          <a:p>
+            <a:endParaRPr kumimoji="1" lang="ja-JP" altLang="en-US" dirty="0"/>
+          </a:p>
+        </p:txBody>
+      </p:sp>
+      <p:sp>
+        <p:nvSpPr>
+          <p:cNvPr id="3" name="タイトル 2"/>
+          <p:cNvSpPr>
+            <a:spLocks noGrp="1"/>
+          </p:cNvSpPr>
+          <p:nvPr>
+            <p:ph type="title"/>
+          </p:nvPr>
+        </p:nvSpPr>
+        <p:spPr/>
+        <p:txBody>
+          <a:bodyPr>
+            <a:normAutofit/>
+          </a:bodyPr>
+          <a:lstStyle/>
+          <a:p>
+            <a:r>
+              <a:rPr kumimoji="1" lang="ja-JP" altLang="en-US" dirty="0" smtClean="0"/>
+              <a:t>連立型学習の不具合について</a:t>
+            </a:r>
+            <a:endParaRPr kumimoji="1" lang="ja-JP" altLang="en-US" dirty="0"/>
+          </a:p>
+        </p:txBody>
+      </p:sp>
+    </p:spTree>
+    <p:extLst>
+      <p:ext uri="{BB962C8B-B14F-4D97-AF65-F5344CB8AC3E}">
+        <p14:creationId xmlns:p14="http://schemas.microsoft.com/office/powerpoint/2010/main" val="297676257"/>
+      </p:ext>
+    </p:extLst>
+  </p:cSld>
+  <p:clrMapOvr>
+    <a:masterClrMapping/>
+  </p:clrMapOvr>
+</p:sld>
+</file>
+
 <file path=ppt/slides/slide5.xml><?xml version="1.0" encoding="utf-8"?>
 <p:sld xmlns:a="http://schemas.openxmlformats.org/drawingml/2006/main" xmlns:r="http://schemas.openxmlformats.org/officeDocument/2006/relationships" xmlns:p="http://schemas.openxmlformats.org/presentationml/2006/main" showMasterSp="0">
   <p:cSld>
@@ -26978,6 +27917,1968 @@
       </p:par>
     </p:tnLst>
   </p:timing>
+</p:sld>
+</file>
+
+<file path=ppt/slides/slide50.xml><?xml version="1.0" encoding="utf-8"?>
+<p:sld xmlns:a="http://schemas.openxmlformats.org/drawingml/2006/main" xmlns:r="http://schemas.openxmlformats.org/officeDocument/2006/relationships" xmlns:p="http://schemas.openxmlformats.org/presentationml/2006/main">
+  <p:cSld>
+    <p:spTree>
+      <p:nvGrpSpPr>
+        <p:cNvPr id="1" name=""/>
+        <p:cNvGrpSpPr/>
+        <p:nvPr/>
+      </p:nvGrpSpPr>
+      <p:grpSpPr>
+        <a:xfrm>
+          <a:off x="0" y="0"/>
+          <a:ext cx="0" cy="0"/>
+          <a:chOff x="0" y="0"/>
+          <a:chExt cx="0" cy="0"/>
+        </a:xfrm>
+      </p:grpSpPr>
+      <p:sp>
+        <p:nvSpPr>
+          <p:cNvPr id="2" name="コンテンツ プレースホルダー 1"/>
+          <p:cNvSpPr>
+            <a:spLocks noGrp="1"/>
+          </p:cNvSpPr>
+          <p:nvPr>
+            <p:ph idx="1"/>
+          </p:nvPr>
+        </p:nvSpPr>
+        <p:spPr/>
+        <p:txBody>
+          <a:bodyPr/>
+          <a:lstStyle/>
+          <a:p>
+            <a:r>
+              <a:rPr kumimoji="1" lang="ja-JP" altLang="en-US" dirty="0" smtClean="0"/>
+              <a:t>うまくいかない理由は何？</a:t>
+            </a:r>
+            <a:endParaRPr kumimoji="1" lang="en-US" altLang="ja-JP" dirty="0" smtClean="0"/>
+          </a:p>
+          <a:p>
+            <a:pPr marL="109728" indent="0">
+              <a:buNone/>
+            </a:pPr>
+            <a:r>
+              <a:rPr lang="en-US" altLang="ja-JP" dirty="0" smtClean="0"/>
+              <a:t>	</a:t>
+            </a:r>
+            <a:r>
+              <a:rPr lang="ja-JP" altLang="en-US" dirty="0" smtClean="0"/>
+              <a:t>↓</a:t>
+            </a:r>
+            <a:endParaRPr lang="en-US" altLang="ja-JP" dirty="0"/>
+          </a:p>
+          <a:p>
+            <a:pPr lvl="1"/>
+            <a:r>
+              <a:rPr kumimoji="1" lang="ja-JP" altLang="en-US" dirty="0" smtClean="0"/>
+              <a:t>全ノード平均ではうまくいかない？</a:t>
+            </a:r>
+            <a:endParaRPr kumimoji="1" lang="en-US" altLang="ja-JP" dirty="0" smtClean="0"/>
+          </a:p>
+          <a:p>
+            <a:pPr lvl="2"/>
+            <a:r>
+              <a:rPr lang="ja-JP" altLang="en-US" dirty="0"/>
+              <a:t>外れ値</a:t>
+            </a:r>
+            <a:r>
+              <a:rPr lang="ja-JP" altLang="en-US" dirty="0" smtClean="0"/>
+              <a:t>の</a:t>
+            </a:r>
+            <a:r>
+              <a:rPr lang="ja-JP" altLang="en-US" dirty="0"/>
+              <a:t>除去</a:t>
+            </a:r>
+            <a:r>
+              <a:rPr lang="ja-JP" altLang="en-US" dirty="0" smtClean="0"/>
+              <a:t>には成功している</a:t>
+            </a:r>
+            <a:endParaRPr kumimoji="1" lang="en-US" altLang="ja-JP" dirty="0" smtClean="0"/>
+          </a:p>
+          <a:p>
+            <a:pPr lvl="1"/>
+            <a:r>
+              <a:rPr kumimoji="1" lang="ja-JP" altLang="en-US" dirty="0" smtClean="0"/>
+              <a:t>ユークリッド距離ではダメ？</a:t>
+            </a:r>
+            <a:endParaRPr kumimoji="1" lang="en-US" altLang="ja-JP" dirty="0" smtClean="0"/>
+          </a:p>
+          <a:p>
+            <a:pPr lvl="2"/>
+            <a:r>
+              <a:rPr kumimoji="1" lang="ja-JP" altLang="en-US" dirty="0" smtClean="0"/>
+              <a:t>外れ値の除去に失敗している</a:t>
+            </a:r>
+            <a:endParaRPr kumimoji="1" lang="ja-JP" altLang="en-US" dirty="0"/>
+          </a:p>
+        </p:txBody>
+      </p:sp>
+      <p:sp>
+        <p:nvSpPr>
+          <p:cNvPr id="3" name="タイトル 2"/>
+          <p:cNvSpPr>
+            <a:spLocks noGrp="1"/>
+          </p:cNvSpPr>
+          <p:nvPr>
+            <p:ph type="title"/>
+          </p:nvPr>
+        </p:nvSpPr>
+        <p:spPr/>
+        <p:txBody>
+          <a:bodyPr>
+            <a:normAutofit/>
+          </a:bodyPr>
+          <a:lstStyle/>
+          <a:p>
+            <a:r>
+              <a:rPr lang="ja-JP" altLang="en-US" dirty="0" smtClean="0"/>
+              <a:t>連立型</a:t>
+            </a:r>
+            <a:r>
+              <a:rPr lang="ja-JP" altLang="en-US" dirty="0"/>
+              <a:t>学習</a:t>
+            </a:r>
+            <a:r>
+              <a:rPr lang="ja-JP" altLang="en-US" dirty="0" smtClean="0"/>
+              <a:t>の</a:t>
+            </a:r>
+            <a:r>
+              <a:rPr lang="ja-JP" altLang="en-US" dirty="0"/>
+              <a:t>不具合</a:t>
+            </a:r>
+            <a:r>
+              <a:rPr lang="ja-JP" altLang="en-US" dirty="0" smtClean="0"/>
+              <a:t>につい</a:t>
+            </a:r>
+            <a:r>
+              <a:rPr lang="ja-JP" altLang="en-US" dirty="0"/>
+              <a:t>て</a:t>
+            </a:r>
+            <a:endParaRPr kumimoji="1" lang="ja-JP" altLang="en-US" dirty="0"/>
+          </a:p>
+        </p:txBody>
+      </p:sp>
+    </p:spTree>
+    <p:extLst>
+      <p:ext uri="{BB962C8B-B14F-4D97-AF65-F5344CB8AC3E}">
+        <p14:creationId xmlns:p14="http://schemas.microsoft.com/office/powerpoint/2010/main" val="2822261186"/>
+      </p:ext>
+    </p:extLst>
+  </p:cSld>
+  <p:clrMapOvr>
+    <a:masterClrMapping/>
+  </p:clrMapOvr>
+</p:sld>
+</file>
+
+<file path=ppt/slides/slide51.xml><?xml version="1.0" encoding="utf-8"?>
+<p:sld xmlns:a="http://schemas.openxmlformats.org/drawingml/2006/main" xmlns:r="http://schemas.openxmlformats.org/officeDocument/2006/relationships" xmlns:p="http://schemas.openxmlformats.org/presentationml/2006/main">
+  <p:cSld>
+    <p:spTree>
+      <p:nvGrpSpPr>
+        <p:cNvPr id="1" name=""/>
+        <p:cNvGrpSpPr/>
+        <p:nvPr/>
+      </p:nvGrpSpPr>
+      <p:grpSpPr>
+        <a:xfrm>
+          <a:off x="0" y="0"/>
+          <a:ext cx="0" cy="0"/>
+          <a:chOff x="0" y="0"/>
+          <a:chExt cx="0" cy="0"/>
+        </a:xfrm>
+      </p:grpSpPr>
+      <p:sp>
+        <p:nvSpPr>
+          <p:cNvPr id="2" name="コンテンツ プレースホルダー 1"/>
+          <p:cNvSpPr>
+            <a:spLocks noGrp="1"/>
+          </p:cNvSpPr>
+          <p:nvPr>
+            <p:ph idx="1"/>
+          </p:nvPr>
+        </p:nvSpPr>
+        <p:spPr/>
+        <p:txBody>
+          <a:bodyPr/>
+          <a:lstStyle/>
+          <a:p>
+            <a:r>
+              <a:rPr lang="ja-JP" altLang="en-US" dirty="0" smtClean="0"/>
+              <a:t>うまくいかない</a:t>
+            </a:r>
+            <a:r>
+              <a:rPr lang="ja-JP" altLang="en-US" dirty="0"/>
+              <a:t>理由</a:t>
+            </a:r>
+            <a:r>
+              <a:rPr lang="ja-JP" altLang="en-US" dirty="0" smtClean="0"/>
+              <a:t>は外れ値の除去ではなく平均？</a:t>
+            </a:r>
+            <a:endParaRPr lang="en-US" altLang="ja-JP" dirty="0" smtClean="0"/>
+          </a:p>
+          <a:p>
+            <a:pPr marL="109728" indent="0">
+              <a:buNone/>
+            </a:pPr>
+            <a:r>
+              <a:rPr kumimoji="1" lang="en-US" altLang="ja-JP" dirty="0" smtClean="0"/>
+              <a:t>	</a:t>
+            </a:r>
+            <a:r>
+              <a:rPr kumimoji="1" lang="ja-JP" altLang="en-US" dirty="0" smtClean="0"/>
+              <a:t>↓</a:t>
+            </a:r>
+            <a:endParaRPr kumimoji="1" lang="en-US" altLang="ja-JP" dirty="0"/>
+          </a:p>
+          <a:p>
+            <a:r>
+              <a:rPr kumimoji="1" lang="ja-JP" altLang="en-US" dirty="0" smtClean="0"/>
+              <a:t>手作業で外れ値を弾き，適切なデータのみで</a:t>
+            </a:r>
+            <a:endParaRPr kumimoji="1" lang="en-US" altLang="ja-JP" dirty="0" smtClean="0"/>
+          </a:p>
+          <a:p>
+            <a:pPr marL="109728" indent="0">
+              <a:buNone/>
+            </a:pPr>
+            <a:r>
+              <a:rPr lang="ja-JP" altLang="en-US" dirty="0"/>
+              <a:t>学習したうえでの全ノード平均ならうまくいく</a:t>
+            </a:r>
+            <a:r>
+              <a:rPr lang="ja-JP" altLang="en-US" dirty="0" smtClean="0"/>
+              <a:t>？</a:t>
+            </a:r>
+            <a:endParaRPr lang="en-US" altLang="ja-JP" dirty="0" smtClean="0"/>
+          </a:p>
+          <a:p>
+            <a:pPr marL="109728" indent="0">
+              <a:buNone/>
+            </a:pPr>
+            <a:r>
+              <a:rPr lang="en-US" altLang="ja-JP" dirty="0"/>
+              <a:t>	</a:t>
+            </a:r>
+            <a:r>
+              <a:rPr lang="ja-JP" altLang="en-US" dirty="0" smtClean="0"/>
+              <a:t>↓</a:t>
+            </a:r>
+            <a:endParaRPr lang="en-US" altLang="ja-JP" dirty="0" smtClean="0"/>
+          </a:p>
+          <a:p>
+            <a:r>
+              <a:rPr kumimoji="1" lang="ja-JP" altLang="en-US" dirty="0" smtClean="0"/>
+              <a:t>うまくいった</a:t>
+            </a:r>
+            <a:endParaRPr kumimoji="1" lang="en-US" altLang="ja-JP" dirty="0" smtClean="0"/>
+          </a:p>
+          <a:p>
+            <a:pPr marL="109728" indent="0">
+              <a:buNone/>
+            </a:pPr>
+            <a:r>
+              <a:rPr lang="en-US" altLang="ja-JP" dirty="0" smtClean="0"/>
+              <a:t>	</a:t>
+            </a:r>
+            <a:r>
+              <a:rPr lang="ja-JP" altLang="en-US" dirty="0" smtClean="0"/>
+              <a:t>→全ノード平均という手法は問題ない</a:t>
+            </a:r>
+            <a:endParaRPr lang="en-US" altLang="ja-JP" dirty="0" smtClean="0"/>
+          </a:p>
+          <a:p>
+            <a:pPr marL="109728" indent="0">
+              <a:buNone/>
+            </a:pPr>
+            <a:r>
+              <a:rPr lang="en-US" altLang="ja-JP" dirty="0"/>
+              <a:t>	</a:t>
+            </a:r>
+            <a:r>
+              <a:rPr lang="ja-JP" altLang="en-US" dirty="0" smtClean="0"/>
+              <a:t>→</a:t>
+            </a:r>
+            <a:r>
+              <a:rPr lang="en-US" altLang="ja-JP" dirty="0" smtClean="0"/>
+              <a:t>SOINN</a:t>
+            </a:r>
+            <a:r>
+              <a:rPr lang="ja-JP" altLang="en-US" dirty="0" smtClean="0"/>
+              <a:t>が外れ値の除去をし切れていない？</a:t>
+            </a:r>
+            <a:endParaRPr lang="en-US" altLang="ja-JP" dirty="0"/>
+          </a:p>
+          <a:p>
+            <a:endParaRPr kumimoji="1" lang="en-US" altLang="ja-JP" dirty="0" smtClean="0"/>
+          </a:p>
+        </p:txBody>
+      </p:sp>
+      <p:sp>
+        <p:nvSpPr>
+          <p:cNvPr id="3" name="タイトル 2"/>
+          <p:cNvSpPr>
+            <a:spLocks noGrp="1"/>
+          </p:cNvSpPr>
+          <p:nvPr>
+            <p:ph type="title"/>
+          </p:nvPr>
+        </p:nvSpPr>
+        <p:spPr/>
+        <p:txBody>
+          <a:bodyPr>
+            <a:normAutofit/>
+          </a:bodyPr>
+          <a:lstStyle/>
+          <a:p>
+            <a:r>
+              <a:rPr kumimoji="1" lang="ja-JP" altLang="en-US" dirty="0" smtClean="0"/>
+              <a:t>連立型学習の不具合について</a:t>
+            </a:r>
+            <a:endParaRPr kumimoji="1" lang="ja-JP" altLang="en-US" dirty="0"/>
+          </a:p>
+        </p:txBody>
+      </p:sp>
+    </p:spTree>
+    <p:extLst>
+      <p:ext uri="{BB962C8B-B14F-4D97-AF65-F5344CB8AC3E}">
+        <p14:creationId xmlns:p14="http://schemas.microsoft.com/office/powerpoint/2010/main" val="611610046"/>
+      </p:ext>
+    </p:extLst>
+  </p:cSld>
+  <p:clrMapOvr>
+    <a:masterClrMapping/>
+  </p:clrMapOvr>
+</p:sld>
+</file>
+
+<file path=ppt/slides/slide52.xml><?xml version="1.0" encoding="utf-8"?>
+<p:sld xmlns:a="http://schemas.openxmlformats.org/drawingml/2006/main" xmlns:r="http://schemas.openxmlformats.org/officeDocument/2006/relationships" xmlns:p="http://schemas.openxmlformats.org/presentationml/2006/main">
+  <p:cSld>
+    <p:spTree>
+      <p:nvGrpSpPr>
+        <p:cNvPr id="1" name=""/>
+        <p:cNvGrpSpPr/>
+        <p:nvPr/>
+      </p:nvGrpSpPr>
+      <p:grpSpPr>
+        <a:xfrm>
+          <a:off x="0" y="0"/>
+          <a:ext cx="0" cy="0"/>
+          <a:chOff x="0" y="0"/>
+          <a:chExt cx="0" cy="0"/>
+        </a:xfrm>
+      </p:grpSpPr>
+      <p:sp>
+        <p:nvSpPr>
+          <p:cNvPr id="2" name="コンテンツ プレースホルダー 1"/>
+          <p:cNvSpPr>
+            <a:spLocks noGrp="1"/>
+          </p:cNvSpPr>
+          <p:nvPr>
+            <p:ph idx="1"/>
+          </p:nvPr>
+        </p:nvSpPr>
+        <p:spPr/>
+        <p:txBody>
+          <a:bodyPr/>
+          <a:lstStyle/>
+          <a:p>
+            <a:r>
+              <a:rPr lang="ja-JP" altLang="en-US" dirty="0" smtClean="0"/>
+              <a:t>ほか</a:t>
+            </a:r>
+            <a:r>
+              <a:rPr lang="ja-JP" altLang="en-US" dirty="0"/>
+              <a:t>の距離関数を試してみる</a:t>
+            </a:r>
+            <a:r>
+              <a:rPr lang="ja-JP" altLang="en-US" dirty="0" smtClean="0"/>
+              <a:t>？</a:t>
+            </a:r>
+            <a:endParaRPr kumimoji="1" lang="en-US" altLang="ja-JP" dirty="0" smtClean="0"/>
+          </a:p>
+          <a:p>
+            <a:pPr lvl="1"/>
+            <a:r>
+              <a:rPr kumimoji="1" lang="ja-JP" altLang="en-US" dirty="0" smtClean="0"/>
+              <a:t>チェビシェフ距離</a:t>
+            </a:r>
+            <a:endParaRPr kumimoji="1" lang="en-US" altLang="ja-JP" dirty="0" smtClean="0"/>
+          </a:p>
+          <a:p>
+            <a:pPr lvl="1"/>
+            <a:r>
+              <a:rPr lang="ja-JP" altLang="en-US" dirty="0" smtClean="0"/>
+              <a:t>コサイン類似度</a:t>
+            </a:r>
+            <a:endParaRPr lang="en-US" altLang="ja-JP" dirty="0"/>
+          </a:p>
+          <a:p>
+            <a:pPr marL="109728" indent="0">
+              <a:buNone/>
+            </a:pPr>
+            <a:r>
+              <a:rPr lang="en-US" altLang="ja-JP" dirty="0" smtClean="0"/>
+              <a:t>	</a:t>
+            </a:r>
+            <a:r>
+              <a:rPr lang="ja-JP" altLang="en-US" dirty="0" smtClean="0"/>
+              <a:t>↓</a:t>
+            </a:r>
+            <a:endParaRPr lang="en-US" altLang="ja-JP" dirty="0" smtClean="0"/>
+          </a:p>
+          <a:p>
+            <a:r>
+              <a:rPr lang="ja-JP" altLang="en-US" dirty="0"/>
+              <a:t>違</a:t>
+            </a:r>
+            <a:r>
+              <a:rPr lang="ja-JP" altLang="en-US" dirty="0" smtClean="0"/>
+              <a:t>いは</a:t>
+            </a:r>
+            <a:r>
+              <a:rPr lang="ja-JP" altLang="en-US" dirty="0"/>
+              <a:t>見</a:t>
+            </a:r>
+            <a:r>
+              <a:rPr lang="ja-JP" altLang="en-US" dirty="0" smtClean="0"/>
+              <a:t>られたが，優劣ははっきりしなかった</a:t>
+            </a:r>
+            <a:endParaRPr lang="en-US" altLang="ja-JP" dirty="0" smtClean="0"/>
+          </a:p>
+          <a:p>
+            <a:pPr marL="109728" indent="0">
+              <a:buNone/>
+            </a:pPr>
+            <a:r>
+              <a:rPr kumimoji="1" lang="en-US" altLang="ja-JP" dirty="0" smtClean="0"/>
+              <a:t>	</a:t>
+            </a:r>
+            <a:r>
+              <a:rPr kumimoji="1" lang="ja-JP" altLang="en-US" dirty="0" smtClean="0"/>
+              <a:t>↓</a:t>
+            </a:r>
+            <a:endParaRPr kumimoji="1" lang="en-US" altLang="ja-JP" dirty="0"/>
+          </a:p>
+          <a:p>
+            <a:r>
+              <a:rPr kumimoji="1" lang="en-US" altLang="ja-JP" dirty="0" smtClean="0"/>
+              <a:t>SOINN</a:t>
+            </a:r>
+            <a:r>
+              <a:rPr kumimoji="1" lang="ja-JP" altLang="en-US" dirty="0" smtClean="0"/>
+              <a:t>以外の方法を試そう</a:t>
+            </a:r>
+            <a:endParaRPr kumimoji="1" lang="ja-JP" altLang="en-US" dirty="0"/>
+          </a:p>
+        </p:txBody>
+      </p:sp>
+      <p:sp>
+        <p:nvSpPr>
+          <p:cNvPr id="3" name="タイトル 2"/>
+          <p:cNvSpPr>
+            <a:spLocks noGrp="1"/>
+          </p:cNvSpPr>
+          <p:nvPr>
+            <p:ph type="title"/>
+          </p:nvPr>
+        </p:nvSpPr>
+        <p:spPr/>
+        <p:txBody>
+          <a:bodyPr>
+            <a:normAutofit/>
+          </a:bodyPr>
+          <a:lstStyle/>
+          <a:p>
+            <a:r>
+              <a:rPr kumimoji="1" lang="ja-JP" altLang="en-US" dirty="0" smtClean="0"/>
+              <a:t>連立型学習の不具合について</a:t>
+            </a:r>
+            <a:endParaRPr kumimoji="1" lang="ja-JP" altLang="en-US" dirty="0"/>
+          </a:p>
+        </p:txBody>
+      </p:sp>
+    </p:spTree>
+    <p:extLst>
+      <p:ext uri="{BB962C8B-B14F-4D97-AF65-F5344CB8AC3E}">
+        <p14:creationId xmlns:p14="http://schemas.microsoft.com/office/powerpoint/2010/main" val="1830124685"/>
+      </p:ext>
+    </p:extLst>
+  </p:cSld>
+  <p:clrMapOvr>
+    <a:masterClrMapping/>
+  </p:clrMapOvr>
+</p:sld>
+</file>
+
+<file path=ppt/slides/slide53.xml><?xml version="1.0" encoding="utf-8"?>
+<p:sld xmlns:a="http://schemas.openxmlformats.org/drawingml/2006/main" xmlns:r="http://schemas.openxmlformats.org/officeDocument/2006/relationships" xmlns:p="http://schemas.openxmlformats.org/presentationml/2006/main">
+  <p:cSld>
+    <p:spTree>
+      <p:nvGrpSpPr>
+        <p:cNvPr id="1" name=""/>
+        <p:cNvGrpSpPr/>
+        <p:nvPr/>
+      </p:nvGrpSpPr>
+      <p:grpSpPr>
+        <a:xfrm>
+          <a:off x="0" y="0"/>
+          <a:ext cx="0" cy="0"/>
+          <a:chOff x="0" y="0"/>
+          <a:chExt cx="0" cy="0"/>
+        </a:xfrm>
+      </p:grpSpPr>
+      <mc:AlternateContent xmlns:mc="http://schemas.openxmlformats.org/markup-compatibility/2006">
+        <mc:Choice xmlns:a14="http://schemas.microsoft.com/office/drawing/2010/main" Requires="a14">
+          <p:sp>
+            <p:nvSpPr>
+              <p:cNvPr id="2" name="コンテンツ プレースホルダー 1"/>
+              <p:cNvSpPr>
+                <a:spLocks noGrp="1"/>
+              </p:cNvSpPr>
+              <p:nvPr>
+                <p:ph idx="1"/>
+              </p:nvPr>
+            </p:nvSpPr>
+            <p:spPr/>
+            <p:txBody>
+              <a:bodyPr/>
+              <a:lstStyle/>
+              <a:p>
+                <a:r>
+                  <a:rPr kumimoji="1" lang="ja-JP" altLang="en-US" dirty="0" smtClean="0"/>
+                  <a:t>丸め平均法の提案</a:t>
+                </a:r>
+                <a:endParaRPr lang="en-US" altLang="ja-JP" dirty="0"/>
+              </a:p>
+              <a:p>
+                <a:pPr lvl="1"/>
+                <a:endParaRPr kumimoji="1" lang="en-US" altLang="ja-JP" dirty="0" smtClean="0"/>
+              </a:p>
+              <a:p>
+                <a:pPr lvl="1"/>
+                <a:r>
+                  <a:rPr kumimoji="1" lang="ja-JP" altLang="en-US" dirty="0" smtClean="0"/>
+                  <a:t>データ </a:t>
+                </a:r>
+                <a14:m>
+                  <m:oMath xmlns:m="http://schemas.openxmlformats.org/officeDocument/2006/math">
+                    <m:r>
+                      <a:rPr kumimoji="1" lang="en-US" altLang="ja-JP" b="0" i="1" smtClean="0">
+                        <a:latin typeface="Cambria Math" panose="02040503050406030204" pitchFamily="18" charset="0"/>
+                      </a:rPr>
+                      <m:t>𝑋</m:t>
+                    </m:r>
+                    <m:r>
+                      <a:rPr kumimoji="1" lang="en-US" altLang="ja-JP" b="0" i="1" smtClean="0">
+                        <a:latin typeface="Cambria Math" panose="02040503050406030204" pitchFamily="18" charset="0"/>
+                      </a:rPr>
+                      <m:t>=</m:t>
+                    </m:r>
+                    <m:d>
+                      <m:dPr>
+                        <m:begChr m:val="{"/>
+                        <m:endChr m:val="}"/>
+                        <m:ctrlPr>
+                          <a:rPr kumimoji="1" lang="en-US" altLang="ja-JP" b="0" i="1" smtClean="0">
+                            <a:latin typeface="Cambria Math" panose="02040503050406030204" pitchFamily="18" charset="0"/>
+                          </a:rPr>
+                        </m:ctrlPr>
+                      </m:dPr>
+                      <m:e>
+                        <m:sSub>
+                          <m:sSubPr>
+                            <m:ctrlPr>
+                              <a:rPr kumimoji="1" lang="en-US" altLang="ja-JP" b="0" i="1" smtClean="0">
+                                <a:latin typeface="Cambria Math" panose="02040503050406030204" pitchFamily="18" charset="0"/>
+                              </a:rPr>
+                            </m:ctrlPr>
+                          </m:sSubPr>
+                          <m:e>
+                            <m:r>
+                              <a:rPr kumimoji="1" lang="en-US" altLang="ja-JP" b="0" i="1" smtClean="0">
+                                <a:latin typeface="Cambria Math" panose="02040503050406030204" pitchFamily="18" charset="0"/>
+                              </a:rPr>
+                              <m:t>𝑥</m:t>
+                            </m:r>
+                          </m:e>
+                          <m:sub>
+                            <m:r>
+                              <a:rPr kumimoji="1" lang="en-US" altLang="ja-JP" b="0" i="1" smtClean="0">
+                                <a:latin typeface="Cambria Math" panose="02040503050406030204" pitchFamily="18" charset="0"/>
+                              </a:rPr>
+                              <m:t>1</m:t>
+                            </m:r>
+                          </m:sub>
+                        </m:sSub>
+                        <m:r>
+                          <a:rPr kumimoji="1" lang="en-US" altLang="ja-JP" b="0" i="1" smtClean="0">
+                            <a:latin typeface="Cambria Math" panose="02040503050406030204" pitchFamily="18" charset="0"/>
+                          </a:rPr>
+                          <m:t>,</m:t>
+                        </m:r>
+                        <m:sSub>
+                          <m:sSubPr>
+                            <m:ctrlPr>
+                              <a:rPr kumimoji="1" lang="en-US" altLang="ja-JP" b="0" i="1" smtClean="0">
+                                <a:latin typeface="Cambria Math" panose="02040503050406030204" pitchFamily="18" charset="0"/>
+                              </a:rPr>
+                            </m:ctrlPr>
+                          </m:sSubPr>
+                          <m:e>
+                            <m:r>
+                              <a:rPr kumimoji="1" lang="en-US" altLang="ja-JP" b="0" i="1" smtClean="0">
+                                <a:latin typeface="Cambria Math" panose="02040503050406030204" pitchFamily="18" charset="0"/>
+                              </a:rPr>
+                              <m:t>𝑥</m:t>
+                            </m:r>
+                          </m:e>
+                          <m:sub>
+                            <m:r>
+                              <a:rPr kumimoji="1" lang="en-US" altLang="ja-JP" b="0" i="1" smtClean="0">
+                                <a:latin typeface="Cambria Math" panose="02040503050406030204" pitchFamily="18" charset="0"/>
+                              </a:rPr>
+                              <m:t>2</m:t>
+                            </m:r>
+                          </m:sub>
+                        </m:sSub>
+                        <m:r>
+                          <a:rPr kumimoji="1" lang="en-US" altLang="ja-JP" b="0" i="1" smtClean="0">
+                            <a:latin typeface="Cambria Math" panose="02040503050406030204" pitchFamily="18" charset="0"/>
+                          </a:rPr>
+                          <m:t>,…,</m:t>
+                        </m:r>
+                        <m:sSub>
+                          <m:sSubPr>
+                            <m:ctrlPr>
+                              <a:rPr kumimoji="1" lang="en-US" altLang="ja-JP" b="0" i="1" smtClean="0">
+                                <a:latin typeface="Cambria Math" panose="02040503050406030204" pitchFamily="18" charset="0"/>
+                              </a:rPr>
+                            </m:ctrlPr>
+                          </m:sSubPr>
+                          <m:e>
+                            <m:r>
+                              <a:rPr kumimoji="1" lang="en-US" altLang="ja-JP" b="0" i="1" smtClean="0">
+                                <a:latin typeface="Cambria Math" panose="02040503050406030204" pitchFamily="18" charset="0"/>
+                              </a:rPr>
+                              <m:t>𝑥</m:t>
+                            </m:r>
+                          </m:e>
+                          <m:sub>
+                            <m:r>
+                              <a:rPr kumimoji="1" lang="en-US" altLang="ja-JP" b="0" i="1" smtClean="0">
+                                <a:latin typeface="Cambria Math" panose="02040503050406030204" pitchFamily="18" charset="0"/>
+                              </a:rPr>
+                              <m:t>𝑁</m:t>
+                            </m:r>
+                          </m:sub>
+                        </m:sSub>
+                      </m:e>
+                    </m:d>
+                  </m:oMath>
+                </a14:m>
+                <a:endParaRPr kumimoji="1" lang="en-US" altLang="ja-JP" dirty="0" smtClean="0"/>
+              </a:p>
+              <a:p>
+                <a:pPr lvl="1"/>
+                <a:r>
+                  <a:rPr kumimoji="1" lang="ja-JP" altLang="en-US" dirty="0" smtClean="0"/>
+                  <a:t>閾値 </a:t>
+                </a:r>
+                <a14:m>
+                  <m:oMath xmlns:m="http://schemas.openxmlformats.org/officeDocument/2006/math">
+                    <m:r>
+                      <a:rPr lang="en-US" altLang="ja-JP" b="0" i="1" smtClean="0">
+                        <a:latin typeface="Cambria Math" panose="02040503050406030204" pitchFamily="18" charset="0"/>
+                      </a:rPr>
+                      <m:t>𝑇h𝑟𝑒𝑠h𝑜𝑙𝑑</m:t>
+                    </m:r>
+                  </m:oMath>
+                </a14:m>
+                <a:r>
+                  <a:rPr kumimoji="1" lang="ja-JP" altLang="en-US" dirty="0" smtClean="0"/>
+                  <a:t> </a:t>
+                </a:r>
+                <a:endParaRPr kumimoji="1" lang="en-US" altLang="ja-JP" dirty="0" smtClean="0"/>
+              </a:p>
+              <a:p>
+                <a:pPr lvl="1"/>
+                <a:endParaRPr lang="en-US" altLang="ja-JP" dirty="0"/>
+              </a:p>
+              <a:p>
+                <a:pPr lvl="1"/>
+                <a:r>
+                  <a:rPr kumimoji="1" lang="en-US" altLang="ja-JP" dirty="0" smtClean="0"/>
+                  <a:t>1. </a:t>
+                </a:r>
+                <a:r>
+                  <a:rPr kumimoji="1" lang="ja-JP" altLang="en-US" dirty="0" smtClean="0"/>
+                  <a:t>平均ベクトル </a:t>
+                </a:r>
+                <a14:m>
+                  <m:oMath xmlns:m="http://schemas.openxmlformats.org/officeDocument/2006/math">
+                    <m:r>
+                      <m:rPr>
+                        <m:sty m:val="p"/>
+                      </m:rPr>
+                      <a:rPr lang="en-US" altLang="ja-JP" i="1" dirty="0">
+                        <a:latin typeface="Cambria Math" panose="02040503050406030204" pitchFamily="18" charset="0"/>
+                      </a:rPr>
+                      <m:t>μ</m:t>
+                    </m:r>
+                    <m:r>
+                      <a:rPr lang="en-US" altLang="ja-JP" b="0" i="1" dirty="0" smtClean="0">
+                        <a:latin typeface="Cambria Math" panose="02040503050406030204" pitchFamily="18" charset="0"/>
+                      </a:rPr>
+                      <m:t>=</m:t>
+                    </m:r>
+                    <m:f>
+                      <m:fPr>
+                        <m:ctrlPr>
+                          <a:rPr lang="en-US" altLang="ja-JP" b="0" i="1" dirty="0" smtClean="0">
+                            <a:latin typeface="Cambria Math" panose="02040503050406030204" pitchFamily="18" charset="0"/>
+                          </a:rPr>
+                        </m:ctrlPr>
+                      </m:fPr>
+                      <m:num>
+                        <m:r>
+                          <a:rPr lang="en-US" altLang="ja-JP" b="0" i="1" dirty="0" smtClean="0">
+                            <a:latin typeface="Cambria Math" panose="02040503050406030204" pitchFamily="18" charset="0"/>
+                          </a:rPr>
+                          <m:t>1</m:t>
+                        </m:r>
+                      </m:num>
+                      <m:den>
+                        <m:r>
+                          <a:rPr lang="en-US" altLang="ja-JP" b="0" i="1" dirty="0" smtClean="0">
+                            <a:latin typeface="Cambria Math" panose="02040503050406030204" pitchFamily="18" charset="0"/>
+                          </a:rPr>
+                          <m:t>𝑁𝑢𝑚</m:t>
+                        </m:r>
+                        <m:d>
+                          <m:dPr>
+                            <m:ctrlPr>
+                              <a:rPr lang="en-US" altLang="ja-JP" b="0" i="1" dirty="0" smtClean="0">
+                                <a:latin typeface="Cambria Math" panose="02040503050406030204" pitchFamily="18" charset="0"/>
+                              </a:rPr>
+                            </m:ctrlPr>
+                          </m:dPr>
+                          <m:e>
+                            <m:r>
+                              <a:rPr lang="en-US" altLang="ja-JP" b="0" i="1" dirty="0" smtClean="0">
+                                <a:latin typeface="Cambria Math" panose="02040503050406030204" pitchFamily="18" charset="0"/>
+                              </a:rPr>
+                              <m:t>𝑋</m:t>
+                            </m:r>
+                          </m:e>
+                        </m:d>
+                      </m:den>
+                    </m:f>
+                    <m:nary>
+                      <m:naryPr>
+                        <m:chr m:val="∑"/>
+                        <m:limLoc m:val="subSup"/>
+                        <m:supHide m:val="on"/>
+                        <m:ctrlPr>
+                          <a:rPr lang="en-US" altLang="ja-JP" b="0" i="1" dirty="0" smtClean="0">
+                            <a:latin typeface="Cambria Math" panose="02040503050406030204" pitchFamily="18" charset="0"/>
+                          </a:rPr>
+                        </m:ctrlPr>
+                      </m:naryPr>
+                      <m:sub>
+                        <m:sSub>
+                          <m:sSubPr>
+                            <m:ctrlPr>
+                              <a:rPr lang="en-US" altLang="ja-JP" b="0" i="1" dirty="0" smtClean="0">
+                                <a:latin typeface="Cambria Math" panose="02040503050406030204" pitchFamily="18" charset="0"/>
+                              </a:rPr>
+                            </m:ctrlPr>
+                          </m:sSubPr>
+                          <m:e>
+                            <m:r>
+                              <m:rPr>
+                                <m:brk m:alnAt="9"/>
+                              </m:rPr>
+                              <a:rPr lang="en-US" altLang="ja-JP" b="0" i="1" dirty="0" smtClean="0">
+                                <a:latin typeface="Cambria Math" panose="02040503050406030204" pitchFamily="18" charset="0"/>
+                              </a:rPr>
+                              <m:t>𝑥</m:t>
+                            </m:r>
+                          </m:e>
+                          <m:sub>
+                            <m:r>
+                              <m:rPr>
+                                <m:brk m:alnAt="9"/>
+                              </m:rPr>
+                              <a:rPr lang="en-US" altLang="ja-JP" b="0" i="1" dirty="0" smtClean="0">
+                                <a:latin typeface="Cambria Math" panose="02040503050406030204" pitchFamily="18" charset="0"/>
+                              </a:rPr>
+                              <m:t>𝑖</m:t>
+                            </m:r>
+                          </m:sub>
+                        </m:sSub>
+                        <m:r>
+                          <m:rPr>
+                            <m:brk m:alnAt="9"/>
+                          </m:rPr>
+                          <a:rPr lang="ja-JP" altLang="en-US" i="1" dirty="0">
+                            <a:latin typeface="Cambria Math" panose="02040503050406030204" pitchFamily="18" charset="0"/>
+                          </a:rPr>
+                          <m:t>∊</m:t>
+                        </m:r>
+                        <m:r>
+                          <a:rPr lang="en-US" altLang="ja-JP" b="0" i="1" dirty="0" smtClean="0">
+                            <a:latin typeface="Cambria Math" panose="02040503050406030204" pitchFamily="18" charset="0"/>
+                          </a:rPr>
+                          <m:t>𝑋</m:t>
+                        </m:r>
+                      </m:sub>
+                      <m:sup/>
+                      <m:e>
+                        <m:sSub>
+                          <m:sSubPr>
+                            <m:ctrlPr>
+                              <a:rPr lang="en-US" altLang="ja-JP" i="1" dirty="0">
+                                <a:latin typeface="Cambria Math" panose="02040503050406030204" pitchFamily="18" charset="0"/>
+                              </a:rPr>
+                            </m:ctrlPr>
+                          </m:sSubPr>
+                          <m:e>
+                            <m:r>
+                              <a:rPr lang="en-US" altLang="ja-JP" i="1" dirty="0">
+                                <a:latin typeface="Cambria Math" panose="02040503050406030204" pitchFamily="18" charset="0"/>
+                              </a:rPr>
+                              <m:t>𝑥</m:t>
+                            </m:r>
+                          </m:e>
+                          <m:sub>
+                            <m:r>
+                              <a:rPr lang="en-US" altLang="ja-JP" i="1" dirty="0">
+                                <a:latin typeface="Cambria Math" panose="02040503050406030204" pitchFamily="18" charset="0"/>
+                              </a:rPr>
+                              <m:t>𝑖</m:t>
+                            </m:r>
+                          </m:sub>
+                        </m:sSub>
+                      </m:e>
+                    </m:nary>
+                    <m:r>
+                      <a:rPr lang="en-US" altLang="ja-JP" b="0" i="1" dirty="0" smtClean="0">
+                        <a:latin typeface="Cambria Math" panose="02040503050406030204" pitchFamily="18" charset="0"/>
+                      </a:rPr>
+                      <m:t> </m:t>
+                    </m:r>
+                  </m:oMath>
+                </a14:m>
+                <a:r>
+                  <a:rPr kumimoji="1" lang="ja-JP" altLang="en-US" dirty="0" smtClean="0"/>
+                  <a:t>を求める</a:t>
+                </a:r>
+                <a:endParaRPr kumimoji="1" lang="en-US" altLang="ja-JP" dirty="0" smtClean="0"/>
+              </a:p>
+              <a:p>
+                <a:pPr lvl="1"/>
+                <a:r>
+                  <a:rPr lang="en-US" altLang="ja-JP" dirty="0" smtClean="0"/>
+                  <a:t>2. </a:t>
+                </a:r>
+                <a14:m>
+                  <m:oMath xmlns:m="http://schemas.openxmlformats.org/officeDocument/2006/math">
+                    <m:r>
+                      <m:rPr>
+                        <m:sty m:val="p"/>
+                      </m:rPr>
+                      <a:rPr lang="en-US" altLang="ja-JP" i="1" dirty="0">
+                        <a:latin typeface="Cambria Math" panose="02040503050406030204" pitchFamily="18" charset="0"/>
+                      </a:rPr>
+                      <m:t>μ</m:t>
+                    </m:r>
+                  </m:oMath>
+                </a14:m>
+                <a:r>
+                  <a:rPr kumimoji="1" lang="ja-JP" altLang="en-US" dirty="0" smtClean="0"/>
+                  <a:t> </a:t>
+                </a:r>
+                <a:r>
+                  <a:rPr lang="ja-JP" altLang="en-US" dirty="0" smtClean="0"/>
+                  <a:t>から最も遠いデータ </a:t>
+                </a:r>
+                <a14:m>
+                  <m:oMath xmlns:m="http://schemas.openxmlformats.org/officeDocument/2006/math">
+                    <m:sSub>
+                      <m:sSubPr>
+                        <m:ctrlPr>
+                          <a:rPr lang="en-US" altLang="ja-JP" b="0" i="1" smtClean="0">
+                            <a:latin typeface="Cambria Math" panose="02040503050406030204" pitchFamily="18" charset="0"/>
+                          </a:rPr>
+                        </m:ctrlPr>
+                      </m:sSubPr>
+                      <m:e>
+                        <m:r>
+                          <a:rPr lang="en-US" altLang="ja-JP" b="0" i="1" smtClean="0">
+                            <a:latin typeface="Cambria Math" panose="02040503050406030204" pitchFamily="18" charset="0"/>
+                          </a:rPr>
+                          <m:t>𝑥</m:t>
+                        </m:r>
+                      </m:e>
+                      <m:sub>
+                        <m:r>
+                          <a:rPr lang="en-US" altLang="ja-JP" b="0" i="1" smtClean="0">
+                            <a:latin typeface="Cambria Math" panose="02040503050406030204" pitchFamily="18" charset="0"/>
+                          </a:rPr>
+                          <m:t>𝑓𝑎𝑟</m:t>
+                        </m:r>
+                      </m:sub>
+                    </m:sSub>
+                    <m:r>
+                      <a:rPr lang="ja-JP" altLang="en-US" i="1">
+                        <a:latin typeface="Cambria Math" panose="02040503050406030204" pitchFamily="18" charset="0"/>
+                      </a:rPr>
+                      <m:t>∊</m:t>
+                    </m:r>
+                    <m:r>
+                      <a:rPr lang="en-US" altLang="ja-JP" b="0" i="1" smtClean="0">
+                        <a:latin typeface="Cambria Math" panose="02040503050406030204" pitchFamily="18" charset="0"/>
+                      </a:rPr>
+                      <m:t>𝑋</m:t>
+                    </m:r>
+                  </m:oMath>
+                </a14:m>
+                <a:r>
+                  <a:rPr kumimoji="1" lang="ja-JP" altLang="en-US" dirty="0" smtClean="0"/>
+                  <a:t> を求める</a:t>
+                </a:r>
+                <a:endParaRPr kumimoji="1" lang="en-US" altLang="ja-JP" dirty="0" smtClean="0"/>
+              </a:p>
+              <a:p>
+                <a:pPr lvl="1"/>
+                <a:r>
+                  <a:rPr lang="en-US" altLang="ja-JP" dirty="0" smtClean="0"/>
+                  <a:t>3. </a:t>
+                </a:r>
+                <a14:m>
+                  <m:oMath xmlns:m="http://schemas.openxmlformats.org/officeDocument/2006/math">
+                    <m:sSub>
+                      <m:sSubPr>
+                        <m:ctrlPr>
+                          <a:rPr lang="en-US" altLang="ja-JP" b="0" i="1" smtClean="0">
+                            <a:latin typeface="Cambria Math" panose="02040503050406030204" pitchFamily="18" charset="0"/>
+                          </a:rPr>
+                        </m:ctrlPr>
+                      </m:sSubPr>
+                      <m:e>
+                        <m:r>
+                          <a:rPr lang="en-US" altLang="ja-JP" b="0" i="1" smtClean="0">
+                            <a:latin typeface="Cambria Math" panose="02040503050406030204" pitchFamily="18" charset="0"/>
+                          </a:rPr>
+                          <m:t>𝑥</m:t>
+                        </m:r>
+                      </m:e>
+                      <m:sub>
+                        <m:r>
+                          <a:rPr lang="en-US" altLang="ja-JP" b="0" i="1" smtClean="0">
+                            <a:latin typeface="Cambria Math" panose="02040503050406030204" pitchFamily="18" charset="0"/>
+                          </a:rPr>
+                          <m:t>𝑓𝑎𝑟</m:t>
+                        </m:r>
+                      </m:sub>
+                    </m:sSub>
+                  </m:oMath>
+                </a14:m>
+                <a:r>
+                  <a:rPr kumimoji="1" lang="ja-JP" altLang="en-US" dirty="0" smtClean="0"/>
+                  <a:t> を除いた平均ベクトル </a:t>
+                </a:r>
+                <a14:m>
+                  <m:oMath xmlns:m="http://schemas.openxmlformats.org/officeDocument/2006/math">
+                    <m:sSup>
+                      <m:sSupPr>
+                        <m:ctrlPr>
+                          <a:rPr lang="en-US" altLang="ja-JP" b="0" i="1" dirty="0" smtClean="0">
+                            <a:latin typeface="Cambria Math" panose="02040503050406030204" pitchFamily="18" charset="0"/>
+                          </a:rPr>
+                        </m:ctrlPr>
+                      </m:sSupPr>
+                      <m:e>
+                        <m:r>
+                          <m:rPr>
+                            <m:sty m:val="p"/>
+                          </m:rPr>
+                          <a:rPr lang="en-US" altLang="ja-JP" i="1" dirty="0">
+                            <a:latin typeface="Cambria Math" panose="02040503050406030204" pitchFamily="18" charset="0"/>
+                          </a:rPr>
+                          <m:t>μ</m:t>
+                        </m:r>
+                      </m:e>
+                      <m:sup>
+                        <m:r>
+                          <a:rPr lang="en-US" altLang="ja-JP" b="0" i="1" dirty="0" smtClean="0">
+                            <a:latin typeface="Cambria Math" panose="02040503050406030204" pitchFamily="18" charset="0"/>
+                          </a:rPr>
+                          <m:t>′</m:t>
+                        </m:r>
+                      </m:sup>
+                    </m:sSup>
+                    <m:r>
+                      <a:rPr lang="en-US" altLang="ja-JP" i="1" dirty="0">
+                        <a:latin typeface="Cambria Math" panose="02040503050406030204" pitchFamily="18" charset="0"/>
+                      </a:rPr>
+                      <m:t>=</m:t>
+                    </m:r>
+                    <m:f>
+                      <m:fPr>
+                        <m:ctrlPr>
+                          <a:rPr lang="en-US" altLang="ja-JP" i="1" dirty="0">
+                            <a:latin typeface="Cambria Math" panose="02040503050406030204" pitchFamily="18" charset="0"/>
+                          </a:rPr>
+                        </m:ctrlPr>
+                      </m:fPr>
+                      <m:num>
+                        <m:r>
+                          <a:rPr lang="en-US" altLang="ja-JP" i="1" dirty="0">
+                            <a:latin typeface="Cambria Math" panose="02040503050406030204" pitchFamily="18" charset="0"/>
+                          </a:rPr>
+                          <m:t>1</m:t>
+                        </m:r>
+                      </m:num>
+                      <m:den>
+                        <m:r>
+                          <a:rPr lang="en-US" altLang="ja-JP" i="1" dirty="0">
+                            <a:latin typeface="Cambria Math" panose="02040503050406030204" pitchFamily="18" charset="0"/>
+                          </a:rPr>
+                          <m:t>𝑁𝑢𝑚</m:t>
+                        </m:r>
+                        <m:d>
+                          <m:dPr>
+                            <m:ctrlPr>
+                              <a:rPr lang="en-US" altLang="ja-JP" i="1" dirty="0">
+                                <a:latin typeface="Cambria Math" panose="02040503050406030204" pitchFamily="18" charset="0"/>
+                              </a:rPr>
+                            </m:ctrlPr>
+                          </m:dPr>
+                          <m:e>
+                            <m:r>
+                              <a:rPr lang="en-US" altLang="ja-JP" i="1" dirty="0">
+                                <a:latin typeface="Cambria Math" panose="02040503050406030204" pitchFamily="18" charset="0"/>
+                              </a:rPr>
+                              <m:t>𝑋</m:t>
+                            </m:r>
+                            <m:r>
+                              <a:rPr lang="en-US" altLang="ja-JP" b="0" i="1" dirty="0" smtClean="0">
+                                <a:latin typeface="Cambria Math" panose="02040503050406030204" pitchFamily="18" charset="0"/>
+                              </a:rPr>
+                              <m:t>−1</m:t>
+                            </m:r>
+                          </m:e>
+                        </m:d>
+                      </m:den>
+                    </m:f>
+                    <m:nary>
+                      <m:naryPr>
+                        <m:chr m:val="∑"/>
+                        <m:limLoc m:val="subSup"/>
+                        <m:supHide m:val="on"/>
+                        <m:ctrlPr>
+                          <a:rPr lang="en-US" altLang="ja-JP" i="1" dirty="0">
+                            <a:latin typeface="Cambria Math" panose="02040503050406030204" pitchFamily="18" charset="0"/>
+                          </a:rPr>
+                        </m:ctrlPr>
+                      </m:naryPr>
+                      <m:sub>
+                        <m:sSub>
+                          <m:sSubPr>
+                            <m:ctrlPr>
+                              <a:rPr lang="en-US" altLang="ja-JP" i="1" dirty="0">
+                                <a:latin typeface="Cambria Math" panose="02040503050406030204" pitchFamily="18" charset="0"/>
+                              </a:rPr>
+                            </m:ctrlPr>
+                          </m:sSubPr>
+                          <m:e>
+                            <m:r>
+                              <m:rPr>
+                                <m:brk m:alnAt="9"/>
+                              </m:rPr>
+                              <a:rPr lang="en-US" altLang="ja-JP" i="1" dirty="0">
+                                <a:latin typeface="Cambria Math" panose="02040503050406030204" pitchFamily="18" charset="0"/>
+                              </a:rPr>
+                              <m:t>𝑥</m:t>
+                            </m:r>
+                          </m:e>
+                          <m:sub>
+                            <m:r>
+                              <m:rPr>
+                                <m:brk m:alnAt="9"/>
+                              </m:rPr>
+                              <a:rPr lang="en-US" altLang="ja-JP" i="1" dirty="0">
+                                <a:latin typeface="Cambria Math" panose="02040503050406030204" pitchFamily="18" charset="0"/>
+                              </a:rPr>
+                              <m:t>𝑖</m:t>
+                            </m:r>
+                          </m:sub>
+                        </m:sSub>
+                        <m:r>
+                          <m:rPr>
+                            <m:brk m:alnAt="9"/>
+                          </m:rPr>
+                          <a:rPr lang="ja-JP" altLang="en-US" i="1" dirty="0">
+                            <a:latin typeface="Cambria Math" panose="02040503050406030204" pitchFamily="18" charset="0"/>
+                          </a:rPr>
+                          <m:t>∊</m:t>
+                        </m:r>
+                        <m:r>
+                          <a:rPr lang="en-US" altLang="ja-JP" i="1" dirty="0">
+                            <a:latin typeface="Cambria Math" panose="02040503050406030204" pitchFamily="18" charset="0"/>
+                          </a:rPr>
+                          <m:t>𝑋</m:t>
+                        </m:r>
+                        <m:r>
+                          <a:rPr lang="en-US" altLang="ja-JP" i="1" dirty="0">
+                            <a:latin typeface="Cambria Math" panose="02040503050406030204" pitchFamily="18" charset="0"/>
+                            <a:ea typeface="Cambria Math" panose="02040503050406030204" pitchFamily="18" charset="0"/>
+                          </a:rPr>
+                          <m:t>∖</m:t>
+                        </m:r>
+                        <m:sSub>
+                          <m:sSubPr>
+                            <m:ctrlPr>
+                              <a:rPr lang="en-US" altLang="ja-JP" b="0" i="1" dirty="0" smtClean="0">
+                                <a:latin typeface="Cambria Math" panose="02040503050406030204" pitchFamily="18" charset="0"/>
+                                <a:ea typeface="Cambria Math" panose="02040503050406030204" pitchFamily="18" charset="0"/>
+                              </a:rPr>
+                            </m:ctrlPr>
+                          </m:sSubPr>
+                          <m:e>
+                            <m:r>
+                              <a:rPr lang="en-US" altLang="ja-JP" b="0" i="1" dirty="0" smtClean="0">
+                                <a:latin typeface="Cambria Math" panose="02040503050406030204" pitchFamily="18" charset="0"/>
+                                <a:ea typeface="Cambria Math" panose="02040503050406030204" pitchFamily="18" charset="0"/>
+                              </a:rPr>
+                              <m:t>𝑥</m:t>
+                            </m:r>
+                          </m:e>
+                          <m:sub>
+                            <m:r>
+                              <a:rPr lang="en-US" altLang="ja-JP" b="0" i="1" dirty="0" smtClean="0">
+                                <a:latin typeface="Cambria Math" panose="02040503050406030204" pitchFamily="18" charset="0"/>
+                                <a:ea typeface="Cambria Math" panose="02040503050406030204" pitchFamily="18" charset="0"/>
+                              </a:rPr>
+                              <m:t>𝑓𝑎𝑟</m:t>
+                            </m:r>
+                          </m:sub>
+                        </m:sSub>
+                      </m:sub>
+                      <m:sup/>
+                      <m:e>
+                        <m:sSub>
+                          <m:sSubPr>
+                            <m:ctrlPr>
+                              <a:rPr lang="en-US" altLang="ja-JP" i="1" dirty="0">
+                                <a:latin typeface="Cambria Math" panose="02040503050406030204" pitchFamily="18" charset="0"/>
+                              </a:rPr>
+                            </m:ctrlPr>
+                          </m:sSubPr>
+                          <m:e>
+                            <m:r>
+                              <a:rPr lang="en-US" altLang="ja-JP" i="1" dirty="0">
+                                <a:latin typeface="Cambria Math" panose="02040503050406030204" pitchFamily="18" charset="0"/>
+                              </a:rPr>
+                              <m:t>𝑥</m:t>
+                            </m:r>
+                          </m:e>
+                          <m:sub>
+                            <m:r>
+                              <a:rPr lang="en-US" altLang="ja-JP" i="1" dirty="0">
+                                <a:latin typeface="Cambria Math" panose="02040503050406030204" pitchFamily="18" charset="0"/>
+                              </a:rPr>
+                              <m:t>𝑖</m:t>
+                            </m:r>
+                          </m:sub>
+                        </m:sSub>
+                      </m:e>
+                    </m:nary>
+                  </m:oMath>
+                </a14:m>
+                <a:endParaRPr lang="en-US" altLang="ja-JP" dirty="0" smtClean="0"/>
+              </a:p>
+              <a:p>
+                <a:pPr lvl="1"/>
+                <a:r>
+                  <a:rPr kumimoji="1" lang="en-US" altLang="ja-JP" dirty="0" smtClean="0"/>
+                  <a:t>4. </a:t>
+                </a:r>
+                <a14:m>
+                  <m:oMath xmlns:m="http://schemas.openxmlformats.org/officeDocument/2006/math">
+                    <m:d>
+                      <m:dPr>
+                        <m:begChr m:val="|"/>
+                        <m:endChr m:val="|"/>
+                        <m:ctrlPr>
+                          <a:rPr lang="en-US" altLang="ja-JP" b="0" i="1" dirty="0" smtClean="0">
+                            <a:latin typeface="Cambria Math" panose="02040503050406030204" pitchFamily="18" charset="0"/>
+                          </a:rPr>
+                        </m:ctrlPr>
+                      </m:dPr>
+                      <m:e>
+                        <m:r>
+                          <m:rPr>
+                            <m:sty m:val="p"/>
+                          </m:rPr>
+                          <a:rPr lang="en-US" altLang="ja-JP" i="1" dirty="0">
+                            <a:latin typeface="Cambria Math" panose="02040503050406030204" pitchFamily="18" charset="0"/>
+                          </a:rPr>
+                          <m:t>μ</m:t>
+                        </m:r>
+                        <m:r>
+                          <a:rPr lang="en-US" altLang="ja-JP" b="0" i="1" dirty="0" smtClean="0">
+                            <a:latin typeface="Cambria Math" panose="02040503050406030204" pitchFamily="18" charset="0"/>
+                          </a:rPr>
+                          <m:t>−</m:t>
+                        </m:r>
+                        <m:r>
+                          <m:rPr>
+                            <m:sty m:val="p"/>
+                          </m:rPr>
+                          <a:rPr lang="en-US" altLang="ja-JP" i="1" dirty="0">
+                            <a:latin typeface="Cambria Math" panose="02040503050406030204" pitchFamily="18" charset="0"/>
+                          </a:rPr>
+                          <m:t>μ</m:t>
+                        </m:r>
+                        <m:r>
+                          <a:rPr lang="en-US" altLang="ja-JP" b="0" i="1" dirty="0" smtClean="0">
+                            <a:latin typeface="Cambria Math" panose="02040503050406030204" pitchFamily="18" charset="0"/>
+                          </a:rPr>
+                          <m:t>′</m:t>
+                        </m:r>
+                      </m:e>
+                    </m:d>
+                    <m:r>
+                      <a:rPr lang="en-US" altLang="ja-JP" b="0" i="1" dirty="0" smtClean="0">
+                        <a:latin typeface="Cambria Math" panose="02040503050406030204" pitchFamily="18" charset="0"/>
+                      </a:rPr>
+                      <m:t>&lt;</m:t>
+                    </m:r>
+                    <m:r>
+                      <a:rPr lang="en-US" altLang="ja-JP" b="0" i="1" dirty="0" smtClean="0">
+                        <a:latin typeface="Cambria Math" panose="02040503050406030204" pitchFamily="18" charset="0"/>
+                      </a:rPr>
+                      <m:t>𝑇h𝑟𝑒𝑠h𝑜𝑙𝑑</m:t>
+                    </m:r>
+                  </m:oMath>
+                </a14:m>
+                <a:r>
+                  <a:rPr kumimoji="1" lang="ja-JP" altLang="en-US" dirty="0" smtClean="0"/>
+                  <a:t> なら </a:t>
+                </a:r>
+                <a14:m>
+                  <m:oMath xmlns:m="http://schemas.openxmlformats.org/officeDocument/2006/math">
+                    <m:r>
+                      <m:rPr>
+                        <m:sty m:val="p"/>
+                      </m:rPr>
+                      <a:rPr lang="en-US" altLang="ja-JP" i="1" dirty="0">
+                        <a:latin typeface="Cambria Math" panose="02040503050406030204" pitchFamily="18" charset="0"/>
+                      </a:rPr>
+                      <m:t>μ</m:t>
+                    </m:r>
+                    <m:r>
+                      <a:rPr lang="en-US" altLang="ja-JP" b="0" i="0" dirty="0" smtClean="0">
+                        <a:latin typeface="Cambria Math" panose="02040503050406030204" pitchFamily="18" charset="0"/>
+                      </a:rPr>
+                      <m:t> </m:t>
+                    </m:r>
+                  </m:oMath>
+                </a14:m>
+                <a:r>
+                  <a:rPr kumimoji="1" lang="ja-JP" altLang="en-US" dirty="0" smtClean="0"/>
+                  <a:t>を出力して終了</a:t>
+                </a:r>
+                <a:endParaRPr kumimoji="1" lang="en-US" altLang="ja-JP" dirty="0" smtClean="0"/>
+              </a:p>
+              <a:p>
+                <a:pPr lvl="1"/>
+                <a:r>
+                  <a:rPr kumimoji="1" lang="en-US" altLang="ja-JP" dirty="0" smtClean="0"/>
+                  <a:t>5. </a:t>
+                </a:r>
+                <a14:m>
+                  <m:oMath xmlns:m="http://schemas.openxmlformats.org/officeDocument/2006/math">
+                    <m:r>
+                      <a:rPr lang="en-US" altLang="ja-JP" b="0" i="1" dirty="0" smtClean="0">
+                        <a:latin typeface="Cambria Math" panose="02040503050406030204" pitchFamily="18" charset="0"/>
+                      </a:rPr>
+                      <m:t>𝑋</m:t>
+                    </m:r>
+                    <m:r>
+                      <a:rPr lang="en-US" altLang="ja-JP" b="0" i="1" dirty="0" smtClean="0">
+                        <a:latin typeface="Cambria Math" panose="02040503050406030204" pitchFamily="18" charset="0"/>
+                      </a:rPr>
+                      <m:t> ←</m:t>
+                    </m:r>
+                    <m:r>
+                      <a:rPr lang="en-US" altLang="ja-JP" i="1" dirty="0">
+                        <a:latin typeface="Cambria Math" panose="02040503050406030204" pitchFamily="18" charset="0"/>
+                      </a:rPr>
+                      <m:t>𝑋</m:t>
+                    </m:r>
+                    <m:r>
+                      <a:rPr lang="en-US" altLang="ja-JP" i="1" dirty="0">
+                        <a:latin typeface="Cambria Math" panose="02040503050406030204" pitchFamily="18" charset="0"/>
+                        <a:ea typeface="Cambria Math" panose="02040503050406030204" pitchFamily="18" charset="0"/>
+                      </a:rPr>
+                      <m:t>∖</m:t>
+                    </m:r>
+                    <m:sSub>
+                      <m:sSubPr>
+                        <m:ctrlPr>
+                          <a:rPr lang="en-US" altLang="ja-JP" i="1" dirty="0">
+                            <a:latin typeface="Cambria Math" panose="02040503050406030204" pitchFamily="18" charset="0"/>
+                            <a:ea typeface="Cambria Math" panose="02040503050406030204" pitchFamily="18" charset="0"/>
+                          </a:rPr>
+                        </m:ctrlPr>
+                      </m:sSubPr>
+                      <m:e>
+                        <m:r>
+                          <a:rPr lang="en-US" altLang="ja-JP" i="1" dirty="0">
+                            <a:latin typeface="Cambria Math" panose="02040503050406030204" pitchFamily="18" charset="0"/>
+                            <a:ea typeface="Cambria Math" panose="02040503050406030204" pitchFamily="18" charset="0"/>
+                          </a:rPr>
+                          <m:t>𝑥</m:t>
+                        </m:r>
+                      </m:e>
+                      <m:sub>
+                        <m:r>
+                          <a:rPr lang="en-US" altLang="ja-JP" i="1" dirty="0">
+                            <a:latin typeface="Cambria Math" panose="02040503050406030204" pitchFamily="18" charset="0"/>
+                            <a:ea typeface="Cambria Math" panose="02040503050406030204" pitchFamily="18" charset="0"/>
+                          </a:rPr>
+                          <m:t>𝑓𝑎𝑟</m:t>
+                        </m:r>
+                      </m:sub>
+                    </m:sSub>
+                  </m:oMath>
+                </a14:m>
+                <a:r>
+                  <a:rPr kumimoji="1" lang="en-US" altLang="ja-JP" dirty="0" smtClean="0"/>
+                  <a:t> </a:t>
+                </a:r>
+                <a:r>
+                  <a:rPr kumimoji="1" lang="ja-JP" altLang="en-US" dirty="0" smtClean="0"/>
+                  <a:t>として</a:t>
+                </a:r>
+                <a:r>
+                  <a:rPr kumimoji="1" lang="en-US" altLang="ja-JP" dirty="0" smtClean="0"/>
+                  <a:t>1. </a:t>
+                </a:r>
+                <a:r>
+                  <a:rPr kumimoji="1" lang="ja-JP" altLang="en-US" dirty="0" smtClean="0"/>
+                  <a:t>へ</a:t>
+                </a:r>
+                <a:endParaRPr kumimoji="1" lang="en-US" altLang="ja-JP" dirty="0" smtClean="0"/>
+              </a:p>
+            </p:txBody>
+          </p:sp>
+        </mc:Choice>
+        <mc:Fallback>
+          <p:sp>
+            <p:nvSpPr>
+              <p:cNvPr id="2" name="コンテンツ プレースホルダー 1"/>
+              <p:cNvSpPr>
+                <a:spLocks noGrp="1" noRot="1" noChangeAspect="1" noMove="1" noResize="1" noEditPoints="1" noAdjustHandles="1" noChangeArrowheads="1" noChangeShapeType="1" noTextEdit="1"/>
+              </p:cNvSpPr>
+              <p:nvPr>
+                <p:ph idx="1"/>
+              </p:nvPr>
+            </p:nvSpPr>
+            <p:spPr>
+              <a:blipFill>
+                <a:blip r:embed="rId2"/>
+                <a:stretch>
+                  <a:fillRect t="-1091"/>
+                </a:stretch>
+              </a:blipFill>
+            </p:spPr>
+            <p:txBody>
+              <a:bodyPr/>
+              <a:lstStyle/>
+              <a:p>
+                <a:r>
+                  <a:rPr lang="ja-JP" altLang="en-US">
+                    <a:noFill/>
+                  </a:rPr>
+                  <a:t> </a:t>
+                </a:r>
+              </a:p>
+            </p:txBody>
+          </p:sp>
+        </mc:Fallback>
+      </mc:AlternateContent>
+      <p:sp>
+        <p:nvSpPr>
+          <p:cNvPr id="3" name="タイトル 2"/>
+          <p:cNvSpPr>
+            <a:spLocks noGrp="1"/>
+          </p:cNvSpPr>
+          <p:nvPr>
+            <p:ph type="title"/>
+          </p:nvPr>
+        </p:nvSpPr>
+        <p:spPr/>
+        <p:txBody>
+          <a:bodyPr>
+            <a:normAutofit/>
+          </a:bodyPr>
+          <a:lstStyle/>
+          <a:p>
+            <a:r>
+              <a:rPr lang="ja-JP" altLang="en-US" dirty="0"/>
+              <a:t>手法</a:t>
+            </a:r>
+            <a:r>
+              <a:rPr lang="ja-JP" altLang="en-US" dirty="0" smtClean="0"/>
+              <a:t>の</a:t>
+            </a:r>
+            <a:r>
+              <a:rPr lang="ja-JP" altLang="en-US" dirty="0"/>
+              <a:t>変更</a:t>
+            </a:r>
+            <a:endParaRPr kumimoji="1" lang="ja-JP" altLang="en-US" dirty="0"/>
+          </a:p>
+        </p:txBody>
+      </p:sp>
+    </p:spTree>
+    <p:extLst>
+      <p:ext uri="{BB962C8B-B14F-4D97-AF65-F5344CB8AC3E}">
+        <p14:creationId xmlns:p14="http://schemas.microsoft.com/office/powerpoint/2010/main" val="2904908761"/>
+      </p:ext>
+    </p:extLst>
+  </p:cSld>
+  <p:clrMapOvr>
+    <a:masterClrMapping/>
+  </p:clrMapOvr>
+</p:sld>
+</file>
+
+<file path=ppt/slides/slide54.xml><?xml version="1.0" encoding="utf-8"?>
+<p:sld xmlns:a="http://schemas.openxmlformats.org/drawingml/2006/main" xmlns:r="http://schemas.openxmlformats.org/officeDocument/2006/relationships" xmlns:p="http://schemas.openxmlformats.org/presentationml/2006/main">
+  <p:cSld>
+    <p:spTree>
+      <p:nvGrpSpPr>
+        <p:cNvPr id="1" name=""/>
+        <p:cNvGrpSpPr/>
+        <p:nvPr/>
+      </p:nvGrpSpPr>
+      <p:grpSpPr>
+        <a:xfrm>
+          <a:off x="0" y="0"/>
+          <a:ext cx="0" cy="0"/>
+          <a:chOff x="0" y="0"/>
+          <a:chExt cx="0" cy="0"/>
+        </a:xfrm>
+      </p:grpSpPr>
+      <p:sp>
+        <p:nvSpPr>
+          <p:cNvPr id="2" name="コンテンツ プレースホルダー 1"/>
+          <p:cNvSpPr>
+            <a:spLocks noGrp="1"/>
+          </p:cNvSpPr>
+          <p:nvPr>
+            <p:ph idx="1"/>
+          </p:nvPr>
+        </p:nvSpPr>
+        <p:spPr/>
+        <p:txBody>
+          <a:bodyPr/>
+          <a:lstStyle/>
+          <a:p>
+            <a:r>
+              <a:rPr kumimoji="1" lang="ja-JP" altLang="en-US" dirty="0" smtClean="0"/>
+              <a:t>実験結果</a:t>
+            </a:r>
+            <a:endParaRPr kumimoji="1" lang="ja-JP" altLang="en-US" dirty="0"/>
+          </a:p>
+        </p:txBody>
+      </p:sp>
+      <p:sp>
+        <p:nvSpPr>
+          <p:cNvPr id="3" name="タイトル 2"/>
+          <p:cNvSpPr>
+            <a:spLocks noGrp="1"/>
+          </p:cNvSpPr>
+          <p:nvPr>
+            <p:ph type="title"/>
+          </p:nvPr>
+        </p:nvSpPr>
+        <p:spPr/>
+        <p:txBody>
+          <a:bodyPr/>
+          <a:lstStyle/>
+          <a:p>
+            <a:r>
+              <a:rPr kumimoji="1" lang="ja-JP" altLang="en-US" dirty="0" smtClean="0"/>
+              <a:t>手法の変更</a:t>
+            </a:r>
+            <a:endParaRPr kumimoji="1" lang="ja-JP" altLang="en-US" dirty="0"/>
+          </a:p>
+        </p:txBody>
+      </p:sp>
+    </p:spTree>
+    <p:extLst>
+      <p:ext uri="{BB962C8B-B14F-4D97-AF65-F5344CB8AC3E}">
+        <p14:creationId xmlns:p14="http://schemas.microsoft.com/office/powerpoint/2010/main" val="563407641"/>
+      </p:ext>
+    </p:extLst>
+  </p:cSld>
+  <p:clrMapOvr>
+    <a:masterClrMapping/>
+  </p:clrMapOvr>
+</p:sld>
+</file>
+
+<file path=ppt/slides/slide55.xml><?xml version="1.0" encoding="utf-8"?>
+<p:sld xmlns:a="http://schemas.openxmlformats.org/drawingml/2006/main" xmlns:r="http://schemas.openxmlformats.org/officeDocument/2006/relationships" xmlns:p="http://schemas.openxmlformats.org/presentationml/2006/main">
+  <p:cSld>
+    <p:spTree>
+      <p:nvGrpSpPr>
+        <p:cNvPr id="1" name=""/>
+        <p:cNvGrpSpPr/>
+        <p:nvPr/>
+      </p:nvGrpSpPr>
+      <p:grpSpPr>
+        <a:xfrm>
+          <a:off x="0" y="0"/>
+          <a:ext cx="0" cy="0"/>
+          <a:chOff x="0" y="0"/>
+          <a:chExt cx="0" cy="0"/>
+        </a:xfrm>
+      </p:grpSpPr>
+      <p:sp>
+        <p:nvSpPr>
+          <p:cNvPr id="2" name="コンテンツ プレースホルダー 1"/>
+          <p:cNvSpPr>
+            <a:spLocks noGrp="1"/>
+          </p:cNvSpPr>
+          <p:nvPr>
+            <p:ph idx="1"/>
+          </p:nvPr>
+        </p:nvSpPr>
+        <p:spPr/>
+        <p:txBody>
+          <a:bodyPr/>
+          <a:lstStyle/>
+          <a:p>
+            <a:r>
+              <a:rPr kumimoji="1" lang="ja-JP" altLang="en-US" dirty="0" smtClean="0"/>
+              <a:t>前回</a:t>
+            </a:r>
+            <a:endParaRPr kumimoji="1" lang="en-US" altLang="ja-JP" dirty="0" smtClean="0"/>
+          </a:p>
+          <a:p>
+            <a:pPr lvl="1"/>
+            <a:r>
+              <a:rPr lang="ja-JP" altLang="en-US" dirty="0" smtClean="0"/>
+              <a:t>主成分分析を行うといいかも</a:t>
+            </a:r>
+            <a:endParaRPr lang="en-US" altLang="ja-JP" dirty="0" smtClean="0"/>
+          </a:p>
+          <a:p>
+            <a:pPr marL="109728" indent="0">
+              <a:buNone/>
+            </a:pPr>
+            <a:r>
+              <a:rPr kumimoji="1" lang="en-US" altLang="ja-JP" dirty="0" smtClean="0"/>
+              <a:t>	</a:t>
+            </a:r>
+            <a:r>
+              <a:rPr kumimoji="1" lang="ja-JP" altLang="en-US" dirty="0" smtClean="0"/>
+              <a:t>↓</a:t>
+            </a:r>
+            <a:endParaRPr kumimoji="1" lang="en-US" altLang="ja-JP" dirty="0"/>
+          </a:p>
+          <a:p>
+            <a:r>
+              <a:rPr kumimoji="1" lang="ja-JP" altLang="en-US" dirty="0" smtClean="0"/>
+              <a:t>今回の主目的は識別ではなく再現なので，</a:t>
+            </a:r>
+            <a:endParaRPr kumimoji="1" lang="en-US" altLang="ja-JP" dirty="0" smtClean="0"/>
+          </a:p>
+          <a:p>
+            <a:pPr marL="109728" indent="0">
+              <a:buNone/>
+            </a:pPr>
+            <a:r>
+              <a:rPr lang="ja-JP" altLang="en-US" dirty="0" smtClean="0"/>
+              <a:t>逆</a:t>
+            </a:r>
+            <a:r>
+              <a:rPr lang="ja-JP" altLang="en-US" dirty="0"/>
+              <a:t>写像</a:t>
+            </a:r>
+            <a:r>
+              <a:rPr lang="ja-JP" altLang="en-US" dirty="0" smtClean="0"/>
+              <a:t>ができるような学習でないといけない</a:t>
+            </a:r>
+            <a:endParaRPr lang="en-US" altLang="ja-JP" dirty="0" smtClean="0"/>
+          </a:p>
+          <a:p>
+            <a:pPr marL="109728" indent="0">
+              <a:buNone/>
+            </a:pPr>
+            <a:r>
+              <a:rPr kumimoji="1" lang="ja-JP" altLang="en-US" dirty="0" smtClean="0"/>
+              <a:t>（主成分分析ではダメそう）</a:t>
+            </a:r>
+            <a:endParaRPr kumimoji="1" lang="en-US" altLang="ja-JP" dirty="0" smtClean="0"/>
+          </a:p>
+          <a:p>
+            <a:pPr marL="109728" indent="0">
+              <a:buNone/>
+            </a:pPr>
+            <a:r>
+              <a:rPr kumimoji="1" lang="en-US" altLang="ja-JP" dirty="0" smtClean="0"/>
+              <a:t>	</a:t>
+            </a:r>
+            <a:r>
+              <a:rPr kumimoji="1" lang="ja-JP" altLang="en-US" dirty="0" smtClean="0"/>
+              <a:t>↓</a:t>
+            </a:r>
+            <a:endParaRPr kumimoji="1" lang="en-US" altLang="ja-JP" dirty="0" smtClean="0"/>
+          </a:p>
+          <a:p>
+            <a:r>
+              <a:rPr kumimoji="1" lang="ja-JP" altLang="en-US" dirty="0" smtClean="0"/>
+              <a:t>“写像”ではなく“選択”である必要</a:t>
+            </a:r>
+            <a:endParaRPr kumimoji="1" lang="ja-JP" altLang="en-US" dirty="0"/>
+          </a:p>
+        </p:txBody>
+      </p:sp>
+      <p:sp>
+        <p:nvSpPr>
+          <p:cNvPr id="3" name="タイトル 2"/>
+          <p:cNvSpPr>
+            <a:spLocks noGrp="1"/>
+          </p:cNvSpPr>
+          <p:nvPr>
+            <p:ph type="title"/>
+          </p:nvPr>
+        </p:nvSpPr>
+        <p:spPr/>
+        <p:txBody>
+          <a:bodyPr/>
+          <a:lstStyle/>
+          <a:p>
+            <a:r>
+              <a:rPr lang="ja-JP" altLang="en-US" dirty="0" smtClean="0"/>
+              <a:t>特徴量削減に関する考察</a:t>
+            </a:r>
+            <a:endParaRPr kumimoji="1" lang="ja-JP" altLang="en-US" dirty="0"/>
+          </a:p>
+        </p:txBody>
+      </p:sp>
+    </p:spTree>
+    <p:extLst>
+      <p:ext uri="{BB962C8B-B14F-4D97-AF65-F5344CB8AC3E}">
+        <p14:creationId xmlns:p14="http://schemas.microsoft.com/office/powerpoint/2010/main" val="1680545734"/>
+      </p:ext>
+    </p:extLst>
+  </p:cSld>
+  <p:clrMapOvr>
+    <a:masterClrMapping/>
+  </p:clrMapOvr>
+</p:sld>
+</file>
+
+<file path=ppt/slides/slide56.xml><?xml version="1.0" encoding="utf-8"?>
+<p:sld xmlns:a="http://schemas.openxmlformats.org/drawingml/2006/main" xmlns:r="http://schemas.openxmlformats.org/officeDocument/2006/relationships" xmlns:p="http://schemas.openxmlformats.org/presentationml/2006/main">
+  <p:cSld>
+    <p:spTree>
+      <p:nvGrpSpPr>
+        <p:cNvPr id="1" name=""/>
+        <p:cNvGrpSpPr/>
+        <p:nvPr/>
+      </p:nvGrpSpPr>
+      <p:grpSpPr>
+        <a:xfrm>
+          <a:off x="0" y="0"/>
+          <a:ext cx="0" cy="0"/>
+          <a:chOff x="0" y="0"/>
+          <a:chExt cx="0" cy="0"/>
+        </a:xfrm>
+      </p:grpSpPr>
+      <p:sp>
+        <p:nvSpPr>
+          <p:cNvPr id="2" name="コンテンツ プレースホルダー 1"/>
+          <p:cNvSpPr>
+            <a:spLocks noGrp="1"/>
+          </p:cNvSpPr>
+          <p:nvPr>
+            <p:ph idx="1"/>
+          </p:nvPr>
+        </p:nvSpPr>
+        <p:spPr/>
+        <p:txBody>
+          <a:bodyPr/>
+          <a:lstStyle/>
+          <a:p>
+            <a:r>
+              <a:rPr lang="ja-JP" altLang="en-US" dirty="0" smtClean="0"/>
+              <a:t>特徴量を</a:t>
+            </a:r>
+            <a:r>
+              <a:rPr lang="en-US" altLang="ja-JP" dirty="0" smtClean="0"/>
+              <a:t>3</a:t>
+            </a:r>
+            <a:r>
+              <a:rPr lang="ja-JP" altLang="en-US" dirty="0" smtClean="0"/>
+              <a:t>種に大別</a:t>
+            </a:r>
+            <a:endParaRPr lang="en-US" altLang="ja-JP" dirty="0" smtClean="0"/>
+          </a:p>
+          <a:p>
+            <a:pPr lvl="1"/>
+            <a:endParaRPr lang="en-US" altLang="ja-JP" dirty="0" smtClean="0"/>
+          </a:p>
+          <a:p>
+            <a:pPr lvl="1"/>
+            <a:r>
+              <a:rPr lang="ja-JP" altLang="en-US" dirty="0" smtClean="0"/>
+              <a:t>主特徴量</a:t>
+            </a:r>
+            <a:r>
+              <a:rPr lang="en-US" altLang="ja-JP" dirty="0" smtClean="0"/>
+              <a:t>		</a:t>
+            </a:r>
+            <a:r>
+              <a:rPr lang="ja-JP" altLang="en-US" dirty="0" smtClean="0"/>
+              <a:t>：変化する特徴量</a:t>
+            </a:r>
+            <a:endParaRPr lang="en-US" altLang="ja-JP" dirty="0" smtClean="0"/>
+          </a:p>
+          <a:p>
+            <a:pPr lvl="1"/>
+            <a:r>
+              <a:rPr lang="ja-JP" altLang="en-US" dirty="0" smtClean="0"/>
+              <a:t>副</a:t>
+            </a:r>
+            <a:r>
+              <a:rPr kumimoji="1" lang="ja-JP" altLang="en-US" dirty="0" smtClean="0"/>
+              <a:t>特徴量</a:t>
+            </a:r>
+            <a:r>
+              <a:rPr kumimoji="1" lang="en-US" altLang="ja-JP" dirty="0" smtClean="0"/>
+              <a:t>		</a:t>
+            </a:r>
+            <a:r>
+              <a:rPr kumimoji="1" lang="ja-JP" altLang="en-US" dirty="0" smtClean="0"/>
+              <a:t>：主特徴量の変化に寄与する特徴量</a:t>
+            </a:r>
+            <a:endParaRPr kumimoji="1" lang="en-US" altLang="ja-JP" dirty="0" smtClean="0"/>
+          </a:p>
+          <a:p>
+            <a:pPr lvl="1"/>
+            <a:r>
+              <a:rPr lang="ja-JP" altLang="en-US" dirty="0" smtClean="0"/>
+              <a:t>無意味特徴量</a:t>
+            </a:r>
+            <a:r>
+              <a:rPr lang="en-US" altLang="ja-JP" dirty="0" smtClean="0"/>
+              <a:t>	</a:t>
+            </a:r>
+            <a:r>
+              <a:rPr lang="ja-JP" altLang="en-US" dirty="0" smtClean="0"/>
+              <a:t>：主特徴量の変化にかかわらない特徴量</a:t>
+            </a:r>
+            <a:endParaRPr lang="en-US" altLang="ja-JP" dirty="0" smtClean="0"/>
+          </a:p>
+          <a:p>
+            <a:pPr lvl="1"/>
+            <a:endParaRPr kumimoji="1" lang="en-US" altLang="ja-JP" dirty="0"/>
+          </a:p>
+          <a:p>
+            <a:r>
+              <a:rPr lang="ja-JP" altLang="en-US" dirty="0" smtClean="0"/>
+              <a:t>主特徴量の識別は容易</a:t>
+            </a:r>
+            <a:endParaRPr lang="en-US" altLang="ja-JP" dirty="0" smtClean="0"/>
+          </a:p>
+          <a:p>
+            <a:r>
+              <a:rPr lang="ja-JP" altLang="en-US" dirty="0"/>
+              <a:t>学習</a:t>
+            </a:r>
+            <a:r>
+              <a:rPr lang="ja-JP" altLang="en-US" dirty="0" smtClean="0"/>
+              <a:t>には主特徴量と副特徴量のみで十分</a:t>
+            </a:r>
+            <a:endParaRPr lang="en-US" altLang="ja-JP" dirty="0" smtClean="0"/>
+          </a:p>
+          <a:p>
+            <a:pPr marL="109728" indent="0">
+              <a:buNone/>
+            </a:pPr>
+            <a:r>
+              <a:rPr lang="en-US" altLang="ja-JP" dirty="0"/>
+              <a:t>	</a:t>
+            </a:r>
+            <a:r>
+              <a:rPr lang="ja-JP" altLang="en-US" dirty="0" smtClean="0"/>
+              <a:t>↓</a:t>
+            </a:r>
+            <a:endParaRPr lang="en-US" altLang="ja-JP" dirty="0" smtClean="0"/>
+          </a:p>
+          <a:p>
+            <a:r>
+              <a:rPr kumimoji="1" lang="ja-JP" altLang="en-US" dirty="0" smtClean="0"/>
+              <a:t>無意味特徴量が識別できれば学習効率向上</a:t>
+            </a:r>
+            <a:endParaRPr kumimoji="1" lang="ja-JP" altLang="en-US" dirty="0"/>
+          </a:p>
+        </p:txBody>
+      </p:sp>
+      <p:sp>
+        <p:nvSpPr>
+          <p:cNvPr id="3" name="タイトル 2"/>
+          <p:cNvSpPr>
+            <a:spLocks noGrp="1"/>
+          </p:cNvSpPr>
+          <p:nvPr>
+            <p:ph type="title"/>
+          </p:nvPr>
+        </p:nvSpPr>
+        <p:spPr/>
+        <p:txBody>
+          <a:bodyPr>
+            <a:normAutofit/>
+          </a:bodyPr>
+          <a:lstStyle/>
+          <a:p>
+            <a:r>
+              <a:rPr lang="ja-JP" altLang="en-US" dirty="0" smtClean="0"/>
+              <a:t>特徴量</a:t>
+            </a:r>
+            <a:r>
+              <a:rPr lang="ja-JP" altLang="en-US" dirty="0"/>
+              <a:t>削減</a:t>
+            </a:r>
+            <a:r>
+              <a:rPr lang="ja-JP" altLang="en-US" dirty="0" smtClean="0"/>
+              <a:t>に関する</a:t>
+            </a:r>
+            <a:r>
+              <a:rPr lang="ja-JP" altLang="en-US" dirty="0"/>
+              <a:t>考察</a:t>
+            </a:r>
+            <a:endParaRPr kumimoji="1" lang="ja-JP" altLang="en-US" dirty="0"/>
+          </a:p>
+        </p:txBody>
+      </p:sp>
+    </p:spTree>
+    <p:extLst>
+      <p:ext uri="{BB962C8B-B14F-4D97-AF65-F5344CB8AC3E}">
+        <p14:creationId xmlns:p14="http://schemas.microsoft.com/office/powerpoint/2010/main" val="1117575690"/>
+      </p:ext>
+    </p:extLst>
+  </p:cSld>
+  <p:clrMapOvr>
+    <a:masterClrMapping/>
+  </p:clrMapOvr>
+</p:sld>
+</file>
+
+<file path=ppt/slides/slide57.xml><?xml version="1.0" encoding="utf-8"?>
+<p:sld xmlns:a="http://schemas.openxmlformats.org/drawingml/2006/main" xmlns:r="http://schemas.openxmlformats.org/officeDocument/2006/relationships" xmlns:p="http://schemas.openxmlformats.org/presentationml/2006/main">
+  <p:cSld>
+    <p:spTree>
+      <p:nvGrpSpPr>
+        <p:cNvPr id="1" name=""/>
+        <p:cNvGrpSpPr/>
+        <p:nvPr/>
+      </p:nvGrpSpPr>
+      <p:grpSpPr>
+        <a:xfrm>
+          <a:off x="0" y="0"/>
+          <a:ext cx="0" cy="0"/>
+          <a:chOff x="0" y="0"/>
+          <a:chExt cx="0" cy="0"/>
+        </a:xfrm>
+      </p:grpSpPr>
+      <p:sp>
+        <p:nvSpPr>
+          <p:cNvPr id="2" name="コンテンツ プレースホルダー 1"/>
+          <p:cNvSpPr>
+            <a:spLocks noGrp="1"/>
+          </p:cNvSpPr>
+          <p:nvPr>
+            <p:ph idx="1"/>
+          </p:nvPr>
+        </p:nvSpPr>
+        <p:spPr/>
+        <p:txBody>
+          <a:bodyPr/>
+          <a:lstStyle/>
+          <a:p>
+            <a:r>
+              <a:rPr kumimoji="1" lang="ja-JP" altLang="en-US" dirty="0" smtClean="0"/>
+              <a:t>副特徴量と無意味特徴量の判別法の考察</a:t>
+            </a:r>
+            <a:endParaRPr kumimoji="1" lang="en-US" altLang="ja-JP" dirty="0" smtClean="0"/>
+          </a:p>
+          <a:p>
+            <a:r>
+              <a:rPr lang="ja-JP" altLang="en-US" smtClean="0"/>
+              <a:t>丸め平均の閾値の設定方法の考察</a:t>
+            </a:r>
+            <a:endParaRPr kumimoji="1" lang="ja-JP" altLang="en-US" dirty="0"/>
+          </a:p>
+        </p:txBody>
+      </p:sp>
+      <p:sp>
+        <p:nvSpPr>
+          <p:cNvPr id="3" name="タイトル 2"/>
+          <p:cNvSpPr>
+            <a:spLocks noGrp="1"/>
+          </p:cNvSpPr>
+          <p:nvPr>
+            <p:ph type="title"/>
+          </p:nvPr>
+        </p:nvSpPr>
+        <p:spPr/>
+        <p:txBody>
+          <a:bodyPr/>
+          <a:lstStyle/>
+          <a:p>
+            <a:r>
+              <a:rPr lang="ja-JP" altLang="en-US" dirty="0"/>
+              <a:t>今後</a:t>
+            </a:r>
+            <a:r>
+              <a:rPr lang="ja-JP" altLang="en-US" dirty="0" smtClean="0"/>
+              <a:t>の</a:t>
+            </a:r>
+            <a:r>
+              <a:rPr lang="ja-JP" altLang="en-US" dirty="0"/>
+              <a:t>展望</a:t>
+            </a:r>
+            <a:endParaRPr kumimoji="1" lang="ja-JP" altLang="en-US" dirty="0"/>
+          </a:p>
+        </p:txBody>
+      </p:sp>
+    </p:spTree>
+    <p:extLst>
+      <p:ext uri="{BB962C8B-B14F-4D97-AF65-F5344CB8AC3E}">
+        <p14:creationId xmlns:p14="http://schemas.microsoft.com/office/powerpoint/2010/main" val="4017552416"/>
+      </p:ext>
+    </p:extLst>
+  </p:cSld>
+  <p:clrMapOvr>
+    <a:masterClrMapping/>
+  </p:clrMapOvr>
 </p:sld>
 </file>
 
